--- a/formation python.pptx
+++ b/formation python.pptx
@@ -6,19 +6,32 @@
   </p:sldMasterIdLst>
   <p:sldIdLst>
     <p:sldId id="256" r:id="rId2"/>
-    <p:sldId id="309" r:id="rId3"/>
-    <p:sldId id="311" r:id="rId4"/>
-    <p:sldId id="312" r:id="rId5"/>
-    <p:sldId id="313" r:id="rId6"/>
-    <p:sldId id="314" r:id="rId7"/>
-    <p:sldId id="315" r:id="rId8"/>
-    <p:sldId id="310" r:id="rId9"/>
-    <p:sldId id="316" r:id="rId10"/>
-    <p:sldId id="317" r:id="rId11"/>
-    <p:sldId id="319" r:id="rId12"/>
-    <p:sldId id="320" r:id="rId13"/>
-    <p:sldId id="321" r:id="rId14"/>
-    <p:sldId id="308" r:id="rId15"/>
+    <p:sldId id="324" r:id="rId3"/>
+    <p:sldId id="309" r:id="rId4"/>
+    <p:sldId id="311" r:id="rId5"/>
+    <p:sldId id="312" r:id="rId6"/>
+    <p:sldId id="313" r:id="rId7"/>
+    <p:sldId id="314" r:id="rId8"/>
+    <p:sldId id="315" r:id="rId9"/>
+    <p:sldId id="310" r:id="rId10"/>
+    <p:sldId id="326" r:id="rId11"/>
+    <p:sldId id="325" r:id="rId12"/>
+    <p:sldId id="316" r:id="rId13"/>
+    <p:sldId id="317" r:id="rId14"/>
+    <p:sldId id="319" r:id="rId15"/>
+    <p:sldId id="320" r:id="rId16"/>
+    <p:sldId id="321" r:id="rId17"/>
+    <p:sldId id="322" r:id="rId18"/>
+    <p:sldId id="323" r:id="rId19"/>
+    <p:sldId id="329" r:id="rId20"/>
+    <p:sldId id="330" r:id="rId21"/>
+    <p:sldId id="331" r:id="rId22"/>
+    <p:sldId id="332" r:id="rId23"/>
+    <p:sldId id="328" r:id="rId24"/>
+    <p:sldId id="327" r:id="rId25"/>
+    <p:sldId id="333" r:id="rId26"/>
+    <p:sldId id="334" r:id="rId27"/>
+    <p:sldId id="308" r:id="rId28"/>
   </p:sldIdLst>
   <p:sldSz cx="9144000" cy="6858000" type="screen4x3"/>
   <p:notesSz cx="6858000" cy="9144000"/>
@@ -301,7 +314,7 @@
           <a:p>
             <a:fld id="{765F0E4A-4BC1-45D8-AEB9-09F4A4417523}" type="datetimeFigureOut">
               <a:rPr lang="fr-FR" smtClean="0"/>
-              <a:t>21/03/2019</a:t>
+              <a:t>28/03/2019</a:t>
             </a:fld>
             <a:endParaRPr lang="fr-FR"/>
           </a:p>
@@ -471,7 +484,7 @@
           <a:p>
             <a:fld id="{765F0E4A-4BC1-45D8-AEB9-09F4A4417523}" type="datetimeFigureOut">
               <a:rPr lang="fr-FR" smtClean="0"/>
-              <a:t>21/03/2019</a:t>
+              <a:t>28/03/2019</a:t>
             </a:fld>
             <a:endParaRPr lang="fr-FR"/>
           </a:p>
@@ -651,7 +664,7 @@
           <a:p>
             <a:fld id="{765F0E4A-4BC1-45D8-AEB9-09F4A4417523}" type="datetimeFigureOut">
               <a:rPr lang="fr-FR" smtClean="0"/>
-              <a:t>21/03/2019</a:t>
+              <a:t>28/03/2019</a:t>
             </a:fld>
             <a:endParaRPr lang="fr-FR"/>
           </a:p>
@@ -821,7 +834,7 @@
           <a:p>
             <a:fld id="{765F0E4A-4BC1-45D8-AEB9-09F4A4417523}" type="datetimeFigureOut">
               <a:rPr lang="fr-FR" smtClean="0"/>
-              <a:t>21/03/2019</a:t>
+              <a:t>28/03/2019</a:t>
             </a:fld>
             <a:endParaRPr lang="fr-FR"/>
           </a:p>
@@ -1067,7 +1080,7 @@
           <a:p>
             <a:fld id="{765F0E4A-4BC1-45D8-AEB9-09F4A4417523}" type="datetimeFigureOut">
               <a:rPr lang="fr-FR" smtClean="0"/>
-              <a:t>21/03/2019</a:t>
+              <a:t>28/03/2019</a:t>
             </a:fld>
             <a:endParaRPr lang="fr-FR"/>
           </a:p>
@@ -1355,7 +1368,7 @@
           <a:p>
             <a:fld id="{765F0E4A-4BC1-45D8-AEB9-09F4A4417523}" type="datetimeFigureOut">
               <a:rPr lang="fr-FR" smtClean="0"/>
-              <a:t>21/03/2019</a:t>
+              <a:t>28/03/2019</a:t>
             </a:fld>
             <a:endParaRPr lang="fr-FR"/>
           </a:p>
@@ -1777,7 +1790,7 @@
           <a:p>
             <a:fld id="{765F0E4A-4BC1-45D8-AEB9-09F4A4417523}" type="datetimeFigureOut">
               <a:rPr lang="fr-FR" smtClean="0"/>
-              <a:t>21/03/2019</a:t>
+              <a:t>28/03/2019</a:t>
             </a:fld>
             <a:endParaRPr lang="fr-FR"/>
           </a:p>
@@ -1895,7 +1908,7 @@
           <a:p>
             <a:fld id="{765F0E4A-4BC1-45D8-AEB9-09F4A4417523}" type="datetimeFigureOut">
               <a:rPr lang="fr-FR" smtClean="0"/>
-              <a:t>21/03/2019</a:t>
+              <a:t>28/03/2019</a:t>
             </a:fld>
             <a:endParaRPr lang="fr-FR"/>
           </a:p>
@@ -1990,7 +2003,7 @@
           <a:p>
             <a:fld id="{765F0E4A-4BC1-45D8-AEB9-09F4A4417523}" type="datetimeFigureOut">
               <a:rPr lang="fr-FR" smtClean="0"/>
-              <a:t>21/03/2019</a:t>
+              <a:t>28/03/2019</a:t>
             </a:fld>
             <a:endParaRPr lang="fr-FR"/>
           </a:p>
@@ -2267,7 +2280,7 @@
           <a:p>
             <a:fld id="{765F0E4A-4BC1-45D8-AEB9-09F4A4417523}" type="datetimeFigureOut">
               <a:rPr lang="fr-FR" smtClean="0"/>
-              <a:t>21/03/2019</a:t>
+              <a:t>28/03/2019</a:t>
             </a:fld>
             <a:endParaRPr lang="fr-FR"/>
           </a:p>
@@ -2520,7 +2533,7 @@
           <a:p>
             <a:fld id="{765F0E4A-4BC1-45D8-AEB9-09F4A4417523}" type="datetimeFigureOut">
               <a:rPr lang="fr-FR" smtClean="0"/>
-              <a:t>21/03/2019</a:t>
+              <a:t>28/03/2019</a:t>
             </a:fld>
             <a:endParaRPr lang="fr-FR"/>
           </a:p>
@@ -2733,7 +2746,7 @@
           <a:p>
             <a:fld id="{765F0E4A-4BC1-45D8-AEB9-09F4A4417523}" type="datetimeFigureOut">
               <a:rPr lang="fr-FR" smtClean="0"/>
-              <a:t>21/03/2019</a:t>
+              <a:t>28/03/2019</a:t>
             </a:fld>
             <a:endParaRPr lang="fr-FR"/>
           </a:p>
@@ -3148,7 +3161,27 @@
                 <a:latin typeface="Arial" panose="020B0604020202020204" pitchFamily="34" charset="0"/>
                 <a:cs typeface="Arial" panose="020B0604020202020204" pitchFamily="34" charset="0"/>
               </a:rPr>
-              <a:t>à SAS </a:t>
+              <a:t>à </a:t>
+            </a:r>
+            <a:r>
+              <a:rPr lang="fr-FR" b="1" dirty="0" smtClean="0">
+                <a:solidFill>
+                  <a:srgbClr val="7030A0"/>
+                </a:solidFill>
+                <a:latin typeface="Arial" panose="020B0604020202020204" pitchFamily="34" charset="0"/>
+                <a:cs typeface="Arial" panose="020B0604020202020204" pitchFamily="34" charset="0"/>
+              </a:rPr>
+              <a:t>SAS : </a:t>
+            </a:r>
+            <a:r>
+              <a:rPr lang="fr-FR" b="1" dirty="0">
+                <a:solidFill>
+                  <a:srgbClr val="7030A0"/>
+                </a:solidFill>
+                <a:latin typeface="Arial" panose="020B0604020202020204" pitchFamily="34" charset="0"/>
+                <a:cs typeface="Arial" panose="020B0604020202020204" pitchFamily="34" charset="0"/>
+              </a:rPr>
+              <a:t/>
             </a:r>
             <a:br>
               <a:rPr lang="fr-FR" b="1" dirty="0">
@@ -3304,6 +3337,640 @@
                 <a:latin typeface="Arial" panose="020B0604020202020204" pitchFamily="34" charset="0"/>
                 <a:cs typeface="Arial" panose="020B0604020202020204" pitchFamily="34" charset="0"/>
               </a:rPr>
+              <a:t>Python pour la </a:t>
+            </a:r>
+            <a:r>
+              <a:rPr lang="fr-FR" sz="3200" b="1" dirty="0" err="1" smtClean="0">
+                <a:latin typeface="Arial" panose="020B0604020202020204" pitchFamily="34" charset="0"/>
+                <a:cs typeface="Arial" panose="020B0604020202020204" pitchFamily="34" charset="0"/>
+              </a:rPr>
+              <a:t>datascience</a:t>
+            </a:r>
+            <a:r>
+              <a:rPr lang="fr-FR" sz="3200" b="1" dirty="0" smtClean="0">
+                <a:latin typeface="Arial" panose="020B0604020202020204" pitchFamily="34" charset="0"/>
+                <a:cs typeface="Arial" panose="020B0604020202020204" pitchFamily="34" charset="0"/>
+              </a:rPr>
+              <a:t> : les principales librairies</a:t>
+            </a:r>
+            <a:endParaRPr lang="fr-FR" sz="3200" b="1" dirty="0">
+              <a:latin typeface="Arial" panose="020B0604020202020204" pitchFamily="34" charset="0"/>
+              <a:cs typeface="Arial" panose="020B0604020202020204" pitchFamily="34" charset="0"/>
+            </a:endParaRPr>
+          </a:p>
+        </p:txBody>
+      </p:sp>
+      <p:sp>
+        <p:nvSpPr>
+          <p:cNvPr id="3" name="Espace réservé du contenu 2"/>
+          <p:cNvSpPr>
+            <a:spLocks noGrp="1"/>
+          </p:cNvSpPr>
+          <p:nvPr>
+            <p:ph idx="1"/>
+          </p:nvPr>
+        </p:nvSpPr>
+        <p:spPr/>
+        <p:txBody>
+          <a:bodyPr>
+            <a:normAutofit/>
+          </a:bodyPr>
+          <a:lstStyle/>
+          <a:p>
+            <a:r>
+              <a:rPr lang="fr-FR" sz="2400" b="1" dirty="0" err="1" smtClean="0">
+                <a:latin typeface="Arial" panose="020B0604020202020204" pitchFamily="34" charset="0"/>
+                <a:cs typeface="Arial" panose="020B0604020202020204" pitchFamily="34" charset="0"/>
+              </a:rPr>
+              <a:t>Numpy</a:t>
+            </a:r>
+            <a:r>
+              <a:rPr lang="fr-FR" sz="2400" b="1" dirty="0" smtClean="0">
+                <a:latin typeface="Arial" panose="020B0604020202020204" pitchFamily="34" charset="0"/>
+                <a:cs typeface="Arial" panose="020B0604020202020204" pitchFamily="34" charset="0"/>
+              </a:rPr>
+              <a:t> : </a:t>
+            </a:r>
+            <a:r>
+              <a:rPr lang="fr-FR" sz="2000" dirty="0" smtClean="0">
+                <a:latin typeface="Arial" panose="020B0604020202020204" pitchFamily="34" charset="0"/>
+                <a:cs typeface="Arial" panose="020B0604020202020204" pitchFamily="34" charset="0"/>
+              </a:rPr>
+              <a:t>manipulation de</a:t>
+            </a:r>
+            <a:r>
+              <a:rPr lang="fr-FR" sz="2000" dirty="0">
+                <a:latin typeface="Arial" panose="020B0604020202020204" pitchFamily="34" charset="0"/>
+                <a:cs typeface="Arial" panose="020B0604020202020204" pitchFamily="34" charset="0"/>
+              </a:rPr>
+              <a:t> </a:t>
+            </a:r>
+            <a:r>
+              <a:rPr lang="fr-FR" sz="2000" dirty="0" smtClean="0">
+                <a:latin typeface="Arial" panose="020B0604020202020204" pitchFamily="34" charset="0"/>
+                <a:cs typeface="Arial" panose="020B0604020202020204" pitchFamily="34" charset="0"/>
+              </a:rPr>
+              <a:t>tableaux multidimensionnels + fonctions </a:t>
+            </a:r>
+            <a:r>
+              <a:rPr lang="fr-FR" sz="2000" dirty="0">
+                <a:latin typeface="Arial" panose="020B0604020202020204" pitchFamily="34" charset="0"/>
+                <a:cs typeface="Arial" panose="020B0604020202020204" pitchFamily="34" charset="0"/>
+              </a:rPr>
+              <a:t>mathématiques </a:t>
+            </a:r>
+            <a:r>
+              <a:rPr lang="fr-FR" sz="2000" dirty="0" smtClean="0">
+                <a:latin typeface="Arial" panose="020B0604020202020204" pitchFamily="34" charset="0"/>
+                <a:cs typeface="Arial" panose="020B0604020202020204" pitchFamily="34" charset="0"/>
+              </a:rPr>
+              <a:t>dessus.</a:t>
+            </a:r>
+          </a:p>
+          <a:p>
+            <a:r>
+              <a:rPr lang="fr-FR" sz="2400" b="1" dirty="0" smtClean="0">
+                <a:latin typeface="Arial" panose="020B0604020202020204" pitchFamily="34" charset="0"/>
+                <a:cs typeface="Arial" panose="020B0604020202020204" pitchFamily="34" charset="0"/>
+              </a:rPr>
+              <a:t>Pandas</a:t>
+            </a:r>
+            <a:r>
+              <a:rPr lang="fr-FR" sz="2000" dirty="0" smtClean="0">
+                <a:latin typeface="Arial" panose="020B0604020202020204" pitchFamily="34" charset="0"/>
+                <a:cs typeface="Arial" panose="020B0604020202020204" pitchFamily="34" charset="0"/>
+              </a:rPr>
+              <a:t> : manipulation de données + statistiques descriptives</a:t>
+            </a:r>
+          </a:p>
+          <a:p>
+            <a:r>
+              <a:rPr lang="fr-FR" sz="2400" b="1" dirty="0" err="1" smtClean="0">
+                <a:latin typeface="Arial" panose="020B0604020202020204" pitchFamily="34" charset="0"/>
+                <a:cs typeface="Arial" panose="020B0604020202020204" pitchFamily="34" charset="0"/>
+              </a:rPr>
+              <a:t>Statsmodels</a:t>
+            </a:r>
+            <a:r>
+              <a:rPr lang="fr-FR" sz="2000" dirty="0" smtClean="0">
+                <a:latin typeface="Arial" panose="020B0604020202020204" pitchFamily="34" charset="0"/>
+                <a:cs typeface="Arial" panose="020B0604020202020204" pitchFamily="34" charset="0"/>
+              </a:rPr>
+              <a:t> : économétrie, séries temporelles</a:t>
+            </a:r>
+          </a:p>
+          <a:p>
+            <a:r>
+              <a:rPr lang="fr-FR" sz="2400" b="1" dirty="0" err="1" smtClean="0">
+                <a:latin typeface="Arial" panose="020B0604020202020204" pitchFamily="34" charset="0"/>
+                <a:cs typeface="Arial" panose="020B0604020202020204" pitchFamily="34" charset="0"/>
+              </a:rPr>
+              <a:t>Scikit</a:t>
+            </a:r>
+            <a:r>
+              <a:rPr lang="fr-FR" sz="2400" b="1" dirty="0" smtClean="0">
+                <a:latin typeface="Arial" panose="020B0604020202020204" pitchFamily="34" charset="0"/>
+                <a:cs typeface="Arial" panose="020B0604020202020204" pitchFamily="34" charset="0"/>
+              </a:rPr>
+              <a:t> </a:t>
+            </a:r>
+            <a:r>
+              <a:rPr lang="fr-FR" sz="2400" b="1" dirty="0" err="1" smtClean="0">
+                <a:latin typeface="Arial" panose="020B0604020202020204" pitchFamily="34" charset="0"/>
+                <a:cs typeface="Arial" panose="020B0604020202020204" pitchFamily="34" charset="0"/>
+              </a:rPr>
+              <a:t>learn</a:t>
+            </a:r>
+            <a:r>
+              <a:rPr lang="fr-FR" sz="2400" b="1" dirty="0" smtClean="0">
+                <a:latin typeface="Arial" panose="020B0604020202020204" pitchFamily="34" charset="0"/>
+                <a:cs typeface="Arial" panose="020B0604020202020204" pitchFamily="34" charset="0"/>
+              </a:rPr>
+              <a:t> </a:t>
+            </a:r>
+            <a:r>
+              <a:rPr lang="fr-FR" sz="2000" dirty="0" smtClean="0">
+                <a:latin typeface="Arial" panose="020B0604020202020204" pitchFamily="34" charset="0"/>
+                <a:cs typeface="Arial" panose="020B0604020202020204" pitchFamily="34" charset="0"/>
+              </a:rPr>
+              <a:t>: machine </a:t>
+            </a:r>
+            <a:r>
+              <a:rPr lang="fr-FR" sz="2000" dirty="0" err="1" smtClean="0">
+                <a:latin typeface="Arial" panose="020B0604020202020204" pitchFamily="34" charset="0"/>
+                <a:cs typeface="Arial" panose="020B0604020202020204" pitchFamily="34" charset="0"/>
+              </a:rPr>
+              <a:t>learning</a:t>
+            </a:r>
+            <a:r>
+              <a:rPr lang="fr-FR" sz="2000" dirty="0" smtClean="0">
+                <a:latin typeface="Arial" panose="020B0604020202020204" pitchFamily="34" charset="0"/>
+                <a:cs typeface="Arial" panose="020B0604020202020204" pitchFamily="34" charset="0"/>
+              </a:rPr>
+              <a:t> notamment : « classification » (SVM, forêts aléatoires, </a:t>
+            </a:r>
+            <a:r>
+              <a:rPr lang="fr-FR" sz="2000" dirty="0" err="1" smtClean="0">
+                <a:latin typeface="Arial" panose="020B0604020202020204" pitchFamily="34" charset="0"/>
+                <a:cs typeface="Arial" panose="020B0604020202020204" pitchFamily="34" charset="0"/>
+              </a:rPr>
+              <a:t>etc</a:t>
+            </a:r>
+            <a:r>
+              <a:rPr lang="fr-FR" sz="2000" dirty="0" smtClean="0">
+                <a:latin typeface="Arial" panose="020B0604020202020204" pitchFamily="34" charset="0"/>
+                <a:cs typeface="Arial" panose="020B0604020202020204" pitchFamily="34" charset="0"/>
+              </a:rPr>
+              <a:t>) , réduction de dimension (ACP, </a:t>
+            </a:r>
+            <a:r>
+              <a:rPr lang="fr-FR" sz="2000" dirty="0" err="1" smtClean="0">
+                <a:latin typeface="Arial" panose="020B0604020202020204" pitchFamily="34" charset="0"/>
+                <a:cs typeface="Arial" panose="020B0604020202020204" pitchFamily="34" charset="0"/>
+              </a:rPr>
+              <a:t>etc</a:t>
+            </a:r>
+            <a:r>
+              <a:rPr lang="fr-FR" sz="2000" dirty="0" smtClean="0">
+                <a:latin typeface="Arial" panose="020B0604020202020204" pitchFamily="34" charset="0"/>
+                <a:cs typeface="Arial" panose="020B0604020202020204" pitchFamily="34" charset="0"/>
+              </a:rPr>
+              <a:t>), « </a:t>
+            </a:r>
+            <a:r>
+              <a:rPr lang="fr-FR" sz="2000" dirty="0" err="1" smtClean="0">
+                <a:latin typeface="Arial" panose="020B0604020202020204" pitchFamily="34" charset="0"/>
+                <a:cs typeface="Arial" panose="020B0604020202020204" pitchFamily="34" charset="0"/>
+              </a:rPr>
+              <a:t>clustering</a:t>
+            </a:r>
+            <a:r>
+              <a:rPr lang="fr-FR" sz="2000" dirty="0" smtClean="0">
+                <a:latin typeface="Arial" panose="020B0604020202020204" pitchFamily="34" charset="0"/>
+                <a:cs typeface="Arial" panose="020B0604020202020204" pitchFamily="34" charset="0"/>
+              </a:rPr>
+              <a:t> » (CAH, k </a:t>
+            </a:r>
+            <a:r>
+              <a:rPr lang="fr-FR" sz="2000" dirty="0" err="1" smtClean="0">
+                <a:latin typeface="Arial" panose="020B0604020202020204" pitchFamily="34" charset="0"/>
+                <a:cs typeface="Arial" panose="020B0604020202020204" pitchFamily="34" charset="0"/>
+              </a:rPr>
+              <a:t>means</a:t>
+            </a:r>
+            <a:r>
+              <a:rPr lang="fr-FR" sz="2000" dirty="0" smtClean="0">
+                <a:latin typeface="Arial" panose="020B0604020202020204" pitchFamily="34" charset="0"/>
+                <a:cs typeface="Arial" panose="020B0604020202020204" pitchFamily="34" charset="0"/>
+              </a:rPr>
+              <a:t>, </a:t>
+            </a:r>
+            <a:r>
+              <a:rPr lang="fr-FR" sz="2000" dirty="0" err="1" smtClean="0">
+                <a:latin typeface="Arial" panose="020B0604020202020204" pitchFamily="34" charset="0"/>
+                <a:cs typeface="Arial" panose="020B0604020202020204" pitchFamily="34" charset="0"/>
+              </a:rPr>
+              <a:t>etc</a:t>
+            </a:r>
+            <a:r>
+              <a:rPr lang="fr-FR" sz="2000" dirty="0" smtClean="0">
+                <a:latin typeface="Arial" panose="020B0604020202020204" pitchFamily="34" charset="0"/>
+                <a:cs typeface="Arial" panose="020B0604020202020204" pitchFamily="34" charset="0"/>
+              </a:rPr>
+              <a:t>), aide pour la sélection de modèle.</a:t>
+            </a:r>
+          </a:p>
+          <a:p>
+            <a:r>
+              <a:rPr lang="fr-FR" sz="2400" b="1" dirty="0" smtClean="0">
+                <a:latin typeface="Arial" panose="020B0604020202020204" pitchFamily="34" charset="0"/>
+                <a:cs typeface="Arial" panose="020B0604020202020204" pitchFamily="34" charset="0"/>
+              </a:rPr>
+              <a:t>Visualisation</a:t>
+            </a:r>
+            <a:r>
+              <a:rPr lang="fr-FR" sz="2000" dirty="0" smtClean="0">
+                <a:latin typeface="Arial" panose="020B0604020202020204" pitchFamily="34" charset="0"/>
+                <a:cs typeface="Arial" panose="020B0604020202020204" pitchFamily="34" charset="0"/>
+              </a:rPr>
+              <a:t> : </a:t>
+            </a:r>
+            <a:r>
+              <a:rPr lang="fr-FR" sz="2000" dirty="0" err="1" smtClean="0">
+                <a:latin typeface="Arial" panose="020B0604020202020204" pitchFamily="34" charset="0"/>
+                <a:cs typeface="Arial" panose="020B0604020202020204" pitchFamily="34" charset="0"/>
+              </a:rPr>
+              <a:t>matplotlib</a:t>
+            </a:r>
+            <a:r>
+              <a:rPr lang="fr-FR" sz="2000" dirty="0" smtClean="0">
+                <a:latin typeface="Arial" panose="020B0604020202020204" pitchFamily="34" charset="0"/>
+                <a:cs typeface="Arial" panose="020B0604020202020204" pitchFamily="34" charset="0"/>
+              </a:rPr>
+              <a:t>, </a:t>
+            </a:r>
+            <a:r>
+              <a:rPr lang="fr-FR" sz="2000" dirty="0" err="1" smtClean="0">
+                <a:latin typeface="Arial" panose="020B0604020202020204" pitchFamily="34" charset="0"/>
+                <a:cs typeface="Arial" panose="020B0604020202020204" pitchFamily="34" charset="0"/>
+              </a:rPr>
+              <a:t>bokeh</a:t>
+            </a:r>
+            <a:r>
+              <a:rPr lang="fr-FR" sz="2000" dirty="0" smtClean="0">
+                <a:latin typeface="Arial" panose="020B0604020202020204" pitchFamily="34" charset="0"/>
+                <a:cs typeface="Arial" panose="020B0604020202020204" pitchFamily="34" charset="0"/>
+              </a:rPr>
+              <a:t>, </a:t>
+            </a:r>
+            <a:r>
+              <a:rPr lang="fr-FR" sz="2000" dirty="0" err="1" smtClean="0">
+                <a:latin typeface="Arial" panose="020B0604020202020204" pitchFamily="34" charset="0"/>
+                <a:cs typeface="Arial" panose="020B0604020202020204" pitchFamily="34" charset="0"/>
+              </a:rPr>
+              <a:t>seaborn</a:t>
+            </a:r>
+            <a:endParaRPr lang="fr-FR" sz="2000" dirty="0" smtClean="0">
+              <a:latin typeface="Arial" panose="020B0604020202020204" pitchFamily="34" charset="0"/>
+              <a:cs typeface="Arial" panose="020B0604020202020204" pitchFamily="34" charset="0"/>
+            </a:endParaRPr>
+          </a:p>
+          <a:p>
+            <a:r>
+              <a:rPr lang="fr-FR" sz="2400" b="1" dirty="0" smtClean="0">
+                <a:latin typeface="Arial" panose="020B0604020202020204" pitchFamily="34" charset="0"/>
+                <a:cs typeface="Arial" panose="020B0604020202020204" pitchFamily="34" charset="0"/>
+              </a:rPr>
+              <a:t>Réseaux de neurones : </a:t>
+            </a:r>
+            <a:r>
+              <a:rPr lang="fr-FR" sz="2000" dirty="0" err="1" smtClean="0">
+                <a:latin typeface="Arial" panose="020B0604020202020204" pitchFamily="34" charset="0"/>
+                <a:cs typeface="Arial" panose="020B0604020202020204" pitchFamily="34" charset="0"/>
+              </a:rPr>
+              <a:t>Keras</a:t>
+            </a:r>
+            <a:r>
+              <a:rPr lang="fr-FR" sz="2000" dirty="0" smtClean="0">
+                <a:latin typeface="Arial" panose="020B0604020202020204" pitchFamily="34" charset="0"/>
+                <a:cs typeface="Arial" panose="020B0604020202020204" pitchFamily="34" charset="0"/>
+              </a:rPr>
+              <a:t> et </a:t>
+            </a:r>
+            <a:r>
+              <a:rPr lang="fr-FR" sz="2000" dirty="0" err="1" smtClean="0">
+                <a:latin typeface="Arial" panose="020B0604020202020204" pitchFamily="34" charset="0"/>
+                <a:cs typeface="Arial" panose="020B0604020202020204" pitchFamily="34" charset="0"/>
+              </a:rPr>
+              <a:t>tensorFlow</a:t>
+            </a:r>
+            <a:endParaRPr lang="fr-FR" sz="2000" dirty="0" smtClean="0">
+              <a:latin typeface="Arial" panose="020B0604020202020204" pitchFamily="34" charset="0"/>
+              <a:cs typeface="Arial" panose="020B0604020202020204" pitchFamily="34" charset="0"/>
+            </a:endParaRPr>
+          </a:p>
+          <a:p>
+            <a:r>
+              <a:rPr lang="fr-FR" sz="2400" b="1" dirty="0" smtClean="0">
+                <a:latin typeface="Arial" panose="020B0604020202020204" pitchFamily="34" charset="0"/>
+                <a:cs typeface="Arial" panose="020B0604020202020204" pitchFamily="34" charset="0"/>
+              </a:rPr>
+              <a:t>NLTK</a:t>
+            </a:r>
+            <a:r>
+              <a:rPr lang="fr-FR" sz="2000" dirty="0" smtClean="0">
+                <a:latin typeface="Arial" panose="020B0604020202020204" pitchFamily="34" charset="0"/>
+                <a:cs typeface="Arial" panose="020B0604020202020204" pitchFamily="34" charset="0"/>
+              </a:rPr>
+              <a:t> : Traitement du langage naturel</a:t>
+            </a:r>
+          </a:p>
+          <a:p>
+            <a:endParaRPr lang="fr-FR" sz="2000" dirty="0">
+              <a:latin typeface="Arial" panose="020B0604020202020204" pitchFamily="34" charset="0"/>
+              <a:cs typeface="Arial" panose="020B0604020202020204" pitchFamily="34" charset="0"/>
+            </a:endParaRPr>
+          </a:p>
+        </p:txBody>
+      </p:sp>
+    </p:spTree>
+    <p:extLst>
+      <p:ext uri="{BB962C8B-B14F-4D97-AF65-F5344CB8AC3E}">
+        <p14:creationId xmlns:p14="http://schemas.microsoft.com/office/powerpoint/2010/main" val="4065743457"/>
+      </p:ext>
+    </p:extLst>
+  </p:cSld>
+  <p:clrMapOvr>
+    <a:masterClrMapping/>
+  </p:clrMapOvr>
+</p:sld>
+</file>
+
+<file path=ppt/slides/slide11.xml><?xml version="1.0" encoding="utf-8"?>
+<p:sld xmlns:a="http://schemas.openxmlformats.org/drawingml/2006/main" xmlns:r="http://schemas.openxmlformats.org/officeDocument/2006/relationships" xmlns:p="http://schemas.openxmlformats.org/presentationml/2006/main">
+  <p:cSld>
+    <p:spTree>
+      <p:nvGrpSpPr>
+        <p:cNvPr id="1" name=""/>
+        <p:cNvGrpSpPr/>
+        <p:nvPr/>
+      </p:nvGrpSpPr>
+      <p:grpSpPr>
+        <a:xfrm>
+          <a:off x="0" y="0"/>
+          <a:ext cx="0" cy="0"/>
+          <a:chOff x="0" y="0"/>
+          <a:chExt cx="0" cy="0"/>
+        </a:xfrm>
+      </p:grpSpPr>
+      <p:sp>
+        <p:nvSpPr>
+          <p:cNvPr id="4" name="Titre 3"/>
+          <p:cNvSpPr>
+            <a:spLocks noGrp="1"/>
+          </p:cNvSpPr>
+          <p:nvPr>
+            <p:ph type="ctrTitle"/>
+          </p:nvPr>
+        </p:nvSpPr>
+        <p:spPr/>
+        <p:txBody>
+          <a:bodyPr>
+            <a:normAutofit/>
+          </a:bodyPr>
+          <a:lstStyle/>
+          <a:p>
+            <a:r>
+              <a:rPr lang="fr-FR" sz="3200" b="1" dirty="0" smtClean="0">
+                <a:solidFill>
+                  <a:srgbClr val="7030A0"/>
+                </a:solidFill>
+                <a:latin typeface="Arial" panose="020B0604020202020204" pitchFamily="34" charset="0"/>
+                <a:cs typeface="Arial" panose="020B0604020202020204" pitchFamily="34" charset="0"/>
+              </a:rPr>
+              <a:t>Partie 2 : les bases de Python</a:t>
+            </a:r>
+            <a:endParaRPr lang="fr-FR" sz="3200" b="1" dirty="0">
+              <a:solidFill>
+                <a:srgbClr val="7030A0"/>
+              </a:solidFill>
+              <a:latin typeface="Arial" panose="020B0604020202020204" pitchFamily="34" charset="0"/>
+              <a:cs typeface="Arial" panose="020B0604020202020204" pitchFamily="34" charset="0"/>
+            </a:endParaRPr>
+          </a:p>
+        </p:txBody>
+      </p:sp>
+    </p:spTree>
+    <p:extLst>
+      <p:ext uri="{BB962C8B-B14F-4D97-AF65-F5344CB8AC3E}">
+        <p14:creationId xmlns:p14="http://schemas.microsoft.com/office/powerpoint/2010/main" val="1483399350"/>
+      </p:ext>
+    </p:extLst>
+  </p:cSld>
+  <p:clrMapOvr>
+    <a:masterClrMapping/>
+  </p:clrMapOvr>
+</p:sld>
+</file>
+
+<file path=ppt/slides/slide12.xml><?xml version="1.0" encoding="utf-8"?>
+<p:sld xmlns:a="http://schemas.openxmlformats.org/drawingml/2006/main" xmlns:r="http://schemas.openxmlformats.org/officeDocument/2006/relationships" xmlns:p="http://schemas.openxmlformats.org/presentationml/2006/main">
+  <p:cSld>
+    <p:spTree>
+      <p:nvGrpSpPr>
+        <p:cNvPr id="1" name=""/>
+        <p:cNvGrpSpPr/>
+        <p:nvPr/>
+      </p:nvGrpSpPr>
+      <p:grpSpPr>
+        <a:xfrm>
+          <a:off x="0" y="0"/>
+          <a:ext cx="0" cy="0"/>
+          <a:chOff x="0" y="0"/>
+          <a:chExt cx="0" cy="0"/>
+        </a:xfrm>
+      </p:grpSpPr>
+      <p:sp>
+        <p:nvSpPr>
+          <p:cNvPr id="2" name="Titre 1"/>
+          <p:cNvSpPr>
+            <a:spLocks noGrp="1"/>
+          </p:cNvSpPr>
+          <p:nvPr>
+            <p:ph type="title"/>
+          </p:nvPr>
+        </p:nvSpPr>
+        <p:spPr/>
+        <p:txBody>
+          <a:bodyPr>
+            <a:normAutofit/>
+          </a:bodyPr>
+          <a:lstStyle/>
+          <a:p>
+            <a:r>
+              <a:rPr lang="fr-FR" sz="3200" b="1" dirty="0" smtClean="0">
+                <a:latin typeface="Arial" panose="020B0604020202020204" pitchFamily="34" charset="0"/>
+                <a:cs typeface="Arial" panose="020B0604020202020204" pitchFamily="34" charset="0"/>
+              </a:rPr>
+              <a:t>Premiers pas</a:t>
+            </a:r>
+            <a:endParaRPr lang="fr-FR" sz="3200" b="1" dirty="0">
+              <a:latin typeface="Arial" panose="020B0604020202020204" pitchFamily="34" charset="0"/>
+              <a:cs typeface="Arial" panose="020B0604020202020204" pitchFamily="34" charset="0"/>
+            </a:endParaRPr>
+          </a:p>
+        </p:txBody>
+      </p:sp>
+      <p:sp>
+        <p:nvSpPr>
+          <p:cNvPr id="3" name="Espace réservé du contenu 2"/>
+          <p:cNvSpPr>
+            <a:spLocks noGrp="1"/>
+          </p:cNvSpPr>
+          <p:nvPr>
+            <p:ph idx="1"/>
+          </p:nvPr>
+        </p:nvSpPr>
+        <p:spPr/>
+        <p:txBody>
+          <a:bodyPr/>
+          <a:lstStyle/>
+          <a:p>
+            <a:r>
+              <a:rPr lang="fr-FR" dirty="0" smtClean="0">
+                <a:latin typeface="Arial" panose="020B0604020202020204" pitchFamily="34" charset="0"/>
+                <a:cs typeface="Arial" panose="020B0604020202020204" pitchFamily="34" charset="0"/>
+              </a:rPr>
+              <a:t>Installer python, des modules souvent utilisés, un IDE =&gt; Anaconda.</a:t>
+            </a:r>
+          </a:p>
+          <a:p>
+            <a:r>
+              <a:rPr lang="fr-FR" dirty="0" smtClean="0">
+                <a:latin typeface="Arial" panose="020B0604020202020204" pitchFamily="34" charset="0"/>
+                <a:cs typeface="Arial" panose="020B0604020202020204" pitchFamily="34" charset="0"/>
+              </a:rPr>
+              <a:t>Démonstration du fonctionnement général de l’IDE </a:t>
+            </a:r>
+            <a:r>
+              <a:rPr lang="fr-FR" dirty="0" err="1" smtClean="0">
+                <a:latin typeface="Arial" panose="020B0604020202020204" pitchFamily="34" charset="0"/>
+                <a:cs typeface="Arial" panose="020B0604020202020204" pitchFamily="34" charset="0"/>
+              </a:rPr>
+              <a:t>Spyder</a:t>
+            </a:r>
+            <a:r>
+              <a:rPr lang="fr-FR" dirty="0">
+                <a:latin typeface="Arial" panose="020B0604020202020204" pitchFamily="34" charset="0"/>
+                <a:cs typeface="Arial" panose="020B0604020202020204" pitchFamily="34" charset="0"/>
+              </a:rPr>
+              <a:t> </a:t>
+            </a:r>
+            <a:r>
+              <a:rPr lang="fr-FR" dirty="0" smtClean="0">
+                <a:latin typeface="Arial" panose="020B0604020202020204" pitchFamily="34" charset="0"/>
+                <a:cs typeface="Arial" panose="020B0604020202020204" pitchFamily="34" charset="0"/>
+              </a:rPr>
+              <a:t>(dont aides </a:t>
+            </a:r>
+            <a:r>
+              <a:rPr lang="fr-FR" dirty="0" err="1" smtClean="0">
+                <a:latin typeface="Arial" panose="020B0604020202020204" pitchFamily="34" charset="0"/>
+                <a:cs typeface="Arial" panose="020B0604020202020204" pitchFamily="34" charset="0"/>
+              </a:rPr>
+              <a:t>Spyder</a:t>
+            </a:r>
+            <a:r>
+              <a:rPr lang="fr-FR" dirty="0" smtClean="0">
+                <a:latin typeface="Arial" panose="020B0604020202020204" pitchFamily="34" charset="0"/>
+                <a:cs typeface="Arial" panose="020B0604020202020204" pitchFamily="34" charset="0"/>
+              </a:rPr>
+              <a:t>)</a:t>
+            </a:r>
+          </a:p>
+          <a:p>
+            <a:r>
+              <a:rPr lang="fr-FR" dirty="0" smtClean="0">
+                <a:latin typeface="Arial" panose="020B0604020202020204" pitchFamily="34" charset="0"/>
+                <a:cs typeface="Arial" panose="020B0604020202020204" pitchFamily="34" charset="0"/>
+              </a:rPr>
+              <a:t>Types de données de base + conversions</a:t>
+            </a:r>
+          </a:p>
+          <a:p>
+            <a:r>
+              <a:rPr lang="fr-FR" dirty="0" smtClean="0">
+                <a:latin typeface="Arial" panose="020B0604020202020204" pitchFamily="34" charset="0"/>
+                <a:cs typeface="Arial" panose="020B0604020202020204" pitchFamily="34" charset="0"/>
+              </a:rPr>
+              <a:t>Quelques manipulations de données de base</a:t>
+            </a:r>
+            <a:endParaRPr lang="fr-FR" dirty="0">
+              <a:latin typeface="Arial" panose="020B0604020202020204" pitchFamily="34" charset="0"/>
+              <a:cs typeface="Arial" panose="020B0604020202020204" pitchFamily="34" charset="0"/>
+            </a:endParaRPr>
+          </a:p>
+        </p:txBody>
+      </p:sp>
+    </p:spTree>
+    <p:extLst>
+      <p:ext uri="{BB962C8B-B14F-4D97-AF65-F5344CB8AC3E}">
+        <p14:creationId xmlns:p14="http://schemas.microsoft.com/office/powerpoint/2010/main" val="1118075257"/>
+      </p:ext>
+    </p:extLst>
+  </p:cSld>
+  <p:clrMapOvr>
+    <a:masterClrMapping/>
+  </p:clrMapOvr>
+  <p:timing>
+    <p:tnLst>
+      <p:par>
+        <p:cTn id="1" dur="indefinite" restart="never" nodeType="tmRoot"/>
+      </p:par>
+    </p:tnLst>
+  </p:timing>
+</p:sld>
+</file>
+
+<file path=ppt/slides/slide13.xml><?xml version="1.0" encoding="utf-8"?>
+<p:sld xmlns:a="http://schemas.openxmlformats.org/drawingml/2006/main" xmlns:r="http://schemas.openxmlformats.org/officeDocument/2006/relationships" xmlns:p="http://schemas.openxmlformats.org/presentationml/2006/main">
+  <p:cSld>
+    <p:spTree>
+      <p:nvGrpSpPr>
+        <p:cNvPr id="1" name=""/>
+        <p:cNvGrpSpPr/>
+        <p:nvPr/>
+      </p:nvGrpSpPr>
+      <p:grpSpPr>
+        <a:xfrm>
+          <a:off x="0" y="0"/>
+          <a:ext cx="0" cy="0"/>
+          <a:chOff x="0" y="0"/>
+          <a:chExt cx="0" cy="0"/>
+        </a:xfrm>
+      </p:grpSpPr>
+      <p:sp>
+        <p:nvSpPr>
+          <p:cNvPr id="2" name="Titre 1"/>
+          <p:cNvSpPr>
+            <a:spLocks noGrp="1"/>
+          </p:cNvSpPr>
+          <p:nvPr>
+            <p:ph type="title"/>
+          </p:nvPr>
+        </p:nvSpPr>
+        <p:spPr/>
+        <p:txBody>
+          <a:bodyPr>
+            <a:normAutofit/>
+          </a:bodyPr>
+          <a:lstStyle/>
+          <a:p>
+            <a:r>
+              <a:rPr lang="fr-FR" sz="3200" b="1" dirty="0" smtClean="0">
+                <a:latin typeface="Arial" panose="020B0604020202020204" pitchFamily="34" charset="0"/>
+                <a:cs typeface="Arial" panose="020B0604020202020204" pitchFamily="34" charset="0"/>
+              </a:rPr>
               <a:t>Introduction à la PPO et aux fonctions</a:t>
             </a:r>
             <a:endParaRPr lang="fr-FR" sz="3200" b="1" dirty="0">
@@ -3373,7 +4040,7 @@
 </p:sld>
 </file>
 
-<file path=ppt/slides/slide11.xml><?xml version="1.0" encoding="utf-8"?>
+<file path=ppt/slides/slide14.xml><?xml version="1.0" encoding="utf-8"?>
 <p:sld xmlns:a="http://schemas.openxmlformats.org/drawingml/2006/main" xmlns:r="http://schemas.openxmlformats.org/officeDocument/2006/relationships" xmlns:p="http://schemas.openxmlformats.org/presentationml/2006/main">
   <p:cSld>
     <p:spTree>
@@ -3518,7 +4185,7 @@
 </p:sld>
 </file>
 
-<file path=ppt/slides/slide12.xml><?xml version="1.0" encoding="utf-8"?>
+<file path=ppt/slides/slide15.xml><?xml version="1.0" encoding="utf-8"?>
 <p:sld xmlns:a="http://schemas.openxmlformats.org/drawingml/2006/main" xmlns:r="http://schemas.openxmlformats.org/officeDocument/2006/relationships" xmlns:p="http://schemas.openxmlformats.org/presentationml/2006/main">
   <p:cSld>
     <p:spTree>
@@ -3662,7 +4329,7 @@
 </p:sld>
 </file>
 
-<file path=ppt/slides/slide13.xml><?xml version="1.0" encoding="utf-8"?>
+<file path=ppt/slides/slide16.xml><?xml version="1.0" encoding="utf-8"?>
 <p:sld xmlns:a="http://schemas.openxmlformats.org/drawingml/2006/main" xmlns:r="http://schemas.openxmlformats.org/officeDocument/2006/relationships" xmlns:p="http://schemas.openxmlformats.org/presentationml/2006/main">
   <p:cSld>
     <p:spTree>
@@ -3755,7 +4422,41 @@
           <a:p>
             <a:r>
               <a:rPr lang="fr-FR" dirty="0" smtClean="0"/>
-              <a:t>Références sur le même objet/copie.</a:t>
+              <a:t>Références sur le même objet/copie</a:t>
+            </a:r>
+            <a:r>
+              <a:rPr lang="fr-FR" dirty="0" smtClean="0"/>
+              <a:t>.</a:t>
+            </a:r>
+          </a:p>
+          <a:p>
+            <a:r>
+              <a:rPr lang="fr-FR" dirty="0" smtClean="0"/>
+              <a:t>Installer de nouvelles librairies =&gt; dans la console anaconda </a:t>
+            </a:r>
+            <a:r>
+              <a:rPr lang="fr-FR" dirty="0" err="1" smtClean="0"/>
+              <a:t>pip</a:t>
+            </a:r>
+            <a:r>
+              <a:rPr lang="fr-FR" dirty="0" smtClean="0"/>
+              <a:t> </a:t>
+            </a:r>
+            <a:r>
+              <a:rPr lang="fr-FR" dirty="0" err="1" smtClean="0"/>
+              <a:t>install</a:t>
+            </a:r>
+            <a:r>
+              <a:rPr lang="fr-FR" dirty="0" smtClean="0"/>
+              <a:t> </a:t>
+            </a:r>
+            <a:r>
+              <a:rPr lang="fr-FR" dirty="0" err="1" smtClean="0"/>
+              <a:t>nomLibrairie</a:t>
+            </a:r>
+            <a:r>
+              <a:rPr lang="fr-FR" dirty="0" smtClean="0"/>
+              <a:t>.</a:t>
             </a:r>
             <a:endParaRPr lang="fr-FR" dirty="0"/>
           </a:p>
@@ -3774,7 +4475,977 @@
 </p:sld>
 </file>
 
-<file path=ppt/slides/slide14.xml><?xml version="1.0" encoding="utf-8"?>
+<file path=ppt/slides/slide17.xml><?xml version="1.0" encoding="utf-8"?>
+<p:sld xmlns:a="http://schemas.openxmlformats.org/drawingml/2006/main" xmlns:r="http://schemas.openxmlformats.org/officeDocument/2006/relationships" xmlns:p="http://schemas.openxmlformats.org/presentationml/2006/main">
+  <p:cSld>
+    <p:spTree>
+      <p:nvGrpSpPr>
+        <p:cNvPr id="1" name=""/>
+        <p:cNvGrpSpPr/>
+        <p:nvPr/>
+      </p:nvGrpSpPr>
+      <p:grpSpPr>
+        <a:xfrm>
+          <a:off x="0" y="0"/>
+          <a:ext cx="0" cy="0"/>
+          <a:chOff x="0" y="0"/>
+          <a:chExt cx="0" cy="0"/>
+        </a:xfrm>
+      </p:grpSpPr>
+      <p:sp>
+        <p:nvSpPr>
+          <p:cNvPr id="2" name="Titre 1"/>
+          <p:cNvSpPr>
+            <a:spLocks noGrp="1"/>
+          </p:cNvSpPr>
+          <p:nvPr>
+            <p:ph type="title"/>
+          </p:nvPr>
+        </p:nvSpPr>
+        <p:spPr/>
+        <p:txBody>
+          <a:bodyPr>
+            <a:normAutofit/>
+          </a:bodyPr>
+          <a:lstStyle/>
+          <a:p>
+            <a:r>
+              <a:rPr lang="fr-FR" sz="3200" b="1" dirty="0" smtClean="0">
+                <a:latin typeface="Arial" panose="020B0604020202020204" pitchFamily="34" charset="0"/>
+                <a:cs typeface="Arial" panose="020B0604020202020204" pitchFamily="34" charset="0"/>
+              </a:rPr>
+              <a:t>Documentation/commentaires</a:t>
+            </a:r>
+            <a:endParaRPr lang="fr-FR" sz="3200" b="1" dirty="0">
+              <a:latin typeface="Arial" panose="020B0604020202020204" pitchFamily="34" charset="0"/>
+              <a:cs typeface="Arial" panose="020B0604020202020204" pitchFamily="34" charset="0"/>
+            </a:endParaRPr>
+          </a:p>
+        </p:txBody>
+      </p:sp>
+      <p:sp>
+        <p:nvSpPr>
+          <p:cNvPr id="3" name="Espace réservé du contenu 2"/>
+          <p:cNvSpPr>
+            <a:spLocks noGrp="1"/>
+          </p:cNvSpPr>
+          <p:nvPr>
+            <p:ph idx="1"/>
+          </p:nvPr>
+        </p:nvSpPr>
+        <p:spPr/>
+        <p:txBody>
+          <a:bodyPr>
+            <a:normAutofit/>
+          </a:bodyPr>
+          <a:lstStyle/>
+          <a:p>
+            <a:r>
+              <a:rPr lang="fr-FR" dirty="0" smtClean="0">
+                <a:latin typeface="Arial" panose="020B0604020202020204" pitchFamily="34" charset="0"/>
+                <a:cs typeface="Arial" panose="020B0604020202020204" pitchFamily="34" charset="0"/>
+              </a:rPr>
+              <a:t>Liste des méthodes d’un fichier =&gt; volet structure dans </a:t>
+            </a:r>
+            <a:r>
+              <a:rPr lang="fr-FR" dirty="0" err="1" smtClean="0">
+                <a:latin typeface="Arial" panose="020B0604020202020204" pitchFamily="34" charset="0"/>
+                <a:cs typeface="Arial" panose="020B0604020202020204" pitchFamily="34" charset="0"/>
+              </a:rPr>
+              <a:t>spyder</a:t>
+            </a:r>
+            <a:r>
+              <a:rPr lang="fr-FR" dirty="0" smtClean="0">
+                <a:latin typeface="Arial" panose="020B0604020202020204" pitchFamily="34" charset="0"/>
+                <a:cs typeface="Arial" panose="020B0604020202020204" pitchFamily="34" charset="0"/>
+              </a:rPr>
+              <a:t>.</a:t>
+            </a:r>
+          </a:p>
+          <a:p>
+            <a:r>
+              <a:rPr lang="fr-FR" dirty="0" smtClean="0">
+                <a:latin typeface="Arial" panose="020B0604020202020204" pitchFamily="34" charset="0"/>
+                <a:cs typeface="Arial" panose="020B0604020202020204" pitchFamily="34" charset="0"/>
+              </a:rPr>
+              <a:t>Afficher la documentation d’une méthode =&gt; volet aide dans </a:t>
+            </a:r>
+            <a:r>
+              <a:rPr lang="fr-FR" dirty="0" err="1" smtClean="0">
+                <a:latin typeface="Arial" panose="020B0604020202020204" pitchFamily="34" charset="0"/>
+                <a:cs typeface="Arial" panose="020B0604020202020204" pitchFamily="34" charset="0"/>
+              </a:rPr>
+              <a:t>spyder</a:t>
+            </a:r>
+            <a:r>
+              <a:rPr lang="fr-FR" dirty="0" smtClean="0">
+                <a:latin typeface="Arial" panose="020B0604020202020204" pitchFamily="34" charset="0"/>
+                <a:cs typeface="Arial" panose="020B0604020202020204" pitchFamily="34" charset="0"/>
+              </a:rPr>
+              <a:t>.</a:t>
+            </a:r>
+          </a:p>
+          <a:p>
+            <a:pPr marL="0" indent="0">
+              <a:buNone/>
+            </a:pPr>
+            <a:endParaRPr lang="fr-FR" dirty="0" smtClean="0">
+              <a:latin typeface="Arial" panose="020B0604020202020204" pitchFamily="34" charset="0"/>
+              <a:cs typeface="Arial" panose="020B0604020202020204" pitchFamily="34" charset="0"/>
+            </a:endParaRPr>
+          </a:p>
+          <a:p>
+            <a:pPr marL="0" indent="0">
+              <a:buNone/>
+            </a:pPr>
+            <a:r>
+              <a:rPr lang="fr-FR" dirty="0" smtClean="0">
+                <a:latin typeface="Arial" panose="020B0604020202020204" pitchFamily="34" charset="0"/>
+                <a:cs typeface="Arial" panose="020B0604020202020204" pitchFamily="34" charset="0"/>
+              </a:rPr>
+              <a:t>Ecrire des commentaires</a:t>
+            </a:r>
+          </a:p>
+          <a:p>
+            <a:endParaRPr lang="fr-FR" dirty="0" smtClean="0"/>
+          </a:p>
+          <a:p>
+            <a:endParaRPr lang="fr-FR" dirty="0"/>
+          </a:p>
+        </p:txBody>
+      </p:sp>
+    </p:spTree>
+    <p:extLst>
+      <p:ext uri="{BB962C8B-B14F-4D97-AF65-F5344CB8AC3E}">
+        <p14:creationId xmlns:p14="http://schemas.microsoft.com/office/powerpoint/2010/main" val="1570497178"/>
+      </p:ext>
+    </p:extLst>
+  </p:cSld>
+  <p:clrMapOvr>
+    <a:masterClrMapping/>
+  </p:clrMapOvr>
+</p:sld>
+</file>
+
+<file path=ppt/slides/slide18.xml><?xml version="1.0" encoding="utf-8"?>
+<p:sld xmlns:a="http://schemas.openxmlformats.org/drawingml/2006/main" xmlns:r="http://schemas.openxmlformats.org/officeDocument/2006/relationships" xmlns:p="http://schemas.openxmlformats.org/presentationml/2006/main">
+  <p:cSld>
+    <p:spTree>
+      <p:nvGrpSpPr>
+        <p:cNvPr id="1" name=""/>
+        <p:cNvGrpSpPr/>
+        <p:nvPr/>
+      </p:nvGrpSpPr>
+      <p:grpSpPr>
+        <a:xfrm>
+          <a:off x="0" y="0"/>
+          <a:ext cx="0" cy="0"/>
+          <a:chOff x="0" y="0"/>
+          <a:chExt cx="0" cy="0"/>
+        </a:xfrm>
+      </p:grpSpPr>
+      <p:sp>
+        <p:nvSpPr>
+          <p:cNvPr id="4" name="Titre 3"/>
+          <p:cNvSpPr>
+            <a:spLocks noGrp="1"/>
+          </p:cNvSpPr>
+          <p:nvPr>
+            <p:ph type="ctrTitle"/>
+          </p:nvPr>
+        </p:nvSpPr>
+        <p:spPr/>
+        <p:txBody>
+          <a:bodyPr>
+            <a:normAutofit/>
+          </a:bodyPr>
+          <a:lstStyle/>
+          <a:p>
+            <a:r>
+              <a:rPr lang="fr-FR" sz="3200" b="1" dirty="0" smtClean="0">
+                <a:solidFill>
+                  <a:srgbClr val="7030A0"/>
+                </a:solidFill>
+                <a:latin typeface="Arial" panose="020B0604020202020204" pitchFamily="34" charset="0"/>
+                <a:cs typeface="Arial" panose="020B0604020202020204" pitchFamily="34" charset="0"/>
+              </a:rPr>
+              <a:t>Partie 3 : python pour le statisticien</a:t>
+            </a:r>
+            <a:endParaRPr lang="fr-FR" sz="3200" b="1" dirty="0">
+              <a:solidFill>
+                <a:srgbClr val="7030A0"/>
+              </a:solidFill>
+              <a:latin typeface="Arial" panose="020B0604020202020204" pitchFamily="34" charset="0"/>
+              <a:cs typeface="Arial" panose="020B0604020202020204" pitchFamily="34" charset="0"/>
+            </a:endParaRPr>
+          </a:p>
+        </p:txBody>
+      </p:sp>
+    </p:spTree>
+    <p:extLst>
+      <p:ext uri="{BB962C8B-B14F-4D97-AF65-F5344CB8AC3E}">
+        <p14:creationId xmlns:p14="http://schemas.microsoft.com/office/powerpoint/2010/main" val="3869593808"/>
+      </p:ext>
+    </p:extLst>
+  </p:cSld>
+  <p:clrMapOvr>
+    <a:masterClrMapping/>
+  </p:clrMapOvr>
+</p:sld>
+</file>
+
+<file path=ppt/slides/slide19.xml><?xml version="1.0" encoding="utf-8"?>
+<p:sld xmlns:a="http://schemas.openxmlformats.org/drawingml/2006/main" xmlns:r="http://schemas.openxmlformats.org/officeDocument/2006/relationships" xmlns:p="http://schemas.openxmlformats.org/presentationml/2006/main">
+  <p:cSld>
+    <p:spTree>
+      <p:nvGrpSpPr>
+        <p:cNvPr id="1" name=""/>
+        <p:cNvGrpSpPr/>
+        <p:nvPr/>
+      </p:nvGrpSpPr>
+      <p:grpSpPr>
+        <a:xfrm>
+          <a:off x="0" y="0"/>
+          <a:ext cx="0" cy="0"/>
+          <a:chOff x="0" y="0"/>
+          <a:chExt cx="0" cy="0"/>
+        </a:xfrm>
+      </p:grpSpPr>
+      <p:sp>
+        <p:nvSpPr>
+          <p:cNvPr id="2" name="Titre 1"/>
+          <p:cNvSpPr>
+            <a:spLocks noGrp="1"/>
+          </p:cNvSpPr>
+          <p:nvPr>
+            <p:ph type="title"/>
+          </p:nvPr>
+        </p:nvSpPr>
+        <p:spPr/>
+        <p:txBody>
+          <a:bodyPr>
+            <a:normAutofit/>
+          </a:bodyPr>
+          <a:lstStyle/>
+          <a:p>
+            <a:r>
+              <a:rPr lang="fr-FR" sz="3200" b="1" dirty="0" err="1" smtClean="0">
+                <a:latin typeface="Arial" panose="020B0604020202020204" pitchFamily="34" charset="0"/>
+                <a:cs typeface="Arial" panose="020B0604020202020204" pitchFamily="34" charset="0"/>
+              </a:rPr>
+              <a:t>Slicing</a:t>
+            </a:r>
+            <a:r>
+              <a:rPr lang="fr-FR" sz="3200" b="1" dirty="0" smtClean="0">
+                <a:latin typeface="Arial" panose="020B0604020202020204" pitchFamily="34" charset="0"/>
+                <a:cs typeface="Arial" panose="020B0604020202020204" pitchFamily="34" charset="0"/>
+              </a:rPr>
+              <a:t> avec </a:t>
+            </a:r>
+            <a:r>
+              <a:rPr lang="fr-FR" sz="3200" b="1" dirty="0" err="1" smtClean="0">
+                <a:latin typeface="Arial" panose="020B0604020202020204" pitchFamily="34" charset="0"/>
+                <a:cs typeface="Arial" panose="020B0604020202020204" pitchFamily="34" charset="0"/>
+              </a:rPr>
+              <a:t>Numpy</a:t>
+            </a:r>
+            <a:endParaRPr lang="fr-FR" sz="3200" b="1" dirty="0">
+              <a:latin typeface="Arial" panose="020B0604020202020204" pitchFamily="34" charset="0"/>
+              <a:cs typeface="Arial" panose="020B0604020202020204" pitchFamily="34" charset="0"/>
+            </a:endParaRPr>
+          </a:p>
+        </p:txBody>
+      </p:sp>
+      <p:pic>
+        <p:nvPicPr>
+          <p:cNvPr id="4" name="Espace réservé du contenu 3"/>
+          <p:cNvPicPr>
+            <a:picLocks noGrp="1" noChangeAspect="1"/>
+          </p:cNvPicPr>
+          <p:nvPr>
+            <p:ph idx="1"/>
+          </p:nvPr>
+        </p:nvPicPr>
+        <p:blipFill>
+          <a:blip r:embed="rId2">
+            <a:extLst>
+              <a:ext uri="{28A0092B-C50C-407E-A947-70E740481C1C}">
+                <a14:useLocalDpi xmlns:a14="http://schemas.microsoft.com/office/drawing/2010/main" val="0"/>
+              </a:ext>
+            </a:extLst>
+          </a:blip>
+          <a:stretch>
+            <a:fillRect/>
+          </a:stretch>
+        </p:blipFill>
+        <p:spPr>
+          <a:xfrm>
+            <a:off x="179512" y="1700808"/>
+            <a:ext cx="3630626" cy="2952000"/>
+          </a:xfrm>
+        </p:spPr>
+      </p:pic>
+      <p:pic>
+        <p:nvPicPr>
+          <p:cNvPr id="5" name="Image 4"/>
+          <p:cNvPicPr>
+            <a:picLocks noChangeAspect="1"/>
+          </p:cNvPicPr>
+          <p:nvPr/>
+        </p:nvPicPr>
+        <p:blipFill>
+          <a:blip r:embed="rId3">
+            <a:extLst>
+              <a:ext uri="{28A0092B-C50C-407E-A947-70E740481C1C}">
+                <a14:useLocalDpi xmlns:a14="http://schemas.microsoft.com/office/drawing/2010/main" val="0"/>
+              </a:ext>
+            </a:extLst>
+          </a:blip>
+          <a:stretch>
+            <a:fillRect/>
+          </a:stretch>
+        </p:blipFill>
+        <p:spPr>
+          <a:xfrm>
+            <a:off x="3923928" y="1052736"/>
+            <a:ext cx="4570875" cy="5508000"/>
+          </a:xfrm>
+          <a:prstGeom prst="rect">
+            <a:avLst/>
+          </a:prstGeom>
+        </p:spPr>
+      </p:pic>
+    </p:spTree>
+    <p:extLst>
+      <p:ext uri="{BB962C8B-B14F-4D97-AF65-F5344CB8AC3E}">
+        <p14:creationId xmlns:p14="http://schemas.microsoft.com/office/powerpoint/2010/main" val="3813973487"/>
+      </p:ext>
+    </p:extLst>
+  </p:cSld>
+  <p:clrMapOvr>
+    <a:masterClrMapping/>
+  </p:clrMapOvr>
+</p:sld>
+</file>
+
+<file path=ppt/slides/slide2.xml><?xml version="1.0" encoding="utf-8"?>
+<p:sld xmlns:a="http://schemas.openxmlformats.org/drawingml/2006/main" xmlns:r="http://schemas.openxmlformats.org/officeDocument/2006/relationships" xmlns:p="http://schemas.openxmlformats.org/presentationml/2006/main">
+  <p:cSld>
+    <p:spTree>
+      <p:nvGrpSpPr>
+        <p:cNvPr id="1" name=""/>
+        <p:cNvGrpSpPr/>
+        <p:nvPr/>
+      </p:nvGrpSpPr>
+      <p:grpSpPr>
+        <a:xfrm>
+          <a:off x="0" y="0"/>
+          <a:ext cx="0" cy="0"/>
+          <a:chOff x="0" y="0"/>
+          <a:chExt cx="0" cy="0"/>
+        </a:xfrm>
+      </p:grpSpPr>
+      <p:sp>
+        <p:nvSpPr>
+          <p:cNvPr id="4" name="Titre 3"/>
+          <p:cNvSpPr>
+            <a:spLocks noGrp="1"/>
+          </p:cNvSpPr>
+          <p:nvPr>
+            <p:ph type="ctrTitle"/>
+          </p:nvPr>
+        </p:nvSpPr>
+        <p:spPr/>
+        <p:txBody>
+          <a:bodyPr/>
+          <a:lstStyle/>
+          <a:p>
+            <a:r>
+              <a:rPr lang="fr-FR" b="1" dirty="0" smtClean="0">
+                <a:solidFill>
+                  <a:srgbClr val="7030A0"/>
+                </a:solidFill>
+                <a:latin typeface="Arial" panose="020B0604020202020204" pitchFamily="34" charset="0"/>
+                <a:cs typeface="Arial" panose="020B0604020202020204" pitchFamily="34" charset="0"/>
+              </a:rPr>
+              <a:t>Partie 1 : Pourquoi s’intéresser </a:t>
+            </a:r>
+            <a:r>
+              <a:rPr lang="fr-FR" b="1" dirty="0">
+                <a:solidFill>
+                  <a:srgbClr val="7030A0"/>
+                </a:solidFill>
+                <a:latin typeface="Arial" panose="020B0604020202020204" pitchFamily="34" charset="0"/>
+                <a:cs typeface="Arial" panose="020B0604020202020204" pitchFamily="34" charset="0"/>
+              </a:rPr>
+              <a:t>à</a:t>
+            </a:r>
+            <a:r>
+              <a:rPr lang="fr-FR" b="1" dirty="0" smtClean="0">
+                <a:solidFill>
+                  <a:srgbClr val="7030A0"/>
+                </a:solidFill>
+                <a:latin typeface="Arial" panose="020B0604020202020204" pitchFamily="34" charset="0"/>
+                <a:cs typeface="Arial" panose="020B0604020202020204" pitchFamily="34" charset="0"/>
+              </a:rPr>
+              <a:t> Python?</a:t>
+            </a:r>
+            <a:endParaRPr lang="fr-FR" b="1" dirty="0">
+              <a:solidFill>
+                <a:srgbClr val="7030A0"/>
+              </a:solidFill>
+              <a:latin typeface="Arial" panose="020B0604020202020204" pitchFamily="34" charset="0"/>
+              <a:cs typeface="Arial" panose="020B0604020202020204" pitchFamily="34" charset="0"/>
+            </a:endParaRPr>
+          </a:p>
+        </p:txBody>
+      </p:sp>
+    </p:spTree>
+    <p:extLst>
+      <p:ext uri="{BB962C8B-B14F-4D97-AF65-F5344CB8AC3E}">
+        <p14:creationId xmlns:p14="http://schemas.microsoft.com/office/powerpoint/2010/main" val="164285327"/>
+      </p:ext>
+    </p:extLst>
+  </p:cSld>
+  <p:clrMapOvr>
+    <a:masterClrMapping/>
+  </p:clrMapOvr>
+</p:sld>
+</file>
+
+<file path=ppt/slides/slide20.xml><?xml version="1.0" encoding="utf-8"?>
+<p:sld xmlns:a="http://schemas.openxmlformats.org/drawingml/2006/main" xmlns:r="http://schemas.openxmlformats.org/officeDocument/2006/relationships" xmlns:p="http://schemas.openxmlformats.org/presentationml/2006/main">
+  <p:cSld>
+    <p:spTree>
+      <p:nvGrpSpPr>
+        <p:cNvPr id="1" name=""/>
+        <p:cNvGrpSpPr/>
+        <p:nvPr/>
+      </p:nvGrpSpPr>
+      <p:grpSpPr>
+        <a:xfrm>
+          <a:off x="0" y="0"/>
+          <a:ext cx="0" cy="0"/>
+          <a:chOff x="0" y="0"/>
+          <a:chExt cx="0" cy="0"/>
+        </a:xfrm>
+      </p:grpSpPr>
+      <p:sp>
+        <p:nvSpPr>
+          <p:cNvPr id="2" name="Titre 1"/>
+          <p:cNvSpPr>
+            <a:spLocks noGrp="1"/>
+          </p:cNvSpPr>
+          <p:nvPr>
+            <p:ph type="title"/>
+          </p:nvPr>
+        </p:nvSpPr>
+        <p:spPr/>
+        <p:txBody>
+          <a:bodyPr/>
+          <a:lstStyle/>
+          <a:p>
+            <a:endParaRPr lang="fr-FR"/>
+          </a:p>
+        </p:txBody>
+      </p:sp>
+      <p:sp>
+        <p:nvSpPr>
+          <p:cNvPr id="3" name="Espace réservé du contenu 2"/>
+          <p:cNvSpPr>
+            <a:spLocks noGrp="1"/>
+          </p:cNvSpPr>
+          <p:nvPr>
+            <p:ph idx="1"/>
+          </p:nvPr>
+        </p:nvSpPr>
+        <p:spPr/>
+        <p:txBody>
+          <a:bodyPr/>
+          <a:lstStyle/>
+          <a:p>
+            <a:endParaRPr lang="fr-FR"/>
+          </a:p>
+        </p:txBody>
+      </p:sp>
+    </p:spTree>
+    <p:extLst>
+      <p:ext uri="{BB962C8B-B14F-4D97-AF65-F5344CB8AC3E}">
+        <p14:creationId xmlns:p14="http://schemas.microsoft.com/office/powerpoint/2010/main" val="3355901663"/>
+      </p:ext>
+    </p:extLst>
+  </p:cSld>
+  <p:clrMapOvr>
+    <a:masterClrMapping/>
+  </p:clrMapOvr>
+</p:sld>
+</file>
+
+<file path=ppt/slides/slide21.xml><?xml version="1.0" encoding="utf-8"?>
+<p:sld xmlns:a="http://schemas.openxmlformats.org/drawingml/2006/main" xmlns:r="http://schemas.openxmlformats.org/officeDocument/2006/relationships" xmlns:p="http://schemas.openxmlformats.org/presentationml/2006/main">
+  <p:cSld>
+    <p:spTree>
+      <p:nvGrpSpPr>
+        <p:cNvPr id="1" name=""/>
+        <p:cNvGrpSpPr/>
+        <p:nvPr/>
+      </p:nvGrpSpPr>
+      <p:grpSpPr>
+        <a:xfrm>
+          <a:off x="0" y="0"/>
+          <a:ext cx="0" cy="0"/>
+          <a:chOff x="0" y="0"/>
+          <a:chExt cx="0" cy="0"/>
+        </a:xfrm>
+      </p:grpSpPr>
+      <p:sp>
+        <p:nvSpPr>
+          <p:cNvPr id="2" name="Titre 1"/>
+          <p:cNvSpPr>
+            <a:spLocks noGrp="1"/>
+          </p:cNvSpPr>
+          <p:nvPr>
+            <p:ph type="title"/>
+          </p:nvPr>
+        </p:nvSpPr>
+        <p:spPr/>
+        <p:txBody>
+          <a:bodyPr/>
+          <a:lstStyle/>
+          <a:p>
+            <a:endParaRPr lang="fr-FR"/>
+          </a:p>
+        </p:txBody>
+      </p:sp>
+      <p:sp>
+        <p:nvSpPr>
+          <p:cNvPr id="3" name="Espace réservé du contenu 2"/>
+          <p:cNvSpPr>
+            <a:spLocks noGrp="1"/>
+          </p:cNvSpPr>
+          <p:nvPr>
+            <p:ph idx="1"/>
+          </p:nvPr>
+        </p:nvSpPr>
+        <p:spPr/>
+        <p:txBody>
+          <a:bodyPr/>
+          <a:lstStyle/>
+          <a:p>
+            <a:endParaRPr lang="fr-FR"/>
+          </a:p>
+        </p:txBody>
+      </p:sp>
+    </p:spTree>
+    <p:extLst>
+      <p:ext uri="{BB962C8B-B14F-4D97-AF65-F5344CB8AC3E}">
+        <p14:creationId xmlns:p14="http://schemas.microsoft.com/office/powerpoint/2010/main" val="2711316839"/>
+      </p:ext>
+    </p:extLst>
+  </p:cSld>
+  <p:clrMapOvr>
+    <a:masterClrMapping/>
+  </p:clrMapOvr>
+</p:sld>
+</file>
+
+<file path=ppt/slides/slide22.xml><?xml version="1.0" encoding="utf-8"?>
+<p:sld xmlns:a="http://schemas.openxmlformats.org/drawingml/2006/main" xmlns:r="http://schemas.openxmlformats.org/officeDocument/2006/relationships" xmlns:p="http://schemas.openxmlformats.org/presentationml/2006/main">
+  <p:cSld>
+    <p:spTree>
+      <p:nvGrpSpPr>
+        <p:cNvPr id="1" name=""/>
+        <p:cNvGrpSpPr/>
+        <p:nvPr/>
+      </p:nvGrpSpPr>
+      <p:grpSpPr>
+        <a:xfrm>
+          <a:off x="0" y="0"/>
+          <a:ext cx="0" cy="0"/>
+          <a:chOff x="0" y="0"/>
+          <a:chExt cx="0" cy="0"/>
+        </a:xfrm>
+      </p:grpSpPr>
+      <p:sp>
+        <p:nvSpPr>
+          <p:cNvPr id="2" name="Titre 1"/>
+          <p:cNvSpPr>
+            <a:spLocks noGrp="1"/>
+          </p:cNvSpPr>
+          <p:nvPr>
+            <p:ph type="title"/>
+          </p:nvPr>
+        </p:nvSpPr>
+        <p:spPr/>
+        <p:txBody>
+          <a:bodyPr/>
+          <a:lstStyle/>
+          <a:p>
+            <a:endParaRPr lang="fr-FR"/>
+          </a:p>
+        </p:txBody>
+      </p:sp>
+      <p:sp>
+        <p:nvSpPr>
+          <p:cNvPr id="3" name="Espace réservé du contenu 2"/>
+          <p:cNvSpPr>
+            <a:spLocks noGrp="1"/>
+          </p:cNvSpPr>
+          <p:nvPr>
+            <p:ph idx="1"/>
+          </p:nvPr>
+        </p:nvSpPr>
+        <p:spPr/>
+        <p:txBody>
+          <a:bodyPr/>
+          <a:lstStyle/>
+          <a:p>
+            <a:endParaRPr lang="fr-FR"/>
+          </a:p>
+        </p:txBody>
+      </p:sp>
+    </p:spTree>
+    <p:extLst>
+      <p:ext uri="{BB962C8B-B14F-4D97-AF65-F5344CB8AC3E}">
+        <p14:creationId xmlns:p14="http://schemas.microsoft.com/office/powerpoint/2010/main" val="224583685"/>
+      </p:ext>
+    </p:extLst>
+  </p:cSld>
+  <p:clrMapOvr>
+    <a:masterClrMapping/>
+  </p:clrMapOvr>
+</p:sld>
+</file>
+
+<file path=ppt/slides/slide23.xml><?xml version="1.0" encoding="utf-8"?>
+<p:sld xmlns:a="http://schemas.openxmlformats.org/drawingml/2006/main" xmlns:r="http://schemas.openxmlformats.org/officeDocument/2006/relationships" xmlns:p="http://schemas.openxmlformats.org/presentationml/2006/main">
+  <p:cSld>
+    <p:spTree>
+      <p:nvGrpSpPr>
+        <p:cNvPr id="1" name=""/>
+        <p:cNvGrpSpPr/>
+        <p:nvPr/>
+      </p:nvGrpSpPr>
+      <p:grpSpPr>
+        <a:xfrm>
+          <a:off x="0" y="0"/>
+          <a:ext cx="0" cy="0"/>
+          <a:chOff x="0" y="0"/>
+          <a:chExt cx="0" cy="0"/>
+        </a:xfrm>
+      </p:grpSpPr>
+      <p:sp>
+        <p:nvSpPr>
+          <p:cNvPr id="4" name="Titre 3"/>
+          <p:cNvSpPr>
+            <a:spLocks noGrp="1"/>
+          </p:cNvSpPr>
+          <p:nvPr>
+            <p:ph type="ctrTitle"/>
+          </p:nvPr>
+        </p:nvSpPr>
+        <p:spPr/>
+        <p:txBody>
+          <a:bodyPr>
+            <a:normAutofit/>
+          </a:bodyPr>
+          <a:lstStyle/>
+          <a:p>
+            <a:r>
+              <a:rPr lang="fr-FR" sz="3200" b="1" dirty="0" smtClean="0">
+                <a:solidFill>
+                  <a:srgbClr val="7030A0"/>
+                </a:solidFill>
+                <a:latin typeface="Arial" panose="020B0604020202020204" pitchFamily="34" charset="0"/>
+                <a:cs typeface="Arial" panose="020B0604020202020204" pitchFamily="34" charset="0"/>
+              </a:rPr>
+              <a:t>Partie 4 : python pour le reste de la data science</a:t>
+            </a:r>
+            <a:endParaRPr lang="fr-FR" sz="3200" b="1" dirty="0">
+              <a:solidFill>
+                <a:srgbClr val="7030A0"/>
+              </a:solidFill>
+              <a:latin typeface="Arial" panose="020B0604020202020204" pitchFamily="34" charset="0"/>
+              <a:cs typeface="Arial" panose="020B0604020202020204" pitchFamily="34" charset="0"/>
+            </a:endParaRPr>
+          </a:p>
+        </p:txBody>
+      </p:sp>
+    </p:spTree>
+    <p:extLst>
+      <p:ext uri="{BB962C8B-B14F-4D97-AF65-F5344CB8AC3E}">
+        <p14:creationId xmlns:p14="http://schemas.microsoft.com/office/powerpoint/2010/main" val="242445764"/>
+      </p:ext>
+    </p:extLst>
+  </p:cSld>
+  <p:clrMapOvr>
+    <a:masterClrMapping/>
+  </p:clrMapOvr>
+</p:sld>
+</file>
+
+<file path=ppt/slides/slide24.xml><?xml version="1.0" encoding="utf-8"?>
+<p:sld xmlns:a="http://schemas.openxmlformats.org/drawingml/2006/main" xmlns:r="http://schemas.openxmlformats.org/officeDocument/2006/relationships" xmlns:p="http://schemas.openxmlformats.org/presentationml/2006/main">
+  <p:cSld>
+    <p:spTree>
+      <p:nvGrpSpPr>
+        <p:cNvPr id="1" name=""/>
+        <p:cNvGrpSpPr/>
+        <p:nvPr/>
+      </p:nvGrpSpPr>
+      <p:grpSpPr>
+        <a:xfrm>
+          <a:off x="0" y="0"/>
+          <a:ext cx="0" cy="0"/>
+          <a:chOff x="0" y="0"/>
+          <a:chExt cx="0" cy="0"/>
+        </a:xfrm>
+      </p:grpSpPr>
+      <p:sp>
+        <p:nvSpPr>
+          <p:cNvPr id="2" name="Titre 1"/>
+          <p:cNvSpPr>
+            <a:spLocks noGrp="1"/>
+          </p:cNvSpPr>
+          <p:nvPr>
+            <p:ph type="title"/>
+          </p:nvPr>
+        </p:nvSpPr>
+        <p:spPr/>
+        <p:txBody>
+          <a:bodyPr/>
+          <a:lstStyle/>
+          <a:p>
+            <a:endParaRPr lang="fr-FR"/>
+          </a:p>
+        </p:txBody>
+      </p:sp>
+      <p:sp>
+        <p:nvSpPr>
+          <p:cNvPr id="3" name="Espace réservé du contenu 2"/>
+          <p:cNvSpPr>
+            <a:spLocks noGrp="1"/>
+          </p:cNvSpPr>
+          <p:nvPr>
+            <p:ph idx="1"/>
+          </p:nvPr>
+        </p:nvSpPr>
+        <p:spPr/>
+        <p:txBody>
+          <a:bodyPr/>
+          <a:lstStyle/>
+          <a:p>
+            <a:endParaRPr lang="fr-FR"/>
+          </a:p>
+        </p:txBody>
+      </p:sp>
+    </p:spTree>
+    <p:extLst>
+      <p:ext uri="{BB962C8B-B14F-4D97-AF65-F5344CB8AC3E}">
+        <p14:creationId xmlns:p14="http://schemas.microsoft.com/office/powerpoint/2010/main" val="3573502302"/>
+      </p:ext>
+    </p:extLst>
+  </p:cSld>
+  <p:clrMapOvr>
+    <a:masterClrMapping/>
+  </p:clrMapOvr>
+</p:sld>
+</file>
+
+<file path=ppt/slides/slide25.xml><?xml version="1.0" encoding="utf-8"?>
+<p:sld xmlns:a="http://schemas.openxmlformats.org/drawingml/2006/main" xmlns:r="http://schemas.openxmlformats.org/officeDocument/2006/relationships" xmlns:p="http://schemas.openxmlformats.org/presentationml/2006/main">
+  <p:cSld>
+    <p:spTree>
+      <p:nvGrpSpPr>
+        <p:cNvPr id="1" name=""/>
+        <p:cNvGrpSpPr/>
+        <p:nvPr/>
+      </p:nvGrpSpPr>
+      <p:grpSpPr>
+        <a:xfrm>
+          <a:off x="0" y="0"/>
+          <a:ext cx="0" cy="0"/>
+          <a:chOff x="0" y="0"/>
+          <a:chExt cx="0" cy="0"/>
+        </a:xfrm>
+      </p:grpSpPr>
+      <p:sp>
+        <p:nvSpPr>
+          <p:cNvPr id="4" name="Titre 3"/>
+          <p:cNvSpPr>
+            <a:spLocks noGrp="1"/>
+          </p:cNvSpPr>
+          <p:nvPr>
+            <p:ph type="ctrTitle"/>
+          </p:nvPr>
+        </p:nvSpPr>
+        <p:spPr/>
+        <p:txBody>
+          <a:bodyPr>
+            <a:normAutofit/>
+          </a:bodyPr>
+          <a:lstStyle/>
+          <a:p>
+            <a:r>
+              <a:rPr lang="fr-FR" sz="3200" b="1" dirty="0" smtClean="0">
+                <a:solidFill>
+                  <a:srgbClr val="7030A0"/>
+                </a:solidFill>
+                <a:latin typeface="Arial" panose="020B0604020202020204" pitchFamily="34" charset="0"/>
+                <a:cs typeface="Arial" panose="020B0604020202020204" pitchFamily="34" charset="0"/>
+              </a:rPr>
+              <a:t>Partie 5 : sujets transverses</a:t>
+            </a:r>
+            <a:endParaRPr lang="fr-FR" sz="3200" b="1" dirty="0">
+              <a:solidFill>
+                <a:srgbClr val="7030A0"/>
+              </a:solidFill>
+              <a:latin typeface="Arial" panose="020B0604020202020204" pitchFamily="34" charset="0"/>
+              <a:cs typeface="Arial" panose="020B0604020202020204" pitchFamily="34" charset="0"/>
+            </a:endParaRPr>
+          </a:p>
+        </p:txBody>
+      </p:sp>
+      <p:sp>
+        <p:nvSpPr>
+          <p:cNvPr id="5" name="Sous-titre 4"/>
+          <p:cNvSpPr>
+            <a:spLocks noGrp="1"/>
+          </p:cNvSpPr>
+          <p:nvPr>
+            <p:ph type="subTitle" idx="1"/>
+          </p:nvPr>
+        </p:nvSpPr>
+        <p:spPr/>
+        <p:txBody>
+          <a:bodyPr/>
+          <a:lstStyle/>
+          <a:p>
+            <a:endParaRPr lang="fr-FR"/>
+          </a:p>
+        </p:txBody>
+      </p:sp>
+    </p:spTree>
+    <p:extLst>
+      <p:ext uri="{BB962C8B-B14F-4D97-AF65-F5344CB8AC3E}">
+        <p14:creationId xmlns:p14="http://schemas.microsoft.com/office/powerpoint/2010/main" val="1486631537"/>
+      </p:ext>
+    </p:extLst>
+  </p:cSld>
+  <p:clrMapOvr>
+    <a:masterClrMapping/>
+  </p:clrMapOvr>
+</p:sld>
+</file>
+
+<file path=ppt/slides/slide26.xml><?xml version="1.0" encoding="utf-8"?>
+<p:sld xmlns:a="http://schemas.openxmlformats.org/drawingml/2006/main" xmlns:r="http://schemas.openxmlformats.org/officeDocument/2006/relationships" xmlns:p="http://schemas.openxmlformats.org/presentationml/2006/main">
+  <p:cSld>
+    <p:spTree>
+      <p:nvGrpSpPr>
+        <p:cNvPr id="1" name=""/>
+        <p:cNvGrpSpPr/>
+        <p:nvPr/>
+      </p:nvGrpSpPr>
+      <p:grpSpPr>
+        <a:xfrm>
+          <a:off x="0" y="0"/>
+          <a:ext cx="0" cy="0"/>
+          <a:chOff x="0" y="0"/>
+          <a:chExt cx="0" cy="0"/>
+        </a:xfrm>
+      </p:grpSpPr>
+      <p:sp>
+        <p:nvSpPr>
+          <p:cNvPr id="2" name="Titre 1"/>
+          <p:cNvSpPr>
+            <a:spLocks noGrp="1"/>
+          </p:cNvSpPr>
+          <p:nvPr>
+            <p:ph type="title"/>
+          </p:nvPr>
+        </p:nvSpPr>
+        <p:spPr/>
+        <p:txBody>
+          <a:bodyPr/>
+          <a:lstStyle/>
+          <a:p>
+            <a:endParaRPr lang="fr-FR"/>
+          </a:p>
+        </p:txBody>
+      </p:sp>
+      <p:sp>
+        <p:nvSpPr>
+          <p:cNvPr id="3" name="Espace réservé du contenu 2"/>
+          <p:cNvSpPr>
+            <a:spLocks noGrp="1"/>
+          </p:cNvSpPr>
+          <p:nvPr>
+            <p:ph idx="1"/>
+          </p:nvPr>
+        </p:nvSpPr>
+        <p:spPr/>
+        <p:txBody>
+          <a:bodyPr/>
+          <a:lstStyle/>
+          <a:p>
+            <a:r>
+              <a:rPr lang="fr-FR" dirty="0" smtClean="0"/>
+              <a:t>Performances</a:t>
+            </a:r>
+          </a:p>
+          <a:p>
+            <a:r>
+              <a:rPr lang="fr-FR" dirty="0" err="1" smtClean="0"/>
+              <a:t>Parallélisation</a:t>
+            </a:r>
+            <a:endParaRPr lang="fr-FR" dirty="0" smtClean="0"/>
+          </a:p>
+          <a:p>
+            <a:r>
+              <a:rPr lang="fr-FR" dirty="0" smtClean="0"/>
+              <a:t>Tests unitaires</a:t>
+            </a:r>
+          </a:p>
+          <a:p>
+            <a:r>
+              <a:rPr lang="fr-FR" dirty="0" smtClean="0"/>
+              <a:t>Gestionnaire de code (</a:t>
+            </a:r>
+            <a:r>
+              <a:rPr lang="fr-FR" dirty="0" err="1" smtClean="0"/>
+              <a:t>Git,github</a:t>
+            </a:r>
+            <a:r>
+              <a:rPr lang="fr-FR" dirty="0" smtClean="0"/>
+              <a:t>, et </a:t>
+            </a:r>
+            <a:r>
+              <a:rPr lang="fr-FR" dirty="0" err="1" smtClean="0"/>
+              <a:t>github</a:t>
+            </a:r>
+            <a:r>
+              <a:rPr lang="fr-FR" dirty="0" smtClean="0"/>
+              <a:t> desktop).</a:t>
+            </a:r>
+            <a:endParaRPr lang="fr-FR" dirty="0"/>
+          </a:p>
+        </p:txBody>
+      </p:sp>
+    </p:spTree>
+    <p:extLst>
+      <p:ext uri="{BB962C8B-B14F-4D97-AF65-F5344CB8AC3E}">
+        <p14:creationId xmlns:p14="http://schemas.microsoft.com/office/powerpoint/2010/main" val="1835865361"/>
+      </p:ext>
+    </p:extLst>
+  </p:cSld>
+  <p:clrMapOvr>
+    <a:masterClrMapping/>
+  </p:clrMapOvr>
+</p:sld>
+</file>
+
+<file path=ppt/slides/slide27.xml><?xml version="1.0" encoding="utf-8"?>
 <p:sld xmlns:a="http://schemas.openxmlformats.org/drawingml/2006/main" xmlns:r="http://schemas.openxmlformats.org/officeDocument/2006/relationships" xmlns:p="http://schemas.openxmlformats.org/presentationml/2006/main">
   <p:cSld>
     <p:spTree>
@@ -3841,7 +5512,7 @@
 </p:sld>
 </file>
 
-<file path=ppt/slides/slide2.xml><?xml version="1.0" encoding="utf-8"?>
+<file path=ppt/slides/slide3.xml><?xml version="1.0" encoding="utf-8"?>
 <p:sld xmlns:a="http://schemas.openxmlformats.org/drawingml/2006/main" xmlns:r="http://schemas.openxmlformats.org/officeDocument/2006/relationships" xmlns:p="http://schemas.openxmlformats.org/presentationml/2006/main">
   <p:cSld>
     <p:spTree>
@@ -4227,7 +5898,7 @@
 </p:sld>
 </file>
 
-<file path=ppt/slides/slide3.xml><?xml version="1.0" encoding="utf-8"?>
+<file path=ppt/slides/slide4.xml><?xml version="1.0" encoding="utf-8"?>
 <p:sld xmlns:a="http://schemas.openxmlformats.org/drawingml/2006/main" xmlns:r="http://schemas.openxmlformats.org/officeDocument/2006/relationships" xmlns:p="http://schemas.openxmlformats.org/presentationml/2006/main">
   <p:cSld>
     <p:spTree>
@@ -4324,7 +5995,7 @@
 </p:sld>
 </file>
 
-<file path=ppt/slides/slide4.xml><?xml version="1.0" encoding="utf-8"?>
+<file path=ppt/slides/slide5.xml><?xml version="1.0" encoding="utf-8"?>
 <p:sld xmlns:a="http://schemas.openxmlformats.org/drawingml/2006/main" xmlns:r="http://schemas.openxmlformats.org/officeDocument/2006/relationships" xmlns:p="http://schemas.openxmlformats.org/presentationml/2006/main">
   <p:cSld>
     <p:spTree>
@@ -4468,7 +6139,7 @@
 </p:sld>
 </file>
 
-<file path=ppt/slides/slide5.xml><?xml version="1.0" encoding="utf-8"?>
+<file path=ppt/slides/slide6.xml><?xml version="1.0" encoding="utf-8"?>
 <p:sld xmlns:a="http://schemas.openxmlformats.org/drawingml/2006/main" xmlns:r="http://schemas.openxmlformats.org/officeDocument/2006/relationships" xmlns:p="http://schemas.openxmlformats.org/presentationml/2006/main">
   <p:cSld>
     <p:spTree>
@@ -4612,7 +6283,7 @@
 </p:sld>
 </file>
 
-<file path=ppt/slides/slide6.xml><?xml version="1.0" encoding="utf-8"?>
+<file path=ppt/slides/slide7.xml><?xml version="1.0" encoding="utf-8"?>
 <p:sld xmlns:a="http://schemas.openxmlformats.org/drawingml/2006/main" xmlns:r="http://schemas.openxmlformats.org/officeDocument/2006/relationships" xmlns:p="http://schemas.openxmlformats.org/presentationml/2006/main">
   <p:cSld>
     <p:spTree>
@@ -4678,7 +6349,7 @@
 </p:sld>
 </file>
 
-<file path=ppt/slides/slide7.xml><?xml version="1.0" encoding="utf-8"?>
+<file path=ppt/slides/slide8.xml><?xml version="1.0" encoding="utf-8"?>
 <p:sld xmlns:a="http://schemas.openxmlformats.org/drawingml/2006/main" xmlns:r="http://schemas.openxmlformats.org/officeDocument/2006/relationships" xmlns:p="http://schemas.openxmlformats.org/presentationml/2006/main">
   <p:cSld>
     <p:spTree>
@@ -4826,242 +6497,6 @@
 </p:sld>
 </file>
 
-<file path=ppt/slides/slide8.xml><?xml version="1.0" encoding="utf-8"?>
-<p:sld xmlns:a="http://schemas.openxmlformats.org/drawingml/2006/main" xmlns:r="http://schemas.openxmlformats.org/officeDocument/2006/relationships" xmlns:p="http://schemas.openxmlformats.org/presentationml/2006/main">
-  <p:cSld>
-    <p:spTree>
-      <p:nvGrpSpPr>
-        <p:cNvPr id="1" name=""/>
-        <p:cNvGrpSpPr/>
-        <p:nvPr/>
-      </p:nvGrpSpPr>
-      <p:grpSpPr>
-        <a:xfrm>
-          <a:off x="0" y="0"/>
-          <a:ext cx="0" cy="0"/>
-          <a:chOff x="0" y="0"/>
-          <a:chExt cx="0" cy="0"/>
-        </a:xfrm>
-      </p:grpSpPr>
-      <p:sp>
-        <p:nvSpPr>
-          <p:cNvPr id="2" name="Titre 1"/>
-          <p:cNvSpPr>
-            <a:spLocks noGrp="1"/>
-          </p:cNvSpPr>
-          <p:nvPr>
-            <p:ph type="title"/>
-          </p:nvPr>
-        </p:nvSpPr>
-        <p:spPr/>
-        <p:txBody>
-          <a:bodyPr>
-            <a:normAutofit/>
-          </a:bodyPr>
-          <a:lstStyle/>
-          <a:p>
-            <a:r>
-              <a:rPr lang="fr-FR" sz="3200" b="1" dirty="0">
-                <a:latin typeface="Arial" panose="020B0604020202020204" pitchFamily="34" charset="0"/>
-                <a:cs typeface="Arial" panose="020B0604020202020204" pitchFamily="34" charset="0"/>
-              </a:rPr>
-              <a:t>Pourquoi s’intéresser à Python?</a:t>
-            </a:r>
-            <a:endParaRPr lang="fr-FR" sz="3200" dirty="0"/>
-          </a:p>
-        </p:txBody>
-      </p:sp>
-      <p:sp>
-        <p:nvSpPr>
-          <p:cNvPr id="3" name="Espace réservé du contenu 2"/>
-          <p:cNvSpPr>
-            <a:spLocks noGrp="1"/>
-          </p:cNvSpPr>
-          <p:nvPr>
-            <p:ph idx="1"/>
-          </p:nvPr>
-        </p:nvSpPr>
-        <p:spPr/>
-        <p:txBody>
-          <a:bodyPr>
-            <a:noAutofit/>
-          </a:bodyPr>
-          <a:lstStyle/>
-          <a:p>
-            <a:r>
-              <a:rPr lang="fr-FR" sz="2400" dirty="0" smtClean="0">
-                <a:latin typeface="Arial" panose="020B0604020202020204" pitchFamily="34" charset="0"/>
-                <a:cs typeface="Arial" panose="020B0604020202020204" pitchFamily="34" charset="0"/>
-              </a:rPr>
-              <a:t>facile </a:t>
-            </a:r>
-            <a:r>
-              <a:rPr lang="fr-FR" sz="2400" dirty="0">
-                <a:latin typeface="Arial" panose="020B0604020202020204" pitchFamily="34" charset="0"/>
-                <a:cs typeface="Arial" panose="020B0604020202020204" pitchFamily="34" charset="0"/>
-              </a:rPr>
-              <a:t>à </a:t>
-            </a:r>
-            <a:r>
-              <a:rPr lang="fr-FR" sz="2400" dirty="0" smtClean="0">
-                <a:latin typeface="Arial" panose="020B0604020202020204" pitchFamily="34" charset="0"/>
-                <a:cs typeface="Arial" panose="020B0604020202020204" pitchFamily="34" charset="0"/>
-              </a:rPr>
-              <a:t>apprendre</a:t>
-            </a:r>
-          </a:p>
-          <a:p>
-            <a:r>
-              <a:rPr lang="fr-FR" sz="2400" dirty="0" smtClean="0">
-                <a:latin typeface="Arial" panose="020B0604020202020204" pitchFamily="34" charset="0"/>
-                <a:cs typeface="Arial" panose="020B0604020202020204" pitchFamily="34" charset="0"/>
-              </a:rPr>
-              <a:t>à </a:t>
-            </a:r>
-            <a:r>
-              <a:rPr lang="fr-FR" sz="2400" dirty="0">
-                <a:latin typeface="Arial" panose="020B0604020202020204" pitchFamily="34" charset="0"/>
-                <a:cs typeface="Arial" panose="020B0604020202020204" pitchFamily="34" charset="0"/>
-              </a:rPr>
-              <a:t>usage </a:t>
-            </a:r>
-            <a:r>
-              <a:rPr lang="fr-FR" sz="2400" dirty="0" smtClean="0">
-                <a:latin typeface="Arial" panose="020B0604020202020204" pitchFamily="34" charset="0"/>
-                <a:cs typeface="Arial" panose="020B0604020202020204" pitchFamily="34" charset="0"/>
-              </a:rPr>
-              <a:t>général : développement « classique », </a:t>
-            </a:r>
-            <a:r>
-              <a:rPr lang="fr-FR" sz="2400" dirty="0" err="1" smtClean="0">
-                <a:latin typeface="Arial" panose="020B0604020202020204" pitchFamily="34" charset="0"/>
-                <a:cs typeface="Arial" panose="020B0604020202020204" pitchFamily="34" charset="0"/>
-              </a:rPr>
-              <a:t>datascience</a:t>
-            </a:r>
-            <a:r>
-              <a:rPr lang="fr-FR" sz="2400" dirty="0" smtClean="0">
-                <a:latin typeface="Arial" panose="020B0604020202020204" pitchFamily="34" charset="0"/>
-                <a:cs typeface="Arial" panose="020B0604020202020204" pitchFamily="34" charset="0"/>
-              </a:rPr>
-              <a:t>, embarqué, etc.</a:t>
-            </a:r>
-          </a:p>
-          <a:p>
-            <a:r>
-              <a:rPr lang="fr-FR" sz="2400" dirty="0" smtClean="0">
-                <a:latin typeface="Arial" panose="020B0604020202020204" pitchFamily="34" charset="0"/>
-                <a:cs typeface="Arial" panose="020B0604020202020204" pitchFamily="34" charset="0"/>
-              </a:rPr>
-              <a:t>Peu verbeux</a:t>
-            </a:r>
-          </a:p>
-          <a:p>
-            <a:r>
-              <a:rPr lang="fr-FR" sz="2400" dirty="0">
-                <a:latin typeface="Arial" panose="020B0604020202020204" pitchFamily="34" charset="0"/>
-                <a:cs typeface="Arial" panose="020B0604020202020204" pitchFamily="34" charset="0"/>
-              </a:rPr>
-              <a:t>Python dispose de l'un des gestionnaires de paquets les plus matures : </a:t>
-            </a:r>
-            <a:r>
-              <a:rPr lang="fr-FR" sz="2400" dirty="0" err="1" smtClean="0">
-                <a:latin typeface="Arial" panose="020B0604020202020204" pitchFamily="34" charset="0"/>
-                <a:cs typeface="Arial" panose="020B0604020202020204" pitchFamily="34" charset="0"/>
-              </a:rPr>
-              <a:t>PyPI</a:t>
-            </a:r>
-            <a:endParaRPr lang="fr-FR" sz="2400" dirty="0" smtClean="0">
-              <a:latin typeface="Arial" panose="020B0604020202020204" pitchFamily="34" charset="0"/>
-              <a:cs typeface="Arial" panose="020B0604020202020204" pitchFamily="34" charset="0"/>
-            </a:endParaRPr>
-          </a:p>
-          <a:p>
-            <a:r>
-              <a:rPr lang="fr-FR" sz="2400" dirty="0">
-                <a:latin typeface="Arial" panose="020B0604020202020204" pitchFamily="34" charset="0"/>
-                <a:cs typeface="Arial" panose="020B0604020202020204" pitchFamily="34" charset="0"/>
-              </a:rPr>
-              <a:t>Python est multiplateforme et open </a:t>
-            </a:r>
-            <a:r>
-              <a:rPr lang="fr-FR" sz="2400" dirty="0" smtClean="0">
-                <a:latin typeface="Arial" panose="020B0604020202020204" pitchFamily="34" charset="0"/>
-                <a:cs typeface="Arial" panose="020B0604020202020204" pitchFamily="34" charset="0"/>
-              </a:rPr>
-              <a:t>source</a:t>
-            </a:r>
-          </a:p>
-          <a:p>
-            <a:r>
-              <a:rPr lang="fr-FR" sz="2400" dirty="0" smtClean="0">
-                <a:latin typeface="Arial" panose="020B0604020202020204" pitchFamily="34" charset="0"/>
-                <a:cs typeface="Arial" panose="020B0604020202020204" pitchFamily="34" charset="0"/>
-              </a:rPr>
-              <a:t>Documentation de qualité disponible (même des livres gratuits)</a:t>
-            </a:r>
-          </a:p>
-          <a:p>
-            <a:r>
-              <a:rPr lang="fr-FR" sz="2400" dirty="0" smtClean="0">
-                <a:latin typeface="Arial" panose="020B0604020202020204" pitchFamily="34" charset="0"/>
-                <a:cs typeface="Arial" panose="020B0604020202020204" pitchFamily="34" charset="0"/>
-              </a:rPr>
-              <a:t>Communauté énorme donc aide rapide sur les </a:t>
-            </a:r>
-            <a:r>
-              <a:rPr lang="fr-FR" sz="2400" dirty="0">
-                <a:latin typeface="Arial" panose="020B0604020202020204" pitchFamily="34" charset="0"/>
-                <a:cs typeface="Arial" panose="020B0604020202020204" pitchFamily="34" charset="0"/>
-              </a:rPr>
-              <a:t>forums (</a:t>
-            </a:r>
-            <a:r>
-              <a:rPr lang="fr-FR" sz="2400" dirty="0">
-                <a:latin typeface="Arial" panose="020B0604020202020204" pitchFamily="34" charset="0"/>
-                <a:cs typeface="Arial" panose="020B0604020202020204" pitchFamily="34" charset="0"/>
-                <a:hlinkClick r:id="rId2"/>
-              </a:rPr>
-              <a:t>https://stackoverflow.com</a:t>
-            </a:r>
-            <a:r>
-              <a:rPr lang="fr-FR" sz="2400" dirty="0" smtClean="0">
-                <a:latin typeface="Arial" panose="020B0604020202020204" pitchFamily="34" charset="0"/>
-                <a:cs typeface="Arial" panose="020B0604020202020204" pitchFamily="34" charset="0"/>
-                <a:hlinkClick r:id="rId2"/>
-              </a:rPr>
-              <a:t>/</a:t>
-            </a:r>
-            <a:r>
-              <a:rPr lang="fr-FR" sz="2400" dirty="0" smtClean="0">
-                <a:latin typeface="Arial" panose="020B0604020202020204" pitchFamily="34" charset="0"/>
-                <a:cs typeface="Arial" panose="020B0604020202020204" pitchFamily="34" charset="0"/>
-              </a:rPr>
-              <a:t> )</a:t>
-            </a:r>
-          </a:p>
-        </p:txBody>
-      </p:sp>
-    </p:spTree>
-    <p:extLst>
-      <p:ext uri="{BB962C8B-B14F-4D97-AF65-F5344CB8AC3E}">
-        <p14:creationId xmlns:p14="http://schemas.microsoft.com/office/powerpoint/2010/main" val="3771407015"/>
-      </p:ext>
-    </p:extLst>
-  </p:cSld>
-  <p:clrMapOvr>
-    <a:masterClrMapping/>
-  </p:clrMapOvr>
-  <p:timing>
-    <p:tnLst>
-      <p:par>
-        <p:cTn id="1" dur="indefinite" restart="never" nodeType="tmRoot"/>
-      </p:par>
-    </p:tnLst>
-  </p:timing>
-</p:sld>
-</file>
-
 <file path=ppt/slides/slide9.xml><?xml version="1.0" encoding="utf-8"?>
 <p:sld xmlns:a="http://schemas.openxmlformats.org/drawingml/2006/main" xmlns:r="http://schemas.openxmlformats.org/officeDocument/2006/relationships" xmlns:p="http://schemas.openxmlformats.org/presentationml/2006/main">
   <p:cSld>
@@ -5097,129 +6532,191 @@
           <a:lstStyle/>
           <a:p>
             <a:r>
-              <a:rPr lang="fr-FR" sz="3200" b="1" dirty="0" smtClean="0">
-                <a:latin typeface="Arial" panose="020B0604020202020204" pitchFamily="34" charset="0"/>
-                <a:cs typeface="Arial" panose="020B0604020202020204" pitchFamily="34" charset="0"/>
-              </a:rPr>
-              <a:t>Premiers pas</a:t>
-            </a:r>
-            <a:endParaRPr lang="fr-FR" sz="3200" b="1" dirty="0">
+              <a:rPr lang="fr-FR" sz="3200" b="1" dirty="0">
+                <a:latin typeface="Arial" panose="020B0604020202020204" pitchFamily="34" charset="0"/>
+                <a:cs typeface="Arial" panose="020B0604020202020204" pitchFamily="34" charset="0"/>
+              </a:rPr>
+              <a:t>Pourquoi s’intéresser à Python?</a:t>
+            </a:r>
+            <a:endParaRPr lang="fr-FR" sz="3200" dirty="0"/>
+          </a:p>
+        </p:txBody>
+      </p:sp>
+      <p:sp>
+        <p:nvSpPr>
+          <p:cNvPr id="3" name="Espace réservé du contenu 2"/>
+          <p:cNvSpPr>
+            <a:spLocks noGrp="1"/>
+          </p:cNvSpPr>
+          <p:nvPr>
+            <p:ph idx="1"/>
+          </p:nvPr>
+        </p:nvSpPr>
+        <p:spPr/>
+        <p:txBody>
+          <a:bodyPr>
+            <a:noAutofit/>
+          </a:bodyPr>
+          <a:lstStyle/>
+          <a:p>
+            <a:r>
+              <a:rPr lang="fr-FR" sz="2400" dirty="0" smtClean="0">
+                <a:latin typeface="Arial" panose="020B0604020202020204" pitchFamily="34" charset="0"/>
+                <a:cs typeface="Arial" panose="020B0604020202020204" pitchFamily="34" charset="0"/>
+              </a:rPr>
+              <a:t>facile </a:t>
+            </a:r>
+            <a:r>
+              <a:rPr lang="fr-FR" sz="2400" dirty="0">
+                <a:latin typeface="Arial" panose="020B0604020202020204" pitchFamily="34" charset="0"/>
+                <a:cs typeface="Arial" panose="020B0604020202020204" pitchFamily="34" charset="0"/>
+              </a:rPr>
+              <a:t>à </a:t>
+            </a:r>
+            <a:r>
+              <a:rPr lang="fr-FR" sz="2400" dirty="0" smtClean="0">
+                <a:latin typeface="Arial" panose="020B0604020202020204" pitchFamily="34" charset="0"/>
+                <a:cs typeface="Arial" panose="020B0604020202020204" pitchFamily="34" charset="0"/>
+              </a:rPr>
+              <a:t>apprendre</a:t>
+            </a:r>
+          </a:p>
+          <a:p>
+            <a:r>
+              <a:rPr lang="fr-FR" sz="2400" dirty="0" smtClean="0">
+                <a:latin typeface="Arial" panose="020B0604020202020204" pitchFamily="34" charset="0"/>
+                <a:cs typeface="Arial" panose="020B0604020202020204" pitchFamily="34" charset="0"/>
+              </a:rPr>
+              <a:t>à </a:t>
+            </a:r>
+            <a:r>
+              <a:rPr lang="fr-FR" sz="2400" dirty="0">
+                <a:latin typeface="Arial" panose="020B0604020202020204" pitchFamily="34" charset="0"/>
+                <a:cs typeface="Arial" panose="020B0604020202020204" pitchFamily="34" charset="0"/>
+              </a:rPr>
+              <a:t>usage </a:t>
+            </a:r>
+            <a:r>
+              <a:rPr lang="fr-FR" sz="2400" dirty="0" smtClean="0">
+                <a:latin typeface="Arial" panose="020B0604020202020204" pitchFamily="34" charset="0"/>
+                <a:cs typeface="Arial" panose="020B0604020202020204" pitchFamily="34" charset="0"/>
+              </a:rPr>
+              <a:t>général : développement « classique », </a:t>
+            </a:r>
+            <a:r>
+              <a:rPr lang="fr-FR" sz="2400" dirty="0" err="1" smtClean="0">
+                <a:latin typeface="Arial" panose="020B0604020202020204" pitchFamily="34" charset="0"/>
+                <a:cs typeface="Arial" panose="020B0604020202020204" pitchFamily="34" charset="0"/>
+              </a:rPr>
+              <a:t>datascience</a:t>
+            </a:r>
+            <a:r>
+              <a:rPr lang="fr-FR" sz="2400" dirty="0" smtClean="0">
+                <a:latin typeface="Arial" panose="020B0604020202020204" pitchFamily="34" charset="0"/>
+                <a:cs typeface="Arial" panose="020B0604020202020204" pitchFamily="34" charset="0"/>
+              </a:rPr>
+              <a:t>, embarqué, etc.</a:t>
+            </a:r>
+          </a:p>
+          <a:p>
+            <a:r>
+              <a:rPr lang="fr-FR" sz="2400" dirty="0" smtClean="0">
+                <a:latin typeface="Arial" panose="020B0604020202020204" pitchFamily="34" charset="0"/>
+                <a:cs typeface="Arial" panose="020B0604020202020204" pitchFamily="34" charset="0"/>
+              </a:rPr>
+              <a:t>Peu verbeux</a:t>
+            </a:r>
+          </a:p>
+          <a:p>
+            <a:r>
+              <a:rPr lang="fr-FR" sz="2400" dirty="0">
+                <a:latin typeface="Arial" panose="020B0604020202020204" pitchFamily="34" charset="0"/>
+                <a:cs typeface="Arial" panose="020B0604020202020204" pitchFamily="34" charset="0"/>
+              </a:rPr>
+              <a:t>Python dispose de l'un des gestionnaires de paquets les plus matures : </a:t>
+            </a:r>
+            <a:r>
+              <a:rPr lang="fr-FR" sz="2400" dirty="0" err="1" smtClean="0">
+                <a:latin typeface="Arial" panose="020B0604020202020204" pitchFamily="34" charset="0"/>
+                <a:cs typeface="Arial" panose="020B0604020202020204" pitchFamily="34" charset="0"/>
+              </a:rPr>
+              <a:t>PyPI</a:t>
+            </a:r>
+            <a:endParaRPr lang="fr-FR" sz="2400" dirty="0" smtClean="0">
               <a:latin typeface="Arial" panose="020B0604020202020204" pitchFamily="34" charset="0"/>
               <a:cs typeface="Arial" panose="020B0604020202020204" pitchFamily="34" charset="0"/>
             </a:endParaRPr>
           </a:p>
-        </p:txBody>
-      </p:sp>
-      <p:sp>
-        <p:nvSpPr>
-          <p:cNvPr id="3" name="Espace réservé du contenu 2"/>
-          <p:cNvSpPr>
-            <a:spLocks noGrp="1"/>
-          </p:cNvSpPr>
-          <p:nvPr>
-            <p:ph idx="1"/>
-          </p:nvPr>
-        </p:nvSpPr>
-        <p:spPr/>
-        <p:txBody>
-          <a:bodyPr/>
-          <a:lstStyle/>
-          <a:p>
-            <a:r>
-              <a:rPr lang="fr-FR" dirty="0" smtClean="0">
-                <a:latin typeface="Arial" panose="020B0604020202020204" pitchFamily="34" charset="0"/>
-                <a:cs typeface="Arial" panose="020B0604020202020204" pitchFamily="34" charset="0"/>
-              </a:rPr>
-              <a:t>Installer python, des modules souvent utilisés, un IDE =&gt; Anaconda.</a:t>
-            </a:r>
-          </a:p>
-          <a:p>
-            <a:r>
-              <a:rPr lang="fr-FR" dirty="0" smtClean="0">
-                <a:latin typeface="Arial" panose="020B0604020202020204" pitchFamily="34" charset="0"/>
-                <a:cs typeface="Arial" panose="020B0604020202020204" pitchFamily="34" charset="0"/>
-              </a:rPr>
-              <a:t>Démonstration du fonctionnement général de l’IDE </a:t>
-            </a:r>
-            <a:r>
-              <a:rPr lang="fr-FR" dirty="0" err="1" smtClean="0">
-                <a:latin typeface="Arial" panose="020B0604020202020204" pitchFamily="34" charset="0"/>
-                <a:cs typeface="Arial" panose="020B0604020202020204" pitchFamily="34" charset="0"/>
-              </a:rPr>
-              <a:t>Spyder</a:t>
-            </a:r>
-            <a:r>
-              <a:rPr lang="fr-FR" dirty="0">
-                <a:latin typeface="Arial" panose="020B0604020202020204" pitchFamily="34" charset="0"/>
-                <a:cs typeface="Arial" panose="020B0604020202020204" pitchFamily="34" charset="0"/>
-              </a:rPr>
-              <a:t> </a:t>
-            </a:r>
-            <a:r>
-              <a:rPr lang="fr-FR" dirty="0" smtClean="0">
-                <a:latin typeface="Arial" panose="020B0604020202020204" pitchFamily="34" charset="0"/>
-                <a:cs typeface="Arial" panose="020B0604020202020204" pitchFamily="34" charset="0"/>
-              </a:rPr>
-              <a:t>(dont aides </a:t>
-            </a:r>
-            <a:r>
-              <a:rPr lang="fr-FR" dirty="0" err="1" smtClean="0">
-                <a:latin typeface="Arial" panose="020B0604020202020204" pitchFamily="34" charset="0"/>
-                <a:cs typeface="Arial" panose="020B0604020202020204" pitchFamily="34" charset="0"/>
-              </a:rPr>
-              <a:t>Spyder</a:t>
-            </a:r>
-            <a:r>
-              <a:rPr lang="fr-FR" dirty="0" smtClean="0">
-                <a:latin typeface="Arial" panose="020B0604020202020204" pitchFamily="34" charset="0"/>
-                <a:cs typeface="Arial" panose="020B0604020202020204" pitchFamily="34" charset="0"/>
-              </a:rPr>
-              <a:t>)</a:t>
-            </a:r>
-            <a:endParaRPr lang="fr-FR" dirty="0" smtClean="0">
-              <a:latin typeface="Arial" panose="020B0604020202020204" pitchFamily="34" charset="0"/>
-              <a:cs typeface="Arial" panose="020B0604020202020204" pitchFamily="34" charset="0"/>
-            </a:endParaRPr>
-          </a:p>
-          <a:p>
-            <a:r>
-              <a:rPr lang="fr-FR" dirty="0" smtClean="0">
-                <a:latin typeface="Arial" panose="020B0604020202020204" pitchFamily="34" charset="0"/>
-                <a:cs typeface="Arial" panose="020B0604020202020204" pitchFamily="34" charset="0"/>
-              </a:rPr>
-              <a:t>Types de données de base + </a:t>
-            </a:r>
-            <a:r>
-              <a:rPr lang="fr-FR" dirty="0" smtClean="0">
-                <a:latin typeface="Arial" panose="020B0604020202020204" pitchFamily="34" charset="0"/>
-                <a:cs typeface="Arial" panose="020B0604020202020204" pitchFamily="34" charset="0"/>
-              </a:rPr>
-              <a:t>conversions</a:t>
-            </a:r>
-            <a:endParaRPr lang="fr-FR" dirty="0" smtClean="0">
-              <a:latin typeface="Arial" panose="020B0604020202020204" pitchFamily="34" charset="0"/>
-              <a:cs typeface="Arial" panose="020B0604020202020204" pitchFamily="34" charset="0"/>
-            </a:endParaRPr>
-          </a:p>
-          <a:p>
-            <a:r>
-              <a:rPr lang="fr-FR" dirty="0" smtClean="0">
-                <a:latin typeface="Arial" panose="020B0604020202020204" pitchFamily="34" charset="0"/>
-                <a:cs typeface="Arial" panose="020B0604020202020204" pitchFamily="34" charset="0"/>
-              </a:rPr>
-              <a:t>Quelques manipulations de données de base</a:t>
-            </a:r>
-            <a:endParaRPr lang="fr-FR" dirty="0">
-              <a:latin typeface="Arial" panose="020B0604020202020204" pitchFamily="34" charset="0"/>
-              <a:cs typeface="Arial" panose="020B0604020202020204" pitchFamily="34" charset="0"/>
-            </a:endParaRPr>
+          <a:p>
+            <a:r>
+              <a:rPr lang="fr-FR" sz="2400" dirty="0">
+                <a:latin typeface="Arial" panose="020B0604020202020204" pitchFamily="34" charset="0"/>
+                <a:cs typeface="Arial" panose="020B0604020202020204" pitchFamily="34" charset="0"/>
+              </a:rPr>
+              <a:t>Python est multiplateforme et open </a:t>
+            </a:r>
+            <a:r>
+              <a:rPr lang="fr-FR" sz="2400" dirty="0" smtClean="0">
+                <a:latin typeface="Arial" panose="020B0604020202020204" pitchFamily="34" charset="0"/>
+                <a:cs typeface="Arial" panose="020B0604020202020204" pitchFamily="34" charset="0"/>
+              </a:rPr>
+              <a:t>source</a:t>
+            </a:r>
+          </a:p>
+          <a:p>
+            <a:r>
+              <a:rPr lang="fr-FR" sz="2400" dirty="0" smtClean="0">
+                <a:latin typeface="Arial" panose="020B0604020202020204" pitchFamily="34" charset="0"/>
+                <a:cs typeface="Arial" panose="020B0604020202020204" pitchFamily="34" charset="0"/>
+              </a:rPr>
+              <a:t>Documentation de qualité disponible (même des livres gratuits)</a:t>
+            </a:r>
+          </a:p>
+          <a:p>
+            <a:r>
+              <a:rPr lang="fr-FR" sz="2400" dirty="0" smtClean="0">
+                <a:latin typeface="Arial" panose="020B0604020202020204" pitchFamily="34" charset="0"/>
+                <a:cs typeface="Arial" panose="020B0604020202020204" pitchFamily="34" charset="0"/>
+              </a:rPr>
+              <a:t>Communauté énorme donc aide rapide sur les </a:t>
+            </a:r>
+            <a:r>
+              <a:rPr lang="fr-FR" sz="2400" dirty="0">
+                <a:latin typeface="Arial" panose="020B0604020202020204" pitchFamily="34" charset="0"/>
+                <a:cs typeface="Arial" panose="020B0604020202020204" pitchFamily="34" charset="0"/>
+              </a:rPr>
+              <a:t>forums (</a:t>
+            </a:r>
+            <a:r>
+              <a:rPr lang="fr-FR" sz="2400" dirty="0">
+                <a:latin typeface="Arial" panose="020B0604020202020204" pitchFamily="34" charset="0"/>
+                <a:cs typeface="Arial" panose="020B0604020202020204" pitchFamily="34" charset="0"/>
+                <a:hlinkClick r:id="rId2"/>
+              </a:rPr>
+              <a:t>https://stackoverflow.com</a:t>
+            </a:r>
+            <a:r>
+              <a:rPr lang="fr-FR" sz="2400" dirty="0" smtClean="0">
+                <a:latin typeface="Arial" panose="020B0604020202020204" pitchFamily="34" charset="0"/>
+                <a:cs typeface="Arial" panose="020B0604020202020204" pitchFamily="34" charset="0"/>
+                <a:hlinkClick r:id="rId2"/>
+              </a:rPr>
+              <a:t>/</a:t>
+            </a:r>
+            <a:r>
+              <a:rPr lang="fr-FR" sz="2400" dirty="0" smtClean="0">
+                <a:latin typeface="Arial" panose="020B0604020202020204" pitchFamily="34" charset="0"/>
+                <a:cs typeface="Arial" panose="020B0604020202020204" pitchFamily="34" charset="0"/>
+              </a:rPr>
+              <a:t> )</a:t>
+            </a:r>
           </a:p>
         </p:txBody>
       </p:sp>
     </p:spTree>
     <p:extLst>
       <p:ext uri="{BB962C8B-B14F-4D97-AF65-F5344CB8AC3E}">
-        <p14:creationId xmlns:p14="http://schemas.microsoft.com/office/powerpoint/2010/main" val="1118075257"/>
+        <p14:creationId xmlns:p14="http://schemas.microsoft.com/office/powerpoint/2010/main" val="3771407015"/>
       </p:ext>
     </p:extLst>
   </p:cSld>

--- a/formation python.pptx
+++ b/formation python.pptx
@@ -314,7 +314,7 @@
           <a:p>
             <a:fld id="{765F0E4A-4BC1-45D8-AEB9-09F4A4417523}" type="datetimeFigureOut">
               <a:rPr lang="fr-FR" smtClean="0"/>
-              <a:t>28/03/2019</a:t>
+              <a:t>29/03/2019</a:t>
             </a:fld>
             <a:endParaRPr lang="fr-FR"/>
           </a:p>
@@ -484,7 +484,7 @@
           <a:p>
             <a:fld id="{765F0E4A-4BC1-45D8-AEB9-09F4A4417523}" type="datetimeFigureOut">
               <a:rPr lang="fr-FR" smtClean="0"/>
-              <a:t>28/03/2019</a:t>
+              <a:t>29/03/2019</a:t>
             </a:fld>
             <a:endParaRPr lang="fr-FR"/>
           </a:p>
@@ -664,7 +664,7 @@
           <a:p>
             <a:fld id="{765F0E4A-4BC1-45D8-AEB9-09F4A4417523}" type="datetimeFigureOut">
               <a:rPr lang="fr-FR" smtClean="0"/>
-              <a:t>28/03/2019</a:t>
+              <a:t>29/03/2019</a:t>
             </a:fld>
             <a:endParaRPr lang="fr-FR"/>
           </a:p>
@@ -834,7 +834,7 @@
           <a:p>
             <a:fld id="{765F0E4A-4BC1-45D8-AEB9-09F4A4417523}" type="datetimeFigureOut">
               <a:rPr lang="fr-FR" smtClean="0"/>
-              <a:t>28/03/2019</a:t>
+              <a:t>29/03/2019</a:t>
             </a:fld>
             <a:endParaRPr lang="fr-FR"/>
           </a:p>
@@ -1080,7 +1080,7 @@
           <a:p>
             <a:fld id="{765F0E4A-4BC1-45D8-AEB9-09F4A4417523}" type="datetimeFigureOut">
               <a:rPr lang="fr-FR" smtClean="0"/>
-              <a:t>28/03/2019</a:t>
+              <a:t>29/03/2019</a:t>
             </a:fld>
             <a:endParaRPr lang="fr-FR"/>
           </a:p>
@@ -1368,7 +1368,7 @@
           <a:p>
             <a:fld id="{765F0E4A-4BC1-45D8-AEB9-09F4A4417523}" type="datetimeFigureOut">
               <a:rPr lang="fr-FR" smtClean="0"/>
-              <a:t>28/03/2019</a:t>
+              <a:t>29/03/2019</a:t>
             </a:fld>
             <a:endParaRPr lang="fr-FR"/>
           </a:p>
@@ -1790,7 +1790,7 @@
           <a:p>
             <a:fld id="{765F0E4A-4BC1-45D8-AEB9-09F4A4417523}" type="datetimeFigureOut">
               <a:rPr lang="fr-FR" smtClean="0"/>
-              <a:t>28/03/2019</a:t>
+              <a:t>29/03/2019</a:t>
             </a:fld>
             <a:endParaRPr lang="fr-FR"/>
           </a:p>
@@ -1908,7 +1908,7 @@
           <a:p>
             <a:fld id="{765F0E4A-4BC1-45D8-AEB9-09F4A4417523}" type="datetimeFigureOut">
               <a:rPr lang="fr-FR" smtClean="0"/>
-              <a:t>28/03/2019</a:t>
+              <a:t>29/03/2019</a:t>
             </a:fld>
             <a:endParaRPr lang="fr-FR"/>
           </a:p>
@@ -2003,7 +2003,7 @@
           <a:p>
             <a:fld id="{765F0E4A-4BC1-45D8-AEB9-09F4A4417523}" type="datetimeFigureOut">
               <a:rPr lang="fr-FR" smtClean="0"/>
-              <a:t>28/03/2019</a:t>
+              <a:t>29/03/2019</a:t>
             </a:fld>
             <a:endParaRPr lang="fr-FR"/>
           </a:p>
@@ -2280,7 +2280,7 @@
           <a:p>
             <a:fld id="{765F0E4A-4BC1-45D8-AEB9-09F4A4417523}" type="datetimeFigureOut">
               <a:rPr lang="fr-FR" smtClean="0"/>
-              <a:t>28/03/2019</a:t>
+              <a:t>29/03/2019</a:t>
             </a:fld>
             <a:endParaRPr lang="fr-FR"/>
           </a:p>
@@ -2533,7 +2533,7 @@
           <a:p>
             <a:fld id="{765F0E4A-4BC1-45D8-AEB9-09F4A4417523}" type="datetimeFigureOut">
               <a:rPr lang="fr-FR" smtClean="0"/>
-              <a:t>28/03/2019</a:t>
+              <a:t>29/03/2019</a:t>
             </a:fld>
             <a:endParaRPr lang="fr-FR"/>
           </a:p>
@@ -2746,7 +2746,7 @@
           <a:p>
             <a:fld id="{765F0E4A-4BC1-45D8-AEB9-09F4A4417523}" type="datetimeFigureOut">
               <a:rPr lang="fr-FR" smtClean="0"/>
-              <a:t>28/03/2019</a:t>
+              <a:t>29/03/2019</a:t>
             </a:fld>
             <a:endParaRPr lang="fr-FR"/>
           </a:p>
@@ -4422,11 +4422,7 @@
           <a:p>
             <a:r>
               <a:rPr lang="fr-FR" dirty="0" smtClean="0"/>
-              <a:t>Références sur le même objet/copie</a:t>
-            </a:r>
-            <a:r>
-              <a:rPr lang="fr-FR" dirty="0" smtClean="0"/>
-              <a:t>.</a:t>
+              <a:t>Références sur le même objet/copie.</a:t>
             </a:r>
           </a:p>
           <a:p>
@@ -4942,32 +4938,69 @@
         </p:nvSpPr>
         <p:spPr/>
         <p:txBody>
-          <a:bodyPr/>
-          <a:lstStyle/>
-          <a:p>
-            <a:endParaRPr lang="fr-FR"/>
-          </a:p>
-        </p:txBody>
-      </p:sp>
-      <p:sp>
-        <p:nvSpPr>
-          <p:cNvPr id="3" name="Espace réservé du contenu 2"/>
-          <p:cNvSpPr>
-            <a:spLocks noGrp="1"/>
-          </p:cNvSpPr>
-          <p:nvPr>
-            <p:ph idx="1"/>
-          </p:nvPr>
-        </p:nvSpPr>
-        <p:spPr/>
-        <p:txBody>
-          <a:bodyPr/>
-          <a:lstStyle/>
-          <a:p>
-            <a:endParaRPr lang="fr-FR"/>
-          </a:p>
-        </p:txBody>
-      </p:sp>
+          <a:bodyPr>
+            <a:normAutofit/>
+          </a:bodyPr>
+          <a:lstStyle/>
+          <a:p>
+            <a:r>
+              <a:rPr lang="fr-FR" sz="3200" b="1" dirty="0" err="1" smtClean="0">
+                <a:latin typeface="Arial" panose="020B0604020202020204" pitchFamily="34" charset="0"/>
+                <a:cs typeface="Arial" panose="020B0604020202020204" pitchFamily="34" charset="0"/>
+              </a:rPr>
+              <a:t>Reshaping</a:t>
+            </a:r>
+            <a:r>
+              <a:rPr lang="fr-FR" sz="3200" b="1" dirty="0" smtClean="0">
+                <a:latin typeface="Arial" panose="020B0604020202020204" pitchFamily="34" charset="0"/>
+                <a:cs typeface="Arial" panose="020B0604020202020204" pitchFamily="34" charset="0"/>
+              </a:rPr>
+              <a:t> avec </a:t>
+            </a:r>
+            <a:r>
+              <a:rPr lang="fr-FR" sz="3200" b="1" dirty="0" err="1" smtClean="0">
+                <a:latin typeface="Arial" panose="020B0604020202020204" pitchFamily="34" charset="0"/>
+                <a:cs typeface="Arial" panose="020B0604020202020204" pitchFamily="34" charset="0"/>
+              </a:rPr>
+              <a:t>Numpy</a:t>
+            </a:r>
+            <a:endParaRPr lang="fr-FR" sz="3200" b="1" dirty="0">
+              <a:latin typeface="Arial" panose="020B0604020202020204" pitchFamily="34" charset="0"/>
+              <a:cs typeface="Arial" panose="020B0604020202020204" pitchFamily="34" charset="0"/>
+            </a:endParaRPr>
+          </a:p>
+        </p:txBody>
+      </p:sp>
+      <p:pic>
+        <p:nvPicPr>
+          <p:cNvPr id="4" name="Image 3"/>
+          <p:cNvPicPr>
+            <a:picLocks noChangeAspect="1"/>
+          </p:cNvPicPr>
+          <p:nvPr/>
+        </p:nvPicPr>
+        <p:blipFill>
+          <a:blip r:embed="rId2">
+            <a:extLst>
+              <a:ext uri="{28A0092B-C50C-407E-A947-70E740481C1C}">
+                <a14:useLocalDpi xmlns:a14="http://schemas.microsoft.com/office/drawing/2010/main" val="0"/>
+              </a:ext>
+            </a:extLst>
+          </a:blip>
+          <a:stretch>
+            <a:fillRect/>
+          </a:stretch>
+        </p:blipFill>
+        <p:spPr>
+          <a:xfrm>
+            <a:off x="1187624" y="1700808"/>
+            <a:ext cx="6480000" cy="3976936"/>
+          </a:xfrm>
+          <a:prstGeom prst="rect">
+            <a:avLst/>
+          </a:prstGeom>
+        </p:spPr>
+      </p:pic>
     </p:spTree>
     <p:extLst>
       <p:ext uri="{BB962C8B-B14F-4D97-AF65-F5344CB8AC3E}">
@@ -5010,29 +5043,108 @@
         </p:nvSpPr>
         <p:spPr/>
         <p:txBody>
+          <a:bodyPr>
+            <a:normAutofit/>
+          </a:bodyPr>
+          <a:lstStyle/>
+          <a:p>
+            <a:r>
+              <a:rPr lang="fr-FR" sz="3200" b="1" dirty="0" smtClean="0">
+                <a:latin typeface="Arial" panose="020B0604020202020204" pitchFamily="34" charset="0"/>
+                <a:cs typeface="Arial" panose="020B0604020202020204" pitchFamily="34" charset="0"/>
+              </a:rPr>
+              <a:t>Structures de données Pandas</a:t>
+            </a:r>
+            <a:endParaRPr lang="fr-FR" sz="3200" b="1" dirty="0">
+              <a:latin typeface="Arial" panose="020B0604020202020204" pitchFamily="34" charset="0"/>
+              <a:cs typeface="Arial" panose="020B0604020202020204" pitchFamily="34" charset="0"/>
+            </a:endParaRPr>
+          </a:p>
+        </p:txBody>
+      </p:sp>
+      <p:sp>
+        <p:nvSpPr>
+          <p:cNvPr id="3" name="Espace réservé du contenu 2"/>
+          <p:cNvSpPr>
+            <a:spLocks noGrp="1"/>
+          </p:cNvSpPr>
+          <p:nvPr>
+            <p:ph idx="1"/>
+          </p:nvPr>
+        </p:nvSpPr>
+        <p:spPr/>
+        <p:txBody>
           <a:bodyPr/>
           <a:lstStyle/>
           <a:p>
-            <a:endParaRPr lang="fr-FR"/>
-          </a:p>
-        </p:txBody>
-      </p:sp>
-      <p:sp>
-        <p:nvSpPr>
-          <p:cNvPr id="3" name="Espace réservé du contenu 2"/>
-          <p:cNvSpPr>
-            <a:spLocks noGrp="1"/>
-          </p:cNvSpPr>
-          <p:nvPr>
-            <p:ph idx="1"/>
-          </p:nvPr>
-        </p:nvSpPr>
-        <p:spPr/>
-        <p:txBody>
-          <a:bodyPr/>
-          <a:lstStyle/>
-          <a:p>
-            <a:endParaRPr lang="fr-FR"/>
+            <a:r>
+              <a:rPr lang="fr-FR" dirty="0" smtClean="0">
+                <a:latin typeface="Arial" panose="020B0604020202020204" pitchFamily="34" charset="0"/>
+                <a:cs typeface="Arial" panose="020B0604020202020204" pitchFamily="34" charset="0"/>
+              </a:rPr>
+              <a:t>Séries (dont statistiques de base : </a:t>
+            </a:r>
+            <a:r>
+              <a:rPr lang="fr-FR" dirty="0">
+                <a:latin typeface="Arial" panose="020B0604020202020204" pitchFamily="34" charset="0"/>
+                <a:cs typeface="Arial" panose="020B0604020202020204" pitchFamily="34" charset="0"/>
+              </a:rPr>
+              <a:t>moyenne</a:t>
+            </a:r>
+            <a:r>
+              <a:rPr lang="fr-FR" dirty="0" smtClean="0">
+                <a:latin typeface="Arial" panose="020B0604020202020204" pitchFamily="34" charset="0"/>
+                <a:cs typeface="Arial" panose="020B0604020202020204" pitchFamily="34" charset="0"/>
+              </a:rPr>
+              <a:t>, écart </a:t>
+            </a:r>
+            <a:r>
+              <a:rPr lang="fr-FR" smtClean="0">
+                <a:latin typeface="Arial" panose="020B0604020202020204" pitchFamily="34" charset="0"/>
+                <a:cs typeface="Arial" panose="020B0604020202020204" pitchFamily="34" charset="0"/>
+              </a:rPr>
+              <a:t>type,…, </a:t>
+            </a:r>
+            <a:r>
+              <a:rPr lang="fr-FR" dirty="0" smtClean="0">
+                <a:latin typeface="Arial" panose="020B0604020202020204" pitchFamily="34" charset="0"/>
+                <a:cs typeface="Arial" panose="020B0604020202020204" pitchFamily="34" charset="0"/>
+                <a:hlinkClick r:id="rId2"/>
+              </a:rPr>
+              <a:t>skewness</a:t>
+            </a:r>
+            <a:r>
+              <a:rPr lang="fr-FR" dirty="0" smtClean="0">
+                <a:latin typeface="Arial" panose="020B0604020202020204" pitchFamily="34" charset="0"/>
+                <a:cs typeface="Arial" panose="020B0604020202020204" pitchFamily="34" charset="0"/>
+              </a:rPr>
+              <a:t>,  </a:t>
+            </a:r>
+            <a:r>
+              <a:rPr lang="fr-FR" dirty="0" smtClean="0">
+                <a:latin typeface="Arial" panose="020B0604020202020204" pitchFamily="34" charset="0"/>
+                <a:cs typeface="Arial" panose="020B0604020202020204" pitchFamily="34" charset="0"/>
+                <a:hlinkClick r:id="rId3"/>
+              </a:rPr>
+              <a:t>kurtosis</a:t>
+            </a:r>
+            <a:endParaRPr lang="fr-FR" dirty="0" smtClean="0">
+              <a:latin typeface="Arial" panose="020B0604020202020204" pitchFamily="34" charset="0"/>
+              <a:cs typeface="Arial" panose="020B0604020202020204" pitchFamily="34" charset="0"/>
+            </a:endParaRPr>
+          </a:p>
+          <a:p>
+            <a:r>
+              <a:rPr lang="fr-FR" dirty="0" err="1" smtClean="0">
+                <a:latin typeface="Arial" panose="020B0604020202020204" pitchFamily="34" charset="0"/>
+                <a:cs typeface="Arial" panose="020B0604020202020204" pitchFamily="34" charset="0"/>
+              </a:rPr>
+              <a:t>dataframe</a:t>
+            </a:r>
+            <a:endParaRPr lang="fr-FR" dirty="0">
+              <a:latin typeface="Arial" panose="020B0604020202020204" pitchFamily="34" charset="0"/>
+              <a:cs typeface="Arial" panose="020B0604020202020204" pitchFamily="34" charset="0"/>
+            </a:endParaRPr>
           </a:p>
         </p:txBody>
       </p:sp>
@@ -5367,10 +5479,22 @@
         </p:nvSpPr>
         <p:spPr/>
         <p:txBody>
-          <a:bodyPr/>
-          <a:lstStyle/>
-          <a:p>
-            <a:endParaRPr lang="fr-FR"/>
+          <a:bodyPr>
+            <a:normAutofit/>
+          </a:bodyPr>
+          <a:lstStyle/>
+          <a:p>
+            <a:r>
+              <a:rPr lang="fr-FR" sz="3200" b="1" dirty="0" smtClean="0">
+                <a:latin typeface="Arial" panose="020B0604020202020204" pitchFamily="34" charset="0"/>
+                <a:cs typeface="Arial" panose="020B0604020202020204" pitchFamily="34" charset="0"/>
+              </a:rPr>
+              <a:t>Sujets transverses</a:t>
+            </a:r>
+            <a:endParaRPr lang="fr-FR" sz="3200" b="1" dirty="0">
+              <a:latin typeface="Arial" panose="020B0604020202020204" pitchFamily="34" charset="0"/>
+              <a:cs typeface="Arial" panose="020B0604020202020204" pitchFamily="34" charset="0"/>
+            </a:endParaRPr>
           </a:p>
         </p:txBody>
       </p:sp>

--- a/formation python.pptx
+++ b/formation python.pptx
@@ -130,6 +130,22 @@
       </a:defRPr>
     </a:lvl9pPr>
   </p:defaultTextStyle>
+  <p:extLst>
+    <p:ext uri="{EFAFB233-063F-42B5-8137-9DF3F51BA10A}">
+      <p15:sldGuideLst xmlns:p15="http://schemas.microsoft.com/office/powerpoint/2012/main">
+        <p15:guide id="1" orient="horz" pos="2160">
+          <p15:clr>
+            <a:srgbClr val="A4A3A4"/>
+          </p15:clr>
+        </p15:guide>
+        <p15:guide id="2" pos="2880">
+          <p15:clr>
+            <a:srgbClr val="A4A3A4"/>
+          </p15:clr>
+        </p15:guide>
+      </p15:sldGuideLst>
+    </p:ext>
+  </p:extLst>
 </p:presentation>
 </file>
 
@@ -171,10 +187,9 @@
           <a:lstStyle/>
           <a:p>
             <a:r>
-              <a:rPr lang="fr-FR" smtClean="0"/>
+              <a:rPr lang="fr-FR"/>
               <a:t>Modifiez le style du titre</a:t>
             </a:r>
-            <a:endParaRPr lang="fr-FR"/>
           </a:p>
         </p:txBody>
       </p:sp>
@@ -290,10 +305,9 @@
           </a:lstStyle>
           <a:p>
             <a:r>
-              <a:rPr lang="fr-FR" smtClean="0"/>
+              <a:rPr lang="fr-FR"/>
               <a:t>Modifiez le style des sous-titres du masque</a:t>
             </a:r>
-            <a:endParaRPr lang="fr-FR"/>
           </a:p>
         </p:txBody>
       </p:sp>
@@ -314,7 +328,7 @@
           <a:p>
             <a:fld id="{765F0E4A-4BC1-45D8-AEB9-09F4A4417523}" type="datetimeFigureOut">
               <a:rPr lang="fr-FR" smtClean="0"/>
-              <a:t>29/03/2019</a:t>
+              <a:t>30/03/2019</a:t>
             </a:fld>
             <a:endParaRPr lang="fr-FR"/>
           </a:p>
@@ -408,10 +422,9 @@
           <a:lstStyle/>
           <a:p>
             <a:r>
-              <a:rPr lang="fr-FR" smtClean="0"/>
+              <a:rPr lang="fr-FR"/>
               <a:t>Modifiez le style du titre</a:t>
             </a:r>
-            <a:endParaRPr lang="fr-FR"/>
           </a:p>
         </p:txBody>
       </p:sp>
@@ -432,38 +445,37 @@
           <a:p>
             <a:pPr lvl="0"/>
             <a:r>
-              <a:rPr lang="fr-FR" smtClean="0"/>
+              <a:rPr lang="fr-FR"/>
               <a:t>Modifiez les styles du texte du masque</a:t>
             </a:r>
           </a:p>
           <a:p>
             <a:pPr lvl="1"/>
             <a:r>
-              <a:rPr lang="fr-FR" smtClean="0"/>
+              <a:rPr lang="fr-FR"/>
               <a:t>Deuxième niveau</a:t>
             </a:r>
           </a:p>
           <a:p>
             <a:pPr lvl="2"/>
             <a:r>
-              <a:rPr lang="fr-FR" smtClean="0"/>
+              <a:rPr lang="fr-FR"/>
               <a:t>Troisième niveau</a:t>
             </a:r>
           </a:p>
           <a:p>
             <a:pPr lvl="3"/>
             <a:r>
-              <a:rPr lang="fr-FR" smtClean="0"/>
+              <a:rPr lang="fr-FR"/>
               <a:t>Quatrième niveau</a:t>
             </a:r>
           </a:p>
           <a:p>
             <a:pPr lvl="4"/>
             <a:r>
-              <a:rPr lang="fr-FR" smtClean="0"/>
+              <a:rPr lang="fr-FR"/>
               <a:t>Cinquième niveau</a:t>
             </a:r>
-            <a:endParaRPr lang="fr-FR"/>
           </a:p>
         </p:txBody>
       </p:sp>
@@ -484,7 +496,7 @@
           <a:p>
             <a:fld id="{765F0E4A-4BC1-45D8-AEB9-09F4A4417523}" type="datetimeFigureOut">
               <a:rPr lang="fr-FR" smtClean="0"/>
-              <a:t>29/03/2019</a:t>
+              <a:t>30/03/2019</a:t>
             </a:fld>
             <a:endParaRPr lang="fr-FR"/>
           </a:p>
@@ -583,10 +595,9 @@
           <a:lstStyle/>
           <a:p>
             <a:r>
-              <a:rPr lang="fr-FR" smtClean="0"/>
+              <a:rPr lang="fr-FR"/>
               <a:t>Modifiez le style du titre</a:t>
             </a:r>
-            <a:endParaRPr lang="fr-FR"/>
           </a:p>
         </p:txBody>
       </p:sp>
@@ -612,38 +623,37 @@
           <a:p>
             <a:pPr lvl="0"/>
             <a:r>
-              <a:rPr lang="fr-FR" smtClean="0"/>
+              <a:rPr lang="fr-FR"/>
               <a:t>Modifiez les styles du texte du masque</a:t>
             </a:r>
           </a:p>
           <a:p>
             <a:pPr lvl="1"/>
             <a:r>
-              <a:rPr lang="fr-FR" smtClean="0"/>
+              <a:rPr lang="fr-FR"/>
               <a:t>Deuxième niveau</a:t>
             </a:r>
           </a:p>
           <a:p>
             <a:pPr lvl="2"/>
             <a:r>
-              <a:rPr lang="fr-FR" smtClean="0"/>
+              <a:rPr lang="fr-FR"/>
               <a:t>Troisième niveau</a:t>
             </a:r>
           </a:p>
           <a:p>
             <a:pPr lvl="3"/>
             <a:r>
-              <a:rPr lang="fr-FR" smtClean="0"/>
+              <a:rPr lang="fr-FR"/>
               <a:t>Quatrième niveau</a:t>
             </a:r>
           </a:p>
           <a:p>
             <a:pPr lvl="4"/>
             <a:r>
-              <a:rPr lang="fr-FR" smtClean="0"/>
+              <a:rPr lang="fr-FR"/>
               <a:t>Cinquième niveau</a:t>
             </a:r>
-            <a:endParaRPr lang="fr-FR"/>
           </a:p>
         </p:txBody>
       </p:sp>
@@ -664,7 +674,7 @@
           <a:p>
             <a:fld id="{765F0E4A-4BC1-45D8-AEB9-09F4A4417523}" type="datetimeFigureOut">
               <a:rPr lang="fr-FR" smtClean="0"/>
-              <a:t>29/03/2019</a:t>
+              <a:t>30/03/2019</a:t>
             </a:fld>
             <a:endParaRPr lang="fr-FR"/>
           </a:p>
@@ -758,10 +768,9 @@
           <a:lstStyle/>
           <a:p>
             <a:r>
-              <a:rPr lang="fr-FR" smtClean="0"/>
+              <a:rPr lang="fr-FR"/>
               <a:t>Modifiez le style du titre</a:t>
             </a:r>
-            <a:endParaRPr lang="fr-FR"/>
           </a:p>
         </p:txBody>
       </p:sp>
@@ -782,38 +791,37 @@
           <a:p>
             <a:pPr lvl="0"/>
             <a:r>
-              <a:rPr lang="fr-FR" smtClean="0"/>
+              <a:rPr lang="fr-FR"/>
               <a:t>Modifiez les styles du texte du masque</a:t>
             </a:r>
           </a:p>
           <a:p>
             <a:pPr lvl="1"/>
             <a:r>
-              <a:rPr lang="fr-FR" smtClean="0"/>
+              <a:rPr lang="fr-FR"/>
               <a:t>Deuxième niveau</a:t>
             </a:r>
           </a:p>
           <a:p>
             <a:pPr lvl="2"/>
             <a:r>
-              <a:rPr lang="fr-FR" smtClean="0"/>
+              <a:rPr lang="fr-FR"/>
               <a:t>Troisième niveau</a:t>
             </a:r>
           </a:p>
           <a:p>
             <a:pPr lvl="3"/>
             <a:r>
-              <a:rPr lang="fr-FR" smtClean="0"/>
+              <a:rPr lang="fr-FR"/>
               <a:t>Quatrième niveau</a:t>
             </a:r>
           </a:p>
           <a:p>
             <a:pPr lvl="4"/>
             <a:r>
-              <a:rPr lang="fr-FR" smtClean="0"/>
+              <a:rPr lang="fr-FR"/>
               <a:t>Cinquième niveau</a:t>
             </a:r>
-            <a:endParaRPr lang="fr-FR"/>
           </a:p>
         </p:txBody>
       </p:sp>
@@ -834,7 +842,7 @@
           <a:p>
             <a:fld id="{765F0E4A-4BC1-45D8-AEB9-09F4A4417523}" type="datetimeFigureOut">
               <a:rPr lang="fr-FR" smtClean="0"/>
-              <a:t>29/03/2019</a:t>
+              <a:t>30/03/2019</a:t>
             </a:fld>
             <a:endParaRPr lang="fr-FR"/>
           </a:p>
@@ -937,10 +945,9 @@
           </a:lstStyle>
           <a:p>
             <a:r>
-              <a:rPr lang="fr-FR" smtClean="0"/>
+              <a:rPr lang="fr-FR"/>
               <a:t>Modifiez le style du titre</a:t>
             </a:r>
-            <a:endParaRPr lang="fr-FR"/>
           </a:p>
         </p:txBody>
       </p:sp>
@@ -1057,7 +1064,7 @@
           <a:p>
             <a:pPr lvl="0"/>
             <a:r>
-              <a:rPr lang="fr-FR" smtClean="0"/>
+              <a:rPr lang="fr-FR"/>
               <a:t>Modifiez les styles du texte du masque</a:t>
             </a:r>
           </a:p>
@@ -1080,7 +1087,7 @@
           <a:p>
             <a:fld id="{765F0E4A-4BC1-45D8-AEB9-09F4A4417523}" type="datetimeFigureOut">
               <a:rPr lang="fr-FR" smtClean="0"/>
-              <a:t>29/03/2019</a:t>
+              <a:t>30/03/2019</a:t>
             </a:fld>
             <a:endParaRPr lang="fr-FR"/>
           </a:p>
@@ -1174,10 +1181,9 @@
           <a:lstStyle/>
           <a:p>
             <a:r>
-              <a:rPr lang="fr-FR" smtClean="0"/>
+              <a:rPr lang="fr-FR"/>
               <a:t>Modifiez le style du titre</a:t>
             </a:r>
-            <a:endParaRPr lang="fr-FR"/>
           </a:p>
         </p:txBody>
       </p:sp>
@@ -1231,38 +1237,37 @@
           <a:p>
             <a:pPr lvl="0"/>
             <a:r>
-              <a:rPr lang="fr-FR" smtClean="0"/>
+              <a:rPr lang="fr-FR"/>
               <a:t>Modifiez les styles du texte du masque</a:t>
             </a:r>
           </a:p>
           <a:p>
             <a:pPr lvl="1"/>
             <a:r>
-              <a:rPr lang="fr-FR" smtClean="0"/>
+              <a:rPr lang="fr-FR"/>
               <a:t>Deuxième niveau</a:t>
             </a:r>
           </a:p>
           <a:p>
             <a:pPr lvl="2"/>
             <a:r>
-              <a:rPr lang="fr-FR" smtClean="0"/>
+              <a:rPr lang="fr-FR"/>
               <a:t>Troisième niveau</a:t>
             </a:r>
           </a:p>
           <a:p>
             <a:pPr lvl="3"/>
             <a:r>
-              <a:rPr lang="fr-FR" smtClean="0"/>
+              <a:rPr lang="fr-FR"/>
               <a:t>Quatrième niveau</a:t>
             </a:r>
           </a:p>
           <a:p>
             <a:pPr lvl="4"/>
             <a:r>
-              <a:rPr lang="fr-FR" smtClean="0"/>
+              <a:rPr lang="fr-FR"/>
               <a:t>Cinquième niveau</a:t>
             </a:r>
-            <a:endParaRPr lang="fr-FR"/>
           </a:p>
         </p:txBody>
       </p:sp>
@@ -1316,38 +1321,37 @@
           <a:p>
             <a:pPr lvl="0"/>
             <a:r>
-              <a:rPr lang="fr-FR" smtClean="0"/>
+              <a:rPr lang="fr-FR"/>
               <a:t>Modifiez les styles du texte du masque</a:t>
             </a:r>
           </a:p>
           <a:p>
             <a:pPr lvl="1"/>
             <a:r>
-              <a:rPr lang="fr-FR" smtClean="0"/>
+              <a:rPr lang="fr-FR"/>
               <a:t>Deuxième niveau</a:t>
             </a:r>
           </a:p>
           <a:p>
             <a:pPr lvl="2"/>
             <a:r>
-              <a:rPr lang="fr-FR" smtClean="0"/>
+              <a:rPr lang="fr-FR"/>
               <a:t>Troisième niveau</a:t>
             </a:r>
           </a:p>
           <a:p>
             <a:pPr lvl="3"/>
             <a:r>
-              <a:rPr lang="fr-FR" smtClean="0"/>
+              <a:rPr lang="fr-FR"/>
               <a:t>Quatrième niveau</a:t>
             </a:r>
           </a:p>
           <a:p>
             <a:pPr lvl="4"/>
             <a:r>
-              <a:rPr lang="fr-FR" smtClean="0"/>
+              <a:rPr lang="fr-FR"/>
               <a:t>Cinquième niveau</a:t>
             </a:r>
-            <a:endParaRPr lang="fr-FR"/>
           </a:p>
         </p:txBody>
       </p:sp>
@@ -1368,7 +1372,7 @@
           <a:p>
             <a:fld id="{765F0E4A-4BC1-45D8-AEB9-09F4A4417523}" type="datetimeFigureOut">
               <a:rPr lang="fr-FR" smtClean="0"/>
-              <a:t>29/03/2019</a:t>
+              <a:t>30/03/2019</a:t>
             </a:fld>
             <a:endParaRPr lang="fr-FR"/>
           </a:p>
@@ -1466,10 +1470,9 @@
           </a:lstStyle>
           <a:p>
             <a:r>
-              <a:rPr lang="fr-FR" smtClean="0"/>
+              <a:rPr lang="fr-FR"/>
               <a:t>Modifiez le style du titre</a:t>
             </a:r>
-            <a:endParaRPr lang="fr-FR"/>
           </a:p>
         </p:txBody>
       </p:sp>
@@ -1532,7 +1535,7 @@
           <a:p>
             <a:pPr lvl="0"/>
             <a:r>
-              <a:rPr lang="fr-FR" smtClean="0"/>
+              <a:rPr lang="fr-FR"/>
               <a:t>Modifiez les styles du texte du masque</a:t>
             </a:r>
           </a:p>
@@ -1588,38 +1591,37 @@
           <a:p>
             <a:pPr lvl="0"/>
             <a:r>
-              <a:rPr lang="fr-FR" smtClean="0"/>
+              <a:rPr lang="fr-FR"/>
               <a:t>Modifiez les styles du texte du masque</a:t>
             </a:r>
           </a:p>
           <a:p>
             <a:pPr lvl="1"/>
             <a:r>
-              <a:rPr lang="fr-FR" smtClean="0"/>
+              <a:rPr lang="fr-FR"/>
               <a:t>Deuxième niveau</a:t>
             </a:r>
           </a:p>
           <a:p>
             <a:pPr lvl="2"/>
             <a:r>
-              <a:rPr lang="fr-FR" smtClean="0"/>
+              <a:rPr lang="fr-FR"/>
               <a:t>Troisième niveau</a:t>
             </a:r>
           </a:p>
           <a:p>
             <a:pPr lvl="3"/>
             <a:r>
-              <a:rPr lang="fr-FR" smtClean="0"/>
+              <a:rPr lang="fr-FR"/>
               <a:t>Quatrième niveau</a:t>
             </a:r>
           </a:p>
           <a:p>
             <a:pPr lvl="4"/>
             <a:r>
-              <a:rPr lang="fr-FR" smtClean="0"/>
+              <a:rPr lang="fr-FR"/>
               <a:t>Cinquième niveau</a:t>
             </a:r>
-            <a:endParaRPr lang="fr-FR"/>
           </a:p>
         </p:txBody>
       </p:sp>
@@ -1682,7 +1684,7 @@
           <a:p>
             <a:pPr lvl="0"/>
             <a:r>
-              <a:rPr lang="fr-FR" smtClean="0"/>
+              <a:rPr lang="fr-FR"/>
               <a:t>Modifiez les styles du texte du masque</a:t>
             </a:r>
           </a:p>
@@ -1738,38 +1740,37 @@
           <a:p>
             <a:pPr lvl="0"/>
             <a:r>
-              <a:rPr lang="fr-FR" smtClean="0"/>
+              <a:rPr lang="fr-FR"/>
               <a:t>Modifiez les styles du texte du masque</a:t>
             </a:r>
           </a:p>
           <a:p>
             <a:pPr lvl="1"/>
             <a:r>
-              <a:rPr lang="fr-FR" smtClean="0"/>
+              <a:rPr lang="fr-FR"/>
               <a:t>Deuxième niveau</a:t>
             </a:r>
           </a:p>
           <a:p>
             <a:pPr lvl="2"/>
             <a:r>
-              <a:rPr lang="fr-FR" smtClean="0"/>
+              <a:rPr lang="fr-FR"/>
               <a:t>Troisième niveau</a:t>
             </a:r>
           </a:p>
           <a:p>
             <a:pPr lvl="3"/>
             <a:r>
-              <a:rPr lang="fr-FR" smtClean="0"/>
+              <a:rPr lang="fr-FR"/>
               <a:t>Quatrième niveau</a:t>
             </a:r>
           </a:p>
           <a:p>
             <a:pPr lvl="4"/>
             <a:r>
-              <a:rPr lang="fr-FR" smtClean="0"/>
+              <a:rPr lang="fr-FR"/>
               <a:t>Cinquième niveau</a:t>
             </a:r>
-            <a:endParaRPr lang="fr-FR"/>
           </a:p>
         </p:txBody>
       </p:sp>
@@ -1790,7 +1791,7 @@
           <a:p>
             <a:fld id="{765F0E4A-4BC1-45D8-AEB9-09F4A4417523}" type="datetimeFigureOut">
               <a:rPr lang="fr-FR" smtClean="0"/>
-              <a:t>29/03/2019</a:t>
+              <a:t>30/03/2019</a:t>
             </a:fld>
             <a:endParaRPr lang="fr-FR"/>
           </a:p>
@@ -1884,10 +1885,9 @@
           <a:lstStyle/>
           <a:p>
             <a:r>
-              <a:rPr lang="fr-FR" smtClean="0"/>
+              <a:rPr lang="fr-FR"/>
               <a:t>Modifiez le style du titre</a:t>
             </a:r>
-            <a:endParaRPr lang="fr-FR"/>
           </a:p>
         </p:txBody>
       </p:sp>
@@ -1908,7 +1908,7 @@
           <a:p>
             <a:fld id="{765F0E4A-4BC1-45D8-AEB9-09F4A4417523}" type="datetimeFigureOut">
               <a:rPr lang="fr-FR" smtClean="0"/>
-              <a:t>29/03/2019</a:t>
+              <a:t>30/03/2019</a:t>
             </a:fld>
             <a:endParaRPr lang="fr-FR"/>
           </a:p>
@@ -2003,7 +2003,7 @@
           <a:p>
             <a:fld id="{765F0E4A-4BC1-45D8-AEB9-09F4A4417523}" type="datetimeFigureOut">
               <a:rPr lang="fr-FR" smtClean="0"/>
-              <a:t>29/03/2019</a:t>
+              <a:t>30/03/2019</a:t>
             </a:fld>
             <a:endParaRPr lang="fr-FR"/>
           </a:p>
@@ -2106,10 +2106,9 @@
           </a:lstStyle>
           <a:p>
             <a:r>
-              <a:rPr lang="fr-FR" smtClean="0"/>
+              <a:rPr lang="fr-FR"/>
               <a:t>Modifiez le style du titre</a:t>
             </a:r>
-            <a:endParaRPr lang="fr-FR"/>
           </a:p>
         </p:txBody>
       </p:sp>
@@ -2163,38 +2162,37 @@
           <a:p>
             <a:pPr lvl="0"/>
             <a:r>
-              <a:rPr lang="fr-FR" smtClean="0"/>
+              <a:rPr lang="fr-FR"/>
               <a:t>Modifiez les styles du texte du masque</a:t>
             </a:r>
           </a:p>
           <a:p>
             <a:pPr lvl="1"/>
             <a:r>
-              <a:rPr lang="fr-FR" smtClean="0"/>
+              <a:rPr lang="fr-FR"/>
               <a:t>Deuxième niveau</a:t>
             </a:r>
           </a:p>
           <a:p>
             <a:pPr lvl="2"/>
             <a:r>
-              <a:rPr lang="fr-FR" smtClean="0"/>
+              <a:rPr lang="fr-FR"/>
               <a:t>Troisième niveau</a:t>
             </a:r>
           </a:p>
           <a:p>
             <a:pPr lvl="3"/>
             <a:r>
-              <a:rPr lang="fr-FR" smtClean="0"/>
+              <a:rPr lang="fr-FR"/>
               <a:t>Quatrième niveau</a:t>
             </a:r>
           </a:p>
           <a:p>
             <a:pPr lvl="4"/>
             <a:r>
-              <a:rPr lang="fr-FR" smtClean="0"/>
+              <a:rPr lang="fr-FR"/>
               <a:t>Cinquième niveau</a:t>
             </a:r>
-            <a:endParaRPr lang="fr-FR"/>
           </a:p>
         </p:txBody>
       </p:sp>
@@ -2257,7 +2255,7 @@
           <a:p>
             <a:pPr lvl="0"/>
             <a:r>
-              <a:rPr lang="fr-FR" smtClean="0"/>
+              <a:rPr lang="fr-FR"/>
               <a:t>Modifiez les styles du texte du masque</a:t>
             </a:r>
           </a:p>
@@ -2280,7 +2278,7 @@
           <a:p>
             <a:fld id="{765F0E4A-4BC1-45D8-AEB9-09F4A4417523}" type="datetimeFigureOut">
               <a:rPr lang="fr-FR" smtClean="0"/>
-              <a:t>29/03/2019</a:t>
+              <a:t>30/03/2019</a:t>
             </a:fld>
             <a:endParaRPr lang="fr-FR"/>
           </a:p>
@@ -2383,10 +2381,9 @@
           </a:lstStyle>
           <a:p>
             <a:r>
-              <a:rPr lang="fr-FR" smtClean="0"/>
+              <a:rPr lang="fr-FR"/>
               <a:t>Modifiez le style du titre</a:t>
             </a:r>
-            <a:endParaRPr lang="fr-FR"/>
           </a:p>
         </p:txBody>
       </p:sp>
@@ -2510,7 +2507,7 @@
           <a:p>
             <a:pPr lvl="0"/>
             <a:r>
-              <a:rPr lang="fr-FR" smtClean="0"/>
+              <a:rPr lang="fr-FR"/>
               <a:t>Modifiez les styles du texte du masque</a:t>
             </a:r>
           </a:p>
@@ -2533,7 +2530,7 @@
           <a:p>
             <a:fld id="{765F0E4A-4BC1-45D8-AEB9-09F4A4417523}" type="datetimeFigureOut">
               <a:rPr lang="fr-FR" smtClean="0"/>
-              <a:t>29/03/2019</a:t>
+              <a:t>30/03/2019</a:t>
             </a:fld>
             <a:endParaRPr lang="fr-FR"/>
           </a:p>
@@ -2642,10 +2639,9 @@
           <a:lstStyle/>
           <a:p>
             <a:r>
-              <a:rPr lang="fr-FR" smtClean="0"/>
+              <a:rPr lang="fr-FR"/>
               <a:t>Modifiez le style du titre</a:t>
             </a:r>
-            <a:endParaRPr lang="fr-FR"/>
           </a:p>
         </p:txBody>
       </p:sp>
@@ -2676,38 +2672,37 @@
           <a:p>
             <a:pPr lvl="0"/>
             <a:r>
-              <a:rPr lang="fr-FR" smtClean="0"/>
+              <a:rPr lang="fr-FR"/>
               <a:t>Modifiez les styles du texte du masque</a:t>
             </a:r>
           </a:p>
           <a:p>
             <a:pPr lvl="1"/>
             <a:r>
-              <a:rPr lang="fr-FR" smtClean="0"/>
+              <a:rPr lang="fr-FR"/>
               <a:t>Deuxième niveau</a:t>
             </a:r>
           </a:p>
           <a:p>
             <a:pPr lvl="2"/>
             <a:r>
-              <a:rPr lang="fr-FR" smtClean="0"/>
+              <a:rPr lang="fr-FR"/>
               <a:t>Troisième niveau</a:t>
             </a:r>
           </a:p>
           <a:p>
             <a:pPr lvl="3"/>
             <a:r>
-              <a:rPr lang="fr-FR" smtClean="0"/>
+              <a:rPr lang="fr-FR"/>
               <a:t>Quatrième niveau</a:t>
             </a:r>
           </a:p>
           <a:p>
             <a:pPr lvl="4"/>
             <a:r>
-              <a:rPr lang="fr-FR" smtClean="0"/>
+              <a:rPr lang="fr-FR"/>
               <a:t>Cinquième niveau</a:t>
             </a:r>
-            <a:endParaRPr lang="fr-FR"/>
           </a:p>
         </p:txBody>
       </p:sp>
@@ -2746,7 +2741,7 @@
           <a:p>
             <a:fld id="{765F0E4A-4BC1-45D8-AEB9-09F4A4417523}" type="datetimeFigureOut">
               <a:rPr lang="fr-FR" smtClean="0"/>
-              <a:t>29/03/2019</a:t>
+              <a:t>30/03/2019</a:t>
             </a:fld>
             <a:endParaRPr lang="fr-FR"/>
           </a:p>
@@ -3144,16 +3139,6 @@
           <a:lstStyle/>
           <a:p>
             <a:r>
-              <a:rPr lang="fr-FR" b="1" dirty="0" smtClean="0">
-                <a:solidFill>
-                  <a:srgbClr val="7030A0"/>
-                </a:solidFill>
-                <a:latin typeface="Arial" panose="020B0604020202020204" pitchFamily="34" charset="0"/>
-                <a:cs typeface="Arial" panose="020B0604020202020204" pitchFamily="34" charset="0"/>
-              </a:rPr>
-              <a:t>Alternatives </a:t>
-            </a:r>
-            <a:r>
               <a:rPr lang="fr-FR" b="1" dirty="0">
                 <a:solidFill>
                   <a:srgbClr val="7030A0"/>
@@ -3161,27 +3146,7 @@
                 <a:latin typeface="Arial" panose="020B0604020202020204" pitchFamily="34" charset="0"/>
                 <a:cs typeface="Arial" panose="020B0604020202020204" pitchFamily="34" charset="0"/>
               </a:rPr>
-              <a:t>à </a:t>
-            </a:r>
-            <a:r>
-              <a:rPr lang="fr-FR" b="1" dirty="0" smtClean="0">
-                <a:solidFill>
-                  <a:srgbClr val="7030A0"/>
-                </a:solidFill>
-                <a:latin typeface="Arial" panose="020B0604020202020204" pitchFamily="34" charset="0"/>
-                <a:cs typeface="Arial" panose="020B0604020202020204" pitchFamily="34" charset="0"/>
-              </a:rPr>
-              <a:t>SAS : </a:t>
-            </a:r>
-            <a:r>
-              <a:rPr lang="fr-FR" b="1" dirty="0">
-                <a:solidFill>
-                  <a:srgbClr val="7030A0"/>
-                </a:solidFill>
-                <a:latin typeface="Arial" panose="020B0604020202020204" pitchFamily="34" charset="0"/>
-                <a:cs typeface="Arial" panose="020B0604020202020204" pitchFamily="34" charset="0"/>
-              </a:rPr>
-              <a:t/>
+              <a:t>Alternatives à SAS : </a:t>
             </a:r>
             <a:br>
               <a:rPr lang="fr-FR" b="1" dirty="0">
@@ -3193,16 +3158,6 @@
               </a:rPr>
             </a:br>
             <a:r>
-              <a:rPr lang="fr-FR" b="1" dirty="0" smtClean="0">
-                <a:solidFill>
-                  <a:srgbClr val="7030A0"/>
-                </a:solidFill>
-                <a:latin typeface="Arial" panose="020B0604020202020204" pitchFamily="34" charset="0"/>
-                <a:cs typeface="Arial" panose="020B0604020202020204" pitchFamily="34" charset="0"/>
-              </a:rPr>
-              <a:t>Initiation </a:t>
-            </a:r>
-            <a:r>
               <a:rPr lang="fr-FR" b="1" dirty="0">
                 <a:solidFill>
                   <a:srgbClr val="7030A0"/>
@@ -3210,17 +3165,7 @@
                 <a:latin typeface="Arial" panose="020B0604020202020204" pitchFamily="34" charset="0"/>
                 <a:cs typeface="Arial" panose="020B0604020202020204" pitchFamily="34" charset="0"/>
               </a:rPr>
-              <a:t>à </a:t>
-            </a:r>
-            <a:r>
-              <a:rPr lang="fr-FR" b="1" dirty="0" smtClean="0">
-                <a:solidFill>
-                  <a:srgbClr val="7030A0"/>
-                </a:solidFill>
-                <a:latin typeface="Arial" panose="020B0604020202020204" pitchFamily="34" charset="0"/>
-                <a:cs typeface="Arial" panose="020B0604020202020204" pitchFamily="34" charset="0"/>
-              </a:rPr>
-              <a:t>python</a:t>
+              <a:t>Initiation à python</a:t>
             </a:r>
             <a:endParaRPr lang="fr-FR" dirty="0">
               <a:solidFill>
@@ -3249,7 +3194,7 @@
           <a:p>
             <a:pPr algn="l"/>
             <a:r>
-              <a:rPr lang="fr-FR" dirty="0" smtClean="0">
+              <a:rPr lang="fr-FR" dirty="0">
                 <a:solidFill>
                   <a:srgbClr val="7030A0"/>
                 </a:solidFill>
@@ -3259,7 +3204,7 @@
               <a:t>Loïc </a:t>
             </a:r>
             <a:r>
-              <a:rPr lang="fr-FR" dirty="0" err="1" smtClean="0">
+              <a:rPr lang="fr-FR" dirty="0" err="1">
                 <a:solidFill>
                   <a:srgbClr val="7030A0"/>
                 </a:solidFill>
@@ -3288,13 +3233,6 @@
   <p:clrMapOvr>
     <a:masterClrMapping/>
   </p:clrMapOvr>
-  <p:timing>
-    <p:tnLst>
-      <p:par>
-        <p:cTn id="1" dur="indefinite" restart="never" nodeType="tmRoot"/>
-      </p:par>
-    </p:tnLst>
-  </p:timing>
 </p:sld>
 </file>
 
@@ -3333,352 +3271,320 @@
           <a:lstStyle/>
           <a:p>
             <a:r>
-              <a:rPr lang="fr-FR" sz="3200" b="1" dirty="0" smtClean="0">
+              <a:rPr lang="fr-FR" sz="3200" b="1" dirty="0">
                 <a:latin typeface="Arial" panose="020B0604020202020204" pitchFamily="34" charset="0"/>
                 <a:cs typeface="Arial" panose="020B0604020202020204" pitchFamily="34" charset="0"/>
               </a:rPr>
               <a:t>Python pour la </a:t>
             </a:r>
             <a:r>
-              <a:rPr lang="fr-FR" sz="3200" b="1" dirty="0" err="1" smtClean="0">
+              <a:rPr lang="fr-FR" sz="3200" b="1" dirty="0" err="1">
                 <a:latin typeface="Arial" panose="020B0604020202020204" pitchFamily="34" charset="0"/>
                 <a:cs typeface="Arial" panose="020B0604020202020204" pitchFamily="34" charset="0"/>
               </a:rPr>
               <a:t>datascience</a:t>
             </a:r>
             <a:r>
-              <a:rPr lang="fr-FR" sz="3200" b="1" dirty="0" smtClean="0">
+              <a:rPr lang="fr-FR" sz="3200" b="1" dirty="0">
                 <a:latin typeface="Arial" panose="020B0604020202020204" pitchFamily="34" charset="0"/>
                 <a:cs typeface="Arial" panose="020B0604020202020204" pitchFamily="34" charset="0"/>
               </a:rPr>
               <a:t> : les principales librairies</a:t>
             </a:r>
-            <a:endParaRPr lang="fr-FR" sz="3200" b="1" dirty="0">
+          </a:p>
+        </p:txBody>
+      </p:sp>
+      <p:sp>
+        <p:nvSpPr>
+          <p:cNvPr id="3" name="Espace réservé du contenu 2"/>
+          <p:cNvSpPr>
+            <a:spLocks noGrp="1"/>
+          </p:cNvSpPr>
+          <p:nvPr>
+            <p:ph idx="1"/>
+          </p:nvPr>
+        </p:nvSpPr>
+        <p:spPr/>
+        <p:txBody>
+          <a:bodyPr>
+            <a:normAutofit/>
+          </a:bodyPr>
+          <a:lstStyle/>
+          <a:p>
+            <a:r>
+              <a:rPr lang="fr-FR" sz="2400" b="1" dirty="0" err="1">
+                <a:latin typeface="Arial" panose="020B0604020202020204" pitchFamily="34" charset="0"/>
+                <a:cs typeface="Arial" panose="020B0604020202020204" pitchFamily="34" charset="0"/>
+              </a:rPr>
+              <a:t>Numpy</a:t>
+            </a:r>
+            <a:r>
+              <a:rPr lang="fr-FR" sz="2400" b="1" dirty="0">
+                <a:latin typeface="Arial" panose="020B0604020202020204" pitchFamily="34" charset="0"/>
+                <a:cs typeface="Arial" panose="020B0604020202020204" pitchFamily="34" charset="0"/>
+              </a:rPr>
+              <a:t> : </a:t>
+            </a:r>
+            <a:r>
+              <a:rPr lang="fr-FR" sz="2000" dirty="0">
+                <a:latin typeface="Arial" panose="020B0604020202020204" pitchFamily="34" charset="0"/>
+                <a:cs typeface="Arial" panose="020B0604020202020204" pitchFamily="34" charset="0"/>
+              </a:rPr>
+              <a:t>manipulation de tableaux multidimensionnels + fonctions mathématiques dessus.</a:t>
+            </a:r>
+          </a:p>
+          <a:p>
+            <a:r>
+              <a:rPr lang="fr-FR" sz="2400" b="1" dirty="0">
+                <a:latin typeface="Arial" panose="020B0604020202020204" pitchFamily="34" charset="0"/>
+                <a:cs typeface="Arial" panose="020B0604020202020204" pitchFamily="34" charset="0"/>
+              </a:rPr>
+              <a:t>Pandas</a:t>
+            </a:r>
+            <a:r>
+              <a:rPr lang="fr-FR" sz="2000" dirty="0">
+                <a:latin typeface="Arial" panose="020B0604020202020204" pitchFamily="34" charset="0"/>
+                <a:cs typeface="Arial" panose="020B0604020202020204" pitchFamily="34" charset="0"/>
+              </a:rPr>
+              <a:t> : manipulation de données + statistiques descriptives</a:t>
+            </a:r>
+          </a:p>
+          <a:p>
+            <a:r>
+              <a:rPr lang="fr-FR" sz="2400" b="1" dirty="0" err="1">
+                <a:latin typeface="Arial" panose="020B0604020202020204" pitchFamily="34" charset="0"/>
+                <a:cs typeface="Arial" panose="020B0604020202020204" pitchFamily="34" charset="0"/>
+              </a:rPr>
+              <a:t>Statsmodels</a:t>
+            </a:r>
+            <a:r>
+              <a:rPr lang="fr-FR" sz="2000" dirty="0">
+                <a:latin typeface="Arial" panose="020B0604020202020204" pitchFamily="34" charset="0"/>
+                <a:cs typeface="Arial" panose="020B0604020202020204" pitchFamily="34" charset="0"/>
+              </a:rPr>
+              <a:t> : économétrie, séries temporelles</a:t>
+            </a:r>
+          </a:p>
+          <a:p>
+            <a:r>
+              <a:rPr lang="fr-FR" sz="2400" b="1" dirty="0" err="1">
+                <a:latin typeface="Arial" panose="020B0604020202020204" pitchFamily="34" charset="0"/>
+                <a:cs typeface="Arial" panose="020B0604020202020204" pitchFamily="34" charset="0"/>
+              </a:rPr>
+              <a:t>Scikit</a:t>
+            </a:r>
+            <a:r>
+              <a:rPr lang="fr-FR" sz="2400" b="1" dirty="0">
+                <a:latin typeface="Arial" panose="020B0604020202020204" pitchFamily="34" charset="0"/>
+                <a:cs typeface="Arial" panose="020B0604020202020204" pitchFamily="34" charset="0"/>
+              </a:rPr>
+              <a:t> </a:t>
+            </a:r>
+            <a:r>
+              <a:rPr lang="fr-FR" sz="2400" b="1" dirty="0" err="1">
+                <a:latin typeface="Arial" panose="020B0604020202020204" pitchFamily="34" charset="0"/>
+                <a:cs typeface="Arial" panose="020B0604020202020204" pitchFamily="34" charset="0"/>
+              </a:rPr>
+              <a:t>learn</a:t>
+            </a:r>
+            <a:r>
+              <a:rPr lang="fr-FR" sz="2400" b="1" dirty="0">
+                <a:latin typeface="Arial" panose="020B0604020202020204" pitchFamily="34" charset="0"/>
+                <a:cs typeface="Arial" panose="020B0604020202020204" pitchFamily="34" charset="0"/>
+              </a:rPr>
+              <a:t> </a:t>
+            </a:r>
+            <a:r>
+              <a:rPr lang="fr-FR" sz="2000" dirty="0">
+                <a:latin typeface="Arial" panose="020B0604020202020204" pitchFamily="34" charset="0"/>
+                <a:cs typeface="Arial" panose="020B0604020202020204" pitchFamily="34" charset="0"/>
+              </a:rPr>
+              <a:t>: machine </a:t>
+            </a:r>
+            <a:r>
+              <a:rPr lang="fr-FR" sz="2000" dirty="0" err="1">
+                <a:latin typeface="Arial" panose="020B0604020202020204" pitchFamily="34" charset="0"/>
+                <a:cs typeface="Arial" panose="020B0604020202020204" pitchFamily="34" charset="0"/>
+              </a:rPr>
+              <a:t>learning</a:t>
+            </a:r>
+            <a:r>
+              <a:rPr lang="fr-FR" sz="2000" dirty="0">
+                <a:latin typeface="Arial" panose="020B0604020202020204" pitchFamily="34" charset="0"/>
+                <a:cs typeface="Arial" panose="020B0604020202020204" pitchFamily="34" charset="0"/>
+              </a:rPr>
+              <a:t> notamment : « classification » (SVM, forêts aléatoires, </a:t>
+            </a:r>
+            <a:r>
+              <a:rPr lang="fr-FR" sz="2000" dirty="0" err="1">
+                <a:latin typeface="Arial" panose="020B0604020202020204" pitchFamily="34" charset="0"/>
+                <a:cs typeface="Arial" panose="020B0604020202020204" pitchFamily="34" charset="0"/>
+              </a:rPr>
+              <a:t>etc</a:t>
+            </a:r>
+            <a:r>
+              <a:rPr lang="fr-FR" sz="2000" dirty="0">
+                <a:latin typeface="Arial" panose="020B0604020202020204" pitchFamily="34" charset="0"/>
+                <a:cs typeface="Arial" panose="020B0604020202020204" pitchFamily="34" charset="0"/>
+              </a:rPr>
+              <a:t>) , réduction de dimension (ACP, </a:t>
+            </a:r>
+            <a:r>
+              <a:rPr lang="fr-FR" sz="2000" dirty="0" err="1">
+                <a:latin typeface="Arial" panose="020B0604020202020204" pitchFamily="34" charset="0"/>
+                <a:cs typeface="Arial" panose="020B0604020202020204" pitchFamily="34" charset="0"/>
+              </a:rPr>
+              <a:t>etc</a:t>
+            </a:r>
+            <a:r>
+              <a:rPr lang="fr-FR" sz="2000" dirty="0">
+                <a:latin typeface="Arial" panose="020B0604020202020204" pitchFamily="34" charset="0"/>
+                <a:cs typeface="Arial" panose="020B0604020202020204" pitchFamily="34" charset="0"/>
+              </a:rPr>
+              <a:t>), « </a:t>
+            </a:r>
+            <a:r>
+              <a:rPr lang="fr-FR" sz="2000" dirty="0" err="1">
+                <a:latin typeface="Arial" panose="020B0604020202020204" pitchFamily="34" charset="0"/>
+                <a:cs typeface="Arial" panose="020B0604020202020204" pitchFamily="34" charset="0"/>
+              </a:rPr>
+              <a:t>clustering</a:t>
+            </a:r>
+            <a:r>
+              <a:rPr lang="fr-FR" sz="2000" dirty="0">
+                <a:latin typeface="Arial" panose="020B0604020202020204" pitchFamily="34" charset="0"/>
+                <a:cs typeface="Arial" panose="020B0604020202020204" pitchFamily="34" charset="0"/>
+              </a:rPr>
+              <a:t> » (CAH, k </a:t>
+            </a:r>
+            <a:r>
+              <a:rPr lang="fr-FR" sz="2000" dirty="0" err="1">
+                <a:latin typeface="Arial" panose="020B0604020202020204" pitchFamily="34" charset="0"/>
+                <a:cs typeface="Arial" panose="020B0604020202020204" pitchFamily="34" charset="0"/>
+              </a:rPr>
+              <a:t>means</a:t>
+            </a:r>
+            <a:r>
+              <a:rPr lang="fr-FR" sz="2000" dirty="0">
+                <a:latin typeface="Arial" panose="020B0604020202020204" pitchFamily="34" charset="0"/>
+                <a:cs typeface="Arial" panose="020B0604020202020204" pitchFamily="34" charset="0"/>
+              </a:rPr>
+              <a:t>, </a:t>
+            </a:r>
+            <a:r>
+              <a:rPr lang="fr-FR" sz="2000" dirty="0" err="1">
+                <a:latin typeface="Arial" panose="020B0604020202020204" pitchFamily="34" charset="0"/>
+                <a:cs typeface="Arial" panose="020B0604020202020204" pitchFamily="34" charset="0"/>
+              </a:rPr>
+              <a:t>etc</a:t>
+            </a:r>
+            <a:r>
+              <a:rPr lang="fr-FR" sz="2000" dirty="0">
+                <a:latin typeface="Arial" panose="020B0604020202020204" pitchFamily="34" charset="0"/>
+                <a:cs typeface="Arial" panose="020B0604020202020204" pitchFamily="34" charset="0"/>
+              </a:rPr>
+              <a:t>), aide pour la sélection de modèle.</a:t>
+            </a:r>
+          </a:p>
+          <a:p>
+            <a:r>
+              <a:rPr lang="fr-FR" sz="2400" b="1" dirty="0">
+                <a:latin typeface="Arial" panose="020B0604020202020204" pitchFamily="34" charset="0"/>
+                <a:cs typeface="Arial" panose="020B0604020202020204" pitchFamily="34" charset="0"/>
+              </a:rPr>
+              <a:t>Visualisation</a:t>
+            </a:r>
+            <a:r>
+              <a:rPr lang="fr-FR" sz="2000" dirty="0">
+                <a:latin typeface="Arial" panose="020B0604020202020204" pitchFamily="34" charset="0"/>
+                <a:cs typeface="Arial" panose="020B0604020202020204" pitchFamily="34" charset="0"/>
+              </a:rPr>
+              <a:t> : </a:t>
+            </a:r>
+            <a:r>
+              <a:rPr lang="fr-FR" sz="2000" dirty="0" err="1">
+                <a:latin typeface="Arial" panose="020B0604020202020204" pitchFamily="34" charset="0"/>
+                <a:cs typeface="Arial" panose="020B0604020202020204" pitchFamily="34" charset="0"/>
+              </a:rPr>
+              <a:t>matplotlib</a:t>
+            </a:r>
+            <a:r>
+              <a:rPr lang="fr-FR" sz="2000" dirty="0">
+                <a:latin typeface="Arial" panose="020B0604020202020204" pitchFamily="34" charset="0"/>
+                <a:cs typeface="Arial" panose="020B0604020202020204" pitchFamily="34" charset="0"/>
+              </a:rPr>
+              <a:t>, </a:t>
+            </a:r>
+            <a:r>
+              <a:rPr lang="fr-FR" sz="2000" dirty="0" err="1">
+                <a:latin typeface="Arial" panose="020B0604020202020204" pitchFamily="34" charset="0"/>
+                <a:cs typeface="Arial" panose="020B0604020202020204" pitchFamily="34" charset="0"/>
+              </a:rPr>
+              <a:t>bokeh</a:t>
+            </a:r>
+            <a:r>
+              <a:rPr lang="fr-FR" sz="2000" dirty="0">
+                <a:latin typeface="Arial" panose="020B0604020202020204" pitchFamily="34" charset="0"/>
+                <a:cs typeface="Arial" panose="020B0604020202020204" pitchFamily="34" charset="0"/>
+              </a:rPr>
+              <a:t>, </a:t>
+            </a:r>
+            <a:r>
+              <a:rPr lang="fr-FR" sz="2000" dirty="0" err="1">
+                <a:latin typeface="Arial" panose="020B0604020202020204" pitchFamily="34" charset="0"/>
+                <a:cs typeface="Arial" panose="020B0604020202020204" pitchFamily="34" charset="0"/>
+              </a:rPr>
+              <a:t>seaborn</a:t>
+            </a:r>
+            <a:endParaRPr lang="fr-FR" sz="2000" dirty="0">
               <a:latin typeface="Arial" panose="020B0604020202020204" pitchFamily="34" charset="0"/>
               <a:cs typeface="Arial" panose="020B0604020202020204" pitchFamily="34" charset="0"/>
             </a:endParaRPr>
           </a:p>
-        </p:txBody>
-      </p:sp>
-      <p:sp>
-        <p:nvSpPr>
-          <p:cNvPr id="3" name="Espace réservé du contenu 2"/>
-          <p:cNvSpPr>
-            <a:spLocks noGrp="1"/>
-          </p:cNvSpPr>
-          <p:nvPr>
-            <p:ph idx="1"/>
-          </p:nvPr>
-        </p:nvSpPr>
-        <p:spPr/>
-        <p:txBody>
-          <a:bodyPr>
-            <a:normAutofit/>
-          </a:bodyPr>
-          <a:lstStyle/>
-          <a:p>
-            <a:r>
-              <a:rPr lang="fr-FR" sz="2400" b="1" dirty="0" err="1" smtClean="0">
-                <a:latin typeface="Arial" panose="020B0604020202020204" pitchFamily="34" charset="0"/>
-                <a:cs typeface="Arial" panose="020B0604020202020204" pitchFamily="34" charset="0"/>
-              </a:rPr>
-              <a:t>Numpy</a:t>
-            </a:r>
-            <a:r>
-              <a:rPr lang="fr-FR" sz="2400" b="1" dirty="0" smtClean="0">
-                <a:latin typeface="Arial" panose="020B0604020202020204" pitchFamily="34" charset="0"/>
-                <a:cs typeface="Arial" panose="020B0604020202020204" pitchFamily="34" charset="0"/>
-              </a:rPr>
-              <a:t> : </a:t>
-            </a:r>
-            <a:r>
-              <a:rPr lang="fr-FR" sz="2000" dirty="0" smtClean="0">
-                <a:latin typeface="Arial" panose="020B0604020202020204" pitchFamily="34" charset="0"/>
-                <a:cs typeface="Arial" panose="020B0604020202020204" pitchFamily="34" charset="0"/>
-              </a:rPr>
-              <a:t>manipulation de</a:t>
+          <a:p>
+            <a:r>
+              <a:rPr lang="fr-FR" sz="2400" b="1" dirty="0">
+                <a:latin typeface="Arial" panose="020B0604020202020204" pitchFamily="34" charset="0"/>
+                <a:cs typeface="Arial" panose="020B0604020202020204" pitchFamily="34" charset="0"/>
+              </a:rPr>
+              <a:t>Réseaux de neurones : </a:t>
+            </a:r>
+            <a:r>
+              <a:rPr lang="fr-FR" sz="2000" dirty="0" err="1">
+                <a:latin typeface="Arial" panose="020B0604020202020204" pitchFamily="34" charset="0"/>
+                <a:cs typeface="Arial" panose="020B0604020202020204" pitchFamily="34" charset="0"/>
+              </a:rPr>
+              <a:t>Keras</a:t>
             </a:r>
             <a:r>
               <a:rPr lang="fr-FR" sz="2000" dirty="0">
                 <a:latin typeface="Arial" panose="020B0604020202020204" pitchFamily="34" charset="0"/>
                 <a:cs typeface="Arial" panose="020B0604020202020204" pitchFamily="34" charset="0"/>
               </a:rPr>
-              <a:t> </a:t>
-            </a:r>
-            <a:r>
-              <a:rPr lang="fr-FR" sz="2000" dirty="0" smtClean="0">
-                <a:latin typeface="Arial" panose="020B0604020202020204" pitchFamily="34" charset="0"/>
-                <a:cs typeface="Arial" panose="020B0604020202020204" pitchFamily="34" charset="0"/>
-              </a:rPr>
-              <a:t>tableaux multidimensionnels + fonctions </a:t>
-            </a:r>
-            <a:r>
-              <a:rPr lang="fr-FR" sz="2000" dirty="0">
-                <a:latin typeface="Arial" panose="020B0604020202020204" pitchFamily="34" charset="0"/>
-                <a:cs typeface="Arial" panose="020B0604020202020204" pitchFamily="34" charset="0"/>
-              </a:rPr>
-              <a:t>mathématiques </a:t>
-            </a:r>
-            <a:r>
-              <a:rPr lang="fr-FR" sz="2000" dirty="0" smtClean="0">
-                <a:latin typeface="Arial" panose="020B0604020202020204" pitchFamily="34" charset="0"/>
-                <a:cs typeface="Arial" panose="020B0604020202020204" pitchFamily="34" charset="0"/>
-              </a:rPr>
-              <a:t>dessus.</a:t>
-            </a:r>
-          </a:p>
-          <a:p>
-            <a:r>
-              <a:rPr lang="fr-FR" sz="2400" b="1" dirty="0" smtClean="0">
-                <a:latin typeface="Arial" panose="020B0604020202020204" pitchFamily="34" charset="0"/>
-                <a:cs typeface="Arial" panose="020B0604020202020204" pitchFamily="34" charset="0"/>
-              </a:rPr>
-              <a:t>Pandas</a:t>
-            </a:r>
-            <a:r>
-              <a:rPr lang="fr-FR" sz="2000" dirty="0" smtClean="0">
-                <a:latin typeface="Arial" panose="020B0604020202020204" pitchFamily="34" charset="0"/>
-                <a:cs typeface="Arial" panose="020B0604020202020204" pitchFamily="34" charset="0"/>
-              </a:rPr>
-              <a:t> : manipulation de données + statistiques descriptives</a:t>
-            </a:r>
-          </a:p>
-          <a:p>
-            <a:r>
-              <a:rPr lang="fr-FR" sz="2400" b="1" dirty="0" err="1" smtClean="0">
-                <a:latin typeface="Arial" panose="020B0604020202020204" pitchFamily="34" charset="0"/>
-                <a:cs typeface="Arial" panose="020B0604020202020204" pitchFamily="34" charset="0"/>
-              </a:rPr>
-              <a:t>Statsmodels</a:t>
-            </a:r>
-            <a:r>
-              <a:rPr lang="fr-FR" sz="2000" dirty="0" smtClean="0">
-                <a:latin typeface="Arial" panose="020B0604020202020204" pitchFamily="34" charset="0"/>
-                <a:cs typeface="Arial" panose="020B0604020202020204" pitchFamily="34" charset="0"/>
-              </a:rPr>
-              <a:t> : économétrie, séries temporelles</a:t>
-            </a:r>
-          </a:p>
-          <a:p>
-            <a:r>
-              <a:rPr lang="fr-FR" sz="2400" b="1" dirty="0" err="1" smtClean="0">
-                <a:latin typeface="Arial" panose="020B0604020202020204" pitchFamily="34" charset="0"/>
-                <a:cs typeface="Arial" panose="020B0604020202020204" pitchFamily="34" charset="0"/>
-              </a:rPr>
-              <a:t>Scikit</a:t>
-            </a:r>
-            <a:r>
-              <a:rPr lang="fr-FR" sz="2400" b="1" dirty="0" smtClean="0">
-                <a:latin typeface="Arial" panose="020B0604020202020204" pitchFamily="34" charset="0"/>
-                <a:cs typeface="Arial" panose="020B0604020202020204" pitchFamily="34" charset="0"/>
-              </a:rPr>
-              <a:t> </a:t>
-            </a:r>
-            <a:r>
-              <a:rPr lang="fr-FR" sz="2400" b="1" dirty="0" err="1" smtClean="0">
-                <a:latin typeface="Arial" panose="020B0604020202020204" pitchFamily="34" charset="0"/>
-                <a:cs typeface="Arial" panose="020B0604020202020204" pitchFamily="34" charset="0"/>
-              </a:rPr>
-              <a:t>learn</a:t>
-            </a:r>
-            <a:r>
-              <a:rPr lang="fr-FR" sz="2400" b="1" dirty="0" smtClean="0">
-                <a:latin typeface="Arial" panose="020B0604020202020204" pitchFamily="34" charset="0"/>
-                <a:cs typeface="Arial" panose="020B0604020202020204" pitchFamily="34" charset="0"/>
-              </a:rPr>
-              <a:t> </a:t>
-            </a:r>
-            <a:r>
-              <a:rPr lang="fr-FR" sz="2000" dirty="0" smtClean="0">
-                <a:latin typeface="Arial" panose="020B0604020202020204" pitchFamily="34" charset="0"/>
-                <a:cs typeface="Arial" panose="020B0604020202020204" pitchFamily="34" charset="0"/>
-              </a:rPr>
-              <a:t>: machine </a:t>
-            </a:r>
-            <a:r>
-              <a:rPr lang="fr-FR" sz="2000" dirty="0" err="1" smtClean="0">
-                <a:latin typeface="Arial" panose="020B0604020202020204" pitchFamily="34" charset="0"/>
-                <a:cs typeface="Arial" panose="020B0604020202020204" pitchFamily="34" charset="0"/>
-              </a:rPr>
-              <a:t>learning</a:t>
-            </a:r>
-            <a:r>
-              <a:rPr lang="fr-FR" sz="2000" dirty="0" smtClean="0">
-                <a:latin typeface="Arial" panose="020B0604020202020204" pitchFamily="34" charset="0"/>
-                <a:cs typeface="Arial" panose="020B0604020202020204" pitchFamily="34" charset="0"/>
-              </a:rPr>
-              <a:t> notamment : « classification » (SVM, forêts aléatoires, </a:t>
-            </a:r>
-            <a:r>
-              <a:rPr lang="fr-FR" sz="2000" dirty="0" err="1" smtClean="0">
-                <a:latin typeface="Arial" panose="020B0604020202020204" pitchFamily="34" charset="0"/>
-                <a:cs typeface="Arial" panose="020B0604020202020204" pitchFamily="34" charset="0"/>
-              </a:rPr>
-              <a:t>etc</a:t>
-            </a:r>
-            <a:r>
-              <a:rPr lang="fr-FR" sz="2000" dirty="0" smtClean="0">
-                <a:latin typeface="Arial" panose="020B0604020202020204" pitchFamily="34" charset="0"/>
-                <a:cs typeface="Arial" panose="020B0604020202020204" pitchFamily="34" charset="0"/>
-              </a:rPr>
-              <a:t>) , réduction de dimension (ACP, </a:t>
-            </a:r>
-            <a:r>
-              <a:rPr lang="fr-FR" sz="2000" dirty="0" err="1" smtClean="0">
-                <a:latin typeface="Arial" panose="020B0604020202020204" pitchFamily="34" charset="0"/>
-                <a:cs typeface="Arial" panose="020B0604020202020204" pitchFamily="34" charset="0"/>
-              </a:rPr>
-              <a:t>etc</a:t>
-            </a:r>
-            <a:r>
-              <a:rPr lang="fr-FR" sz="2000" dirty="0" smtClean="0">
-                <a:latin typeface="Arial" panose="020B0604020202020204" pitchFamily="34" charset="0"/>
-                <a:cs typeface="Arial" panose="020B0604020202020204" pitchFamily="34" charset="0"/>
-              </a:rPr>
-              <a:t>), « </a:t>
-            </a:r>
-            <a:r>
-              <a:rPr lang="fr-FR" sz="2000" dirty="0" err="1" smtClean="0">
-                <a:latin typeface="Arial" panose="020B0604020202020204" pitchFamily="34" charset="0"/>
-                <a:cs typeface="Arial" panose="020B0604020202020204" pitchFamily="34" charset="0"/>
-              </a:rPr>
-              <a:t>clustering</a:t>
-            </a:r>
-            <a:r>
-              <a:rPr lang="fr-FR" sz="2000" dirty="0" smtClean="0">
-                <a:latin typeface="Arial" panose="020B0604020202020204" pitchFamily="34" charset="0"/>
-                <a:cs typeface="Arial" panose="020B0604020202020204" pitchFamily="34" charset="0"/>
-              </a:rPr>
-              <a:t> » (CAH, k </a:t>
-            </a:r>
-            <a:r>
-              <a:rPr lang="fr-FR" sz="2000" dirty="0" err="1" smtClean="0">
-                <a:latin typeface="Arial" panose="020B0604020202020204" pitchFamily="34" charset="0"/>
-                <a:cs typeface="Arial" panose="020B0604020202020204" pitchFamily="34" charset="0"/>
-              </a:rPr>
-              <a:t>means</a:t>
-            </a:r>
-            <a:r>
-              <a:rPr lang="fr-FR" sz="2000" dirty="0" smtClean="0">
-                <a:latin typeface="Arial" panose="020B0604020202020204" pitchFamily="34" charset="0"/>
-                <a:cs typeface="Arial" panose="020B0604020202020204" pitchFamily="34" charset="0"/>
-              </a:rPr>
-              <a:t>, </a:t>
-            </a:r>
-            <a:r>
-              <a:rPr lang="fr-FR" sz="2000" dirty="0" err="1" smtClean="0">
-                <a:latin typeface="Arial" panose="020B0604020202020204" pitchFamily="34" charset="0"/>
-                <a:cs typeface="Arial" panose="020B0604020202020204" pitchFamily="34" charset="0"/>
-              </a:rPr>
-              <a:t>etc</a:t>
-            </a:r>
-            <a:r>
-              <a:rPr lang="fr-FR" sz="2000" dirty="0" smtClean="0">
-                <a:latin typeface="Arial" panose="020B0604020202020204" pitchFamily="34" charset="0"/>
-                <a:cs typeface="Arial" panose="020B0604020202020204" pitchFamily="34" charset="0"/>
-              </a:rPr>
-              <a:t>), aide pour la sélection de modèle.</a:t>
-            </a:r>
-          </a:p>
-          <a:p>
-            <a:r>
-              <a:rPr lang="fr-FR" sz="2400" b="1" dirty="0" smtClean="0">
-                <a:latin typeface="Arial" panose="020B0604020202020204" pitchFamily="34" charset="0"/>
-                <a:cs typeface="Arial" panose="020B0604020202020204" pitchFamily="34" charset="0"/>
-              </a:rPr>
-              <a:t>Visualisation</a:t>
-            </a:r>
-            <a:r>
-              <a:rPr lang="fr-FR" sz="2000" dirty="0" smtClean="0">
-                <a:latin typeface="Arial" panose="020B0604020202020204" pitchFamily="34" charset="0"/>
-                <a:cs typeface="Arial" panose="020B0604020202020204" pitchFamily="34" charset="0"/>
-              </a:rPr>
-              <a:t> : </a:t>
-            </a:r>
-            <a:r>
-              <a:rPr lang="fr-FR" sz="2000" dirty="0" err="1" smtClean="0">
-                <a:latin typeface="Arial" panose="020B0604020202020204" pitchFamily="34" charset="0"/>
-                <a:cs typeface="Arial" panose="020B0604020202020204" pitchFamily="34" charset="0"/>
-              </a:rPr>
-              <a:t>matplotlib</a:t>
-            </a:r>
-            <a:r>
-              <a:rPr lang="fr-FR" sz="2000" dirty="0" smtClean="0">
-                <a:latin typeface="Arial" panose="020B0604020202020204" pitchFamily="34" charset="0"/>
-                <a:cs typeface="Arial" panose="020B0604020202020204" pitchFamily="34" charset="0"/>
-              </a:rPr>
-              <a:t>, </a:t>
-            </a:r>
-            <a:r>
-              <a:rPr lang="fr-FR" sz="2000" dirty="0" err="1" smtClean="0">
-                <a:latin typeface="Arial" panose="020B0604020202020204" pitchFamily="34" charset="0"/>
-                <a:cs typeface="Arial" panose="020B0604020202020204" pitchFamily="34" charset="0"/>
-              </a:rPr>
-              <a:t>bokeh</a:t>
-            </a:r>
-            <a:r>
-              <a:rPr lang="fr-FR" sz="2000" dirty="0" smtClean="0">
-                <a:latin typeface="Arial" panose="020B0604020202020204" pitchFamily="34" charset="0"/>
-                <a:cs typeface="Arial" panose="020B0604020202020204" pitchFamily="34" charset="0"/>
-              </a:rPr>
-              <a:t>, </a:t>
-            </a:r>
-            <a:r>
-              <a:rPr lang="fr-FR" sz="2000" dirty="0" err="1" smtClean="0">
-                <a:latin typeface="Arial" panose="020B0604020202020204" pitchFamily="34" charset="0"/>
-                <a:cs typeface="Arial" panose="020B0604020202020204" pitchFamily="34" charset="0"/>
-              </a:rPr>
-              <a:t>seaborn</a:t>
-            </a:r>
-            <a:endParaRPr lang="fr-FR" sz="2000" dirty="0" smtClean="0">
+              <a:t> et </a:t>
+            </a:r>
+            <a:r>
+              <a:rPr lang="fr-FR" sz="2000" dirty="0" err="1">
+                <a:latin typeface="Arial" panose="020B0604020202020204" pitchFamily="34" charset="0"/>
+                <a:cs typeface="Arial" panose="020B0604020202020204" pitchFamily="34" charset="0"/>
+              </a:rPr>
+              <a:t>tensorFlow</a:t>
+            </a:r>
+            <a:endParaRPr lang="fr-FR" sz="2000" dirty="0">
               <a:latin typeface="Arial" panose="020B0604020202020204" pitchFamily="34" charset="0"/>
               <a:cs typeface="Arial" panose="020B0604020202020204" pitchFamily="34" charset="0"/>
             </a:endParaRPr>
           </a:p>
           <a:p>
             <a:r>
-              <a:rPr lang="fr-FR" sz="2400" b="1" dirty="0" smtClean="0">
-                <a:latin typeface="Arial" panose="020B0604020202020204" pitchFamily="34" charset="0"/>
-                <a:cs typeface="Arial" panose="020B0604020202020204" pitchFamily="34" charset="0"/>
-              </a:rPr>
-              <a:t>Réseaux de neurones : </a:t>
-            </a:r>
-            <a:r>
-              <a:rPr lang="fr-FR" sz="2000" dirty="0" err="1" smtClean="0">
-                <a:latin typeface="Arial" panose="020B0604020202020204" pitchFamily="34" charset="0"/>
-                <a:cs typeface="Arial" panose="020B0604020202020204" pitchFamily="34" charset="0"/>
-              </a:rPr>
-              <a:t>Keras</a:t>
-            </a:r>
-            <a:r>
-              <a:rPr lang="fr-FR" sz="2000" dirty="0" smtClean="0">
-                <a:latin typeface="Arial" panose="020B0604020202020204" pitchFamily="34" charset="0"/>
-                <a:cs typeface="Arial" panose="020B0604020202020204" pitchFamily="34" charset="0"/>
-              </a:rPr>
-              <a:t> et </a:t>
-            </a:r>
-            <a:r>
-              <a:rPr lang="fr-FR" sz="2000" dirty="0" err="1" smtClean="0">
-                <a:latin typeface="Arial" panose="020B0604020202020204" pitchFamily="34" charset="0"/>
-                <a:cs typeface="Arial" panose="020B0604020202020204" pitchFamily="34" charset="0"/>
-              </a:rPr>
-              <a:t>tensorFlow</a:t>
-            </a:r>
-            <a:endParaRPr lang="fr-FR" sz="2000" dirty="0" smtClean="0">
-              <a:latin typeface="Arial" panose="020B0604020202020204" pitchFamily="34" charset="0"/>
-              <a:cs typeface="Arial" panose="020B0604020202020204" pitchFamily="34" charset="0"/>
-            </a:endParaRPr>
-          </a:p>
-          <a:p>
-            <a:r>
-              <a:rPr lang="fr-FR" sz="2400" b="1" dirty="0" smtClean="0">
+              <a:rPr lang="fr-FR" sz="2400" b="1" dirty="0">
                 <a:latin typeface="Arial" panose="020B0604020202020204" pitchFamily="34" charset="0"/>
                 <a:cs typeface="Arial" panose="020B0604020202020204" pitchFamily="34" charset="0"/>
               </a:rPr>
               <a:t>NLTK</a:t>
             </a:r>
             <a:r>
-              <a:rPr lang="fr-FR" sz="2000" dirty="0" smtClean="0">
+              <a:rPr lang="fr-FR" sz="2000" dirty="0">
                 <a:latin typeface="Arial" panose="020B0604020202020204" pitchFamily="34" charset="0"/>
                 <a:cs typeface="Arial" panose="020B0604020202020204" pitchFamily="34" charset="0"/>
               </a:rPr>
@@ -3741,7 +3647,7 @@
           <a:lstStyle/>
           <a:p>
             <a:r>
-              <a:rPr lang="fr-FR" sz="3200" b="1" dirty="0" smtClean="0">
+              <a:rPr lang="fr-FR" sz="3200" b="1" dirty="0">
                 <a:solidFill>
                   <a:srgbClr val="7030A0"/>
                 </a:solidFill>
@@ -3750,13 +3656,6 @@
               </a:rPr>
               <a:t>Partie 2 : les bases de Python</a:t>
             </a:r>
-            <a:endParaRPr lang="fr-FR" sz="3200" b="1" dirty="0">
-              <a:solidFill>
-                <a:srgbClr val="7030A0"/>
-              </a:solidFill>
-              <a:latin typeface="Arial" panose="020B0604020202020204" pitchFamily="34" charset="0"/>
-              <a:cs typeface="Arial" panose="020B0604020202020204" pitchFamily="34" charset="0"/>
-            </a:endParaRPr>
           </a:p>
         </p:txBody>
       </p:sp>
@@ -3808,16 +3707,12 @@
           <a:lstStyle/>
           <a:p>
             <a:r>
-              <a:rPr lang="fr-FR" sz="3200" b="1" dirty="0" smtClean="0">
+              <a:rPr lang="fr-FR" sz="3200" b="1" dirty="0">
                 <a:latin typeface="Arial" panose="020B0604020202020204" pitchFamily="34" charset="0"/>
                 <a:cs typeface="Arial" panose="020B0604020202020204" pitchFamily="34" charset="0"/>
               </a:rPr>
               <a:t>Premiers pas</a:t>
             </a:r>
-            <a:endParaRPr lang="fr-FR" sz="3200" b="1" dirty="0">
-              <a:latin typeface="Arial" panose="020B0604020202020204" pitchFamily="34" charset="0"/>
-              <a:cs typeface="Arial" panose="020B0604020202020204" pitchFamily="34" charset="0"/>
-            </a:endParaRPr>
           </a:p>
         </p:txBody>
       </p:sp>
@@ -3837,7 +3732,7 @@
           <a:lstStyle/>
           <a:p>
             <a:r>
-              <a:rPr lang="fr-FR" dirty="0" smtClean="0">
+              <a:rPr lang="fr-FR" dirty="0">
                 <a:latin typeface="Arial" panose="020B0604020202020204" pitchFamily="34" charset="0"/>
                 <a:cs typeface="Arial" panose="020B0604020202020204" pitchFamily="34" charset="0"/>
               </a:rPr>
@@ -3846,14 +3741,14 @@
           </a:p>
           <a:p>
             <a:r>
-              <a:rPr lang="fr-FR" dirty="0" smtClean="0">
+              <a:rPr lang="fr-FR" dirty="0">
                 <a:latin typeface="Arial" panose="020B0604020202020204" pitchFamily="34" charset="0"/>
                 <a:cs typeface="Arial" panose="020B0604020202020204" pitchFamily="34" charset="0"/>
               </a:rPr>
               <a:t>Démonstration du fonctionnement général de l’IDE </a:t>
             </a:r>
             <a:r>
-              <a:rPr lang="fr-FR" dirty="0" err="1" smtClean="0">
+              <a:rPr lang="fr-FR" dirty="0" err="1">
                 <a:latin typeface="Arial" panose="020B0604020202020204" pitchFamily="34" charset="0"/>
                 <a:cs typeface="Arial" panose="020B0604020202020204" pitchFamily="34" charset="0"/>
               </a:rPr>
@@ -3864,24 +3759,17 @@
                 <a:latin typeface="Arial" panose="020B0604020202020204" pitchFamily="34" charset="0"/>
                 <a:cs typeface="Arial" panose="020B0604020202020204" pitchFamily="34" charset="0"/>
               </a:rPr>
-              <a:t> </a:t>
-            </a:r>
-            <a:r>
-              <a:rPr lang="fr-FR" dirty="0" smtClean="0">
-                <a:latin typeface="Arial" panose="020B0604020202020204" pitchFamily="34" charset="0"/>
-                <a:cs typeface="Arial" panose="020B0604020202020204" pitchFamily="34" charset="0"/>
-              </a:rPr>
-              <a:t>(dont aides </a:t>
-            </a:r>
-            <a:r>
-              <a:rPr lang="fr-FR" dirty="0" err="1" smtClean="0">
+              <a:t> (dont aides </a:t>
+            </a:r>
+            <a:r>
+              <a:rPr lang="fr-FR" dirty="0" err="1">
                 <a:latin typeface="Arial" panose="020B0604020202020204" pitchFamily="34" charset="0"/>
                 <a:cs typeface="Arial" panose="020B0604020202020204" pitchFamily="34" charset="0"/>
               </a:rPr>
               <a:t>Spyder</a:t>
             </a:r>
             <a:r>
-              <a:rPr lang="fr-FR" dirty="0" smtClean="0">
+              <a:rPr lang="fr-FR" dirty="0">
                 <a:latin typeface="Arial" panose="020B0604020202020204" pitchFamily="34" charset="0"/>
                 <a:cs typeface="Arial" panose="020B0604020202020204" pitchFamily="34" charset="0"/>
               </a:rPr>
@@ -3890,7 +3778,7 @@
           </a:p>
           <a:p>
             <a:r>
-              <a:rPr lang="fr-FR" dirty="0" smtClean="0">
+              <a:rPr lang="fr-FR" dirty="0">
                 <a:latin typeface="Arial" panose="020B0604020202020204" pitchFamily="34" charset="0"/>
                 <a:cs typeface="Arial" panose="020B0604020202020204" pitchFamily="34" charset="0"/>
               </a:rPr>
@@ -3899,16 +3787,12 @@
           </a:p>
           <a:p>
             <a:r>
-              <a:rPr lang="fr-FR" dirty="0" smtClean="0">
+              <a:rPr lang="fr-FR" dirty="0">
                 <a:latin typeface="Arial" panose="020B0604020202020204" pitchFamily="34" charset="0"/>
                 <a:cs typeface="Arial" panose="020B0604020202020204" pitchFamily="34" charset="0"/>
               </a:rPr>
               <a:t>Quelques manipulations de données de base</a:t>
             </a:r>
-            <a:endParaRPr lang="fr-FR" dirty="0">
-              <a:latin typeface="Arial" panose="020B0604020202020204" pitchFamily="34" charset="0"/>
-              <a:cs typeface="Arial" panose="020B0604020202020204" pitchFamily="34" charset="0"/>
-            </a:endParaRPr>
           </a:p>
         </p:txBody>
       </p:sp>
@@ -3922,13 +3806,6 @@
   <p:clrMapOvr>
     <a:masterClrMapping/>
   </p:clrMapOvr>
-  <p:timing>
-    <p:tnLst>
-      <p:par>
-        <p:cTn id="1" dur="indefinite" restart="never" nodeType="tmRoot"/>
-      </p:par>
-    </p:tnLst>
-  </p:timing>
 </p:sld>
 </file>
 
@@ -3967,16 +3844,12 @@
           <a:lstStyle/>
           <a:p>
             <a:r>
-              <a:rPr lang="fr-FR" sz="3200" b="1" dirty="0" smtClean="0">
+              <a:rPr lang="fr-FR" sz="3200" b="1" dirty="0">
                 <a:latin typeface="Arial" panose="020B0604020202020204" pitchFamily="34" charset="0"/>
                 <a:cs typeface="Arial" panose="020B0604020202020204" pitchFamily="34" charset="0"/>
               </a:rPr>
               <a:t>Introduction à la PPO et aux fonctions</a:t>
             </a:r>
-            <a:endParaRPr lang="fr-FR" sz="3200" b="1" dirty="0">
-              <a:latin typeface="Arial" panose="020B0604020202020204" pitchFamily="34" charset="0"/>
-              <a:cs typeface="Arial" panose="020B0604020202020204" pitchFamily="34" charset="0"/>
-            </a:endParaRPr>
           </a:p>
         </p:txBody>
       </p:sp>
@@ -3996,7 +3869,7 @@
           <a:lstStyle/>
           <a:p>
             <a:r>
-              <a:rPr lang="fr-FR" dirty="0" smtClean="0">
+              <a:rPr lang="fr-FR" dirty="0">
                 <a:latin typeface="Arial" panose="020B0604020202020204" pitchFamily="34" charset="0"/>
                 <a:cs typeface="Arial" panose="020B0604020202020204" pitchFamily="34" charset="0"/>
               </a:rPr>
@@ -4005,7 +3878,7 @@
           </a:p>
           <a:p>
             <a:r>
-              <a:rPr lang="fr-FR" dirty="0" smtClean="0">
+              <a:rPr lang="fr-FR" dirty="0">
                 <a:latin typeface="Arial" panose="020B0604020202020204" pitchFamily="34" charset="0"/>
                 <a:cs typeface="Arial" panose="020B0604020202020204" pitchFamily="34" charset="0"/>
               </a:rPr>
@@ -4014,16 +3887,12 @@
           </a:p>
           <a:p>
             <a:r>
-              <a:rPr lang="fr-FR" dirty="0" smtClean="0">
+              <a:rPr lang="fr-FR" dirty="0">
                 <a:latin typeface="Arial" panose="020B0604020202020204" pitchFamily="34" charset="0"/>
                 <a:cs typeface="Arial" panose="020B0604020202020204" pitchFamily="34" charset="0"/>
               </a:rPr>
               <a:t>Fonctions indépendantes de classes</a:t>
             </a:r>
-            <a:endParaRPr lang="fr-FR" dirty="0">
-              <a:latin typeface="Arial" panose="020B0604020202020204" pitchFamily="34" charset="0"/>
-              <a:cs typeface="Arial" panose="020B0604020202020204" pitchFamily="34" charset="0"/>
-            </a:endParaRPr>
           </a:p>
         </p:txBody>
       </p:sp>
@@ -4105,18 +3974,11 @@
               <a:buNone/>
             </a:pPr>
             <a:r>
-              <a:rPr lang="fr-FR" sz="1700" dirty="0" smtClean="0">
-                <a:latin typeface="Arial" panose="020B0604020202020204" pitchFamily="34" charset="0"/>
-                <a:cs typeface="Arial" panose="020B0604020202020204" pitchFamily="34" charset="0"/>
-              </a:rPr>
-              <a:t>déplacer </a:t>
-            </a:r>
-            <a:r>
               <a:rPr lang="fr-FR" sz="1700" dirty="0">
                 <a:latin typeface="Arial" panose="020B0604020202020204" pitchFamily="34" charset="0"/>
                 <a:cs typeface="Arial" panose="020B0604020202020204" pitchFamily="34" charset="0"/>
               </a:rPr>
-              <a:t>des disques de diamètres différents d'une tour de « départ » à une tour d'« arrivée » en passant par une tour « intermédiaire », et ceci en un minimum de coups, tout en respectant les règles suivantes :</a:t>
+              <a:t>déplacer des disques de diamètres différents d'une tour de « départ » à une tour d'« arrivée » en passant par une tour « intermédiaire », et ceci en un minimum de coups, tout en respectant les règles suivantes :</a:t>
             </a:r>
           </a:p>
           <a:p>
@@ -4220,16 +4082,12 @@
           <a:lstStyle/>
           <a:p>
             <a:r>
-              <a:rPr lang="fr-FR" sz="3200" b="1" dirty="0" smtClean="0">
+              <a:rPr lang="fr-FR" sz="3200" b="1" dirty="0">
                 <a:latin typeface="Arial" panose="020B0604020202020204" pitchFamily="34" charset="0"/>
                 <a:cs typeface="Arial" panose="020B0604020202020204" pitchFamily="34" charset="0"/>
               </a:rPr>
               <a:t>Structures de données</a:t>
             </a:r>
-            <a:endParaRPr lang="fr-FR" sz="3200" b="1" dirty="0">
-              <a:latin typeface="Arial" panose="020B0604020202020204" pitchFamily="34" charset="0"/>
-              <a:cs typeface="Arial" panose="020B0604020202020204" pitchFamily="34" charset="0"/>
-            </a:endParaRPr>
           </a:p>
         </p:txBody>
       </p:sp>
@@ -4254,19 +4112,19 @@
               <a:buNone/>
             </a:pPr>
             <a:r>
-              <a:rPr lang="fr-FR" dirty="0" smtClean="0"/>
+              <a:rPr lang="fr-FR" dirty="0"/>
               <a:t>Les 2 structures de données les plus utiles :</a:t>
             </a:r>
           </a:p>
           <a:p>
             <a:r>
-              <a:rPr lang="fr-FR" dirty="0" smtClean="0"/>
+              <a:rPr lang="fr-FR" dirty="0"/>
               <a:t>Listes</a:t>
             </a:r>
           </a:p>
           <a:p>
             <a:r>
-              <a:rPr lang="fr-FR" dirty="0" smtClean="0"/>
+              <a:rPr lang="fr-FR" dirty="0"/>
               <a:t>Dictionnaires</a:t>
             </a:r>
           </a:p>
@@ -4274,42 +4132,41 @@
             <a:pPr marL="0" indent="0">
               <a:buNone/>
             </a:pPr>
-            <a:endParaRPr lang="fr-FR" dirty="0" smtClean="0"/>
+            <a:endParaRPr lang="fr-FR" dirty="0"/>
           </a:p>
           <a:p>
             <a:pPr marL="0" indent="0">
               <a:buNone/>
             </a:pPr>
-            <a:endParaRPr lang="fr-FR" dirty="0" smtClean="0"/>
+            <a:endParaRPr lang="fr-FR" dirty="0"/>
           </a:p>
           <a:p>
             <a:pPr marL="0" indent="0">
               <a:buNone/>
             </a:pPr>
-            <a:endParaRPr lang="fr-FR" dirty="0" smtClean="0"/>
+            <a:endParaRPr lang="fr-FR" dirty="0"/>
           </a:p>
           <a:p>
             <a:pPr marL="0" indent="0">
               <a:buNone/>
             </a:pPr>
             <a:r>
-              <a:rPr lang="fr-FR" dirty="0" smtClean="0"/>
+              <a:rPr lang="fr-FR" dirty="0"/>
               <a:t>Autres structures de données :</a:t>
             </a:r>
           </a:p>
           <a:p>
             <a:r>
-              <a:rPr lang="fr-FR" dirty="0" err="1" smtClean="0"/>
+              <a:rPr lang="fr-FR" dirty="0" err="1"/>
               <a:t>Tuples</a:t>
             </a:r>
-            <a:endParaRPr lang="fr-FR" dirty="0" smtClean="0"/>
-          </a:p>
-          <a:p>
-            <a:r>
-              <a:rPr lang="fr-FR" dirty="0" smtClean="0"/>
+            <a:endParaRPr lang="fr-FR" dirty="0"/>
+          </a:p>
+          <a:p>
+            <a:r>
+              <a:rPr lang="fr-FR" dirty="0"/>
               <a:t>Set </a:t>
             </a:r>
-            <a:endParaRPr lang="fr-FR" dirty="0"/>
           </a:p>
           <a:p>
             <a:endParaRPr lang="fr-FR" dirty="0"/>
@@ -4364,16 +4221,12 @@
           <a:lstStyle/>
           <a:p>
             <a:r>
-              <a:rPr lang="fr-FR" sz="3200" b="1" dirty="0" smtClean="0">
+              <a:rPr lang="fr-FR" sz="3200" b="1" dirty="0">
                 <a:latin typeface="Arial" panose="020B0604020202020204" pitchFamily="34" charset="0"/>
                 <a:cs typeface="Arial" panose="020B0604020202020204" pitchFamily="34" charset="0"/>
               </a:rPr>
               <a:t>Quelques points clés</a:t>
             </a:r>
-            <a:endParaRPr lang="fr-FR" sz="3200" b="1" dirty="0">
-              <a:latin typeface="Arial" panose="020B0604020202020204" pitchFamily="34" charset="0"/>
-              <a:cs typeface="Arial" panose="020B0604020202020204" pitchFamily="34" charset="0"/>
-            </a:endParaRPr>
           </a:p>
         </p:txBody>
       </p:sp>
@@ -4393,68 +4246,67 @@
           <a:lstStyle/>
           <a:p>
             <a:r>
-              <a:rPr lang="fr-FR" dirty="0" smtClean="0"/>
+              <a:rPr lang="fr-FR" dirty="0"/>
               <a:t>Distinction mutable/immutable</a:t>
             </a:r>
           </a:p>
           <a:p>
             <a:pPr lvl="1"/>
             <a:r>
-              <a:rPr lang="fr-FR" dirty="0" smtClean="0"/>
+              <a:rPr lang="fr-FR" dirty="0"/>
               <a:t>Mutable = qu’on peut modifier. Ex : listes</a:t>
             </a:r>
           </a:p>
           <a:p>
             <a:pPr lvl="1"/>
             <a:r>
-              <a:rPr lang="fr-FR" dirty="0" smtClean="0"/>
+              <a:rPr lang="fr-FR" dirty="0"/>
               <a:t>Immutable = qu’on ne peut pas modifier. Ex : strings et </a:t>
             </a:r>
             <a:r>
-              <a:rPr lang="fr-FR" dirty="0" err="1" smtClean="0"/>
+              <a:rPr lang="fr-FR" dirty="0" err="1"/>
               <a:t>tuples</a:t>
             </a:r>
             <a:r>
-              <a:rPr lang="fr-FR" dirty="0" smtClean="0"/>
+              <a:rPr lang="fr-FR" dirty="0"/>
               <a:t>.</a:t>
             </a:r>
           </a:p>
           <a:p>
             <a:r>
-              <a:rPr lang="fr-FR" dirty="0" smtClean="0"/>
+              <a:rPr lang="fr-FR" dirty="0"/>
               <a:t>Références sur le même objet/copie.</a:t>
             </a:r>
           </a:p>
           <a:p>
             <a:r>
-              <a:rPr lang="fr-FR" dirty="0" smtClean="0"/>
+              <a:rPr lang="fr-FR" dirty="0"/>
               <a:t>Installer de nouvelles librairies =&gt; dans la console anaconda </a:t>
             </a:r>
             <a:r>
-              <a:rPr lang="fr-FR" dirty="0" err="1" smtClean="0"/>
+              <a:rPr lang="fr-FR" dirty="0" err="1"/>
               <a:t>pip</a:t>
             </a:r>
             <a:r>
-              <a:rPr lang="fr-FR" dirty="0" smtClean="0"/>
+              <a:rPr lang="fr-FR" dirty="0"/>
               <a:t> </a:t>
             </a:r>
             <a:r>
-              <a:rPr lang="fr-FR" dirty="0" err="1" smtClean="0"/>
+              <a:rPr lang="fr-FR" dirty="0" err="1"/>
               <a:t>install</a:t>
             </a:r>
             <a:r>
-              <a:rPr lang="fr-FR" dirty="0" smtClean="0"/>
+              <a:rPr lang="fr-FR" dirty="0"/>
               <a:t> </a:t>
             </a:r>
             <a:r>
-              <a:rPr lang="fr-FR" dirty="0" err="1" smtClean="0"/>
+              <a:rPr lang="fr-FR" dirty="0" err="1"/>
               <a:t>nomLibrairie</a:t>
             </a:r>
             <a:r>
-              <a:rPr lang="fr-FR" dirty="0" smtClean="0"/>
+              <a:rPr lang="fr-FR" dirty="0"/>
               <a:t>.</a:t>
             </a:r>
-            <a:endParaRPr lang="fr-FR" dirty="0"/>
           </a:p>
         </p:txBody>
       </p:sp>
@@ -4506,96 +4358,92 @@
           <a:lstStyle/>
           <a:p>
             <a:r>
-              <a:rPr lang="fr-FR" sz="3200" b="1" dirty="0" smtClean="0">
+              <a:rPr lang="fr-FR" sz="3200" b="1" dirty="0">
                 <a:latin typeface="Arial" panose="020B0604020202020204" pitchFamily="34" charset="0"/>
                 <a:cs typeface="Arial" panose="020B0604020202020204" pitchFamily="34" charset="0"/>
               </a:rPr>
               <a:t>Documentation/commentaires</a:t>
             </a:r>
-            <a:endParaRPr lang="fr-FR" sz="3200" b="1" dirty="0">
+          </a:p>
+        </p:txBody>
+      </p:sp>
+      <p:sp>
+        <p:nvSpPr>
+          <p:cNvPr id="3" name="Espace réservé du contenu 2"/>
+          <p:cNvSpPr>
+            <a:spLocks noGrp="1"/>
+          </p:cNvSpPr>
+          <p:nvPr>
+            <p:ph idx="1"/>
+          </p:nvPr>
+        </p:nvSpPr>
+        <p:spPr/>
+        <p:txBody>
+          <a:bodyPr>
+            <a:normAutofit/>
+          </a:bodyPr>
+          <a:lstStyle/>
+          <a:p>
+            <a:r>
+              <a:rPr lang="fr-FR" dirty="0">
+                <a:latin typeface="Arial" panose="020B0604020202020204" pitchFamily="34" charset="0"/>
+                <a:cs typeface="Arial" panose="020B0604020202020204" pitchFamily="34" charset="0"/>
+              </a:rPr>
+              <a:t>Liste des méthodes d’un fichier =&gt; volet structure dans </a:t>
+            </a:r>
+            <a:r>
+              <a:rPr lang="fr-FR" dirty="0" err="1">
+                <a:latin typeface="Arial" panose="020B0604020202020204" pitchFamily="34" charset="0"/>
+                <a:cs typeface="Arial" panose="020B0604020202020204" pitchFamily="34" charset="0"/>
+              </a:rPr>
+              <a:t>spyder</a:t>
+            </a:r>
+            <a:r>
+              <a:rPr lang="fr-FR" dirty="0">
+                <a:latin typeface="Arial" panose="020B0604020202020204" pitchFamily="34" charset="0"/>
+                <a:cs typeface="Arial" panose="020B0604020202020204" pitchFamily="34" charset="0"/>
+              </a:rPr>
+              <a:t>.</a:t>
+            </a:r>
+          </a:p>
+          <a:p>
+            <a:r>
+              <a:rPr lang="fr-FR" dirty="0">
+                <a:latin typeface="Arial" panose="020B0604020202020204" pitchFamily="34" charset="0"/>
+                <a:cs typeface="Arial" panose="020B0604020202020204" pitchFamily="34" charset="0"/>
+              </a:rPr>
+              <a:t>Afficher la documentation d’une méthode =&gt; volet aide dans </a:t>
+            </a:r>
+            <a:r>
+              <a:rPr lang="fr-FR" dirty="0" err="1">
+                <a:latin typeface="Arial" panose="020B0604020202020204" pitchFamily="34" charset="0"/>
+                <a:cs typeface="Arial" panose="020B0604020202020204" pitchFamily="34" charset="0"/>
+              </a:rPr>
+              <a:t>spyder</a:t>
+            </a:r>
+            <a:r>
+              <a:rPr lang="fr-FR" dirty="0">
+                <a:latin typeface="Arial" panose="020B0604020202020204" pitchFamily="34" charset="0"/>
+                <a:cs typeface="Arial" panose="020B0604020202020204" pitchFamily="34" charset="0"/>
+              </a:rPr>
+              <a:t>.</a:t>
+            </a:r>
+          </a:p>
+          <a:p>
+            <a:pPr marL="0" indent="0">
+              <a:buNone/>
+            </a:pPr>
+            <a:endParaRPr lang="fr-FR" dirty="0">
               <a:latin typeface="Arial" panose="020B0604020202020204" pitchFamily="34" charset="0"/>
               <a:cs typeface="Arial" panose="020B0604020202020204" pitchFamily="34" charset="0"/>
             </a:endParaRPr>
           </a:p>
-        </p:txBody>
-      </p:sp>
-      <p:sp>
-        <p:nvSpPr>
-          <p:cNvPr id="3" name="Espace réservé du contenu 2"/>
-          <p:cNvSpPr>
-            <a:spLocks noGrp="1"/>
-          </p:cNvSpPr>
-          <p:nvPr>
-            <p:ph idx="1"/>
-          </p:nvPr>
-        </p:nvSpPr>
-        <p:spPr/>
-        <p:txBody>
-          <a:bodyPr>
-            <a:normAutofit/>
-          </a:bodyPr>
-          <a:lstStyle/>
-          <a:p>
-            <a:r>
-              <a:rPr lang="fr-FR" dirty="0" smtClean="0">
-                <a:latin typeface="Arial" panose="020B0604020202020204" pitchFamily="34" charset="0"/>
-                <a:cs typeface="Arial" panose="020B0604020202020204" pitchFamily="34" charset="0"/>
-              </a:rPr>
-              <a:t>Liste des méthodes d’un fichier =&gt; volet structure dans </a:t>
-            </a:r>
-            <a:r>
-              <a:rPr lang="fr-FR" dirty="0" err="1" smtClean="0">
-                <a:latin typeface="Arial" panose="020B0604020202020204" pitchFamily="34" charset="0"/>
-                <a:cs typeface="Arial" panose="020B0604020202020204" pitchFamily="34" charset="0"/>
-              </a:rPr>
-              <a:t>spyder</a:t>
-            </a:r>
-            <a:r>
-              <a:rPr lang="fr-FR" dirty="0" smtClean="0">
-                <a:latin typeface="Arial" panose="020B0604020202020204" pitchFamily="34" charset="0"/>
-                <a:cs typeface="Arial" panose="020B0604020202020204" pitchFamily="34" charset="0"/>
-              </a:rPr>
-              <a:t>.</a:t>
-            </a:r>
-          </a:p>
-          <a:p>
-            <a:r>
-              <a:rPr lang="fr-FR" dirty="0" smtClean="0">
-                <a:latin typeface="Arial" panose="020B0604020202020204" pitchFamily="34" charset="0"/>
-                <a:cs typeface="Arial" panose="020B0604020202020204" pitchFamily="34" charset="0"/>
-              </a:rPr>
-              <a:t>Afficher la documentation d’une méthode =&gt; volet aide dans </a:t>
-            </a:r>
-            <a:r>
-              <a:rPr lang="fr-FR" dirty="0" err="1" smtClean="0">
-                <a:latin typeface="Arial" panose="020B0604020202020204" pitchFamily="34" charset="0"/>
-                <a:cs typeface="Arial" panose="020B0604020202020204" pitchFamily="34" charset="0"/>
-              </a:rPr>
-              <a:t>spyder</a:t>
-            </a:r>
-            <a:r>
-              <a:rPr lang="fr-FR" dirty="0" smtClean="0">
-                <a:latin typeface="Arial" panose="020B0604020202020204" pitchFamily="34" charset="0"/>
-                <a:cs typeface="Arial" panose="020B0604020202020204" pitchFamily="34" charset="0"/>
-              </a:rPr>
-              <a:t>.</a:t>
-            </a:r>
-          </a:p>
           <a:p>
             <a:pPr marL="0" indent="0">
               <a:buNone/>
             </a:pPr>
-            <a:endParaRPr lang="fr-FR" dirty="0" smtClean="0">
-              <a:latin typeface="Arial" panose="020B0604020202020204" pitchFamily="34" charset="0"/>
-              <a:cs typeface="Arial" panose="020B0604020202020204" pitchFamily="34" charset="0"/>
-            </a:endParaRPr>
-          </a:p>
-          <a:p>
-            <a:pPr marL="0" indent="0">
-              <a:buNone/>
-            </a:pPr>
-            <a:r>
-              <a:rPr lang="fr-FR" dirty="0" smtClean="0">
+            <a:r>
+              <a:rPr lang="fr-FR" dirty="0">
                 <a:latin typeface="Arial" panose="020B0604020202020204" pitchFamily="34" charset="0"/>
                 <a:cs typeface="Arial" panose="020B0604020202020204" pitchFamily="34" charset="0"/>
               </a:rPr>
@@ -4603,7 +4451,7 @@
             </a:r>
           </a:p>
           <a:p>
-            <a:endParaRPr lang="fr-FR" dirty="0" smtClean="0"/>
+            <a:endParaRPr lang="fr-FR" dirty="0"/>
           </a:p>
           <a:p>
             <a:endParaRPr lang="fr-FR" dirty="0"/>
@@ -4658,7 +4506,7 @@
           <a:lstStyle/>
           <a:p>
             <a:r>
-              <a:rPr lang="fr-FR" sz="3200" b="1" dirty="0" smtClean="0">
+              <a:rPr lang="fr-FR" sz="3200" b="1" dirty="0">
                 <a:solidFill>
                   <a:srgbClr val="7030A0"/>
                 </a:solidFill>
@@ -4667,13 +4515,6 @@
               </a:rPr>
               <a:t>Partie 3 : python pour le statisticien</a:t>
             </a:r>
-            <a:endParaRPr lang="fr-FR" sz="3200" b="1" dirty="0">
-              <a:solidFill>
-                <a:srgbClr val="7030A0"/>
-              </a:solidFill>
-              <a:latin typeface="Arial" panose="020B0604020202020204" pitchFamily="34" charset="0"/>
-              <a:cs typeface="Arial" panose="020B0604020202020204" pitchFamily="34" charset="0"/>
-            </a:endParaRPr>
           </a:p>
         </p:txBody>
       </p:sp>
@@ -4725,21 +4566,21 @@
           <a:lstStyle/>
           <a:p>
             <a:r>
-              <a:rPr lang="fr-FR" sz="3200" b="1" dirty="0" err="1" smtClean="0">
+              <a:rPr lang="fr-FR" sz="3200" b="1" dirty="0" err="1">
                 <a:latin typeface="Arial" panose="020B0604020202020204" pitchFamily="34" charset="0"/>
                 <a:cs typeface="Arial" panose="020B0604020202020204" pitchFamily="34" charset="0"/>
               </a:rPr>
               <a:t>Slicing</a:t>
             </a:r>
             <a:r>
-              <a:rPr lang="fr-FR" sz="3200" b="1" dirty="0" smtClean="0">
+              <a:rPr lang="fr-FR" sz="3200" b="1" dirty="0">
                 <a:latin typeface="Arial" panose="020B0604020202020204" pitchFamily="34" charset="0"/>
                 <a:cs typeface="Arial" panose="020B0604020202020204" pitchFamily="34" charset="0"/>
               </a:rPr>
               <a:t> avec </a:t>
             </a:r>
             <a:r>
-              <a:rPr lang="fr-FR" sz="3200" b="1" dirty="0" err="1" smtClean="0">
+              <a:rPr lang="fr-FR" sz="3200" b="1" dirty="0" err="1">
                 <a:latin typeface="Arial" panose="020B0604020202020204" pitchFamily="34" charset="0"/>
                 <a:cs typeface="Arial" panose="020B0604020202020204" pitchFamily="34" charset="0"/>
               </a:rPr>
@@ -4857,16 +4698,6 @@
           <a:lstStyle/>
           <a:p>
             <a:r>
-              <a:rPr lang="fr-FR" b="1" dirty="0" smtClean="0">
-                <a:solidFill>
-                  <a:srgbClr val="7030A0"/>
-                </a:solidFill>
-                <a:latin typeface="Arial" panose="020B0604020202020204" pitchFamily="34" charset="0"/>
-                <a:cs typeface="Arial" panose="020B0604020202020204" pitchFamily="34" charset="0"/>
-              </a:rPr>
-              <a:t>Partie 1 : Pourquoi s’intéresser </a:t>
-            </a:r>
-            <a:r>
               <a:rPr lang="fr-FR" b="1" dirty="0">
                 <a:solidFill>
                   <a:srgbClr val="7030A0"/>
@@ -4874,25 +4705,8 @@
                 <a:latin typeface="Arial" panose="020B0604020202020204" pitchFamily="34" charset="0"/>
                 <a:cs typeface="Arial" panose="020B0604020202020204" pitchFamily="34" charset="0"/>
               </a:rPr>
-              <a:t>à</a:t>
-            </a:r>
-            <a:r>
-              <a:rPr lang="fr-FR" b="1" dirty="0" smtClean="0">
-                <a:solidFill>
-                  <a:srgbClr val="7030A0"/>
-                </a:solidFill>
-                <a:latin typeface="Arial" panose="020B0604020202020204" pitchFamily="34" charset="0"/>
-                <a:cs typeface="Arial" panose="020B0604020202020204" pitchFamily="34" charset="0"/>
-              </a:rPr>
-              <a:t> Python?</a:t>
-            </a:r>
-            <a:endParaRPr lang="fr-FR" b="1" dirty="0">
-              <a:solidFill>
-                <a:srgbClr val="7030A0"/>
-              </a:solidFill>
-              <a:latin typeface="Arial" panose="020B0604020202020204" pitchFamily="34" charset="0"/>
-              <a:cs typeface="Arial" panose="020B0604020202020204" pitchFamily="34" charset="0"/>
-            </a:endParaRPr>
+              <a:t>Partie 1 : Pourquoi s’intéresser à Python?</a:t>
+            </a:r>
           </a:p>
         </p:txBody>
       </p:sp>
@@ -4944,21 +4758,21 @@
           <a:lstStyle/>
           <a:p>
             <a:r>
-              <a:rPr lang="fr-FR" sz="3200" b="1" dirty="0" err="1" smtClean="0">
+              <a:rPr lang="fr-FR" sz="3200" b="1" dirty="0" err="1">
                 <a:latin typeface="Arial" panose="020B0604020202020204" pitchFamily="34" charset="0"/>
                 <a:cs typeface="Arial" panose="020B0604020202020204" pitchFamily="34" charset="0"/>
               </a:rPr>
               <a:t>Reshaping</a:t>
             </a:r>
             <a:r>
-              <a:rPr lang="fr-FR" sz="3200" b="1" dirty="0" smtClean="0">
+              <a:rPr lang="fr-FR" sz="3200" b="1" dirty="0">
                 <a:latin typeface="Arial" panose="020B0604020202020204" pitchFamily="34" charset="0"/>
                 <a:cs typeface="Arial" panose="020B0604020202020204" pitchFamily="34" charset="0"/>
               </a:rPr>
               <a:t> avec </a:t>
             </a:r>
             <a:r>
-              <a:rPr lang="fr-FR" sz="3200" b="1" dirty="0" err="1" smtClean="0">
+              <a:rPr lang="fr-FR" sz="3200" b="1" dirty="0" err="1">
                 <a:latin typeface="Arial" panose="020B0604020202020204" pitchFamily="34" charset="0"/>
                 <a:cs typeface="Arial" panose="020B0604020202020204" pitchFamily="34" charset="0"/>
               </a:rPr>
@@ -5049,16 +4863,12 @@
           <a:lstStyle/>
           <a:p>
             <a:r>
-              <a:rPr lang="fr-FR" sz="3200" b="1" dirty="0" smtClean="0">
+              <a:rPr lang="fr-FR" sz="3200" b="1" dirty="0">
                 <a:latin typeface="Arial" panose="020B0604020202020204" pitchFamily="34" charset="0"/>
                 <a:cs typeface="Arial" panose="020B0604020202020204" pitchFamily="34" charset="0"/>
               </a:rPr>
               <a:t>Structures de données Pandas</a:t>
             </a:r>
-            <a:endParaRPr lang="fr-FR" sz="3200" b="1" dirty="0">
-              <a:latin typeface="Arial" panose="020B0604020202020204" pitchFamily="34" charset="0"/>
-              <a:cs typeface="Arial" panose="020B0604020202020204" pitchFamily="34" charset="0"/>
-            </a:endParaRPr>
           </a:p>
         </p:txBody>
       </p:sp>
@@ -5078,35 +4888,21 @@
           <a:lstStyle/>
           <a:p>
             <a:r>
-              <a:rPr lang="fr-FR" dirty="0" smtClean="0">
-                <a:latin typeface="Arial" panose="020B0604020202020204" pitchFamily="34" charset="0"/>
-                <a:cs typeface="Arial" panose="020B0604020202020204" pitchFamily="34" charset="0"/>
-              </a:rPr>
-              <a:t>Séries (dont statistiques de base : </a:t>
-            </a:r>
-            <a:r>
               <a:rPr lang="fr-FR" dirty="0">
                 <a:latin typeface="Arial" panose="020B0604020202020204" pitchFamily="34" charset="0"/>
                 <a:cs typeface="Arial" panose="020B0604020202020204" pitchFamily="34" charset="0"/>
               </a:rPr>
-              <a:t>moyenne</a:t>
-            </a:r>
-            <a:r>
-              <a:rPr lang="fr-FR" dirty="0" smtClean="0">
-                <a:latin typeface="Arial" panose="020B0604020202020204" pitchFamily="34" charset="0"/>
-                <a:cs typeface="Arial" panose="020B0604020202020204" pitchFamily="34" charset="0"/>
-              </a:rPr>
-              <a:t>, écart </a:t>
-            </a:r>
-            <a:r>
-              <a:rPr lang="fr-FR" smtClean="0">
-                <a:latin typeface="Arial" panose="020B0604020202020204" pitchFamily="34" charset="0"/>
-                <a:cs typeface="Arial" panose="020B0604020202020204" pitchFamily="34" charset="0"/>
-              </a:rPr>
-              <a:t>type,…, </a:t>
-            </a:r>
-            <a:r>
-              <a:rPr lang="fr-FR" dirty="0" smtClean="0">
+              <a:t>Séries </a:t>
+            </a:r>
+            <a:r>
+              <a:rPr lang="fr-FR" sz="2800" dirty="0">
+                <a:latin typeface="Arial" panose="020B0604020202020204" pitchFamily="34" charset="0"/>
+                <a:cs typeface="Arial" panose="020B0604020202020204" pitchFamily="34" charset="0"/>
+              </a:rPr>
+              <a:t>(dont statistiques de base : moyenne, écart type,…, </a:t>
+            </a:r>
+            <a:r>
+              <a:rPr lang="fr-FR" sz="2800" dirty="0">
                 <a:latin typeface="Arial" panose="020B0604020202020204" pitchFamily="34" charset="0"/>
                 <a:cs typeface="Arial" panose="020B0604020202020204" pitchFamily="34" charset="0"/>
                 <a:hlinkClick r:id="rId2"/>
@@ -5114,37 +4910,84 @@
               <a:t>skewness</a:t>
             </a:r>
             <a:r>
-              <a:rPr lang="fr-FR" dirty="0" smtClean="0">
+              <a:rPr lang="fr-FR" sz="2800" dirty="0">
                 <a:latin typeface="Arial" panose="020B0604020202020204" pitchFamily="34" charset="0"/>
                 <a:cs typeface="Arial" panose="020B0604020202020204" pitchFamily="34" charset="0"/>
               </a:rPr>
               <a:t>,  </a:t>
             </a:r>
             <a:r>
-              <a:rPr lang="fr-FR" dirty="0" smtClean="0">
+              <a:rPr lang="fr-FR" sz="2800" dirty="0">
                 <a:latin typeface="Arial" panose="020B0604020202020204" pitchFamily="34" charset="0"/>
                 <a:cs typeface="Arial" panose="020B0604020202020204" pitchFamily="34" charset="0"/>
                 <a:hlinkClick r:id="rId3"/>
               </a:rPr>
               <a:t>kurtosis</a:t>
             </a:r>
-            <a:endParaRPr lang="fr-FR" dirty="0" smtClean="0">
-              <a:latin typeface="Arial" panose="020B0604020202020204" pitchFamily="34" charset="0"/>
-              <a:cs typeface="Arial" panose="020B0604020202020204" pitchFamily="34" charset="0"/>
-            </a:endParaRPr>
-          </a:p>
-          <a:p>
-            <a:r>
-              <a:rPr lang="fr-FR" dirty="0" err="1" smtClean="0">
-                <a:latin typeface="Arial" panose="020B0604020202020204" pitchFamily="34" charset="0"/>
-                <a:cs typeface="Arial" panose="020B0604020202020204" pitchFamily="34" charset="0"/>
-              </a:rPr>
-              <a:t>dataframe</a:t>
+            <a:r>
+              <a:rPr lang="fr-FR" sz="2800" dirty="0">
+                <a:latin typeface="Arial" panose="020B0604020202020204" pitchFamily="34" charset="0"/>
+                <a:cs typeface="Arial" panose="020B0604020202020204" pitchFamily="34" charset="0"/>
+              </a:rPr>
+              <a:t>)</a:t>
+            </a:r>
+          </a:p>
+          <a:p>
+            <a:r>
+              <a:rPr lang="fr-FR" dirty="0" err="1">
+                <a:latin typeface="Arial" panose="020B0604020202020204" pitchFamily="34" charset="0"/>
+                <a:cs typeface="Arial" panose="020B0604020202020204" pitchFamily="34" charset="0"/>
+              </a:rPr>
+              <a:t>Dataframe</a:t>
             </a:r>
             <a:endParaRPr lang="fr-FR" dirty="0">
               <a:latin typeface="Arial" panose="020B0604020202020204" pitchFamily="34" charset="0"/>
               <a:cs typeface="Arial" panose="020B0604020202020204" pitchFamily="34" charset="0"/>
             </a:endParaRPr>
+          </a:p>
+          <a:p>
+            <a:pPr lvl="1"/>
+            <a:r>
+              <a:rPr lang="fr-FR" dirty="0">
+                <a:latin typeface="Arial" panose="020B0604020202020204" pitchFamily="34" charset="0"/>
+                <a:cs typeface="Arial" panose="020B0604020202020204" pitchFamily="34" charset="0"/>
+              </a:rPr>
+              <a:t>Création, </a:t>
+            </a:r>
+            <a:r>
+              <a:rPr lang="fr-FR" dirty="0" err="1">
+                <a:latin typeface="Arial" panose="020B0604020202020204" pitchFamily="34" charset="0"/>
+                <a:cs typeface="Arial" panose="020B0604020202020204" pitchFamily="34" charset="0"/>
+              </a:rPr>
+              <a:t>imports,exports</a:t>
+            </a:r>
+            <a:r>
+              <a:rPr lang="fr-FR" dirty="0">
+                <a:latin typeface="Arial" panose="020B0604020202020204" pitchFamily="34" charset="0"/>
+                <a:cs typeface="Arial" panose="020B0604020202020204" pitchFamily="34" charset="0"/>
+              </a:rPr>
+              <a:t>, sauvegarde</a:t>
+            </a:r>
+          </a:p>
+          <a:p>
+            <a:pPr lvl="1"/>
+            <a:r>
+              <a:rPr lang="fr-FR" dirty="0">
+                <a:latin typeface="Arial" panose="020B0604020202020204" pitchFamily="34" charset="0"/>
+                <a:cs typeface="Arial" panose="020B0604020202020204" pitchFamily="34" charset="0"/>
+              </a:rPr>
+              <a:t>Manipulation de données (sélections, mises à jour, jointure)</a:t>
+            </a:r>
+          </a:p>
+          <a:p>
+            <a:pPr lvl="1"/>
+            <a:r>
+              <a:rPr lang="fr-FR" dirty="0">
+                <a:latin typeface="Arial" panose="020B0604020202020204" pitchFamily="34" charset="0"/>
+                <a:cs typeface="Arial" panose="020B0604020202020204" pitchFamily="34" charset="0"/>
+              </a:rPr>
+              <a:t>Statistiques exploratoire</a:t>
+            </a:r>
           </a:p>
         </p:txBody>
       </p:sp>
@@ -5264,7 +5107,7 @@
           <a:lstStyle/>
           <a:p>
             <a:r>
-              <a:rPr lang="fr-FR" sz="3200" b="1" dirty="0" smtClean="0">
+              <a:rPr lang="fr-FR" sz="3200" b="1" dirty="0">
                 <a:solidFill>
                   <a:srgbClr val="7030A0"/>
                 </a:solidFill>
@@ -5273,13 +5116,6 @@
               </a:rPr>
               <a:t>Partie 4 : python pour le reste de la data science</a:t>
             </a:r>
-            <a:endParaRPr lang="fr-FR" sz="3200" b="1" dirty="0">
-              <a:solidFill>
-                <a:srgbClr val="7030A0"/>
-              </a:solidFill>
-              <a:latin typeface="Arial" panose="020B0604020202020204" pitchFamily="34" charset="0"/>
-              <a:cs typeface="Arial" panose="020B0604020202020204" pitchFamily="34" charset="0"/>
-            </a:endParaRPr>
           </a:p>
         </p:txBody>
       </p:sp>
@@ -5399,7 +5235,7 @@
           <a:lstStyle/>
           <a:p>
             <a:r>
-              <a:rPr lang="fr-FR" sz="3200" b="1" dirty="0" smtClean="0">
+              <a:rPr lang="fr-FR" sz="3200" b="1" dirty="0">
                 <a:solidFill>
                   <a:srgbClr val="7030A0"/>
                 </a:solidFill>
@@ -5408,13 +5244,6 @@
               </a:rPr>
               <a:t>Partie 5 : sujets transverses</a:t>
             </a:r>
-            <a:endParaRPr lang="fr-FR" sz="3200" b="1" dirty="0">
-              <a:solidFill>
-                <a:srgbClr val="7030A0"/>
-              </a:solidFill>
-              <a:latin typeface="Arial" panose="020B0604020202020204" pitchFamily="34" charset="0"/>
-              <a:cs typeface="Arial" panose="020B0604020202020204" pitchFamily="34" charset="0"/>
-            </a:endParaRPr>
           </a:p>
         </p:txBody>
       </p:sp>
@@ -5485,16 +5314,12 @@
           <a:lstStyle/>
           <a:p>
             <a:r>
-              <a:rPr lang="fr-FR" sz="3200" b="1" dirty="0" smtClean="0">
+              <a:rPr lang="fr-FR" sz="3200" b="1" dirty="0">
                 <a:latin typeface="Arial" panose="020B0604020202020204" pitchFamily="34" charset="0"/>
                 <a:cs typeface="Arial" panose="020B0604020202020204" pitchFamily="34" charset="0"/>
               </a:rPr>
               <a:t>Sujets transverses</a:t>
             </a:r>
-            <a:endParaRPr lang="fr-FR" sz="3200" b="1" dirty="0">
-              <a:latin typeface="Arial" panose="020B0604020202020204" pitchFamily="34" charset="0"/>
-              <a:cs typeface="Arial" panose="020B0604020202020204" pitchFamily="34" charset="0"/>
-            </a:endParaRPr>
           </a:p>
         </p:txBody>
       </p:sp>
@@ -5514,43 +5339,51 @@
           <a:lstStyle/>
           <a:p>
             <a:r>
-              <a:rPr lang="fr-FR" dirty="0" smtClean="0"/>
+              <a:rPr lang="fr-FR" dirty="0"/>
               <a:t>Performances</a:t>
             </a:r>
           </a:p>
           <a:p>
             <a:r>
-              <a:rPr lang="fr-FR" dirty="0" err="1" smtClean="0"/>
+              <a:rPr lang="fr-FR" dirty="0" err="1"/>
               <a:t>Parallélisation</a:t>
             </a:r>
-            <a:endParaRPr lang="fr-FR" dirty="0" smtClean="0"/>
-          </a:p>
-          <a:p>
-            <a:r>
-              <a:rPr lang="fr-FR" dirty="0" smtClean="0"/>
+            <a:endParaRPr lang="fr-FR" dirty="0"/>
+          </a:p>
+          <a:p>
+            <a:r>
+              <a:rPr lang="fr-FR" dirty="0"/>
               <a:t>Tests unitaires</a:t>
             </a:r>
           </a:p>
           <a:p>
             <a:r>
-              <a:rPr lang="fr-FR" dirty="0" smtClean="0"/>
+              <a:rPr lang="fr-FR" dirty="0"/>
               <a:t>Gestionnaire de code (</a:t>
             </a:r>
             <a:r>
-              <a:rPr lang="fr-FR" dirty="0" err="1" smtClean="0"/>
+              <a:rPr lang="fr-FR" dirty="0" err="1"/>
               <a:t>Git,github</a:t>
             </a:r>
             <a:r>
-              <a:rPr lang="fr-FR" dirty="0" smtClean="0"/>
+              <a:rPr lang="fr-FR" dirty="0"/>
               <a:t>, et </a:t>
             </a:r>
             <a:r>
-              <a:rPr lang="fr-FR" dirty="0" err="1" smtClean="0"/>
+              <a:rPr lang="fr-FR" dirty="0" err="1"/>
               <a:t>github</a:t>
             </a:r>
             <a:r>
-              <a:rPr lang="fr-FR" dirty="0" smtClean="0"/>
+              <a:rPr lang="fr-FR" dirty="0"/>
               <a:t> desktop).</a:t>
+            </a:r>
+          </a:p>
+          <a:p>
+            <a:r>
+              <a:rPr lang="fr-FR" dirty="0">
+                <a:hlinkClick r:id="rId2"/>
+              </a:rPr>
+              <a:t>Bonnes pratiques de développement</a:t>
             </a:r>
             <a:endParaRPr lang="fr-FR" dirty="0"/>
           </a:p>
@@ -5626,13 +5459,6 @@
   <p:clrMapOvr>
     <a:masterClrMapping/>
   </p:clrMapOvr>
-  <p:timing>
-    <p:tnLst>
-      <p:par>
-        <p:cTn id="1" dur="indefinite" restart="never" nodeType="tmRoot"/>
-      </p:par>
-    </p:tnLst>
-  </p:timing>
 </p:sld>
 </file>
 
@@ -5676,16 +5502,12 @@
           <a:lstStyle/>
           <a:p>
             <a:r>
-              <a:rPr lang="fr-FR" sz="3200" b="1" dirty="0" smtClean="0">
+              <a:rPr lang="fr-FR" sz="3200" b="1" dirty="0">
                 <a:latin typeface="Arial" panose="020B0604020202020204" pitchFamily="34" charset="0"/>
                 <a:cs typeface="Arial" panose="020B0604020202020204" pitchFamily="34" charset="0"/>
               </a:rPr>
               <a:t>Pourquoi s’intéresser à Python?</a:t>
             </a:r>
-            <a:endParaRPr lang="fr-FR" sz="3200" b="1" dirty="0">
-              <a:latin typeface="Arial" panose="020B0604020202020204" pitchFamily="34" charset="0"/>
-              <a:cs typeface="Arial" panose="020B0604020202020204" pitchFamily="34" charset="0"/>
-            </a:endParaRPr>
           </a:p>
         </p:txBody>
       </p:sp>
@@ -5712,7 +5534,7 @@
           <a:lstStyle/>
           <a:p>
             <a:r>
-              <a:rPr lang="fr-FR" sz="2800" b="1" dirty="0" smtClean="0">
+              <a:rPr lang="fr-FR" sz="2800" b="1" dirty="0">
                 <a:latin typeface="Arial" panose="020B0604020202020204" pitchFamily="34" charset="0"/>
                 <a:cs typeface="Arial" panose="020B0604020202020204" pitchFamily="34" charset="0"/>
               </a:rPr>
@@ -5722,21 +5544,21 @@
           <a:p>
             <a:pPr lvl="1"/>
             <a:r>
-              <a:rPr lang="fr-FR" sz="2100" dirty="0" smtClean="0">
+              <a:rPr lang="fr-FR" sz="2100" dirty="0">
                 <a:latin typeface="Arial" panose="020B0604020202020204" pitchFamily="34" charset="0"/>
                 <a:cs typeface="Arial" panose="020B0604020202020204" pitchFamily="34" charset="0"/>
               </a:rPr>
               <a:t>Python en 3</a:t>
             </a:r>
             <a:r>
-              <a:rPr lang="fr-FR" sz="2100" baseline="30000" dirty="0" smtClean="0">
+              <a:rPr lang="fr-FR" sz="2100" baseline="30000" dirty="0">
                 <a:latin typeface="Arial" panose="020B0604020202020204" pitchFamily="34" charset="0"/>
                 <a:cs typeface="Arial" panose="020B0604020202020204" pitchFamily="34" charset="0"/>
               </a:rPr>
               <a:t>e</a:t>
             </a:r>
             <a:r>
-              <a:rPr lang="fr-FR" sz="2100" dirty="0" smtClean="0">
+              <a:rPr lang="fr-FR" sz="2100" dirty="0">
                 <a:latin typeface="Arial" panose="020B0604020202020204" pitchFamily="34" charset="0"/>
                 <a:cs typeface="Arial" panose="020B0604020202020204" pitchFamily="34" charset="0"/>
               </a:rPr>
@@ -5750,232 +5572,183 @@
                 <a:latin typeface="Arial" panose="020B0604020202020204" pitchFamily="34" charset="0"/>
                 <a:cs typeface="Arial" panose="020B0604020202020204" pitchFamily="34" charset="0"/>
               </a:rPr>
-              <a:t>Python langage de l'année </a:t>
-            </a:r>
-            <a:r>
-              <a:rPr lang="fr-FR" sz="2100" dirty="0" smtClean="0">
-                <a:latin typeface="Arial" panose="020B0604020202020204" pitchFamily="34" charset="0"/>
-                <a:cs typeface="Arial" panose="020B0604020202020204" pitchFamily="34" charset="0"/>
-              </a:rPr>
-              <a:t>2018</a:t>
-            </a:r>
+              <a:t>Python langage de l'année 2018 : </a:t>
+            </a:r>
+            <a:r>
+              <a:rPr lang="fr-FR" sz="2100" i="1" dirty="0">
+                <a:latin typeface="Arial" panose="020B0604020202020204" pitchFamily="34" charset="0"/>
+                <a:cs typeface="Arial" panose="020B0604020202020204" pitchFamily="34" charset="0"/>
+              </a:rPr>
+              <a:t>a gagné le plus de points de classement en 2018 par rapport à tous les autres langages</a:t>
+            </a:r>
+          </a:p>
+          <a:p>
+            <a:pPr lvl="1"/>
             <a:r>
               <a:rPr lang="fr-FR" sz="2100" dirty="0">
                 <a:latin typeface="Arial" panose="020B0604020202020204" pitchFamily="34" charset="0"/>
                 <a:cs typeface="Arial" panose="020B0604020202020204" pitchFamily="34" charset="0"/>
               </a:rPr>
-              <a:t> </a:t>
-            </a:r>
-            <a:r>
-              <a:rPr lang="fr-FR" sz="2100" dirty="0" smtClean="0">
-                <a:latin typeface="Arial" panose="020B0604020202020204" pitchFamily="34" charset="0"/>
-                <a:cs typeface="Arial" panose="020B0604020202020204" pitchFamily="34" charset="0"/>
-              </a:rPr>
-              <a:t>: </a:t>
-            </a:r>
+              <a:t>« Depuis près de 20 ans, C, C ++ et Java figurent systématiquement dans le top 3, loin devant le reste du peloton. Python rejoint ces 3 langages maintenant. De nos jours, c’est le langage le plus enseigné dans les universités. Il est numéro un dans le domaine statistique, numéro un en programmation d’IA, numéro un en rédaction de scripts et numéro un en tests de système d’écriture. En outre, Python est également un chef de file de la programmation Web et de l’informatique scientifique ».</a:t>
+            </a:r>
+          </a:p>
+          <a:p>
+            <a:r>
+              <a:rPr lang="fr-FR" sz="2800" b="1" dirty="0">
+                <a:latin typeface="Arial" panose="020B0604020202020204" pitchFamily="34" charset="0"/>
+                <a:cs typeface="Arial" panose="020B0604020202020204" pitchFamily="34" charset="0"/>
+              </a:rPr>
+              <a:t>Classement Institute of </a:t>
+            </a:r>
+            <a:r>
+              <a:rPr lang="fr-FR" sz="2800" b="1" dirty="0" err="1">
+                <a:latin typeface="Arial" panose="020B0604020202020204" pitchFamily="34" charset="0"/>
+                <a:cs typeface="Arial" panose="020B0604020202020204" pitchFamily="34" charset="0"/>
+              </a:rPr>
+              <a:t>Electrical</a:t>
+            </a:r>
+            <a:r>
+              <a:rPr lang="fr-FR" sz="2800" b="1" dirty="0">
+                <a:latin typeface="Arial" panose="020B0604020202020204" pitchFamily="34" charset="0"/>
+                <a:cs typeface="Arial" panose="020B0604020202020204" pitchFamily="34" charset="0"/>
+              </a:rPr>
+              <a:t> and Electronics </a:t>
+            </a:r>
+            <a:r>
+              <a:rPr lang="fr-FR" sz="2800" b="1" dirty="0" err="1">
+                <a:latin typeface="Arial" panose="020B0604020202020204" pitchFamily="34" charset="0"/>
+                <a:cs typeface="Arial" panose="020B0604020202020204" pitchFamily="34" charset="0"/>
+              </a:rPr>
+              <a:t>Engineers</a:t>
+            </a:r>
+            <a:r>
+              <a:rPr lang="fr-FR" sz="2800" b="1" dirty="0">
+                <a:latin typeface="Arial" panose="020B0604020202020204" pitchFamily="34" charset="0"/>
+                <a:cs typeface="Arial" panose="020B0604020202020204" pitchFamily="34" charset="0"/>
+              </a:rPr>
+              <a:t>  : python 1</a:t>
+            </a:r>
+            <a:r>
+              <a:rPr lang="fr-FR" sz="2800" b="1" baseline="30000" dirty="0">
+                <a:latin typeface="Arial" panose="020B0604020202020204" pitchFamily="34" charset="0"/>
+                <a:cs typeface="Arial" panose="020B0604020202020204" pitchFamily="34" charset="0"/>
+              </a:rPr>
+              <a:t>er</a:t>
+            </a:r>
+            <a:r>
+              <a:rPr lang="fr-FR" sz="2800" b="1" dirty="0">
+                <a:latin typeface="Arial" panose="020B0604020202020204" pitchFamily="34" charset="0"/>
+                <a:cs typeface="Arial" panose="020B0604020202020204" pitchFamily="34" charset="0"/>
+              </a:rPr>
+              <a:t> (2017,2018)</a:t>
+            </a:r>
+          </a:p>
+          <a:p>
+            <a:r>
+              <a:rPr lang="fr-FR" sz="2800" b="1" dirty="0">
+                <a:latin typeface="Arial" panose="020B0604020202020204" pitchFamily="34" charset="0"/>
+                <a:cs typeface="Arial" panose="020B0604020202020204" pitchFamily="34" charset="0"/>
+              </a:rPr>
+              <a:t>Enquête </a:t>
+            </a:r>
+            <a:r>
+              <a:rPr lang="fr-FR" sz="2800" b="1" dirty="0" err="1">
+                <a:latin typeface="Arial" panose="020B0604020202020204" pitchFamily="34" charset="0"/>
+                <a:cs typeface="Arial" panose="020B0604020202020204" pitchFamily="34" charset="0"/>
+              </a:rPr>
+              <a:t>stackoverflow</a:t>
+            </a:r>
+            <a:r>
+              <a:rPr lang="fr-FR" sz="2800" b="1" dirty="0">
+                <a:latin typeface="Arial" panose="020B0604020202020204" pitchFamily="34" charset="0"/>
+                <a:cs typeface="Arial" panose="020B0604020202020204" pitchFamily="34" charset="0"/>
+              </a:rPr>
+              <a:t> 2018</a:t>
+            </a:r>
+          </a:p>
+          <a:p>
+            <a:pPr lvl="1"/>
             <a:r>
               <a:rPr lang="fr-FR" sz="2100" i="1" dirty="0">
                 <a:latin typeface="Arial" panose="020B0604020202020204" pitchFamily="34" charset="0"/>
                 <a:cs typeface="Arial" panose="020B0604020202020204" pitchFamily="34" charset="0"/>
               </a:rPr>
-              <a:t>a gagné le plus de points de classement en 2018 par rapport à tous les autres </a:t>
-            </a:r>
-            <a:r>
-              <a:rPr lang="fr-FR" sz="2100" i="1" dirty="0" smtClean="0">
-                <a:latin typeface="Arial" panose="020B0604020202020204" pitchFamily="34" charset="0"/>
-                <a:cs typeface="Arial" panose="020B0604020202020204" pitchFamily="34" charset="0"/>
-              </a:rPr>
-              <a:t>langages</a:t>
+              <a:t>«  </a:t>
+            </a:r>
+            <a:r>
+              <a:rPr lang="en-US" sz="2100" i="1" dirty="0">
+                <a:latin typeface="Arial" panose="020B0604020202020204" pitchFamily="34" charset="0"/>
+                <a:cs typeface="Arial" panose="020B0604020202020204" pitchFamily="34" charset="0"/>
+              </a:rPr>
+              <a:t>Python is the most wanted language for the second year in a row</a:t>
+            </a:r>
+            <a:r>
+              <a:rPr lang="fr-FR" sz="2100" i="1" dirty="0">
+                <a:latin typeface="Arial" panose="020B0604020202020204" pitchFamily="34" charset="0"/>
+                <a:cs typeface="Arial" panose="020B0604020202020204" pitchFamily="34" charset="0"/>
+              </a:rPr>
+              <a:t>»</a:t>
             </a:r>
           </a:p>
           <a:p>
             <a:pPr lvl="1"/>
             <a:r>
-              <a:rPr lang="fr-FR" sz="2100" dirty="0" smtClean="0">
-                <a:latin typeface="Arial" panose="020B0604020202020204" pitchFamily="34" charset="0"/>
-                <a:cs typeface="Arial" panose="020B0604020202020204" pitchFamily="34" charset="0"/>
-              </a:rPr>
-              <a:t>« Depuis </a:t>
+              <a:rPr lang="fr-FR" sz="2100" i="1" dirty="0">
+                <a:latin typeface="Arial" panose="020B0604020202020204" pitchFamily="34" charset="0"/>
+                <a:cs typeface="Arial" panose="020B0604020202020204" pitchFamily="34" charset="0"/>
+              </a:rPr>
+              <a:t>« </a:t>
+            </a:r>
+            <a:r>
+              <a:rPr lang="en-US" sz="2100" i="1" dirty="0">
+                <a:latin typeface="Arial" panose="020B0604020202020204" pitchFamily="34" charset="0"/>
+                <a:cs typeface="Arial" panose="020B0604020202020204" pitchFamily="34" charset="0"/>
+              </a:rPr>
+              <a:t> Python has risen in the ranks, surpassing C# this year, much like it surpassed PHP last year. Python has a solid claim to being the fastest-growing major programming language.</a:t>
+            </a:r>
+            <a:r>
+              <a:rPr lang="fr-FR" sz="2100" i="1" dirty="0">
+                <a:latin typeface="Arial" panose="020B0604020202020204" pitchFamily="34" charset="0"/>
+                <a:cs typeface="Arial" panose="020B0604020202020204" pitchFamily="34" charset="0"/>
+              </a:rPr>
+              <a:t> » </a:t>
             </a:r>
             <a:r>
               <a:rPr lang="fr-FR" sz="2100" dirty="0">
                 <a:latin typeface="Arial" panose="020B0604020202020204" pitchFamily="34" charset="0"/>
                 <a:cs typeface="Arial" panose="020B0604020202020204" pitchFamily="34" charset="0"/>
               </a:rPr>
-              <a:t>près de 20 ans, C, C ++ et Java figurent systématiquement dans le top 3, loin devant le reste du peloton. Python rejoint ces 3 langages maintenant. De nos jours, c’est le langage le plus enseigné dans les universités. Il est numéro un dans le domaine statistique, numéro un en programmation d’IA, numéro un en rédaction de scripts et numéro un en tests de système d’écriture. En outre, Python est également un chef de file de la programmation Web et de l’informatique </a:t>
-            </a:r>
-            <a:r>
-              <a:rPr lang="fr-FR" sz="2100" dirty="0" smtClean="0">
-                <a:latin typeface="Arial" panose="020B0604020202020204" pitchFamily="34" charset="0"/>
-                <a:cs typeface="Arial" panose="020B0604020202020204" pitchFamily="34" charset="0"/>
-              </a:rPr>
-              <a:t>scientifique ».</a:t>
-            </a:r>
-          </a:p>
-          <a:p>
-            <a:r>
-              <a:rPr lang="fr-FR" sz="2800" b="1" dirty="0" smtClean="0">
-                <a:latin typeface="Arial" panose="020B0604020202020204" pitchFamily="34" charset="0"/>
-                <a:cs typeface="Arial" panose="020B0604020202020204" pitchFamily="34" charset="0"/>
-              </a:rPr>
-              <a:t>Classement Institute of </a:t>
-            </a:r>
-            <a:r>
-              <a:rPr lang="fr-FR" sz="2800" b="1" dirty="0" err="1" smtClean="0">
-                <a:latin typeface="Arial" panose="020B0604020202020204" pitchFamily="34" charset="0"/>
-                <a:cs typeface="Arial" panose="020B0604020202020204" pitchFamily="34" charset="0"/>
-              </a:rPr>
-              <a:t>Electrical</a:t>
-            </a:r>
-            <a:r>
-              <a:rPr lang="fr-FR" sz="2800" b="1" dirty="0" smtClean="0">
-                <a:latin typeface="Arial" panose="020B0604020202020204" pitchFamily="34" charset="0"/>
-                <a:cs typeface="Arial" panose="020B0604020202020204" pitchFamily="34" charset="0"/>
-              </a:rPr>
-              <a:t> and Electronics </a:t>
-            </a:r>
-            <a:r>
-              <a:rPr lang="fr-FR" sz="2800" b="1" dirty="0" err="1" smtClean="0">
-                <a:latin typeface="Arial" panose="020B0604020202020204" pitchFamily="34" charset="0"/>
-                <a:cs typeface="Arial" panose="020B0604020202020204" pitchFamily="34" charset="0"/>
-              </a:rPr>
-              <a:t>Engineers</a:t>
-            </a:r>
-            <a:r>
-              <a:rPr lang="fr-FR" sz="2800" b="1" dirty="0" smtClean="0">
-                <a:latin typeface="Arial" panose="020B0604020202020204" pitchFamily="34" charset="0"/>
-                <a:cs typeface="Arial" panose="020B0604020202020204" pitchFamily="34" charset="0"/>
-              </a:rPr>
-              <a:t>  : python 1</a:t>
-            </a:r>
-            <a:r>
-              <a:rPr lang="fr-FR" sz="2800" b="1" baseline="30000" dirty="0" smtClean="0">
-                <a:latin typeface="Arial" panose="020B0604020202020204" pitchFamily="34" charset="0"/>
-                <a:cs typeface="Arial" panose="020B0604020202020204" pitchFamily="34" charset="0"/>
-              </a:rPr>
-              <a:t>er</a:t>
-            </a:r>
-            <a:r>
-              <a:rPr lang="fr-FR" sz="2800" b="1" dirty="0" smtClean="0">
-                <a:latin typeface="Arial" panose="020B0604020202020204" pitchFamily="34" charset="0"/>
-                <a:cs typeface="Arial" panose="020B0604020202020204" pitchFamily="34" charset="0"/>
-              </a:rPr>
-              <a:t> (2017,2018)</a:t>
-            </a:r>
-          </a:p>
-          <a:p>
-            <a:r>
-              <a:rPr lang="fr-FR" sz="2800" b="1" dirty="0">
-                <a:latin typeface="Arial" panose="020B0604020202020204" pitchFamily="34" charset="0"/>
-                <a:cs typeface="Arial" panose="020B0604020202020204" pitchFamily="34" charset="0"/>
-              </a:rPr>
-              <a:t>Enquête </a:t>
-            </a:r>
-            <a:r>
-              <a:rPr lang="fr-FR" sz="2800" b="1" dirty="0" err="1" smtClean="0">
-                <a:latin typeface="Arial" panose="020B0604020202020204" pitchFamily="34" charset="0"/>
-                <a:cs typeface="Arial" panose="020B0604020202020204" pitchFamily="34" charset="0"/>
-              </a:rPr>
-              <a:t>stackoverflow</a:t>
-            </a:r>
-            <a:r>
-              <a:rPr lang="fr-FR" sz="2800" b="1" dirty="0" smtClean="0">
-                <a:latin typeface="Arial" panose="020B0604020202020204" pitchFamily="34" charset="0"/>
-                <a:cs typeface="Arial" panose="020B0604020202020204" pitchFamily="34" charset="0"/>
-              </a:rPr>
-              <a:t> 2018</a:t>
-            </a:r>
-          </a:p>
-          <a:p>
-            <a:pPr lvl="1"/>
-            <a:r>
-              <a:rPr lang="fr-FR" sz="2100" i="1" dirty="0">
-                <a:latin typeface="Arial" panose="020B0604020202020204" pitchFamily="34" charset="0"/>
-                <a:cs typeface="Arial" panose="020B0604020202020204" pitchFamily="34" charset="0"/>
-              </a:rPr>
-              <a:t>«  </a:t>
-            </a:r>
-            <a:r>
-              <a:rPr lang="en-US" sz="2100" i="1" dirty="0">
-                <a:latin typeface="Arial" panose="020B0604020202020204" pitchFamily="34" charset="0"/>
-                <a:cs typeface="Arial" panose="020B0604020202020204" pitchFamily="34" charset="0"/>
-              </a:rPr>
-              <a:t>Python is the most wanted language for the second year in a row</a:t>
-            </a:r>
-            <a:r>
-              <a:rPr lang="fr-FR" sz="2100" i="1" dirty="0">
-                <a:latin typeface="Arial" panose="020B0604020202020204" pitchFamily="34" charset="0"/>
-                <a:cs typeface="Arial" panose="020B0604020202020204" pitchFamily="34" charset="0"/>
-              </a:rPr>
-              <a:t>»</a:t>
-            </a:r>
-          </a:p>
-          <a:p>
-            <a:pPr lvl="1"/>
-            <a:r>
-              <a:rPr lang="fr-FR" sz="2100" i="1" dirty="0">
-                <a:latin typeface="Arial" panose="020B0604020202020204" pitchFamily="34" charset="0"/>
-                <a:cs typeface="Arial" panose="020B0604020202020204" pitchFamily="34" charset="0"/>
-              </a:rPr>
-              <a:t>« </a:t>
-            </a:r>
-            <a:r>
-              <a:rPr lang="en-US" sz="2100" i="1" dirty="0">
-                <a:latin typeface="Arial" panose="020B0604020202020204" pitchFamily="34" charset="0"/>
-                <a:cs typeface="Arial" panose="020B0604020202020204" pitchFamily="34" charset="0"/>
-              </a:rPr>
-              <a:t> Python has risen in the ranks, surpassing C# this year, much like it surpassed PHP last year. Python has a solid claim to being the fastest-growing major programming language.</a:t>
-            </a:r>
-            <a:r>
-              <a:rPr lang="fr-FR" sz="2100" i="1" dirty="0">
-                <a:latin typeface="Arial" panose="020B0604020202020204" pitchFamily="34" charset="0"/>
-                <a:cs typeface="Arial" panose="020B0604020202020204" pitchFamily="34" charset="0"/>
-              </a:rPr>
-              <a:t> » </a:t>
+              <a:t>Python est 2</a:t>
+            </a:r>
+            <a:r>
+              <a:rPr lang="fr-FR" sz="2100" baseline="30000" dirty="0">
+                <a:latin typeface="Arial" panose="020B0604020202020204" pitchFamily="34" charset="0"/>
+                <a:cs typeface="Arial" panose="020B0604020202020204" pitchFamily="34" charset="0"/>
+              </a:rPr>
+              <a:t>e</a:t>
             </a:r>
             <a:r>
               <a:rPr lang="fr-FR" sz="2100" dirty="0">
                 <a:latin typeface="Arial" panose="020B0604020202020204" pitchFamily="34" charset="0"/>
                 <a:cs typeface="Arial" panose="020B0604020202020204" pitchFamily="34" charset="0"/>
               </a:rPr>
-              <a:t>Python est 2</a:t>
-            </a:r>
-            <a:r>
-              <a:rPr lang="fr-FR" sz="2100" baseline="30000" dirty="0">
-                <a:latin typeface="Arial" panose="020B0604020202020204" pitchFamily="34" charset="0"/>
-                <a:cs typeface="Arial" panose="020B0604020202020204" pitchFamily="34" charset="0"/>
-              </a:rPr>
-              <a:t>e</a:t>
-            </a:r>
-            <a:r>
-              <a:rPr lang="fr-FR" sz="2100" dirty="0">
-                <a:latin typeface="Arial" panose="020B0604020202020204" pitchFamily="34" charset="0"/>
-                <a:cs typeface="Arial" panose="020B0604020202020204" pitchFamily="34" charset="0"/>
-              </a:rPr>
-              <a:t> derrière </a:t>
-            </a:r>
-            <a:r>
-              <a:rPr lang="fr-FR" sz="2100" dirty="0" smtClean="0">
-                <a:latin typeface="Arial" panose="020B0604020202020204" pitchFamily="34" charset="0"/>
-                <a:cs typeface="Arial" panose="020B0604020202020204" pitchFamily="34" charset="0"/>
-              </a:rPr>
-              <a:t>Java</a:t>
-            </a:r>
-            <a:endParaRPr lang="fr-FR" sz="2800" b="1" dirty="0" smtClean="0">
+              <a:t> derrière Java</a:t>
+            </a:r>
+            <a:endParaRPr lang="fr-FR" sz="2800" b="1" dirty="0">
               <a:latin typeface="Arial" panose="020B0604020202020204" pitchFamily="34" charset="0"/>
               <a:cs typeface="Arial" panose="020B0604020202020204" pitchFamily="34" charset="0"/>
             </a:endParaRPr>
           </a:p>
           <a:p>
             <a:r>
-              <a:rPr lang="fr-FR" sz="2800" b="1" dirty="0" smtClean="0">
+              <a:rPr lang="fr-FR" sz="2800" b="1" dirty="0">
                 <a:latin typeface="Arial" panose="020B0604020202020204" pitchFamily="34" charset="0"/>
                 <a:cs typeface="Arial" panose="020B0604020202020204" pitchFamily="34" charset="0"/>
               </a:rPr>
               <a:t>Documents de l’éducation nationale pour préparer la réforme du bac </a:t>
             </a:r>
             <a:r>
-              <a:rPr lang="fr-FR" sz="2300" b="1" i="1" dirty="0" smtClean="0">
+              <a:rPr lang="fr-FR" sz="2300" b="1" i="1" dirty="0">
                 <a:latin typeface="Arial" panose="020B0604020202020204" pitchFamily="34" charset="0"/>
                 <a:cs typeface="Arial" panose="020B0604020202020204" pitchFamily="34" charset="0"/>
               </a:rPr>
@@ -5986,16 +5759,9 @@
                 <a:latin typeface="Arial" panose="020B0604020202020204" pitchFamily="34" charset="0"/>
                 <a:cs typeface="Arial" panose="020B0604020202020204" pitchFamily="34" charset="0"/>
               </a:rPr>
-              <a:t>Au moment de la conception de ce programme, le langage choisi est Python version 3 </a:t>
-            </a:r>
-            <a:r>
-              <a:rPr lang="fr-FR" sz="2300" i="1" dirty="0" smtClean="0">
-                <a:latin typeface="Arial" panose="020B0604020202020204" pitchFamily="34" charset="0"/>
-                <a:cs typeface="Arial" panose="020B0604020202020204" pitchFamily="34" charset="0"/>
-              </a:rPr>
-              <a:t> »</a:t>
-            </a:r>
-            <a:endParaRPr lang="fr-FR" sz="2300" b="1" i="1" dirty="0" smtClean="0">
+              <a:t>Au moment de la conception de ce programme, le langage choisi est Python version 3  »</a:t>
+            </a:r>
+            <a:endParaRPr lang="fr-FR" sz="2300" b="1" i="1" dirty="0">
               <a:latin typeface="Arial" panose="020B0604020202020204" pitchFamily="34" charset="0"/>
               <a:cs typeface="Arial" panose="020B0604020202020204" pitchFamily="34" charset="0"/>
             </a:endParaRPr>
@@ -6012,13 +5778,6 @@
   <p:clrMapOvr>
     <a:masterClrMapping/>
   </p:clrMapOvr>
-  <p:timing>
-    <p:tnLst>
-      <p:par>
-        <p:cTn id="1" dur="indefinite" restart="never" nodeType="tmRoot"/>
-      </p:par>
-    </p:tnLst>
-  </p:timing>
 </p:sld>
 </file>
 
@@ -6109,13 +5868,6 @@
   <p:clrMapOvr>
     <a:masterClrMapping/>
   </p:clrMapOvr>
-  <p:timing>
-    <p:tnLst>
-      <p:par>
-        <p:cTn id="1" dur="indefinite" restart="never" nodeType="tmRoot"/>
-      </p:par>
-    </p:tnLst>
-  </p:timing>
 </p:sld>
 </file>
 
@@ -6195,14 +5947,7 @@
                 <a:latin typeface="Arial" panose="020B0604020202020204" pitchFamily="34" charset="0"/>
                 <a:cs typeface="Arial" panose="020B0604020202020204" pitchFamily="34" charset="0"/>
               </a:rPr>
-              <a:t>Les tendances des jobs de data science pour R (bleu) et SAS (</a:t>
-            </a:r>
-            <a:r>
-              <a:rPr lang="fr-FR" sz="2000" dirty="0" smtClean="0">
-                <a:latin typeface="Arial" panose="020B0604020202020204" pitchFamily="34" charset="0"/>
-                <a:cs typeface="Arial" panose="020B0604020202020204" pitchFamily="34" charset="0"/>
-              </a:rPr>
-              <a:t>orange)</a:t>
+              <a:t>Les tendances des jobs de data science pour R (bleu) et SAS (orange)</a:t>
             </a:r>
           </a:p>
           <a:p>
@@ -6253,13 +5998,6 @@
   <p:clrMapOvr>
     <a:masterClrMapping/>
   </p:clrMapOvr>
-  <p:timing>
-    <p:tnLst>
-      <p:par>
-        <p:cTn id="1" dur="indefinite" restart="never" nodeType="tmRoot"/>
-      </p:par>
-    </p:tnLst>
-  </p:timing>
 </p:sld>
 </file>
 
@@ -6339,14 +6077,7 @@
                 <a:latin typeface="Arial" panose="020B0604020202020204" pitchFamily="34" charset="0"/>
                 <a:cs typeface="Arial" panose="020B0604020202020204" pitchFamily="34" charset="0"/>
               </a:rPr>
-              <a:t>Les tendances des jobs de data science pour R (bleu) et Python (orange</a:t>
-            </a:r>
-            <a:r>
-              <a:rPr lang="fr-FR" sz="2000" dirty="0" smtClean="0">
-                <a:latin typeface="Arial" panose="020B0604020202020204" pitchFamily="34" charset="0"/>
-                <a:cs typeface="Arial" panose="020B0604020202020204" pitchFamily="34" charset="0"/>
-              </a:rPr>
-              <a:t>)</a:t>
+              <a:t>Les tendances des jobs de data science pour R (bleu) et Python (orange)</a:t>
             </a:r>
           </a:p>
           <a:p>
@@ -6397,13 +6128,6 @@
   <p:clrMapOvr>
     <a:masterClrMapping/>
   </p:clrMapOvr>
-  <p:timing>
-    <p:tnLst>
-      <p:par>
-        <p:cTn id="1" dur="indefinite" restart="never" nodeType="tmRoot"/>
-      </p:par>
-    </p:tnLst>
-  </p:timing>
 </p:sld>
 </file>
 
@@ -6463,13 +6187,6 @@
   <p:clrMapOvr>
     <a:masterClrMapping/>
   </p:clrMapOvr>
-  <p:timing>
-    <p:tnLst>
-      <p:par>
-        <p:cTn id="1" dur="indefinite" restart="never" nodeType="tmRoot"/>
-      </p:par>
-    </p:tnLst>
-  </p:timing>
 </p:sld>
 </file>
 
@@ -6508,28 +6225,28 @@
           <a:lstStyle/>
           <a:p>
             <a:r>
-              <a:rPr lang="fr-FR" sz="3200" b="1" dirty="0" smtClean="0">
+              <a:rPr lang="fr-FR" sz="3200" b="1" dirty="0">
                 <a:latin typeface="Arial" panose="020B0604020202020204" pitchFamily="34" charset="0"/>
                 <a:cs typeface="Arial" panose="020B0604020202020204" pitchFamily="34" charset="0"/>
               </a:rPr>
               <a:t>Sondage </a:t>
             </a:r>
             <a:r>
-              <a:rPr lang="fr-FR" sz="3200" b="1" dirty="0" err="1" smtClean="0">
+              <a:rPr lang="fr-FR" sz="3200" b="1" dirty="0" err="1">
                 <a:latin typeface="Arial" panose="020B0604020202020204" pitchFamily="34" charset="0"/>
                 <a:cs typeface="Arial" panose="020B0604020202020204" pitchFamily="34" charset="0"/>
               </a:rPr>
               <a:t>burtch</a:t>
             </a:r>
             <a:r>
-              <a:rPr lang="fr-FR" sz="3200" b="1" dirty="0" smtClean="0">
+              <a:rPr lang="fr-FR" sz="3200" b="1" dirty="0">
                 <a:latin typeface="Arial" panose="020B0604020202020204" pitchFamily="34" charset="0"/>
                 <a:cs typeface="Arial" panose="020B0604020202020204" pitchFamily="34" charset="0"/>
               </a:rPr>
               <a:t> </a:t>
             </a:r>
             <a:r>
-              <a:rPr lang="fr-FR" sz="3200" b="1" dirty="0" err="1" smtClean="0">
+              <a:rPr lang="fr-FR" sz="3200" b="1" dirty="0" err="1">
                 <a:latin typeface="Arial" panose="020B0604020202020204" pitchFamily="34" charset="0"/>
                 <a:cs typeface="Arial" panose="020B0604020202020204" pitchFamily="34" charset="0"/>
               </a:rPr>
@@ -6611,13 +6328,6 @@
   <p:clrMapOvr>
     <a:masterClrMapping/>
   </p:clrMapOvr>
-  <p:timing>
-    <p:tnLst>
-      <p:par>
-        <p:cTn id="1" dur="indefinite" restart="never" nodeType="tmRoot"/>
-      </p:par>
-    </p:tnLst>
-  </p:timing>
 </p:sld>
 </file>
 
@@ -6684,58 +6394,30 @@
           <a:lstStyle/>
           <a:p>
             <a:r>
-              <a:rPr lang="fr-FR" sz="2400" dirty="0" smtClean="0">
-                <a:latin typeface="Arial" panose="020B0604020202020204" pitchFamily="34" charset="0"/>
-                <a:cs typeface="Arial" panose="020B0604020202020204" pitchFamily="34" charset="0"/>
-              </a:rPr>
-              <a:t>facile </a:t>
-            </a:r>
-            <a:r>
               <a:rPr lang="fr-FR" sz="2400" dirty="0">
                 <a:latin typeface="Arial" panose="020B0604020202020204" pitchFamily="34" charset="0"/>
                 <a:cs typeface="Arial" panose="020B0604020202020204" pitchFamily="34" charset="0"/>
               </a:rPr>
-              <a:t>à </a:t>
-            </a:r>
-            <a:r>
-              <a:rPr lang="fr-FR" sz="2400" dirty="0" smtClean="0">
-                <a:latin typeface="Arial" panose="020B0604020202020204" pitchFamily="34" charset="0"/>
-                <a:cs typeface="Arial" panose="020B0604020202020204" pitchFamily="34" charset="0"/>
-              </a:rPr>
-              <a:t>apprendre</a:t>
-            </a:r>
-          </a:p>
-          <a:p>
-            <a:r>
-              <a:rPr lang="fr-FR" sz="2400" dirty="0" smtClean="0">
-                <a:latin typeface="Arial" panose="020B0604020202020204" pitchFamily="34" charset="0"/>
-                <a:cs typeface="Arial" panose="020B0604020202020204" pitchFamily="34" charset="0"/>
-              </a:rPr>
-              <a:t>à </a:t>
-            </a:r>
+              <a:t>facile à apprendre</a:t>
+            </a:r>
+          </a:p>
+          <a:p>
             <a:r>
               <a:rPr lang="fr-FR" sz="2400" dirty="0">
                 <a:latin typeface="Arial" panose="020B0604020202020204" pitchFamily="34" charset="0"/>
                 <a:cs typeface="Arial" panose="020B0604020202020204" pitchFamily="34" charset="0"/>
               </a:rPr>
-              <a:t>usage </a:t>
-            </a:r>
-            <a:r>
-              <a:rPr lang="fr-FR" sz="2400" dirty="0" smtClean="0">
-                <a:latin typeface="Arial" panose="020B0604020202020204" pitchFamily="34" charset="0"/>
-                <a:cs typeface="Arial" panose="020B0604020202020204" pitchFamily="34" charset="0"/>
-              </a:rPr>
-              <a:t>général : développement « classique », </a:t>
-            </a:r>
-            <a:r>
-              <a:rPr lang="fr-FR" sz="2400" dirty="0" err="1" smtClean="0">
+              <a:t>à usage général : développement « classique », </a:t>
+            </a:r>
+            <a:r>
+              <a:rPr lang="fr-FR" sz="2400" dirty="0" err="1">
                 <a:latin typeface="Arial" panose="020B0604020202020204" pitchFamily="34" charset="0"/>
                 <a:cs typeface="Arial" panose="020B0604020202020204" pitchFamily="34" charset="0"/>
               </a:rPr>
               <a:t>datascience</a:t>
             </a:r>
             <a:r>
-              <a:rPr lang="fr-FR" sz="2400" dirty="0" smtClean="0">
+              <a:rPr lang="fr-FR" sz="2400" dirty="0">
                 <a:latin typeface="Arial" panose="020B0604020202020204" pitchFamily="34" charset="0"/>
                 <a:cs typeface="Arial" panose="020B0604020202020204" pitchFamily="34" charset="0"/>
               </a:rPr>
@@ -6744,7 +6426,7 @@
           </a:p>
           <a:p>
             <a:r>
-              <a:rPr lang="fr-FR" sz="2400" dirty="0" smtClean="0">
+              <a:rPr lang="fr-FR" sz="2400" dirty="0">
                 <a:latin typeface="Arial" panose="020B0604020202020204" pitchFamily="34" charset="0"/>
                 <a:cs typeface="Arial" panose="020B0604020202020204" pitchFamily="34" charset="0"/>
               </a:rPr>
@@ -6760,13 +6442,13 @@
               <a:t>Python dispose de l'un des gestionnaires de paquets les plus matures : </a:t>
             </a:r>
             <a:r>
-              <a:rPr lang="fr-FR" sz="2400" dirty="0" err="1" smtClean="0">
+              <a:rPr lang="fr-FR" sz="2400" dirty="0" err="1">
                 <a:latin typeface="Arial" panose="020B0604020202020204" pitchFamily="34" charset="0"/>
                 <a:cs typeface="Arial" panose="020B0604020202020204" pitchFamily="34" charset="0"/>
               </a:rPr>
               <a:t>PyPI</a:t>
             </a:r>
-            <a:endParaRPr lang="fr-FR" sz="2400" dirty="0" smtClean="0">
+            <a:endParaRPr lang="fr-FR" sz="2400" dirty="0">
               <a:latin typeface="Arial" panose="020B0604020202020204" pitchFamily="34" charset="0"/>
               <a:cs typeface="Arial" panose="020B0604020202020204" pitchFamily="34" charset="0"/>
             </a:endParaRPr>
@@ -6777,19 +6459,12 @@
                 <a:latin typeface="Arial" panose="020B0604020202020204" pitchFamily="34" charset="0"/>
                 <a:cs typeface="Arial" panose="020B0604020202020204" pitchFamily="34" charset="0"/>
               </a:rPr>
-              <a:t>Python est multiplateforme et open </a:t>
-            </a:r>
-            <a:r>
-              <a:rPr lang="fr-FR" sz="2400" dirty="0" smtClean="0">
-                <a:latin typeface="Arial" panose="020B0604020202020204" pitchFamily="34" charset="0"/>
-                <a:cs typeface="Arial" panose="020B0604020202020204" pitchFamily="34" charset="0"/>
-              </a:rPr>
-              <a:t>source</a:t>
-            </a:r>
-          </a:p>
-          <a:p>
-            <a:r>
-              <a:rPr lang="fr-FR" sz="2400" dirty="0" smtClean="0">
+              <a:t>Python est multiplateforme et open source</a:t>
+            </a:r>
+          </a:p>
+          <a:p>
+            <a:r>
+              <a:rPr lang="fr-FR" sz="2400" dirty="0">
                 <a:latin typeface="Arial" panose="020B0604020202020204" pitchFamily="34" charset="0"/>
                 <a:cs typeface="Arial" panose="020B0604020202020204" pitchFamily="34" charset="0"/>
               </a:rPr>
@@ -6798,18 +6473,11 @@
           </a:p>
           <a:p>
             <a:r>
-              <a:rPr lang="fr-FR" sz="2400" dirty="0" smtClean="0">
-                <a:latin typeface="Arial" panose="020B0604020202020204" pitchFamily="34" charset="0"/>
-                <a:cs typeface="Arial" panose="020B0604020202020204" pitchFamily="34" charset="0"/>
-              </a:rPr>
-              <a:t>Communauté énorme donc aide rapide sur les </a:t>
-            </a:r>
-            <a:r>
               <a:rPr lang="fr-FR" sz="2400" dirty="0">
                 <a:latin typeface="Arial" panose="020B0604020202020204" pitchFamily="34" charset="0"/>
                 <a:cs typeface="Arial" panose="020B0604020202020204" pitchFamily="34" charset="0"/>
               </a:rPr>
-              <a:t>forums (</a:t>
+              <a:t>Communauté énorme donc aide rapide sur les forums (</a:t>
             </a:r>
             <a:r>
               <a:rPr lang="fr-FR" sz="2400" dirty="0">
@@ -6817,18 +6485,10 @@
                 <a:cs typeface="Arial" panose="020B0604020202020204" pitchFamily="34" charset="0"/>
                 <a:hlinkClick r:id="rId2"/>
               </a:rPr>
-              <a:t>https://stackoverflow.com</a:t>
-            </a:r>
-            <a:r>
-              <a:rPr lang="fr-FR" sz="2400" dirty="0" smtClean="0">
-                <a:latin typeface="Arial" panose="020B0604020202020204" pitchFamily="34" charset="0"/>
-                <a:cs typeface="Arial" panose="020B0604020202020204" pitchFamily="34" charset="0"/>
-                <a:hlinkClick r:id="rId2"/>
-              </a:rPr>
-              <a:t>/</a:t>
-            </a:r>
-            <a:r>
-              <a:rPr lang="fr-FR" sz="2400" dirty="0" smtClean="0">
+              <a:t>https://stackoverflow.com/</a:t>
+            </a:r>
+            <a:r>
+              <a:rPr lang="fr-FR" sz="2400" dirty="0">
                 <a:latin typeface="Arial" panose="020B0604020202020204" pitchFamily="34" charset="0"/>
                 <a:cs typeface="Arial" panose="020B0604020202020204" pitchFamily="34" charset="0"/>
               </a:rPr>
@@ -6847,13 +6507,6 @@
   <p:clrMapOvr>
     <a:masterClrMapping/>
   </p:clrMapOvr>
-  <p:timing>
-    <p:tnLst>
-      <p:par>
-        <p:cTn id="1" dur="indefinite" restart="never" nodeType="tmRoot"/>
-      </p:par>
-    </p:tnLst>
-  </p:timing>
 </p:sld>
 </file>
 

--- a/formation python.pptx
+++ b/formation python.pptx
@@ -23,15 +23,22 @@
     <p:sldId id="321" r:id="rId17"/>
     <p:sldId id="322" r:id="rId18"/>
     <p:sldId id="323" r:id="rId19"/>
-    <p:sldId id="329" r:id="rId20"/>
-    <p:sldId id="330" r:id="rId21"/>
-    <p:sldId id="331" r:id="rId22"/>
-    <p:sldId id="332" r:id="rId23"/>
-    <p:sldId id="328" r:id="rId24"/>
-    <p:sldId id="327" r:id="rId25"/>
-    <p:sldId id="333" r:id="rId26"/>
-    <p:sldId id="334" r:id="rId27"/>
-    <p:sldId id="308" r:id="rId28"/>
+    <p:sldId id="337" r:id="rId20"/>
+    <p:sldId id="329" r:id="rId21"/>
+    <p:sldId id="330" r:id="rId22"/>
+    <p:sldId id="331" r:id="rId23"/>
+    <p:sldId id="336" r:id="rId24"/>
+    <p:sldId id="341" r:id="rId25"/>
+    <p:sldId id="342" r:id="rId26"/>
+    <p:sldId id="332" r:id="rId27"/>
+    <p:sldId id="335" r:id="rId28"/>
+    <p:sldId id="328" r:id="rId29"/>
+    <p:sldId id="327" r:id="rId30"/>
+    <p:sldId id="333" r:id="rId31"/>
+    <p:sldId id="338" r:id="rId32"/>
+    <p:sldId id="339" r:id="rId33"/>
+    <p:sldId id="340" r:id="rId34"/>
+    <p:sldId id="308" r:id="rId35"/>
   </p:sldIdLst>
   <p:sldSz cx="9144000" cy="6858000" type="screen4x3"/>
   <p:notesSz cx="6858000" cy="9144000"/>
@@ -132,7 +139,7 @@
   </p:defaultTextStyle>
   <p:extLst>
     <p:ext uri="{EFAFB233-063F-42B5-8137-9DF3F51BA10A}">
-      <p15:sldGuideLst xmlns:p15="http://schemas.microsoft.com/office/powerpoint/2012/main">
+      <p15:sldGuideLst xmlns:p15="http://schemas.microsoft.com/office/powerpoint/2012/main" xmlns="">
         <p15:guide id="1" orient="horz" pos="2160">
           <p15:clr>
             <a:srgbClr val="A4A3A4"/>
@@ -328,7 +335,7 @@
           <a:p>
             <a:fld id="{765F0E4A-4BC1-45D8-AEB9-09F4A4417523}" type="datetimeFigureOut">
               <a:rPr lang="fr-FR" smtClean="0"/>
-              <a:t>30/03/2019</a:t>
+              <a:t>01/04/2019</a:t>
             </a:fld>
             <a:endParaRPr lang="fr-FR"/>
           </a:p>
@@ -496,7 +503,7 @@
           <a:p>
             <a:fld id="{765F0E4A-4BC1-45D8-AEB9-09F4A4417523}" type="datetimeFigureOut">
               <a:rPr lang="fr-FR" smtClean="0"/>
-              <a:t>30/03/2019</a:t>
+              <a:t>01/04/2019</a:t>
             </a:fld>
             <a:endParaRPr lang="fr-FR"/>
           </a:p>
@@ -674,7 +681,7 @@
           <a:p>
             <a:fld id="{765F0E4A-4BC1-45D8-AEB9-09F4A4417523}" type="datetimeFigureOut">
               <a:rPr lang="fr-FR" smtClean="0"/>
-              <a:t>30/03/2019</a:t>
+              <a:t>01/04/2019</a:t>
             </a:fld>
             <a:endParaRPr lang="fr-FR"/>
           </a:p>
@@ -842,7 +849,7 @@
           <a:p>
             <a:fld id="{765F0E4A-4BC1-45D8-AEB9-09F4A4417523}" type="datetimeFigureOut">
               <a:rPr lang="fr-FR" smtClean="0"/>
-              <a:t>30/03/2019</a:t>
+              <a:t>01/04/2019</a:t>
             </a:fld>
             <a:endParaRPr lang="fr-FR"/>
           </a:p>
@@ -1087,7 +1094,7 @@
           <a:p>
             <a:fld id="{765F0E4A-4BC1-45D8-AEB9-09F4A4417523}" type="datetimeFigureOut">
               <a:rPr lang="fr-FR" smtClean="0"/>
-              <a:t>30/03/2019</a:t>
+              <a:t>01/04/2019</a:t>
             </a:fld>
             <a:endParaRPr lang="fr-FR"/>
           </a:p>
@@ -1372,7 +1379,7 @@
           <a:p>
             <a:fld id="{765F0E4A-4BC1-45D8-AEB9-09F4A4417523}" type="datetimeFigureOut">
               <a:rPr lang="fr-FR" smtClean="0"/>
-              <a:t>30/03/2019</a:t>
+              <a:t>01/04/2019</a:t>
             </a:fld>
             <a:endParaRPr lang="fr-FR"/>
           </a:p>
@@ -1791,7 +1798,7 @@
           <a:p>
             <a:fld id="{765F0E4A-4BC1-45D8-AEB9-09F4A4417523}" type="datetimeFigureOut">
               <a:rPr lang="fr-FR" smtClean="0"/>
-              <a:t>30/03/2019</a:t>
+              <a:t>01/04/2019</a:t>
             </a:fld>
             <a:endParaRPr lang="fr-FR"/>
           </a:p>
@@ -1908,7 +1915,7 @@
           <a:p>
             <a:fld id="{765F0E4A-4BC1-45D8-AEB9-09F4A4417523}" type="datetimeFigureOut">
               <a:rPr lang="fr-FR" smtClean="0"/>
-              <a:t>30/03/2019</a:t>
+              <a:t>01/04/2019</a:t>
             </a:fld>
             <a:endParaRPr lang="fr-FR"/>
           </a:p>
@@ -2003,7 +2010,7 @@
           <a:p>
             <a:fld id="{765F0E4A-4BC1-45D8-AEB9-09F4A4417523}" type="datetimeFigureOut">
               <a:rPr lang="fr-FR" smtClean="0"/>
-              <a:t>30/03/2019</a:t>
+              <a:t>01/04/2019</a:t>
             </a:fld>
             <a:endParaRPr lang="fr-FR"/>
           </a:p>
@@ -2278,7 +2285,7 @@
           <a:p>
             <a:fld id="{765F0E4A-4BC1-45D8-AEB9-09F4A4417523}" type="datetimeFigureOut">
               <a:rPr lang="fr-FR" smtClean="0"/>
-              <a:t>30/03/2019</a:t>
+              <a:t>01/04/2019</a:t>
             </a:fld>
             <a:endParaRPr lang="fr-FR"/>
           </a:p>
@@ -2530,7 +2537,7 @@
           <a:p>
             <a:fld id="{765F0E4A-4BC1-45D8-AEB9-09F4A4417523}" type="datetimeFigureOut">
               <a:rPr lang="fr-FR" smtClean="0"/>
-              <a:t>30/03/2019</a:t>
+              <a:t>01/04/2019</a:t>
             </a:fld>
             <a:endParaRPr lang="fr-FR"/>
           </a:p>
@@ -2741,7 +2748,7 @@
           <a:p>
             <a:fld id="{765F0E4A-4BC1-45D8-AEB9-09F4A4417523}" type="datetimeFigureOut">
               <a:rPr lang="fr-FR" smtClean="0"/>
-              <a:t>30/03/2019</a:t>
+              <a:t>01/04/2019</a:t>
             </a:fld>
             <a:endParaRPr lang="fr-FR"/>
           </a:p>
@@ -4513,8 +4520,25 @@
                 <a:latin typeface="Arial" panose="020B0604020202020204" pitchFamily="34" charset="0"/>
                 <a:cs typeface="Arial" panose="020B0604020202020204" pitchFamily="34" charset="0"/>
               </a:rPr>
-              <a:t>Partie 3 : python pour le statisticien</a:t>
-            </a:r>
+              <a:t>Partie 3 : </a:t>
+            </a:r>
+            <a:r>
+              <a:rPr lang="fr-FR" sz="3200" b="1" dirty="0" smtClean="0">
+                <a:solidFill>
+                  <a:srgbClr val="7030A0"/>
+                </a:solidFill>
+                <a:latin typeface="Arial" panose="020B0604020202020204" pitchFamily="34" charset="0"/>
+                <a:cs typeface="Arial" panose="020B0604020202020204" pitchFamily="34" charset="0"/>
+              </a:rPr>
+              <a:t>traiter les données avec Python</a:t>
+            </a:r>
+            <a:endParaRPr lang="fr-FR" sz="3200" b="1" dirty="0">
+              <a:solidFill>
+                <a:srgbClr val="7030A0"/>
+              </a:solidFill>
+              <a:latin typeface="Arial" panose="020B0604020202020204" pitchFamily="34" charset="0"/>
+              <a:cs typeface="Arial" panose="020B0604020202020204" pitchFamily="34" charset="0"/>
+            </a:endParaRPr>
           </a:p>
         </p:txBody>
       </p:sp>
@@ -4532,6 +4556,274 @@
 </file>
 
 <file path=ppt/slides/slide19.xml><?xml version="1.0" encoding="utf-8"?>
+<p:sld xmlns:a="http://schemas.openxmlformats.org/drawingml/2006/main" xmlns:r="http://schemas.openxmlformats.org/officeDocument/2006/relationships" xmlns:p="http://schemas.openxmlformats.org/presentationml/2006/main">
+  <p:cSld>
+    <p:spTree>
+      <p:nvGrpSpPr>
+        <p:cNvPr id="1" name=""/>
+        <p:cNvGrpSpPr/>
+        <p:nvPr/>
+      </p:nvGrpSpPr>
+      <p:grpSpPr>
+        <a:xfrm>
+          <a:off x="0" y="0"/>
+          <a:ext cx="0" cy="0"/>
+          <a:chOff x="0" y="0"/>
+          <a:chExt cx="0" cy="0"/>
+        </a:xfrm>
+      </p:grpSpPr>
+      <p:sp>
+        <p:nvSpPr>
+          <p:cNvPr id="2" name="Titre 1"/>
+          <p:cNvSpPr>
+            <a:spLocks noGrp="1"/>
+          </p:cNvSpPr>
+          <p:nvPr>
+            <p:ph type="title"/>
+          </p:nvPr>
+        </p:nvSpPr>
+        <p:spPr>
+          <a:xfrm>
+            <a:off x="457200" y="274638"/>
+            <a:ext cx="8507288" cy="1143000"/>
+          </a:xfrm>
+        </p:spPr>
+        <p:txBody>
+          <a:bodyPr>
+            <a:normAutofit/>
+          </a:bodyPr>
+          <a:lstStyle/>
+          <a:p>
+            <a:r>
+              <a:rPr lang="fr-FR" sz="3200" b="1" dirty="0" smtClean="0">
+                <a:latin typeface="Arial" panose="020B0604020202020204" pitchFamily="34" charset="0"/>
+                <a:cs typeface="Arial" panose="020B0604020202020204" pitchFamily="34" charset="0"/>
+              </a:rPr>
+              <a:t>Traiter les données prend du temps</a:t>
+            </a:r>
+            <a:endParaRPr lang="fr-FR" sz="3200" b="1" dirty="0">
+              <a:latin typeface="Arial" panose="020B0604020202020204" pitchFamily="34" charset="0"/>
+              <a:cs typeface="Arial" panose="020B0604020202020204" pitchFamily="34" charset="0"/>
+            </a:endParaRPr>
+          </a:p>
+        </p:txBody>
+      </p:sp>
+      <p:pic>
+        <p:nvPicPr>
+          <p:cNvPr id="4" name="Image 3"/>
+          <p:cNvPicPr>
+            <a:picLocks noChangeAspect="1"/>
+          </p:cNvPicPr>
+          <p:nvPr/>
+        </p:nvPicPr>
+        <p:blipFill>
+          <a:blip r:embed="rId2">
+            <a:extLst>
+              <a:ext uri="{28A0092B-C50C-407E-A947-70E740481C1C}">
+                <a14:useLocalDpi xmlns:a14="http://schemas.microsoft.com/office/drawing/2010/main" val="0"/>
+              </a:ext>
+            </a:extLst>
+          </a:blip>
+          <a:stretch>
+            <a:fillRect/>
+          </a:stretch>
+        </p:blipFill>
+        <p:spPr>
+          <a:xfrm>
+            <a:off x="0" y="1219076"/>
+            <a:ext cx="9144000" cy="3895725"/>
+          </a:xfrm>
+          <a:prstGeom prst="rect">
+            <a:avLst/>
+          </a:prstGeom>
+        </p:spPr>
+      </p:pic>
+      <p:sp>
+        <p:nvSpPr>
+          <p:cNvPr id="6" name="ZoneTexte 5"/>
+          <p:cNvSpPr txBox="1"/>
+          <p:nvPr/>
+        </p:nvSpPr>
+        <p:spPr>
+          <a:xfrm>
+            <a:off x="3743400" y="4653136"/>
+            <a:ext cx="5400600" cy="923330"/>
+          </a:xfrm>
+          <a:prstGeom prst="rect">
+            <a:avLst/>
+          </a:prstGeom>
+          <a:noFill/>
+        </p:spPr>
+        <p:txBody>
+          <a:bodyPr wrap="square" rtlCol="0">
+            <a:spAutoFit/>
+          </a:bodyPr>
+          <a:lstStyle/>
+          <a:p>
+            <a:r>
+              <a:rPr lang="en-US" dirty="0" err="1">
+                <a:latin typeface="Arial" panose="020B0604020202020204" pitchFamily="34" charset="0"/>
+                <a:cs typeface="Arial" panose="020B0604020202020204" pitchFamily="34" charset="0"/>
+              </a:rPr>
+              <a:t>CrowdFlower</a:t>
+            </a:r>
+            <a:r>
+              <a:rPr lang="en-US" dirty="0">
+                <a:latin typeface="Arial" panose="020B0604020202020204" pitchFamily="34" charset="0"/>
+                <a:cs typeface="Arial" panose="020B0604020202020204" pitchFamily="34" charset="0"/>
+              </a:rPr>
+              <a:t>, provider of a “data enrichment” platform for data scientists, conducted a survey of about 80 data scientists</a:t>
+            </a:r>
+            <a:endParaRPr lang="fr-FR" dirty="0">
+              <a:latin typeface="Arial" panose="020B0604020202020204" pitchFamily="34" charset="0"/>
+              <a:cs typeface="Arial" panose="020B0604020202020204" pitchFamily="34" charset="0"/>
+            </a:endParaRPr>
+          </a:p>
+        </p:txBody>
+      </p:sp>
+      <p:sp>
+        <p:nvSpPr>
+          <p:cNvPr id="7" name="ZoneTexte 6"/>
+          <p:cNvSpPr txBox="1"/>
+          <p:nvPr/>
+        </p:nvSpPr>
+        <p:spPr>
+          <a:xfrm>
+            <a:off x="587833" y="5576466"/>
+            <a:ext cx="8064896" cy="1200329"/>
+          </a:xfrm>
+          <a:prstGeom prst="rect">
+            <a:avLst/>
+          </a:prstGeom>
+          <a:noFill/>
+        </p:spPr>
+        <p:txBody>
+          <a:bodyPr wrap="square" rtlCol="0">
+            <a:spAutoFit/>
+          </a:bodyPr>
+          <a:lstStyle/>
+          <a:p>
+            <a:r>
+              <a:rPr lang="en-US" dirty="0">
+                <a:latin typeface="Arial" panose="020B0604020202020204" pitchFamily="34" charset="0"/>
+                <a:cs typeface="Arial" panose="020B0604020202020204" pitchFamily="34" charset="0"/>
+              </a:rPr>
+              <a:t>Steve </a:t>
+            </a:r>
+            <a:r>
+              <a:rPr lang="en-US" dirty="0" err="1">
+                <a:latin typeface="Arial" panose="020B0604020202020204" pitchFamily="34" charset="0"/>
+                <a:cs typeface="Arial" panose="020B0604020202020204" pitchFamily="34" charset="0"/>
+              </a:rPr>
+              <a:t>Lohr</a:t>
+            </a:r>
+            <a:r>
+              <a:rPr lang="en-US" dirty="0">
+                <a:latin typeface="Arial" panose="020B0604020202020204" pitchFamily="34" charset="0"/>
+                <a:cs typeface="Arial" panose="020B0604020202020204" pitchFamily="34" charset="0"/>
+              </a:rPr>
+              <a:t> of </a:t>
+            </a:r>
+            <a:r>
+              <a:rPr lang="en-US" i="1" dirty="0">
+                <a:latin typeface="Arial" panose="020B0604020202020204" pitchFamily="34" charset="0"/>
+                <a:cs typeface="Arial" panose="020B0604020202020204" pitchFamily="34" charset="0"/>
+              </a:rPr>
+              <a:t>The New York Times </a:t>
+            </a:r>
+            <a:r>
+              <a:rPr lang="en-US" dirty="0">
+                <a:latin typeface="Arial" panose="020B0604020202020204" pitchFamily="34" charset="0"/>
+                <a:cs typeface="Arial" panose="020B0604020202020204" pitchFamily="34" charset="0"/>
+              </a:rPr>
+              <a:t>said: </a:t>
+            </a:r>
+            <a:r>
+              <a:rPr lang="en-US" i="1" dirty="0">
+                <a:latin typeface="Arial" panose="020B0604020202020204" pitchFamily="34" charset="0"/>
+                <a:cs typeface="Arial" panose="020B0604020202020204" pitchFamily="34" charset="0"/>
+              </a:rPr>
+              <a:t>"Data scientists, according to interviews and expert estimates, spend 50 percent to 80 percent of their time mired in the mundane labor of collecting and preparing unruly digital data, before it can be explored for useful nuggets."</a:t>
+            </a:r>
+            <a:endParaRPr lang="fr-FR" i="1" dirty="0">
+              <a:latin typeface="Arial" panose="020B0604020202020204" pitchFamily="34" charset="0"/>
+              <a:cs typeface="Arial" panose="020B0604020202020204" pitchFamily="34" charset="0"/>
+            </a:endParaRPr>
+          </a:p>
+        </p:txBody>
+      </p:sp>
+    </p:spTree>
+    <p:extLst>
+      <p:ext uri="{BB962C8B-B14F-4D97-AF65-F5344CB8AC3E}">
+        <p14:creationId xmlns:p14="http://schemas.microsoft.com/office/powerpoint/2010/main" val="880016541"/>
+      </p:ext>
+    </p:extLst>
+  </p:cSld>
+  <p:clrMapOvr>
+    <a:masterClrMapping/>
+  </p:clrMapOvr>
+</p:sld>
+</file>
+
+<file path=ppt/slides/slide2.xml><?xml version="1.0" encoding="utf-8"?>
+<p:sld xmlns:a="http://schemas.openxmlformats.org/drawingml/2006/main" xmlns:r="http://schemas.openxmlformats.org/officeDocument/2006/relationships" xmlns:p="http://schemas.openxmlformats.org/presentationml/2006/main">
+  <p:cSld>
+    <p:spTree>
+      <p:nvGrpSpPr>
+        <p:cNvPr id="1" name=""/>
+        <p:cNvGrpSpPr/>
+        <p:nvPr/>
+      </p:nvGrpSpPr>
+      <p:grpSpPr>
+        <a:xfrm>
+          <a:off x="0" y="0"/>
+          <a:ext cx="0" cy="0"/>
+          <a:chOff x="0" y="0"/>
+          <a:chExt cx="0" cy="0"/>
+        </a:xfrm>
+      </p:grpSpPr>
+      <p:sp>
+        <p:nvSpPr>
+          <p:cNvPr id="4" name="Titre 3"/>
+          <p:cNvSpPr>
+            <a:spLocks noGrp="1"/>
+          </p:cNvSpPr>
+          <p:nvPr>
+            <p:ph type="ctrTitle"/>
+          </p:nvPr>
+        </p:nvSpPr>
+        <p:spPr/>
+        <p:txBody>
+          <a:bodyPr/>
+          <a:lstStyle/>
+          <a:p>
+            <a:r>
+              <a:rPr lang="fr-FR" b="1" dirty="0">
+                <a:solidFill>
+                  <a:srgbClr val="7030A0"/>
+                </a:solidFill>
+                <a:latin typeface="Arial" panose="020B0604020202020204" pitchFamily="34" charset="0"/>
+                <a:cs typeface="Arial" panose="020B0604020202020204" pitchFamily="34" charset="0"/>
+              </a:rPr>
+              <a:t>Partie 1 : Pourquoi s’intéresser à Python?</a:t>
+            </a:r>
+          </a:p>
+        </p:txBody>
+      </p:sp>
+    </p:spTree>
+    <p:extLst>
+      <p:ext uri="{BB962C8B-B14F-4D97-AF65-F5344CB8AC3E}">
+        <p14:creationId xmlns:p14="http://schemas.microsoft.com/office/powerpoint/2010/main" val="164285327"/>
+      </p:ext>
+    </p:extLst>
+  </p:cSld>
+  <p:clrMapOvr>
+    <a:masterClrMapping/>
+  </p:clrMapOvr>
+</p:sld>
+</file>
+
+<file path=ppt/slides/slide20.xml><?xml version="1.0" encoding="utf-8"?>
 <p:sld xmlns:a="http://schemas.openxmlformats.org/drawingml/2006/main" xmlns:r="http://schemas.openxmlformats.org/officeDocument/2006/relationships" xmlns:p="http://schemas.openxmlformats.org/presentationml/2006/main">
   <p:cSld>
     <p:spTree>
@@ -4665,65 +4957,7 @@
 </p:sld>
 </file>
 
-<file path=ppt/slides/slide2.xml><?xml version="1.0" encoding="utf-8"?>
-<p:sld xmlns:a="http://schemas.openxmlformats.org/drawingml/2006/main" xmlns:r="http://schemas.openxmlformats.org/officeDocument/2006/relationships" xmlns:p="http://schemas.openxmlformats.org/presentationml/2006/main">
-  <p:cSld>
-    <p:spTree>
-      <p:nvGrpSpPr>
-        <p:cNvPr id="1" name=""/>
-        <p:cNvGrpSpPr/>
-        <p:nvPr/>
-      </p:nvGrpSpPr>
-      <p:grpSpPr>
-        <a:xfrm>
-          <a:off x="0" y="0"/>
-          <a:ext cx="0" cy="0"/>
-          <a:chOff x="0" y="0"/>
-          <a:chExt cx="0" cy="0"/>
-        </a:xfrm>
-      </p:grpSpPr>
-      <p:sp>
-        <p:nvSpPr>
-          <p:cNvPr id="4" name="Titre 3"/>
-          <p:cNvSpPr>
-            <a:spLocks noGrp="1"/>
-          </p:cNvSpPr>
-          <p:nvPr>
-            <p:ph type="ctrTitle"/>
-          </p:nvPr>
-        </p:nvSpPr>
-        <p:spPr/>
-        <p:txBody>
-          <a:bodyPr/>
-          <a:lstStyle/>
-          <a:p>
-            <a:r>
-              <a:rPr lang="fr-FR" b="1" dirty="0">
-                <a:solidFill>
-                  <a:srgbClr val="7030A0"/>
-                </a:solidFill>
-                <a:latin typeface="Arial" panose="020B0604020202020204" pitchFamily="34" charset="0"/>
-                <a:cs typeface="Arial" panose="020B0604020202020204" pitchFamily="34" charset="0"/>
-              </a:rPr>
-              <a:t>Partie 1 : Pourquoi s’intéresser à Python?</a:t>
-            </a:r>
-          </a:p>
-        </p:txBody>
-      </p:sp>
-    </p:spTree>
-    <p:extLst>
-      <p:ext uri="{BB962C8B-B14F-4D97-AF65-F5344CB8AC3E}">
-        <p14:creationId xmlns:p14="http://schemas.microsoft.com/office/powerpoint/2010/main" val="164285327"/>
-      </p:ext>
-    </p:extLst>
-  </p:cSld>
-  <p:clrMapOvr>
-    <a:masterClrMapping/>
-  </p:clrMapOvr>
-</p:sld>
-</file>
-
-<file path=ppt/slides/slide20.xml><?xml version="1.0" encoding="utf-8"?>
+<file path=ppt/slides/slide21.xml><?xml version="1.0" encoding="utf-8"?>
 <p:sld xmlns:a="http://schemas.openxmlformats.org/drawingml/2006/main" xmlns:r="http://schemas.openxmlformats.org/officeDocument/2006/relationships" xmlns:p="http://schemas.openxmlformats.org/presentationml/2006/main">
   <p:cSld>
     <p:spTree>
@@ -4828,182 +5062,6 @@
 </p:sld>
 </file>
 
-<file path=ppt/slides/slide21.xml><?xml version="1.0" encoding="utf-8"?>
-<p:sld xmlns:a="http://schemas.openxmlformats.org/drawingml/2006/main" xmlns:r="http://schemas.openxmlformats.org/officeDocument/2006/relationships" xmlns:p="http://schemas.openxmlformats.org/presentationml/2006/main">
-  <p:cSld>
-    <p:spTree>
-      <p:nvGrpSpPr>
-        <p:cNvPr id="1" name=""/>
-        <p:cNvGrpSpPr/>
-        <p:nvPr/>
-      </p:nvGrpSpPr>
-      <p:grpSpPr>
-        <a:xfrm>
-          <a:off x="0" y="0"/>
-          <a:ext cx="0" cy="0"/>
-          <a:chOff x="0" y="0"/>
-          <a:chExt cx="0" cy="0"/>
-        </a:xfrm>
-      </p:grpSpPr>
-      <p:sp>
-        <p:nvSpPr>
-          <p:cNvPr id="2" name="Titre 1"/>
-          <p:cNvSpPr>
-            <a:spLocks noGrp="1"/>
-          </p:cNvSpPr>
-          <p:nvPr>
-            <p:ph type="title"/>
-          </p:nvPr>
-        </p:nvSpPr>
-        <p:spPr/>
-        <p:txBody>
-          <a:bodyPr>
-            <a:normAutofit/>
-          </a:bodyPr>
-          <a:lstStyle/>
-          <a:p>
-            <a:r>
-              <a:rPr lang="fr-FR" sz="3200" b="1" dirty="0">
-                <a:latin typeface="Arial" panose="020B0604020202020204" pitchFamily="34" charset="0"/>
-                <a:cs typeface="Arial" panose="020B0604020202020204" pitchFamily="34" charset="0"/>
-              </a:rPr>
-              <a:t>Structures de données Pandas</a:t>
-            </a:r>
-          </a:p>
-        </p:txBody>
-      </p:sp>
-      <p:sp>
-        <p:nvSpPr>
-          <p:cNvPr id="3" name="Espace réservé du contenu 2"/>
-          <p:cNvSpPr>
-            <a:spLocks noGrp="1"/>
-          </p:cNvSpPr>
-          <p:nvPr>
-            <p:ph idx="1"/>
-          </p:nvPr>
-        </p:nvSpPr>
-        <p:spPr/>
-        <p:txBody>
-          <a:bodyPr/>
-          <a:lstStyle/>
-          <a:p>
-            <a:r>
-              <a:rPr lang="fr-FR" dirty="0">
-                <a:latin typeface="Arial" panose="020B0604020202020204" pitchFamily="34" charset="0"/>
-                <a:cs typeface="Arial" panose="020B0604020202020204" pitchFamily="34" charset="0"/>
-              </a:rPr>
-              <a:t>Séries </a:t>
-            </a:r>
-            <a:r>
-              <a:rPr lang="fr-FR" sz="2800" dirty="0">
-                <a:latin typeface="Arial" panose="020B0604020202020204" pitchFamily="34" charset="0"/>
-                <a:cs typeface="Arial" panose="020B0604020202020204" pitchFamily="34" charset="0"/>
-              </a:rPr>
-              <a:t>(dont statistiques de base : moyenne, écart type,…, </a:t>
-            </a:r>
-            <a:r>
-              <a:rPr lang="fr-FR" sz="2800" dirty="0">
-                <a:latin typeface="Arial" panose="020B0604020202020204" pitchFamily="34" charset="0"/>
-                <a:cs typeface="Arial" panose="020B0604020202020204" pitchFamily="34" charset="0"/>
-                <a:hlinkClick r:id="rId2"/>
-              </a:rPr>
-              <a:t>skewness</a:t>
-            </a:r>
-            <a:r>
-              <a:rPr lang="fr-FR" sz="2800" dirty="0">
-                <a:latin typeface="Arial" panose="020B0604020202020204" pitchFamily="34" charset="0"/>
-                <a:cs typeface="Arial" panose="020B0604020202020204" pitchFamily="34" charset="0"/>
-              </a:rPr>
-              <a:t>,  </a:t>
-            </a:r>
-            <a:r>
-              <a:rPr lang="fr-FR" sz="2800" dirty="0">
-                <a:latin typeface="Arial" panose="020B0604020202020204" pitchFamily="34" charset="0"/>
-                <a:cs typeface="Arial" panose="020B0604020202020204" pitchFamily="34" charset="0"/>
-                <a:hlinkClick r:id="rId3"/>
-              </a:rPr>
-              <a:t>kurtosis</a:t>
-            </a:r>
-            <a:r>
-              <a:rPr lang="fr-FR" sz="2800" dirty="0">
-                <a:latin typeface="Arial" panose="020B0604020202020204" pitchFamily="34" charset="0"/>
-                <a:cs typeface="Arial" panose="020B0604020202020204" pitchFamily="34" charset="0"/>
-              </a:rPr>
-              <a:t>)</a:t>
-            </a:r>
-          </a:p>
-          <a:p>
-            <a:r>
-              <a:rPr lang="fr-FR" dirty="0" err="1">
-                <a:latin typeface="Arial" panose="020B0604020202020204" pitchFamily="34" charset="0"/>
-                <a:cs typeface="Arial" panose="020B0604020202020204" pitchFamily="34" charset="0"/>
-              </a:rPr>
-              <a:t>Dataframe</a:t>
-            </a:r>
-            <a:endParaRPr lang="fr-FR" dirty="0">
-              <a:latin typeface="Arial" panose="020B0604020202020204" pitchFamily="34" charset="0"/>
-              <a:cs typeface="Arial" panose="020B0604020202020204" pitchFamily="34" charset="0"/>
-            </a:endParaRPr>
-          </a:p>
-          <a:p>
-            <a:pPr lvl="1"/>
-            <a:r>
-              <a:rPr lang="fr-FR" dirty="0">
-                <a:latin typeface="Arial" panose="020B0604020202020204" pitchFamily="34" charset="0"/>
-                <a:cs typeface="Arial" panose="020B0604020202020204" pitchFamily="34" charset="0"/>
-              </a:rPr>
-              <a:t>Création, </a:t>
-            </a:r>
-            <a:r>
-              <a:rPr lang="fr-FR" dirty="0" err="1">
-                <a:latin typeface="Arial" panose="020B0604020202020204" pitchFamily="34" charset="0"/>
-                <a:cs typeface="Arial" panose="020B0604020202020204" pitchFamily="34" charset="0"/>
-              </a:rPr>
-              <a:t>imports,exports</a:t>
-            </a:r>
-            <a:r>
-              <a:rPr lang="fr-FR" dirty="0">
-                <a:latin typeface="Arial" panose="020B0604020202020204" pitchFamily="34" charset="0"/>
-                <a:cs typeface="Arial" panose="020B0604020202020204" pitchFamily="34" charset="0"/>
-              </a:rPr>
-              <a:t>, sauvegarde</a:t>
-            </a:r>
-          </a:p>
-          <a:p>
-            <a:pPr lvl="1"/>
-            <a:r>
-              <a:rPr lang="fr-FR" dirty="0">
-                <a:latin typeface="Arial" panose="020B0604020202020204" pitchFamily="34" charset="0"/>
-                <a:cs typeface="Arial" panose="020B0604020202020204" pitchFamily="34" charset="0"/>
-              </a:rPr>
-              <a:t>Manipulation de données (sélections, mises à jour, jointure)</a:t>
-            </a:r>
-          </a:p>
-          <a:p>
-            <a:pPr lvl="1"/>
-            <a:r>
-              <a:rPr lang="fr-FR" dirty="0">
-                <a:latin typeface="Arial" panose="020B0604020202020204" pitchFamily="34" charset="0"/>
-                <a:cs typeface="Arial" panose="020B0604020202020204" pitchFamily="34" charset="0"/>
-              </a:rPr>
-              <a:t>Statistiques exploratoire</a:t>
-            </a:r>
-          </a:p>
-        </p:txBody>
-      </p:sp>
-    </p:spTree>
-    <p:extLst>
-      <p:ext uri="{BB962C8B-B14F-4D97-AF65-F5344CB8AC3E}">
-        <p14:creationId xmlns:p14="http://schemas.microsoft.com/office/powerpoint/2010/main" val="2711316839"/>
-      </p:ext>
-    </p:extLst>
-  </p:cSld>
-  <p:clrMapOvr>
-    <a:masterClrMapping/>
-  </p:clrMapOvr>
-</p:sld>
-</file>
-
 <file path=ppt/slides/slide22.xml><?xml version="1.0" encoding="utf-8"?>
 <p:sld xmlns:a="http://schemas.openxmlformats.org/drawingml/2006/main" xmlns:r="http://schemas.openxmlformats.org/officeDocument/2006/relationships" xmlns:p="http://schemas.openxmlformats.org/presentationml/2006/main">
   <p:cSld>
@@ -5033,36 +5091,144 @@
         </p:nvSpPr>
         <p:spPr/>
         <p:txBody>
+          <a:bodyPr>
+            <a:normAutofit/>
+          </a:bodyPr>
+          <a:lstStyle/>
+          <a:p>
+            <a:r>
+              <a:rPr lang="fr-FR" sz="3200" b="1" dirty="0">
+                <a:latin typeface="Arial" panose="020B0604020202020204" pitchFamily="34" charset="0"/>
+                <a:cs typeface="Arial" panose="020B0604020202020204" pitchFamily="34" charset="0"/>
+              </a:rPr>
+              <a:t>Structures de données Pandas</a:t>
+            </a:r>
+          </a:p>
+        </p:txBody>
+      </p:sp>
+      <p:sp>
+        <p:nvSpPr>
+          <p:cNvPr id="3" name="Espace réservé du contenu 2"/>
+          <p:cNvSpPr>
+            <a:spLocks noGrp="1"/>
+          </p:cNvSpPr>
+          <p:nvPr>
+            <p:ph idx="1"/>
+          </p:nvPr>
+        </p:nvSpPr>
+        <p:spPr/>
+        <p:txBody>
           <a:bodyPr/>
           <a:lstStyle/>
           <a:p>
-            <a:endParaRPr lang="fr-FR"/>
-          </a:p>
-        </p:txBody>
-      </p:sp>
-      <p:sp>
-        <p:nvSpPr>
-          <p:cNvPr id="3" name="Espace réservé du contenu 2"/>
-          <p:cNvSpPr>
-            <a:spLocks noGrp="1"/>
-          </p:cNvSpPr>
-          <p:nvPr>
-            <p:ph idx="1"/>
-          </p:nvPr>
-        </p:nvSpPr>
-        <p:spPr/>
-        <p:txBody>
-          <a:bodyPr/>
-          <a:lstStyle/>
-          <a:p>
-            <a:endParaRPr lang="fr-FR"/>
+            <a:r>
+              <a:rPr lang="fr-FR" dirty="0">
+                <a:latin typeface="Arial" panose="020B0604020202020204" pitchFamily="34" charset="0"/>
+                <a:cs typeface="Arial" panose="020B0604020202020204" pitchFamily="34" charset="0"/>
+              </a:rPr>
+              <a:t>Séries </a:t>
+            </a:r>
+            <a:r>
+              <a:rPr lang="fr-FR" sz="2800" dirty="0">
+                <a:latin typeface="Arial" panose="020B0604020202020204" pitchFamily="34" charset="0"/>
+                <a:cs typeface="Arial" panose="020B0604020202020204" pitchFamily="34" charset="0"/>
+              </a:rPr>
+              <a:t>(dont statistiques de base : moyenne, écart type,…, </a:t>
+            </a:r>
+            <a:r>
+              <a:rPr lang="fr-FR" sz="2800" dirty="0">
+                <a:latin typeface="Arial" panose="020B0604020202020204" pitchFamily="34" charset="0"/>
+                <a:cs typeface="Arial" panose="020B0604020202020204" pitchFamily="34" charset="0"/>
+                <a:hlinkClick r:id="rId2"/>
+              </a:rPr>
+              <a:t>skewness</a:t>
+            </a:r>
+            <a:r>
+              <a:rPr lang="fr-FR" sz="2800" dirty="0">
+                <a:latin typeface="Arial" panose="020B0604020202020204" pitchFamily="34" charset="0"/>
+                <a:cs typeface="Arial" panose="020B0604020202020204" pitchFamily="34" charset="0"/>
+              </a:rPr>
+              <a:t>,  </a:t>
+            </a:r>
+            <a:r>
+              <a:rPr lang="fr-FR" sz="2800" dirty="0">
+                <a:latin typeface="Arial" panose="020B0604020202020204" pitchFamily="34" charset="0"/>
+                <a:cs typeface="Arial" panose="020B0604020202020204" pitchFamily="34" charset="0"/>
+                <a:hlinkClick r:id="rId3"/>
+              </a:rPr>
+              <a:t>kurtosis</a:t>
+            </a:r>
+            <a:r>
+              <a:rPr lang="fr-FR" sz="2800" dirty="0">
+                <a:latin typeface="Arial" panose="020B0604020202020204" pitchFamily="34" charset="0"/>
+                <a:cs typeface="Arial" panose="020B0604020202020204" pitchFamily="34" charset="0"/>
+              </a:rPr>
+              <a:t>)</a:t>
+            </a:r>
+          </a:p>
+          <a:p>
+            <a:r>
+              <a:rPr lang="fr-FR" dirty="0" err="1">
+                <a:latin typeface="Arial" panose="020B0604020202020204" pitchFamily="34" charset="0"/>
+                <a:cs typeface="Arial" panose="020B0604020202020204" pitchFamily="34" charset="0"/>
+              </a:rPr>
+              <a:t>Dataframe</a:t>
+            </a:r>
+            <a:endParaRPr lang="fr-FR" dirty="0">
+              <a:latin typeface="Arial" panose="020B0604020202020204" pitchFamily="34" charset="0"/>
+              <a:cs typeface="Arial" panose="020B0604020202020204" pitchFamily="34" charset="0"/>
+            </a:endParaRPr>
+          </a:p>
+          <a:p>
+            <a:pPr lvl="1"/>
+            <a:r>
+              <a:rPr lang="fr-FR" dirty="0">
+                <a:latin typeface="Arial" panose="020B0604020202020204" pitchFamily="34" charset="0"/>
+                <a:cs typeface="Arial" panose="020B0604020202020204" pitchFamily="34" charset="0"/>
+              </a:rPr>
+              <a:t>Création, </a:t>
+            </a:r>
+            <a:r>
+              <a:rPr lang="fr-FR" dirty="0" err="1">
+                <a:latin typeface="Arial" panose="020B0604020202020204" pitchFamily="34" charset="0"/>
+                <a:cs typeface="Arial" panose="020B0604020202020204" pitchFamily="34" charset="0"/>
+              </a:rPr>
+              <a:t>imports,exports</a:t>
+            </a:r>
+            <a:r>
+              <a:rPr lang="fr-FR" dirty="0">
+                <a:latin typeface="Arial" panose="020B0604020202020204" pitchFamily="34" charset="0"/>
+                <a:cs typeface="Arial" panose="020B0604020202020204" pitchFamily="34" charset="0"/>
+              </a:rPr>
+              <a:t>, sauvegarde</a:t>
+            </a:r>
+          </a:p>
+          <a:p>
+            <a:pPr lvl="1"/>
+            <a:r>
+              <a:rPr lang="fr-FR" dirty="0">
+                <a:latin typeface="Arial" panose="020B0604020202020204" pitchFamily="34" charset="0"/>
+                <a:cs typeface="Arial" panose="020B0604020202020204" pitchFamily="34" charset="0"/>
+              </a:rPr>
+              <a:t>Manipulation de données (sélections, mises à jour, jointure)</a:t>
+            </a:r>
+          </a:p>
+          <a:p>
+            <a:pPr lvl="1"/>
+            <a:r>
+              <a:rPr lang="fr-FR" dirty="0">
+                <a:latin typeface="Arial" panose="020B0604020202020204" pitchFamily="34" charset="0"/>
+                <a:cs typeface="Arial" panose="020B0604020202020204" pitchFamily="34" charset="0"/>
+              </a:rPr>
+              <a:t>Statistiques exploratoire</a:t>
+            </a:r>
           </a:p>
         </p:txBody>
       </p:sp>
     </p:spTree>
     <p:extLst>
       <p:ext uri="{BB962C8B-B14F-4D97-AF65-F5344CB8AC3E}">
-        <p14:creationId xmlns:p14="http://schemas.microsoft.com/office/powerpoint/2010/main" val="224583685"/>
+        <p14:creationId xmlns:p14="http://schemas.microsoft.com/office/powerpoint/2010/main" val="2711316839"/>
       </p:ext>
     </p:extLst>
   </p:cSld>
@@ -5091,38 +5257,340 @@
       </p:grpSpPr>
       <p:sp>
         <p:nvSpPr>
-          <p:cNvPr id="4" name="Titre 3"/>
-          <p:cNvSpPr>
-            <a:spLocks noGrp="1"/>
-          </p:cNvSpPr>
-          <p:nvPr>
-            <p:ph type="ctrTitle"/>
-          </p:nvPr>
-        </p:nvSpPr>
-        <p:spPr/>
+          <p:cNvPr id="2" name="Titre 1"/>
+          <p:cNvSpPr>
+            <a:spLocks noGrp="1"/>
+          </p:cNvSpPr>
+          <p:nvPr>
+            <p:ph type="title"/>
+          </p:nvPr>
+        </p:nvSpPr>
+        <p:spPr>
+          <a:xfrm>
+            <a:off x="179512" y="274638"/>
+            <a:ext cx="8712968" cy="634082"/>
+          </a:xfrm>
+        </p:spPr>
         <p:txBody>
           <a:bodyPr>
-            <a:normAutofit/>
+            <a:noAutofit/>
           </a:bodyPr>
           <a:lstStyle/>
           <a:p>
-            <a:r>
-              <a:rPr lang="fr-FR" sz="3200" b="1" dirty="0">
-                <a:solidFill>
-                  <a:srgbClr val="7030A0"/>
-                </a:solidFill>
-                <a:latin typeface="Arial" panose="020B0604020202020204" pitchFamily="34" charset="0"/>
-                <a:cs typeface="Arial" panose="020B0604020202020204" pitchFamily="34" charset="0"/>
-              </a:rPr>
-              <a:t>Partie 4 : python pour le reste de la data science</a:t>
-            </a:r>
-          </a:p>
-        </p:txBody>
-      </p:sp>
+            <a:pPr lvl="1" algn="ctr" rtl="0">
+              <a:spcBef>
+                <a:spcPct val="0"/>
+              </a:spcBef>
+            </a:pPr>
+            <a:r>
+              <a:rPr lang="fr-FR" sz="3200" b="1" dirty="0" smtClean="0">
+                <a:latin typeface="Arial" panose="020B0604020202020204" pitchFamily="34" charset="0"/>
+                <a:cs typeface="Arial" panose="020B0604020202020204" pitchFamily="34" charset="0"/>
+              </a:rPr>
+              <a:t>Pandas </a:t>
+            </a:r>
+            <a:r>
+              <a:rPr lang="fr-FR" sz="3200" b="1" dirty="0" err="1" smtClean="0">
+                <a:latin typeface="Arial" panose="020B0604020202020204" pitchFamily="34" charset="0"/>
+                <a:cs typeface="Arial" panose="020B0604020202020204" pitchFamily="34" charset="0"/>
+              </a:rPr>
+              <a:t>dataframe</a:t>
+            </a:r>
+            <a:r>
+              <a:rPr lang="fr-FR" sz="3200" b="1" dirty="0" smtClean="0">
+                <a:latin typeface="Arial" panose="020B0604020202020204" pitchFamily="34" charset="0"/>
+                <a:cs typeface="Arial" panose="020B0604020202020204" pitchFamily="34" charset="0"/>
+              </a:rPr>
+              <a:t> imports</a:t>
+            </a:r>
+            <a:endParaRPr lang="fr-FR" sz="3200" b="1" dirty="0">
+              <a:latin typeface="Arial" panose="020B0604020202020204" pitchFamily="34" charset="0"/>
+              <a:cs typeface="Arial" panose="020B0604020202020204" pitchFamily="34" charset="0"/>
+            </a:endParaRPr>
+          </a:p>
+        </p:txBody>
+      </p:sp>
+      <p:sp>
+        <p:nvSpPr>
+          <p:cNvPr id="3" name="Espace réservé du contenu 2"/>
+          <p:cNvSpPr>
+            <a:spLocks noGrp="1"/>
+          </p:cNvSpPr>
+          <p:nvPr>
+            <p:ph idx="1"/>
+          </p:nvPr>
+        </p:nvSpPr>
+        <p:spPr>
+          <a:xfrm>
+            <a:off x="457200" y="908720"/>
+            <a:ext cx="8686800" cy="5832648"/>
+          </a:xfrm>
+        </p:spPr>
+        <p:txBody>
+          <a:bodyPr>
+            <a:normAutofit lnSpcReduction="10000"/>
+          </a:bodyPr>
+          <a:lstStyle/>
+          <a:p>
+            <a:r>
+              <a:rPr lang="fr-FR" sz="2800" dirty="0" smtClean="0">
+                <a:latin typeface="Arial" panose="020B0604020202020204" pitchFamily="34" charset="0"/>
+                <a:cs typeface="Arial" panose="020B0604020202020204" pitchFamily="34" charset="0"/>
+              </a:rPr>
+              <a:t>Spécifier le type de </a:t>
+            </a:r>
+            <a:r>
+              <a:rPr lang="fr-FR" sz="2800" dirty="0">
+                <a:latin typeface="Arial" panose="020B0604020202020204" pitchFamily="34" charset="0"/>
+                <a:cs typeface="Arial" panose="020B0604020202020204" pitchFamily="34" charset="0"/>
+              </a:rPr>
+              <a:t>chaque colonne </a:t>
+            </a:r>
+            <a:r>
+              <a:rPr lang="fr-FR" sz="2800" dirty="0" smtClean="0">
+                <a:latin typeface="Arial" panose="020B0604020202020204" pitchFamily="34" charset="0"/>
+                <a:cs typeface="Arial" panose="020B0604020202020204" pitchFamily="34" charset="0"/>
+              </a:rPr>
+              <a:t>(attribut </a:t>
+            </a:r>
+            <a:r>
+              <a:rPr lang="fr-FR" sz="2800" dirty="0" err="1" smtClean="0">
+                <a:latin typeface="Arial" panose="020B0604020202020204" pitchFamily="34" charset="0"/>
+                <a:cs typeface="Arial" panose="020B0604020202020204" pitchFamily="34" charset="0"/>
+              </a:rPr>
+              <a:t>dtype</a:t>
+            </a:r>
+            <a:r>
+              <a:rPr lang="fr-FR" sz="2800" dirty="0" smtClean="0">
+                <a:latin typeface="Arial" panose="020B0604020202020204" pitchFamily="34" charset="0"/>
+                <a:cs typeface="Arial" panose="020B0604020202020204" pitchFamily="34" charset="0"/>
+              </a:rPr>
+              <a:t>)</a:t>
+            </a:r>
+            <a:endParaRPr lang="fr-FR" sz="2800" dirty="0">
+              <a:latin typeface="Arial" panose="020B0604020202020204" pitchFamily="34" charset="0"/>
+              <a:cs typeface="Arial" panose="020B0604020202020204" pitchFamily="34" charset="0"/>
+            </a:endParaRPr>
+          </a:p>
+          <a:p>
+            <a:r>
+              <a:rPr lang="fr-FR" sz="2800" dirty="0" smtClean="0">
+                <a:latin typeface="Arial" panose="020B0604020202020204" pitchFamily="34" charset="0"/>
+                <a:cs typeface="Arial" panose="020B0604020202020204" pitchFamily="34" charset="0"/>
+              </a:rPr>
+              <a:t>Voir le résultat de la fonction info() sur le </a:t>
+            </a:r>
+            <a:r>
+              <a:rPr lang="fr-FR" sz="2800" dirty="0" err="1" smtClean="0">
+                <a:latin typeface="Arial" panose="020B0604020202020204" pitchFamily="34" charset="0"/>
+                <a:cs typeface="Arial" panose="020B0604020202020204" pitchFamily="34" charset="0"/>
+              </a:rPr>
+              <a:t>dataframe</a:t>
+            </a:r>
+            <a:r>
+              <a:rPr lang="fr-FR" sz="2800" dirty="0" smtClean="0">
+                <a:latin typeface="Arial" panose="020B0604020202020204" pitchFamily="34" charset="0"/>
+                <a:cs typeface="Arial" panose="020B0604020202020204" pitchFamily="34" charset="0"/>
+              </a:rPr>
+              <a:t> pour voir le type des données</a:t>
+            </a:r>
+          </a:p>
+          <a:p>
+            <a:endParaRPr lang="fr-FR" sz="2800" dirty="0">
+              <a:latin typeface="Arial" panose="020B0604020202020204" pitchFamily="34" charset="0"/>
+              <a:cs typeface="Arial" panose="020B0604020202020204" pitchFamily="34" charset="0"/>
+            </a:endParaRPr>
+          </a:p>
+          <a:p>
+            <a:endParaRPr lang="fr-FR" sz="2800" dirty="0" smtClean="0">
+              <a:latin typeface="Arial" panose="020B0604020202020204" pitchFamily="34" charset="0"/>
+              <a:cs typeface="Arial" panose="020B0604020202020204" pitchFamily="34" charset="0"/>
+            </a:endParaRPr>
+          </a:p>
+          <a:p>
+            <a:endParaRPr lang="fr-FR" sz="2800" dirty="0" smtClean="0">
+              <a:latin typeface="Arial" panose="020B0604020202020204" pitchFamily="34" charset="0"/>
+              <a:cs typeface="Arial" panose="020B0604020202020204" pitchFamily="34" charset="0"/>
+            </a:endParaRPr>
+          </a:p>
+          <a:p>
+            <a:endParaRPr lang="fr-FR" sz="2800" dirty="0">
+              <a:latin typeface="Arial" panose="020B0604020202020204" pitchFamily="34" charset="0"/>
+              <a:cs typeface="Arial" panose="020B0604020202020204" pitchFamily="34" charset="0"/>
+            </a:endParaRPr>
+          </a:p>
+          <a:p>
+            <a:pPr marL="0" indent="0">
+              <a:buNone/>
+            </a:pPr>
+            <a:endParaRPr lang="fr-FR" sz="2800" dirty="0">
+              <a:latin typeface="Arial" panose="020B0604020202020204" pitchFamily="34" charset="0"/>
+              <a:cs typeface="Arial" panose="020B0604020202020204" pitchFamily="34" charset="0"/>
+            </a:endParaRPr>
+          </a:p>
+          <a:p>
+            <a:r>
+              <a:rPr lang="fr-FR" sz="2800" dirty="0" smtClean="0">
+                <a:latin typeface="Arial" panose="020B0604020202020204" pitchFamily="34" charset="0"/>
+                <a:cs typeface="Arial" panose="020B0604020202020204" pitchFamily="34" charset="0"/>
+              </a:rPr>
+              <a:t>Effectuer les conversions de type nécessaires</a:t>
+            </a:r>
+          </a:p>
+          <a:p>
+            <a:pPr lvl="1"/>
+            <a:r>
+              <a:rPr lang="fr-FR" sz="2400" dirty="0" smtClean="0">
+                <a:latin typeface="Arial" panose="020B0604020202020204" pitchFamily="34" charset="0"/>
+                <a:cs typeface="Arial" panose="020B0604020202020204" pitchFamily="34" charset="0"/>
+              </a:rPr>
+              <a:t>Fonction </a:t>
+            </a:r>
+            <a:r>
+              <a:rPr lang="fr-FR" sz="2400" dirty="0" err="1" smtClean="0">
+                <a:latin typeface="Arial" panose="020B0604020202020204" pitchFamily="34" charset="0"/>
+                <a:cs typeface="Arial" panose="020B0604020202020204" pitchFamily="34" charset="0"/>
+              </a:rPr>
+              <a:t>astype</a:t>
+            </a:r>
+            <a:r>
+              <a:rPr lang="fr-FR" sz="2400" dirty="0" smtClean="0">
+                <a:latin typeface="Arial" panose="020B0604020202020204" pitchFamily="34" charset="0"/>
+                <a:cs typeface="Arial" panose="020B0604020202020204" pitchFamily="34" charset="0"/>
+              </a:rPr>
+              <a:t>()</a:t>
+            </a:r>
+          </a:p>
+          <a:p>
+            <a:pPr lvl="1"/>
+            <a:r>
+              <a:rPr lang="fr-FR" sz="2400" dirty="0" smtClean="0">
+                <a:latin typeface="Arial" panose="020B0604020202020204" pitchFamily="34" charset="0"/>
+                <a:cs typeface="Arial" panose="020B0604020202020204" pitchFamily="34" charset="0"/>
+              </a:rPr>
+              <a:t>Si nécessaire écrire une fonction ad hoc de conversion</a:t>
+            </a:r>
+          </a:p>
+          <a:p>
+            <a:pPr lvl="1"/>
+            <a:r>
+              <a:rPr lang="fr-FR" sz="2400" dirty="0" smtClean="0">
+                <a:latin typeface="Arial" panose="020B0604020202020204" pitchFamily="34" charset="0"/>
+                <a:cs typeface="Arial" panose="020B0604020202020204" pitchFamily="34" charset="0"/>
+              </a:rPr>
+              <a:t>Fonctions </a:t>
+            </a:r>
+            <a:r>
+              <a:rPr lang="fr-FR" sz="2400" dirty="0" err="1">
+                <a:latin typeface="Arial" panose="020B0604020202020204" pitchFamily="34" charset="0"/>
+                <a:cs typeface="Arial" panose="020B0604020202020204" pitchFamily="34" charset="0"/>
+              </a:rPr>
+              <a:t>to_numeric</a:t>
+            </a:r>
+            <a:r>
+              <a:rPr lang="fr-FR" sz="2400" dirty="0">
+                <a:latin typeface="Arial" panose="020B0604020202020204" pitchFamily="34" charset="0"/>
+                <a:cs typeface="Arial" panose="020B0604020202020204" pitchFamily="34" charset="0"/>
+              </a:rPr>
+              <a:t>()</a:t>
+            </a:r>
+            <a:r>
+              <a:rPr lang="fr-FR" sz="2400" dirty="0">
+                <a:latin typeface="Arial" panose="020B0604020202020204" pitchFamily="34" charset="0"/>
+                <a:cs typeface="Arial" panose="020B0604020202020204" pitchFamily="34" charset="0"/>
+              </a:rPr>
+              <a:t> </a:t>
+            </a:r>
+            <a:r>
+              <a:rPr lang="fr-FR" sz="2400" dirty="0" smtClean="0">
+                <a:latin typeface="Arial" panose="020B0604020202020204" pitchFamily="34" charset="0"/>
+                <a:cs typeface="Arial" panose="020B0604020202020204" pitchFamily="34" charset="0"/>
+              </a:rPr>
+              <a:t>et </a:t>
+            </a:r>
+            <a:r>
+              <a:rPr lang="fr-FR" sz="2400" dirty="0" err="1" smtClean="0">
+                <a:latin typeface="Arial" panose="020B0604020202020204" pitchFamily="34" charset="0"/>
+                <a:cs typeface="Arial" panose="020B0604020202020204" pitchFamily="34" charset="0"/>
+              </a:rPr>
+              <a:t>to_datetime</a:t>
+            </a:r>
+            <a:r>
+              <a:rPr lang="fr-FR" sz="2400" dirty="0">
+                <a:latin typeface="Arial" panose="020B0604020202020204" pitchFamily="34" charset="0"/>
+                <a:cs typeface="Arial" panose="020B0604020202020204" pitchFamily="34" charset="0"/>
+              </a:rPr>
+              <a:t>()</a:t>
+            </a:r>
+            <a:endParaRPr lang="fr-FR" sz="2400" dirty="0" smtClean="0">
+              <a:latin typeface="Arial" panose="020B0604020202020204" pitchFamily="34" charset="0"/>
+              <a:cs typeface="Arial" panose="020B0604020202020204" pitchFamily="34" charset="0"/>
+            </a:endParaRPr>
+          </a:p>
+          <a:p>
+            <a:endParaRPr lang="fr-FR" sz="2800" dirty="0" smtClean="0">
+              <a:latin typeface="Arial" panose="020B0604020202020204" pitchFamily="34" charset="0"/>
+              <a:cs typeface="Arial" panose="020B0604020202020204" pitchFamily="34" charset="0"/>
+            </a:endParaRPr>
+          </a:p>
+          <a:p>
+            <a:pPr lvl="1"/>
+            <a:endParaRPr lang="fr-FR" dirty="0"/>
+          </a:p>
+          <a:p>
+            <a:pPr lvl="1"/>
+            <a:endParaRPr lang="fr-FR" dirty="0" smtClean="0"/>
+          </a:p>
+          <a:p>
+            <a:pPr lvl="1"/>
+            <a:endParaRPr lang="fr-FR" dirty="0"/>
+          </a:p>
+          <a:p>
+            <a:pPr lvl="1"/>
+            <a:endParaRPr lang="fr-FR" dirty="0" smtClean="0"/>
+          </a:p>
+          <a:p>
+            <a:pPr marL="457200" lvl="1" indent="0">
+              <a:buNone/>
+            </a:pPr>
+            <a:endParaRPr lang="fr-FR" dirty="0" smtClean="0"/>
+          </a:p>
+        </p:txBody>
+      </p:sp>
+      <p:pic>
+        <p:nvPicPr>
+          <p:cNvPr id="5" name="Image 4"/>
+          <p:cNvPicPr>
+            <a:picLocks noChangeAspect="1"/>
+          </p:cNvPicPr>
+          <p:nvPr/>
+        </p:nvPicPr>
+        <p:blipFill>
+          <a:blip r:embed="rId2">
+            <a:extLst>
+              <a:ext uri="{28A0092B-C50C-407E-A947-70E740481C1C}">
+                <a14:useLocalDpi xmlns:a14="http://schemas.microsoft.com/office/drawing/2010/main" val="0"/>
+              </a:ext>
+            </a:extLst>
+          </a:blip>
+          <a:stretch>
+            <a:fillRect/>
+          </a:stretch>
+        </p:blipFill>
+        <p:spPr>
+          <a:xfrm>
+            <a:off x="786733" y="1844824"/>
+            <a:ext cx="7200000" cy="2569749"/>
+          </a:xfrm>
+          <a:prstGeom prst="rect">
+            <a:avLst/>
+          </a:prstGeom>
+        </p:spPr>
+      </p:pic>
     </p:spTree>
     <p:extLst>
       <p:ext uri="{BB962C8B-B14F-4D97-AF65-F5344CB8AC3E}">
-        <p14:creationId xmlns:p14="http://schemas.microsoft.com/office/powerpoint/2010/main" val="242445764"/>
+        <p14:creationId xmlns:p14="http://schemas.microsoft.com/office/powerpoint/2010/main" val="2142660918"/>
       </p:ext>
     </p:extLst>
   </p:cSld>
@@ -5161,10 +5629,22 @@
         </p:nvSpPr>
         <p:spPr/>
         <p:txBody>
-          <a:bodyPr/>
-          <a:lstStyle/>
-          <a:p>
-            <a:endParaRPr lang="fr-FR"/>
+          <a:bodyPr>
+            <a:normAutofit/>
+          </a:bodyPr>
+          <a:lstStyle/>
+          <a:p>
+            <a:r>
+              <a:rPr lang="fr-FR" sz="3200" b="1" dirty="0" smtClean="0">
+                <a:latin typeface="Arial" panose="020B0604020202020204" pitchFamily="34" charset="0"/>
+                <a:cs typeface="Arial" panose="020B0604020202020204" pitchFamily="34" charset="0"/>
+              </a:rPr>
+              <a:t>Traitement des valeurs manquantes : contexte</a:t>
+            </a:r>
+            <a:endParaRPr lang="fr-FR" sz="3200" b="1" dirty="0">
+              <a:latin typeface="Arial" panose="020B0604020202020204" pitchFamily="34" charset="0"/>
+              <a:cs typeface="Arial" panose="020B0604020202020204" pitchFamily="34" charset="0"/>
+            </a:endParaRPr>
           </a:p>
         </p:txBody>
       </p:sp>
@@ -5178,19 +5658,225 @@
             <p:ph idx="1"/>
           </p:nvPr>
         </p:nvSpPr>
-        <p:spPr/>
-        <p:txBody>
-          <a:bodyPr/>
-          <a:lstStyle/>
-          <a:p>
-            <a:endParaRPr lang="fr-FR"/>
+        <p:spPr>
+          <a:xfrm>
+            <a:off x="457200" y="1412776"/>
+            <a:ext cx="8229600" cy="5328592"/>
+          </a:xfrm>
+        </p:spPr>
+        <p:txBody>
+          <a:bodyPr>
+            <a:normAutofit fontScale="92500"/>
+          </a:bodyPr>
+          <a:lstStyle/>
+          <a:p>
+            <a:r>
+              <a:rPr lang="en-US" sz="3000" b="1" dirty="0" smtClean="0">
+                <a:latin typeface="Arial" panose="020B0604020202020204" pitchFamily="34" charset="0"/>
+                <a:cs typeface="Arial" panose="020B0604020202020204" pitchFamily="34" charset="0"/>
+              </a:rPr>
+              <a:t>Missing </a:t>
+            </a:r>
+            <a:r>
+              <a:rPr lang="en-US" sz="3000" b="1" dirty="0">
+                <a:latin typeface="Arial" panose="020B0604020202020204" pitchFamily="34" charset="0"/>
+                <a:cs typeface="Arial" panose="020B0604020202020204" pitchFamily="34" charset="0"/>
+              </a:rPr>
+              <a:t>completely at random (MCAR</a:t>
+            </a:r>
+            <a:r>
+              <a:rPr lang="en-US" sz="3000" b="1" dirty="0" smtClean="0">
+                <a:latin typeface="Arial" panose="020B0604020202020204" pitchFamily="34" charset="0"/>
+                <a:cs typeface="Arial" panose="020B0604020202020204" pitchFamily="34" charset="0"/>
+              </a:rPr>
+              <a:t>) </a:t>
+            </a:r>
+            <a:endParaRPr lang="fr-FR" sz="3000" b="1" dirty="0" smtClean="0">
+              <a:latin typeface="Arial" panose="020B0604020202020204" pitchFamily="34" charset="0"/>
+              <a:cs typeface="Arial" panose="020B0604020202020204" pitchFamily="34" charset="0"/>
+            </a:endParaRPr>
+          </a:p>
+          <a:p>
+            <a:pPr marL="0" indent="0">
+              <a:buNone/>
+            </a:pPr>
+            <a:r>
+              <a:rPr lang="fr-FR" sz="3000" dirty="0" smtClean="0">
+                <a:latin typeface="Arial" panose="020B0604020202020204" pitchFamily="34" charset="0"/>
+                <a:cs typeface="Arial" panose="020B0604020202020204" pitchFamily="34" charset="0"/>
+              </a:rPr>
+              <a:t>probabilité </a:t>
+            </a:r>
+            <a:r>
+              <a:rPr lang="fr-FR" sz="3000" dirty="0">
+                <a:latin typeface="Arial" panose="020B0604020202020204" pitchFamily="34" charset="0"/>
+                <a:cs typeface="Arial" panose="020B0604020202020204" pitchFamily="34" charset="0"/>
+              </a:rPr>
+              <a:t>d’absence de la valeur d’une variable </a:t>
+            </a:r>
+            <a:r>
+              <a:rPr lang="fr-FR" sz="3000" dirty="0" smtClean="0">
+                <a:latin typeface="Arial" panose="020B0604020202020204" pitchFamily="34" charset="0"/>
+                <a:cs typeface="Arial" panose="020B0604020202020204" pitchFamily="34" charset="0"/>
+              </a:rPr>
+              <a:t>indépendant des valeurs des variables observées comme inobservées</a:t>
+            </a:r>
+            <a:endParaRPr lang="en-US" sz="3000" dirty="0">
+              <a:latin typeface="Arial" panose="020B0604020202020204" pitchFamily="34" charset="0"/>
+              <a:cs typeface="Arial" panose="020B0604020202020204" pitchFamily="34" charset="0"/>
+            </a:endParaRPr>
+          </a:p>
+          <a:p>
+            <a:r>
+              <a:rPr lang="fr-FR" sz="3000" b="1" dirty="0" err="1" smtClean="0">
+                <a:latin typeface="Arial" panose="020B0604020202020204" pitchFamily="34" charset="0"/>
+                <a:cs typeface="Arial" panose="020B0604020202020204" pitchFamily="34" charset="0"/>
+              </a:rPr>
+              <a:t>Missing</a:t>
+            </a:r>
+            <a:r>
+              <a:rPr lang="fr-FR" sz="3000" b="1" dirty="0" smtClean="0">
+                <a:latin typeface="Arial" panose="020B0604020202020204" pitchFamily="34" charset="0"/>
+                <a:cs typeface="Arial" panose="020B0604020202020204" pitchFamily="34" charset="0"/>
+              </a:rPr>
+              <a:t> </a:t>
+            </a:r>
+            <a:r>
+              <a:rPr lang="fr-FR" sz="3000" b="1" dirty="0">
+                <a:latin typeface="Arial" panose="020B0604020202020204" pitchFamily="34" charset="0"/>
+                <a:cs typeface="Arial" panose="020B0604020202020204" pitchFamily="34" charset="0"/>
+              </a:rPr>
+              <a:t>at </a:t>
+            </a:r>
+            <a:r>
+              <a:rPr lang="fr-FR" sz="3000" b="1" dirty="0" err="1">
+                <a:latin typeface="Arial" panose="020B0604020202020204" pitchFamily="34" charset="0"/>
+                <a:cs typeface="Arial" panose="020B0604020202020204" pitchFamily="34" charset="0"/>
+              </a:rPr>
+              <a:t>random</a:t>
+            </a:r>
+            <a:r>
+              <a:rPr lang="fr-FR" sz="3000" b="1" dirty="0">
+                <a:latin typeface="Arial" panose="020B0604020202020204" pitchFamily="34" charset="0"/>
+                <a:cs typeface="Arial" panose="020B0604020202020204" pitchFamily="34" charset="0"/>
+              </a:rPr>
+              <a:t> (MAR</a:t>
+            </a:r>
+            <a:r>
+              <a:rPr lang="fr-FR" sz="3000" b="1" dirty="0" smtClean="0">
+                <a:latin typeface="Arial" panose="020B0604020202020204" pitchFamily="34" charset="0"/>
+                <a:cs typeface="Arial" panose="020B0604020202020204" pitchFamily="34" charset="0"/>
+              </a:rPr>
+              <a:t>) </a:t>
+            </a:r>
+          </a:p>
+          <a:p>
+            <a:pPr marL="0" indent="0">
+              <a:buNone/>
+            </a:pPr>
+            <a:r>
+              <a:rPr lang="fr-FR" sz="3000" dirty="0" smtClean="0">
+                <a:latin typeface="Arial" panose="020B0604020202020204" pitchFamily="34" charset="0"/>
+                <a:cs typeface="Arial" panose="020B0604020202020204" pitchFamily="34" charset="0"/>
+              </a:rPr>
+              <a:t>probabilité </a:t>
+            </a:r>
+            <a:r>
+              <a:rPr lang="fr-FR" sz="3000" dirty="0">
+                <a:latin typeface="Arial" panose="020B0604020202020204" pitchFamily="34" charset="0"/>
+                <a:cs typeface="Arial" panose="020B0604020202020204" pitchFamily="34" charset="0"/>
+              </a:rPr>
+              <a:t>d’absence de la valeur d’une variable dépend des valeurs prises par d’autres variables qui ont été </a:t>
+            </a:r>
+            <a:r>
+              <a:rPr lang="fr-FR" sz="3000" dirty="0" smtClean="0">
+                <a:latin typeface="Arial" panose="020B0604020202020204" pitchFamily="34" charset="0"/>
+                <a:cs typeface="Arial" panose="020B0604020202020204" pitchFamily="34" charset="0"/>
+              </a:rPr>
+              <a:t>observées.</a:t>
+            </a:r>
+          </a:p>
+          <a:p>
+            <a:r>
+              <a:rPr lang="fr-FR" sz="3000" b="1" dirty="0" smtClean="0">
+                <a:latin typeface="Arial" panose="020B0604020202020204" pitchFamily="34" charset="0"/>
+                <a:cs typeface="Arial" panose="020B0604020202020204" pitchFamily="34" charset="0"/>
+              </a:rPr>
+              <a:t>Not </a:t>
+            </a:r>
+            <a:r>
+              <a:rPr lang="fr-FR" sz="3000" b="1" dirty="0" err="1">
+                <a:latin typeface="Arial" panose="020B0604020202020204" pitchFamily="34" charset="0"/>
+                <a:cs typeface="Arial" panose="020B0604020202020204" pitchFamily="34" charset="0"/>
+              </a:rPr>
+              <a:t>missing</a:t>
+            </a:r>
+            <a:r>
+              <a:rPr lang="fr-FR" sz="3000" b="1" dirty="0">
+                <a:latin typeface="Arial" panose="020B0604020202020204" pitchFamily="34" charset="0"/>
+                <a:cs typeface="Arial" panose="020B0604020202020204" pitchFamily="34" charset="0"/>
+              </a:rPr>
+              <a:t> at </a:t>
+            </a:r>
+            <a:r>
+              <a:rPr lang="fr-FR" sz="3000" b="1" dirty="0" err="1">
+                <a:latin typeface="Arial" panose="020B0604020202020204" pitchFamily="34" charset="0"/>
+                <a:cs typeface="Arial" panose="020B0604020202020204" pitchFamily="34" charset="0"/>
+              </a:rPr>
+              <a:t>random</a:t>
+            </a:r>
+            <a:r>
+              <a:rPr lang="fr-FR" sz="3000" b="1" dirty="0">
+                <a:latin typeface="Arial" panose="020B0604020202020204" pitchFamily="34" charset="0"/>
+                <a:cs typeface="Arial" panose="020B0604020202020204" pitchFamily="34" charset="0"/>
+              </a:rPr>
+              <a:t> (NMAR</a:t>
+            </a:r>
+            <a:r>
+              <a:rPr lang="fr-FR" sz="3000" b="1" dirty="0" smtClean="0">
+                <a:latin typeface="Arial" panose="020B0604020202020204" pitchFamily="34" charset="0"/>
+                <a:cs typeface="Arial" panose="020B0604020202020204" pitchFamily="34" charset="0"/>
+              </a:rPr>
+              <a:t>) </a:t>
+            </a:r>
+          </a:p>
+          <a:p>
+            <a:pPr marL="0" indent="0">
+              <a:buNone/>
+            </a:pPr>
+            <a:r>
+              <a:rPr lang="fr-FR" sz="3000" dirty="0" smtClean="0">
+                <a:latin typeface="Arial" panose="020B0604020202020204" pitchFamily="34" charset="0"/>
+                <a:cs typeface="Arial" panose="020B0604020202020204" pitchFamily="34" charset="0"/>
+              </a:rPr>
+              <a:t>probabilité </a:t>
+            </a:r>
+            <a:r>
+              <a:rPr lang="fr-FR" sz="3000" dirty="0">
+                <a:latin typeface="Arial" panose="020B0604020202020204" pitchFamily="34" charset="0"/>
+                <a:cs typeface="Arial" panose="020B0604020202020204" pitchFamily="34" charset="0"/>
+              </a:rPr>
+              <a:t>d’absence de la valeur d’une variable dépend de variables qui n’ont pas été observées</a:t>
+            </a:r>
+          </a:p>
+          <a:p>
+            <a:pPr marL="457200" lvl="1" indent="0">
+              <a:buNone/>
+            </a:pPr>
+            <a:endParaRPr lang="fr-FR" dirty="0" smtClean="0"/>
+          </a:p>
+          <a:p>
+            <a:pPr marL="0" indent="0">
+              <a:buNone/>
+            </a:pPr>
+            <a:endParaRPr lang="fr-FR" dirty="0"/>
           </a:p>
         </p:txBody>
       </p:sp>
     </p:spTree>
     <p:extLst>
       <p:ext uri="{BB962C8B-B14F-4D97-AF65-F5344CB8AC3E}">
-        <p14:creationId xmlns:p14="http://schemas.microsoft.com/office/powerpoint/2010/main" val="3573502302"/>
+        <p14:creationId xmlns:p14="http://schemas.microsoft.com/office/powerpoint/2010/main" val="1499606524"/>
       </p:ext>
     </p:extLst>
   </p:cSld>
@@ -5219,42 +5905,47 @@
       </p:grpSpPr>
       <p:sp>
         <p:nvSpPr>
-          <p:cNvPr id="4" name="Titre 3"/>
-          <p:cNvSpPr>
-            <a:spLocks noGrp="1"/>
-          </p:cNvSpPr>
-          <p:nvPr>
-            <p:ph type="ctrTitle"/>
+          <p:cNvPr id="2" name="Titre 1"/>
+          <p:cNvSpPr>
+            <a:spLocks noGrp="1"/>
+          </p:cNvSpPr>
+          <p:nvPr>
+            <p:ph type="title"/>
           </p:nvPr>
         </p:nvSpPr>
         <p:spPr/>
         <p:txBody>
           <a:bodyPr>
-            <a:normAutofit/>
+            <a:normAutofit fontScale="90000"/>
           </a:bodyPr>
           <a:lstStyle/>
           <a:p>
             <a:r>
-              <a:rPr lang="fr-FR" sz="3200" b="1" dirty="0">
-                <a:solidFill>
-                  <a:srgbClr val="7030A0"/>
-                </a:solidFill>
-                <a:latin typeface="Arial" panose="020B0604020202020204" pitchFamily="34" charset="0"/>
-                <a:cs typeface="Arial" panose="020B0604020202020204" pitchFamily="34" charset="0"/>
-              </a:rPr>
-              <a:t>Partie 5 : sujets transverses</a:t>
-            </a:r>
-          </a:p>
-        </p:txBody>
-      </p:sp>
-      <p:sp>
-        <p:nvSpPr>
-          <p:cNvPr id="5" name="Sous-titre 4"/>
-          <p:cNvSpPr>
-            <a:spLocks noGrp="1"/>
-          </p:cNvSpPr>
-          <p:nvPr>
-            <p:ph type="subTitle" idx="1"/>
+              <a:rPr lang="fr-FR" b="1" dirty="0">
+                <a:latin typeface="Arial" panose="020B0604020202020204" pitchFamily="34" charset="0"/>
+                <a:cs typeface="Arial" panose="020B0604020202020204" pitchFamily="34" charset="0"/>
+              </a:rPr>
+              <a:t>Traitement des valeurs manquantes </a:t>
+            </a:r>
+            <a:r>
+              <a:rPr lang="fr-FR" b="1" dirty="0" smtClean="0">
+                <a:latin typeface="Arial" panose="020B0604020202020204" pitchFamily="34" charset="0"/>
+                <a:cs typeface="Arial" panose="020B0604020202020204" pitchFamily="34" charset="0"/>
+              </a:rPr>
+              <a:t>: solutions</a:t>
+            </a:r>
+            <a:endParaRPr lang="fr-FR" dirty="0"/>
+          </a:p>
+        </p:txBody>
+      </p:sp>
+      <p:sp>
+        <p:nvSpPr>
+          <p:cNvPr id="3" name="Espace réservé du contenu 2"/>
+          <p:cNvSpPr>
+            <a:spLocks noGrp="1"/>
+          </p:cNvSpPr>
+          <p:nvPr>
+            <p:ph idx="1"/>
           </p:nvPr>
         </p:nvSpPr>
         <p:spPr/>
@@ -5262,14 +5953,92 @@
           <a:bodyPr/>
           <a:lstStyle/>
           <a:p>
-            <a:endParaRPr lang="fr-FR"/>
+            <a:r>
+              <a:rPr lang="fr-FR" dirty="0" smtClean="0"/>
+              <a:t>Méthodes « basiques »</a:t>
+            </a:r>
+          </a:p>
+          <a:p>
+            <a:pPr lvl="1"/>
+            <a:r>
+              <a:rPr lang="fr-FR" dirty="0" smtClean="0"/>
+              <a:t>Imputation par </a:t>
+            </a:r>
+            <a:r>
+              <a:rPr lang="fr-FR" dirty="0"/>
+              <a:t>la </a:t>
+            </a:r>
+            <a:r>
+              <a:rPr lang="fr-FR" dirty="0" smtClean="0"/>
+              <a:t>moyenne ou la médiane</a:t>
+            </a:r>
+          </a:p>
+          <a:p>
+            <a:pPr lvl="1"/>
+            <a:r>
+              <a:rPr lang="fr-FR" dirty="0" smtClean="0"/>
+              <a:t>Imputation </a:t>
+            </a:r>
+            <a:r>
+              <a:rPr lang="fr-FR" dirty="0"/>
+              <a:t>par </a:t>
+            </a:r>
+            <a:r>
+              <a:rPr lang="fr-FR" dirty="0" smtClean="0"/>
+              <a:t>la valeur la plus fréquente </a:t>
+            </a:r>
+          </a:p>
+          <a:p>
+            <a:pPr lvl="1"/>
+            <a:r>
+              <a:rPr lang="fr-FR" dirty="0" smtClean="0"/>
+              <a:t>Imputation par interpolation linéaire</a:t>
+            </a:r>
+          </a:p>
+          <a:p>
+            <a:r>
+              <a:rPr lang="fr-FR" dirty="0" smtClean="0"/>
+              <a:t>Méthodes plus sérieuses : librairies </a:t>
+            </a:r>
+            <a:r>
+              <a:rPr lang="fr-FR" dirty="0" smtClean="0">
+                <a:hlinkClick r:id="rId2"/>
+              </a:rPr>
+              <a:t>fancyimpute</a:t>
+            </a:r>
+            <a:r>
+              <a:rPr lang="fr-FR" dirty="0" smtClean="0"/>
+              <a:t>,</a:t>
+            </a:r>
+            <a:r>
+              <a:rPr lang="fr-FR" dirty="0"/>
+              <a:t> </a:t>
+            </a:r>
+            <a:r>
+              <a:rPr lang="fr-FR" dirty="0">
+                <a:hlinkClick r:id="rId3"/>
+              </a:rPr>
+              <a:t>Impyute</a:t>
+            </a:r>
+            <a:endParaRPr lang="fr-FR" dirty="0"/>
+          </a:p>
+          <a:p>
+            <a:pPr lvl="1"/>
+            <a:endParaRPr lang="fr-FR" dirty="0"/>
+          </a:p>
+          <a:p>
+            <a:endParaRPr lang="fr-FR" dirty="0" smtClean="0"/>
+          </a:p>
+          <a:p>
+            <a:pPr lvl="1"/>
+            <a:endParaRPr lang="fr-FR" dirty="0"/>
           </a:p>
         </p:txBody>
       </p:sp>
     </p:spTree>
     <p:extLst>
       <p:ext uri="{BB962C8B-B14F-4D97-AF65-F5344CB8AC3E}">
-        <p14:creationId xmlns:p14="http://schemas.microsoft.com/office/powerpoint/2010/main" val="1486631537"/>
+        <p14:creationId xmlns:p14="http://schemas.microsoft.com/office/powerpoint/2010/main" val="1176725667"/>
       </p:ext>
     </p:extLst>
   </p:cSld>
@@ -5314,85 +6083,346 @@
           <a:lstStyle/>
           <a:p>
             <a:r>
-              <a:rPr lang="fr-FR" sz="3200" b="1" dirty="0">
-                <a:latin typeface="Arial" panose="020B0604020202020204" pitchFamily="34" charset="0"/>
-                <a:cs typeface="Arial" panose="020B0604020202020204" pitchFamily="34" charset="0"/>
-              </a:rPr>
-              <a:t>Sujets transverses</a:t>
-            </a:r>
-          </a:p>
-        </p:txBody>
-      </p:sp>
-      <p:sp>
-        <p:nvSpPr>
-          <p:cNvPr id="3" name="Espace réservé du contenu 2"/>
-          <p:cNvSpPr>
-            <a:spLocks noGrp="1"/>
-          </p:cNvSpPr>
-          <p:nvPr>
-            <p:ph idx="1"/>
-          </p:nvPr>
-        </p:nvSpPr>
-        <p:spPr/>
-        <p:txBody>
-          <a:bodyPr/>
-          <a:lstStyle/>
-          <a:p>
-            <a:r>
-              <a:rPr lang="fr-FR" dirty="0"/>
-              <a:t>Performances</a:t>
-            </a:r>
-          </a:p>
-          <a:p>
-            <a:r>
-              <a:rPr lang="fr-FR" dirty="0" err="1"/>
-              <a:t>Parallélisation</a:t>
-            </a:r>
-            <a:endParaRPr lang="fr-FR" dirty="0"/>
-          </a:p>
-          <a:p>
-            <a:r>
-              <a:rPr lang="fr-FR" dirty="0"/>
-              <a:t>Tests unitaires</a:t>
-            </a:r>
-          </a:p>
-          <a:p>
-            <a:r>
-              <a:rPr lang="fr-FR" dirty="0"/>
-              <a:t>Gestionnaire de code (</a:t>
-            </a:r>
-            <a:r>
-              <a:rPr lang="fr-FR" dirty="0" err="1"/>
-              <a:t>Git,github</a:t>
-            </a:r>
-            <a:r>
-              <a:rPr lang="fr-FR" dirty="0"/>
-              <a:t>, et </a:t>
-            </a:r>
-            <a:r>
-              <a:rPr lang="fr-FR" dirty="0" err="1"/>
-              <a:t>github</a:t>
-            </a:r>
-            <a:r>
-              <a:rPr lang="fr-FR" dirty="0"/>
-              <a:t> desktop).</a:t>
-            </a:r>
-          </a:p>
-          <a:p>
-            <a:r>
-              <a:rPr lang="fr-FR" dirty="0">
-                <a:hlinkClick r:id="rId2"/>
-              </a:rPr>
-              <a:t>Bonnes pratiques de développement</a:t>
-            </a:r>
-            <a:endParaRPr lang="fr-FR" dirty="0"/>
+              <a:rPr lang="fr-FR" sz="3200" b="1" dirty="0" smtClean="0">
+                <a:latin typeface="Arial" panose="020B0604020202020204" pitchFamily="34" charset="0"/>
+                <a:cs typeface="Arial" panose="020B0604020202020204" pitchFamily="34" charset="0"/>
+              </a:rPr>
+              <a:t>Pandas </a:t>
+            </a:r>
+            <a:r>
+              <a:rPr lang="fr-FR" sz="3200" b="1" dirty="0" err="1" smtClean="0">
+                <a:latin typeface="Arial" panose="020B0604020202020204" pitchFamily="34" charset="0"/>
+                <a:cs typeface="Arial" panose="020B0604020202020204" pitchFamily="34" charset="0"/>
+              </a:rPr>
+              <a:t>dataframe</a:t>
+            </a:r>
+            <a:r>
+              <a:rPr lang="fr-FR" sz="3200" b="1" dirty="0" smtClean="0">
+                <a:latin typeface="Arial" panose="020B0604020202020204" pitchFamily="34" charset="0"/>
+                <a:cs typeface="Arial" panose="020B0604020202020204" pitchFamily="34" charset="0"/>
+              </a:rPr>
+              <a:t> : jointures</a:t>
+            </a:r>
+            <a:endParaRPr lang="fr-FR" sz="3200" b="1" dirty="0">
+              <a:latin typeface="Arial" panose="020B0604020202020204" pitchFamily="34" charset="0"/>
+              <a:cs typeface="Arial" panose="020B0604020202020204" pitchFamily="34" charset="0"/>
+            </a:endParaRPr>
+          </a:p>
+        </p:txBody>
+      </p:sp>
+      <p:pic>
+        <p:nvPicPr>
+          <p:cNvPr id="4" name="Image 3"/>
+          <p:cNvPicPr>
+            <a:picLocks noChangeAspect="1"/>
+          </p:cNvPicPr>
+          <p:nvPr/>
+        </p:nvPicPr>
+        <p:blipFill>
+          <a:blip r:embed="rId2">
+            <a:extLst>
+              <a:ext uri="{28A0092B-C50C-407E-A947-70E740481C1C}">
+                <a14:useLocalDpi xmlns:a14="http://schemas.microsoft.com/office/drawing/2010/main" val="0"/>
+              </a:ext>
+            </a:extLst>
+          </a:blip>
+          <a:stretch>
+            <a:fillRect/>
+          </a:stretch>
+        </p:blipFill>
+        <p:spPr>
+          <a:xfrm>
+            <a:off x="1492612" y="1484784"/>
+            <a:ext cx="2457450" cy="1657350"/>
+          </a:xfrm>
+          <a:prstGeom prst="rect">
+            <a:avLst/>
+          </a:prstGeom>
+        </p:spPr>
+      </p:pic>
+      <p:pic>
+        <p:nvPicPr>
+          <p:cNvPr id="5" name="Image 4"/>
+          <p:cNvPicPr>
+            <a:picLocks noChangeAspect="1"/>
+          </p:cNvPicPr>
+          <p:nvPr/>
+        </p:nvPicPr>
+        <p:blipFill>
+          <a:blip r:embed="rId3">
+            <a:extLst>
+              <a:ext uri="{28A0092B-C50C-407E-A947-70E740481C1C}">
+                <a14:useLocalDpi xmlns:a14="http://schemas.microsoft.com/office/drawing/2010/main" val="0"/>
+              </a:ext>
+            </a:extLst>
+          </a:blip>
+          <a:stretch>
+            <a:fillRect/>
+          </a:stretch>
+        </p:blipFill>
+        <p:spPr>
+          <a:xfrm>
+            <a:off x="5303511" y="1484784"/>
+            <a:ext cx="2458800" cy="1744666"/>
+          </a:xfrm>
+          <a:prstGeom prst="rect">
+            <a:avLst/>
+          </a:prstGeom>
+        </p:spPr>
+      </p:pic>
+      <p:pic>
+        <p:nvPicPr>
+          <p:cNvPr id="6" name="Image 5"/>
+          <p:cNvPicPr>
+            <a:picLocks noChangeAspect="1"/>
+          </p:cNvPicPr>
+          <p:nvPr/>
+        </p:nvPicPr>
+        <p:blipFill>
+          <a:blip r:embed="rId4">
+            <a:extLst>
+              <a:ext uri="{28A0092B-C50C-407E-A947-70E740481C1C}">
+                <a14:useLocalDpi xmlns:a14="http://schemas.microsoft.com/office/drawing/2010/main" val="0"/>
+              </a:ext>
+            </a:extLst>
+          </a:blip>
+          <a:stretch>
+            <a:fillRect/>
+          </a:stretch>
+        </p:blipFill>
+        <p:spPr>
+          <a:xfrm>
+            <a:off x="1619672" y="4124672"/>
+            <a:ext cx="2457450" cy="1657350"/>
+          </a:xfrm>
+          <a:prstGeom prst="rect">
+            <a:avLst/>
+          </a:prstGeom>
+        </p:spPr>
+      </p:pic>
+      <p:pic>
+        <p:nvPicPr>
+          <p:cNvPr id="7" name="Image 6"/>
+          <p:cNvPicPr>
+            <a:picLocks noChangeAspect="1"/>
+          </p:cNvPicPr>
+          <p:nvPr/>
+        </p:nvPicPr>
+        <p:blipFill>
+          <a:blip r:embed="rId5">
+            <a:extLst>
+              <a:ext uri="{28A0092B-C50C-407E-A947-70E740481C1C}">
+                <a14:useLocalDpi xmlns:a14="http://schemas.microsoft.com/office/drawing/2010/main" val="0"/>
+              </a:ext>
+            </a:extLst>
+          </a:blip>
+          <a:stretch>
+            <a:fillRect/>
+          </a:stretch>
+        </p:blipFill>
+        <p:spPr>
+          <a:xfrm>
+            <a:off x="5303311" y="4162425"/>
+            <a:ext cx="2457450" cy="1657350"/>
+          </a:xfrm>
+          <a:prstGeom prst="rect">
+            <a:avLst/>
+          </a:prstGeom>
+        </p:spPr>
+      </p:pic>
+      <p:sp>
+        <p:nvSpPr>
+          <p:cNvPr id="8" name="ZoneTexte 7"/>
+          <p:cNvSpPr txBox="1"/>
+          <p:nvPr/>
+        </p:nvSpPr>
+        <p:spPr>
+          <a:xfrm>
+            <a:off x="1686679" y="3252967"/>
+            <a:ext cx="2330390" cy="369332"/>
+          </a:xfrm>
+          <a:prstGeom prst="rect">
+            <a:avLst/>
+          </a:prstGeom>
+          <a:noFill/>
+        </p:spPr>
+        <p:txBody>
+          <a:bodyPr wrap="square" rtlCol="0">
+            <a:spAutoFit/>
+          </a:bodyPr>
+          <a:lstStyle/>
+          <a:p>
+            <a:r>
+              <a:rPr lang="fr-FR" b="1" dirty="0">
+                <a:latin typeface="Arial" panose="020B0604020202020204" pitchFamily="34" charset="0"/>
+                <a:cs typeface="Arial" panose="020B0604020202020204" pitchFamily="34" charset="0"/>
+              </a:rPr>
+              <a:t>how='</a:t>
+            </a:r>
+            <a:r>
+              <a:rPr lang="fr-FR" b="1" dirty="0" err="1">
+                <a:latin typeface="Arial" panose="020B0604020202020204" pitchFamily="34" charset="0"/>
+                <a:cs typeface="Arial" panose="020B0604020202020204" pitchFamily="34" charset="0"/>
+              </a:rPr>
+              <a:t>inner</a:t>
+            </a:r>
+            <a:r>
+              <a:rPr lang="fr-FR" b="1" dirty="0">
+                <a:latin typeface="Arial" panose="020B0604020202020204" pitchFamily="34" charset="0"/>
+                <a:cs typeface="Arial" panose="020B0604020202020204" pitchFamily="34" charset="0"/>
+              </a:rPr>
+              <a:t>'</a:t>
+            </a:r>
+          </a:p>
+        </p:txBody>
+      </p:sp>
+      <p:sp>
+        <p:nvSpPr>
+          <p:cNvPr id="9" name="ZoneTexte 8"/>
+          <p:cNvSpPr txBox="1"/>
+          <p:nvPr/>
+        </p:nvSpPr>
+        <p:spPr>
+          <a:xfrm>
+            <a:off x="5434122" y="3316342"/>
+            <a:ext cx="2330390" cy="369332"/>
+          </a:xfrm>
+          <a:prstGeom prst="rect">
+            <a:avLst/>
+          </a:prstGeom>
+          <a:noFill/>
+        </p:spPr>
+        <p:txBody>
+          <a:bodyPr wrap="square" rtlCol="0">
+            <a:spAutoFit/>
+          </a:bodyPr>
+          <a:lstStyle/>
+          <a:p>
+            <a:r>
+              <a:rPr lang="fr-FR" b="1" dirty="0" smtClean="0">
+                <a:latin typeface="Arial" panose="020B0604020202020204" pitchFamily="34" charset="0"/>
+                <a:cs typeface="Arial" panose="020B0604020202020204" pitchFamily="34" charset="0"/>
+              </a:rPr>
+              <a:t>how=</a:t>
+            </a:r>
+            <a:r>
+              <a:rPr lang="fr-FR" b="1" dirty="0" err="1" smtClean="0">
+                <a:latin typeface="Arial" panose="020B0604020202020204" pitchFamily="34" charset="0"/>
+                <a:cs typeface="Arial" panose="020B0604020202020204" pitchFamily="34" charset="0"/>
+              </a:rPr>
+              <a:t>left</a:t>
+            </a:r>
+            <a:r>
+              <a:rPr lang="fr-FR" b="1" dirty="0" smtClean="0">
+                <a:latin typeface="Arial" panose="020B0604020202020204" pitchFamily="34" charset="0"/>
+                <a:cs typeface="Arial" panose="020B0604020202020204" pitchFamily="34" charset="0"/>
+              </a:rPr>
+              <a:t>'</a:t>
+            </a:r>
+            <a:endParaRPr lang="fr-FR" b="1" dirty="0">
+              <a:latin typeface="Arial" panose="020B0604020202020204" pitchFamily="34" charset="0"/>
+              <a:cs typeface="Arial" panose="020B0604020202020204" pitchFamily="34" charset="0"/>
+            </a:endParaRPr>
+          </a:p>
+        </p:txBody>
+      </p:sp>
+      <p:sp>
+        <p:nvSpPr>
+          <p:cNvPr id="10" name="ZoneTexte 9"/>
+          <p:cNvSpPr txBox="1"/>
+          <p:nvPr/>
+        </p:nvSpPr>
+        <p:spPr>
+          <a:xfrm>
+            <a:off x="1668601" y="6007798"/>
+            <a:ext cx="2330390" cy="369332"/>
+          </a:xfrm>
+          <a:prstGeom prst="rect">
+            <a:avLst/>
+          </a:prstGeom>
+          <a:noFill/>
+        </p:spPr>
+        <p:txBody>
+          <a:bodyPr wrap="square" rtlCol="0">
+            <a:spAutoFit/>
+          </a:bodyPr>
+          <a:lstStyle/>
+          <a:p>
+            <a:r>
+              <a:rPr lang="fr-FR" b="1" dirty="0" smtClean="0">
+                <a:latin typeface="Arial" panose="020B0604020202020204" pitchFamily="34" charset="0"/>
+                <a:cs typeface="Arial" panose="020B0604020202020204" pitchFamily="34" charset="0"/>
+              </a:rPr>
+              <a:t>how=right'</a:t>
+            </a:r>
+            <a:endParaRPr lang="fr-FR" b="1" dirty="0">
+              <a:latin typeface="Arial" panose="020B0604020202020204" pitchFamily="34" charset="0"/>
+              <a:cs typeface="Arial" panose="020B0604020202020204" pitchFamily="34" charset="0"/>
+            </a:endParaRPr>
+          </a:p>
+        </p:txBody>
+      </p:sp>
+      <p:sp>
+        <p:nvSpPr>
+          <p:cNvPr id="11" name="ZoneTexte 10"/>
+          <p:cNvSpPr txBox="1"/>
+          <p:nvPr/>
+        </p:nvSpPr>
+        <p:spPr>
+          <a:xfrm>
+            <a:off x="5303311" y="6007798"/>
+            <a:ext cx="2330390" cy="369332"/>
+          </a:xfrm>
+          <a:prstGeom prst="rect">
+            <a:avLst/>
+          </a:prstGeom>
+          <a:noFill/>
+        </p:spPr>
+        <p:txBody>
+          <a:bodyPr wrap="square" rtlCol="0">
+            <a:spAutoFit/>
+          </a:bodyPr>
+          <a:lstStyle/>
+          <a:p>
+            <a:r>
+              <a:rPr lang="fr-FR" b="1" dirty="0">
+                <a:latin typeface="Arial" panose="020B0604020202020204" pitchFamily="34" charset="0"/>
+                <a:cs typeface="Arial" panose="020B0604020202020204" pitchFamily="34" charset="0"/>
+              </a:rPr>
+              <a:t>how</a:t>
+            </a:r>
+            <a:r>
+              <a:rPr lang="fr-FR" b="1" dirty="0" smtClean="0">
+                <a:latin typeface="Arial" panose="020B0604020202020204" pitchFamily="34" charset="0"/>
+                <a:cs typeface="Arial" panose="020B0604020202020204" pitchFamily="34" charset="0"/>
+              </a:rPr>
+              <a:t>=‘</a:t>
+            </a:r>
+            <a:r>
+              <a:rPr lang="fr-FR" b="1" dirty="0" err="1" smtClean="0">
+                <a:latin typeface="Arial" panose="020B0604020202020204" pitchFamily="34" charset="0"/>
+                <a:cs typeface="Arial" panose="020B0604020202020204" pitchFamily="34" charset="0"/>
+              </a:rPr>
+              <a:t>outer</a:t>
+            </a:r>
+            <a:r>
+              <a:rPr lang="fr-FR" b="1" dirty="0" smtClean="0">
+                <a:latin typeface="Arial" panose="020B0604020202020204" pitchFamily="34" charset="0"/>
+                <a:cs typeface="Arial" panose="020B0604020202020204" pitchFamily="34" charset="0"/>
+              </a:rPr>
+              <a:t>'</a:t>
+            </a:r>
+            <a:endParaRPr lang="fr-FR" b="1" dirty="0">
+              <a:latin typeface="Arial" panose="020B0604020202020204" pitchFamily="34" charset="0"/>
+              <a:cs typeface="Arial" panose="020B0604020202020204" pitchFamily="34" charset="0"/>
+            </a:endParaRPr>
           </a:p>
         </p:txBody>
       </p:sp>
     </p:spTree>
     <p:extLst>
       <p:ext uri="{BB962C8B-B14F-4D97-AF65-F5344CB8AC3E}">
-        <p14:creationId xmlns:p14="http://schemas.microsoft.com/office/powerpoint/2010/main" val="1835865361"/>
+        <p14:creationId xmlns:p14="http://schemas.microsoft.com/office/powerpoint/2010/main" val="224583685"/>
       </p:ext>
     </p:extLst>
   </p:cSld>
@@ -5403,6 +6433,977 @@
 </file>
 
 <file path=ppt/slides/slide27.xml><?xml version="1.0" encoding="utf-8"?>
+<p:sld xmlns:a="http://schemas.openxmlformats.org/drawingml/2006/main" xmlns:r="http://schemas.openxmlformats.org/officeDocument/2006/relationships" xmlns:p="http://schemas.openxmlformats.org/presentationml/2006/main">
+  <p:cSld>
+    <p:spTree>
+      <p:nvGrpSpPr>
+        <p:cNvPr id="1" name=""/>
+        <p:cNvGrpSpPr/>
+        <p:nvPr/>
+      </p:nvGrpSpPr>
+      <p:grpSpPr>
+        <a:xfrm>
+          <a:off x="0" y="0"/>
+          <a:ext cx="0" cy="0"/>
+          <a:chOff x="0" y="0"/>
+          <a:chExt cx="0" cy="0"/>
+        </a:xfrm>
+      </p:grpSpPr>
+      <p:sp>
+        <p:nvSpPr>
+          <p:cNvPr id="2" name="Titre 1"/>
+          <p:cNvSpPr>
+            <a:spLocks noGrp="1"/>
+          </p:cNvSpPr>
+          <p:nvPr>
+            <p:ph type="title"/>
+          </p:nvPr>
+        </p:nvSpPr>
+        <p:spPr/>
+        <p:txBody>
+          <a:bodyPr/>
+          <a:lstStyle/>
+          <a:p>
+            <a:endParaRPr lang="fr-FR"/>
+          </a:p>
+        </p:txBody>
+      </p:sp>
+      <p:sp>
+        <p:nvSpPr>
+          <p:cNvPr id="3" name="Espace réservé du contenu 2"/>
+          <p:cNvSpPr>
+            <a:spLocks noGrp="1"/>
+          </p:cNvSpPr>
+          <p:nvPr>
+            <p:ph idx="1"/>
+          </p:nvPr>
+        </p:nvSpPr>
+        <p:spPr/>
+        <p:txBody>
+          <a:bodyPr/>
+          <a:lstStyle/>
+          <a:p>
+            <a:endParaRPr lang="fr-FR"/>
+          </a:p>
+        </p:txBody>
+      </p:sp>
+    </p:spTree>
+    <p:extLst>
+      <p:ext uri="{BB962C8B-B14F-4D97-AF65-F5344CB8AC3E}">
+        <p14:creationId xmlns:p14="http://schemas.microsoft.com/office/powerpoint/2010/main" val="3916924732"/>
+      </p:ext>
+    </p:extLst>
+  </p:cSld>
+  <p:clrMapOvr>
+    <a:masterClrMapping/>
+  </p:clrMapOvr>
+</p:sld>
+</file>
+
+<file path=ppt/slides/slide28.xml><?xml version="1.0" encoding="utf-8"?>
+<p:sld xmlns:a="http://schemas.openxmlformats.org/drawingml/2006/main" xmlns:r="http://schemas.openxmlformats.org/officeDocument/2006/relationships" xmlns:p="http://schemas.openxmlformats.org/presentationml/2006/main">
+  <p:cSld>
+    <p:spTree>
+      <p:nvGrpSpPr>
+        <p:cNvPr id="1" name=""/>
+        <p:cNvGrpSpPr/>
+        <p:nvPr/>
+      </p:nvGrpSpPr>
+      <p:grpSpPr>
+        <a:xfrm>
+          <a:off x="0" y="0"/>
+          <a:ext cx="0" cy="0"/>
+          <a:chOff x="0" y="0"/>
+          <a:chExt cx="0" cy="0"/>
+        </a:xfrm>
+      </p:grpSpPr>
+      <p:sp>
+        <p:nvSpPr>
+          <p:cNvPr id="4" name="Titre 3"/>
+          <p:cNvSpPr>
+            <a:spLocks noGrp="1"/>
+          </p:cNvSpPr>
+          <p:nvPr>
+            <p:ph type="ctrTitle"/>
+          </p:nvPr>
+        </p:nvSpPr>
+        <p:spPr/>
+        <p:txBody>
+          <a:bodyPr>
+            <a:normAutofit/>
+          </a:bodyPr>
+          <a:lstStyle/>
+          <a:p>
+            <a:r>
+              <a:rPr lang="fr-FR" sz="3200" b="1" dirty="0">
+                <a:solidFill>
+                  <a:srgbClr val="7030A0"/>
+                </a:solidFill>
+                <a:latin typeface="Arial" panose="020B0604020202020204" pitchFamily="34" charset="0"/>
+                <a:cs typeface="Arial" panose="020B0604020202020204" pitchFamily="34" charset="0"/>
+              </a:rPr>
+              <a:t>Partie 4 : python pour le reste de la data science</a:t>
+            </a:r>
+          </a:p>
+        </p:txBody>
+      </p:sp>
+    </p:spTree>
+    <p:extLst>
+      <p:ext uri="{BB962C8B-B14F-4D97-AF65-F5344CB8AC3E}">
+        <p14:creationId xmlns:p14="http://schemas.microsoft.com/office/powerpoint/2010/main" val="242445764"/>
+      </p:ext>
+    </p:extLst>
+  </p:cSld>
+  <p:clrMapOvr>
+    <a:masterClrMapping/>
+  </p:clrMapOvr>
+</p:sld>
+</file>
+
+<file path=ppt/slides/slide29.xml><?xml version="1.0" encoding="utf-8"?>
+<p:sld xmlns:a="http://schemas.openxmlformats.org/drawingml/2006/main" xmlns:r="http://schemas.openxmlformats.org/officeDocument/2006/relationships" xmlns:p="http://schemas.openxmlformats.org/presentationml/2006/main">
+  <p:cSld>
+    <p:spTree>
+      <p:nvGrpSpPr>
+        <p:cNvPr id="1" name=""/>
+        <p:cNvGrpSpPr/>
+        <p:nvPr/>
+      </p:nvGrpSpPr>
+      <p:grpSpPr>
+        <a:xfrm>
+          <a:off x="0" y="0"/>
+          <a:ext cx="0" cy="0"/>
+          <a:chOff x="0" y="0"/>
+          <a:chExt cx="0" cy="0"/>
+        </a:xfrm>
+      </p:grpSpPr>
+      <p:sp>
+        <p:nvSpPr>
+          <p:cNvPr id="2" name="Titre 1"/>
+          <p:cNvSpPr>
+            <a:spLocks noGrp="1"/>
+          </p:cNvSpPr>
+          <p:nvPr>
+            <p:ph type="title"/>
+          </p:nvPr>
+        </p:nvSpPr>
+        <p:spPr/>
+        <p:txBody>
+          <a:bodyPr/>
+          <a:lstStyle/>
+          <a:p>
+            <a:endParaRPr lang="fr-FR"/>
+          </a:p>
+        </p:txBody>
+      </p:sp>
+      <p:sp>
+        <p:nvSpPr>
+          <p:cNvPr id="3" name="Espace réservé du contenu 2"/>
+          <p:cNvSpPr>
+            <a:spLocks noGrp="1"/>
+          </p:cNvSpPr>
+          <p:nvPr>
+            <p:ph idx="1"/>
+          </p:nvPr>
+        </p:nvSpPr>
+        <p:spPr/>
+        <p:txBody>
+          <a:bodyPr/>
+          <a:lstStyle/>
+          <a:p>
+            <a:endParaRPr lang="fr-FR"/>
+          </a:p>
+        </p:txBody>
+      </p:sp>
+    </p:spTree>
+    <p:extLst>
+      <p:ext uri="{BB962C8B-B14F-4D97-AF65-F5344CB8AC3E}">
+        <p14:creationId xmlns:p14="http://schemas.microsoft.com/office/powerpoint/2010/main" val="3573502302"/>
+      </p:ext>
+    </p:extLst>
+  </p:cSld>
+  <p:clrMapOvr>
+    <a:masterClrMapping/>
+  </p:clrMapOvr>
+</p:sld>
+</file>
+
+<file path=ppt/slides/slide3.xml><?xml version="1.0" encoding="utf-8"?>
+<p:sld xmlns:a="http://schemas.openxmlformats.org/drawingml/2006/main" xmlns:r="http://schemas.openxmlformats.org/officeDocument/2006/relationships" xmlns:p="http://schemas.openxmlformats.org/presentationml/2006/main">
+  <p:cSld>
+    <p:spTree>
+      <p:nvGrpSpPr>
+        <p:cNvPr id="1" name=""/>
+        <p:cNvGrpSpPr/>
+        <p:nvPr/>
+      </p:nvGrpSpPr>
+      <p:grpSpPr>
+        <a:xfrm>
+          <a:off x="0" y="0"/>
+          <a:ext cx="0" cy="0"/>
+          <a:chOff x="0" y="0"/>
+          <a:chExt cx="0" cy="0"/>
+        </a:xfrm>
+      </p:grpSpPr>
+      <p:sp>
+        <p:nvSpPr>
+          <p:cNvPr id="2" name="Titre 1"/>
+          <p:cNvSpPr>
+            <a:spLocks noGrp="1"/>
+          </p:cNvSpPr>
+          <p:nvPr>
+            <p:ph type="title"/>
+          </p:nvPr>
+        </p:nvSpPr>
+        <p:spPr>
+          <a:xfrm>
+            <a:off x="457200" y="274638"/>
+            <a:ext cx="8229600" cy="922114"/>
+          </a:xfrm>
+        </p:spPr>
+        <p:txBody>
+          <a:bodyPr>
+            <a:normAutofit/>
+          </a:bodyPr>
+          <a:lstStyle/>
+          <a:p>
+            <a:r>
+              <a:rPr lang="fr-FR" sz="3200" b="1" dirty="0">
+                <a:latin typeface="Arial" panose="020B0604020202020204" pitchFamily="34" charset="0"/>
+                <a:cs typeface="Arial" panose="020B0604020202020204" pitchFamily="34" charset="0"/>
+              </a:rPr>
+              <a:t>Pourquoi s’intéresser à Python?</a:t>
+            </a:r>
+          </a:p>
+        </p:txBody>
+      </p:sp>
+      <p:sp>
+        <p:nvSpPr>
+          <p:cNvPr id="3" name="Espace réservé du contenu 2"/>
+          <p:cNvSpPr>
+            <a:spLocks noGrp="1"/>
+          </p:cNvSpPr>
+          <p:nvPr>
+            <p:ph idx="1"/>
+          </p:nvPr>
+        </p:nvSpPr>
+        <p:spPr>
+          <a:xfrm>
+            <a:off x="457200" y="980728"/>
+            <a:ext cx="8435280" cy="5877272"/>
+          </a:xfrm>
+        </p:spPr>
+        <p:txBody>
+          <a:bodyPr>
+            <a:normAutofit fontScale="85000" lnSpcReduction="20000"/>
+          </a:bodyPr>
+          <a:lstStyle/>
+          <a:p>
+            <a:r>
+              <a:rPr lang="fr-FR" sz="2800" b="1" dirty="0">
+                <a:latin typeface="Arial" panose="020B0604020202020204" pitchFamily="34" charset="0"/>
+                <a:cs typeface="Arial" panose="020B0604020202020204" pitchFamily="34" charset="0"/>
+              </a:rPr>
+              <a:t>Index TIOBE </a:t>
+            </a:r>
+          </a:p>
+          <a:p>
+            <a:pPr lvl="1"/>
+            <a:r>
+              <a:rPr lang="fr-FR" sz="2100" dirty="0">
+                <a:latin typeface="Arial" panose="020B0604020202020204" pitchFamily="34" charset="0"/>
+                <a:cs typeface="Arial" panose="020B0604020202020204" pitchFamily="34" charset="0"/>
+              </a:rPr>
+              <a:t>Python en 3</a:t>
+            </a:r>
+            <a:r>
+              <a:rPr lang="fr-FR" sz="2100" baseline="30000" dirty="0">
+                <a:latin typeface="Arial" panose="020B0604020202020204" pitchFamily="34" charset="0"/>
+                <a:cs typeface="Arial" panose="020B0604020202020204" pitchFamily="34" charset="0"/>
+              </a:rPr>
+              <a:t>e</a:t>
+            </a:r>
+            <a:r>
+              <a:rPr lang="fr-FR" sz="2100" dirty="0">
+                <a:latin typeface="Arial" panose="020B0604020202020204" pitchFamily="34" charset="0"/>
+                <a:cs typeface="Arial" panose="020B0604020202020204" pitchFamily="34" charset="0"/>
+              </a:rPr>
+              <a:t> place (derrière java et C)</a:t>
+            </a:r>
+          </a:p>
+          <a:p>
+            <a:pPr lvl="1"/>
+            <a:r>
+              <a:rPr lang="fr-FR" sz="2100" dirty="0">
+                <a:latin typeface="Arial" panose="020B0604020202020204" pitchFamily="34" charset="0"/>
+                <a:cs typeface="Arial" panose="020B0604020202020204" pitchFamily="34" charset="0"/>
+              </a:rPr>
+              <a:t>Python langage de l'année 2018 : </a:t>
+            </a:r>
+            <a:r>
+              <a:rPr lang="fr-FR" sz="2100" i="1" dirty="0">
+                <a:latin typeface="Arial" panose="020B0604020202020204" pitchFamily="34" charset="0"/>
+                <a:cs typeface="Arial" panose="020B0604020202020204" pitchFamily="34" charset="0"/>
+              </a:rPr>
+              <a:t>a gagné le plus de points de classement en 2018 par rapport à tous les autres langages</a:t>
+            </a:r>
+          </a:p>
+          <a:p>
+            <a:pPr lvl="1"/>
+            <a:r>
+              <a:rPr lang="fr-FR" sz="2100" dirty="0">
+                <a:latin typeface="Arial" panose="020B0604020202020204" pitchFamily="34" charset="0"/>
+                <a:cs typeface="Arial" panose="020B0604020202020204" pitchFamily="34" charset="0"/>
+              </a:rPr>
+              <a:t>« Depuis près de 20 ans, C, C ++ et Java figurent systématiquement dans le top 3, loin devant le reste du peloton. Python rejoint ces 3 langages maintenant. De nos jours, c’est le langage le plus enseigné dans les universités. Il est numéro un dans le domaine statistique, numéro un en programmation d’IA, numéro un en rédaction de scripts et numéro un en tests de système d’écriture. En outre, Python est également un chef de file de la programmation Web et de l’informatique scientifique ».</a:t>
+            </a:r>
+          </a:p>
+          <a:p>
+            <a:r>
+              <a:rPr lang="fr-FR" sz="2800" b="1" dirty="0">
+                <a:latin typeface="Arial" panose="020B0604020202020204" pitchFamily="34" charset="0"/>
+                <a:cs typeface="Arial" panose="020B0604020202020204" pitchFamily="34" charset="0"/>
+              </a:rPr>
+              <a:t>Classement Institute of </a:t>
+            </a:r>
+            <a:r>
+              <a:rPr lang="fr-FR" sz="2800" b="1" dirty="0" err="1">
+                <a:latin typeface="Arial" panose="020B0604020202020204" pitchFamily="34" charset="0"/>
+                <a:cs typeface="Arial" panose="020B0604020202020204" pitchFamily="34" charset="0"/>
+              </a:rPr>
+              <a:t>Electrical</a:t>
+            </a:r>
+            <a:r>
+              <a:rPr lang="fr-FR" sz="2800" b="1" dirty="0">
+                <a:latin typeface="Arial" panose="020B0604020202020204" pitchFamily="34" charset="0"/>
+                <a:cs typeface="Arial" panose="020B0604020202020204" pitchFamily="34" charset="0"/>
+              </a:rPr>
+              <a:t> and Electronics </a:t>
+            </a:r>
+            <a:r>
+              <a:rPr lang="fr-FR" sz="2800" b="1" dirty="0" err="1">
+                <a:latin typeface="Arial" panose="020B0604020202020204" pitchFamily="34" charset="0"/>
+                <a:cs typeface="Arial" panose="020B0604020202020204" pitchFamily="34" charset="0"/>
+              </a:rPr>
+              <a:t>Engineers</a:t>
+            </a:r>
+            <a:r>
+              <a:rPr lang="fr-FR" sz="2800" b="1" dirty="0">
+                <a:latin typeface="Arial" panose="020B0604020202020204" pitchFamily="34" charset="0"/>
+                <a:cs typeface="Arial" panose="020B0604020202020204" pitchFamily="34" charset="0"/>
+              </a:rPr>
+              <a:t>  : python 1</a:t>
+            </a:r>
+            <a:r>
+              <a:rPr lang="fr-FR" sz="2800" b="1" baseline="30000" dirty="0">
+                <a:latin typeface="Arial" panose="020B0604020202020204" pitchFamily="34" charset="0"/>
+                <a:cs typeface="Arial" panose="020B0604020202020204" pitchFamily="34" charset="0"/>
+              </a:rPr>
+              <a:t>er</a:t>
+            </a:r>
+            <a:r>
+              <a:rPr lang="fr-FR" sz="2800" b="1" dirty="0">
+                <a:latin typeface="Arial" panose="020B0604020202020204" pitchFamily="34" charset="0"/>
+                <a:cs typeface="Arial" panose="020B0604020202020204" pitchFamily="34" charset="0"/>
+              </a:rPr>
+              <a:t> (2017,2018)</a:t>
+            </a:r>
+          </a:p>
+          <a:p>
+            <a:r>
+              <a:rPr lang="fr-FR" sz="2800" b="1" dirty="0">
+                <a:latin typeface="Arial" panose="020B0604020202020204" pitchFamily="34" charset="0"/>
+                <a:cs typeface="Arial" panose="020B0604020202020204" pitchFamily="34" charset="0"/>
+              </a:rPr>
+              <a:t>Enquête </a:t>
+            </a:r>
+            <a:r>
+              <a:rPr lang="fr-FR" sz="2800" b="1" dirty="0" err="1">
+                <a:latin typeface="Arial" panose="020B0604020202020204" pitchFamily="34" charset="0"/>
+                <a:cs typeface="Arial" panose="020B0604020202020204" pitchFamily="34" charset="0"/>
+              </a:rPr>
+              <a:t>stackoverflow</a:t>
+            </a:r>
+            <a:r>
+              <a:rPr lang="fr-FR" sz="2800" b="1" dirty="0">
+                <a:latin typeface="Arial" panose="020B0604020202020204" pitchFamily="34" charset="0"/>
+                <a:cs typeface="Arial" panose="020B0604020202020204" pitchFamily="34" charset="0"/>
+              </a:rPr>
+              <a:t> 2018</a:t>
+            </a:r>
+          </a:p>
+          <a:p>
+            <a:pPr lvl="1"/>
+            <a:r>
+              <a:rPr lang="fr-FR" sz="2100" i="1" dirty="0">
+                <a:latin typeface="Arial" panose="020B0604020202020204" pitchFamily="34" charset="0"/>
+                <a:cs typeface="Arial" panose="020B0604020202020204" pitchFamily="34" charset="0"/>
+              </a:rPr>
+              <a:t>«  </a:t>
+            </a:r>
+            <a:r>
+              <a:rPr lang="en-US" sz="2100" i="1" dirty="0">
+                <a:latin typeface="Arial" panose="020B0604020202020204" pitchFamily="34" charset="0"/>
+                <a:cs typeface="Arial" panose="020B0604020202020204" pitchFamily="34" charset="0"/>
+              </a:rPr>
+              <a:t>Python is the most wanted language for the second year in a row</a:t>
+            </a:r>
+            <a:r>
+              <a:rPr lang="fr-FR" sz="2100" i="1" dirty="0">
+                <a:latin typeface="Arial" panose="020B0604020202020204" pitchFamily="34" charset="0"/>
+                <a:cs typeface="Arial" panose="020B0604020202020204" pitchFamily="34" charset="0"/>
+              </a:rPr>
+              <a:t>»</a:t>
+            </a:r>
+          </a:p>
+          <a:p>
+            <a:pPr lvl="1"/>
+            <a:r>
+              <a:rPr lang="fr-FR" sz="2100" i="1" dirty="0">
+                <a:latin typeface="Arial" panose="020B0604020202020204" pitchFamily="34" charset="0"/>
+                <a:cs typeface="Arial" panose="020B0604020202020204" pitchFamily="34" charset="0"/>
+              </a:rPr>
+              <a:t>« </a:t>
+            </a:r>
+            <a:r>
+              <a:rPr lang="en-US" sz="2100" i="1" dirty="0">
+                <a:latin typeface="Arial" panose="020B0604020202020204" pitchFamily="34" charset="0"/>
+                <a:cs typeface="Arial" panose="020B0604020202020204" pitchFamily="34" charset="0"/>
+              </a:rPr>
+              <a:t> Python has risen in the ranks, surpassing C# this year, much like it surpassed PHP last year. Python has a solid claim to being the fastest-growing major programming language.</a:t>
+            </a:r>
+            <a:r>
+              <a:rPr lang="fr-FR" sz="2100" i="1" dirty="0">
+                <a:latin typeface="Arial" panose="020B0604020202020204" pitchFamily="34" charset="0"/>
+                <a:cs typeface="Arial" panose="020B0604020202020204" pitchFamily="34" charset="0"/>
+              </a:rPr>
+              <a:t> » </a:t>
+            </a:r>
+            <a:r>
+              <a:rPr lang="fr-FR" sz="2100" dirty="0">
+                <a:latin typeface="Arial" panose="020B0604020202020204" pitchFamily="34" charset="0"/>
+                <a:cs typeface="Arial" panose="020B0604020202020204" pitchFamily="34" charset="0"/>
+              </a:rPr>
+              <a:t>Python est 2</a:t>
+            </a:r>
+            <a:r>
+              <a:rPr lang="fr-FR" sz="2100" baseline="30000" dirty="0">
+                <a:latin typeface="Arial" panose="020B0604020202020204" pitchFamily="34" charset="0"/>
+                <a:cs typeface="Arial" panose="020B0604020202020204" pitchFamily="34" charset="0"/>
+              </a:rPr>
+              <a:t>e</a:t>
+            </a:r>
+            <a:r>
+              <a:rPr lang="fr-FR" sz="2100" dirty="0">
+                <a:latin typeface="Arial" panose="020B0604020202020204" pitchFamily="34" charset="0"/>
+                <a:cs typeface="Arial" panose="020B0604020202020204" pitchFamily="34" charset="0"/>
+              </a:rPr>
+              <a:t> derrière Java</a:t>
+            </a:r>
+            <a:endParaRPr lang="fr-FR" sz="2800" b="1" dirty="0">
+              <a:latin typeface="Arial" panose="020B0604020202020204" pitchFamily="34" charset="0"/>
+              <a:cs typeface="Arial" panose="020B0604020202020204" pitchFamily="34" charset="0"/>
+            </a:endParaRPr>
+          </a:p>
+          <a:p>
+            <a:r>
+              <a:rPr lang="fr-FR" sz="2800" b="1" dirty="0">
+                <a:latin typeface="Arial" panose="020B0604020202020204" pitchFamily="34" charset="0"/>
+                <a:cs typeface="Arial" panose="020B0604020202020204" pitchFamily="34" charset="0"/>
+              </a:rPr>
+              <a:t>Documents de l’éducation nationale pour préparer la réforme du bac </a:t>
+            </a:r>
+            <a:r>
+              <a:rPr lang="fr-FR" sz="2300" b="1" i="1" dirty="0">
+                <a:latin typeface="Arial" panose="020B0604020202020204" pitchFamily="34" charset="0"/>
+                <a:cs typeface="Arial" panose="020B0604020202020204" pitchFamily="34" charset="0"/>
+              </a:rPr>
+              <a:t>« </a:t>
+            </a:r>
+            <a:r>
+              <a:rPr lang="fr-FR" sz="2300" i="1" dirty="0">
+                <a:latin typeface="Arial" panose="020B0604020202020204" pitchFamily="34" charset="0"/>
+                <a:cs typeface="Arial" panose="020B0604020202020204" pitchFamily="34" charset="0"/>
+              </a:rPr>
+              <a:t>Au moment de la conception de ce programme, le langage choisi est Python version 3  »</a:t>
+            </a:r>
+            <a:endParaRPr lang="fr-FR" sz="2300" b="1" i="1" dirty="0">
+              <a:latin typeface="Arial" panose="020B0604020202020204" pitchFamily="34" charset="0"/>
+              <a:cs typeface="Arial" panose="020B0604020202020204" pitchFamily="34" charset="0"/>
+            </a:endParaRPr>
+          </a:p>
+        </p:txBody>
+      </p:sp>
+    </p:spTree>
+    <p:extLst>
+      <p:ext uri="{BB962C8B-B14F-4D97-AF65-F5344CB8AC3E}">
+        <p14:creationId xmlns:p14="http://schemas.microsoft.com/office/powerpoint/2010/main" val="1973488989"/>
+      </p:ext>
+    </p:extLst>
+  </p:cSld>
+  <p:clrMapOvr>
+    <a:masterClrMapping/>
+  </p:clrMapOvr>
+</p:sld>
+</file>
+
+<file path=ppt/slides/slide30.xml><?xml version="1.0" encoding="utf-8"?>
+<p:sld xmlns:a="http://schemas.openxmlformats.org/drawingml/2006/main" xmlns:r="http://schemas.openxmlformats.org/officeDocument/2006/relationships" xmlns:p="http://schemas.openxmlformats.org/presentationml/2006/main">
+  <p:cSld>
+    <p:spTree>
+      <p:nvGrpSpPr>
+        <p:cNvPr id="1" name=""/>
+        <p:cNvGrpSpPr/>
+        <p:nvPr/>
+      </p:nvGrpSpPr>
+      <p:grpSpPr>
+        <a:xfrm>
+          <a:off x="0" y="0"/>
+          <a:ext cx="0" cy="0"/>
+          <a:chOff x="0" y="0"/>
+          <a:chExt cx="0" cy="0"/>
+        </a:xfrm>
+      </p:grpSpPr>
+      <p:sp>
+        <p:nvSpPr>
+          <p:cNvPr id="4" name="Titre 3"/>
+          <p:cNvSpPr>
+            <a:spLocks noGrp="1"/>
+          </p:cNvSpPr>
+          <p:nvPr>
+            <p:ph type="ctrTitle"/>
+          </p:nvPr>
+        </p:nvSpPr>
+        <p:spPr/>
+        <p:txBody>
+          <a:bodyPr>
+            <a:normAutofit/>
+          </a:bodyPr>
+          <a:lstStyle/>
+          <a:p>
+            <a:r>
+              <a:rPr lang="fr-FR" sz="3200" b="1" dirty="0">
+                <a:solidFill>
+                  <a:srgbClr val="7030A0"/>
+                </a:solidFill>
+                <a:latin typeface="Arial" panose="020B0604020202020204" pitchFamily="34" charset="0"/>
+                <a:cs typeface="Arial" panose="020B0604020202020204" pitchFamily="34" charset="0"/>
+              </a:rPr>
+              <a:t>Partie 5 : sujets transverses</a:t>
+            </a:r>
+          </a:p>
+        </p:txBody>
+      </p:sp>
+    </p:spTree>
+    <p:extLst>
+      <p:ext uri="{BB962C8B-B14F-4D97-AF65-F5344CB8AC3E}">
+        <p14:creationId xmlns:p14="http://schemas.microsoft.com/office/powerpoint/2010/main" val="1486631537"/>
+      </p:ext>
+    </p:extLst>
+  </p:cSld>
+  <p:clrMapOvr>
+    <a:masterClrMapping/>
+  </p:clrMapOvr>
+  <p:timing>
+    <p:tnLst>
+      <p:par>
+        <p:cTn id="1" dur="indefinite" restart="never" nodeType="tmRoot"/>
+      </p:par>
+    </p:tnLst>
+  </p:timing>
+</p:sld>
+</file>
+
+<file path=ppt/slides/slide31.xml><?xml version="1.0" encoding="utf-8"?>
+<p:sld xmlns:a="http://schemas.openxmlformats.org/drawingml/2006/main" xmlns:r="http://schemas.openxmlformats.org/officeDocument/2006/relationships" xmlns:p="http://schemas.openxmlformats.org/presentationml/2006/main">
+  <p:cSld>
+    <p:spTree>
+      <p:nvGrpSpPr>
+        <p:cNvPr id="1" name=""/>
+        <p:cNvGrpSpPr/>
+        <p:nvPr/>
+      </p:nvGrpSpPr>
+      <p:grpSpPr>
+        <a:xfrm>
+          <a:off x="0" y="0"/>
+          <a:ext cx="0" cy="0"/>
+          <a:chOff x="0" y="0"/>
+          <a:chExt cx="0" cy="0"/>
+        </a:xfrm>
+      </p:grpSpPr>
+      <p:sp>
+        <p:nvSpPr>
+          <p:cNvPr id="2" name="Titre 1"/>
+          <p:cNvSpPr>
+            <a:spLocks noGrp="1"/>
+          </p:cNvSpPr>
+          <p:nvPr>
+            <p:ph type="title"/>
+          </p:nvPr>
+        </p:nvSpPr>
+        <p:spPr/>
+        <p:txBody>
+          <a:bodyPr>
+            <a:normAutofit/>
+          </a:bodyPr>
+          <a:lstStyle/>
+          <a:p>
+            <a:r>
+              <a:rPr lang="fr-FR" sz="3200" b="1" dirty="0" smtClean="0">
+                <a:latin typeface="Arial" panose="020B0604020202020204" pitchFamily="34" charset="0"/>
+                <a:cs typeface="Arial" panose="020B0604020202020204" pitchFamily="34" charset="0"/>
+              </a:rPr>
+              <a:t>Performances : </a:t>
+            </a:r>
+            <a:r>
+              <a:rPr lang="fr-FR" sz="3200" b="1" dirty="0" err="1" smtClean="0">
+                <a:latin typeface="Arial" panose="020B0604020202020204" pitchFamily="34" charset="0"/>
+                <a:cs typeface="Arial" panose="020B0604020202020204" pitchFamily="34" charset="0"/>
+              </a:rPr>
+              <a:t>Dask</a:t>
+            </a:r>
+            <a:endParaRPr lang="fr-FR" sz="3200" b="1" dirty="0">
+              <a:latin typeface="Arial" panose="020B0604020202020204" pitchFamily="34" charset="0"/>
+              <a:cs typeface="Arial" panose="020B0604020202020204" pitchFamily="34" charset="0"/>
+            </a:endParaRPr>
+          </a:p>
+        </p:txBody>
+      </p:sp>
+      <p:sp>
+        <p:nvSpPr>
+          <p:cNvPr id="3" name="Espace réservé du contenu 2"/>
+          <p:cNvSpPr>
+            <a:spLocks noGrp="1"/>
+          </p:cNvSpPr>
+          <p:nvPr>
+            <p:ph idx="1"/>
+          </p:nvPr>
+        </p:nvSpPr>
+        <p:spPr/>
+        <p:txBody>
+          <a:bodyPr/>
+          <a:lstStyle/>
+          <a:p>
+            <a:r>
+              <a:rPr lang="fr-FR" dirty="0" err="1" smtClean="0">
+                <a:latin typeface="Arial" panose="020B0604020202020204" pitchFamily="34" charset="0"/>
+                <a:cs typeface="Arial" panose="020B0604020202020204" pitchFamily="34" charset="0"/>
+              </a:rPr>
+              <a:t>Parallélisation</a:t>
+            </a:r>
+            <a:r>
+              <a:rPr lang="fr-FR" dirty="0" smtClean="0">
+                <a:latin typeface="Arial" panose="020B0604020202020204" pitchFamily="34" charset="0"/>
+                <a:cs typeface="Arial" panose="020B0604020202020204" pitchFamily="34" charset="0"/>
+              </a:rPr>
+              <a:t> exécution de fonctions</a:t>
+            </a:r>
+          </a:p>
+          <a:p>
+            <a:r>
+              <a:rPr lang="en-US" dirty="0">
+                <a:latin typeface="Arial" panose="020B0604020202020204" pitchFamily="34" charset="0"/>
+                <a:cs typeface="Arial" panose="020B0604020202020204" pitchFamily="34" charset="0"/>
+              </a:rPr>
+              <a:t>the </a:t>
+            </a:r>
+            <a:r>
+              <a:rPr lang="en-US" dirty="0" err="1">
+                <a:latin typeface="Arial" panose="020B0604020202020204" pitchFamily="34" charset="0"/>
+                <a:cs typeface="Arial" panose="020B0604020202020204" pitchFamily="34" charset="0"/>
+              </a:rPr>
+              <a:t>Dask</a:t>
+            </a:r>
+            <a:r>
+              <a:rPr lang="en-US" dirty="0">
+                <a:latin typeface="Arial" panose="020B0604020202020204" pitchFamily="34" charset="0"/>
+                <a:cs typeface="Arial" panose="020B0604020202020204" pitchFamily="34" charset="0"/>
+              </a:rPr>
+              <a:t> single-machine scheduler leverages the full CPU power of a laptop or a large workstation and changes the space limitation from </a:t>
+            </a:r>
+            <a:r>
+              <a:rPr lang="en-US" u="sng" dirty="0">
+                <a:latin typeface="Arial" panose="020B0604020202020204" pitchFamily="34" charset="0"/>
+                <a:cs typeface="Arial" panose="020B0604020202020204" pitchFamily="34" charset="0"/>
+              </a:rPr>
+              <a:t>“fits in memory” to “fits on disk</a:t>
+            </a:r>
+            <a:r>
+              <a:rPr lang="en-US" u="sng" dirty="0" smtClean="0">
+                <a:latin typeface="Arial" panose="020B0604020202020204" pitchFamily="34" charset="0"/>
+                <a:cs typeface="Arial" panose="020B0604020202020204" pitchFamily="34" charset="0"/>
+              </a:rPr>
+              <a:t>”. </a:t>
+            </a:r>
+            <a:r>
+              <a:rPr lang="en-US" u="sng" dirty="0" smtClean="0">
+                <a:latin typeface="Arial" panose="020B0604020202020204" pitchFamily="34" charset="0"/>
+                <a:cs typeface="Arial" panose="020B0604020202020204" pitchFamily="34" charset="0"/>
+                <a:hlinkClick r:id="rId2"/>
+              </a:rPr>
+              <a:t>Exemple</a:t>
+            </a:r>
+            <a:endParaRPr lang="fr-FR" u="sng" dirty="0" smtClean="0">
+              <a:latin typeface="Arial" panose="020B0604020202020204" pitchFamily="34" charset="0"/>
+              <a:cs typeface="Arial" panose="020B0604020202020204" pitchFamily="34" charset="0"/>
+            </a:endParaRPr>
+          </a:p>
+          <a:p>
+            <a:endParaRPr lang="fr-FR" dirty="0"/>
+          </a:p>
+          <a:p>
+            <a:endParaRPr lang="fr-FR" dirty="0"/>
+          </a:p>
+        </p:txBody>
+      </p:sp>
+    </p:spTree>
+    <p:extLst>
+      <p:ext uri="{BB962C8B-B14F-4D97-AF65-F5344CB8AC3E}">
+        <p14:creationId xmlns:p14="http://schemas.microsoft.com/office/powerpoint/2010/main" val="459145281"/>
+      </p:ext>
+    </p:extLst>
+  </p:cSld>
+  <p:clrMapOvr>
+    <a:masterClrMapping/>
+  </p:clrMapOvr>
+  <p:timing>
+    <p:tnLst>
+      <p:par>
+        <p:cTn id="1" dur="indefinite" restart="never" nodeType="tmRoot"/>
+      </p:par>
+    </p:tnLst>
+  </p:timing>
+</p:sld>
+</file>
+
+<file path=ppt/slides/slide32.xml><?xml version="1.0" encoding="utf-8"?>
+<p:sld xmlns:a="http://schemas.openxmlformats.org/drawingml/2006/main" xmlns:r="http://schemas.openxmlformats.org/officeDocument/2006/relationships" xmlns:p="http://schemas.openxmlformats.org/presentationml/2006/main">
+  <p:cSld>
+    <p:spTree>
+      <p:nvGrpSpPr>
+        <p:cNvPr id="1" name=""/>
+        <p:cNvGrpSpPr/>
+        <p:nvPr/>
+      </p:nvGrpSpPr>
+      <p:grpSpPr>
+        <a:xfrm>
+          <a:off x="0" y="0"/>
+          <a:ext cx="0" cy="0"/>
+          <a:chOff x="0" y="0"/>
+          <a:chExt cx="0" cy="0"/>
+        </a:xfrm>
+      </p:grpSpPr>
+      <p:sp>
+        <p:nvSpPr>
+          <p:cNvPr id="2" name="Titre 1"/>
+          <p:cNvSpPr>
+            <a:spLocks noGrp="1"/>
+          </p:cNvSpPr>
+          <p:nvPr>
+            <p:ph type="title"/>
+          </p:nvPr>
+        </p:nvSpPr>
+        <p:spPr/>
+        <p:txBody>
+          <a:bodyPr>
+            <a:normAutofit/>
+          </a:bodyPr>
+          <a:lstStyle/>
+          <a:p>
+            <a:r>
+              <a:rPr lang="fr-FR" sz="3200" b="1" dirty="0" smtClean="0">
+                <a:latin typeface="Arial" panose="020B0604020202020204" pitchFamily="34" charset="0"/>
+                <a:cs typeface="Arial" panose="020B0604020202020204" pitchFamily="34" charset="0"/>
+              </a:rPr>
+              <a:t>Zen of python</a:t>
+            </a:r>
+            <a:endParaRPr lang="fr-FR" sz="3200" b="1" dirty="0">
+              <a:latin typeface="Arial" panose="020B0604020202020204" pitchFamily="34" charset="0"/>
+              <a:cs typeface="Arial" panose="020B0604020202020204" pitchFamily="34" charset="0"/>
+            </a:endParaRPr>
+          </a:p>
+        </p:txBody>
+      </p:sp>
+      <p:pic>
+        <p:nvPicPr>
+          <p:cNvPr id="4" name="Image 3"/>
+          <p:cNvPicPr>
+            <a:picLocks noChangeAspect="1"/>
+          </p:cNvPicPr>
+          <p:nvPr/>
+        </p:nvPicPr>
+        <p:blipFill>
+          <a:blip r:embed="rId2">
+            <a:extLst>
+              <a:ext uri="{28A0092B-C50C-407E-A947-70E740481C1C}">
+                <a14:useLocalDpi xmlns:a14="http://schemas.microsoft.com/office/drawing/2010/main" val="0"/>
+              </a:ext>
+            </a:extLst>
+          </a:blip>
+          <a:stretch>
+            <a:fillRect/>
+          </a:stretch>
+        </p:blipFill>
+        <p:spPr>
+          <a:xfrm>
+            <a:off x="1331640" y="1052736"/>
+            <a:ext cx="6480000" cy="5464030"/>
+          </a:xfrm>
+          <a:prstGeom prst="rect">
+            <a:avLst/>
+          </a:prstGeom>
+        </p:spPr>
+      </p:pic>
+    </p:spTree>
+    <p:extLst>
+      <p:ext uri="{BB962C8B-B14F-4D97-AF65-F5344CB8AC3E}">
+        <p14:creationId xmlns:p14="http://schemas.microsoft.com/office/powerpoint/2010/main" val="1793392523"/>
+      </p:ext>
+    </p:extLst>
+  </p:cSld>
+  <p:clrMapOvr>
+    <a:masterClrMapping/>
+  </p:clrMapOvr>
+</p:sld>
+</file>
+
+<file path=ppt/slides/slide33.xml><?xml version="1.0" encoding="utf-8"?>
+<p:sld xmlns:a="http://schemas.openxmlformats.org/drawingml/2006/main" xmlns:r="http://schemas.openxmlformats.org/officeDocument/2006/relationships" xmlns:p="http://schemas.openxmlformats.org/presentationml/2006/main">
+  <p:cSld>
+    <p:spTree>
+      <p:nvGrpSpPr>
+        <p:cNvPr id="1" name=""/>
+        <p:cNvGrpSpPr/>
+        <p:nvPr/>
+      </p:nvGrpSpPr>
+      <p:grpSpPr>
+        <a:xfrm>
+          <a:off x="0" y="0"/>
+          <a:ext cx="0" cy="0"/>
+          <a:chOff x="0" y="0"/>
+          <a:chExt cx="0" cy="0"/>
+        </a:xfrm>
+      </p:grpSpPr>
+      <p:sp>
+        <p:nvSpPr>
+          <p:cNvPr id="2" name="Titre 1"/>
+          <p:cNvSpPr>
+            <a:spLocks noGrp="1"/>
+          </p:cNvSpPr>
+          <p:nvPr>
+            <p:ph type="title"/>
+          </p:nvPr>
+        </p:nvSpPr>
+        <p:spPr/>
+        <p:txBody>
+          <a:bodyPr>
+            <a:normAutofit/>
+          </a:bodyPr>
+          <a:lstStyle/>
+          <a:p>
+            <a:r>
+              <a:rPr lang="fr-FR" sz="3200" b="1" dirty="0" smtClean="0">
+                <a:latin typeface="Arial" panose="020B0604020202020204" pitchFamily="34" charset="0"/>
+                <a:cs typeface="Arial" panose="020B0604020202020204" pitchFamily="34" charset="0"/>
+              </a:rPr>
+              <a:t>autres</a:t>
+            </a:r>
+            <a:endParaRPr lang="fr-FR" sz="3200" b="1" dirty="0">
+              <a:latin typeface="Arial" panose="020B0604020202020204" pitchFamily="34" charset="0"/>
+              <a:cs typeface="Arial" panose="020B0604020202020204" pitchFamily="34" charset="0"/>
+            </a:endParaRPr>
+          </a:p>
+        </p:txBody>
+      </p:sp>
+      <p:sp>
+        <p:nvSpPr>
+          <p:cNvPr id="3" name="Espace réservé du contenu 2"/>
+          <p:cNvSpPr>
+            <a:spLocks noGrp="1"/>
+          </p:cNvSpPr>
+          <p:nvPr>
+            <p:ph idx="1"/>
+          </p:nvPr>
+        </p:nvSpPr>
+        <p:spPr/>
+        <p:txBody>
+          <a:bodyPr/>
+          <a:lstStyle/>
+          <a:p>
+            <a:r>
+              <a:rPr lang="fr-FR" dirty="0" smtClean="0">
+                <a:latin typeface="Arial" panose="020B0604020202020204" pitchFamily="34" charset="0"/>
+                <a:cs typeface="Arial" panose="020B0604020202020204" pitchFamily="34" charset="0"/>
+              </a:rPr>
+              <a:t>Tests </a:t>
+            </a:r>
+            <a:r>
+              <a:rPr lang="fr-FR" dirty="0">
+                <a:latin typeface="Arial" panose="020B0604020202020204" pitchFamily="34" charset="0"/>
+                <a:cs typeface="Arial" panose="020B0604020202020204" pitchFamily="34" charset="0"/>
+              </a:rPr>
+              <a:t>unitaires</a:t>
+            </a:r>
+          </a:p>
+          <a:p>
+            <a:r>
+              <a:rPr lang="fr-FR" dirty="0">
+                <a:latin typeface="Arial" panose="020B0604020202020204" pitchFamily="34" charset="0"/>
+                <a:cs typeface="Arial" panose="020B0604020202020204" pitchFamily="34" charset="0"/>
+              </a:rPr>
+              <a:t>Gestionnaire de code (</a:t>
+            </a:r>
+            <a:r>
+              <a:rPr lang="fr-FR" dirty="0" err="1">
+                <a:latin typeface="Arial" panose="020B0604020202020204" pitchFamily="34" charset="0"/>
+                <a:cs typeface="Arial" panose="020B0604020202020204" pitchFamily="34" charset="0"/>
+              </a:rPr>
+              <a:t>Git,github</a:t>
+            </a:r>
+            <a:r>
+              <a:rPr lang="fr-FR" dirty="0">
+                <a:latin typeface="Arial" panose="020B0604020202020204" pitchFamily="34" charset="0"/>
+                <a:cs typeface="Arial" panose="020B0604020202020204" pitchFamily="34" charset="0"/>
+              </a:rPr>
+              <a:t>, et </a:t>
+            </a:r>
+            <a:r>
+              <a:rPr lang="fr-FR" dirty="0" err="1">
+                <a:latin typeface="Arial" panose="020B0604020202020204" pitchFamily="34" charset="0"/>
+                <a:cs typeface="Arial" panose="020B0604020202020204" pitchFamily="34" charset="0"/>
+              </a:rPr>
+              <a:t>github</a:t>
+            </a:r>
+            <a:r>
+              <a:rPr lang="fr-FR" dirty="0">
+                <a:latin typeface="Arial" panose="020B0604020202020204" pitchFamily="34" charset="0"/>
+                <a:cs typeface="Arial" panose="020B0604020202020204" pitchFamily="34" charset="0"/>
+              </a:rPr>
+              <a:t> desktop).</a:t>
+            </a:r>
+          </a:p>
+          <a:p>
+            <a:pPr marL="0" indent="0">
+              <a:buNone/>
+            </a:pPr>
+            <a:endParaRPr lang="fr-FR" dirty="0"/>
+          </a:p>
+        </p:txBody>
+      </p:sp>
+    </p:spTree>
+    <p:extLst>
+      <p:ext uri="{BB962C8B-B14F-4D97-AF65-F5344CB8AC3E}">
+        <p14:creationId xmlns:p14="http://schemas.microsoft.com/office/powerpoint/2010/main" val="1023880071"/>
+      </p:ext>
+    </p:extLst>
+  </p:cSld>
+  <p:clrMapOvr>
+    <a:masterClrMapping/>
+  </p:clrMapOvr>
+</p:sld>
+</file>
+
+<file path=ppt/slides/slide34.xml><?xml version="1.0" encoding="utf-8"?>
 <p:sld xmlns:a="http://schemas.openxmlformats.org/drawingml/2006/main" xmlns:r="http://schemas.openxmlformats.org/officeDocument/2006/relationships" xmlns:p="http://schemas.openxmlformats.org/presentationml/2006/main">
   <p:cSld>
     <p:spTree>
@@ -5459,325 +7460,13 @@
   <p:clrMapOvr>
     <a:masterClrMapping/>
   </p:clrMapOvr>
-</p:sld>
-</file>
-
-<file path=ppt/slides/slide3.xml><?xml version="1.0" encoding="utf-8"?>
-<p:sld xmlns:a="http://schemas.openxmlformats.org/drawingml/2006/main" xmlns:r="http://schemas.openxmlformats.org/officeDocument/2006/relationships" xmlns:p="http://schemas.openxmlformats.org/presentationml/2006/main">
-  <p:cSld>
-    <p:spTree>
-      <p:nvGrpSpPr>
-        <p:cNvPr id="1" name=""/>
-        <p:cNvGrpSpPr/>
-        <p:nvPr/>
-      </p:nvGrpSpPr>
-      <p:grpSpPr>
-        <a:xfrm>
-          <a:off x="0" y="0"/>
-          <a:ext cx="0" cy="0"/>
-          <a:chOff x="0" y="0"/>
-          <a:chExt cx="0" cy="0"/>
-        </a:xfrm>
-      </p:grpSpPr>
-      <p:sp>
-        <p:nvSpPr>
-          <p:cNvPr id="2" name="Titre 1"/>
-          <p:cNvSpPr>
-            <a:spLocks noGrp="1"/>
-          </p:cNvSpPr>
-          <p:nvPr>
-            <p:ph type="title"/>
-          </p:nvPr>
-        </p:nvSpPr>
-        <p:spPr>
-          <a:xfrm>
-            <a:off x="457200" y="274638"/>
-            <a:ext cx="8229600" cy="922114"/>
-          </a:xfrm>
-        </p:spPr>
-        <p:txBody>
-          <a:bodyPr>
-            <a:normAutofit/>
-          </a:bodyPr>
-          <a:lstStyle/>
-          <a:p>
-            <a:r>
-              <a:rPr lang="fr-FR" sz="3200" b="1" dirty="0">
-                <a:latin typeface="Arial" panose="020B0604020202020204" pitchFamily="34" charset="0"/>
-                <a:cs typeface="Arial" panose="020B0604020202020204" pitchFamily="34" charset="0"/>
-              </a:rPr>
-              <a:t>Pourquoi s’intéresser à Python?</a:t>
-            </a:r>
-          </a:p>
-        </p:txBody>
-      </p:sp>
-      <p:sp>
-        <p:nvSpPr>
-          <p:cNvPr id="3" name="Espace réservé du contenu 2"/>
-          <p:cNvSpPr>
-            <a:spLocks noGrp="1"/>
-          </p:cNvSpPr>
-          <p:nvPr>
-            <p:ph idx="1"/>
-          </p:nvPr>
-        </p:nvSpPr>
-        <p:spPr>
-          <a:xfrm>
-            <a:off x="457200" y="980728"/>
-            <a:ext cx="8435280" cy="5877272"/>
-          </a:xfrm>
-        </p:spPr>
-        <p:txBody>
-          <a:bodyPr>
-            <a:normAutofit fontScale="85000" lnSpcReduction="20000"/>
-          </a:bodyPr>
-          <a:lstStyle/>
-          <a:p>
-            <a:r>
-              <a:rPr lang="fr-FR" sz="2800" b="1" dirty="0">
-                <a:latin typeface="Arial" panose="020B0604020202020204" pitchFamily="34" charset="0"/>
-                <a:cs typeface="Arial" panose="020B0604020202020204" pitchFamily="34" charset="0"/>
-              </a:rPr>
-              <a:t>Index TIOBE </a:t>
-            </a:r>
-          </a:p>
-          <a:p>
-            <a:pPr lvl="1"/>
-            <a:r>
-              <a:rPr lang="fr-FR" sz="2100" dirty="0">
-                <a:latin typeface="Arial" panose="020B0604020202020204" pitchFamily="34" charset="0"/>
-                <a:cs typeface="Arial" panose="020B0604020202020204" pitchFamily="34" charset="0"/>
-              </a:rPr>
-              <a:t>Python en 3</a:t>
-            </a:r>
-            <a:r>
-              <a:rPr lang="fr-FR" sz="2100" baseline="30000" dirty="0">
-                <a:latin typeface="Arial" panose="020B0604020202020204" pitchFamily="34" charset="0"/>
-                <a:cs typeface="Arial" panose="020B0604020202020204" pitchFamily="34" charset="0"/>
-              </a:rPr>
-              <a:t>e</a:t>
-            </a:r>
-            <a:r>
-              <a:rPr lang="fr-FR" sz="2100" dirty="0">
-                <a:latin typeface="Arial" panose="020B0604020202020204" pitchFamily="34" charset="0"/>
-                <a:cs typeface="Arial" panose="020B0604020202020204" pitchFamily="34" charset="0"/>
-              </a:rPr>
-              <a:t> place (derrière java et C)</a:t>
-            </a:r>
-          </a:p>
-          <a:p>
-            <a:pPr lvl="1"/>
-            <a:r>
-              <a:rPr lang="fr-FR" sz="2100" dirty="0">
-                <a:latin typeface="Arial" panose="020B0604020202020204" pitchFamily="34" charset="0"/>
-                <a:cs typeface="Arial" panose="020B0604020202020204" pitchFamily="34" charset="0"/>
-              </a:rPr>
-              <a:t>Python langage de l'année 2018 : </a:t>
-            </a:r>
-            <a:r>
-              <a:rPr lang="fr-FR" sz="2100" i="1" dirty="0">
-                <a:latin typeface="Arial" panose="020B0604020202020204" pitchFamily="34" charset="0"/>
-                <a:cs typeface="Arial" panose="020B0604020202020204" pitchFamily="34" charset="0"/>
-              </a:rPr>
-              <a:t>a gagné le plus de points de classement en 2018 par rapport à tous les autres langages</a:t>
-            </a:r>
-          </a:p>
-          <a:p>
-            <a:pPr lvl="1"/>
-            <a:r>
-              <a:rPr lang="fr-FR" sz="2100" dirty="0">
-                <a:latin typeface="Arial" panose="020B0604020202020204" pitchFamily="34" charset="0"/>
-                <a:cs typeface="Arial" panose="020B0604020202020204" pitchFamily="34" charset="0"/>
-              </a:rPr>
-              <a:t>« Depuis près de 20 ans, C, C ++ et Java figurent systématiquement dans le top 3, loin devant le reste du peloton. Python rejoint ces 3 langages maintenant. De nos jours, c’est le langage le plus enseigné dans les universités. Il est numéro un dans le domaine statistique, numéro un en programmation d’IA, numéro un en rédaction de scripts et numéro un en tests de système d’écriture. En outre, Python est également un chef de file de la programmation Web et de l’informatique scientifique ».</a:t>
-            </a:r>
-          </a:p>
-          <a:p>
-            <a:r>
-              <a:rPr lang="fr-FR" sz="2800" b="1" dirty="0">
-                <a:latin typeface="Arial" panose="020B0604020202020204" pitchFamily="34" charset="0"/>
-                <a:cs typeface="Arial" panose="020B0604020202020204" pitchFamily="34" charset="0"/>
-              </a:rPr>
-              <a:t>Classement Institute of </a:t>
-            </a:r>
-            <a:r>
-              <a:rPr lang="fr-FR" sz="2800" b="1" dirty="0" err="1">
-                <a:latin typeface="Arial" panose="020B0604020202020204" pitchFamily="34" charset="0"/>
-                <a:cs typeface="Arial" panose="020B0604020202020204" pitchFamily="34" charset="0"/>
-              </a:rPr>
-              <a:t>Electrical</a:t>
-            </a:r>
-            <a:r>
-              <a:rPr lang="fr-FR" sz="2800" b="1" dirty="0">
-                <a:latin typeface="Arial" panose="020B0604020202020204" pitchFamily="34" charset="0"/>
-                <a:cs typeface="Arial" panose="020B0604020202020204" pitchFamily="34" charset="0"/>
-              </a:rPr>
-              <a:t> and Electronics </a:t>
-            </a:r>
-            <a:r>
-              <a:rPr lang="fr-FR" sz="2800" b="1" dirty="0" err="1">
-                <a:latin typeface="Arial" panose="020B0604020202020204" pitchFamily="34" charset="0"/>
-                <a:cs typeface="Arial" panose="020B0604020202020204" pitchFamily="34" charset="0"/>
-              </a:rPr>
-              <a:t>Engineers</a:t>
-            </a:r>
-            <a:r>
-              <a:rPr lang="fr-FR" sz="2800" b="1" dirty="0">
-                <a:latin typeface="Arial" panose="020B0604020202020204" pitchFamily="34" charset="0"/>
-                <a:cs typeface="Arial" panose="020B0604020202020204" pitchFamily="34" charset="0"/>
-              </a:rPr>
-              <a:t>  : python 1</a:t>
-            </a:r>
-            <a:r>
-              <a:rPr lang="fr-FR" sz="2800" b="1" baseline="30000" dirty="0">
-                <a:latin typeface="Arial" panose="020B0604020202020204" pitchFamily="34" charset="0"/>
-                <a:cs typeface="Arial" panose="020B0604020202020204" pitchFamily="34" charset="0"/>
-              </a:rPr>
-              <a:t>er</a:t>
-            </a:r>
-            <a:r>
-              <a:rPr lang="fr-FR" sz="2800" b="1" dirty="0">
-                <a:latin typeface="Arial" panose="020B0604020202020204" pitchFamily="34" charset="0"/>
-                <a:cs typeface="Arial" panose="020B0604020202020204" pitchFamily="34" charset="0"/>
-              </a:rPr>
-              <a:t> (2017,2018)</a:t>
-            </a:r>
-          </a:p>
-          <a:p>
-            <a:r>
-              <a:rPr lang="fr-FR" sz="2800" b="1" dirty="0">
-                <a:latin typeface="Arial" panose="020B0604020202020204" pitchFamily="34" charset="0"/>
-                <a:cs typeface="Arial" panose="020B0604020202020204" pitchFamily="34" charset="0"/>
-              </a:rPr>
-              <a:t>Enquête </a:t>
-            </a:r>
-            <a:r>
-              <a:rPr lang="fr-FR" sz="2800" b="1" dirty="0" err="1">
-                <a:latin typeface="Arial" panose="020B0604020202020204" pitchFamily="34" charset="0"/>
-                <a:cs typeface="Arial" panose="020B0604020202020204" pitchFamily="34" charset="0"/>
-              </a:rPr>
-              <a:t>stackoverflow</a:t>
-            </a:r>
-            <a:r>
-              <a:rPr lang="fr-FR" sz="2800" b="1" dirty="0">
-                <a:latin typeface="Arial" panose="020B0604020202020204" pitchFamily="34" charset="0"/>
-                <a:cs typeface="Arial" panose="020B0604020202020204" pitchFamily="34" charset="0"/>
-              </a:rPr>
-              <a:t> 2018</a:t>
-            </a:r>
-          </a:p>
-          <a:p>
-            <a:pPr lvl="1"/>
-            <a:r>
-              <a:rPr lang="fr-FR" sz="2100" i="1" dirty="0">
-                <a:latin typeface="Arial" panose="020B0604020202020204" pitchFamily="34" charset="0"/>
-                <a:cs typeface="Arial" panose="020B0604020202020204" pitchFamily="34" charset="0"/>
-              </a:rPr>
-              <a:t>«  </a:t>
-            </a:r>
-            <a:r>
-              <a:rPr lang="en-US" sz="2100" i="1" dirty="0">
-                <a:latin typeface="Arial" panose="020B0604020202020204" pitchFamily="34" charset="0"/>
-                <a:cs typeface="Arial" panose="020B0604020202020204" pitchFamily="34" charset="0"/>
-              </a:rPr>
-              <a:t>Python is the most wanted language for the second year in a row</a:t>
-            </a:r>
-            <a:r>
-              <a:rPr lang="fr-FR" sz="2100" i="1" dirty="0">
-                <a:latin typeface="Arial" panose="020B0604020202020204" pitchFamily="34" charset="0"/>
-                <a:cs typeface="Arial" panose="020B0604020202020204" pitchFamily="34" charset="0"/>
-              </a:rPr>
-              <a:t>»</a:t>
-            </a:r>
-          </a:p>
-          <a:p>
-            <a:pPr lvl="1"/>
-            <a:r>
-              <a:rPr lang="fr-FR" sz="2100" i="1" dirty="0">
-                <a:latin typeface="Arial" panose="020B0604020202020204" pitchFamily="34" charset="0"/>
-                <a:cs typeface="Arial" panose="020B0604020202020204" pitchFamily="34" charset="0"/>
-              </a:rPr>
-              <a:t>« </a:t>
-            </a:r>
-            <a:r>
-              <a:rPr lang="en-US" sz="2100" i="1" dirty="0">
-                <a:latin typeface="Arial" panose="020B0604020202020204" pitchFamily="34" charset="0"/>
-                <a:cs typeface="Arial" panose="020B0604020202020204" pitchFamily="34" charset="0"/>
-              </a:rPr>
-              <a:t> Python has risen in the ranks, surpassing C# this year, much like it surpassed PHP last year. Python has a solid claim to being the fastest-growing major programming language.</a:t>
-            </a:r>
-            <a:r>
-              <a:rPr lang="fr-FR" sz="2100" i="1" dirty="0">
-                <a:latin typeface="Arial" panose="020B0604020202020204" pitchFamily="34" charset="0"/>
-                <a:cs typeface="Arial" panose="020B0604020202020204" pitchFamily="34" charset="0"/>
-              </a:rPr>
-              <a:t> » </a:t>
-            </a:r>
-            <a:r>
-              <a:rPr lang="fr-FR" sz="2100" dirty="0">
-                <a:latin typeface="Arial" panose="020B0604020202020204" pitchFamily="34" charset="0"/>
-                <a:cs typeface="Arial" panose="020B0604020202020204" pitchFamily="34" charset="0"/>
-              </a:rPr>
-              <a:t>Python est 2</a:t>
-            </a:r>
-            <a:r>
-              <a:rPr lang="fr-FR" sz="2100" baseline="30000" dirty="0">
-                <a:latin typeface="Arial" panose="020B0604020202020204" pitchFamily="34" charset="0"/>
-                <a:cs typeface="Arial" panose="020B0604020202020204" pitchFamily="34" charset="0"/>
-              </a:rPr>
-              <a:t>e</a:t>
-            </a:r>
-            <a:r>
-              <a:rPr lang="fr-FR" sz="2100" dirty="0">
-                <a:latin typeface="Arial" panose="020B0604020202020204" pitchFamily="34" charset="0"/>
-                <a:cs typeface="Arial" panose="020B0604020202020204" pitchFamily="34" charset="0"/>
-              </a:rPr>
-              <a:t> derrière Java</a:t>
-            </a:r>
-            <a:endParaRPr lang="fr-FR" sz="2800" b="1" dirty="0">
-              <a:latin typeface="Arial" panose="020B0604020202020204" pitchFamily="34" charset="0"/>
-              <a:cs typeface="Arial" panose="020B0604020202020204" pitchFamily="34" charset="0"/>
-            </a:endParaRPr>
-          </a:p>
-          <a:p>
-            <a:r>
-              <a:rPr lang="fr-FR" sz="2800" b="1" dirty="0">
-                <a:latin typeface="Arial" panose="020B0604020202020204" pitchFamily="34" charset="0"/>
-                <a:cs typeface="Arial" panose="020B0604020202020204" pitchFamily="34" charset="0"/>
-              </a:rPr>
-              <a:t>Documents de l’éducation nationale pour préparer la réforme du bac </a:t>
-            </a:r>
-            <a:r>
-              <a:rPr lang="fr-FR" sz="2300" b="1" i="1" dirty="0">
-                <a:latin typeface="Arial" panose="020B0604020202020204" pitchFamily="34" charset="0"/>
-                <a:cs typeface="Arial" panose="020B0604020202020204" pitchFamily="34" charset="0"/>
-              </a:rPr>
-              <a:t>« </a:t>
-            </a:r>
-            <a:r>
-              <a:rPr lang="fr-FR" sz="2300" i="1" dirty="0">
-                <a:latin typeface="Arial" panose="020B0604020202020204" pitchFamily="34" charset="0"/>
-                <a:cs typeface="Arial" panose="020B0604020202020204" pitchFamily="34" charset="0"/>
-              </a:rPr>
-              <a:t>Au moment de la conception de ce programme, le langage choisi est Python version 3  »</a:t>
-            </a:r>
-            <a:endParaRPr lang="fr-FR" sz="2300" b="1" i="1" dirty="0">
-              <a:latin typeface="Arial" panose="020B0604020202020204" pitchFamily="34" charset="0"/>
-              <a:cs typeface="Arial" panose="020B0604020202020204" pitchFamily="34" charset="0"/>
-            </a:endParaRPr>
-          </a:p>
-        </p:txBody>
-      </p:sp>
-    </p:spTree>
-    <p:extLst>
-      <p:ext uri="{BB962C8B-B14F-4D97-AF65-F5344CB8AC3E}">
-        <p14:creationId xmlns:p14="http://schemas.microsoft.com/office/powerpoint/2010/main" val="1973488989"/>
-      </p:ext>
-    </p:extLst>
-  </p:cSld>
-  <p:clrMapOvr>
-    <a:masterClrMapping/>
-  </p:clrMapOvr>
+  <p:timing>
+    <p:tnLst>
+      <p:par>
+        <p:cTn id="1" dur="indefinite" restart="never" nodeType="tmRoot"/>
+      </p:par>
+    </p:tnLst>
+  </p:timing>
 </p:sld>
 </file>
 

--- a/formation python.pptx
+++ b/formation python.pptx
@@ -139,7 +139,7 @@
   </p:defaultTextStyle>
   <p:extLst>
     <p:ext uri="{EFAFB233-063F-42B5-8137-9DF3F51BA10A}">
-      <p15:sldGuideLst xmlns:p15="http://schemas.microsoft.com/office/powerpoint/2012/main" xmlns="">
+      <p15:sldGuideLst xmlns="" xmlns:p15="http://schemas.microsoft.com/office/powerpoint/2012/main">
         <p15:guide id="1" orient="horz" pos="2160">
           <p15:clr>
             <a:srgbClr val="A4A3A4"/>
@@ -335,7 +335,7 @@
           <a:p>
             <a:fld id="{765F0E4A-4BC1-45D8-AEB9-09F4A4417523}" type="datetimeFigureOut">
               <a:rPr lang="fr-FR" smtClean="0"/>
-              <a:t>01/04/2019</a:t>
+              <a:t>02/04/2019</a:t>
             </a:fld>
             <a:endParaRPr lang="fr-FR"/>
           </a:p>
@@ -503,7 +503,7 @@
           <a:p>
             <a:fld id="{765F0E4A-4BC1-45D8-AEB9-09F4A4417523}" type="datetimeFigureOut">
               <a:rPr lang="fr-FR" smtClean="0"/>
-              <a:t>01/04/2019</a:t>
+              <a:t>02/04/2019</a:t>
             </a:fld>
             <a:endParaRPr lang="fr-FR"/>
           </a:p>
@@ -681,7 +681,7 @@
           <a:p>
             <a:fld id="{765F0E4A-4BC1-45D8-AEB9-09F4A4417523}" type="datetimeFigureOut">
               <a:rPr lang="fr-FR" smtClean="0"/>
-              <a:t>01/04/2019</a:t>
+              <a:t>02/04/2019</a:t>
             </a:fld>
             <a:endParaRPr lang="fr-FR"/>
           </a:p>
@@ -849,7 +849,7 @@
           <a:p>
             <a:fld id="{765F0E4A-4BC1-45D8-AEB9-09F4A4417523}" type="datetimeFigureOut">
               <a:rPr lang="fr-FR" smtClean="0"/>
-              <a:t>01/04/2019</a:t>
+              <a:t>02/04/2019</a:t>
             </a:fld>
             <a:endParaRPr lang="fr-FR"/>
           </a:p>
@@ -1094,7 +1094,7 @@
           <a:p>
             <a:fld id="{765F0E4A-4BC1-45D8-AEB9-09F4A4417523}" type="datetimeFigureOut">
               <a:rPr lang="fr-FR" smtClean="0"/>
-              <a:t>01/04/2019</a:t>
+              <a:t>02/04/2019</a:t>
             </a:fld>
             <a:endParaRPr lang="fr-FR"/>
           </a:p>
@@ -1379,7 +1379,7 @@
           <a:p>
             <a:fld id="{765F0E4A-4BC1-45D8-AEB9-09F4A4417523}" type="datetimeFigureOut">
               <a:rPr lang="fr-FR" smtClean="0"/>
-              <a:t>01/04/2019</a:t>
+              <a:t>02/04/2019</a:t>
             </a:fld>
             <a:endParaRPr lang="fr-FR"/>
           </a:p>
@@ -1798,7 +1798,7 @@
           <a:p>
             <a:fld id="{765F0E4A-4BC1-45D8-AEB9-09F4A4417523}" type="datetimeFigureOut">
               <a:rPr lang="fr-FR" smtClean="0"/>
-              <a:t>01/04/2019</a:t>
+              <a:t>02/04/2019</a:t>
             </a:fld>
             <a:endParaRPr lang="fr-FR"/>
           </a:p>
@@ -1915,7 +1915,7 @@
           <a:p>
             <a:fld id="{765F0E4A-4BC1-45D8-AEB9-09F4A4417523}" type="datetimeFigureOut">
               <a:rPr lang="fr-FR" smtClean="0"/>
-              <a:t>01/04/2019</a:t>
+              <a:t>02/04/2019</a:t>
             </a:fld>
             <a:endParaRPr lang="fr-FR"/>
           </a:p>
@@ -2010,7 +2010,7 @@
           <a:p>
             <a:fld id="{765F0E4A-4BC1-45D8-AEB9-09F4A4417523}" type="datetimeFigureOut">
               <a:rPr lang="fr-FR" smtClean="0"/>
-              <a:t>01/04/2019</a:t>
+              <a:t>02/04/2019</a:t>
             </a:fld>
             <a:endParaRPr lang="fr-FR"/>
           </a:p>
@@ -2285,7 +2285,7 @@
           <a:p>
             <a:fld id="{765F0E4A-4BC1-45D8-AEB9-09F4A4417523}" type="datetimeFigureOut">
               <a:rPr lang="fr-FR" smtClean="0"/>
-              <a:t>01/04/2019</a:t>
+              <a:t>02/04/2019</a:t>
             </a:fld>
             <a:endParaRPr lang="fr-FR"/>
           </a:p>
@@ -2537,7 +2537,7 @@
           <a:p>
             <a:fld id="{765F0E4A-4BC1-45D8-AEB9-09F4A4417523}" type="datetimeFigureOut">
               <a:rPr lang="fr-FR" smtClean="0"/>
-              <a:t>01/04/2019</a:t>
+              <a:t>02/04/2019</a:t>
             </a:fld>
             <a:endParaRPr lang="fr-FR"/>
           </a:p>
@@ -2748,7 +2748,7 @@
           <a:p>
             <a:fld id="{765F0E4A-4BC1-45D8-AEB9-09F4A4417523}" type="datetimeFigureOut">
               <a:rPr lang="fr-FR" smtClean="0"/>
-              <a:t>01/04/2019</a:t>
+              <a:t>02/04/2019</a:t>
             </a:fld>
             <a:endParaRPr lang="fr-FR"/>
           </a:p>
@@ -5168,60 +5168,23 @@
           </a:p>
           <a:p>
             <a:r>
-              <a:rPr lang="fr-FR" dirty="0" err="1">
+              <a:rPr lang="fr-FR" dirty="0" err="1" smtClean="0">
                 <a:latin typeface="Arial" panose="020B0604020202020204" pitchFamily="34" charset="0"/>
                 <a:cs typeface="Arial" panose="020B0604020202020204" pitchFamily="34" charset="0"/>
               </a:rPr>
               <a:t>Dataframe</a:t>
+            </a:r>
+            <a:r>
+              <a:rPr lang="fr-FR" dirty="0" smtClean="0">
+                <a:latin typeface="Arial" panose="020B0604020202020204" pitchFamily="34" charset="0"/>
+                <a:cs typeface="Arial" panose="020B0604020202020204" pitchFamily="34" charset="0"/>
+              </a:rPr>
+              <a:t> : tableau avec n Séries</a:t>
             </a:r>
             <a:endParaRPr lang="fr-FR" dirty="0">
               <a:latin typeface="Arial" panose="020B0604020202020204" pitchFamily="34" charset="0"/>
               <a:cs typeface="Arial" panose="020B0604020202020204" pitchFamily="34" charset="0"/>
             </a:endParaRPr>
-          </a:p>
-          <a:p>
-            <a:pPr lvl="1"/>
-            <a:r>
-              <a:rPr lang="fr-FR" dirty="0">
-                <a:latin typeface="Arial" panose="020B0604020202020204" pitchFamily="34" charset="0"/>
-                <a:cs typeface="Arial" panose="020B0604020202020204" pitchFamily="34" charset="0"/>
-              </a:rPr>
-              <a:t>Création, </a:t>
-            </a:r>
-            <a:r>
-              <a:rPr lang="fr-FR" dirty="0" err="1">
-                <a:latin typeface="Arial" panose="020B0604020202020204" pitchFamily="34" charset="0"/>
-                <a:cs typeface="Arial" panose="020B0604020202020204" pitchFamily="34" charset="0"/>
-              </a:rPr>
-              <a:t>imports,exports</a:t>
-            </a:r>
-            <a:r>
-              <a:rPr lang="fr-FR" dirty="0">
-                <a:latin typeface="Arial" panose="020B0604020202020204" pitchFamily="34" charset="0"/>
-                <a:cs typeface="Arial" panose="020B0604020202020204" pitchFamily="34" charset="0"/>
-              </a:rPr>
-              <a:t>, sauvegarde</a:t>
-            </a:r>
-          </a:p>
-          <a:p>
-            <a:pPr lvl="1"/>
-            <a:r>
-              <a:rPr lang="fr-FR" dirty="0">
-                <a:latin typeface="Arial" panose="020B0604020202020204" pitchFamily="34" charset="0"/>
-                <a:cs typeface="Arial" panose="020B0604020202020204" pitchFamily="34" charset="0"/>
-              </a:rPr>
-              <a:t>Manipulation de données (sélections, mises à jour, jointure)</a:t>
-            </a:r>
-          </a:p>
-          <a:p>
-            <a:pPr lvl="1"/>
-            <a:r>
-              <a:rPr lang="fr-FR" dirty="0">
-                <a:latin typeface="Arial" panose="020B0604020202020204" pitchFamily="34" charset="0"/>
-                <a:cs typeface="Arial" panose="020B0604020202020204" pitchFamily="34" charset="0"/>
-              </a:rPr>
-              <a:t>Statistiques exploratoire</a:t>
-            </a:r>
           </a:p>
         </p:txBody>
       </p:sp>
@@ -5268,7 +5231,7 @@
         <p:spPr>
           <a:xfrm>
             <a:off x="179512" y="274638"/>
-            <a:ext cx="8712968" cy="634082"/>
+            <a:ext cx="8856984" cy="634082"/>
           </a:xfrm>
         </p:spPr>
         <p:txBody>
@@ -5283,25 +5246,18 @@
               </a:spcBef>
             </a:pPr>
             <a:r>
+              <a:rPr lang="fr-FR" sz="3200" b="1" dirty="0" err="1" smtClean="0">
+                <a:latin typeface="Arial" panose="020B0604020202020204" pitchFamily="34" charset="0"/>
+                <a:cs typeface="Arial" panose="020B0604020202020204" pitchFamily="34" charset="0"/>
+              </a:rPr>
+              <a:t>dataframe</a:t>
+            </a:r>
+            <a:r>
               <a:rPr lang="fr-FR" sz="3200" b="1" dirty="0" smtClean="0">
                 <a:latin typeface="Arial" panose="020B0604020202020204" pitchFamily="34" charset="0"/>
                 <a:cs typeface="Arial" panose="020B0604020202020204" pitchFamily="34" charset="0"/>
               </a:rPr>
-              <a:t>Pandas </a:t>
-            </a:r>
-            <a:r>
-              <a:rPr lang="fr-FR" sz="3200" b="1" dirty="0" err="1" smtClean="0">
-                <a:latin typeface="Arial" panose="020B0604020202020204" pitchFamily="34" charset="0"/>
-                <a:cs typeface="Arial" panose="020B0604020202020204" pitchFamily="34" charset="0"/>
-              </a:rPr>
-              <a:t>dataframe</a:t>
-            </a:r>
-            <a:r>
-              <a:rPr lang="fr-FR" sz="3200" b="1" dirty="0" smtClean="0">
-                <a:latin typeface="Arial" panose="020B0604020202020204" pitchFamily="34" charset="0"/>
-                <a:cs typeface="Arial" panose="020B0604020202020204" pitchFamily="34" charset="0"/>
-              </a:rPr>
-              <a:t> imports</a:t>
+              <a:t> data préparation : imports/doublons/conversions</a:t>
             </a:r>
             <a:endParaRPr lang="fr-FR" sz="3200" b="1" dirty="0">
               <a:latin typeface="Arial" panose="020B0604020202020204" pitchFamily="34" charset="0"/>
@@ -5322,13 +5278,13 @@
         </p:nvSpPr>
         <p:spPr>
           <a:xfrm>
-            <a:off x="457200" y="908720"/>
-            <a:ext cx="8686800" cy="5832648"/>
+            <a:off x="457200" y="1052736"/>
+            <a:ext cx="8686800" cy="5688632"/>
           </a:xfrm>
         </p:spPr>
         <p:txBody>
           <a:bodyPr>
-            <a:normAutofit lnSpcReduction="10000"/>
+            <a:normAutofit fontScale="92500" lnSpcReduction="10000"/>
           </a:bodyPr>
           <a:lstStyle/>
           <a:p>
@@ -5434,7 +5390,23 @@
                 <a:latin typeface="Arial" panose="020B0604020202020204" pitchFamily="34" charset="0"/>
                 <a:cs typeface="Arial" panose="020B0604020202020204" pitchFamily="34" charset="0"/>
               </a:rPr>
-              <a:t>Effectuer les conversions de type nécessaires</a:t>
+              <a:t>Suppression doublons si nécessaire</a:t>
+            </a:r>
+          </a:p>
+          <a:p>
+            <a:r>
+              <a:rPr lang="fr-FR" sz="2800" dirty="0" smtClean="0">
+                <a:latin typeface="Arial" panose="020B0604020202020204" pitchFamily="34" charset="0"/>
+                <a:cs typeface="Arial" panose="020B0604020202020204" pitchFamily="34" charset="0"/>
+              </a:rPr>
+              <a:t>Effectuer </a:t>
+            </a:r>
+            <a:r>
+              <a:rPr lang="fr-FR" sz="2800" dirty="0" smtClean="0">
+                <a:latin typeface="Arial" panose="020B0604020202020204" pitchFamily="34" charset="0"/>
+                <a:cs typeface="Arial" panose="020B0604020202020204" pitchFamily="34" charset="0"/>
+              </a:rPr>
+              <a:t>les conversions de type nécessaires</a:t>
             </a:r>
           </a:p>
           <a:p>
@@ -5492,14 +5464,7 @@
                 <a:latin typeface="Arial" panose="020B0604020202020204" pitchFamily="34" charset="0"/>
                 <a:cs typeface="Arial" panose="020B0604020202020204" pitchFamily="34" charset="0"/>
               </a:rPr>
-              <a:t>()</a:t>
-            </a:r>
-            <a:r>
-              <a:rPr lang="fr-FR" sz="2400" dirty="0">
-                <a:latin typeface="Arial" panose="020B0604020202020204" pitchFamily="34" charset="0"/>
-                <a:cs typeface="Arial" panose="020B0604020202020204" pitchFamily="34" charset="0"/>
-              </a:rPr>
-              <a:t> </a:t>
+              <a:t>() </a:t>
             </a:r>
             <a:r>
               <a:rPr lang="fr-FR" sz="2400" dirty="0" smtClean="0">
@@ -5635,11 +5600,25 @@
           <a:lstStyle/>
           <a:p>
             <a:r>
+              <a:rPr lang="fr-FR" sz="3200" b="1" dirty="0" err="1">
+                <a:latin typeface="Arial" panose="020B0604020202020204" pitchFamily="34" charset="0"/>
+                <a:cs typeface="Arial" panose="020B0604020202020204" pitchFamily="34" charset="0"/>
+              </a:rPr>
+              <a:t>dataframe</a:t>
+            </a:r>
+            <a:r>
+              <a:rPr lang="fr-FR" sz="3200" b="1" dirty="0">
+                <a:latin typeface="Arial" panose="020B0604020202020204" pitchFamily="34" charset="0"/>
+                <a:cs typeface="Arial" panose="020B0604020202020204" pitchFamily="34" charset="0"/>
+              </a:rPr>
+              <a:t> data préparation </a:t>
+            </a:r>
+            <a:r>
               <a:rPr lang="fr-FR" sz="3200" b="1" dirty="0" smtClean="0">
                 <a:latin typeface="Arial" panose="020B0604020202020204" pitchFamily="34" charset="0"/>
                 <a:cs typeface="Arial" panose="020B0604020202020204" pitchFamily="34" charset="0"/>
               </a:rPr>
-              <a:t>Traitement des valeurs manquantes : contexte</a:t>
+              <a:t>: valeurs manquantes (1)</a:t>
             </a:r>
             <a:endParaRPr lang="fr-FR" sz="3200" b="1" dirty="0">
               <a:latin typeface="Arial" panose="020B0604020202020204" pitchFamily="34" charset="0"/>
@@ -5916,25 +5895,32 @@
         <p:spPr/>
         <p:txBody>
           <a:bodyPr>
-            <a:normAutofit fontScale="90000"/>
+            <a:normAutofit/>
           </a:bodyPr>
           <a:lstStyle/>
           <a:p>
             <a:r>
-              <a:rPr lang="fr-FR" b="1" dirty="0">
-                <a:latin typeface="Arial" panose="020B0604020202020204" pitchFamily="34" charset="0"/>
-                <a:cs typeface="Arial" panose="020B0604020202020204" pitchFamily="34" charset="0"/>
-              </a:rPr>
-              <a:t>Traitement des valeurs manquantes </a:t>
-            </a:r>
-            <a:r>
-              <a:rPr lang="fr-FR" b="1" dirty="0" smtClean="0">
-                <a:latin typeface="Arial" panose="020B0604020202020204" pitchFamily="34" charset="0"/>
-                <a:cs typeface="Arial" panose="020B0604020202020204" pitchFamily="34" charset="0"/>
-              </a:rPr>
-              <a:t>: solutions</a:t>
-            </a:r>
-            <a:endParaRPr lang="fr-FR" dirty="0"/>
+              <a:rPr lang="fr-FR" sz="3200" b="1" dirty="0" err="1">
+                <a:latin typeface="Arial" panose="020B0604020202020204" pitchFamily="34" charset="0"/>
+                <a:cs typeface="Arial" panose="020B0604020202020204" pitchFamily="34" charset="0"/>
+              </a:rPr>
+              <a:t>dataframe</a:t>
+            </a:r>
+            <a:r>
+              <a:rPr lang="fr-FR" sz="3200" b="1" dirty="0">
+                <a:latin typeface="Arial" panose="020B0604020202020204" pitchFamily="34" charset="0"/>
+                <a:cs typeface="Arial" panose="020B0604020202020204" pitchFamily="34" charset="0"/>
+              </a:rPr>
+              <a:t> data préparation : valeurs manquantes </a:t>
+            </a:r>
+            <a:r>
+              <a:rPr lang="fr-FR" sz="3200" b="1" dirty="0" smtClean="0">
+                <a:latin typeface="Arial" panose="020B0604020202020204" pitchFamily="34" charset="0"/>
+                <a:cs typeface="Arial" panose="020B0604020202020204" pitchFamily="34" charset="0"/>
+              </a:rPr>
+              <a:t>(2)</a:t>
+            </a:r>
+            <a:endParaRPr lang="fr-FR" sz="3200" dirty="0"/>
           </a:p>
         </p:txBody>
       </p:sp>
@@ -5954,73 +5940,120 @@
           <a:lstStyle/>
           <a:p>
             <a:r>
-              <a:rPr lang="fr-FR" dirty="0" smtClean="0"/>
-              <a:t>Méthodes « basiques »</a:t>
+              <a:rPr lang="fr-FR" dirty="0" smtClean="0">
+                <a:latin typeface="Arial" panose="020B0604020202020204" pitchFamily="34" charset="0"/>
+                <a:cs typeface="Arial" panose="020B0604020202020204" pitchFamily="34" charset="0"/>
+              </a:rPr>
+              <a:t>Méthodes </a:t>
+            </a:r>
+            <a:r>
+              <a:rPr lang="fr-FR" dirty="0" smtClean="0">
+                <a:latin typeface="Arial" panose="020B0604020202020204" pitchFamily="34" charset="0"/>
+                <a:cs typeface="Arial" panose="020B0604020202020204" pitchFamily="34" charset="0"/>
+              </a:rPr>
+              <a:t>« basiques »</a:t>
             </a:r>
           </a:p>
           <a:p>
             <a:pPr lvl="1"/>
             <a:r>
-              <a:rPr lang="fr-FR" dirty="0" smtClean="0"/>
+              <a:rPr lang="fr-FR" dirty="0" smtClean="0">
+                <a:latin typeface="Arial" panose="020B0604020202020204" pitchFamily="34" charset="0"/>
+                <a:cs typeface="Arial" panose="020B0604020202020204" pitchFamily="34" charset="0"/>
+              </a:rPr>
               <a:t>Imputation par </a:t>
             </a:r>
             <a:r>
-              <a:rPr lang="fr-FR" dirty="0"/>
+              <a:rPr lang="fr-FR" dirty="0">
+                <a:latin typeface="Arial" panose="020B0604020202020204" pitchFamily="34" charset="0"/>
+                <a:cs typeface="Arial" panose="020B0604020202020204" pitchFamily="34" charset="0"/>
+              </a:rPr>
               <a:t>la </a:t>
             </a:r>
             <a:r>
-              <a:rPr lang="fr-FR" dirty="0" smtClean="0"/>
+              <a:rPr lang="fr-FR" dirty="0" smtClean="0">
+                <a:latin typeface="Arial" panose="020B0604020202020204" pitchFamily="34" charset="0"/>
+                <a:cs typeface="Arial" panose="020B0604020202020204" pitchFamily="34" charset="0"/>
+              </a:rPr>
               <a:t>moyenne ou la médiane</a:t>
             </a:r>
           </a:p>
           <a:p>
             <a:pPr lvl="1"/>
             <a:r>
-              <a:rPr lang="fr-FR" dirty="0" smtClean="0"/>
+              <a:rPr lang="fr-FR" dirty="0" smtClean="0">
+                <a:latin typeface="Arial" panose="020B0604020202020204" pitchFamily="34" charset="0"/>
+                <a:cs typeface="Arial" panose="020B0604020202020204" pitchFamily="34" charset="0"/>
+              </a:rPr>
               <a:t>Imputation </a:t>
             </a:r>
             <a:r>
-              <a:rPr lang="fr-FR" dirty="0"/>
+              <a:rPr lang="fr-FR" dirty="0">
+                <a:latin typeface="Arial" panose="020B0604020202020204" pitchFamily="34" charset="0"/>
+                <a:cs typeface="Arial" panose="020B0604020202020204" pitchFamily="34" charset="0"/>
+              </a:rPr>
               <a:t>par </a:t>
             </a:r>
             <a:r>
-              <a:rPr lang="fr-FR" dirty="0" smtClean="0"/>
+              <a:rPr lang="fr-FR" dirty="0" smtClean="0">
+                <a:latin typeface="Arial" panose="020B0604020202020204" pitchFamily="34" charset="0"/>
+                <a:cs typeface="Arial" panose="020B0604020202020204" pitchFamily="34" charset="0"/>
+              </a:rPr>
               <a:t>la valeur la plus fréquente </a:t>
             </a:r>
           </a:p>
           <a:p>
             <a:pPr lvl="1"/>
             <a:r>
-              <a:rPr lang="fr-FR" dirty="0" smtClean="0"/>
+              <a:rPr lang="fr-FR" dirty="0" smtClean="0">
+                <a:latin typeface="Arial" panose="020B0604020202020204" pitchFamily="34" charset="0"/>
+                <a:cs typeface="Arial" panose="020B0604020202020204" pitchFamily="34" charset="0"/>
+              </a:rPr>
               <a:t>Imputation par interpolation linéaire</a:t>
             </a:r>
           </a:p>
           <a:p>
             <a:r>
-              <a:rPr lang="fr-FR" dirty="0" smtClean="0"/>
+              <a:rPr lang="fr-FR" dirty="0" smtClean="0">
+                <a:latin typeface="Arial" panose="020B0604020202020204" pitchFamily="34" charset="0"/>
+                <a:cs typeface="Arial" panose="020B0604020202020204" pitchFamily="34" charset="0"/>
+              </a:rPr>
               <a:t>Méthodes plus sérieuses : librairies </a:t>
             </a:r>
             <a:r>
               <a:rPr lang="fr-FR" dirty="0" smtClean="0">
+                <a:latin typeface="Arial" panose="020B0604020202020204" pitchFamily="34" charset="0"/>
+                <a:cs typeface="Arial" panose="020B0604020202020204" pitchFamily="34" charset="0"/>
                 <a:hlinkClick r:id="rId2"/>
               </a:rPr>
               <a:t>fancyimpute</a:t>
             </a:r>
             <a:r>
-              <a:rPr lang="fr-FR" dirty="0" smtClean="0"/>
+              <a:rPr lang="fr-FR" dirty="0" smtClean="0">
+                <a:latin typeface="Arial" panose="020B0604020202020204" pitchFamily="34" charset="0"/>
+                <a:cs typeface="Arial" panose="020B0604020202020204" pitchFamily="34" charset="0"/>
+              </a:rPr>
               <a:t>,</a:t>
             </a:r>
             <a:r>
-              <a:rPr lang="fr-FR" dirty="0"/>
+              <a:rPr lang="fr-FR" dirty="0">
+                <a:latin typeface="Arial" panose="020B0604020202020204" pitchFamily="34" charset="0"/>
+                <a:cs typeface="Arial" panose="020B0604020202020204" pitchFamily="34" charset="0"/>
+              </a:rPr>
               <a:t> </a:t>
             </a:r>
             <a:r>
               <a:rPr lang="fr-FR" dirty="0">
+                <a:latin typeface="Arial" panose="020B0604020202020204" pitchFamily="34" charset="0"/>
+                <a:cs typeface="Arial" panose="020B0604020202020204" pitchFamily="34" charset="0"/>
                 <a:hlinkClick r:id="rId3"/>
               </a:rPr>
               <a:t>Impyute</a:t>
             </a:r>
-            <a:endParaRPr lang="fr-FR" dirty="0"/>
+            <a:endParaRPr lang="fr-FR" dirty="0">
+              <a:latin typeface="Arial" panose="020B0604020202020204" pitchFamily="34" charset="0"/>
+              <a:cs typeface="Arial" panose="020B0604020202020204" pitchFamily="34" charset="0"/>
+            </a:endParaRPr>
           </a:p>
           <a:p>
             <a:pPr lvl="1"/>
@@ -6083,25 +6116,32 @@
           <a:lstStyle/>
           <a:p>
             <a:r>
+              <a:rPr lang="fr-FR" sz="3200" b="1" dirty="0" err="1">
+                <a:latin typeface="Arial" panose="020B0604020202020204" pitchFamily="34" charset="0"/>
+                <a:cs typeface="Arial" panose="020B0604020202020204" pitchFamily="34" charset="0"/>
+              </a:rPr>
+              <a:t>dataframe</a:t>
+            </a:r>
+            <a:r>
+              <a:rPr lang="fr-FR" sz="3200" b="1" dirty="0">
+                <a:latin typeface="Arial" panose="020B0604020202020204" pitchFamily="34" charset="0"/>
+                <a:cs typeface="Arial" panose="020B0604020202020204" pitchFamily="34" charset="0"/>
+              </a:rPr>
+              <a:t> data préparation </a:t>
+            </a:r>
+            <a:r>
               <a:rPr lang="fr-FR" sz="3200" b="1" dirty="0" smtClean="0">
                 <a:latin typeface="Arial" panose="020B0604020202020204" pitchFamily="34" charset="0"/>
                 <a:cs typeface="Arial" panose="020B0604020202020204" pitchFamily="34" charset="0"/>
               </a:rPr>
-              <a:t>Pandas </a:t>
-            </a:r>
-            <a:r>
-              <a:rPr lang="fr-FR" sz="3200" b="1" dirty="0" err="1" smtClean="0">
-                <a:latin typeface="Arial" panose="020B0604020202020204" pitchFamily="34" charset="0"/>
-                <a:cs typeface="Arial" panose="020B0604020202020204" pitchFamily="34" charset="0"/>
-              </a:rPr>
-              <a:t>dataframe</a:t>
+              <a:t>: </a:t>
             </a:r>
             <a:r>
               <a:rPr lang="fr-FR" sz="3200" b="1" dirty="0" smtClean="0">
                 <a:latin typeface="Arial" panose="020B0604020202020204" pitchFamily="34" charset="0"/>
                 <a:cs typeface="Arial" panose="020B0604020202020204" pitchFamily="34" charset="0"/>
               </a:rPr>
-              <a:t> : jointures</a:t>
+              <a:t>jointures</a:t>
             </a:r>
             <a:endParaRPr lang="fr-FR" sz="3200" b="1" dirty="0">
               <a:latin typeface="Arial" panose="020B0604020202020204" pitchFamily="34" charset="0"/>

--- a/formation python.pptx
+++ b/formation python.pptx
@@ -30,15 +30,35 @@
     <p:sldId id="336" r:id="rId24"/>
     <p:sldId id="341" r:id="rId25"/>
     <p:sldId id="342" r:id="rId26"/>
-    <p:sldId id="332" r:id="rId27"/>
-    <p:sldId id="335" r:id="rId28"/>
-    <p:sldId id="328" r:id="rId29"/>
-    <p:sldId id="327" r:id="rId30"/>
-    <p:sldId id="333" r:id="rId31"/>
-    <p:sldId id="338" r:id="rId32"/>
-    <p:sldId id="339" r:id="rId33"/>
-    <p:sldId id="340" r:id="rId34"/>
-    <p:sldId id="308" r:id="rId35"/>
+    <p:sldId id="343" r:id="rId27"/>
+    <p:sldId id="332" r:id="rId28"/>
+    <p:sldId id="345" r:id="rId29"/>
+    <p:sldId id="352" r:id="rId30"/>
+    <p:sldId id="335" r:id="rId31"/>
+    <p:sldId id="346" r:id="rId32"/>
+    <p:sldId id="347" r:id="rId33"/>
+    <p:sldId id="344" r:id="rId34"/>
+    <p:sldId id="349" r:id="rId35"/>
+    <p:sldId id="350" r:id="rId36"/>
+    <p:sldId id="351" r:id="rId37"/>
+    <p:sldId id="353" r:id="rId38"/>
+    <p:sldId id="354" r:id="rId39"/>
+    <p:sldId id="355" r:id="rId40"/>
+    <p:sldId id="356" r:id="rId41"/>
+    <p:sldId id="328" r:id="rId42"/>
+    <p:sldId id="363" r:id="rId43"/>
+    <p:sldId id="358" r:id="rId44"/>
+    <p:sldId id="359" r:id="rId45"/>
+    <p:sldId id="360" r:id="rId46"/>
+    <p:sldId id="361" r:id="rId47"/>
+    <p:sldId id="362" r:id="rId48"/>
+    <p:sldId id="327" r:id="rId49"/>
+    <p:sldId id="333" r:id="rId50"/>
+    <p:sldId id="348" r:id="rId51"/>
+    <p:sldId id="338" r:id="rId52"/>
+    <p:sldId id="339" r:id="rId53"/>
+    <p:sldId id="340" r:id="rId54"/>
+    <p:sldId id="308" r:id="rId55"/>
   </p:sldIdLst>
   <p:sldSz cx="9144000" cy="6858000" type="screen4x3"/>
   <p:notesSz cx="6858000" cy="9144000"/>
@@ -139,7 +159,7 @@
   </p:defaultTextStyle>
   <p:extLst>
     <p:ext uri="{EFAFB233-063F-42B5-8137-9DF3F51BA10A}">
-      <p15:sldGuideLst xmlns="" xmlns:p15="http://schemas.microsoft.com/office/powerpoint/2012/main">
+      <p15:sldGuideLst xmlns:p15="http://schemas.microsoft.com/office/powerpoint/2012/main" xmlns="">
         <p15:guide id="1" orient="horz" pos="2160">
           <p15:clr>
             <a:srgbClr val="A4A3A4"/>
@@ -335,7 +355,7 @@
           <a:p>
             <a:fld id="{765F0E4A-4BC1-45D8-AEB9-09F4A4417523}" type="datetimeFigureOut">
               <a:rPr lang="fr-FR" smtClean="0"/>
-              <a:t>02/04/2019</a:t>
+              <a:t>03/04/2019</a:t>
             </a:fld>
             <a:endParaRPr lang="fr-FR"/>
           </a:p>
@@ -503,7 +523,7 @@
           <a:p>
             <a:fld id="{765F0E4A-4BC1-45D8-AEB9-09F4A4417523}" type="datetimeFigureOut">
               <a:rPr lang="fr-FR" smtClean="0"/>
-              <a:t>02/04/2019</a:t>
+              <a:t>03/04/2019</a:t>
             </a:fld>
             <a:endParaRPr lang="fr-FR"/>
           </a:p>
@@ -681,7 +701,7 @@
           <a:p>
             <a:fld id="{765F0E4A-4BC1-45D8-AEB9-09F4A4417523}" type="datetimeFigureOut">
               <a:rPr lang="fr-FR" smtClean="0"/>
-              <a:t>02/04/2019</a:t>
+              <a:t>03/04/2019</a:t>
             </a:fld>
             <a:endParaRPr lang="fr-FR"/>
           </a:p>
@@ -849,7 +869,7 @@
           <a:p>
             <a:fld id="{765F0E4A-4BC1-45D8-AEB9-09F4A4417523}" type="datetimeFigureOut">
               <a:rPr lang="fr-FR" smtClean="0"/>
-              <a:t>02/04/2019</a:t>
+              <a:t>03/04/2019</a:t>
             </a:fld>
             <a:endParaRPr lang="fr-FR"/>
           </a:p>
@@ -1094,7 +1114,7 @@
           <a:p>
             <a:fld id="{765F0E4A-4BC1-45D8-AEB9-09F4A4417523}" type="datetimeFigureOut">
               <a:rPr lang="fr-FR" smtClean="0"/>
-              <a:t>02/04/2019</a:t>
+              <a:t>03/04/2019</a:t>
             </a:fld>
             <a:endParaRPr lang="fr-FR"/>
           </a:p>
@@ -1379,7 +1399,7 @@
           <a:p>
             <a:fld id="{765F0E4A-4BC1-45D8-AEB9-09F4A4417523}" type="datetimeFigureOut">
               <a:rPr lang="fr-FR" smtClean="0"/>
-              <a:t>02/04/2019</a:t>
+              <a:t>03/04/2019</a:t>
             </a:fld>
             <a:endParaRPr lang="fr-FR"/>
           </a:p>
@@ -1798,7 +1818,7 @@
           <a:p>
             <a:fld id="{765F0E4A-4BC1-45D8-AEB9-09F4A4417523}" type="datetimeFigureOut">
               <a:rPr lang="fr-FR" smtClean="0"/>
-              <a:t>02/04/2019</a:t>
+              <a:t>03/04/2019</a:t>
             </a:fld>
             <a:endParaRPr lang="fr-FR"/>
           </a:p>
@@ -1915,7 +1935,7 @@
           <a:p>
             <a:fld id="{765F0E4A-4BC1-45D8-AEB9-09F4A4417523}" type="datetimeFigureOut">
               <a:rPr lang="fr-FR" smtClean="0"/>
-              <a:t>02/04/2019</a:t>
+              <a:t>03/04/2019</a:t>
             </a:fld>
             <a:endParaRPr lang="fr-FR"/>
           </a:p>
@@ -2010,7 +2030,7 @@
           <a:p>
             <a:fld id="{765F0E4A-4BC1-45D8-AEB9-09F4A4417523}" type="datetimeFigureOut">
               <a:rPr lang="fr-FR" smtClean="0"/>
-              <a:t>02/04/2019</a:t>
+              <a:t>03/04/2019</a:t>
             </a:fld>
             <a:endParaRPr lang="fr-FR"/>
           </a:p>
@@ -2285,7 +2305,7 @@
           <a:p>
             <a:fld id="{765F0E4A-4BC1-45D8-AEB9-09F4A4417523}" type="datetimeFigureOut">
               <a:rPr lang="fr-FR" smtClean="0"/>
-              <a:t>02/04/2019</a:t>
+              <a:t>03/04/2019</a:t>
             </a:fld>
             <a:endParaRPr lang="fr-FR"/>
           </a:p>
@@ -2537,7 +2557,7 @@
           <a:p>
             <a:fld id="{765F0E4A-4BC1-45D8-AEB9-09F4A4417523}" type="datetimeFigureOut">
               <a:rPr lang="fr-FR" smtClean="0"/>
-              <a:t>02/04/2019</a:t>
+              <a:t>03/04/2019</a:t>
             </a:fld>
             <a:endParaRPr lang="fr-FR"/>
           </a:p>
@@ -2748,7 +2768,7 @@
           <a:p>
             <a:fld id="{765F0E4A-4BC1-45D8-AEB9-09F4A4417523}" type="datetimeFigureOut">
               <a:rPr lang="fr-FR" smtClean="0"/>
-              <a:t>02/04/2019</a:t>
+              <a:t>03/04/2019</a:t>
             </a:fld>
             <a:endParaRPr lang="fr-FR"/>
           </a:p>
@@ -3240,6 +3260,13 @@
   <p:clrMapOvr>
     <a:masterClrMapping/>
   </p:clrMapOvr>
+  <p:timing>
+    <p:tnLst>
+      <p:par>
+        <p:cTn id="1" dur="indefinite" restart="never" nodeType="tmRoot"/>
+      </p:par>
+    </p:tnLst>
+  </p:timing>
 </p:sld>
 </file>
 
@@ -3646,7 +3673,12 @@
             <p:ph type="ctrTitle"/>
           </p:nvPr>
         </p:nvSpPr>
-        <p:spPr/>
+        <p:spPr>
+          <a:xfrm>
+            <a:off x="179512" y="2130425"/>
+            <a:ext cx="8278688" cy="1470025"/>
+          </a:xfrm>
+        </p:spPr>
         <p:txBody>
           <a:bodyPr>
             <a:normAutofit/>
@@ -3654,7 +3686,7 @@
           <a:lstStyle/>
           <a:p>
             <a:r>
-              <a:rPr lang="fr-FR" sz="3200" b="1" dirty="0">
+              <a:rPr lang="fr-FR" b="1" dirty="0">
                 <a:solidFill>
                   <a:srgbClr val="7030A0"/>
                 </a:solidFill>
@@ -3676,6 +3708,13 @@
   <p:clrMapOvr>
     <a:masterClrMapping/>
   </p:clrMapOvr>
+  <p:timing>
+    <p:tnLst>
+      <p:par>
+        <p:cTn id="1" dur="indefinite" restart="never" nodeType="tmRoot"/>
+      </p:par>
+    </p:tnLst>
+  </p:timing>
 </p:sld>
 </file>
 
@@ -4475,6 +4514,13 @@
   <p:clrMapOvr>
     <a:masterClrMapping/>
   </p:clrMapOvr>
+  <p:timing>
+    <p:tnLst>
+      <p:par>
+        <p:cTn id="1" dur="indefinite" restart="never" nodeType="tmRoot"/>
+      </p:par>
+    </p:tnLst>
+  </p:timing>
 </p:sld>
 </file>
 
@@ -4513,7 +4559,7 @@
           <a:lstStyle/>
           <a:p>
             <a:r>
-              <a:rPr lang="fr-FR" sz="3200" b="1" dirty="0">
+              <a:rPr lang="fr-FR" b="1" dirty="0">
                 <a:solidFill>
                   <a:srgbClr val="7030A0"/>
                 </a:solidFill>
@@ -4523,7 +4569,7 @@
               <a:t>Partie 3 : </a:t>
             </a:r>
             <a:r>
-              <a:rPr lang="fr-FR" sz="3200" b="1" dirty="0" smtClean="0">
+              <a:rPr lang="fr-FR" b="1" dirty="0" smtClean="0">
                 <a:solidFill>
                   <a:srgbClr val="7030A0"/>
                 </a:solidFill>
@@ -4532,7 +4578,7 @@
               </a:rPr>
               <a:t>traiter les données avec Python</a:t>
             </a:r>
-            <a:endParaRPr lang="fr-FR" sz="3200" b="1" dirty="0">
+            <a:endParaRPr lang="fr-FR" b="1" dirty="0">
               <a:solidFill>
                 <a:srgbClr val="7030A0"/>
               </a:solidFill>
@@ -4552,6 +4598,13 @@
   <p:clrMapOvr>
     <a:masterClrMapping/>
   </p:clrMapOvr>
+  <p:timing>
+    <p:tnLst>
+      <p:par>
+        <p:cTn id="1" dur="indefinite" restart="never" nodeType="tmRoot"/>
+      </p:par>
+    </p:tnLst>
+  </p:timing>
 </p:sld>
 </file>
 
@@ -4820,6 +4873,13 @@
   <p:clrMapOvr>
     <a:masterClrMapping/>
   </p:clrMapOvr>
+  <p:timing>
+    <p:tnLst>
+      <p:par>
+        <p:cTn id="1" dur="indefinite" restart="never" nodeType="tmRoot"/>
+      </p:par>
+    </p:tnLst>
+  </p:timing>
 </p:sld>
 </file>
 
@@ -5059,6 +5119,13 @@
   <p:clrMapOvr>
     <a:masterClrMapping/>
   </p:clrMapOvr>
+  <p:timing>
+    <p:tnLst>
+      <p:par>
+        <p:cTn id="1" dur="indefinite" restart="never" nodeType="tmRoot"/>
+      </p:par>
+    </p:tnLst>
+  </p:timing>
 </p:sld>
 </file>
 
@@ -5198,6 +5265,13 @@
   <p:clrMapOvr>
     <a:masterClrMapping/>
   </p:clrMapOvr>
+  <p:timing>
+    <p:tnLst>
+      <p:par>
+        <p:cTn id="1" dur="indefinite" restart="never" nodeType="tmRoot"/>
+      </p:par>
+    </p:tnLst>
+  </p:timing>
 </p:sld>
 </file>
 
@@ -5399,14 +5473,7 @@
                 <a:latin typeface="Arial" panose="020B0604020202020204" pitchFamily="34" charset="0"/>
                 <a:cs typeface="Arial" panose="020B0604020202020204" pitchFamily="34" charset="0"/>
               </a:rPr>
-              <a:t>Effectuer </a:t>
-            </a:r>
-            <a:r>
-              <a:rPr lang="fr-FR" sz="2800" dirty="0" smtClean="0">
-                <a:latin typeface="Arial" panose="020B0604020202020204" pitchFamily="34" charset="0"/>
-                <a:cs typeface="Arial" panose="020B0604020202020204" pitchFamily="34" charset="0"/>
-              </a:rPr>
-              <a:t>les conversions de type nécessaires</a:t>
+              <a:t>Effectuer les conversions de type nécessaires</a:t>
             </a:r>
           </a:p>
           <a:p>
@@ -5562,6 +5629,13 @@
   <p:clrMapOvr>
     <a:masterClrMapping/>
   </p:clrMapOvr>
+  <p:timing>
+    <p:tnLst>
+      <p:par>
+        <p:cTn id="1" dur="indefinite" restart="never" nodeType="tmRoot"/>
+      </p:par>
+    </p:tnLst>
+  </p:timing>
 </p:sld>
 </file>
 
@@ -5862,6 +5936,13 @@
   <p:clrMapOvr>
     <a:masterClrMapping/>
   </p:clrMapOvr>
+  <p:timing>
+    <p:tnLst>
+      <p:par>
+        <p:cTn id="1" dur="indefinite" restart="never" nodeType="tmRoot"/>
+      </p:par>
+    </p:tnLst>
+  </p:timing>
 </p:sld>
 </file>
 
@@ -5944,14 +6025,7 @@
                 <a:latin typeface="Arial" panose="020B0604020202020204" pitchFamily="34" charset="0"/>
                 <a:cs typeface="Arial" panose="020B0604020202020204" pitchFamily="34" charset="0"/>
               </a:rPr>
-              <a:t>Méthodes </a:t>
-            </a:r>
-            <a:r>
-              <a:rPr lang="fr-FR" dirty="0" smtClean="0">
-                <a:latin typeface="Arial" panose="020B0604020202020204" pitchFamily="34" charset="0"/>
-                <a:cs typeface="Arial" panose="020B0604020202020204" pitchFamily="34" charset="0"/>
-              </a:rPr>
-              <a:t>« basiques »</a:t>
+              <a:t>Méthodes « basiques »</a:t>
             </a:r>
           </a:p>
           <a:p>
@@ -6134,14 +6208,243 @@
                 <a:latin typeface="Arial" panose="020B0604020202020204" pitchFamily="34" charset="0"/>
                 <a:cs typeface="Arial" panose="020B0604020202020204" pitchFamily="34" charset="0"/>
               </a:rPr>
-              <a:t>: </a:t>
+              <a:t>: traitement données</a:t>
+            </a:r>
+            <a:endParaRPr lang="fr-FR" sz="3200" dirty="0"/>
+          </a:p>
+        </p:txBody>
+      </p:sp>
+      <p:sp>
+        <p:nvSpPr>
+          <p:cNvPr id="3" name="Espace réservé du contenu 2"/>
+          <p:cNvSpPr>
+            <a:spLocks noGrp="1"/>
+          </p:cNvSpPr>
+          <p:nvPr>
+            <p:ph idx="1"/>
+          </p:nvPr>
+        </p:nvSpPr>
+        <p:spPr>
+          <a:xfrm>
+            <a:off x="251520" y="1600200"/>
+            <a:ext cx="8784976" cy="4525963"/>
+          </a:xfrm>
+        </p:spPr>
+        <p:txBody>
+          <a:bodyPr>
+            <a:normAutofit lnSpcReduction="10000"/>
+          </a:bodyPr>
+          <a:lstStyle/>
+          <a:p>
+            <a:r>
+              <a:rPr lang="fr-FR" dirty="0" smtClean="0">
+                <a:latin typeface="Arial" panose="020B0604020202020204" pitchFamily="34" charset="0"/>
+                <a:cs typeface="Arial" panose="020B0604020202020204" pitchFamily="34" charset="0"/>
+              </a:rPr>
+              <a:t>Filtres colonnes</a:t>
+            </a:r>
+          </a:p>
+          <a:p>
+            <a:r>
+              <a:rPr lang="fr-FR" dirty="0" smtClean="0">
+                <a:latin typeface="Arial" panose="020B0604020202020204" pitchFamily="34" charset="0"/>
+                <a:cs typeface="Arial" panose="020B0604020202020204" pitchFamily="34" charset="0"/>
+              </a:rPr>
+              <a:t>Filtres lignes sur conditions</a:t>
+            </a:r>
+          </a:p>
+          <a:p>
+            <a:r>
+              <a:rPr lang="fr-FR" dirty="0" smtClean="0">
+                <a:latin typeface="Arial" panose="020B0604020202020204" pitchFamily="34" charset="0"/>
+                <a:cs typeface="Arial" panose="020B0604020202020204" pitchFamily="34" charset="0"/>
+              </a:rPr>
+              <a:t>Sélection/</a:t>
+            </a:r>
+            <a:r>
+              <a:rPr lang="fr-FR" dirty="0" err="1" smtClean="0">
+                <a:latin typeface="Arial" panose="020B0604020202020204" pitchFamily="34" charset="0"/>
+                <a:cs typeface="Arial" panose="020B0604020202020204" pitchFamily="34" charset="0"/>
+              </a:rPr>
+              <a:t>slicing</a:t>
+            </a:r>
+            <a:r>
+              <a:rPr lang="fr-FR" dirty="0" smtClean="0">
+                <a:latin typeface="Arial" panose="020B0604020202020204" pitchFamily="34" charset="0"/>
+                <a:cs typeface="Arial" panose="020B0604020202020204" pitchFamily="34" charset="0"/>
+              </a:rPr>
+              <a:t> comme avec </a:t>
+            </a:r>
+            <a:r>
+              <a:rPr lang="fr-FR" dirty="0" err="1" smtClean="0">
+                <a:latin typeface="Arial" panose="020B0604020202020204" pitchFamily="34" charset="0"/>
+                <a:cs typeface="Arial" panose="020B0604020202020204" pitchFamily="34" charset="0"/>
+              </a:rPr>
+              <a:t>numpy</a:t>
+            </a:r>
+            <a:r>
+              <a:rPr lang="fr-FR" dirty="0" smtClean="0">
+                <a:latin typeface="Arial" panose="020B0604020202020204" pitchFamily="34" charset="0"/>
+                <a:cs typeface="Arial" panose="020B0604020202020204" pitchFamily="34" charset="0"/>
+              </a:rPr>
+              <a:t> avec </a:t>
+            </a:r>
+            <a:r>
+              <a:rPr lang="fr-FR" dirty="0" err="1" smtClean="0">
+                <a:latin typeface="Arial" panose="020B0604020202020204" pitchFamily="34" charset="0"/>
+                <a:cs typeface="Arial" panose="020B0604020202020204" pitchFamily="34" charset="0"/>
+              </a:rPr>
+              <a:t>loc</a:t>
+            </a:r>
+            <a:r>
+              <a:rPr lang="fr-FR" dirty="0" smtClean="0">
+                <a:latin typeface="Arial" panose="020B0604020202020204" pitchFamily="34" charset="0"/>
+                <a:cs typeface="Arial" panose="020B0604020202020204" pitchFamily="34" charset="0"/>
+              </a:rPr>
+              <a:t>/</a:t>
+            </a:r>
+            <a:r>
+              <a:rPr lang="fr-FR" dirty="0" err="1" smtClean="0">
+                <a:latin typeface="Arial" panose="020B0604020202020204" pitchFamily="34" charset="0"/>
+                <a:cs typeface="Arial" panose="020B0604020202020204" pitchFamily="34" charset="0"/>
+              </a:rPr>
+              <a:t>iloc</a:t>
+            </a:r>
+            <a:r>
+              <a:rPr lang="fr-FR" dirty="0" smtClean="0">
+                <a:latin typeface="Arial" panose="020B0604020202020204" pitchFamily="34" charset="0"/>
+                <a:cs typeface="Arial" panose="020B0604020202020204" pitchFamily="34" charset="0"/>
+              </a:rPr>
+              <a:t> sur positions</a:t>
+            </a:r>
+          </a:p>
+          <a:p>
+            <a:r>
+              <a:rPr lang="fr-FR" dirty="0" smtClean="0">
+                <a:latin typeface="Arial" panose="020B0604020202020204" pitchFamily="34" charset="0"/>
+                <a:cs typeface="Arial" panose="020B0604020202020204" pitchFamily="34" charset="0"/>
+              </a:rPr>
+              <a:t>Combiner les filtres</a:t>
+            </a:r>
+          </a:p>
+          <a:p>
+            <a:r>
+              <a:rPr lang="fr-FR" dirty="0" smtClean="0">
+                <a:latin typeface="Arial" panose="020B0604020202020204" pitchFamily="34" charset="0"/>
+                <a:cs typeface="Arial" panose="020B0604020202020204" pitchFamily="34" charset="0"/>
+              </a:rPr>
+              <a:t>Opérations sur les colonnes</a:t>
+            </a:r>
+          </a:p>
+          <a:p>
+            <a:r>
+              <a:rPr lang="fr-FR" dirty="0" smtClean="0">
+                <a:latin typeface="Arial" panose="020B0604020202020204" pitchFamily="34" charset="0"/>
+                <a:cs typeface="Arial" panose="020B0604020202020204" pitchFamily="34" charset="0"/>
+              </a:rPr>
+              <a:t>Concaténer des </a:t>
+            </a:r>
+            <a:r>
+              <a:rPr lang="fr-FR" dirty="0" err="1" smtClean="0">
+                <a:latin typeface="Arial" panose="020B0604020202020204" pitchFamily="34" charset="0"/>
+                <a:cs typeface="Arial" panose="020B0604020202020204" pitchFamily="34" charset="0"/>
+              </a:rPr>
+              <a:t>dataframes</a:t>
+            </a:r>
+            <a:endParaRPr lang="fr-FR" dirty="0" smtClean="0">
+              <a:latin typeface="Arial" panose="020B0604020202020204" pitchFamily="34" charset="0"/>
+              <a:cs typeface="Arial" panose="020B0604020202020204" pitchFamily="34" charset="0"/>
+            </a:endParaRPr>
+          </a:p>
+          <a:p>
+            <a:r>
+              <a:rPr lang="fr-FR" dirty="0" smtClean="0">
+                <a:latin typeface="Arial" panose="020B0604020202020204" pitchFamily="34" charset="0"/>
+                <a:cs typeface="Arial" panose="020B0604020202020204" pitchFamily="34" charset="0"/>
+              </a:rPr>
+              <a:t>Jointures de </a:t>
+            </a:r>
+            <a:r>
+              <a:rPr lang="fr-FR" dirty="0" err="1">
+                <a:latin typeface="Arial" panose="020B0604020202020204" pitchFamily="34" charset="0"/>
+                <a:cs typeface="Arial" panose="020B0604020202020204" pitchFamily="34" charset="0"/>
+              </a:rPr>
+              <a:t>dataframes</a:t>
+            </a:r>
+            <a:endParaRPr lang="fr-FR" dirty="0">
+              <a:latin typeface="Arial" panose="020B0604020202020204" pitchFamily="34" charset="0"/>
+              <a:cs typeface="Arial" panose="020B0604020202020204" pitchFamily="34" charset="0"/>
+            </a:endParaRPr>
+          </a:p>
+        </p:txBody>
+      </p:sp>
+    </p:spTree>
+    <p:extLst>
+      <p:ext uri="{BB962C8B-B14F-4D97-AF65-F5344CB8AC3E}">
+        <p14:creationId xmlns:p14="http://schemas.microsoft.com/office/powerpoint/2010/main" val="667576642"/>
+      </p:ext>
+    </p:extLst>
+  </p:cSld>
+  <p:clrMapOvr>
+    <a:masterClrMapping/>
+  </p:clrMapOvr>
+</p:sld>
+</file>
+
+<file path=ppt/slides/slide27.xml><?xml version="1.0" encoding="utf-8"?>
+<p:sld xmlns:a="http://schemas.openxmlformats.org/drawingml/2006/main" xmlns:r="http://schemas.openxmlformats.org/officeDocument/2006/relationships" xmlns:p="http://schemas.openxmlformats.org/presentationml/2006/main">
+  <p:cSld>
+    <p:spTree>
+      <p:nvGrpSpPr>
+        <p:cNvPr id="1" name=""/>
+        <p:cNvGrpSpPr/>
+        <p:nvPr/>
+      </p:nvGrpSpPr>
+      <p:grpSpPr>
+        <a:xfrm>
+          <a:off x="0" y="0"/>
+          <a:ext cx="0" cy="0"/>
+          <a:chOff x="0" y="0"/>
+          <a:chExt cx="0" cy="0"/>
+        </a:xfrm>
+      </p:grpSpPr>
+      <p:sp>
+        <p:nvSpPr>
+          <p:cNvPr id="2" name="Titre 1"/>
+          <p:cNvSpPr>
+            <a:spLocks noGrp="1"/>
+          </p:cNvSpPr>
+          <p:nvPr>
+            <p:ph type="title"/>
+          </p:nvPr>
+        </p:nvSpPr>
+        <p:spPr/>
+        <p:txBody>
+          <a:bodyPr>
+            <a:normAutofit/>
+          </a:bodyPr>
+          <a:lstStyle/>
+          <a:p>
+            <a:r>
+              <a:rPr lang="fr-FR" sz="3200" b="1" dirty="0" err="1">
+                <a:latin typeface="Arial" panose="020B0604020202020204" pitchFamily="34" charset="0"/>
+                <a:cs typeface="Arial" panose="020B0604020202020204" pitchFamily="34" charset="0"/>
+              </a:rPr>
+              <a:t>dataframe</a:t>
+            </a:r>
+            <a:r>
+              <a:rPr lang="fr-FR" sz="3200" b="1" dirty="0">
+                <a:latin typeface="Arial" panose="020B0604020202020204" pitchFamily="34" charset="0"/>
+                <a:cs typeface="Arial" panose="020B0604020202020204" pitchFamily="34" charset="0"/>
+              </a:rPr>
+              <a:t> data préparation </a:t>
             </a:r>
             <a:r>
               <a:rPr lang="fr-FR" sz="3200" b="1" dirty="0" smtClean="0">
                 <a:latin typeface="Arial" panose="020B0604020202020204" pitchFamily="34" charset="0"/>
                 <a:cs typeface="Arial" panose="020B0604020202020204" pitchFamily="34" charset="0"/>
               </a:rPr>
-              <a:t>jointures</a:t>
+              <a:t>: jointures</a:t>
             </a:r>
             <a:endParaRPr lang="fr-FR" sz="3200" b="1" dirty="0">
               <a:latin typeface="Arial" panose="020B0604020202020204" pitchFamily="34" charset="0"/>
@@ -6472,74 +6775,6 @@
 </p:sld>
 </file>
 
-<file path=ppt/slides/slide27.xml><?xml version="1.0" encoding="utf-8"?>
-<p:sld xmlns:a="http://schemas.openxmlformats.org/drawingml/2006/main" xmlns:r="http://schemas.openxmlformats.org/officeDocument/2006/relationships" xmlns:p="http://schemas.openxmlformats.org/presentationml/2006/main">
-  <p:cSld>
-    <p:spTree>
-      <p:nvGrpSpPr>
-        <p:cNvPr id="1" name=""/>
-        <p:cNvGrpSpPr/>
-        <p:nvPr/>
-      </p:nvGrpSpPr>
-      <p:grpSpPr>
-        <a:xfrm>
-          <a:off x="0" y="0"/>
-          <a:ext cx="0" cy="0"/>
-          <a:chOff x="0" y="0"/>
-          <a:chExt cx="0" cy="0"/>
-        </a:xfrm>
-      </p:grpSpPr>
-      <p:sp>
-        <p:nvSpPr>
-          <p:cNvPr id="2" name="Titre 1"/>
-          <p:cNvSpPr>
-            <a:spLocks noGrp="1"/>
-          </p:cNvSpPr>
-          <p:nvPr>
-            <p:ph type="title"/>
-          </p:nvPr>
-        </p:nvSpPr>
-        <p:spPr/>
-        <p:txBody>
-          <a:bodyPr/>
-          <a:lstStyle/>
-          <a:p>
-            <a:endParaRPr lang="fr-FR"/>
-          </a:p>
-        </p:txBody>
-      </p:sp>
-      <p:sp>
-        <p:nvSpPr>
-          <p:cNvPr id="3" name="Espace réservé du contenu 2"/>
-          <p:cNvSpPr>
-            <a:spLocks noGrp="1"/>
-          </p:cNvSpPr>
-          <p:nvPr>
-            <p:ph idx="1"/>
-          </p:nvPr>
-        </p:nvSpPr>
-        <p:spPr/>
-        <p:txBody>
-          <a:bodyPr/>
-          <a:lstStyle/>
-          <a:p>
-            <a:endParaRPr lang="fr-FR"/>
-          </a:p>
-        </p:txBody>
-      </p:sp>
-    </p:spTree>
-    <p:extLst>
-      <p:ext uri="{BB962C8B-B14F-4D97-AF65-F5344CB8AC3E}">
-        <p14:creationId xmlns:p14="http://schemas.microsoft.com/office/powerpoint/2010/main" val="3916924732"/>
-      </p:ext>
-    </p:extLst>
-  </p:cSld>
-  <p:clrMapOvr>
-    <a:masterClrMapping/>
-  </p:clrMapOvr>
-</p:sld>
-</file>
-
 <file path=ppt/slides/slide28.xml><?xml version="1.0" encoding="utf-8"?>
 <p:sld xmlns:a="http://schemas.openxmlformats.org/drawingml/2006/main" xmlns:r="http://schemas.openxmlformats.org/officeDocument/2006/relationships" xmlns:p="http://schemas.openxmlformats.org/presentationml/2006/main">
   <p:cSld>
@@ -6559,12 +6794,12 @@
       </p:grpSpPr>
       <p:sp>
         <p:nvSpPr>
-          <p:cNvPr id="4" name="Titre 3"/>
-          <p:cNvSpPr>
-            <a:spLocks noGrp="1"/>
-          </p:cNvSpPr>
-          <p:nvPr>
-            <p:ph type="ctrTitle"/>
+          <p:cNvPr id="2" name="Titre 1"/>
+          <p:cNvSpPr>
+            <a:spLocks noGrp="1"/>
+          </p:cNvSpPr>
+          <p:nvPr>
+            <p:ph type="title"/>
           </p:nvPr>
         </p:nvSpPr>
         <p:spPr/>
@@ -6575,28 +6810,181 @@
           <a:lstStyle/>
           <a:p>
             <a:r>
-              <a:rPr lang="fr-FR" sz="3200" b="1" dirty="0">
-                <a:solidFill>
-                  <a:srgbClr val="7030A0"/>
-                </a:solidFill>
-                <a:latin typeface="Arial" panose="020B0604020202020204" pitchFamily="34" charset="0"/>
-                <a:cs typeface="Arial" panose="020B0604020202020204" pitchFamily="34" charset="0"/>
-              </a:rPr>
-              <a:t>Partie 4 : python pour le reste de la data science</a:t>
-            </a:r>
+              <a:rPr lang="fr-FR" sz="3200" b="1" dirty="0" smtClean="0">
+                <a:latin typeface="Arial" panose="020B0604020202020204" pitchFamily="34" charset="0"/>
+                <a:cs typeface="Arial" panose="020B0604020202020204" pitchFamily="34" charset="0"/>
+              </a:rPr>
+              <a:t>Imports/exports/sauvegardes</a:t>
+            </a:r>
+            <a:endParaRPr lang="fr-FR" sz="3200" b="1" dirty="0">
+              <a:latin typeface="Arial" panose="020B0604020202020204" pitchFamily="34" charset="0"/>
+              <a:cs typeface="Arial" panose="020B0604020202020204" pitchFamily="34" charset="0"/>
+            </a:endParaRPr>
+          </a:p>
+        </p:txBody>
+      </p:sp>
+      <p:sp>
+        <p:nvSpPr>
+          <p:cNvPr id="3" name="Espace réservé du contenu 2"/>
+          <p:cNvSpPr>
+            <a:spLocks noGrp="1"/>
+          </p:cNvSpPr>
+          <p:nvPr>
+            <p:ph idx="1"/>
+          </p:nvPr>
+        </p:nvSpPr>
+        <p:spPr/>
+        <p:txBody>
+          <a:bodyPr>
+            <a:normAutofit lnSpcReduction="10000"/>
+          </a:bodyPr>
+          <a:lstStyle/>
+          <a:p>
+            <a:r>
+              <a:rPr lang="fr-FR" dirty="0" smtClean="0">
+                <a:latin typeface="Arial" panose="020B0604020202020204" pitchFamily="34" charset="0"/>
+                <a:cs typeface="Arial" panose="020B0604020202020204" pitchFamily="34" charset="0"/>
+              </a:rPr>
+              <a:t>Imports/exports</a:t>
+            </a:r>
+          </a:p>
+          <a:p>
+            <a:pPr lvl="1"/>
+            <a:r>
+              <a:rPr lang="fr-FR" dirty="0" smtClean="0">
+                <a:latin typeface="Arial" panose="020B0604020202020204" pitchFamily="34" charset="0"/>
+                <a:cs typeface="Arial" panose="020B0604020202020204" pitchFamily="34" charset="0"/>
+              </a:rPr>
+              <a:t>De nombreux formats acceptés</a:t>
+            </a:r>
+          </a:p>
+          <a:p>
+            <a:pPr lvl="1"/>
+            <a:r>
+              <a:rPr lang="fr-FR" dirty="0" smtClean="0">
+                <a:latin typeface="Arial" panose="020B0604020202020204" pitchFamily="34" charset="0"/>
+                <a:cs typeface="Arial" panose="020B0604020202020204" pitchFamily="34" charset="0"/>
+              </a:rPr>
+              <a:t>Dont import de tables SAS</a:t>
+            </a:r>
+          </a:p>
+          <a:p>
+            <a:pPr lvl="1"/>
+            <a:r>
+              <a:rPr lang="fr-FR" dirty="0" smtClean="0">
+                <a:latin typeface="Arial" panose="020B0604020202020204" pitchFamily="34" charset="0"/>
+                <a:cs typeface="Arial" panose="020B0604020202020204" pitchFamily="34" charset="0"/>
+              </a:rPr>
+              <a:t>Et </a:t>
+            </a:r>
+            <a:r>
+              <a:rPr lang="fr-FR" dirty="0" smtClean="0">
+                <a:latin typeface="Arial" panose="020B0604020202020204" pitchFamily="34" charset="0"/>
+                <a:cs typeface="Arial" panose="020B0604020202020204" pitchFamily="34" charset="0"/>
+                <a:hlinkClick r:id="rId2"/>
+              </a:rPr>
+              <a:t>possible de faire exports/imports depuis base de données (table ou requête SQL).</a:t>
+            </a:r>
+            <a:endParaRPr lang="fr-FR" dirty="0" smtClean="0">
+              <a:latin typeface="Arial" panose="020B0604020202020204" pitchFamily="34" charset="0"/>
+              <a:cs typeface="Arial" panose="020B0604020202020204" pitchFamily="34" charset="0"/>
+            </a:endParaRPr>
+          </a:p>
+          <a:p>
+            <a:r>
+              <a:rPr lang="fr-FR" dirty="0" smtClean="0">
+                <a:latin typeface="Arial" panose="020B0604020202020204" pitchFamily="34" charset="0"/>
+                <a:cs typeface="Arial" panose="020B0604020202020204" pitchFamily="34" charset="0"/>
+              </a:rPr>
+              <a:t>Sauvegardes</a:t>
+            </a:r>
+          </a:p>
+          <a:p>
+            <a:pPr lvl="1"/>
+            <a:r>
+              <a:rPr lang="fr-FR" dirty="0" smtClean="0">
+                <a:latin typeface="Arial" panose="020B0604020202020204" pitchFamily="34" charset="0"/>
+                <a:cs typeface="Arial" panose="020B0604020202020204" pitchFamily="34" charset="0"/>
+                <a:hlinkClick r:id="rId3"/>
+              </a:rPr>
+              <a:t>HDF5</a:t>
+            </a:r>
+            <a:endParaRPr lang="fr-FR" dirty="0" smtClean="0">
+              <a:latin typeface="Arial" panose="020B0604020202020204" pitchFamily="34" charset="0"/>
+              <a:cs typeface="Arial" panose="020B0604020202020204" pitchFamily="34" charset="0"/>
+            </a:endParaRPr>
+          </a:p>
+          <a:p>
+            <a:pPr lvl="1"/>
+            <a:r>
+              <a:rPr lang="fr-FR" dirty="0" smtClean="0">
+                <a:latin typeface="Arial" panose="020B0604020202020204" pitchFamily="34" charset="0"/>
+                <a:cs typeface="Arial" panose="020B0604020202020204" pitchFamily="34" charset="0"/>
+                <a:hlinkClick r:id="rId4"/>
+              </a:rPr>
+              <a:t>Nouveau format </a:t>
+            </a:r>
+            <a:r>
+              <a:rPr lang="fr-FR" dirty="0" err="1" smtClean="0">
+                <a:latin typeface="Arial" panose="020B0604020202020204" pitchFamily="34" charset="0"/>
+                <a:cs typeface="Arial" panose="020B0604020202020204" pitchFamily="34" charset="0"/>
+                <a:hlinkClick r:id="rId4"/>
+              </a:rPr>
+              <a:t>feather</a:t>
+            </a:r>
+            <a:r>
+              <a:rPr lang="fr-FR" dirty="0" smtClean="0">
+                <a:latin typeface="Arial" panose="020B0604020202020204" pitchFamily="34" charset="0"/>
+                <a:cs typeface="Arial" panose="020B0604020202020204" pitchFamily="34" charset="0"/>
+                <a:hlinkClick r:id="rId4"/>
+              </a:rPr>
+              <a:t> </a:t>
+            </a:r>
+            <a:r>
+              <a:rPr lang="fr-FR" dirty="0" smtClean="0">
+                <a:latin typeface="Arial" panose="020B0604020202020204" pitchFamily="34" charset="0"/>
+                <a:cs typeface="Arial" panose="020B0604020202020204" pitchFamily="34" charset="0"/>
+              </a:rPr>
+              <a:t>: plus rapide et </a:t>
+            </a:r>
+            <a:r>
+              <a:rPr lang="fr-FR" dirty="0" err="1" smtClean="0">
+                <a:latin typeface="Arial" panose="020B0604020202020204" pitchFamily="34" charset="0"/>
+                <a:cs typeface="Arial" panose="020B0604020202020204" pitchFamily="34" charset="0"/>
+              </a:rPr>
+              <a:t>co</a:t>
+            </a:r>
+            <a:r>
+              <a:rPr lang="fr-FR" dirty="0" smtClean="0">
+                <a:latin typeface="Arial" panose="020B0604020202020204" pitchFamily="34" charset="0"/>
+                <a:cs typeface="Arial" panose="020B0604020202020204" pitchFamily="34" charset="0"/>
+              </a:rPr>
+              <a:t>-développé  par équipes python et R</a:t>
+            </a:r>
+            <a:endParaRPr lang="fr-FR" dirty="0">
+              <a:latin typeface="Arial" panose="020B0604020202020204" pitchFamily="34" charset="0"/>
+              <a:cs typeface="Arial" panose="020B0604020202020204" pitchFamily="34" charset="0"/>
+            </a:endParaRPr>
           </a:p>
         </p:txBody>
       </p:sp>
     </p:spTree>
     <p:extLst>
       <p:ext uri="{BB962C8B-B14F-4D97-AF65-F5344CB8AC3E}">
-        <p14:creationId xmlns:p14="http://schemas.microsoft.com/office/powerpoint/2010/main" val="242445764"/>
+        <p14:creationId xmlns:p14="http://schemas.microsoft.com/office/powerpoint/2010/main" val="406613297"/>
       </p:ext>
     </p:extLst>
   </p:cSld>
   <p:clrMapOvr>
     <a:masterClrMapping/>
   </p:clrMapOvr>
+  <p:timing>
+    <p:tnLst>
+      <p:par>
+        <p:cTn id="1" dur="indefinite" restart="never" nodeType="tmRoot"/>
+      </p:par>
+    </p:tnLst>
+  </p:timing>
 </p:sld>
 </file>
 
@@ -6619,52 +7007,97 @@
       </p:grpSpPr>
       <p:sp>
         <p:nvSpPr>
-          <p:cNvPr id="2" name="Titre 1"/>
-          <p:cNvSpPr>
-            <a:spLocks noGrp="1"/>
-          </p:cNvSpPr>
-          <p:nvPr>
-            <p:ph type="title"/>
-          </p:nvPr>
-        </p:nvSpPr>
-        <p:spPr/>
-        <p:txBody>
-          <a:bodyPr/>
-          <a:lstStyle/>
-          <a:p>
-            <a:endParaRPr lang="fr-FR"/>
-          </a:p>
-        </p:txBody>
-      </p:sp>
-      <p:sp>
-        <p:nvSpPr>
-          <p:cNvPr id="3" name="Espace réservé du contenu 2"/>
-          <p:cNvSpPr>
-            <a:spLocks noGrp="1"/>
-          </p:cNvSpPr>
-          <p:nvPr>
-            <p:ph idx="1"/>
-          </p:nvPr>
-        </p:nvSpPr>
-        <p:spPr/>
-        <p:txBody>
-          <a:bodyPr/>
-          <a:lstStyle/>
-          <a:p>
-            <a:endParaRPr lang="fr-FR"/>
+          <p:cNvPr id="4" name="Titre 3"/>
+          <p:cNvSpPr>
+            <a:spLocks noGrp="1"/>
+          </p:cNvSpPr>
+          <p:nvPr>
+            <p:ph type="ctrTitle"/>
+          </p:nvPr>
+        </p:nvSpPr>
+        <p:spPr>
+          <a:xfrm>
+            <a:off x="685800" y="2130425"/>
+            <a:ext cx="7772400" cy="2306687"/>
+          </a:xfrm>
+        </p:spPr>
+        <p:txBody>
+          <a:bodyPr>
+            <a:normAutofit/>
+          </a:bodyPr>
+          <a:lstStyle/>
+          <a:p>
+            <a:r>
+              <a:rPr lang="fr-FR" b="1" dirty="0">
+                <a:solidFill>
+                  <a:srgbClr val="7030A0"/>
+                </a:solidFill>
+                <a:latin typeface="Arial" panose="020B0604020202020204" pitchFamily="34" charset="0"/>
+                <a:cs typeface="Arial" panose="020B0604020202020204" pitchFamily="34" charset="0"/>
+              </a:rPr>
+              <a:t>Partie </a:t>
+            </a:r>
+            <a:r>
+              <a:rPr lang="fr-FR" b="1" dirty="0" smtClean="0">
+                <a:solidFill>
+                  <a:srgbClr val="7030A0"/>
+                </a:solidFill>
+                <a:latin typeface="Arial" panose="020B0604020202020204" pitchFamily="34" charset="0"/>
+                <a:cs typeface="Arial" panose="020B0604020202020204" pitchFamily="34" charset="0"/>
+              </a:rPr>
+              <a:t>4 </a:t>
+            </a:r>
+            <a:r>
+              <a:rPr lang="fr-FR" b="1" dirty="0">
+                <a:solidFill>
+                  <a:srgbClr val="7030A0"/>
+                </a:solidFill>
+                <a:latin typeface="Arial" panose="020B0604020202020204" pitchFamily="34" charset="0"/>
+                <a:cs typeface="Arial" panose="020B0604020202020204" pitchFamily="34" charset="0"/>
+              </a:rPr>
+              <a:t>: </a:t>
+            </a:r>
+            <a:r>
+              <a:rPr lang="fr-FR" b="1" dirty="0" smtClean="0">
+                <a:solidFill>
+                  <a:srgbClr val="7030A0"/>
+                </a:solidFill>
+                <a:latin typeface="Arial" panose="020B0604020202020204" pitchFamily="34" charset="0"/>
+                <a:cs typeface="Arial" panose="020B0604020202020204" pitchFamily="34" charset="0"/>
+              </a:rPr>
+              <a:t>statistiques descriptives et graphiques </a:t>
+            </a:r>
+            <a:r>
+              <a:rPr lang="fr-FR" b="1" dirty="0">
+                <a:solidFill>
+                  <a:srgbClr val="7030A0"/>
+                </a:solidFill>
+                <a:latin typeface="Arial" panose="020B0604020202020204" pitchFamily="34" charset="0"/>
+                <a:cs typeface="Arial" panose="020B0604020202020204" pitchFamily="34" charset="0"/>
+              </a:rPr>
+              <a:t>avec Python</a:t>
+            </a:r>
+            <a:endParaRPr lang="fr-FR" dirty="0"/>
           </a:p>
         </p:txBody>
       </p:sp>
     </p:spTree>
     <p:extLst>
       <p:ext uri="{BB962C8B-B14F-4D97-AF65-F5344CB8AC3E}">
-        <p14:creationId xmlns:p14="http://schemas.microsoft.com/office/powerpoint/2010/main" val="3573502302"/>
+        <p14:creationId xmlns:p14="http://schemas.microsoft.com/office/powerpoint/2010/main" val="222403964"/>
       </p:ext>
     </p:extLst>
   </p:cSld>
   <p:clrMapOvr>
     <a:masterClrMapping/>
   </p:clrMapOvr>
+  <p:timing>
+    <p:tnLst>
+      <p:par>
+        <p:cTn id="1" dur="indefinite" restart="never" nodeType="tmRoot"/>
+      </p:par>
+    </p:tnLst>
+  </p:timing>
 </p:sld>
 </file>
 
@@ -7006,12 +7439,12 @@
       </p:grpSpPr>
       <p:sp>
         <p:nvSpPr>
-          <p:cNvPr id="4" name="Titre 3"/>
-          <p:cNvSpPr>
-            <a:spLocks noGrp="1"/>
-          </p:cNvSpPr>
-          <p:nvPr>
-            <p:ph type="ctrTitle"/>
+          <p:cNvPr id="2" name="Titre 1"/>
+          <p:cNvSpPr>
+            <a:spLocks noGrp="1"/>
+          </p:cNvSpPr>
+          <p:nvPr>
+            <p:ph type="title"/>
           </p:nvPr>
         </p:nvSpPr>
         <p:spPr/>
@@ -7022,22 +7455,216 @@
           <a:lstStyle/>
           <a:p>
             <a:r>
-              <a:rPr lang="fr-FR" sz="3200" b="1" dirty="0">
-                <a:solidFill>
-                  <a:srgbClr val="7030A0"/>
-                </a:solidFill>
-                <a:latin typeface="Arial" panose="020B0604020202020204" pitchFamily="34" charset="0"/>
-                <a:cs typeface="Arial" panose="020B0604020202020204" pitchFamily="34" charset="0"/>
-              </a:rPr>
-              <a:t>Partie 5 : sujets transverses</a:t>
-            </a:r>
+              <a:rPr lang="fr-FR" sz="3200" b="1" dirty="0" err="1" smtClean="0">
+                <a:latin typeface="Arial" panose="020B0604020202020204" pitchFamily="34" charset="0"/>
+                <a:cs typeface="Arial" panose="020B0604020202020204" pitchFamily="34" charset="0"/>
+              </a:rPr>
+              <a:t>Dataframe</a:t>
+            </a:r>
+            <a:r>
+              <a:rPr lang="fr-FR" sz="3200" b="1" dirty="0" smtClean="0">
+                <a:latin typeface="Arial" panose="020B0604020202020204" pitchFamily="34" charset="0"/>
+                <a:cs typeface="Arial" panose="020B0604020202020204" pitchFamily="34" charset="0"/>
+              </a:rPr>
+              <a:t> statistiques descriptives</a:t>
+            </a:r>
+            <a:endParaRPr lang="fr-FR" sz="3200" b="1" dirty="0">
+              <a:latin typeface="Arial" panose="020B0604020202020204" pitchFamily="34" charset="0"/>
+              <a:cs typeface="Arial" panose="020B0604020202020204" pitchFamily="34" charset="0"/>
+            </a:endParaRPr>
+          </a:p>
+        </p:txBody>
+      </p:sp>
+      <p:sp>
+        <p:nvSpPr>
+          <p:cNvPr id="3" name="Espace réservé du contenu 2"/>
+          <p:cNvSpPr>
+            <a:spLocks noGrp="1"/>
+          </p:cNvSpPr>
+          <p:nvPr>
+            <p:ph idx="1"/>
+          </p:nvPr>
+        </p:nvSpPr>
+        <p:spPr>
+          <a:xfrm>
+            <a:off x="179512" y="1600200"/>
+            <a:ext cx="8964488" cy="4525963"/>
+          </a:xfrm>
+        </p:spPr>
+        <p:txBody>
+          <a:bodyPr/>
+          <a:lstStyle/>
+          <a:p>
+            <a:r>
+              <a:rPr lang="fr-FR" dirty="0" smtClean="0">
+                <a:latin typeface="Arial" panose="020B0604020202020204" pitchFamily="34" charset="0"/>
+                <a:cs typeface="Arial" panose="020B0604020202020204" pitchFamily="34" charset="0"/>
+              </a:rPr>
+              <a:t>Premières statistiques =</a:t>
+            </a:r>
+            <a:r>
+              <a:rPr lang="fr-FR" dirty="0" err="1" smtClean="0">
+                <a:latin typeface="Arial" panose="020B0604020202020204" pitchFamily="34" charset="0"/>
+                <a:cs typeface="Arial" panose="020B0604020202020204" pitchFamily="34" charset="0"/>
+              </a:rPr>
+              <a:t>describe</a:t>
+            </a:r>
+            <a:r>
+              <a:rPr lang="fr-FR" dirty="0" smtClean="0">
+                <a:latin typeface="Arial" panose="020B0604020202020204" pitchFamily="34" charset="0"/>
+                <a:cs typeface="Arial" panose="020B0604020202020204" pitchFamily="34" charset="0"/>
+              </a:rPr>
+              <a:t>(</a:t>
+            </a:r>
+            <a:r>
+              <a:rPr lang="fr-FR" dirty="0" err="1" smtClean="0">
+                <a:latin typeface="Arial" panose="020B0604020202020204" pitchFamily="34" charset="0"/>
+                <a:cs typeface="Arial" panose="020B0604020202020204" pitchFamily="34" charset="0"/>
+              </a:rPr>
+              <a:t>include</a:t>
+            </a:r>
+            <a:r>
+              <a:rPr lang="fr-FR" dirty="0">
+                <a:latin typeface="Arial" panose="020B0604020202020204" pitchFamily="34" charset="0"/>
+                <a:cs typeface="Arial" panose="020B0604020202020204" pitchFamily="34" charset="0"/>
+              </a:rPr>
+              <a:t>='all</a:t>
+            </a:r>
+            <a:r>
+              <a:rPr lang="fr-FR" dirty="0" smtClean="0">
+                <a:latin typeface="Arial" panose="020B0604020202020204" pitchFamily="34" charset="0"/>
+                <a:cs typeface="Arial" panose="020B0604020202020204" pitchFamily="34" charset="0"/>
+              </a:rPr>
+              <a:t>') </a:t>
+            </a:r>
+            <a:endParaRPr lang="fr-FR" dirty="0">
+              <a:latin typeface="Arial" panose="020B0604020202020204" pitchFamily="34" charset="0"/>
+              <a:cs typeface="Arial" panose="020B0604020202020204" pitchFamily="34" charset="0"/>
+            </a:endParaRPr>
+          </a:p>
+          <a:p>
+            <a:r>
+              <a:rPr lang="fr-FR" dirty="0" smtClean="0">
+                <a:latin typeface="Arial" panose="020B0604020202020204" pitchFamily="34" charset="0"/>
+                <a:cs typeface="Arial" panose="020B0604020202020204" pitchFamily="34" charset="0"/>
+              </a:rPr>
+              <a:t>Tabulations croisées (équivalent proc FREQ)</a:t>
+            </a:r>
+          </a:p>
+          <a:p>
+            <a:r>
+              <a:rPr lang="fr-FR" dirty="0" smtClean="0">
+                <a:latin typeface="Arial" panose="020B0604020202020204" pitchFamily="34" charset="0"/>
+                <a:cs typeface="Arial" panose="020B0604020202020204" pitchFamily="34" charset="0"/>
+              </a:rPr>
+              <a:t>Group by</a:t>
+            </a:r>
+          </a:p>
+          <a:p>
+            <a:r>
+              <a:rPr lang="fr-FR" dirty="0" smtClean="0">
+                <a:latin typeface="Arial" panose="020B0604020202020204" pitchFamily="34" charset="0"/>
+                <a:cs typeface="Arial" panose="020B0604020202020204" pitchFamily="34" charset="0"/>
+              </a:rPr>
+              <a:t>Index composites =&gt; pour faire facilement pleins de croisements</a:t>
+            </a:r>
+          </a:p>
+          <a:p>
+            <a:r>
+              <a:rPr lang="fr-FR" dirty="0" smtClean="0">
+                <a:latin typeface="Arial" panose="020B0604020202020204" pitchFamily="34" charset="0"/>
+                <a:cs typeface="Arial" panose="020B0604020202020204" pitchFamily="34" charset="0"/>
+              </a:rPr>
+              <a:t>Covariance, corrélation (</a:t>
+            </a:r>
+            <a:r>
+              <a:rPr lang="fr-FR" dirty="0" err="1" smtClean="0">
+                <a:latin typeface="Arial" panose="020B0604020202020204" pitchFamily="34" charset="0"/>
+                <a:cs typeface="Arial" panose="020B0604020202020204" pitchFamily="34" charset="0"/>
+              </a:rPr>
+              <a:t>pearson</a:t>
+            </a:r>
+            <a:r>
+              <a:rPr lang="fr-FR" dirty="0" smtClean="0">
+                <a:latin typeface="Arial" panose="020B0604020202020204" pitchFamily="34" charset="0"/>
+                <a:cs typeface="Arial" panose="020B0604020202020204" pitchFamily="34" charset="0"/>
+              </a:rPr>
+              <a:t>, </a:t>
+            </a:r>
+            <a:r>
+              <a:rPr lang="fr-FR" dirty="0">
+                <a:latin typeface="Arial" panose="020B0604020202020204" pitchFamily="34" charset="0"/>
+                <a:cs typeface="Arial" panose="020B0604020202020204" pitchFamily="34" charset="0"/>
+              </a:rPr>
+              <a:t>Kendall Tau </a:t>
+            </a:r>
+            <a:r>
+              <a:rPr lang="fr-FR" dirty="0" err="1">
+                <a:latin typeface="Arial" panose="020B0604020202020204" pitchFamily="34" charset="0"/>
+                <a:cs typeface="Arial" panose="020B0604020202020204" pitchFamily="34" charset="0"/>
+              </a:rPr>
+              <a:t>correlation</a:t>
+            </a:r>
+            <a:r>
+              <a:rPr lang="fr-FR" dirty="0">
+                <a:latin typeface="Arial" panose="020B0604020202020204" pitchFamily="34" charset="0"/>
+                <a:cs typeface="Arial" panose="020B0604020202020204" pitchFamily="34" charset="0"/>
+              </a:rPr>
+              <a:t> </a:t>
+            </a:r>
+            <a:r>
+              <a:rPr lang="fr-FR" dirty="0" smtClean="0">
+                <a:latin typeface="Arial" panose="020B0604020202020204" pitchFamily="34" charset="0"/>
+                <a:cs typeface="Arial" panose="020B0604020202020204" pitchFamily="34" charset="0"/>
+              </a:rPr>
+              <a:t>coefficient, </a:t>
+            </a:r>
+            <a:r>
+              <a:rPr lang="fr-FR" dirty="0">
+                <a:latin typeface="Arial" panose="020B0604020202020204" pitchFamily="34" charset="0"/>
+                <a:cs typeface="Arial" panose="020B0604020202020204" pitchFamily="34" charset="0"/>
+              </a:rPr>
+              <a:t>Spearman </a:t>
+            </a:r>
+            <a:r>
+              <a:rPr lang="fr-FR" dirty="0" err="1">
+                <a:latin typeface="Arial" panose="020B0604020202020204" pitchFamily="34" charset="0"/>
+                <a:cs typeface="Arial" panose="020B0604020202020204" pitchFamily="34" charset="0"/>
+              </a:rPr>
+              <a:t>rank</a:t>
+            </a:r>
+            <a:r>
+              <a:rPr lang="fr-FR" dirty="0">
+                <a:latin typeface="Arial" panose="020B0604020202020204" pitchFamily="34" charset="0"/>
+                <a:cs typeface="Arial" panose="020B0604020202020204" pitchFamily="34" charset="0"/>
+              </a:rPr>
+              <a:t> </a:t>
+            </a:r>
+            <a:r>
+              <a:rPr lang="fr-FR" dirty="0" err="1" smtClean="0">
+                <a:latin typeface="Arial" panose="020B0604020202020204" pitchFamily="34" charset="0"/>
+                <a:cs typeface="Arial" panose="020B0604020202020204" pitchFamily="34" charset="0"/>
+              </a:rPr>
+              <a:t>correlation</a:t>
+            </a:r>
+            <a:r>
+              <a:rPr lang="fr-FR" dirty="0" smtClean="0">
+                <a:latin typeface="Arial" panose="020B0604020202020204" pitchFamily="34" charset="0"/>
+                <a:cs typeface="Arial" panose="020B0604020202020204" pitchFamily="34" charset="0"/>
+              </a:rPr>
+              <a:t>)</a:t>
+            </a:r>
+            <a:endParaRPr lang="fr-FR" dirty="0">
+              <a:latin typeface="Arial" panose="020B0604020202020204" pitchFamily="34" charset="0"/>
+              <a:cs typeface="Arial" panose="020B0604020202020204" pitchFamily="34" charset="0"/>
+            </a:endParaRPr>
           </a:p>
         </p:txBody>
       </p:sp>
     </p:spTree>
     <p:extLst>
       <p:ext uri="{BB962C8B-B14F-4D97-AF65-F5344CB8AC3E}">
-        <p14:creationId xmlns:p14="http://schemas.microsoft.com/office/powerpoint/2010/main" val="1486631537"/>
+        <p14:creationId xmlns:p14="http://schemas.microsoft.com/office/powerpoint/2010/main" val="3916924732"/>
       </p:ext>
     </p:extLst>
   </p:cSld>
@@ -7081,6 +7708,3197 @@
             <p:ph type="title"/>
           </p:nvPr>
         </p:nvSpPr>
+        <p:spPr>
+          <a:xfrm>
+            <a:off x="251520" y="274638"/>
+            <a:ext cx="8435280" cy="1143000"/>
+          </a:xfrm>
+        </p:spPr>
+        <p:txBody>
+          <a:bodyPr>
+            <a:normAutofit/>
+          </a:bodyPr>
+          <a:lstStyle/>
+          <a:p>
+            <a:r>
+              <a:rPr lang="fr-FR" sz="3200" b="1" dirty="0" err="1">
+                <a:latin typeface="Arial" panose="020B0604020202020204" pitchFamily="34" charset="0"/>
+                <a:cs typeface="Arial" panose="020B0604020202020204" pitchFamily="34" charset="0"/>
+              </a:rPr>
+              <a:t>Dataframe</a:t>
+            </a:r>
+            <a:r>
+              <a:rPr lang="fr-FR" sz="3200" b="1" dirty="0">
+                <a:latin typeface="Arial" panose="020B0604020202020204" pitchFamily="34" charset="0"/>
+                <a:cs typeface="Arial" panose="020B0604020202020204" pitchFamily="34" charset="0"/>
+              </a:rPr>
+              <a:t> </a:t>
+            </a:r>
+            <a:r>
+              <a:rPr lang="fr-FR" sz="3200" b="1" dirty="0" smtClean="0">
+                <a:latin typeface="Arial" panose="020B0604020202020204" pitchFamily="34" charset="0"/>
+                <a:cs typeface="Arial" panose="020B0604020202020204" pitchFamily="34" charset="0"/>
+              </a:rPr>
+              <a:t>graphiques : introduction</a:t>
+            </a:r>
+            <a:endParaRPr lang="fr-FR" sz="3200" dirty="0"/>
+          </a:p>
+        </p:txBody>
+      </p:sp>
+      <p:sp>
+        <p:nvSpPr>
+          <p:cNvPr id="3" name="Espace réservé du contenu 2"/>
+          <p:cNvSpPr>
+            <a:spLocks noGrp="1"/>
+          </p:cNvSpPr>
+          <p:nvPr>
+            <p:ph idx="1"/>
+          </p:nvPr>
+        </p:nvSpPr>
+        <p:spPr/>
+        <p:txBody>
+          <a:bodyPr>
+            <a:normAutofit fontScale="92500" lnSpcReduction="10000"/>
+          </a:bodyPr>
+          <a:lstStyle/>
+          <a:p>
+            <a:pPr marL="0" indent="0">
+              <a:buNone/>
+            </a:pPr>
+            <a:r>
+              <a:rPr lang="fr-FR" dirty="0" smtClean="0"/>
+              <a:t>Le quartet d’</a:t>
+            </a:r>
+            <a:r>
+              <a:rPr lang="fr-FR" dirty="0" err="1" smtClean="0"/>
+              <a:t>Ascombe</a:t>
+            </a:r>
+            <a:r>
+              <a:rPr lang="fr-FR" dirty="0" smtClean="0"/>
+              <a:t> : 4 jeux de données avec 11 points (</a:t>
+            </a:r>
+            <a:r>
+              <a:rPr lang="fr-FR" dirty="0" err="1" smtClean="0"/>
+              <a:t>x,y</a:t>
+            </a:r>
+            <a:r>
+              <a:rPr lang="fr-FR" dirty="0" smtClean="0"/>
+              <a:t>) « très proches » car :</a:t>
+            </a:r>
+          </a:p>
+          <a:p>
+            <a:r>
+              <a:rPr lang="fr-FR" dirty="0" smtClean="0"/>
+              <a:t>Même moyenne selon x et selon y</a:t>
+            </a:r>
+          </a:p>
+          <a:p>
+            <a:r>
+              <a:rPr lang="fr-FR" dirty="0"/>
+              <a:t>Même </a:t>
+            </a:r>
+            <a:r>
+              <a:rPr lang="fr-FR" dirty="0" smtClean="0"/>
+              <a:t>écart type selon </a:t>
+            </a:r>
+            <a:r>
+              <a:rPr lang="fr-FR" dirty="0"/>
+              <a:t>x et selon </a:t>
+            </a:r>
+            <a:r>
+              <a:rPr lang="fr-FR" dirty="0" smtClean="0"/>
+              <a:t>y</a:t>
+            </a:r>
+          </a:p>
+          <a:p>
+            <a:r>
+              <a:rPr lang="fr-FR" dirty="0" smtClean="0"/>
+              <a:t>Même coefficient de corrélation entre x et y</a:t>
+            </a:r>
+          </a:p>
+          <a:p>
+            <a:r>
+              <a:rPr lang="fr-FR" dirty="0" smtClean="0"/>
+              <a:t>Même droite de régression de y sur x et avec le même R^2</a:t>
+            </a:r>
+          </a:p>
+          <a:p>
+            <a:pPr marL="0" indent="0">
+              <a:buNone/>
+            </a:pPr>
+            <a:endParaRPr lang="fr-FR" dirty="0"/>
+          </a:p>
+          <a:p>
+            <a:pPr marL="0" indent="0">
+              <a:buNone/>
+            </a:pPr>
+            <a:r>
+              <a:rPr lang="fr-FR" dirty="0" smtClean="0"/>
+              <a:t>Et pourtant…</a:t>
+            </a:r>
+            <a:endParaRPr lang="fr-FR" dirty="0"/>
+          </a:p>
+        </p:txBody>
+      </p:sp>
+    </p:spTree>
+    <p:extLst>
+      <p:ext uri="{BB962C8B-B14F-4D97-AF65-F5344CB8AC3E}">
+        <p14:creationId xmlns:p14="http://schemas.microsoft.com/office/powerpoint/2010/main" val="3199841862"/>
+      </p:ext>
+    </p:extLst>
+  </p:cSld>
+  <p:clrMapOvr>
+    <a:masterClrMapping/>
+  </p:clrMapOvr>
+  <p:timing>
+    <p:tnLst>
+      <p:par>
+        <p:cTn id="1" dur="indefinite" restart="never" nodeType="tmRoot"/>
+      </p:par>
+    </p:tnLst>
+  </p:timing>
+</p:sld>
+</file>
+
+<file path=ppt/slides/slide32.xml><?xml version="1.0" encoding="utf-8"?>
+<p:sld xmlns:a="http://schemas.openxmlformats.org/drawingml/2006/main" xmlns:r="http://schemas.openxmlformats.org/officeDocument/2006/relationships" xmlns:p="http://schemas.openxmlformats.org/presentationml/2006/main">
+  <p:cSld>
+    <p:spTree>
+      <p:nvGrpSpPr>
+        <p:cNvPr id="1" name=""/>
+        <p:cNvGrpSpPr/>
+        <p:nvPr/>
+      </p:nvGrpSpPr>
+      <p:grpSpPr>
+        <a:xfrm>
+          <a:off x="0" y="0"/>
+          <a:ext cx="0" cy="0"/>
+          <a:chOff x="0" y="0"/>
+          <a:chExt cx="0" cy="0"/>
+        </a:xfrm>
+      </p:grpSpPr>
+      <p:sp>
+        <p:nvSpPr>
+          <p:cNvPr id="2" name="Titre 1"/>
+          <p:cNvSpPr>
+            <a:spLocks noGrp="1"/>
+          </p:cNvSpPr>
+          <p:nvPr>
+            <p:ph type="title"/>
+          </p:nvPr>
+        </p:nvSpPr>
+        <p:spPr>
+          <a:xfrm>
+            <a:off x="457200" y="274638"/>
+            <a:ext cx="8229600" cy="512778"/>
+          </a:xfrm>
+        </p:spPr>
+        <p:txBody>
+          <a:bodyPr>
+            <a:noAutofit/>
+          </a:bodyPr>
+          <a:lstStyle/>
+          <a:p>
+            <a:r>
+              <a:rPr lang="fr-FR" sz="3200" b="1" dirty="0" smtClean="0">
+                <a:latin typeface="Arial" panose="020B0604020202020204" pitchFamily="34" charset="0"/>
+                <a:cs typeface="Arial" panose="020B0604020202020204" pitchFamily="34" charset="0"/>
+              </a:rPr>
+              <a:t>Quartet d’</a:t>
+            </a:r>
+            <a:r>
+              <a:rPr lang="fr-FR" sz="3200" b="1" dirty="0" err="1" smtClean="0">
+                <a:latin typeface="Arial" panose="020B0604020202020204" pitchFamily="34" charset="0"/>
+                <a:cs typeface="Arial" panose="020B0604020202020204" pitchFamily="34" charset="0"/>
+              </a:rPr>
+              <a:t>Ascombe</a:t>
+            </a:r>
+            <a:endParaRPr lang="fr-FR" sz="3200" b="1" dirty="0">
+              <a:latin typeface="Arial" panose="020B0604020202020204" pitchFamily="34" charset="0"/>
+              <a:cs typeface="Arial" panose="020B0604020202020204" pitchFamily="34" charset="0"/>
+            </a:endParaRPr>
+          </a:p>
+        </p:txBody>
+      </p:sp>
+      <p:pic>
+        <p:nvPicPr>
+          <p:cNvPr id="4" name="Image 3"/>
+          <p:cNvPicPr>
+            <a:picLocks noChangeAspect="1"/>
+          </p:cNvPicPr>
+          <p:nvPr/>
+        </p:nvPicPr>
+        <p:blipFill>
+          <a:blip r:embed="rId2">
+            <a:extLst>
+              <a:ext uri="{28A0092B-C50C-407E-A947-70E740481C1C}">
+                <a14:useLocalDpi xmlns:a14="http://schemas.microsoft.com/office/drawing/2010/main" val="0"/>
+              </a:ext>
+            </a:extLst>
+          </a:blip>
+          <a:stretch>
+            <a:fillRect/>
+          </a:stretch>
+        </p:blipFill>
+        <p:spPr>
+          <a:xfrm>
+            <a:off x="179512" y="787416"/>
+            <a:ext cx="8532440" cy="5691071"/>
+          </a:xfrm>
+          <a:prstGeom prst="rect">
+            <a:avLst/>
+          </a:prstGeom>
+        </p:spPr>
+      </p:pic>
+    </p:spTree>
+    <p:extLst>
+      <p:ext uri="{BB962C8B-B14F-4D97-AF65-F5344CB8AC3E}">
+        <p14:creationId xmlns:p14="http://schemas.microsoft.com/office/powerpoint/2010/main" val="3569611085"/>
+      </p:ext>
+    </p:extLst>
+  </p:cSld>
+  <p:clrMapOvr>
+    <a:masterClrMapping/>
+  </p:clrMapOvr>
+  <p:timing>
+    <p:tnLst>
+      <p:par>
+        <p:cTn id="1" dur="indefinite" restart="never" nodeType="tmRoot"/>
+      </p:par>
+    </p:tnLst>
+  </p:timing>
+</p:sld>
+</file>
+
+<file path=ppt/slides/slide33.xml><?xml version="1.0" encoding="utf-8"?>
+<p:sld xmlns:a="http://schemas.openxmlformats.org/drawingml/2006/main" xmlns:r="http://schemas.openxmlformats.org/officeDocument/2006/relationships" xmlns:p="http://schemas.openxmlformats.org/presentationml/2006/main">
+  <p:cSld>
+    <p:spTree>
+      <p:nvGrpSpPr>
+        <p:cNvPr id="1" name=""/>
+        <p:cNvGrpSpPr/>
+        <p:nvPr/>
+      </p:nvGrpSpPr>
+      <p:grpSpPr>
+        <a:xfrm>
+          <a:off x="0" y="0"/>
+          <a:ext cx="0" cy="0"/>
+          <a:chOff x="0" y="0"/>
+          <a:chExt cx="0" cy="0"/>
+        </a:xfrm>
+      </p:grpSpPr>
+      <p:sp>
+        <p:nvSpPr>
+          <p:cNvPr id="2" name="Titre 1"/>
+          <p:cNvSpPr>
+            <a:spLocks noGrp="1"/>
+          </p:cNvSpPr>
+          <p:nvPr>
+            <p:ph type="title"/>
+          </p:nvPr>
+        </p:nvSpPr>
+        <p:spPr/>
+        <p:txBody>
+          <a:bodyPr>
+            <a:normAutofit/>
+          </a:bodyPr>
+          <a:lstStyle/>
+          <a:p>
+            <a:r>
+              <a:rPr lang="fr-FR" sz="3200" b="1" dirty="0" err="1" smtClean="0">
+                <a:latin typeface="Arial" panose="020B0604020202020204" pitchFamily="34" charset="0"/>
+                <a:cs typeface="Arial" panose="020B0604020202020204" pitchFamily="34" charset="0"/>
+              </a:rPr>
+              <a:t>Dataframe</a:t>
+            </a:r>
+            <a:r>
+              <a:rPr lang="fr-FR" sz="3200" b="1" dirty="0" smtClean="0">
+                <a:latin typeface="Arial" panose="020B0604020202020204" pitchFamily="34" charset="0"/>
+                <a:cs typeface="Arial" panose="020B0604020202020204" pitchFamily="34" charset="0"/>
+              </a:rPr>
+              <a:t> graphiques</a:t>
+            </a:r>
+            <a:endParaRPr lang="fr-FR" sz="3200" b="1" dirty="0">
+              <a:latin typeface="Arial" panose="020B0604020202020204" pitchFamily="34" charset="0"/>
+              <a:cs typeface="Arial" panose="020B0604020202020204" pitchFamily="34" charset="0"/>
+            </a:endParaRPr>
+          </a:p>
+        </p:txBody>
+      </p:sp>
+      <p:sp>
+        <p:nvSpPr>
+          <p:cNvPr id="3" name="Espace réservé du contenu 2"/>
+          <p:cNvSpPr>
+            <a:spLocks noGrp="1"/>
+          </p:cNvSpPr>
+          <p:nvPr>
+            <p:ph idx="1"/>
+          </p:nvPr>
+        </p:nvSpPr>
+        <p:spPr/>
+        <p:txBody>
+          <a:bodyPr>
+            <a:normAutofit lnSpcReduction="10000"/>
+          </a:bodyPr>
+          <a:lstStyle/>
+          <a:p>
+            <a:r>
+              <a:rPr lang="fr-FR" sz="2800" dirty="0" smtClean="0">
+                <a:latin typeface="Arial" panose="020B0604020202020204" pitchFamily="34" charset="0"/>
+                <a:cs typeface="Arial" panose="020B0604020202020204" pitchFamily="34" charset="0"/>
+              </a:rPr>
+              <a:t>Fonction générique plot() (</a:t>
+            </a:r>
+            <a:r>
+              <a:rPr lang="fr-FR" sz="2800" dirty="0" smtClean="0">
+                <a:latin typeface="Arial" panose="020B0604020202020204" pitchFamily="34" charset="0"/>
+                <a:cs typeface="Arial" panose="020B0604020202020204" pitchFamily="34" charset="0"/>
+                <a:hlinkClick r:id="rId2"/>
+              </a:rPr>
+              <a:t>cf. doc Pandas</a:t>
+            </a:r>
+            <a:r>
+              <a:rPr lang="fr-FR" sz="2800" dirty="0" smtClean="0">
+                <a:latin typeface="Arial" panose="020B0604020202020204" pitchFamily="34" charset="0"/>
+                <a:cs typeface="Arial" panose="020B0604020202020204" pitchFamily="34" charset="0"/>
+              </a:rPr>
+              <a:t>)</a:t>
+            </a:r>
+          </a:p>
+          <a:p>
+            <a:r>
+              <a:rPr lang="fr-FR" sz="2800" dirty="0" smtClean="0">
+                <a:latin typeface="Arial" panose="020B0604020202020204" pitchFamily="34" charset="0"/>
+                <a:cs typeface="Arial" panose="020B0604020202020204" pitchFamily="34" charset="0"/>
+              </a:rPr>
+              <a:t>Plus des fonctions spécialisées plus fines comme :</a:t>
+            </a:r>
+          </a:p>
+          <a:p>
+            <a:pPr lvl="1"/>
+            <a:r>
+              <a:rPr lang="fr-FR" dirty="0">
+                <a:latin typeface="Arial" panose="020B0604020202020204" pitchFamily="34" charset="0"/>
+                <a:cs typeface="Arial" panose="020B0604020202020204" pitchFamily="34" charset="0"/>
+                <a:hlinkClick r:id="rId3"/>
+              </a:rPr>
+              <a:t>Boites à moustaches/</a:t>
+            </a:r>
+            <a:r>
+              <a:rPr lang="fr-FR" dirty="0" err="1">
+                <a:latin typeface="Arial" panose="020B0604020202020204" pitchFamily="34" charset="0"/>
+                <a:cs typeface="Arial" panose="020B0604020202020204" pitchFamily="34" charset="0"/>
+                <a:hlinkClick r:id="rId3"/>
+              </a:rPr>
+              <a:t>boxplot</a:t>
+            </a:r>
+            <a:endParaRPr lang="fr-FR" dirty="0">
+              <a:latin typeface="Arial" panose="020B0604020202020204" pitchFamily="34" charset="0"/>
+              <a:cs typeface="Arial" panose="020B0604020202020204" pitchFamily="34" charset="0"/>
+            </a:endParaRPr>
+          </a:p>
+          <a:p>
+            <a:pPr lvl="1"/>
+            <a:r>
+              <a:rPr lang="fr-FR" dirty="0" smtClean="0">
+                <a:latin typeface="Arial" panose="020B0604020202020204" pitchFamily="34" charset="0"/>
+                <a:cs typeface="Arial" panose="020B0604020202020204" pitchFamily="34" charset="0"/>
+                <a:hlinkClick r:id="rId4"/>
+              </a:rPr>
+              <a:t>histogrammes</a:t>
+            </a:r>
+            <a:endParaRPr lang="fr-FR" dirty="0" smtClean="0">
+              <a:latin typeface="Arial" panose="020B0604020202020204" pitchFamily="34" charset="0"/>
+              <a:cs typeface="Arial" panose="020B0604020202020204" pitchFamily="34" charset="0"/>
+            </a:endParaRPr>
+          </a:p>
+          <a:p>
+            <a:r>
+              <a:rPr lang="fr-FR" sz="2800" dirty="0" smtClean="0">
+                <a:latin typeface="Arial" panose="020B0604020202020204" pitchFamily="34" charset="0"/>
+                <a:cs typeface="Arial" panose="020B0604020202020204" pitchFamily="34" charset="0"/>
+              </a:rPr>
+              <a:t>On peut utiliser </a:t>
+            </a:r>
+            <a:r>
+              <a:rPr lang="fr-FR" sz="2800" dirty="0" err="1" smtClean="0">
+                <a:latin typeface="Arial" panose="020B0604020202020204" pitchFamily="34" charset="0"/>
+                <a:cs typeface="Arial" panose="020B0604020202020204" pitchFamily="34" charset="0"/>
+              </a:rPr>
+              <a:t>Seaborn</a:t>
+            </a:r>
+            <a:r>
+              <a:rPr lang="fr-FR" sz="2800" dirty="0" smtClean="0">
+                <a:latin typeface="Arial" panose="020B0604020202020204" pitchFamily="34" charset="0"/>
+                <a:cs typeface="Arial" panose="020B0604020202020204" pitchFamily="34" charset="0"/>
+              </a:rPr>
+              <a:t> pour avoir encore plus de possibilités</a:t>
+            </a:r>
+          </a:p>
+          <a:p>
+            <a:pPr lvl="1"/>
+            <a:r>
+              <a:rPr lang="fr-FR" sz="2400" dirty="0" smtClean="0">
+                <a:latin typeface="Arial" panose="020B0604020202020204" pitchFamily="34" charset="0"/>
+                <a:cs typeface="Arial" panose="020B0604020202020204" pitchFamily="34" charset="0"/>
+                <a:hlinkClick r:id="rId5"/>
+              </a:rPr>
+              <a:t>Matrice de nuages de points </a:t>
+            </a:r>
+            <a:endParaRPr lang="fr-FR" sz="2400" dirty="0" smtClean="0">
+              <a:latin typeface="Arial" panose="020B0604020202020204" pitchFamily="34" charset="0"/>
+              <a:cs typeface="Arial" panose="020B0604020202020204" pitchFamily="34" charset="0"/>
+            </a:endParaRPr>
+          </a:p>
+          <a:p>
+            <a:pPr lvl="1"/>
+            <a:r>
+              <a:rPr lang="fr-FR" sz="2400" dirty="0" smtClean="0">
+                <a:latin typeface="Arial" panose="020B0604020202020204" pitchFamily="34" charset="0"/>
+                <a:cs typeface="Arial" panose="020B0604020202020204" pitchFamily="34" charset="0"/>
+                <a:hlinkClick r:id="rId6"/>
+              </a:rPr>
+              <a:t>Tutoriel sur graphiques pour voir relations entre variables</a:t>
+            </a:r>
+            <a:endParaRPr lang="fr-FR" sz="2400" dirty="0" smtClean="0">
+              <a:latin typeface="Arial" panose="020B0604020202020204" pitchFamily="34" charset="0"/>
+              <a:cs typeface="Arial" panose="020B0604020202020204" pitchFamily="34" charset="0"/>
+            </a:endParaRPr>
+          </a:p>
+        </p:txBody>
+      </p:sp>
+    </p:spTree>
+    <p:extLst>
+      <p:ext uri="{BB962C8B-B14F-4D97-AF65-F5344CB8AC3E}">
+        <p14:creationId xmlns:p14="http://schemas.microsoft.com/office/powerpoint/2010/main" val="631232455"/>
+      </p:ext>
+    </p:extLst>
+  </p:cSld>
+  <p:clrMapOvr>
+    <a:masterClrMapping/>
+  </p:clrMapOvr>
+  <p:timing>
+    <p:tnLst>
+      <p:par>
+        <p:cTn id="1" dur="indefinite" restart="never" nodeType="tmRoot"/>
+      </p:par>
+    </p:tnLst>
+  </p:timing>
+</p:sld>
+</file>
+
+<file path=ppt/slides/slide34.xml><?xml version="1.0" encoding="utf-8"?>
+<p:sld xmlns:a="http://schemas.openxmlformats.org/drawingml/2006/main" xmlns:r="http://schemas.openxmlformats.org/officeDocument/2006/relationships" xmlns:p="http://schemas.openxmlformats.org/presentationml/2006/main">
+  <p:cSld>
+    <p:spTree>
+      <p:nvGrpSpPr>
+        <p:cNvPr id="1" name=""/>
+        <p:cNvGrpSpPr/>
+        <p:nvPr/>
+      </p:nvGrpSpPr>
+      <p:grpSpPr>
+        <a:xfrm>
+          <a:off x="0" y="0"/>
+          <a:ext cx="0" cy="0"/>
+          <a:chOff x="0" y="0"/>
+          <a:chExt cx="0" cy="0"/>
+        </a:xfrm>
+      </p:grpSpPr>
+      <p:sp>
+        <p:nvSpPr>
+          <p:cNvPr id="2" name="Titre 1"/>
+          <p:cNvSpPr>
+            <a:spLocks noGrp="1"/>
+          </p:cNvSpPr>
+          <p:nvPr>
+            <p:ph type="title"/>
+          </p:nvPr>
+        </p:nvSpPr>
+        <p:spPr/>
+        <p:txBody>
+          <a:bodyPr>
+            <a:normAutofit/>
+          </a:bodyPr>
+          <a:lstStyle/>
+          <a:p>
+            <a:pPr lvl="1" algn="ctr" rtl="0">
+              <a:spcBef>
+                <a:spcPct val="0"/>
+              </a:spcBef>
+            </a:pPr>
+            <a:r>
+              <a:rPr lang="fr-FR" sz="3200" b="1" dirty="0" smtClean="0">
+                <a:latin typeface="Arial" panose="020B0604020202020204" pitchFamily="34" charset="0"/>
+                <a:cs typeface="Arial" panose="020B0604020202020204" pitchFamily="34" charset="0"/>
+                <a:hlinkClick r:id="rId2"/>
+              </a:rPr>
+              <a:t>Boites à moustaches/</a:t>
+            </a:r>
+            <a:r>
+              <a:rPr lang="fr-FR" sz="3200" b="1" dirty="0" err="1" smtClean="0">
+                <a:latin typeface="Arial" panose="020B0604020202020204" pitchFamily="34" charset="0"/>
+                <a:cs typeface="Arial" panose="020B0604020202020204" pitchFamily="34" charset="0"/>
+                <a:hlinkClick r:id="rId2"/>
+              </a:rPr>
+              <a:t>boxplot</a:t>
+            </a:r>
+            <a:r>
+              <a:rPr lang="fr-FR" sz="3200" b="1" dirty="0">
+                <a:latin typeface="Arial" panose="020B0604020202020204" pitchFamily="34" charset="0"/>
+                <a:cs typeface="Arial" panose="020B0604020202020204" pitchFamily="34" charset="0"/>
+              </a:rPr>
+              <a:t> </a:t>
+            </a:r>
+            <a:r>
+              <a:rPr lang="fr-FR" sz="3200" b="1" dirty="0" smtClean="0">
+                <a:latin typeface="Arial" panose="020B0604020202020204" pitchFamily="34" charset="0"/>
+                <a:cs typeface="Arial" panose="020B0604020202020204" pitchFamily="34" charset="0"/>
+              </a:rPr>
+              <a:t>rappel</a:t>
+            </a:r>
+            <a:endParaRPr lang="fr-FR" sz="3200" b="1" dirty="0"/>
+          </a:p>
+        </p:txBody>
+      </p:sp>
+      <p:pic>
+        <p:nvPicPr>
+          <p:cNvPr id="8" name="Espace réservé du contenu 7"/>
+          <p:cNvPicPr>
+            <a:picLocks noGrp="1" noChangeAspect="1"/>
+          </p:cNvPicPr>
+          <p:nvPr>
+            <p:ph idx="1"/>
+          </p:nvPr>
+        </p:nvPicPr>
+        <p:blipFill>
+          <a:blip r:embed="rId3">
+            <a:extLst>
+              <a:ext uri="{28A0092B-C50C-407E-A947-70E740481C1C}">
+                <a14:useLocalDpi xmlns:a14="http://schemas.microsoft.com/office/drawing/2010/main" val="0"/>
+              </a:ext>
+            </a:extLst>
+          </a:blip>
+          <a:stretch>
+            <a:fillRect/>
+          </a:stretch>
+        </p:blipFill>
+        <p:spPr>
+          <a:xfrm>
+            <a:off x="1475656" y="1916832"/>
+            <a:ext cx="5734851" cy="2619741"/>
+          </a:xfrm>
+        </p:spPr>
+      </p:pic>
+    </p:spTree>
+    <p:extLst>
+      <p:ext uri="{BB962C8B-B14F-4D97-AF65-F5344CB8AC3E}">
+        <p14:creationId xmlns:p14="http://schemas.microsoft.com/office/powerpoint/2010/main" val="3219080362"/>
+      </p:ext>
+    </p:extLst>
+  </p:cSld>
+  <p:clrMapOvr>
+    <a:masterClrMapping/>
+  </p:clrMapOvr>
+  <p:timing>
+    <p:tnLst>
+      <p:par>
+        <p:cTn id="1" dur="indefinite" restart="never" nodeType="tmRoot"/>
+      </p:par>
+    </p:tnLst>
+  </p:timing>
+</p:sld>
+</file>
+
+<file path=ppt/slides/slide35.xml><?xml version="1.0" encoding="utf-8"?>
+<p:sld xmlns:a="http://schemas.openxmlformats.org/drawingml/2006/main" xmlns:r="http://schemas.openxmlformats.org/officeDocument/2006/relationships" xmlns:p="http://schemas.openxmlformats.org/presentationml/2006/main">
+  <p:cSld>
+    <p:spTree>
+      <p:nvGrpSpPr>
+        <p:cNvPr id="1" name=""/>
+        <p:cNvGrpSpPr/>
+        <p:nvPr/>
+      </p:nvGrpSpPr>
+      <p:grpSpPr>
+        <a:xfrm>
+          <a:off x="0" y="0"/>
+          <a:ext cx="0" cy="0"/>
+          <a:chOff x="0" y="0"/>
+          <a:chExt cx="0" cy="0"/>
+        </a:xfrm>
+      </p:grpSpPr>
+      <p:sp>
+        <p:nvSpPr>
+          <p:cNvPr id="2" name="Titre 1"/>
+          <p:cNvSpPr>
+            <a:spLocks noGrp="1"/>
+          </p:cNvSpPr>
+          <p:nvPr>
+            <p:ph type="title"/>
+          </p:nvPr>
+        </p:nvSpPr>
+        <p:spPr/>
+        <p:txBody>
+          <a:bodyPr>
+            <a:normAutofit/>
+          </a:bodyPr>
+          <a:lstStyle/>
+          <a:p>
+            <a:r>
+              <a:rPr lang="fr-FR" sz="3200" b="1" dirty="0" smtClean="0">
+                <a:latin typeface="Arial" panose="020B0604020202020204" pitchFamily="34" charset="0"/>
+                <a:cs typeface="Arial" panose="020B0604020202020204" pitchFamily="34" charset="0"/>
+              </a:rPr>
+              <a:t>Graphiques pour le web : </a:t>
+            </a:r>
+            <a:r>
+              <a:rPr lang="fr-FR" sz="3200" b="1" dirty="0" err="1" smtClean="0">
+                <a:latin typeface="Arial" panose="020B0604020202020204" pitchFamily="34" charset="0"/>
+                <a:cs typeface="Arial" panose="020B0604020202020204" pitchFamily="34" charset="0"/>
+              </a:rPr>
+              <a:t>Bokeh</a:t>
+            </a:r>
+            <a:endParaRPr lang="fr-FR" sz="3200" b="1" dirty="0">
+              <a:latin typeface="Arial" panose="020B0604020202020204" pitchFamily="34" charset="0"/>
+              <a:cs typeface="Arial" panose="020B0604020202020204" pitchFamily="34" charset="0"/>
+            </a:endParaRPr>
+          </a:p>
+        </p:txBody>
+      </p:sp>
+      <p:sp>
+        <p:nvSpPr>
+          <p:cNvPr id="3" name="Espace réservé du contenu 2"/>
+          <p:cNvSpPr>
+            <a:spLocks noGrp="1"/>
+          </p:cNvSpPr>
+          <p:nvPr>
+            <p:ph idx="1"/>
+          </p:nvPr>
+        </p:nvSpPr>
+        <p:spPr/>
+        <p:txBody>
+          <a:bodyPr/>
+          <a:lstStyle/>
+          <a:p>
+            <a:r>
+              <a:rPr lang="fr-FR" dirty="0" smtClean="0">
+                <a:latin typeface="Arial" panose="020B0604020202020204" pitchFamily="34" charset="0"/>
+                <a:cs typeface="Arial" panose="020B0604020202020204" pitchFamily="34" charset="0"/>
+                <a:hlinkClick r:id="rId2"/>
+              </a:rPr>
+              <a:t>Gapminder</a:t>
+            </a:r>
+            <a:endParaRPr lang="fr-FR" dirty="0" smtClean="0">
+              <a:latin typeface="Arial" panose="020B0604020202020204" pitchFamily="34" charset="0"/>
+              <a:cs typeface="Arial" panose="020B0604020202020204" pitchFamily="34" charset="0"/>
+            </a:endParaRPr>
+          </a:p>
+          <a:p>
+            <a:r>
+              <a:rPr lang="fr-FR" dirty="0" smtClean="0">
+                <a:latin typeface="Arial" panose="020B0604020202020204" pitchFamily="34" charset="0"/>
+                <a:cs typeface="Arial" panose="020B0604020202020204" pitchFamily="34" charset="0"/>
+                <a:hlinkClick r:id="rId3"/>
+              </a:rPr>
+              <a:t>Explorer données sur films</a:t>
+            </a:r>
+            <a:endParaRPr lang="fr-FR" dirty="0">
+              <a:latin typeface="Arial" panose="020B0604020202020204" pitchFamily="34" charset="0"/>
+              <a:cs typeface="Arial" panose="020B0604020202020204" pitchFamily="34" charset="0"/>
+            </a:endParaRPr>
+          </a:p>
+        </p:txBody>
+      </p:sp>
+    </p:spTree>
+    <p:extLst>
+      <p:ext uri="{BB962C8B-B14F-4D97-AF65-F5344CB8AC3E}">
+        <p14:creationId xmlns:p14="http://schemas.microsoft.com/office/powerpoint/2010/main" val="195656540"/>
+      </p:ext>
+    </p:extLst>
+  </p:cSld>
+  <p:clrMapOvr>
+    <a:masterClrMapping/>
+  </p:clrMapOvr>
+  <p:timing>
+    <p:tnLst>
+      <p:par>
+        <p:cTn id="1" dur="indefinite" restart="never" nodeType="tmRoot"/>
+      </p:par>
+    </p:tnLst>
+  </p:timing>
+</p:sld>
+</file>
+
+<file path=ppt/slides/slide36.xml><?xml version="1.0" encoding="utf-8"?>
+<p:sld xmlns:a="http://schemas.openxmlformats.org/drawingml/2006/main" xmlns:r="http://schemas.openxmlformats.org/officeDocument/2006/relationships" xmlns:p="http://schemas.openxmlformats.org/presentationml/2006/main">
+  <p:cSld>
+    <p:spTree>
+      <p:nvGrpSpPr>
+        <p:cNvPr id="1" name=""/>
+        <p:cNvGrpSpPr/>
+        <p:nvPr/>
+      </p:nvGrpSpPr>
+      <p:grpSpPr>
+        <a:xfrm>
+          <a:off x="0" y="0"/>
+          <a:ext cx="0" cy="0"/>
+          <a:chOff x="0" y="0"/>
+          <a:chExt cx="0" cy="0"/>
+        </a:xfrm>
+      </p:grpSpPr>
+      <p:sp>
+        <p:nvSpPr>
+          <p:cNvPr id="4" name="Titre 3"/>
+          <p:cNvSpPr>
+            <a:spLocks noGrp="1"/>
+          </p:cNvSpPr>
+          <p:nvPr>
+            <p:ph type="ctrTitle"/>
+          </p:nvPr>
+        </p:nvSpPr>
+        <p:spPr/>
+        <p:txBody>
+          <a:bodyPr>
+            <a:noAutofit/>
+          </a:bodyPr>
+          <a:lstStyle/>
+          <a:p>
+            <a:r>
+              <a:rPr lang="fr-FR" sz="4800" b="1" dirty="0">
+                <a:solidFill>
+                  <a:srgbClr val="7030A0"/>
+                </a:solidFill>
+                <a:latin typeface="Arial" panose="020B0604020202020204" pitchFamily="34" charset="0"/>
+                <a:cs typeface="Arial" panose="020B0604020202020204" pitchFamily="34" charset="0"/>
+              </a:rPr>
+              <a:t>Partie 5</a:t>
+            </a:r>
+            <a:r>
+              <a:rPr lang="fr-FR" sz="4800" b="1" dirty="0" smtClean="0">
+                <a:solidFill>
+                  <a:srgbClr val="7030A0"/>
+                </a:solidFill>
+                <a:latin typeface="Arial" panose="020B0604020202020204" pitchFamily="34" charset="0"/>
+                <a:cs typeface="Arial" panose="020B0604020202020204" pitchFamily="34" charset="0"/>
+              </a:rPr>
+              <a:t> </a:t>
+            </a:r>
+            <a:r>
+              <a:rPr lang="fr-FR" sz="4800" b="1" dirty="0">
+                <a:solidFill>
+                  <a:srgbClr val="7030A0"/>
+                </a:solidFill>
+                <a:latin typeface="Arial" panose="020B0604020202020204" pitchFamily="34" charset="0"/>
+                <a:cs typeface="Arial" panose="020B0604020202020204" pitchFamily="34" charset="0"/>
+              </a:rPr>
+              <a:t>: </a:t>
+            </a:r>
+            <a:r>
+              <a:rPr lang="fr-FR" sz="4800" b="1" dirty="0" smtClean="0">
+                <a:solidFill>
+                  <a:srgbClr val="7030A0"/>
+                </a:solidFill>
+                <a:latin typeface="Arial" panose="020B0604020202020204" pitchFamily="34" charset="0"/>
+                <a:cs typeface="Arial" panose="020B0604020202020204" pitchFamily="34" charset="0"/>
+              </a:rPr>
+              <a:t>statistiques avec Python</a:t>
+            </a:r>
+            <a:endParaRPr lang="fr-FR" sz="4800" dirty="0"/>
+          </a:p>
+        </p:txBody>
+      </p:sp>
+    </p:spTree>
+    <p:extLst>
+      <p:ext uri="{BB962C8B-B14F-4D97-AF65-F5344CB8AC3E}">
+        <p14:creationId xmlns:p14="http://schemas.microsoft.com/office/powerpoint/2010/main" val="780777117"/>
+      </p:ext>
+    </p:extLst>
+  </p:cSld>
+  <p:clrMapOvr>
+    <a:masterClrMapping/>
+  </p:clrMapOvr>
+  <p:timing>
+    <p:tnLst>
+      <p:par>
+        <p:cTn id="1" dur="indefinite" restart="never" nodeType="tmRoot"/>
+      </p:par>
+    </p:tnLst>
+  </p:timing>
+</p:sld>
+</file>
+
+<file path=ppt/slides/slide37.xml><?xml version="1.0" encoding="utf-8"?>
+<p:sld xmlns:a="http://schemas.openxmlformats.org/drawingml/2006/main" xmlns:r="http://schemas.openxmlformats.org/officeDocument/2006/relationships" xmlns:p="http://schemas.openxmlformats.org/presentationml/2006/main">
+  <p:cSld>
+    <p:spTree>
+      <p:nvGrpSpPr>
+        <p:cNvPr id="1" name=""/>
+        <p:cNvGrpSpPr/>
+        <p:nvPr/>
+      </p:nvGrpSpPr>
+      <p:grpSpPr>
+        <a:xfrm>
+          <a:off x="0" y="0"/>
+          <a:ext cx="0" cy="0"/>
+          <a:chOff x="0" y="0"/>
+          <a:chExt cx="0" cy="0"/>
+        </a:xfrm>
+      </p:grpSpPr>
+      <p:sp>
+        <p:nvSpPr>
+          <p:cNvPr id="2" name="Titre 1"/>
+          <p:cNvSpPr>
+            <a:spLocks noGrp="1"/>
+          </p:cNvSpPr>
+          <p:nvPr>
+            <p:ph type="title"/>
+          </p:nvPr>
+        </p:nvSpPr>
+        <p:spPr/>
+        <p:txBody>
+          <a:bodyPr>
+            <a:normAutofit/>
+          </a:bodyPr>
+          <a:lstStyle/>
+          <a:p>
+            <a:r>
+              <a:rPr lang="fr-FR" sz="3200" b="1" dirty="0" smtClean="0">
+                <a:latin typeface="Arial" panose="020B0604020202020204" pitchFamily="34" charset="0"/>
+                <a:cs typeface="Arial" panose="020B0604020202020204" pitchFamily="34" charset="0"/>
+              </a:rPr>
+              <a:t>Régression linéaire avec </a:t>
+            </a:r>
+            <a:r>
+              <a:rPr lang="fr-FR" sz="3200" b="1" dirty="0" err="1" smtClean="0">
+                <a:latin typeface="Arial" panose="020B0604020202020204" pitchFamily="34" charset="0"/>
+                <a:cs typeface="Arial" panose="020B0604020202020204" pitchFamily="34" charset="0"/>
+              </a:rPr>
+              <a:t>statsModels</a:t>
+            </a:r>
+            <a:endParaRPr lang="fr-FR" sz="3200" b="1" dirty="0">
+              <a:latin typeface="Arial" panose="020B0604020202020204" pitchFamily="34" charset="0"/>
+              <a:cs typeface="Arial" panose="020B0604020202020204" pitchFamily="34" charset="0"/>
+            </a:endParaRPr>
+          </a:p>
+        </p:txBody>
+      </p:sp>
+      <p:sp>
+        <p:nvSpPr>
+          <p:cNvPr id="3" name="Espace réservé du contenu 2"/>
+          <p:cNvSpPr>
+            <a:spLocks noGrp="1"/>
+          </p:cNvSpPr>
+          <p:nvPr>
+            <p:ph idx="1"/>
+          </p:nvPr>
+        </p:nvSpPr>
+        <p:spPr>
+          <a:xfrm>
+            <a:off x="457200" y="1052736"/>
+            <a:ext cx="8229600" cy="5073427"/>
+          </a:xfrm>
+        </p:spPr>
+        <p:txBody>
+          <a:bodyPr>
+            <a:normAutofit/>
+          </a:bodyPr>
+          <a:lstStyle/>
+          <a:p>
+            <a:r>
+              <a:rPr lang="fr-FR" dirty="0" smtClean="0">
+                <a:latin typeface="Arial" panose="020B0604020202020204" pitchFamily="34" charset="0"/>
+                <a:cs typeface="Arial" panose="020B0604020202020204" pitchFamily="34" charset="0"/>
+              </a:rPr>
+              <a:t>Information de base sur une régression : R^2, coefficients et leur intervalle de confiance </a:t>
+            </a:r>
+          </a:p>
+          <a:p>
+            <a:r>
+              <a:rPr lang="fr-FR" dirty="0" smtClean="0">
+                <a:latin typeface="Arial" panose="020B0604020202020204" pitchFamily="34" charset="0"/>
+                <a:cs typeface="Arial" panose="020B0604020202020204" pitchFamily="34" charset="0"/>
+              </a:rPr>
+              <a:t>Graphiques de diagnostics :</a:t>
+            </a:r>
+          </a:p>
+          <a:p>
+            <a:pPr lvl="1"/>
+            <a:r>
+              <a:rPr lang="fr-FR" sz="2000" dirty="0">
+                <a:latin typeface="Arial" panose="020B0604020202020204" pitchFamily="34" charset="0"/>
+                <a:cs typeface="Arial" panose="020B0604020202020204" pitchFamily="34" charset="0"/>
+              </a:rPr>
+              <a:t>Ŷ </a:t>
+            </a:r>
+            <a:r>
+              <a:rPr lang="fr-FR" sz="2000" dirty="0" smtClean="0">
+                <a:latin typeface="Arial" panose="020B0604020202020204" pitchFamily="34" charset="0"/>
+                <a:cs typeface="Arial" panose="020B0604020202020204" pitchFamily="34" charset="0"/>
+              </a:rPr>
+              <a:t>/y =&gt; élément de qualité globale</a:t>
+            </a:r>
+          </a:p>
+          <a:p>
+            <a:pPr lvl="1"/>
+            <a:r>
+              <a:rPr lang="fr-FR" sz="2000" dirty="0">
+                <a:latin typeface="Arial" panose="020B0604020202020204" pitchFamily="34" charset="0"/>
+                <a:cs typeface="Arial" panose="020B0604020202020204" pitchFamily="34" charset="0"/>
+              </a:rPr>
+              <a:t>Ŷ </a:t>
+            </a:r>
+            <a:r>
+              <a:rPr lang="fr-FR" sz="2000" dirty="0" smtClean="0">
+                <a:latin typeface="Arial" panose="020B0604020202020204" pitchFamily="34" charset="0"/>
+                <a:cs typeface="Arial" panose="020B0604020202020204" pitchFamily="34" charset="0"/>
+              </a:rPr>
+              <a:t>/ résidu =&gt; </a:t>
+            </a:r>
+            <a:r>
+              <a:rPr lang="fr-FR" sz="2000" dirty="0">
+                <a:latin typeface="Arial" panose="020B0604020202020204" pitchFamily="34" charset="0"/>
+                <a:cs typeface="Arial" panose="020B0604020202020204" pitchFamily="34" charset="0"/>
+              </a:rPr>
+              <a:t>vérifier linéarité + pas </a:t>
+            </a:r>
+            <a:r>
+              <a:rPr lang="fr-FR" sz="2000" dirty="0" err="1" smtClean="0">
+                <a:latin typeface="Arial" panose="020B0604020202020204" pitchFamily="34" charset="0"/>
+                <a:cs typeface="Arial" panose="020B0604020202020204" pitchFamily="34" charset="0"/>
+              </a:rPr>
+              <a:t>hétéroscédasticité</a:t>
+            </a:r>
+            <a:endParaRPr lang="fr-FR" sz="2000" dirty="0" smtClean="0">
+              <a:latin typeface="Arial" panose="020B0604020202020204" pitchFamily="34" charset="0"/>
+              <a:cs typeface="Arial" panose="020B0604020202020204" pitchFamily="34" charset="0"/>
+            </a:endParaRPr>
+          </a:p>
+          <a:p>
+            <a:pPr lvl="1"/>
+            <a:r>
+              <a:rPr lang="fr-FR" sz="2000" dirty="0">
+                <a:latin typeface="Arial" panose="020B0604020202020204" pitchFamily="34" charset="0"/>
+                <a:cs typeface="Arial" panose="020B0604020202020204" pitchFamily="34" charset="0"/>
+              </a:rPr>
+              <a:t>Q–Q graphique </a:t>
+            </a:r>
+            <a:r>
+              <a:rPr lang="fr-FR" sz="2000" dirty="0" smtClean="0">
+                <a:latin typeface="Arial" panose="020B0604020202020204" pitchFamily="34" charset="0"/>
+                <a:cs typeface="Arial" panose="020B0604020202020204" pitchFamily="34" charset="0"/>
+              </a:rPr>
+              <a:t>: quantiles loi </a:t>
+            </a:r>
+            <a:r>
+              <a:rPr lang="fr-FR" sz="2000" dirty="0">
+                <a:latin typeface="Arial" panose="020B0604020202020204" pitchFamily="34" charset="0"/>
+                <a:cs typeface="Arial" panose="020B0604020202020204" pitchFamily="34" charset="0"/>
+              </a:rPr>
+              <a:t>normale (0</a:t>
+            </a:r>
+            <a:r>
+              <a:rPr lang="fr-FR" sz="2000" dirty="0" smtClean="0">
+                <a:latin typeface="Arial" panose="020B0604020202020204" pitchFamily="34" charset="0"/>
+                <a:cs typeface="Arial" panose="020B0604020202020204" pitchFamily="34" charset="0"/>
+              </a:rPr>
+              <a:t>, var </a:t>
+            </a:r>
+            <a:r>
+              <a:rPr lang="fr-FR" sz="2000" dirty="0">
+                <a:latin typeface="Arial" panose="020B0604020202020204" pitchFamily="34" charset="0"/>
+                <a:cs typeface="Arial" panose="020B0604020202020204" pitchFamily="34" charset="0"/>
+              </a:rPr>
+              <a:t>estimée des résidus) </a:t>
+            </a:r>
+            <a:r>
+              <a:rPr lang="fr-FR" sz="2000" dirty="0" smtClean="0">
+                <a:latin typeface="Arial" panose="020B0604020202020204" pitchFamily="34" charset="0"/>
+                <a:cs typeface="Arial" panose="020B0604020202020204" pitchFamily="34" charset="0"/>
+              </a:rPr>
+              <a:t>/quantiles </a:t>
+            </a:r>
+            <a:r>
+              <a:rPr lang="fr-FR" sz="2000" dirty="0">
+                <a:latin typeface="Arial" panose="020B0604020202020204" pitchFamily="34" charset="0"/>
+                <a:cs typeface="Arial" panose="020B0604020202020204" pitchFamily="34" charset="0"/>
+              </a:rPr>
+              <a:t>des </a:t>
+            </a:r>
+            <a:r>
+              <a:rPr lang="fr-FR" sz="2000" dirty="0" smtClean="0">
+                <a:latin typeface="Arial" panose="020B0604020202020204" pitchFamily="34" charset="0"/>
+                <a:cs typeface="Arial" panose="020B0604020202020204" pitchFamily="34" charset="0"/>
+              </a:rPr>
+              <a:t>résidus =&gt; </a:t>
+            </a:r>
+            <a:r>
+              <a:rPr lang="fr-FR" sz="2000" dirty="0">
+                <a:latin typeface="Arial" panose="020B0604020202020204" pitchFamily="34" charset="0"/>
+                <a:cs typeface="Arial" panose="020B0604020202020204" pitchFamily="34" charset="0"/>
+              </a:rPr>
+              <a:t>vérifier </a:t>
+            </a:r>
+            <a:r>
+              <a:rPr lang="fr-FR" sz="2000" dirty="0" smtClean="0">
+                <a:latin typeface="Arial" panose="020B0604020202020204" pitchFamily="34" charset="0"/>
+                <a:cs typeface="Arial" panose="020B0604020202020204" pitchFamily="34" charset="0"/>
+              </a:rPr>
+              <a:t>résidus normaux</a:t>
+            </a:r>
+          </a:p>
+          <a:p>
+            <a:pPr lvl="1"/>
+            <a:r>
+              <a:rPr lang="fr-FR" sz="2000" dirty="0" smtClean="0">
+                <a:latin typeface="Arial" panose="020B0604020202020204" pitchFamily="34" charset="0"/>
+                <a:cs typeface="Arial" panose="020B0604020202020204" pitchFamily="34" charset="0"/>
+              </a:rPr>
+              <a:t>Distribution des résidus </a:t>
+            </a:r>
+            <a:r>
+              <a:rPr lang="fr-FR" sz="2000" dirty="0">
+                <a:latin typeface="Arial" panose="020B0604020202020204" pitchFamily="34" charset="0"/>
+                <a:cs typeface="Arial" panose="020B0604020202020204" pitchFamily="34" charset="0"/>
+              </a:rPr>
+              <a:t>=&gt; vérifier résidus normaux</a:t>
+            </a:r>
+          </a:p>
+          <a:p>
+            <a:pPr lvl="1"/>
+            <a:r>
+              <a:rPr lang="fr-FR" sz="2000" dirty="0" smtClean="0">
+                <a:latin typeface="Arial" panose="020B0604020202020204" pitchFamily="34" charset="0"/>
+                <a:cs typeface="Arial" panose="020B0604020202020204" pitchFamily="34" charset="0"/>
+              </a:rPr>
+              <a:t>Leverage plot : </a:t>
+            </a:r>
+            <a:r>
+              <a:rPr lang="fr-FR" sz="2000" dirty="0" err="1" smtClean="0">
+                <a:latin typeface="Arial" panose="020B0604020202020204" pitchFamily="34" charset="0"/>
+                <a:cs typeface="Arial" panose="020B0604020202020204" pitchFamily="34" charset="0"/>
+              </a:rPr>
+              <a:t>leverage</a:t>
+            </a:r>
+            <a:r>
+              <a:rPr lang="fr-FR" sz="2000" dirty="0" smtClean="0">
+                <a:latin typeface="Arial" panose="020B0604020202020204" pitchFamily="34" charset="0"/>
+                <a:cs typeface="Arial" panose="020B0604020202020204" pitchFamily="34" charset="0"/>
+              </a:rPr>
+              <a:t>/résidus standardisés</a:t>
+            </a:r>
+          </a:p>
+          <a:p>
+            <a:pPr lvl="1"/>
+            <a:endParaRPr lang="fr-FR" dirty="0">
+              <a:latin typeface="Arial" panose="020B0604020202020204" pitchFamily="34" charset="0"/>
+              <a:cs typeface="Arial" panose="020B0604020202020204" pitchFamily="34" charset="0"/>
+            </a:endParaRPr>
+          </a:p>
+        </p:txBody>
+      </p:sp>
+    </p:spTree>
+    <p:extLst>
+      <p:ext uri="{BB962C8B-B14F-4D97-AF65-F5344CB8AC3E}">
+        <p14:creationId xmlns:p14="http://schemas.microsoft.com/office/powerpoint/2010/main" val="2937392508"/>
+      </p:ext>
+    </p:extLst>
+  </p:cSld>
+  <p:clrMapOvr>
+    <a:masterClrMapping/>
+  </p:clrMapOvr>
+</p:sld>
+</file>
+
+<file path=ppt/slides/slide38.xml><?xml version="1.0" encoding="utf-8"?>
+<p:sld xmlns:a="http://schemas.openxmlformats.org/drawingml/2006/main" xmlns:r="http://schemas.openxmlformats.org/officeDocument/2006/relationships" xmlns:p="http://schemas.openxmlformats.org/presentationml/2006/main">
+  <p:cSld>
+    <p:spTree>
+      <p:nvGrpSpPr>
+        <p:cNvPr id="1" name=""/>
+        <p:cNvGrpSpPr/>
+        <p:nvPr/>
+      </p:nvGrpSpPr>
+      <p:grpSpPr>
+        <a:xfrm>
+          <a:off x="0" y="0"/>
+          <a:ext cx="0" cy="0"/>
+          <a:chOff x="0" y="0"/>
+          <a:chExt cx="0" cy="0"/>
+        </a:xfrm>
+      </p:grpSpPr>
+      <p:sp>
+        <p:nvSpPr>
+          <p:cNvPr id="2" name="Titre 1"/>
+          <p:cNvSpPr>
+            <a:spLocks noGrp="1"/>
+          </p:cNvSpPr>
+          <p:nvPr>
+            <p:ph type="title"/>
+          </p:nvPr>
+        </p:nvSpPr>
+        <p:spPr>
+          <a:xfrm>
+            <a:off x="457200" y="274638"/>
+            <a:ext cx="8229600" cy="706090"/>
+          </a:xfrm>
+        </p:spPr>
+        <p:txBody>
+          <a:bodyPr>
+            <a:normAutofit/>
+          </a:bodyPr>
+          <a:lstStyle/>
+          <a:p>
+            <a:r>
+              <a:rPr lang="fr-FR" sz="3200" b="1" dirty="0">
+                <a:latin typeface="Arial" panose="020B0604020202020204" pitchFamily="34" charset="0"/>
+                <a:cs typeface="Arial" panose="020B0604020202020204" pitchFamily="34" charset="0"/>
+              </a:rPr>
+              <a:t>Leverage plot</a:t>
+            </a:r>
+            <a:endParaRPr lang="fr-FR" sz="3200" b="1" dirty="0"/>
+          </a:p>
+        </p:txBody>
+      </p:sp>
+      <p:pic>
+        <p:nvPicPr>
+          <p:cNvPr id="4" name="Image 3"/>
+          <p:cNvPicPr>
+            <a:picLocks noChangeAspect="1"/>
+          </p:cNvPicPr>
+          <p:nvPr/>
+        </p:nvPicPr>
+        <p:blipFill>
+          <a:blip r:embed="rId2">
+            <a:extLst>
+              <a:ext uri="{28A0092B-C50C-407E-A947-70E740481C1C}">
+                <a14:useLocalDpi xmlns:a14="http://schemas.microsoft.com/office/drawing/2010/main" val="0"/>
+              </a:ext>
+            </a:extLst>
+          </a:blip>
+          <a:stretch>
+            <a:fillRect/>
+          </a:stretch>
+        </p:blipFill>
+        <p:spPr>
+          <a:xfrm>
+            <a:off x="27887" y="1124744"/>
+            <a:ext cx="5840257" cy="2787603"/>
+          </a:xfrm>
+          <a:prstGeom prst="rect">
+            <a:avLst/>
+          </a:prstGeom>
+        </p:spPr>
+      </p:pic>
+      <p:pic>
+        <p:nvPicPr>
+          <p:cNvPr id="5" name="Image 4"/>
+          <p:cNvPicPr>
+            <a:picLocks noChangeAspect="1"/>
+          </p:cNvPicPr>
+          <p:nvPr/>
+        </p:nvPicPr>
+        <p:blipFill>
+          <a:blip r:embed="rId3">
+            <a:extLst>
+              <a:ext uri="{28A0092B-C50C-407E-A947-70E740481C1C}">
+                <a14:useLocalDpi xmlns:a14="http://schemas.microsoft.com/office/drawing/2010/main" val="0"/>
+              </a:ext>
+            </a:extLst>
+          </a:blip>
+          <a:stretch>
+            <a:fillRect/>
+          </a:stretch>
+        </p:blipFill>
+        <p:spPr>
+          <a:xfrm>
+            <a:off x="3019262" y="3780995"/>
+            <a:ext cx="6096851" cy="3077005"/>
+          </a:xfrm>
+          <a:prstGeom prst="rect">
+            <a:avLst/>
+          </a:prstGeom>
+        </p:spPr>
+      </p:pic>
+    </p:spTree>
+    <p:extLst>
+      <p:ext uri="{BB962C8B-B14F-4D97-AF65-F5344CB8AC3E}">
+        <p14:creationId xmlns:p14="http://schemas.microsoft.com/office/powerpoint/2010/main" val="4177257159"/>
+      </p:ext>
+    </p:extLst>
+  </p:cSld>
+  <p:clrMapOvr>
+    <a:masterClrMapping/>
+  </p:clrMapOvr>
+</p:sld>
+</file>
+
+<file path=ppt/slides/slide39.xml><?xml version="1.0" encoding="utf-8"?>
+<p:sld xmlns:a="http://schemas.openxmlformats.org/drawingml/2006/main" xmlns:r="http://schemas.openxmlformats.org/officeDocument/2006/relationships" xmlns:p="http://schemas.openxmlformats.org/presentationml/2006/main">
+  <p:cSld>
+    <p:spTree>
+      <p:nvGrpSpPr>
+        <p:cNvPr id="1" name=""/>
+        <p:cNvGrpSpPr/>
+        <p:nvPr/>
+      </p:nvGrpSpPr>
+      <p:grpSpPr>
+        <a:xfrm>
+          <a:off x="0" y="0"/>
+          <a:ext cx="0" cy="0"/>
+          <a:chOff x="0" y="0"/>
+          <a:chExt cx="0" cy="0"/>
+        </a:xfrm>
+      </p:grpSpPr>
+      <p:sp>
+        <p:nvSpPr>
+          <p:cNvPr id="2" name="Titre 1"/>
+          <p:cNvSpPr>
+            <a:spLocks noGrp="1"/>
+          </p:cNvSpPr>
+          <p:nvPr>
+            <p:ph type="title"/>
+          </p:nvPr>
+        </p:nvSpPr>
+        <p:spPr/>
+        <p:txBody>
+          <a:bodyPr>
+            <a:normAutofit/>
+          </a:bodyPr>
+          <a:lstStyle/>
+          <a:p>
+            <a:r>
+              <a:rPr lang="fr-FR" sz="3200" b="1" dirty="0" smtClean="0">
+                <a:latin typeface="Arial" panose="020B0604020202020204" pitchFamily="34" charset="0"/>
+                <a:cs typeface="Arial" panose="020B0604020202020204" pitchFamily="34" charset="0"/>
+              </a:rPr>
+              <a:t>Quelques exemples de modèles</a:t>
+            </a:r>
+            <a:endParaRPr lang="fr-FR" sz="3200" b="1" dirty="0">
+              <a:latin typeface="Arial" panose="020B0604020202020204" pitchFamily="34" charset="0"/>
+              <a:cs typeface="Arial" panose="020B0604020202020204" pitchFamily="34" charset="0"/>
+            </a:endParaRPr>
+          </a:p>
+        </p:txBody>
+      </p:sp>
+      <p:pic>
+        <p:nvPicPr>
+          <p:cNvPr id="4" name="Image 3"/>
+          <p:cNvPicPr>
+            <a:picLocks noChangeAspect="1"/>
+          </p:cNvPicPr>
+          <p:nvPr/>
+        </p:nvPicPr>
+        <p:blipFill>
+          <a:blip r:embed="rId2">
+            <a:extLst>
+              <a:ext uri="{28A0092B-C50C-407E-A947-70E740481C1C}">
+                <a14:useLocalDpi xmlns:a14="http://schemas.microsoft.com/office/drawing/2010/main" val="0"/>
+              </a:ext>
+            </a:extLst>
+          </a:blip>
+          <a:stretch>
+            <a:fillRect/>
+          </a:stretch>
+        </p:blipFill>
+        <p:spPr>
+          <a:xfrm>
+            <a:off x="611560" y="1340755"/>
+            <a:ext cx="7920000" cy="2120647"/>
+          </a:xfrm>
+          <a:prstGeom prst="rect">
+            <a:avLst/>
+          </a:prstGeom>
+        </p:spPr>
+      </p:pic>
+      <p:pic>
+        <p:nvPicPr>
+          <p:cNvPr id="5" name="Image 4"/>
+          <p:cNvPicPr>
+            <a:picLocks noChangeAspect="1"/>
+          </p:cNvPicPr>
+          <p:nvPr/>
+        </p:nvPicPr>
+        <p:blipFill>
+          <a:blip r:embed="rId3">
+            <a:extLst>
+              <a:ext uri="{28A0092B-C50C-407E-A947-70E740481C1C}">
+                <a14:useLocalDpi xmlns:a14="http://schemas.microsoft.com/office/drawing/2010/main" val="0"/>
+              </a:ext>
+            </a:extLst>
+          </a:blip>
+          <a:stretch>
+            <a:fillRect/>
+          </a:stretch>
+        </p:blipFill>
+        <p:spPr>
+          <a:xfrm>
+            <a:off x="611559" y="3789040"/>
+            <a:ext cx="7920000" cy="2742493"/>
+          </a:xfrm>
+          <a:prstGeom prst="rect">
+            <a:avLst/>
+          </a:prstGeom>
+        </p:spPr>
+      </p:pic>
+    </p:spTree>
+    <p:extLst>
+      <p:ext uri="{BB962C8B-B14F-4D97-AF65-F5344CB8AC3E}">
+        <p14:creationId xmlns:p14="http://schemas.microsoft.com/office/powerpoint/2010/main" val="4006578388"/>
+      </p:ext>
+    </p:extLst>
+  </p:cSld>
+  <p:clrMapOvr>
+    <a:masterClrMapping/>
+  </p:clrMapOvr>
+</p:sld>
+</file>
+
+<file path=ppt/slides/slide4.xml><?xml version="1.0" encoding="utf-8"?>
+<p:sld xmlns:a="http://schemas.openxmlformats.org/drawingml/2006/main" xmlns:r="http://schemas.openxmlformats.org/officeDocument/2006/relationships" xmlns:p="http://schemas.openxmlformats.org/presentationml/2006/main">
+  <p:cSld>
+    <p:spTree>
+      <p:nvGrpSpPr>
+        <p:cNvPr id="1" name=""/>
+        <p:cNvGrpSpPr/>
+        <p:nvPr/>
+      </p:nvGrpSpPr>
+      <p:grpSpPr>
+        <a:xfrm>
+          <a:off x="0" y="0"/>
+          <a:ext cx="0" cy="0"/>
+          <a:chOff x="0" y="0"/>
+          <a:chExt cx="0" cy="0"/>
+        </a:xfrm>
+      </p:grpSpPr>
+      <p:sp>
+        <p:nvSpPr>
+          <p:cNvPr id="2" name="Titre 1"/>
+          <p:cNvSpPr>
+            <a:spLocks noGrp="1"/>
+          </p:cNvSpPr>
+          <p:nvPr>
+            <p:ph type="title"/>
+          </p:nvPr>
+        </p:nvSpPr>
+        <p:spPr/>
+        <p:txBody>
+          <a:bodyPr>
+            <a:normAutofit/>
+          </a:bodyPr>
+          <a:lstStyle/>
+          <a:p>
+            <a:r>
+              <a:rPr lang="en-US" sz="3200" b="1" dirty="0">
+                <a:latin typeface="Arial" panose="020B0604020202020204" pitchFamily="34" charset="0"/>
+                <a:cs typeface="Arial" panose="020B0604020202020204" pitchFamily="34" charset="0"/>
+              </a:rPr>
+              <a:t>Data Science Job Report 2017</a:t>
+            </a:r>
+            <a:endParaRPr lang="fr-FR" sz="3200" dirty="0">
+              <a:latin typeface="Arial" panose="020B0604020202020204" pitchFamily="34" charset="0"/>
+              <a:cs typeface="Arial" panose="020B0604020202020204" pitchFamily="34" charset="0"/>
+            </a:endParaRPr>
+          </a:p>
+        </p:txBody>
+      </p:sp>
+      <p:pic>
+        <p:nvPicPr>
+          <p:cNvPr id="4" name="Espace réservé du contenu 3"/>
+          <p:cNvPicPr>
+            <a:picLocks noGrp="1" noChangeAspect="1"/>
+          </p:cNvPicPr>
+          <p:nvPr>
+            <p:ph idx="1"/>
+          </p:nvPr>
+        </p:nvPicPr>
+        <p:blipFill>
+          <a:blip r:embed="rId2">
+            <a:extLst>
+              <a:ext uri="{28A0092B-C50C-407E-A947-70E740481C1C}">
+                <a14:useLocalDpi xmlns:a14="http://schemas.microsoft.com/office/drawing/2010/main" val="0"/>
+              </a:ext>
+            </a:extLst>
+          </a:blip>
+          <a:stretch>
+            <a:fillRect/>
+          </a:stretch>
+        </p:blipFill>
+        <p:spPr>
+          <a:xfrm>
+            <a:off x="1979712" y="1556792"/>
+            <a:ext cx="4939502" cy="4525963"/>
+          </a:xfrm>
+        </p:spPr>
+      </p:pic>
+    </p:spTree>
+    <p:extLst>
+      <p:ext uri="{BB962C8B-B14F-4D97-AF65-F5344CB8AC3E}">
+        <p14:creationId xmlns:p14="http://schemas.microsoft.com/office/powerpoint/2010/main" val="3180056025"/>
+      </p:ext>
+    </p:extLst>
+  </p:cSld>
+  <p:clrMapOvr>
+    <a:masterClrMapping/>
+  </p:clrMapOvr>
+</p:sld>
+</file>
+
+<file path=ppt/slides/slide40.xml><?xml version="1.0" encoding="utf-8"?>
+<p:sld xmlns:a="http://schemas.openxmlformats.org/drawingml/2006/main" xmlns:r="http://schemas.openxmlformats.org/officeDocument/2006/relationships" xmlns:p="http://schemas.openxmlformats.org/presentationml/2006/main">
+  <p:cSld>
+    <p:spTree>
+      <p:nvGrpSpPr>
+        <p:cNvPr id="1" name=""/>
+        <p:cNvGrpSpPr/>
+        <p:nvPr/>
+      </p:nvGrpSpPr>
+      <p:grpSpPr>
+        <a:xfrm>
+          <a:off x="0" y="0"/>
+          <a:ext cx="0" cy="0"/>
+          <a:chOff x="0" y="0"/>
+          <a:chExt cx="0" cy="0"/>
+        </a:xfrm>
+      </p:grpSpPr>
+      <p:sp>
+        <p:nvSpPr>
+          <p:cNvPr id="2" name="Titre 1"/>
+          <p:cNvSpPr>
+            <a:spLocks noGrp="1"/>
+          </p:cNvSpPr>
+          <p:nvPr>
+            <p:ph type="title"/>
+          </p:nvPr>
+        </p:nvSpPr>
+        <p:spPr/>
+        <p:txBody>
+          <a:bodyPr>
+            <a:normAutofit/>
+          </a:bodyPr>
+          <a:lstStyle/>
+          <a:p>
+            <a:r>
+              <a:rPr lang="fr-FR" sz="3200" b="1" dirty="0" smtClean="0">
+                <a:latin typeface="Arial" panose="020B0604020202020204" pitchFamily="34" charset="0"/>
+                <a:cs typeface="Arial" panose="020B0604020202020204" pitchFamily="34" charset="0"/>
+              </a:rPr>
+              <a:t>Régression logistique avec </a:t>
+            </a:r>
+            <a:r>
+              <a:rPr lang="fr-FR" sz="3200" b="1" dirty="0" err="1" smtClean="0">
+                <a:latin typeface="Arial" panose="020B0604020202020204" pitchFamily="34" charset="0"/>
+                <a:cs typeface="Arial" panose="020B0604020202020204" pitchFamily="34" charset="0"/>
+              </a:rPr>
+              <a:t>statsModèles</a:t>
+            </a:r>
+            <a:endParaRPr lang="fr-FR" sz="3200" b="1" dirty="0">
+              <a:latin typeface="Arial" panose="020B0604020202020204" pitchFamily="34" charset="0"/>
+              <a:cs typeface="Arial" panose="020B0604020202020204" pitchFamily="34" charset="0"/>
+            </a:endParaRPr>
+          </a:p>
+        </p:txBody>
+      </p:sp>
+      <p:sp>
+        <p:nvSpPr>
+          <p:cNvPr id="3" name="Espace réservé du contenu 2"/>
+          <p:cNvSpPr>
+            <a:spLocks noGrp="1"/>
+          </p:cNvSpPr>
+          <p:nvPr>
+            <p:ph idx="1"/>
+          </p:nvPr>
+        </p:nvSpPr>
+        <p:spPr/>
+        <p:txBody>
+          <a:bodyPr/>
+          <a:lstStyle/>
+          <a:p>
+            <a:endParaRPr lang="fr-FR" dirty="0"/>
+          </a:p>
+        </p:txBody>
+      </p:sp>
+    </p:spTree>
+    <p:extLst>
+      <p:ext uri="{BB962C8B-B14F-4D97-AF65-F5344CB8AC3E}">
+        <p14:creationId xmlns:p14="http://schemas.microsoft.com/office/powerpoint/2010/main" val="1837559985"/>
+      </p:ext>
+    </p:extLst>
+  </p:cSld>
+  <p:clrMapOvr>
+    <a:masterClrMapping/>
+  </p:clrMapOvr>
+</p:sld>
+</file>
+
+<file path=ppt/slides/slide41.xml><?xml version="1.0" encoding="utf-8"?>
+<p:sld xmlns:a="http://schemas.openxmlformats.org/drawingml/2006/main" xmlns:r="http://schemas.openxmlformats.org/officeDocument/2006/relationships" xmlns:p="http://schemas.openxmlformats.org/presentationml/2006/main">
+  <p:cSld>
+    <p:spTree>
+      <p:nvGrpSpPr>
+        <p:cNvPr id="1" name=""/>
+        <p:cNvGrpSpPr/>
+        <p:nvPr/>
+      </p:nvGrpSpPr>
+      <p:grpSpPr>
+        <a:xfrm>
+          <a:off x="0" y="0"/>
+          <a:ext cx="0" cy="0"/>
+          <a:chOff x="0" y="0"/>
+          <a:chExt cx="0" cy="0"/>
+        </a:xfrm>
+      </p:grpSpPr>
+      <p:sp>
+        <p:nvSpPr>
+          <p:cNvPr id="4" name="Titre 3"/>
+          <p:cNvSpPr>
+            <a:spLocks noGrp="1"/>
+          </p:cNvSpPr>
+          <p:nvPr>
+            <p:ph type="ctrTitle"/>
+          </p:nvPr>
+        </p:nvSpPr>
+        <p:spPr/>
+        <p:txBody>
+          <a:bodyPr>
+            <a:normAutofit fontScale="90000"/>
+          </a:bodyPr>
+          <a:lstStyle/>
+          <a:p>
+            <a:r>
+              <a:rPr lang="fr-FR" b="1" dirty="0">
+                <a:solidFill>
+                  <a:srgbClr val="7030A0"/>
+                </a:solidFill>
+                <a:latin typeface="Arial" panose="020B0604020202020204" pitchFamily="34" charset="0"/>
+                <a:cs typeface="Arial" panose="020B0604020202020204" pitchFamily="34" charset="0"/>
+              </a:rPr>
+              <a:t>Partie 6</a:t>
+            </a:r>
+            <a:r>
+              <a:rPr lang="fr-FR" b="1" dirty="0" smtClean="0">
+                <a:solidFill>
+                  <a:srgbClr val="7030A0"/>
+                </a:solidFill>
+                <a:latin typeface="Arial" panose="020B0604020202020204" pitchFamily="34" charset="0"/>
+                <a:cs typeface="Arial" panose="020B0604020202020204" pitchFamily="34" charset="0"/>
+              </a:rPr>
+              <a:t> </a:t>
+            </a:r>
+            <a:r>
+              <a:rPr lang="fr-FR" b="1" dirty="0">
+                <a:solidFill>
+                  <a:srgbClr val="7030A0"/>
+                </a:solidFill>
+                <a:latin typeface="Arial" panose="020B0604020202020204" pitchFamily="34" charset="0"/>
+                <a:cs typeface="Arial" panose="020B0604020202020204" pitchFamily="34" charset="0"/>
+              </a:rPr>
+              <a:t>: </a:t>
+            </a:r>
+            <a:r>
+              <a:rPr lang="fr-FR" b="1" dirty="0" smtClean="0">
+                <a:solidFill>
+                  <a:srgbClr val="7030A0"/>
+                </a:solidFill>
+                <a:latin typeface="Arial" panose="020B0604020202020204" pitchFamily="34" charset="0"/>
+                <a:cs typeface="Arial" panose="020B0604020202020204" pitchFamily="34" charset="0"/>
+              </a:rPr>
+              <a:t>exemples </a:t>
+            </a:r>
+            <a:r>
+              <a:rPr lang="fr-FR" b="1" dirty="0" smtClean="0">
+                <a:solidFill>
+                  <a:srgbClr val="7030A0"/>
+                </a:solidFill>
+                <a:latin typeface="Arial" panose="020B0604020202020204" pitchFamily="34" charset="0"/>
+                <a:cs typeface="Arial" panose="020B0604020202020204" pitchFamily="34" charset="0"/>
+              </a:rPr>
+              <a:t>autres méthodes de machine </a:t>
+            </a:r>
+            <a:r>
+              <a:rPr lang="fr-FR" b="1" dirty="0" err="1" smtClean="0">
+                <a:solidFill>
+                  <a:srgbClr val="7030A0"/>
+                </a:solidFill>
+                <a:latin typeface="Arial" panose="020B0604020202020204" pitchFamily="34" charset="0"/>
+                <a:cs typeface="Arial" panose="020B0604020202020204" pitchFamily="34" charset="0"/>
+              </a:rPr>
+              <a:t>learning</a:t>
+            </a:r>
+            <a:endParaRPr lang="fr-FR" b="1" dirty="0">
+              <a:solidFill>
+                <a:srgbClr val="7030A0"/>
+              </a:solidFill>
+              <a:latin typeface="Arial" panose="020B0604020202020204" pitchFamily="34" charset="0"/>
+              <a:cs typeface="Arial" panose="020B0604020202020204" pitchFamily="34" charset="0"/>
+            </a:endParaRPr>
+          </a:p>
+        </p:txBody>
+      </p:sp>
+    </p:spTree>
+    <p:extLst>
+      <p:ext uri="{BB962C8B-B14F-4D97-AF65-F5344CB8AC3E}">
+        <p14:creationId xmlns:p14="http://schemas.microsoft.com/office/powerpoint/2010/main" val="242445764"/>
+      </p:ext>
+    </p:extLst>
+  </p:cSld>
+  <p:clrMapOvr>
+    <a:masterClrMapping/>
+  </p:clrMapOvr>
+  <p:timing>
+    <p:tnLst>
+      <p:par>
+        <p:cTn id="1" dur="indefinite" restart="never" nodeType="tmRoot"/>
+      </p:par>
+    </p:tnLst>
+  </p:timing>
+</p:sld>
+</file>
+
+<file path=ppt/slides/slide42.xml><?xml version="1.0" encoding="utf-8"?>
+<p:sld xmlns:a="http://schemas.openxmlformats.org/drawingml/2006/main" xmlns:r="http://schemas.openxmlformats.org/officeDocument/2006/relationships" xmlns:p="http://schemas.openxmlformats.org/presentationml/2006/main">
+  <p:cSld>
+    <p:spTree>
+      <p:nvGrpSpPr>
+        <p:cNvPr id="1" name=""/>
+        <p:cNvGrpSpPr/>
+        <p:nvPr/>
+      </p:nvGrpSpPr>
+      <p:grpSpPr>
+        <a:xfrm>
+          <a:off x="0" y="0"/>
+          <a:ext cx="0" cy="0"/>
+          <a:chOff x="0" y="0"/>
+          <a:chExt cx="0" cy="0"/>
+        </a:xfrm>
+      </p:grpSpPr>
+      <p:sp>
+        <p:nvSpPr>
+          <p:cNvPr id="2" name="Titre 1"/>
+          <p:cNvSpPr>
+            <a:spLocks noGrp="1"/>
+          </p:cNvSpPr>
+          <p:nvPr>
+            <p:ph type="title"/>
+          </p:nvPr>
+        </p:nvSpPr>
+        <p:spPr/>
+        <p:txBody>
+          <a:bodyPr>
+            <a:normAutofit/>
+          </a:bodyPr>
+          <a:lstStyle/>
+          <a:p>
+            <a:r>
+              <a:rPr lang="fr-FR" sz="3200" b="1" dirty="0" smtClean="0">
+                <a:latin typeface="Arial" panose="020B0604020202020204" pitchFamily="34" charset="0"/>
+                <a:cs typeface="Arial" panose="020B0604020202020204" pitchFamily="34" charset="0"/>
+              </a:rPr>
+              <a:t>Familles de méthodes</a:t>
+            </a:r>
+            <a:endParaRPr lang="fr-FR" sz="3200" b="1" dirty="0">
+              <a:latin typeface="Arial" panose="020B0604020202020204" pitchFamily="34" charset="0"/>
+              <a:cs typeface="Arial" panose="020B0604020202020204" pitchFamily="34" charset="0"/>
+            </a:endParaRPr>
+          </a:p>
+        </p:txBody>
+      </p:sp>
+      <p:pic>
+        <p:nvPicPr>
+          <p:cNvPr id="4" name="Image 3"/>
+          <p:cNvPicPr>
+            <a:picLocks noChangeAspect="1"/>
+          </p:cNvPicPr>
+          <p:nvPr/>
+        </p:nvPicPr>
+        <p:blipFill>
+          <a:blip r:embed="rId2">
+            <a:extLst>
+              <a:ext uri="{28A0092B-C50C-407E-A947-70E740481C1C}">
+                <a14:useLocalDpi xmlns:a14="http://schemas.microsoft.com/office/drawing/2010/main" val="0"/>
+              </a:ext>
+            </a:extLst>
+          </a:blip>
+          <a:stretch>
+            <a:fillRect/>
+          </a:stretch>
+        </p:blipFill>
+        <p:spPr>
+          <a:xfrm>
+            <a:off x="323528" y="2400156"/>
+            <a:ext cx="7920000" cy="2311781"/>
+          </a:xfrm>
+          <a:prstGeom prst="rect">
+            <a:avLst/>
+          </a:prstGeom>
+        </p:spPr>
+      </p:pic>
+    </p:spTree>
+    <p:extLst>
+      <p:ext uri="{BB962C8B-B14F-4D97-AF65-F5344CB8AC3E}">
+        <p14:creationId xmlns:p14="http://schemas.microsoft.com/office/powerpoint/2010/main" val="99145519"/>
+      </p:ext>
+    </p:extLst>
+  </p:cSld>
+  <p:clrMapOvr>
+    <a:masterClrMapping/>
+  </p:clrMapOvr>
+</p:sld>
+</file>
+
+<file path=ppt/slides/slide43.xml><?xml version="1.0" encoding="utf-8"?>
+<p:sld xmlns:a="http://schemas.openxmlformats.org/drawingml/2006/main" xmlns:r="http://schemas.openxmlformats.org/officeDocument/2006/relationships" xmlns:p="http://schemas.openxmlformats.org/presentationml/2006/main">
+  <p:cSld>
+    <p:spTree>
+      <p:nvGrpSpPr>
+        <p:cNvPr id="1" name=""/>
+        <p:cNvGrpSpPr/>
+        <p:nvPr/>
+      </p:nvGrpSpPr>
+      <p:grpSpPr>
+        <a:xfrm>
+          <a:off x="0" y="0"/>
+          <a:ext cx="0" cy="0"/>
+          <a:chOff x="0" y="0"/>
+          <a:chExt cx="0" cy="0"/>
+        </a:xfrm>
+      </p:grpSpPr>
+      <p:sp>
+        <p:nvSpPr>
+          <p:cNvPr id="2" name="Titre 1"/>
+          <p:cNvSpPr>
+            <a:spLocks noGrp="1"/>
+          </p:cNvSpPr>
+          <p:nvPr>
+            <p:ph type="title"/>
+          </p:nvPr>
+        </p:nvSpPr>
+        <p:spPr/>
+        <p:txBody>
+          <a:bodyPr>
+            <a:normAutofit/>
+          </a:bodyPr>
+          <a:lstStyle/>
+          <a:p>
+            <a:r>
+              <a:rPr lang="fr-FR" sz="3200" b="1" dirty="0" smtClean="0">
+                <a:latin typeface="Arial" panose="020B0604020202020204" pitchFamily="34" charset="0"/>
+                <a:cs typeface="Arial" panose="020B0604020202020204" pitchFamily="34" charset="0"/>
+              </a:rPr>
+              <a:t>SVM</a:t>
+            </a:r>
+            <a:endParaRPr lang="fr-FR" sz="3200" b="1" dirty="0">
+              <a:latin typeface="Arial" panose="020B0604020202020204" pitchFamily="34" charset="0"/>
+              <a:cs typeface="Arial" panose="020B0604020202020204" pitchFamily="34" charset="0"/>
+            </a:endParaRPr>
+          </a:p>
+        </p:txBody>
+      </p:sp>
+      <p:pic>
+        <p:nvPicPr>
+          <p:cNvPr id="4" name="Espace réservé du contenu 3"/>
+          <p:cNvPicPr>
+            <a:picLocks noGrp="1"/>
+          </p:cNvPicPr>
+          <p:nvPr>
+            <p:ph idx="1"/>
+          </p:nvPr>
+        </p:nvPicPr>
+        <p:blipFill>
+          <a:blip r:embed="rId2" cstate="print">
+            <a:extLst>
+              <a:ext uri="{28A0092B-C50C-407E-A947-70E740481C1C}">
+                <a14:useLocalDpi xmlns:a14="http://schemas.microsoft.com/office/drawing/2010/main" val="0"/>
+              </a:ext>
+            </a:extLst>
+          </a:blip>
+          <a:stretch>
+            <a:fillRect/>
+          </a:stretch>
+        </p:blipFill>
+        <p:spPr>
+          <a:xfrm>
+            <a:off x="1771652" y="1600200"/>
+            <a:ext cx="5600696" cy="4525963"/>
+          </a:xfrm>
+          <a:prstGeom prst="rect">
+            <a:avLst/>
+          </a:prstGeom>
+        </p:spPr>
+      </p:pic>
+    </p:spTree>
+    <p:extLst>
+      <p:ext uri="{BB962C8B-B14F-4D97-AF65-F5344CB8AC3E}">
+        <p14:creationId xmlns:p14="http://schemas.microsoft.com/office/powerpoint/2010/main" val="3294109340"/>
+      </p:ext>
+    </p:extLst>
+  </p:cSld>
+  <p:clrMapOvr>
+    <a:masterClrMapping/>
+  </p:clrMapOvr>
+  <p:timing>
+    <p:tnLst>
+      <p:par>
+        <p:cTn id="1" dur="indefinite" restart="never" nodeType="tmRoot"/>
+      </p:par>
+    </p:tnLst>
+  </p:timing>
+</p:sld>
+</file>
+
+<file path=ppt/slides/slide44.xml><?xml version="1.0" encoding="utf-8"?>
+<p:sld xmlns:a="http://schemas.openxmlformats.org/drawingml/2006/main" xmlns:r="http://schemas.openxmlformats.org/officeDocument/2006/relationships" xmlns:p="http://schemas.openxmlformats.org/presentationml/2006/main">
+  <p:cSld>
+    <p:spTree>
+      <p:nvGrpSpPr>
+        <p:cNvPr id="1" name=""/>
+        <p:cNvGrpSpPr/>
+        <p:nvPr/>
+      </p:nvGrpSpPr>
+      <p:grpSpPr>
+        <a:xfrm>
+          <a:off x="0" y="0"/>
+          <a:ext cx="0" cy="0"/>
+          <a:chOff x="0" y="0"/>
+          <a:chExt cx="0" cy="0"/>
+        </a:xfrm>
+      </p:grpSpPr>
+      <p:sp>
+        <p:nvSpPr>
+          <p:cNvPr id="2" name="Titre 1"/>
+          <p:cNvSpPr>
+            <a:spLocks noGrp="1"/>
+          </p:cNvSpPr>
+          <p:nvPr>
+            <p:ph type="title"/>
+          </p:nvPr>
+        </p:nvSpPr>
+        <p:spPr/>
+        <p:txBody>
+          <a:bodyPr>
+            <a:normAutofit/>
+          </a:bodyPr>
+          <a:lstStyle/>
+          <a:p>
+            <a:r>
+              <a:rPr lang="fr-FR" sz="3200" b="1" dirty="0" smtClean="0">
+                <a:latin typeface="Arial" panose="020B0604020202020204" pitchFamily="34" charset="0"/>
+                <a:cs typeface="Arial" panose="020B0604020202020204" pitchFamily="34" charset="0"/>
+              </a:rPr>
+              <a:t>SVM</a:t>
+            </a:r>
+            <a:endParaRPr lang="fr-FR" sz="3200" b="1" dirty="0"/>
+          </a:p>
+        </p:txBody>
+      </p:sp>
+      <p:pic>
+        <p:nvPicPr>
+          <p:cNvPr id="4" name="Espace réservé du contenu 3"/>
+          <p:cNvPicPr>
+            <a:picLocks noGrp="1"/>
+          </p:cNvPicPr>
+          <p:nvPr>
+            <p:ph idx="1"/>
+          </p:nvPr>
+        </p:nvPicPr>
+        <p:blipFill>
+          <a:blip r:embed="rId2">
+            <a:extLst>
+              <a:ext uri="{28A0092B-C50C-407E-A947-70E740481C1C}">
+                <a14:useLocalDpi xmlns:a14="http://schemas.microsoft.com/office/drawing/2010/main" val="0"/>
+              </a:ext>
+            </a:extLst>
+          </a:blip>
+          <a:stretch>
+            <a:fillRect/>
+          </a:stretch>
+        </p:blipFill>
+        <p:spPr>
+          <a:xfrm>
+            <a:off x="798575" y="1866887"/>
+            <a:ext cx="7546850" cy="3992589"/>
+          </a:xfrm>
+          <a:prstGeom prst="rect">
+            <a:avLst/>
+          </a:prstGeom>
+        </p:spPr>
+      </p:pic>
+    </p:spTree>
+    <p:extLst>
+      <p:ext uri="{BB962C8B-B14F-4D97-AF65-F5344CB8AC3E}">
+        <p14:creationId xmlns:p14="http://schemas.microsoft.com/office/powerpoint/2010/main" val="3595049717"/>
+      </p:ext>
+    </p:extLst>
+  </p:cSld>
+  <p:clrMapOvr>
+    <a:masterClrMapping/>
+  </p:clrMapOvr>
+  <p:timing>
+    <p:tnLst>
+      <p:par>
+        <p:cTn id="1" dur="indefinite" restart="never" nodeType="tmRoot"/>
+      </p:par>
+    </p:tnLst>
+  </p:timing>
+</p:sld>
+</file>
+
+<file path=ppt/slides/slide45.xml><?xml version="1.0" encoding="utf-8"?>
+<p:sld xmlns:a="http://schemas.openxmlformats.org/drawingml/2006/main" xmlns:r="http://schemas.openxmlformats.org/officeDocument/2006/relationships" xmlns:p="http://schemas.openxmlformats.org/presentationml/2006/main">
+  <p:cSld>
+    <p:spTree>
+      <p:nvGrpSpPr>
+        <p:cNvPr id="1" name=""/>
+        <p:cNvGrpSpPr/>
+        <p:nvPr/>
+      </p:nvGrpSpPr>
+      <p:grpSpPr>
+        <a:xfrm>
+          <a:off x="0" y="0"/>
+          <a:ext cx="0" cy="0"/>
+          <a:chOff x="0" y="0"/>
+          <a:chExt cx="0" cy="0"/>
+        </a:xfrm>
+      </p:grpSpPr>
+      <p:sp>
+        <p:nvSpPr>
+          <p:cNvPr id="2" name="Titre 1"/>
+          <p:cNvSpPr>
+            <a:spLocks noGrp="1"/>
+          </p:cNvSpPr>
+          <p:nvPr>
+            <p:ph type="title"/>
+          </p:nvPr>
+        </p:nvSpPr>
+        <p:spPr>
+          <a:xfrm>
+            <a:off x="457200" y="274638"/>
+            <a:ext cx="8229600" cy="562074"/>
+          </a:xfrm>
+        </p:spPr>
+        <p:txBody>
+          <a:bodyPr>
+            <a:noAutofit/>
+          </a:bodyPr>
+          <a:lstStyle/>
+          <a:p>
+            <a:r>
+              <a:rPr lang="fr-FR" sz="3200" b="1" dirty="0" smtClean="0">
+                <a:latin typeface="Arial" panose="020B0604020202020204" pitchFamily="34" charset="0"/>
+                <a:cs typeface="Arial" panose="020B0604020202020204" pitchFamily="34" charset="0"/>
+              </a:rPr>
+              <a:t>SVM</a:t>
+            </a:r>
+            <a:endParaRPr lang="fr-FR" sz="3200" b="1" dirty="0">
+              <a:latin typeface="Arial" panose="020B0604020202020204" pitchFamily="34" charset="0"/>
+              <a:cs typeface="Arial" panose="020B0604020202020204" pitchFamily="34" charset="0"/>
+            </a:endParaRPr>
+          </a:p>
+        </p:txBody>
+      </p:sp>
+      <p:sp>
+        <p:nvSpPr>
+          <p:cNvPr id="3" name="Espace réservé du contenu 2"/>
+          <p:cNvSpPr>
+            <a:spLocks noGrp="1"/>
+          </p:cNvSpPr>
+          <p:nvPr>
+            <p:ph idx="1"/>
+          </p:nvPr>
+        </p:nvSpPr>
+        <p:spPr>
+          <a:xfrm>
+            <a:off x="457200" y="764704"/>
+            <a:ext cx="8229600" cy="5361459"/>
+          </a:xfrm>
+        </p:spPr>
+        <p:txBody>
+          <a:bodyPr/>
+          <a:lstStyle/>
+          <a:p>
+            <a:pPr marL="0" indent="0">
+              <a:buNone/>
+            </a:pPr>
+            <a:r>
+              <a:rPr lang="fr-FR" dirty="0">
+                <a:latin typeface="Arial" panose="020B0604020202020204" pitchFamily="34" charset="0"/>
+                <a:cs typeface="Arial" panose="020B0604020202020204" pitchFamily="34" charset="0"/>
+              </a:rPr>
+              <a:t>méthode « k </a:t>
+            </a:r>
+            <a:r>
+              <a:rPr lang="fr-FR" dirty="0" err="1">
+                <a:latin typeface="Arial" panose="020B0604020202020204" pitchFamily="34" charset="0"/>
+                <a:cs typeface="Arial" panose="020B0604020202020204" pitchFamily="34" charset="0"/>
+              </a:rPr>
+              <a:t>fold</a:t>
+            </a:r>
+            <a:r>
+              <a:rPr lang="fr-FR" dirty="0">
+                <a:latin typeface="Arial" panose="020B0604020202020204" pitchFamily="34" charset="0"/>
+                <a:cs typeface="Arial" panose="020B0604020202020204" pitchFamily="34" charset="0"/>
+              </a:rPr>
+              <a:t> cross validation » </a:t>
+            </a:r>
+            <a:r>
+              <a:rPr lang="fr-FR" dirty="0" smtClean="0">
+                <a:latin typeface="Arial" panose="020B0604020202020204" pitchFamily="34" charset="0"/>
+                <a:cs typeface="Arial" panose="020B0604020202020204" pitchFamily="34" charset="0"/>
+              </a:rPr>
+              <a:t>: découpe </a:t>
+            </a:r>
+            <a:r>
+              <a:rPr lang="fr-FR" dirty="0">
+                <a:latin typeface="Arial" panose="020B0604020202020204" pitchFamily="34" charset="0"/>
+                <a:cs typeface="Arial" panose="020B0604020202020204" pitchFamily="34" charset="0"/>
+              </a:rPr>
+              <a:t>aléatoirement l’échantillon de test en k parties </a:t>
+            </a:r>
+            <a:endParaRPr lang="fr-FR" dirty="0" smtClean="0">
+              <a:latin typeface="Arial" panose="020B0604020202020204" pitchFamily="34" charset="0"/>
+              <a:cs typeface="Arial" panose="020B0604020202020204" pitchFamily="34" charset="0"/>
+            </a:endParaRPr>
+          </a:p>
+          <a:p>
+            <a:pPr>
+              <a:buFontTx/>
+              <a:buChar char="-"/>
+            </a:pPr>
+            <a:r>
+              <a:rPr lang="fr-FR" dirty="0" smtClean="0">
+                <a:latin typeface="Arial" panose="020B0604020202020204" pitchFamily="34" charset="0"/>
+                <a:cs typeface="Arial" panose="020B0604020202020204" pitchFamily="34" charset="0"/>
+              </a:rPr>
+              <a:t>apprentissage </a:t>
+            </a:r>
+            <a:r>
+              <a:rPr lang="fr-FR" dirty="0">
+                <a:latin typeface="Arial" panose="020B0604020202020204" pitchFamily="34" charset="0"/>
+                <a:cs typeface="Arial" panose="020B0604020202020204" pitchFamily="34" charset="0"/>
+              </a:rPr>
+              <a:t>sur k-1 parties </a:t>
+            </a:r>
+            <a:endParaRPr lang="fr-FR" dirty="0" smtClean="0">
+              <a:latin typeface="Arial" panose="020B0604020202020204" pitchFamily="34" charset="0"/>
+              <a:cs typeface="Arial" panose="020B0604020202020204" pitchFamily="34" charset="0"/>
+            </a:endParaRPr>
+          </a:p>
+          <a:p>
+            <a:pPr>
+              <a:buFontTx/>
+              <a:buChar char="-"/>
+            </a:pPr>
+            <a:r>
+              <a:rPr lang="fr-FR" dirty="0" smtClean="0">
+                <a:latin typeface="Arial" panose="020B0604020202020204" pitchFamily="34" charset="0"/>
+                <a:cs typeface="Arial" panose="020B0604020202020204" pitchFamily="34" charset="0"/>
+              </a:rPr>
+              <a:t>Estimation de la </a:t>
+            </a:r>
+            <a:r>
+              <a:rPr lang="fr-FR" dirty="0">
+                <a:latin typeface="Arial" panose="020B0604020202020204" pitchFamily="34" charset="0"/>
+                <a:cs typeface="Arial" panose="020B0604020202020204" pitchFamily="34" charset="0"/>
+              </a:rPr>
+              <a:t>qualité du modèle sur </a:t>
+            </a:r>
+            <a:r>
+              <a:rPr lang="fr-FR" dirty="0" err="1" smtClean="0">
+                <a:latin typeface="Arial" panose="020B0604020202020204" pitchFamily="34" charset="0"/>
+                <a:cs typeface="Arial" panose="020B0604020202020204" pitchFamily="34" charset="0"/>
+              </a:rPr>
+              <a:t>k</a:t>
+            </a:r>
+            <a:r>
+              <a:rPr lang="fr-FR" sz="1400" dirty="0" err="1" smtClean="0">
+                <a:latin typeface="Arial" panose="020B0604020202020204" pitchFamily="34" charset="0"/>
+                <a:cs typeface="Arial" panose="020B0604020202020204" pitchFamily="34" charset="0"/>
+              </a:rPr>
+              <a:t>ième</a:t>
+            </a:r>
+            <a:r>
+              <a:rPr lang="fr-FR" dirty="0" smtClean="0">
+                <a:latin typeface="Arial" panose="020B0604020202020204" pitchFamily="34" charset="0"/>
+                <a:cs typeface="Arial" panose="020B0604020202020204" pitchFamily="34" charset="0"/>
+              </a:rPr>
+              <a:t> partie (donc k évaluations)</a:t>
+            </a:r>
+          </a:p>
+          <a:p>
+            <a:pPr marL="0" indent="0">
+              <a:buNone/>
+            </a:pPr>
+            <a:endParaRPr lang="fr-FR" dirty="0">
+              <a:latin typeface="Arial" panose="020B0604020202020204" pitchFamily="34" charset="0"/>
+              <a:cs typeface="Arial" panose="020B0604020202020204" pitchFamily="34" charset="0"/>
+            </a:endParaRPr>
+          </a:p>
+        </p:txBody>
+      </p:sp>
+      <p:pic>
+        <p:nvPicPr>
+          <p:cNvPr id="4" name="Espace réservé du contenu 3"/>
+          <p:cNvPicPr>
+            <a:picLocks/>
+          </p:cNvPicPr>
+          <p:nvPr/>
+        </p:nvPicPr>
+        <p:blipFill>
+          <a:blip r:embed="rId2">
+            <a:extLst>
+              <a:ext uri="{28A0092B-C50C-407E-A947-70E740481C1C}">
+                <a14:useLocalDpi xmlns:a14="http://schemas.microsoft.com/office/drawing/2010/main" val="0"/>
+              </a:ext>
+            </a:extLst>
+          </a:blip>
+          <a:stretch>
+            <a:fillRect/>
+          </a:stretch>
+        </p:blipFill>
+        <p:spPr>
+          <a:xfrm>
+            <a:off x="107504" y="4077073"/>
+            <a:ext cx="8640000" cy="2653732"/>
+          </a:xfrm>
+          <a:prstGeom prst="rect">
+            <a:avLst/>
+          </a:prstGeom>
+        </p:spPr>
+      </p:pic>
+    </p:spTree>
+    <p:extLst>
+      <p:ext uri="{BB962C8B-B14F-4D97-AF65-F5344CB8AC3E}">
+        <p14:creationId xmlns:p14="http://schemas.microsoft.com/office/powerpoint/2010/main" val="3355511118"/>
+      </p:ext>
+    </p:extLst>
+  </p:cSld>
+  <p:clrMapOvr>
+    <a:masterClrMapping/>
+  </p:clrMapOvr>
+  <p:timing>
+    <p:tnLst>
+      <p:par>
+        <p:cTn id="1" dur="indefinite" restart="never" nodeType="tmRoot"/>
+      </p:par>
+    </p:tnLst>
+  </p:timing>
+</p:sld>
+</file>
+
+<file path=ppt/slides/slide46.xml><?xml version="1.0" encoding="utf-8"?>
+<p:sld xmlns:a="http://schemas.openxmlformats.org/drawingml/2006/main" xmlns:r="http://schemas.openxmlformats.org/officeDocument/2006/relationships" xmlns:p="http://schemas.openxmlformats.org/presentationml/2006/main">
+  <p:cSld>
+    <p:spTree>
+      <p:nvGrpSpPr>
+        <p:cNvPr id="1" name=""/>
+        <p:cNvGrpSpPr/>
+        <p:nvPr/>
+      </p:nvGrpSpPr>
+      <p:grpSpPr>
+        <a:xfrm>
+          <a:off x="0" y="0"/>
+          <a:ext cx="0" cy="0"/>
+          <a:chOff x="0" y="0"/>
+          <a:chExt cx="0" cy="0"/>
+        </a:xfrm>
+      </p:grpSpPr>
+      <p:sp>
+        <p:nvSpPr>
+          <p:cNvPr id="2" name="Titre 1"/>
+          <p:cNvSpPr>
+            <a:spLocks noGrp="1"/>
+          </p:cNvSpPr>
+          <p:nvPr>
+            <p:ph type="title"/>
+          </p:nvPr>
+        </p:nvSpPr>
+        <p:spPr>
+          <a:xfrm>
+            <a:off x="457200" y="116632"/>
+            <a:ext cx="8229600" cy="792088"/>
+          </a:xfrm>
+        </p:spPr>
+        <p:txBody>
+          <a:bodyPr>
+            <a:normAutofit/>
+          </a:bodyPr>
+          <a:lstStyle/>
+          <a:p>
+            <a:r>
+              <a:rPr lang="fr-FR" sz="3200" b="1" dirty="0" smtClean="0">
+                <a:latin typeface="Arial" panose="020B0604020202020204" pitchFamily="34" charset="0"/>
+                <a:cs typeface="Arial" panose="020B0604020202020204" pitchFamily="34" charset="0"/>
+              </a:rPr>
+              <a:t>Arbres CART de classification</a:t>
+            </a:r>
+            <a:endParaRPr lang="fr-FR" sz="3200" b="1" dirty="0">
+              <a:latin typeface="Arial" panose="020B0604020202020204" pitchFamily="34" charset="0"/>
+              <a:cs typeface="Arial" panose="020B0604020202020204" pitchFamily="34" charset="0"/>
+            </a:endParaRPr>
+          </a:p>
+        </p:txBody>
+      </p:sp>
+      <p:sp>
+        <p:nvSpPr>
+          <p:cNvPr id="3" name="Espace réservé du contenu 2"/>
+          <p:cNvSpPr>
+            <a:spLocks noGrp="1"/>
+          </p:cNvSpPr>
+          <p:nvPr>
+            <p:ph idx="1"/>
+          </p:nvPr>
+        </p:nvSpPr>
+        <p:spPr/>
+        <p:txBody>
+          <a:bodyPr>
+            <a:normAutofit fontScale="77500" lnSpcReduction="20000"/>
+          </a:bodyPr>
+          <a:lstStyle/>
+          <a:p>
+            <a:pPr marL="0" indent="0">
+              <a:buNone/>
+            </a:pPr>
+            <a:endParaRPr lang="fr-FR" dirty="0" smtClean="0"/>
+          </a:p>
+          <a:p>
+            <a:pPr marL="0" indent="0">
+              <a:buNone/>
+            </a:pPr>
+            <a:endParaRPr lang="fr-FR" dirty="0"/>
+          </a:p>
+          <a:p>
+            <a:pPr marL="0" indent="0">
+              <a:buNone/>
+            </a:pPr>
+            <a:endParaRPr lang="fr-FR" dirty="0" smtClean="0"/>
+          </a:p>
+          <a:p>
+            <a:pPr marL="0" indent="0">
+              <a:buNone/>
+            </a:pPr>
+            <a:endParaRPr lang="fr-FR" dirty="0"/>
+          </a:p>
+          <a:p>
+            <a:pPr marL="0" indent="0">
+              <a:buNone/>
+            </a:pPr>
+            <a:endParaRPr lang="fr-FR" dirty="0" smtClean="0"/>
+          </a:p>
+          <a:p>
+            <a:pPr marL="0" indent="0">
+              <a:buNone/>
+            </a:pPr>
+            <a:endParaRPr lang="fr-FR" dirty="0"/>
+          </a:p>
+          <a:p>
+            <a:pPr marL="0" indent="0">
+              <a:buNone/>
+            </a:pPr>
+            <a:r>
+              <a:rPr lang="fr-FR" dirty="0" smtClean="0">
+                <a:latin typeface="Arial" panose="020B0604020202020204" pitchFamily="34" charset="0"/>
+                <a:cs typeface="Arial" panose="020B0604020202020204" pitchFamily="34" charset="0"/>
+              </a:rPr>
+              <a:t>Objectif : réduire le plus possible l’impureté des nœuds</a:t>
+            </a:r>
+          </a:p>
+          <a:p>
+            <a:pPr marL="0" indent="0">
+              <a:buNone/>
+            </a:pPr>
+            <a:r>
+              <a:rPr lang="fr-FR" dirty="0"/>
+              <a:t>Δ impureté = i (nœud parent) – proportion </a:t>
+            </a:r>
+            <a:r>
+              <a:rPr lang="fr-FR" dirty="0" err="1"/>
+              <a:t>obs</a:t>
+            </a:r>
+            <a:r>
+              <a:rPr lang="fr-FR" dirty="0"/>
+              <a:t> nœud gauche * i (nœud gauche) - proportion </a:t>
+            </a:r>
+            <a:r>
+              <a:rPr lang="fr-FR" dirty="0" err="1"/>
+              <a:t>obs</a:t>
+            </a:r>
+            <a:r>
+              <a:rPr lang="fr-FR" dirty="0"/>
+              <a:t> nœud droit * i (nœud droit</a:t>
+            </a:r>
+            <a:r>
+              <a:rPr lang="fr-FR" dirty="0" smtClean="0"/>
+              <a:t>).</a:t>
+            </a:r>
+          </a:p>
+          <a:p>
+            <a:pPr marL="0" indent="0">
+              <a:buNone/>
+            </a:pPr>
+            <a:r>
+              <a:rPr lang="fr-FR" dirty="0" smtClean="0"/>
+              <a:t>i (nœud) </a:t>
+            </a:r>
+            <a:r>
+              <a:rPr lang="fr-FR" dirty="0"/>
+              <a:t>= proportion de paires matchs * (1- proportion de paires matchs)</a:t>
+            </a:r>
+          </a:p>
+          <a:p>
+            <a:pPr marL="0" indent="0">
+              <a:buNone/>
+            </a:pPr>
+            <a:endParaRPr lang="fr-FR" dirty="0">
+              <a:latin typeface="Arial" panose="020B0604020202020204" pitchFamily="34" charset="0"/>
+              <a:cs typeface="Arial" panose="020B0604020202020204" pitchFamily="34" charset="0"/>
+            </a:endParaRPr>
+          </a:p>
+        </p:txBody>
+      </p:sp>
+      <p:pic>
+        <p:nvPicPr>
+          <p:cNvPr id="5" name="Image 4"/>
+          <p:cNvPicPr/>
+          <p:nvPr/>
+        </p:nvPicPr>
+        <p:blipFill>
+          <a:blip r:embed="rId2">
+            <a:extLst>
+              <a:ext uri="{28A0092B-C50C-407E-A947-70E740481C1C}">
+                <a14:useLocalDpi xmlns:a14="http://schemas.microsoft.com/office/drawing/2010/main" val="0"/>
+              </a:ext>
+            </a:extLst>
+          </a:blip>
+          <a:stretch>
+            <a:fillRect/>
+          </a:stretch>
+        </p:blipFill>
+        <p:spPr>
+          <a:xfrm>
+            <a:off x="4067944" y="908721"/>
+            <a:ext cx="5076056" cy="2952327"/>
+          </a:xfrm>
+          <a:prstGeom prst="rect">
+            <a:avLst/>
+          </a:prstGeom>
+        </p:spPr>
+      </p:pic>
+    </p:spTree>
+    <p:extLst>
+      <p:ext uri="{BB962C8B-B14F-4D97-AF65-F5344CB8AC3E}">
+        <p14:creationId xmlns:p14="http://schemas.microsoft.com/office/powerpoint/2010/main" val="1689057259"/>
+      </p:ext>
+    </p:extLst>
+  </p:cSld>
+  <p:clrMapOvr>
+    <a:masterClrMapping/>
+  </p:clrMapOvr>
+  <p:timing>
+    <p:tnLst>
+      <p:par>
+        <p:cTn id="1" dur="indefinite" restart="never" nodeType="tmRoot"/>
+      </p:par>
+    </p:tnLst>
+  </p:timing>
+</p:sld>
+</file>
+
+<file path=ppt/slides/slide47.xml><?xml version="1.0" encoding="utf-8"?>
+<p:sld xmlns:a="http://schemas.openxmlformats.org/drawingml/2006/main" xmlns:r="http://schemas.openxmlformats.org/officeDocument/2006/relationships" xmlns:p="http://schemas.openxmlformats.org/presentationml/2006/main">
+  <p:cSld>
+    <p:spTree>
+      <p:nvGrpSpPr>
+        <p:cNvPr id="1" name=""/>
+        <p:cNvGrpSpPr/>
+        <p:nvPr/>
+      </p:nvGrpSpPr>
+      <p:grpSpPr>
+        <a:xfrm>
+          <a:off x="0" y="0"/>
+          <a:ext cx="0" cy="0"/>
+          <a:chOff x="0" y="0"/>
+          <a:chExt cx="0" cy="0"/>
+        </a:xfrm>
+      </p:grpSpPr>
+      <p:sp>
+        <p:nvSpPr>
+          <p:cNvPr id="2" name="Titre 1"/>
+          <p:cNvSpPr>
+            <a:spLocks noGrp="1"/>
+          </p:cNvSpPr>
+          <p:nvPr>
+            <p:ph type="title"/>
+          </p:nvPr>
+        </p:nvSpPr>
+        <p:spPr/>
+        <p:txBody>
+          <a:bodyPr>
+            <a:normAutofit/>
+          </a:bodyPr>
+          <a:lstStyle/>
+          <a:p>
+            <a:r>
+              <a:rPr lang="fr-FR" sz="3200" b="1" dirty="0" smtClean="0">
+                <a:latin typeface="Arial" panose="020B0604020202020204" pitchFamily="34" charset="0"/>
+                <a:cs typeface="Arial" panose="020B0604020202020204" pitchFamily="34" charset="0"/>
+              </a:rPr>
+              <a:t>Forêts aléatoires</a:t>
+            </a:r>
+            <a:endParaRPr lang="fr-FR" sz="3200" b="1" dirty="0">
+              <a:latin typeface="Arial" panose="020B0604020202020204" pitchFamily="34" charset="0"/>
+              <a:cs typeface="Arial" panose="020B0604020202020204" pitchFamily="34" charset="0"/>
+            </a:endParaRPr>
+          </a:p>
+        </p:txBody>
+      </p:sp>
+      <mc:AlternateContent xmlns:mc="http://schemas.openxmlformats.org/markup-compatibility/2006" xmlns:a14="http://schemas.microsoft.com/office/drawing/2010/main">
+        <mc:Choice Requires="a14">
+          <p:sp>
+            <p:nvSpPr>
+              <p:cNvPr id="3" name="Espace réservé du contenu 2"/>
+              <p:cNvSpPr>
+                <a:spLocks noGrp="1"/>
+              </p:cNvSpPr>
+              <p:nvPr>
+                <p:ph idx="1"/>
+              </p:nvPr>
+            </p:nvSpPr>
+            <p:spPr/>
+            <p:txBody>
+              <a:bodyPr>
+                <a:normAutofit fontScale="85000" lnSpcReduction="20000"/>
+              </a:bodyPr>
+              <a:lstStyle/>
+              <a:p>
+                <a:r>
+                  <a:rPr lang="fr-FR" dirty="0" smtClean="0">
+                    <a:latin typeface="Arial" panose="020B0604020202020204" pitchFamily="34" charset="0"/>
+                    <a:cs typeface="Arial" panose="020B0604020202020204" pitchFamily="34" charset="0"/>
+                  </a:rPr>
+                  <a:t>Tirage de B échantillon </a:t>
+                </a:r>
+                <a:r>
+                  <a:rPr lang="fr-FR" dirty="0" err="1" smtClean="0">
+                    <a:latin typeface="Arial" panose="020B0604020202020204" pitchFamily="34" charset="0"/>
+                    <a:cs typeface="Arial" panose="020B0604020202020204" pitchFamily="34" charset="0"/>
+                  </a:rPr>
+                  <a:t>bootstrap</a:t>
+                </a:r>
+                <a:r>
+                  <a:rPr lang="fr-FR" dirty="0" smtClean="0">
+                    <a:latin typeface="Arial" panose="020B0604020202020204" pitchFamily="34" charset="0"/>
+                    <a:cs typeface="Arial" panose="020B0604020202020204" pitchFamily="34" charset="0"/>
+                  </a:rPr>
+                  <a:t> dans l’échantillon d’entrainement</a:t>
+                </a:r>
+              </a:p>
+              <a:p>
+                <a:r>
+                  <a:rPr lang="fr-FR" dirty="0" smtClean="0">
+                    <a:latin typeface="Arial" panose="020B0604020202020204" pitchFamily="34" charset="0"/>
+                    <a:cs typeface="Arial" panose="020B0604020202020204" pitchFamily="34" charset="0"/>
+                  </a:rPr>
+                  <a:t>Construction de arbre type CART pour chacun (mais pour chaque étape on a </a:t>
+                </a:r>
+                <a14:m>
+                  <m:oMath xmlns:m="http://schemas.openxmlformats.org/officeDocument/2006/math">
+                    <m:rad>
+                      <m:radPr>
+                        <m:degHide m:val="on"/>
+                        <m:ctrlPr>
+                          <a:rPr lang="fr-FR" i="1">
+                            <a:latin typeface="Cambria Math"/>
+                          </a:rPr>
+                        </m:ctrlPr>
+                      </m:radPr>
+                      <m:deg/>
+                      <m:e>
+                        <m:r>
+                          <a:rPr lang="fr-FR" i="1">
+                            <a:latin typeface="Cambria Math"/>
+                          </a:rPr>
+                          <m:t>𝑛</m:t>
+                        </m:r>
+                      </m:e>
+                    </m:rad>
+                  </m:oMath>
+                </a14:m>
+                <a:r>
+                  <a:rPr lang="fr-FR" dirty="0">
+                    <a:latin typeface="Arial" panose="020B0604020202020204" pitchFamily="34" charset="0"/>
+                    <a:cs typeface="Arial" panose="020B0604020202020204" pitchFamily="34" charset="0"/>
+                  </a:rPr>
+                  <a:t> variables tirées au hasard parmi les </a:t>
+                </a:r>
+                <a:r>
+                  <a:rPr lang="fr-FR" dirty="0" smtClean="0">
+                    <a:latin typeface="Arial" panose="020B0604020202020204" pitchFamily="34" charset="0"/>
+                    <a:cs typeface="Arial" panose="020B0604020202020204" pitchFamily="34" charset="0"/>
+                  </a:rPr>
+                  <a:t>n)</a:t>
+                </a:r>
+              </a:p>
+              <a:p>
+                <a:pPr marL="0" indent="0">
+                  <a:buNone/>
+                </a:pPr>
+                <a:endParaRPr lang="fr-FR" dirty="0" smtClean="0">
+                  <a:latin typeface="Arial" panose="020B0604020202020204" pitchFamily="34" charset="0"/>
+                  <a:cs typeface="Arial" panose="020B0604020202020204" pitchFamily="34" charset="0"/>
+                </a:endParaRPr>
+              </a:p>
+              <a:p>
+                <a:r>
+                  <a:rPr lang="fr-FR" dirty="0">
+                    <a:latin typeface="Arial" panose="020B0604020202020204" pitchFamily="34" charset="0"/>
+                    <a:cs typeface="Arial" panose="020B0604020202020204" pitchFamily="34" charset="0"/>
+                  </a:rPr>
+                  <a:t>Sur </a:t>
+                </a:r>
+                <a:r>
+                  <a:rPr lang="fr-FR" dirty="0" smtClean="0">
+                    <a:latin typeface="Arial" panose="020B0604020202020204" pitchFamily="34" charset="0"/>
+                    <a:cs typeface="Arial" panose="020B0604020202020204" pitchFamily="34" charset="0"/>
+                  </a:rPr>
+                  <a:t>les </a:t>
+                </a:r>
+                <a:r>
+                  <a:rPr lang="fr-FR" dirty="0">
+                    <a:latin typeface="Arial" panose="020B0604020202020204" pitchFamily="34" charset="0"/>
+                    <a:cs typeface="Arial" panose="020B0604020202020204" pitchFamily="34" charset="0"/>
+                  </a:rPr>
+                  <a:t>nouvelles </a:t>
+                </a:r>
+                <a:r>
+                  <a:rPr lang="fr-FR" dirty="0" smtClean="0">
+                    <a:latin typeface="Arial" panose="020B0604020202020204" pitchFamily="34" charset="0"/>
+                    <a:cs typeface="Arial" panose="020B0604020202020204" pitchFamily="34" charset="0"/>
+                  </a:rPr>
+                  <a:t>données :</a:t>
+                </a:r>
+              </a:p>
+              <a:p>
+                <a:pPr lvl="1"/>
+                <a:r>
+                  <a:rPr lang="fr-FR" dirty="0" smtClean="0">
+                    <a:latin typeface="Arial" panose="020B0604020202020204" pitchFamily="34" charset="0"/>
+                    <a:cs typeface="Arial" panose="020B0604020202020204" pitchFamily="34" charset="0"/>
+                  </a:rPr>
+                  <a:t>catégorie </a:t>
+                </a:r>
+                <a:r>
+                  <a:rPr lang="fr-FR" dirty="0">
+                    <a:latin typeface="Arial" panose="020B0604020202020204" pitchFamily="34" charset="0"/>
+                    <a:cs typeface="Arial" panose="020B0604020202020204" pitchFamily="34" charset="0"/>
+                  </a:rPr>
+                  <a:t>prédite </a:t>
+                </a:r>
+                <a:r>
+                  <a:rPr lang="fr-FR" dirty="0" smtClean="0">
+                    <a:latin typeface="Arial" panose="020B0604020202020204" pitchFamily="34" charset="0"/>
+                    <a:cs typeface="Arial" panose="020B0604020202020204" pitchFamily="34" charset="0"/>
+                  </a:rPr>
+                  <a:t>= la plus </a:t>
+                </a:r>
+                <a:r>
+                  <a:rPr lang="fr-FR" dirty="0">
+                    <a:latin typeface="Arial" panose="020B0604020202020204" pitchFamily="34" charset="0"/>
+                    <a:cs typeface="Arial" panose="020B0604020202020204" pitchFamily="34" charset="0"/>
+                  </a:rPr>
+                  <a:t>souvent parmi les B </a:t>
+                </a:r>
+                <a:r>
+                  <a:rPr lang="fr-FR" dirty="0" smtClean="0">
+                    <a:latin typeface="Arial" panose="020B0604020202020204" pitchFamily="34" charset="0"/>
+                    <a:cs typeface="Arial" panose="020B0604020202020204" pitchFamily="34" charset="0"/>
+                  </a:rPr>
+                  <a:t>arbres </a:t>
+                </a:r>
+                <a:r>
+                  <a:rPr lang="fr-FR" dirty="0">
+                    <a:latin typeface="Arial" panose="020B0604020202020204" pitchFamily="34" charset="0"/>
+                    <a:cs typeface="Arial" panose="020B0604020202020204" pitchFamily="34" charset="0"/>
+                  </a:rPr>
+                  <a:t>(vote majoritaire</a:t>
+                </a:r>
+                <a:r>
+                  <a:rPr lang="fr-FR" dirty="0" smtClean="0">
+                    <a:latin typeface="Arial" panose="020B0604020202020204" pitchFamily="34" charset="0"/>
+                    <a:cs typeface="Arial" panose="020B0604020202020204" pitchFamily="34" charset="0"/>
+                  </a:rPr>
+                  <a:t>).</a:t>
+                </a:r>
+              </a:p>
+              <a:p>
+                <a:pPr lvl="1"/>
+                <a:r>
+                  <a:rPr lang="fr-FR" dirty="0" smtClean="0">
+                    <a:latin typeface="Arial" panose="020B0604020202020204" pitchFamily="34" charset="0"/>
+                    <a:cs typeface="Arial" panose="020B0604020202020204" pitchFamily="34" charset="0"/>
+                  </a:rPr>
+                  <a:t>OU catégorie prédite =catégorie avec la plus forte </a:t>
+                </a:r>
+                <a:r>
+                  <a:rPr lang="fr-FR" dirty="0" err="1" smtClean="0">
+                    <a:latin typeface="Arial" panose="020B0604020202020204" pitchFamily="34" charset="0"/>
+                    <a:cs typeface="Arial" panose="020B0604020202020204" pitchFamily="34" charset="0"/>
+                  </a:rPr>
+                  <a:t>proba</a:t>
+                </a:r>
+                <a:r>
+                  <a:rPr lang="fr-FR" dirty="0" smtClean="0">
+                    <a:latin typeface="Arial" panose="020B0604020202020204" pitchFamily="34" charset="0"/>
+                    <a:cs typeface="Arial" panose="020B0604020202020204" pitchFamily="34" charset="0"/>
+                  </a:rPr>
+                  <a:t> et cette </a:t>
+                </a:r>
+                <a:r>
+                  <a:rPr lang="fr-FR" dirty="0" err="1" smtClean="0">
+                    <a:latin typeface="Arial" panose="020B0604020202020204" pitchFamily="34" charset="0"/>
+                    <a:cs typeface="Arial" panose="020B0604020202020204" pitchFamily="34" charset="0"/>
+                  </a:rPr>
+                  <a:t>proba</a:t>
+                </a:r>
+                <a:r>
+                  <a:rPr lang="fr-FR" dirty="0" smtClean="0">
+                    <a:latin typeface="Arial" panose="020B0604020202020204" pitchFamily="34" charset="0"/>
+                    <a:cs typeface="Arial" panose="020B0604020202020204" pitchFamily="34" charset="0"/>
+                  </a:rPr>
+                  <a:t> = moyenne des </a:t>
+                </a:r>
+                <a:r>
+                  <a:rPr lang="fr-FR" dirty="0" err="1" smtClean="0">
+                    <a:latin typeface="Arial" panose="020B0604020202020204" pitchFamily="34" charset="0"/>
+                    <a:cs typeface="Arial" panose="020B0604020202020204" pitchFamily="34" charset="0"/>
+                  </a:rPr>
+                  <a:t>proba</a:t>
+                </a:r>
+                <a:r>
+                  <a:rPr lang="fr-FR" dirty="0" smtClean="0">
+                    <a:latin typeface="Arial" panose="020B0604020202020204" pitchFamily="34" charset="0"/>
+                    <a:cs typeface="Arial" panose="020B0604020202020204" pitchFamily="34" charset="0"/>
+                  </a:rPr>
+                  <a:t> des B arbres</a:t>
+                </a:r>
+              </a:p>
+              <a:p>
+                <a:pPr lvl="1"/>
+                <a:endParaRPr lang="fr-FR" dirty="0"/>
+              </a:p>
+            </p:txBody>
+          </p:sp>
+        </mc:Choice>
+        <mc:Fallback xmlns="">
+          <p:sp>
+            <p:nvSpPr>
+              <p:cNvPr id="3" name="Espace réservé du contenu 2"/>
+              <p:cNvSpPr>
+                <a:spLocks noGrp="1" noRot="1" noChangeAspect="1" noMove="1" noResize="1" noEditPoints="1" noAdjustHandles="1" noChangeArrowheads="1" noChangeShapeType="1" noTextEdit="1"/>
+              </p:cNvSpPr>
+              <p:nvPr>
+                <p:ph idx="1"/>
+              </p:nvPr>
+            </p:nvSpPr>
+            <p:spPr>
+              <a:blipFill rotWithShape="1">
+                <a:blip r:embed="rId2"/>
+                <a:stretch>
+                  <a:fillRect l="-1185" t="-2965" r="-1037"/>
+                </a:stretch>
+              </a:blipFill>
+            </p:spPr>
+            <p:txBody>
+              <a:bodyPr/>
+              <a:lstStyle/>
+              <a:p>
+                <a:r>
+                  <a:rPr lang="fr-FR">
+                    <a:noFill/>
+                  </a:rPr>
+                  <a:t> </a:t>
+                </a:r>
+              </a:p>
+            </p:txBody>
+          </p:sp>
+        </mc:Fallback>
+      </mc:AlternateContent>
+    </p:spTree>
+    <p:extLst>
+      <p:ext uri="{BB962C8B-B14F-4D97-AF65-F5344CB8AC3E}">
+        <p14:creationId xmlns:p14="http://schemas.microsoft.com/office/powerpoint/2010/main" val="3830221767"/>
+      </p:ext>
+    </p:extLst>
+  </p:cSld>
+  <p:clrMapOvr>
+    <a:masterClrMapping/>
+  </p:clrMapOvr>
+  <p:timing>
+    <p:tnLst>
+      <p:par>
+        <p:cTn id="1" dur="indefinite" restart="never" nodeType="tmRoot"/>
+      </p:par>
+    </p:tnLst>
+  </p:timing>
+</p:sld>
+</file>
+
+<file path=ppt/slides/slide48.xml><?xml version="1.0" encoding="utf-8"?>
+<p:sld xmlns:a="http://schemas.openxmlformats.org/drawingml/2006/main" xmlns:r="http://schemas.openxmlformats.org/officeDocument/2006/relationships" xmlns:p="http://schemas.openxmlformats.org/presentationml/2006/main">
+  <p:cSld>
+    <p:spTree>
+      <p:nvGrpSpPr>
+        <p:cNvPr id="1" name=""/>
+        <p:cNvGrpSpPr/>
+        <p:nvPr/>
+      </p:nvGrpSpPr>
+      <p:grpSpPr>
+        <a:xfrm>
+          <a:off x="0" y="0"/>
+          <a:ext cx="0" cy="0"/>
+          <a:chOff x="0" y="0"/>
+          <a:chExt cx="0" cy="0"/>
+        </a:xfrm>
+      </p:grpSpPr>
+      <p:sp>
+        <p:nvSpPr>
+          <p:cNvPr id="2" name="Titre 1"/>
+          <p:cNvSpPr>
+            <a:spLocks noGrp="1"/>
+          </p:cNvSpPr>
+          <p:nvPr>
+            <p:ph type="title"/>
+          </p:nvPr>
+        </p:nvSpPr>
+        <p:spPr/>
+        <p:txBody>
+          <a:bodyPr/>
+          <a:lstStyle/>
+          <a:p>
+            <a:endParaRPr lang="fr-FR"/>
+          </a:p>
+        </p:txBody>
+      </p:sp>
+      <p:sp>
+        <p:nvSpPr>
+          <p:cNvPr id="3" name="Espace réservé du contenu 2"/>
+          <p:cNvSpPr>
+            <a:spLocks noGrp="1"/>
+          </p:cNvSpPr>
+          <p:nvPr>
+            <p:ph idx="1"/>
+          </p:nvPr>
+        </p:nvSpPr>
+        <p:spPr/>
+        <p:txBody>
+          <a:bodyPr/>
+          <a:lstStyle/>
+          <a:p>
+            <a:endParaRPr lang="fr-FR"/>
+          </a:p>
+        </p:txBody>
+      </p:sp>
+    </p:spTree>
+    <p:extLst>
+      <p:ext uri="{BB962C8B-B14F-4D97-AF65-F5344CB8AC3E}">
+        <p14:creationId xmlns:p14="http://schemas.microsoft.com/office/powerpoint/2010/main" val="3573502302"/>
+      </p:ext>
+    </p:extLst>
+  </p:cSld>
+  <p:clrMapOvr>
+    <a:masterClrMapping/>
+  </p:clrMapOvr>
+  <p:timing>
+    <p:tnLst>
+      <p:par>
+        <p:cTn id="1" dur="indefinite" restart="never" nodeType="tmRoot"/>
+      </p:par>
+    </p:tnLst>
+  </p:timing>
+</p:sld>
+</file>
+
+<file path=ppt/slides/slide49.xml><?xml version="1.0" encoding="utf-8"?>
+<p:sld xmlns:a="http://schemas.openxmlformats.org/drawingml/2006/main" xmlns:r="http://schemas.openxmlformats.org/officeDocument/2006/relationships" xmlns:p="http://schemas.openxmlformats.org/presentationml/2006/main">
+  <p:cSld>
+    <p:spTree>
+      <p:nvGrpSpPr>
+        <p:cNvPr id="1" name=""/>
+        <p:cNvGrpSpPr/>
+        <p:nvPr/>
+      </p:nvGrpSpPr>
+      <p:grpSpPr>
+        <a:xfrm>
+          <a:off x="0" y="0"/>
+          <a:ext cx="0" cy="0"/>
+          <a:chOff x="0" y="0"/>
+          <a:chExt cx="0" cy="0"/>
+        </a:xfrm>
+      </p:grpSpPr>
+      <p:sp>
+        <p:nvSpPr>
+          <p:cNvPr id="4" name="Titre 3"/>
+          <p:cNvSpPr>
+            <a:spLocks noGrp="1"/>
+          </p:cNvSpPr>
+          <p:nvPr>
+            <p:ph type="ctrTitle"/>
+          </p:nvPr>
+        </p:nvSpPr>
+        <p:spPr/>
+        <p:txBody>
+          <a:bodyPr>
+            <a:normAutofit/>
+          </a:bodyPr>
+          <a:lstStyle/>
+          <a:p>
+            <a:r>
+              <a:rPr lang="fr-FR" sz="3200" b="1" dirty="0">
+                <a:solidFill>
+                  <a:srgbClr val="7030A0"/>
+                </a:solidFill>
+                <a:latin typeface="Arial" panose="020B0604020202020204" pitchFamily="34" charset="0"/>
+                <a:cs typeface="Arial" panose="020B0604020202020204" pitchFamily="34" charset="0"/>
+              </a:rPr>
+              <a:t>Partie 5 : sujets transverses</a:t>
+            </a:r>
+          </a:p>
+        </p:txBody>
+      </p:sp>
+    </p:spTree>
+    <p:extLst>
+      <p:ext uri="{BB962C8B-B14F-4D97-AF65-F5344CB8AC3E}">
+        <p14:creationId xmlns:p14="http://schemas.microsoft.com/office/powerpoint/2010/main" val="1486631537"/>
+      </p:ext>
+    </p:extLst>
+  </p:cSld>
+  <p:clrMapOvr>
+    <a:masterClrMapping/>
+  </p:clrMapOvr>
+  <p:timing>
+    <p:tnLst>
+      <p:par>
+        <p:cTn id="1" dur="indefinite" restart="never" nodeType="tmRoot"/>
+      </p:par>
+    </p:tnLst>
+  </p:timing>
+</p:sld>
+</file>
+
+<file path=ppt/slides/slide5.xml><?xml version="1.0" encoding="utf-8"?>
+<p:sld xmlns:a="http://schemas.openxmlformats.org/drawingml/2006/main" xmlns:r="http://schemas.openxmlformats.org/officeDocument/2006/relationships" xmlns:p="http://schemas.openxmlformats.org/presentationml/2006/main">
+  <p:cSld>
+    <p:spTree>
+      <p:nvGrpSpPr>
+        <p:cNvPr id="1" name=""/>
+        <p:cNvGrpSpPr/>
+        <p:nvPr/>
+      </p:nvGrpSpPr>
+      <p:grpSpPr>
+        <a:xfrm>
+          <a:off x="0" y="0"/>
+          <a:ext cx="0" cy="0"/>
+          <a:chOff x="0" y="0"/>
+          <a:chExt cx="0" cy="0"/>
+        </a:xfrm>
+      </p:grpSpPr>
+      <p:sp>
+        <p:nvSpPr>
+          <p:cNvPr id="2" name="Titre 1"/>
+          <p:cNvSpPr>
+            <a:spLocks noGrp="1"/>
+          </p:cNvSpPr>
+          <p:nvPr>
+            <p:ph type="title"/>
+          </p:nvPr>
+        </p:nvSpPr>
+        <p:spPr/>
+        <p:txBody>
+          <a:bodyPr>
+            <a:normAutofit/>
+          </a:bodyPr>
+          <a:lstStyle/>
+          <a:p>
+            <a:r>
+              <a:rPr lang="en-US" sz="3200" b="1" dirty="0">
+                <a:latin typeface="Arial" panose="020B0604020202020204" pitchFamily="34" charset="0"/>
+                <a:cs typeface="Arial" panose="020B0604020202020204" pitchFamily="34" charset="0"/>
+              </a:rPr>
+              <a:t>Data Science Job Report 2017</a:t>
+            </a:r>
+            <a:endParaRPr lang="fr-FR" sz="3200" dirty="0">
+              <a:latin typeface="Arial" panose="020B0604020202020204" pitchFamily="34" charset="0"/>
+              <a:cs typeface="Arial" panose="020B0604020202020204" pitchFamily="34" charset="0"/>
+            </a:endParaRPr>
+          </a:p>
+        </p:txBody>
+      </p:sp>
+      <p:sp>
+        <p:nvSpPr>
+          <p:cNvPr id="3" name="Espace réservé du contenu 2"/>
+          <p:cNvSpPr>
+            <a:spLocks noGrp="1"/>
+          </p:cNvSpPr>
+          <p:nvPr>
+            <p:ph idx="1"/>
+          </p:nvPr>
+        </p:nvSpPr>
+        <p:spPr>
+          <a:xfrm>
+            <a:off x="457200" y="1124744"/>
+            <a:ext cx="8507288" cy="5001419"/>
+          </a:xfrm>
+        </p:spPr>
+        <p:txBody>
+          <a:bodyPr/>
+          <a:lstStyle/>
+          <a:p>
+            <a:pPr marL="0" indent="0">
+              <a:buNone/>
+            </a:pPr>
+            <a:r>
+              <a:rPr lang="fr-FR" sz="2000" dirty="0">
+                <a:latin typeface="Arial" panose="020B0604020202020204" pitchFamily="34" charset="0"/>
+                <a:cs typeface="Arial" panose="020B0604020202020204" pitchFamily="34" charset="0"/>
+              </a:rPr>
+              <a:t>Les tendances des jobs de data science pour R (bleu) et SAS (orange)</a:t>
+            </a:r>
+          </a:p>
+          <a:p>
+            <a:pPr marL="0" indent="0">
+              <a:buNone/>
+            </a:pPr>
+            <a:endParaRPr lang="fr-FR" dirty="0"/>
+          </a:p>
+        </p:txBody>
+      </p:sp>
+      <p:pic>
+        <p:nvPicPr>
+          <p:cNvPr id="5" name="Image 4"/>
+          <p:cNvPicPr>
+            <a:picLocks noChangeAspect="1"/>
+          </p:cNvPicPr>
+          <p:nvPr/>
+        </p:nvPicPr>
+        <p:blipFill>
+          <a:blip r:embed="rId2">
+            <a:extLst>
+              <a:ext uri="{28A0092B-C50C-407E-A947-70E740481C1C}">
+                <a14:useLocalDpi xmlns:a14="http://schemas.microsoft.com/office/drawing/2010/main" val="0"/>
+              </a:ext>
+            </a:extLst>
+          </a:blip>
+          <a:stretch>
+            <a:fillRect/>
+          </a:stretch>
+        </p:blipFill>
+        <p:spPr>
+          <a:xfrm>
+            <a:off x="1475656" y="2204864"/>
+            <a:ext cx="6686550" cy="4067175"/>
+          </a:xfrm>
+          <a:prstGeom prst="rect">
+            <a:avLst/>
+          </a:prstGeom>
+        </p:spPr>
+      </p:pic>
+    </p:spTree>
+    <p:extLst>
+      <p:ext uri="{BB962C8B-B14F-4D97-AF65-F5344CB8AC3E}">
+        <p14:creationId xmlns:p14="http://schemas.microsoft.com/office/powerpoint/2010/main" val="78702800"/>
+      </p:ext>
+    </p:extLst>
+  </p:cSld>
+  <p:clrMapOvr>
+    <a:masterClrMapping/>
+  </p:clrMapOvr>
+</p:sld>
+</file>
+
+<file path=ppt/slides/slide50.xml><?xml version="1.0" encoding="utf-8"?>
+<p:sld xmlns:a="http://schemas.openxmlformats.org/drawingml/2006/main" xmlns:r="http://schemas.openxmlformats.org/officeDocument/2006/relationships" xmlns:p="http://schemas.openxmlformats.org/presentationml/2006/main">
+  <p:cSld>
+    <p:spTree>
+      <p:nvGrpSpPr>
+        <p:cNvPr id="1" name=""/>
+        <p:cNvGrpSpPr/>
+        <p:nvPr/>
+      </p:nvGrpSpPr>
+      <p:grpSpPr>
+        <a:xfrm>
+          <a:off x="0" y="0"/>
+          <a:ext cx="0" cy="0"/>
+          <a:chOff x="0" y="0"/>
+          <a:chExt cx="0" cy="0"/>
+        </a:xfrm>
+      </p:grpSpPr>
+      <p:sp>
+        <p:nvSpPr>
+          <p:cNvPr id="2" name="Titre 1"/>
+          <p:cNvSpPr>
+            <a:spLocks noGrp="1"/>
+          </p:cNvSpPr>
+          <p:nvPr>
+            <p:ph type="title"/>
+          </p:nvPr>
+        </p:nvSpPr>
+        <p:spPr/>
+        <p:txBody>
+          <a:bodyPr/>
+          <a:lstStyle/>
+          <a:p>
+            <a:r>
+              <a:rPr lang="fr-FR" dirty="0" smtClean="0"/>
+              <a:t>Commandes </a:t>
+            </a:r>
+            <a:r>
+              <a:rPr lang="fr-FR" dirty="0" err="1" smtClean="0"/>
+              <a:t>pip</a:t>
+            </a:r>
+            <a:endParaRPr lang="fr-FR" dirty="0"/>
+          </a:p>
+        </p:txBody>
+      </p:sp>
+      <p:sp>
+        <p:nvSpPr>
+          <p:cNvPr id="3" name="Espace réservé du contenu 2"/>
+          <p:cNvSpPr>
+            <a:spLocks noGrp="1"/>
+          </p:cNvSpPr>
+          <p:nvPr>
+            <p:ph idx="1"/>
+          </p:nvPr>
+        </p:nvSpPr>
+        <p:spPr/>
+        <p:txBody>
+          <a:bodyPr/>
+          <a:lstStyle/>
+          <a:p>
+            <a:r>
+              <a:rPr lang="fr-FR" dirty="0" smtClean="0"/>
+              <a:t>Installer une librairie=&gt; </a:t>
+            </a:r>
+            <a:r>
+              <a:rPr lang="fr-FR" dirty="0" err="1" smtClean="0"/>
+              <a:t>pip</a:t>
+            </a:r>
+            <a:r>
+              <a:rPr lang="fr-FR" dirty="0" smtClean="0"/>
+              <a:t> </a:t>
+            </a:r>
+            <a:r>
+              <a:rPr lang="fr-FR" dirty="0" err="1" smtClean="0"/>
+              <a:t>install</a:t>
+            </a:r>
+            <a:r>
+              <a:rPr lang="fr-FR" dirty="0" smtClean="0"/>
+              <a:t> </a:t>
+            </a:r>
+            <a:r>
+              <a:rPr lang="fr-FR" dirty="0" err="1" smtClean="0"/>
+              <a:t>nomLibrairie</a:t>
+            </a:r>
+            <a:endParaRPr lang="fr-FR" dirty="0" smtClean="0"/>
+          </a:p>
+          <a:p>
+            <a:r>
+              <a:rPr lang="fr-FR" dirty="0" smtClean="0"/>
+              <a:t>Version actuelle =&gt; </a:t>
+            </a:r>
+            <a:r>
+              <a:rPr lang="fr-FR" dirty="0" err="1" smtClean="0"/>
+              <a:t>pip</a:t>
+            </a:r>
+            <a:r>
+              <a:rPr lang="fr-FR" dirty="0" smtClean="0"/>
+              <a:t> show </a:t>
+            </a:r>
+            <a:r>
+              <a:rPr lang="fr-FR" dirty="0" err="1" smtClean="0"/>
+              <a:t>nomLibrairie</a:t>
+            </a:r>
+            <a:endParaRPr lang="fr-FR" dirty="0" smtClean="0"/>
+          </a:p>
+          <a:p>
+            <a:r>
+              <a:rPr lang="fr-FR" dirty="0" smtClean="0"/>
+              <a:t>Upgrade librairie =&gt;</a:t>
+            </a:r>
+            <a:r>
+              <a:rPr lang="fr-FR" dirty="0" err="1"/>
+              <a:t>pip</a:t>
+            </a:r>
+            <a:r>
+              <a:rPr lang="fr-FR" dirty="0"/>
+              <a:t> </a:t>
+            </a:r>
+            <a:r>
+              <a:rPr lang="fr-FR" dirty="0" err="1"/>
+              <a:t>install</a:t>
+            </a:r>
+            <a:r>
+              <a:rPr lang="fr-FR" dirty="0"/>
+              <a:t> </a:t>
+            </a:r>
+            <a:r>
+              <a:rPr lang="fr-FR" dirty="0" smtClean="0"/>
+              <a:t>–upgrade </a:t>
+            </a:r>
+            <a:r>
+              <a:rPr lang="fr-FR" dirty="0" err="1" smtClean="0"/>
+              <a:t>nomLibrairie</a:t>
+            </a:r>
+            <a:endParaRPr lang="fr-FR" dirty="0"/>
+          </a:p>
+          <a:p>
+            <a:endParaRPr lang="fr-FR" dirty="0"/>
+          </a:p>
+        </p:txBody>
+      </p:sp>
+    </p:spTree>
+    <p:extLst>
+      <p:ext uri="{BB962C8B-B14F-4D97-AF65-F5344CB8AC3E}">
+        <p14:creationId xmlns:p14="http://schemas.microsoft.com/office/powerpoint/2010/main" val="3603830431"/>
+      </p:ext>
+    </p:extLst>
+  </p:cSld>
+  <p:clrMapOvr>
+    <a:masterClrMapping/>
+  </p:clrMapOvr>
+  <p:timing>
+    <p:tnLst>
+      <p:par>
+        <p:cTn id="1" dur="indefinite" restart="never" nodeType="tmRoot"/>
+      </p:par>
+    </p:tnLst>
+  </p:timing>
+</p:sld>
+</file>
+
+<file path=ppt/slides/slide51.xml><?xml version="1.0" encoding="utf-8"?>
+<p:sld xmlns:a="http://schemas.openxmlformats.org/drawingml/2006/main" xmlns:r="http://schemas.openxmlformats.org/officeDocument/2006/relationships" xmlns:p="http://schemas.openxmlformats.org/presentationml/2006/main">
+  <p:cSld>
+    <p:spTree>
+      <p:nvGrpSpPr>
+        <p:cNvPr id="1" name=""/>
+        <p:cNvGrpSpPr/>
+        <p:nvPr/>
+      </p:nvGrpSpPr>
+      <p:grpSpPr>
+        <a:xfrm>
+          <a:off x="0" y="0"/>
+          <a:ext cx="0" cy="0"/>
+          <a:chOff x="0" y="0"/>
+          <a:chExt cx="0" cy="0"/>
+        </a:xfrm>
+      </p:grpSpPr>
+      <p:sp>
+        <p:nvSpPr>
+          <p:cNvPr id="2" name="Titre 1"/>
+          <p:cNvSpPr>
+            <a:spLocks noGrp="1"/>
+          </p:cNvSpPr>
+          <p:nvPr>
+            <p:ph type="title"/>
+          </p:nvPr>
+        </p:nvSpPr>
         <p:spPr/>
         <p:txBody>
           <a:bodyPr>
@@ -7216,7 +11034,7 @@
 </p:sld>
 </file>
 
-<file path=ppt/slides/slide32.xml><?xml version="1.0" encoding="utf-8"?>
+<file path=ppt/slides/slide52.xml><?xml version="1.0" encoding="utf-8"?>
 <p:sld xmlns:a="http://schemas.openxmlformats.org/drawingml/2006/main" xmlns:r="http://schemas.openxmlformats.org/officeDocument/2006/relationships" xmlns:p="http://schemas.openxmlformats.org/presentationml/2006/main">
   <p:cSld>
     <p:spTree>
@@ -7304,10 +11122,17 @@
   <p:clrMapOvr>
     <a:masterClrMapping/>
   </p:clrMapOvr>
+  <p:timing>
+    <p:tnLst>
+      <p:par>
+        <p:cTn id="1" dur="indefinite" restart="never" nodeType="tmRoot"/>
+      </p:par>
+    </p:tnLst>
+  </p:timing>
 </p:sld>
 </file>
 
-<file path=ppt/slides/slide33.xml><?xml version="1.0" encoding="utf-8"?>
+<file path=ppt/slides/slide53.xml><?xml version="1.0" encoding="utf-8"?>
 <p:sld xmlns:a="http://schemas.openxmlformats.org/drawingml/2006/main" xmlns:r="http://schemas.openxmlformats.org/officeDocument/2006/relationships" xmlns:p="http://schemas.openxmlformats.org/presentationml/2006/main">
   <p:cSld>
     <p:spTree>
@@ -7419,8 +11244,37 @@
                 <a:latin typeface="Arial" panose="020B0604020202020204" pitchFamily="34" charset="0"/>
                 <a:cs typeface="Arial" panose="020B0604020202020204" pitchFamily="34" charset="0"/>
               </a:rPr>
-              <a:t> desktop).</a:t>
-            </a:r>
+              <a:t> desktop</a:t>
+            </a:r>
+            <a:r>
+              <a:rPr lang="fr-FR" dirty="0" smtClean="0">
+                <a:latin typeface="Arial" panose="020B0604020202020204" pitchFamily="34" charset="0"/>
+                <a:cs typeface="Arial" panose="020B0604020202020204" pitchFamily="34" charset="0"/>
+              </a:rPr>
+              <a:t>).</a:t>
+            </a:r>
+          </a:p>
+          <a:p>
+            <a:r>
+              <a:rPr lang="fr-FR" dirty="0" smtClean="0">
+                <a:latin typeface="Arial" panose="020B0604020202020204" pitchFamily="34" charset="0"/>
+                <a:cs typeface="Arial" panose="020B0604020202020204" pitchFamily="34" charset="0"/>
+              </a:rPr>
+              <a:t>Une autre façon de travailler : notebook</a:t>
+            </a:r>
+          </a:p>
+          <a:p>
+            <a:r>
+              <a:rPr lang="fr-FR" dirty="0" smtClean="0">
+                <a:latin typeface="Arial" panose="020B0604020202020204" pitchFamily="34" charset="0"/>
+                <a:cs typeface="Arial" panose="020B0604020202020204" pitchFamily="34" charset="0"/>
+              </a:rPr>
+              <a:t>Les environnements virtuels</a:t>
+            </a:r>
+            <a:endParaRPr lang="fr-FR" dirty="0">
+              <a:latin typeface="Arial" panose="020B0604020202020204" pitchFamily="34" charset="0"/>
+              <a:cs typeface="Arial" panose="020B0604020202020204" pitchFamily="34" charset="0"/>
+            </a:endParaRPr>
           </a:p>
           <a:p>
             <a:pPr marL="0" indent="0">
@@ -7440,10 +11294,17 @@
   <p:clrMapOvr>
     <a:masterClrMapping/>
   </p:clrMapOvr>
+  <p:timing>
+    <p:tnLst>
+      <p:par>
+        <p:cTn id="1" dur="indefinite" restart="never" nodeType="tmRoot"/>
+      </p:par>
+    </p:tnLst>
+  </p:timing>
 </p:sld>
 </file>
 
-<file path=ppt/slides/slide34.xml><?xml version="1.0" encoding="utf-8"?>
+<file path=ppt/slides/slide54.xml><?xml version="1.0" encoding="utf-8"?>
 <p:sld xmlns:a="http://schemas.openxmlformats.org/drawingml/2006/main" xmlns:r="http://schemas.openxmlformats.org/officeDocument/2006/relationships" xmlns:p="http://schemas.openxmlformats.org/presentationml/2006/main">
   <p:cSld>
     <p:spTree>
@@ -7507,226 +11368,6 @@
       </p:par>
     </p:tnLst>
   </p:timing>
-</p:sld>
-</file>
-
-<file path=ppt/slides/slide4.xml><?xml version="1.0" encoding="utf-8"?>
-<p:sld xmlns:a="http://schemas.openxmlformats.org/drawingml/2006/main" xmlns:r="http://schemas.openxmlformats.org/officeDocument/2006/relationships" xmlns:p="http://schemas.openxmlformats.org/presentationml/2006/main">
-  <p:cSld>
-    <p:spTree>
-      <p:nvGrpSpPr>
-        <p:cNvPr id="1" name=""/>
-        <p:cNvGrpSpPr/>
-        <p:nvPr/>
-      </p:nvGrpSpPr>
-      <p:grpSpPr>
-        <a:xfrm>
-          <a:off x="0" y="0"/>
-          <a:ext cx="0" cy="0"/>
-          <a:chOff x="0" y="0"/>
-          <a:chExt cx="0" cy="0"/>
-        </a:xfrm>
-      </p:grpSpPr>
-      <p:sp>
-        <p:nvSpPr>
-          <p:cNvPr id="2" name="Titre 1"/>
-          <p:cNvSpPr>
-            <a:spLocks noGrp="1"/>
-          </p:cNvSpPr>
-          <p:nvPr>
-            <p:ph type="title"/>
-          </p:nvPr>
-        </p:nvSpPr>
-        <p:spPr/>
-        <p:txBody>
-          <a:bodyPr>
-            <a:normAutofit/>
-          </a:bodyPr>
-          <a:lstStyle/>
-          <a:p>
-            <a:r>
-              <a:rPr lang="en-US" sz="3200" b="1" dirty="0">
-                <a:latin typeface="Arial" panose="020B0604020202020204" pitchFamily="34" charset="0"/>
-                <a:cs typeface="Arial" panose="020B0604020202020204" pitchFamily="34" charset="0"/>
-              </a:rPr>
-              <a:t>Data Science Job Report 2017</a:t>
-            </a:r>
-            <a:endParaRPr lang="fr-FR" sz="3200" dirty="0">
-              <a:latin typeface="Arial" panose="020B0604020202020204" pitchFamily="34" charset="0"/>
-              <a:cs typeface="Arial" panose="020B0604020202020204" pitchFamily="34" charset="0"/>
-            </a:endParaRPr>
-          </a:p>
-        </p:txBody>
-      </p:sp>
-      <p:pic>
-        <p:nvPicPr>
-          <p:cNvPr id="4" name="Espace réservé du contenu 3"/>
-          <p:cNvPicPr>
-            <a:picLocks noGrp="1" noChangeAspect="1"/>
-          </p:cNvPicPr>
-          <p:nvPr>
-            <p:ph idx="1"/>
-          </p:nvPr>
-        </p:nvPicPr>
-        <p:blipFill>
-          <a:blip r:embed="rId2">
-            <a:extLst>
-              <a:ext uri="{28A0092B-C50C-407E-A947-70E740481C1C}">
-                <a14:useLocalDpi xmlns:a14="http://schemas.microsoft.com/office/drawing/2010/main" val="0"/>
-              </a:ext>
-            </a:extLst>
-          </a:blip>
-          <a:stretch>
-            <a:fillRect/>
-          </a:stretch>
-        </p:blipFill>
-        <p:spPr>
-          <a:xfrm>
-            <a:off x="1979712" y="1556792"/>
-            <a:ext cx="4939502" cy="4525963"/>
-          </a:xfrm>
-        </p:spPr>
-      </p:pic>
-    </p:spTree>
-    <p:extLst>
-      <p:ext uri="{BB962C8B-B14F-4D97-AF65-F5344CB8AC3E}">
-        <p14:creationId xmlns:p14="http://schemas.microsoft.com/office/powerpoint/2010/main" val="3180056025"/>
-      </p:ext>
-    </p:extLst>
-  </p:cSld>
-  <p:clrMapOvr>
-    <a:masterClrMapping/>
-  </p:clrMapOvr>
-</p:sld>
-</file>
-
-<file path=ppt/slides/slide5.xml><?xml version="1.0" encoding="utf-8"?>
-<p:sld xmlns:a="http://schemas.openxmlformats.org/drawingml/2006/main" xmlns:r="http://schemas.openxmlformats.org/officeDocument/2006/relationships" xmlns:p="http://schemas.openxmlformats.org/presentationml/2006/main">
-  <p:cSld>
-    <p:spTree>
-      <p:nvGrpSpPr>
-        <p:cNvPr id="1" name=""/>
-        <p:cNvGrpSpPr/>
-        <p:nvPr/>
-      </p:nvGrpSpPr>
-      <p:grpSpPr>
-        <a:xfrm>
-          <a:off x="0" y="0"/>
-          <a:ext cx="0" cy="0"/>
-          <a:chOff x="0" y="0"/>
-          <a:chExt cx="0" cy="0"/>
-        </a:xfrm>
-      </p:grpSpPr>
-      <p:sp>
-        <p:nvSpPr>
-          <p:cNvPr id="2" name="Titre 1"/>
-          <p:cNvSpPr>
-            <a:spLocks noGrp="1"/>
-          </p:cNvSpPr>
-          <p:nvPr>
-            <p:ph type="title"/>
-          </p:nvPr>
-        </p:nvSpPr>
-        <p:spPr/>
-        <p:txBody>
-          <a:bodyPr>
-            <a:normAutofit/>
-          </a:bodyPr>
-          <a:lstStyle/>
-          <a:p>
-            <a:r>
-              <a:rPr lang="en-US" sz="3200" b="1" dirty="0">
-                <a:latin typeface="Arial" panose="020B0604020202020204" pitchFamily="34" charset="0"/>
-                <a:cs typeface="Arial" panose="020B0604020202020204" pitchFamily="34" charset="0"/>
-              </a:rPr>
-              <a:t>Data Science Job Report 2017</a:t>
-            </a:r>
-            <a:endParaRPr lang="fr-FR" sz="3200" dirty="0">
-              <a:latin typeface="Arial" panose="020B0604020202020204" pitchFamily="34" charset="0"/>
-              <a:cs typeface="Arial" panose="020B0604020202020204" pitchFamily="34" charset="0"/>
-            </a:endParaRPr>
-          </a:p>
-        </p:txBody>
-      </p:sp>
-      <p:sp>
-        <p:nvSpPr>
-          <p:cNvPr id="3" name="Espace réservé du contenu 2"/>
-          <p:cNvSpPr>
-            <a:spLocks noGrp="1"/>
-          </p:cNvSpPr>
-          <p:nvPr>
-            <p:ph idx="1"/>
-          </p:nvPr>
-        </p:nvSpPr>
-        <p:spPr>
-          <a:xfrm>
-            <a:off x="457200" y="1124744"/>
-            <a:ext cx="8507288" cy="5001419"/>
-          </a:xfrm>
-        </p:spPr>
-        <p:txBody>
-          <a:bodyPr/>
-          <a:lstStyle/>
-          <a:p>
-            <a:pPr marL="0" indent="0">
-              <a:buNone/>
-            </a:pPr>
-            <a:r>
-              <a:rPr lang="fr-FR" sz="2000" dirty="0">
-                <a:latin typeface="Arial" panose="020B0604020202020204" pitchFamily="34" charset="0"/>
-                <a:cs typeface="Arial" panose="020B0604020202020204" pitchFamily="34" charset="0"/>
-              </a:rPr>
-              <a:t>Les tendances des jobs de data science pour R (bleu) et SAS (orange)</a:t>
-            </a:r>
-          </a:p>
-          <a:p>
-            <a:pPr marL="0" indent="0">
-              <a:buNone/>
-            </a:pPr>
-            <a:endParaRPr lang="fr-FR" dirty="0"/>
-          </a:p>
-        </p:txBody>
-      </p:sp>
-      <p:pic>
-        <p:nvPicPr>
-          <p:cNvPr id="5" name="Image 4"/>
-          <p:cNvPicPr>
-            <a:picLocks noChangeAspect="1"/>
-          </p:cNvPicPr>
-          <p:nvPr/>
-        </p:nvPicPr>
-        <p:blipFill>
-          <a:blip r:embed="rId2">
-            <a:extLst>
-              <a:ext uri="{28A0092B-C50C-407E-A947-70E740481C1C}">
-                <a14:useLocalDpi xmlns:a14="http://schemas.microsoft.com/office/drawing/2010/main" val="0"/>
-              </a:ext>
-            </a:extLst>
-          </a:blip>
-          <a:stretch>
-            <a:fillRect/>
-          </a:stretch>
-        </p:blipFill>
-        <p:spPr>
-          <a:xfrm>
-            <a:off x="1475656" y="2204864"/>
-            <a:ext cx="6686550" cy="4067175"/>
-          </a:xfrm>
-          <a:prstGeom prst="rect">
-            <a:avLst/>
-          </a:prstGeom>
-        </p:spPr>
-      </p:pic>
-    </p:spTree>
-    <p:extLst>
-      <p:ext uri="{BB962C8B-B14F-4D97-AF65-F5344CB8AC3E}">
-        <p14:creationId xmlns:p14="http://schemas.microsoft.com/office/powerpoint/2010/main" val="78702800"/>
-      </p:ext>
-    </p:extLst>
-  </p:cSld>
-  <p:clrMapOvr>
-    <a:masterClrMapping/>
-  </p:clrMapOvr>
 </p:sld>
 </file>
 

--- a/formation python.pptx
+++ b/formation python.pptx
@@ -50,15 +50,16 @@
     <p:sldId id="358" r:id="rId44"/>
     <p:sldId id="359" r:id="rId45"/>
     <p:sldId id="360" r:id="rId46"/>
-    <p:sldId id="361" r:id="rId47"/>
-    <p:sldId id="362" r:id="rId48"/>
-    <p:sldId id="327" r:id="rId49"/>
+    <p:sldId id="365" r:id="rId47"/>
+    <p:sldId id="361" r:id="rId48"/>
+    <p:sldId id="362" r:id="rId49"/>
     <p:sldId id="333" r:id="rId50"/>
-    <p:sldId id="348" r:id="rId51"/>
-    <p:sldId id="338" r:id="rId52"/>
-    <p:sldId id="339" r:id="rId53"/>
-    <p:sldId id="340" r:id="rId54"/>
-    <p:sldId id="308" r:id="rId55"/>
+    <p:sldId id="364" r:id="rId51"/>
+    <p:sldId id="348" r:id="rId52"/>
+    <p:sldId id="338" r:id="rId53"/>
+    <p:sldId id="339" r:id="rId54"/>
+    <p:sldId id="340" r:id="rId55"/>
+    <p:sldId id="308" r:id="rId56"/>
   </p:sldIdLst>
   <p:sldSz cx="9144000" cy="6858000" type="screen4x3"/>
   <p:notesSz cx="6858000" cy="9144000"/>
@@ -159,7 +160,7 @@
   </p:defaultTextStyle>
   <p:extLst>
     <p:ext uri="{EFAFB233-063F-42B5-8137-9DF3F51BA10A}">
-      <p15:sldGuideLst xmlns:p15="http://schemas.microsoft.com/office/powerpoint/2012/main" xmlns="">
+      <p15:sldGuideLst xmlns:p15="http://schemas.microsoft.com/office/powerpoint/2012/main">
         <p15:guide id="1" orient="horz" pos="2160">
           <p15:clr>
             <a:srgbClr val="A4A3A4"/>
@@ -355,7 +356,7 @@
           <a:p>
             <a:fld id="{765F0E4A-4BC1-45D8-AEB9-09F4A4417523}" type="datetimeFigureOut">
               <a:rPr lang="fr-FR" smtClean="0"/>
-              <a:t>03/04/2019</a:t>
+              <a:t>06/04/2019</a:t>
             </a:fld>
             <a:endParaRPr lang="fr-FR"/>
           </a:p>
@@ -523,7 +524,7 @@
           <a:p>
             <a:fld id="{765F0E4A-4BC1-45D8-AEB9-09F4A4417523}" type="datetimeFigureOut">
               <a:rPr lang="fr-FR" smtClean="0"/>
-              <a:t>03/04/2019</a:t>
+              <a:t>06/04/2019</a:t>
             </a:fld>
             <a:endParaRPr lang="fr-FR"/>
           </a:p>
@@ -701,7 +702,7 @@
           <a:p>
             <a:fld id="{765F0E4A-4BC1-45D8-AEB9-09F4A4417523}" type="datetimeFigureOut">
               <a:rPr lang="fr-FR" smtClean="0"/>
-              <a:t>03/04/2019</a:t>
+              <a:t>06/04/2019</a:t>
             </a:fld>
             <a:endParaRPr lang="fr-FR"/>
           </a:p>
@@ -869,7 +870,7 @@
           <a:p>
             <a:fld id="{765F0E4A-4BC1-45D8-AEB9-09F4A4417523}" type="datetimeFigureOut">
               <a:rPr lang="fr-FR" smtClean="0"/>
-              <a:t>03/04/2019</a:t>
+              <a:t>06/04/2019</a:t>
             </a:fld>
             <a:endParaRPr lang="fr-FR"/>
           </a:p>
@@ -1114,7 +1115,7 @@
           <a:p>
             <a:fld id="{765F0E4A-4BC1-45D8-AEB9-09F4A4417523}" type="datetimeFigureOut">
               <a:rPr lang="fr-FR" smtClean="0"/>
-              <a:t>03/04/2019</a:t>
+              <a:t>06/04/2019</a:t>
             </a:fld>
             <a:endParaRPr lang="fr-FR"/>
           </a:p>
@@ -1399,7 +1400,7 @@
           <a:p>
             <a:fld id="{765F0E4A-4BC1-45D8-AEB9-09F4A4417523}" type="datetimeFigureOut">
               <a:rPr lang="fr-FR" smtClean="0"/>
-              <a:t>03/04/2019</a:t>
+              <a:t>06/04/2019</a:t>
             </a:fld>
             <a:endParaRPr lang="fr-FR"/>
           </a:p>
@@ -1818,7 +1819,7 @@
           <a:p>
             <a:fld id="{765F0E4A-4BC1-45D8-AEB9-09F4A4417523}" type="datetimeFigureOut">
               <a:rPr lang="fr-FR" smtClean="0"/>
-              <a:t>03/04/2019</a:t>
+              <a:t>06/04/2019</a:t>
             </a:fld>
             <a:endParaRPr lang="fr-FR"/>
           </a:p>
@@ -1935,7 +1936,7 @@
           <a:p>
             <a:fld id="{765F0E4A-4BC1-45D8-AEB9-09F4A4417523}" type="datetimeFigureOut">
               <a:rPr lang="fr-FR" smtClean="0"/>
-              <a:t>03/04/2019</a:t>
+              <a:t>06/04/2019</a:t>
             </a:fld>
             <a:endParaRPr lang="fr-FR"/>
           </a:p>
@@ -2030,7 +2031,7 @@
           <a:p>
             <a:fld id="{765F0E4A-4BC1-45D8-AEB9-09F4A4417523}" type="datetimeFigureOut">
               <a:rPr lang="fr-FR" smtClean="0"/>
-              <a:t>03/04/2019</a:t>
+              <a:t>06/04/2019</a:t>
             </a:fld>
             <a:endParaRPr lang="fr-FR"/>
           </a:p>
@@ -2305,7 +2306,7 @@
           <a:p>
             <a:fld id="{765F0E4A-4BC1-45D8-AEB9-09F4A4417523}" type="datetimeFigureOut">
               <a:rPr lang="fr-FR" smtClean="0"/>
-              <a:t>03/04/2019</a:t>
+              <a:t>06/04/2019</a:t>
             </a:fld>
             <a:endParaRPr lang="fr-FR"/>
           </a:p>
@@ -2557,7 +2558,7 @@
           <a:p>
             <a:fld id="{765F0E4A-4BC1-45D8-AEB9-09F4A4417523}" type="datetimeFigureOut">
               <a:rPr lang="fr-FR" smtClean="0"/>
-              <a:t>03/04/2019</a:t>
+              <a:t>06/04/2019</a:t>
             </a:fld>
             <a:endParaRPr lang="fr-FR"/>
           </a:p>
@@ -2768,7 +2769,7 @@
           <a:p>
             <a:fld id="{765F0E4A-4BC1-45D8-AEB9-09F4A4417523}" type="datetimeFigureOut">
               <a:rPr lang="fr-FR" smtClean="0"/>
-              <a:t>03/04/2019</a:t>
+              <a:t>06/04/2019</a:t>
             </a:fld>
             <a:endParaRPr lang="fr-FR"/>
           </a:p>
@@ -3260,13 +3261,6 @@
   <p:clrMapOvr>
     <a:masterClrMapping/>
   </p:clrMapOvr>
-  <p:timing>
-    <p:tnLst>
-      <p:par>
-        <p:cTn id="1" dur="indefinite" restart="never" nodeType="tmRoot"/>
-      </p:par>
-    </p:tnLst>
-  </p:timing>
 </p:sld>
 </file>
 
@@ -3708,13 +3702,6 @@
   <p:clrMapOvr>
     <a:masterClrMapping/>
   </p:clrMapOvr>
-  <p:timing>
-    <p:tnLst>
-      <p:par>
-        <p:cTn id="1" dur="indefinite" restart="never" nodeType="tmRoot"/>
-      </p:par>
-    </p:tnLst>
-  </p:timing>
 </p:sld>
 </file>
 
@@ -4514,13 +4501,6 @@
   <p:clrMapOvr>
     <a:masterClrMapping/>
   </p:clrMapOvr>
-  <p:timing>
-    <p:tnLst>
-      <p:par>
-        <p:cTn id="1" dur="indefinite" restart="never" nodeType="tmRoot"/>
-      </p:par>
-    </p:tnLst>
-  </p:timing>
 </p:sld>
 </file>
 
@@ -4566,25 +4546,8 @@
                 <a:latin typeface="Arial" panose="020B0604020202020204" pitchFamily="34" charset="0"/>
                 <a:cs typeface="Arial" panose="020B0604020202020204" pitchFamily="34" charset="0"/>
               </a:rPr>
-              <a:t>Partie 3 : </a:t>
-            </a:r>
-            <a:r>
-              <a:rPr lang="fr-FR" b="1" dirty="0" smtClean="0">
-                <a:solidFill>
-                  <a:srgbClr val="7030A0"/>
-                </a:solidFill>
-                <a:latin typeface="Arial" panose="020B0604020202020204" pitchFamily="34" charset="0"/>
-                <a:cs typeface="Arial" panose="020B0604020202020204" pitchFamily="34" charset="0"/>
-              </a:rPr>
-              <a:t>traiter les données avec Python</a:t>
-            </a:r>
-            <a:endParaRPr lang="fr-FR" b="1" dirty="0">
-              <a:solidFill>
-                <a:srgbClr val="7030A0"/>
-              </a:solidFill>
-              <a:latin typeface="Arial" panose="020B0604020202020204" pitchFamily="34" charset="0"/>
-              <a:cs typeface="Arial" panose="020B0604020202020204" pitchFamily="34" charset="0"/>
-            </a:endParaRPr>
+              <a:t>Partie 3 : traiter les données avec Python</a:t>
+            </a:r>
           </a:p>
         </p:txBody>
       </p:sp>
@@ -4598,13 +4561,6 @@
   <p:clrMapOvr>
     <a:masterClrMapping/>
   </p:clrMapOvr>
-  <p:timing>
-    <p:tnLst>
-      <p:par>
-        <p:cTn id="1" dur="indefinite" restart="never" nodeType="tmRoot"/>
-      </p:par>
-    </p:tnLst>
-  </p:timing>
 </p:sld>
 </file>
 
@@ -4648,16 +4604,12 @@
           <a:lstStyle/>
           <a:p>
             <a:r>
-              <a:rPr lang="fr-FR" sz="3200" b="1" dirty="0" smtClean="0">
+              <a:rPr lang="fr-FR" sz="3200" b="1" dirty="0">
                 <a:latin typeface="Arial" panose="020B0604020202020204" pitchFamily="34" charset="0"/>
                 <a:cs typeface="Arial" panose="020B0604020202020204" pitchFamily="34" charset="0"/>
               </a:rPr>
               <a:t>Traiter les données prend du temps</a:t>
             </a:r>
-            <a:endParaRPr lang="fr-FR" sz="3200" b="1" dirty="0">
-              <a:latin typeface="Arial" panose="020B0604020202020204" pitchFamily="34" charset="0"/>
-              <a:cs typeface="Arial" panose="020B0604020202020204" pitchFamily="34" charset="0"/>
-            </a:endParaRPr>
           </a:p>
         </p:txBody>
       </p:sp>
@@ -4873,13 +4825,6 @@
   <p:clrMapOvr>
     <a:masterClrMapping/>
   </p:clrMapOvr>
-  <p:timing>
-    <p:tnLst>
-      <p:par>
-        <p:cTn id="1" dur="indefinite" restart="never" nodeType="tmRoot"/>
-      </p:par>
-    </p:tnLst>
-  </p:timing>
 </p:sld>
 </file>
 
@@ -5119,13 +5064,6 @@
   <p:clrMapOvr>
     <a:masterClrMapping/>
   </p:clrMapOvr>
-  <p:timing>
-    <p:tnLst>
-      <p:par>
-        <p:cTn id="1" dur="indefinite" restart="never" nodeType="tmRoot"/>
-      </p:par>
-    </p:tnLst>
-  </p:timing>
 </p:sld>
 </file>
 
@@ -5235,23 +5173,19 @@
           </a:p>
           <a:p>
             <a:r>
-              <a:rPr lang="fr-FR" dirty="0" err="1" smtClean="0">
+              <a:rPr lang="fr-FR" dirty="0" err="1">
                 <a:latin typeface="Arial" panose="020B0604020202020204" pitchFamily="34" charset="0"/>
                 <a:cs typeface="Arial" panose="020B0604020202020204" pitchFamily="34" charset="0"/>
               </a:rPr>
               <a:t>Dataframe</a:t>
             </a:r>
             <a:r>
-              <a:rPr lang="fr-FR" dirty="0" smtClean="0">
+              <a:rPr lang="fr-FR" dirty="0">
                 <a:latin typeface="Arial" panose="020B0604020202020204" pitchFamily="34" charset="0"/>
                 <a:cs typeface="Arial" panose="020B0604020202020204" pitchFamily="34" charset="0"/>
               </a:rPr>
               <a:t> : tableau avec n Séries</a:t>
             </a:r>
-            <a:endParaRPr lang="fr-FR" dirty="0">
-              <a:latin typeface="Arial" panose="020B0604020202020204" pitchFamily="34" charset="0"/>
-              <a:cs typeface="Arial" panose="020B0604020202020204" pitchFamily="34" charset="0"/>
-            </a:endParaRPr>
           </a:p>
         </p:txBody>
       </p:sp>
@@ -5265,13 +5199,6 @@
   <p:clrMapOvr>
     <a:masterClrMapping/>
   </p:clrMapOvr>
-  <p:timing>
-    <p:tnLst>
-      <p:par>
-        <p:cTn id="1" dur="indefinite" restart="never" nodeType="tmRoot"/>
-      </p:par>
-    </p:tnLst>
-  </p:timing>
 </p:sld>
 </file>
 
@@ -5320,23 +5247,19 @@
               </a:spcBef>
             </a:pPr>
             <a:r>
-              <a:rPr lang="fr-FR" sz="3200" b="1" dirty="0" err="1" smtClean="0">
+              <a:rPr lang="fr-FR" sz="3200" b="1" dirty="0" err="1">
                 <a:latin typeface="Arial" panose="020B0604020202020204" pitchFamily="34" charset="0"/>
                 <a:cs typeface="Arial" panose="020B0604020202020204" pitchFamily="34" charset="0"/>
               </a:rPr>
               <a:t>dataframe</a:t>
             </a:r>
             <a:r>
-              <a:rPr lang="fr-FR" sz="3200" b="1" dirty="0" smtClean="0">
+              <a:rPr lang="fr-FR" sz="3200" b="1" dirty="0">
                 <a:latin typeface="Arial" panose="020B0604020202020204" pitchFamily="34" charset="0"/>
                 <a:cs typeface="Arial" panose="020B0604020202020204" pitchFamily="34" charset="0"/>
               </a:rPr>
               <a:t> data préparation : imports/doublons/conversions</a:t>
             </a:r>
-            <a:endParaRPr lang="fr-FR" sz="3200" b="1" dirty="0">
-              <a:latin typeface="Arial" panose="020B0604020202020204" pitchFamily="34" charset="0"/>
-              <a:cs typeface="Arial" panose="020B0604020202020204" pitchFamily="34" charset="0"/>
-            </a:endParaRPr>
           </a:p>
         </p:txBody>
       </p:sp>
@@ -5363,82 +5286,64 @@
           <a:lstStyle/>
           <a:p>
             <a:r>
-              <a:rPr lang="fr-FR" sz="2800" dirty="0" smtClean="0">
-                <a:latin typeface="Arial" panose="020B0604020202020204" pitchFamily="34" charset="0"/>
-                <a:cs typeface="Arial" panose="020B0604020202020204" pitchFamily="34" charset="0"/>
-              </a:rPr>
-              <a:t>Spécifier le type de </a:t>
-            </a:r>
-            <a:r>
               <a:rPr lang="fr-FR" sz="2800" dirty="0">
                 <a:latin typeface="Arial" panose="020B0604020202020204" pitchFamily="34" charset="0"/>
                 <a:cs typeface="Arial" panose="020B0604020202020204" pitchFamily="34" charset="0"/>
               </a:rPr>
-              <a:t>chaque colonne </a:t>
-            </a:r>
-            <a:r>
-              <a:rPr lang="fr-FR" sz="2800" dirty="0" smtClean="0">
-                <a:latin typeface="Arial" panose="020B0604020202020204" pitchFamily="34" charset="0"/>
-                <a:cs typeface="Arial" panose="020B0604020202020204" pitchFamily="34" charset="0"/>
-              </a:rPr>
-              <a:t>(attribut </a:t>
-            </a:r>
-            <a:r>
-              <a:rPr lang="fr-FR" sz="2800" dirty="0" err="1" smtClean="0">
+              <a:t>Spécifier le type de chaque colonne (attribut </a:t>
+            </a:r>
+            <a:r>
+              <a:rPr lang="fr-FR" sz="2800" dirty="0" err="1">
                 <a:latin typeface="Arial" panose="020B0604020202020204" pitchFamily="34" charset="0"/>
                 <a:cs typeface="Arial" panose="020B0604020202020204" pitchFamily="34" charset="0"/>
               </a:rPr>
               <a:t>dtype</a:t>
             </a:r>
             <a:r>
-              <a:rPr lang="fr-FR" sz="2800" dirty="0" smtClean="0">
+              <a:rPr lang="fr-FR" sz="2800" dirty="0">
                 <a:latin typeface="Arial" panose="020B0604020202020204" pitchFamily="34" charset="0"/>
                 <a:cs typeface="Arial" panose="020B0604020202020204" pitchFamily="34" charset="0"/>
               </a:rPr>
               <a:t>)</a:t>
             </a:r>
+          </a:p>
+          <a:p>
+            <a:r>
+              <a:rPr lang="fr-FR" sz="2800" dirty="0">
+                <a:latin typeface="Arial" panose="020B0604020202020204" pitchFamily="34" charset="0"/>
+                <a:cs typeface="Arial" panose="020B0604020202020204" pitchFamily="34" charset="0"/>
+              </a:rPr>
+              <a:t>Voir le résultat de la fonction info() sur le </a:t>
+            </a:r>
+            <a:r>
+              <a:rPr lang="fr-FR" sz="2800" dirty="0" err="1">
+                <a:latin typeface="Arial" panose="020B0604020202020204" pitchFamily="34" charset="0"/>
+                <a:cs typeface="Arial" panose="020B0604020202020204" pitchFamily="34" charset="0"/>
+              </a:rPr>
+              <a:t>dataframe</a:t>
+            </a:r>
+            <a:r>
+              <a:rPr lang="fr-FR" sz="2800" dirty="0">
+                <a:latin typeface="Arial" panose="020B0604020202020204" pitchFamily="34" charset="0"/>
+                <a:cs typeface="Arial" panose="020B0604020202020204" pitchFamily="34" charset="0"/>
+              </a:rPr>
+              <a:t> pour voir le type des données</a:t>
+            </a:r>
+          </a:p>
+          <a:p>
             <a:endParaRPr lang="fr-FR" sz="2800" dirty="0">
               <a:latin typeface="Arial" panose="020B0604020202020204" pitchFamily="34" charset="0"/>
               <a:cs typeface="Arial" panose="020B0604020202020204" pitchFamily="34" charset="0"/>
             </a:endParaRPr>
           </a:p>
           <a:p>
-            <a:r>
-              <a:rPr lang="fr-FR" sz="2800" dirty="0" smtClean="0">
-                <a:latin typeface="Arial" panose="020B0604020202020204" pitchFamily="34" charset="0"/>
-                <a:cs typeface="Arial" panose="020B0604020202020204" pitchFamily="34" charset="0"/>
-              </a:rPr>
-              <a:t>Voir le résultat de la fonction info() sur le </a:t>
-            </a:r>
-            <a:r>
-              <a:rPr lang="fr-FR" sz="2800" dirty="0" err="1" smtClean="0">
-                <a:latin typeface="Arial" panose="020B0604020202020204" pitchFamily="34" charset="0"/>
-                <a:cs typeface="Arial" panose="020B0604020202020204" pitchFamily="34" charset="0"/>
-              </a:rPr>
-              <a:t>dataframe</a:t>
-            </a:r>
-            <a:r>
-              <a:rPr lang="fr-FR" sz="2800" dirty="0" smtClean="0">
-                <a:latin typeface="Arial" panose="020B0604020202020204" pitchFamily="34" charset="0"/>
-                <a:cs typeface="Arial" panose="020B0604020202020204" pitchFamily="34" charset="0"/>
-              </a:rPr>
-              <a:t> pour voir le type des données</a:t>
-            </a:r>
-          </a:p>
-          <a:p>
             <a:endParaRPr lang="fr-FR" sz="2800" dirty="0">
               <a:latin typeface="Arial" panose="020B0604020202020204" pitchFamily="34" charset="0"/>
               <a:cs typeface="Arial" panose="020B0604020202020204" pitchFamily="34" charset="0"/>
             </a:endParaRPr>
           </a:p>
           <a:p>
-            <a:endParaRPr lang="fr-FR" sz="2800" dirty="0" smtClean="0">
-              <a:latin typeface="Arial" panose="020B0604020202020204" pitchFamily="34" charset="0"/>
-              <a:cs typeface="Arial" panose="020B0604020202020204" pitchFamily="34" charset="0"/>
-            </a:endParaRPr>
-          </a:p>
-          <a:p>
-            <a:endParaRPr lang="fr-FR" sz="2800" dirty="0" smtClean="0">
+            <a:endParaRPr lang="fr-FR" sz="2800" dirty="0">
               <a:latin typeface="Arial" panose="020B0604020202020204" pitchFamily="34" charset="0"/>
               <a:cs typeface="Arial" panose="020B0604020202020204" pitchFamily="34" charset="0"/>
             </a:endParaRPr>
@@ -5460,7 +5365,7 @@
           </a:p>
           <a:p>
             <a:r>
-              <a:rPr lang="fr-FR" sz="2800" dirty="0" smtClean="0">
+              <a:rPr lang="fr-FR" sz="2800" dirty="0">
                 <a:latin typeface="Arial" panose="020B0604020202020204" pitchFamily="34" charset="0"/>
                 <a:cs typeface="Arial" panose="020B0604020202020204" pitchFamily="34" charset="0"/>
               </a:rPr>
@@ -5469,7 +5374,7 @@
           </a:p>
           <a:p>
             <a:r>
-              <a:rPr lang="fr-FR" sz="2800" dirty="0" smtClean="0">
+              <a:rPr lang="fr-FR" sz="2800" dirty="0">
                 <a:latin typeface="Arial" panose="020B0604020202020204" pitchFamily="34" charset="0"/>
                 <a:cs typeface="Arial" panose="020B0604020202020204" pitchFamily="34" charset="0"/>
               </a:rPr>
@@ -5479,21 +5384,21 @@
           <a:p>
             <a:pPr lvl="1"/>
             <a:r>
-              <a:rPr lang="fr-FR" sz="2400" dirty="0" smtClean="0">
+              <a:rPr lang="fr-FR" sz="2400" dirty="0">
                 <a:latin typeface="Arial" panose="020B0604020202020204" pitchFamily="34" charset="0"/>
                 <a:cs typeface="Arial" panose="020B0604020202020204" pitchFamily="34" charset="0"/>
               </a:rPr>
               <a:t>Fonction </a:t>
             </a:r>
             <a:r>
-              <a:rPr lang="fr-FR" sz="2400" dirty="0" err="1" smtClean="0">
+              <a:rPr lang="fr-FR" sz="2400" dirty="0" err="1">
                 <a:latin typeface="Arial" panose="020B0604020202020204" pitchFamily="34" charset="0"/>
                 <a:cs typeface="Arial" panose="020B0604020202020204" pitchFamily="34" charset="0"/>
               </a:rPr>
               <a:t>astype</a:t>
             </a:r>
             <a:r>
-              <a:rPr lang="fr-FR" sz="2400" dirty="0" smtClean="0">
+              <a:rPr lang="fr-FR" sz="2400" dirty="0">
                 <a:latin typeface="Arial" panose="020B0604020202020204" pitchFamily="34" charset="0"/>
                 <a:cs typeface="Arial" panose="020B0604020202020204" pitchFamily="34" charset="0"/>
               </a:rPr>
@@ -5503,7 +5408,7 @@
           <a:p>
             <a:pPr lvl="1"/>
             <a:r>
-              <a:rPr lang="fr-FR" sz="2400" dirty="0" smtClean="0">
+              <a:rPr lang="fr-FR" sz="2400" dirty="0">
                 <a:latin typeface="Arial" panose="020B0604020202020204" pitchFamily="34" charset="0"/>
                 <a:cs typeface="Arial" panose="020B0604020202020204" pitchFamily="34" charset="0"/>
               </a:rPr>
@@ -5513,7 +5418,7 @@
           <a:p>
             <a:pPr lvl="1"/>
             <a:r>
-              <a:rPr lang="fr-FR" sz="2400" dirty="0" smtClean="0">
+              <a:rPr lang="fr-FR" sz="2400" dirty="0">
                 <a:latin typeface="Arial" panose="020B0604020202020204" pitchFamily="34" charset="0"/>
                 <a:cs typeface="Arial" panose="020B0604020202020204" pitchFamily="34" charset="0"/>
               </a:rPr>
@@ -5531,17 +5436,10 @@
                 <a:latin typeface="Arial" panose="020B0604020202020204" pitchFamily="34" charset="0"/>
                 <a:cs typeface="Arial" panose="020B0604020202020204" pitchFamily="34" charset="0"/>
               </a:rPr>
-              <a:t>() </a:t>
-            </a:r>
-            <a:r>
-              <a:rPr lang="fr-FR" sz="2400" dirty="0" smtClean="0">
-                <a:latin typeface="Arial" panose="020B0604020202020204" pitchFamily="34" charset="0"/>
-                <a:cs typeface="Arial" panose="020B0604020202020204" pitchFamily="34" charset="0"/>
-              </a:rPr>
-              <a:t>et </a:t>
-            </a:r>
-            <a:r>
-              <a:rPr lang="fr-FR" sz="2400" dirty="0" err="1" smtClean="0">
+              <a:t>() et </a:t>
+            </a:r>
+            <a:r>
+              <a:rPr lang="fr-FR" sz="2400" dirty="0" err="1">
                 <a:latin typeface="Arial" panose="020B0604020202020204" pitchFamily="34" charset="0"/>
                 <a:cs typeface="Arial" panose="020B0604020202020204" pitchFamily="34" charset="0"/>
               </a:rPr>
@@ -5554,24 +5452,20 @@
               </a:rPr>
               <a:t>()</a:t>
             </a:r>
-            <a:endParaRPr lang="fr-FR" sz="2400" dirty="0" smtClean="0">
+          </a:p>
+          <a:p>
+            <a:endParaRPr lang="fr-FR" sz="2800" dirty="0">
               <a:latin typeface="Arial" panose="020B0604020202020204" pitchFamily="34" charset="0"/>
               <a:cs typeface="Arial" panose="020B0604020202020204" pitchFamily="34" charset="0"/>
             </a:endParaRPr>
           </a:p>
           <a:p>
-            <a:endParaRPr lang="fr-FR" sz="2800" dirty="0" smtClean="0">
-              <a:latin typeface="Arial" panose="020B0604020202020204" pitchFamily="34" charset="0"/>
-              <a:cs typeface="Arial" panose="020B0604020202020204" pitchFamily="34" charset="0"/>
-            </a:endParaRPr>
-          </a:p>
-          <a:p>
             <a:pPr lvl="1"/>
             <a:endParaRPr lang="fr-FR" dirty="0"/>
           </a:p>
           <a:p>
             <a:pPr lvl="1"/>
-            <a:endParaRPr lang="fr-FR" dirty="0" smtClean="0"/>
+            <a:endParaRPr lang="fr-FR" dirty="0"/>
           </a:p>
           <a:p>
             <a:pPr lvl="1"/>
@@ -5579,13 +5473,13 @@
           </a:p>
           <a:p>
             <a:pPr lvl="1"/>
-            <a:endParaRPr lang="fr-FR" dirty="0" smtClean="0"/>
+            <a:endParaRPr lang="fr-FR" dirty="0"/>
           </a:p>
           <a:p>
             <a:pPr marL="457200" lvl="1" indent="0">
               <a:buNone/>
             </a:pPr>
-            <a:endParaRPr lang="fr-FR" dirty="0" smtClean="0"/>
+            <a:endParaRPr lang="fr-FR" dirty="0"/>
           </a:p>
         </p:txBody>
       </p:sp>
@@ -5629,13 +5523,6 @@
   <p:clrMapOvr>
     <a:masterClrMapping/>
   </p:clrMapOvr>
-  <p:timing>
-    <p:tnLst>
-      <p:par>
-        <p:cTn id="1" dur="indefinite" restart="never" nodeType="tmRoot"/>
-      </p:par>
-    </p:tnLst>
-  </p:timing>
 </p:sld>
 </file>
 
@@ -5685,19 +5572,8 @@
                 <a:latin typeface="Arial" panose="020B0604020202020204" pitchFamily="34" charset="0"/>
                 <a:cs typeface="Arial" panose="020B0604020202020204" pitchFamily="34" charset="0"/>
               </a:rPr>
-              <a:t> data préparation </a:t>
-            </a:r>
-            <a:r>
-              <a:rPr lang="fr-FR" sz="3200" b="1" dirty="0" smtClean="0">
-                <a:latin typeface="Arial" panose="020B0604020202020204" pitchFamily="34" charset="0"/>
-                <a:cs typeface="Arial" panose="020B0604020202020204" pitchFamily="34" charset="0"/>
-              </a:rPr>
-              <a:t>: valeurs manquantes (1)</a:t>
-            </a:r>
-            <a:endParaRPr lang="fr-FR" sz="3200" b="1" dirty="0">
-              <a:latin typeface="Arial" panose="020B0604020202020204" pitchFamily="34" charset="0"/>
-              <a:cs typeface="Arial" panose="020B0604020202020204" pitchFamily="34" charset="0"/>
-            </a:endParaRPr>
+              <a:t> data préparation : valeurs manquantes (1)</a:t>
+            </a:r>
           </a:p>
         </p:txBody>
       </p:sp>
@@ -5724,27 +5600,13 @@
           <a:lstStyle/>
           <a:p>
             <a:r>
-              <a:rPr lang="en-US" sz="3000" b="1" dirty="0" smtClean="0">
-                <a:latin typeface="Arial" panose="020B0604020202020204" pitchFamily="34" charset="0"/>
-                <a:cs typeface="Arial" panose="020B0604020202020204" pitchFamily="34" charset="0"/>
-              </a:rPr>
-              <a:t>Missing </a:t>
-            </a:r>
-            <a:r>
               <a:rPr lang="en-US" sz="3000" b="1" dirty="0">
                 <a:latin typeface="Arial" panose="020B0604020202020204" pitchFamily="34" charset="0"/>
                 <a:cs typeface="Arial" panose="020B0604020202020204" pitchFamily="34" charset="0"/>
               </a:rPr>
-              <a:t>completely at random (MCAR</a:t>
-            </a:r>
-            <a:r>
-              <a:rPr lang="en-US" sz="3000" b="1" dirty="0" smtClean="0">
-                <a:latin typeface="Arial" panose="020B0604020202020204" pitchFamily="34" charset="0"/>
-                <a:cs typeface="Arial" panose="020B0604020202020204" pitchFamily="34" charset="0"/>
-              </a:rPr>
-              <a:t>) </a:t>
-            </a:r>
-            <a:endParaRPr lang="fr-FR" sz="3000" b="1" dirty="0" smtClean="0">
+              <a:t>Missing completely at random (MCAR) </a:t>
+            </a:r>
+            <a:endParaRPr lang="fr-FR" sz="3000" b="1" dirty="0">
               <a:latin typeface="Arial" panose="020B0604020202020204" pitchFamily="34" charset="0"/>
               <a:cs typeface="Arial" panose="020B0604020202020204" pitchFamily="34" charset="0"/>
             </a:endParaRPr>
@@ -5754,25 +5616,11 @@
               <a:buNone/>
             </a:pPr>
             <a:r>
-              <a:rPr lang="fr-FR" sz="3000" dirty="0" smtClean="0">
-                <a:latin typeface="Arial" panose="020B0604020202020204" pitchFamily="34" charset="0"/>
-                <a:cs typeface="Arial" panose="020B0604020202020204" pitchFamily="34" charset="0"/>
-              </a:rPr>
-              <a:t>probabilité </a:t>
-            </a:r>
-            <a:r>
               <a:rPr lang="fr-FR" sz="3000" dirty="0">
                 <a:latin typeface="Arial" panose="020B0604020202020204" pitchFamily="34" charset="0"/>
                 <a:cs typeface="Arial" panose="020B0604020202020204" pitchFamily="34" charset="0"/>
               </a:rPr>
-              <a:t>d’absence de la valeur d’une variable </a:t>
-            </a:r>
-            <a:r>
-              <a:rPr lang="fr-FR" sz="3000" dirty="0" smtClean="0">
-                <a:latin typeface="Arial" panose="020B0604020202020204" pitchFamily="34" charset="0"/>
-                <a:cs typeface="Arial" panose="020B0604020202020204" pitchFamily="34" charset="0"/>
-              </a:rPr>
-              <a:t>indépendant des valeurs des variables observées comme inobservées</a:t>
+              <a:t>probabilité d’absence de la valeur d’une variable indépendant des valeurs des variables observées comme inobservées</a:t>
             </a:r>
             <a:endParaRPr lang="en-US" sz="3000" dirty="0">
               <a:latin typeface="Arial" panose="020B0604020202020204" pitchFamily="34" charset="0"/>
@@ -5781,25 +5629,18 @@
           </a:p>
           <a:p>
             <a:r>
-              <a:rPr lang="fr-FR" sz="3000" b="1" dirty="0" err="1" smtClean="0">
+              <a:rPr lang="fr-FR" sz="3000" b="1" dirty="0" err="1">
                 <a:latin typeface="Arial" panose="020B0604020202020204" pitchFamily="34" charset="0"/>
                 <a:cs typeface="Arial" panose="020B0604020202020204" pitchFamily="34" charset="0"/>
               </a:rPr>
               <a:t>Missing</a:t>
             </a:r>
             <a:r>
-              <a:rPr lang="fr-FR" sz="3000" b="1" dirty="0" smtClean="0">
-                <a:latin typeface="Arial" panose="020B0604020202020204" pitchFamily="34" charset="0"/>
-                <a:cs typeface="Arial" panose="020B0604020202020204" pitchFamily="34" charset="0"/>
-              </a:rPr>
-              <a:t> </a:t>
-            </a:r>
-            <a:r>
               <a:rPr lang="fr-FR" sz="3000" b="1" dirty="0">
                 <a:latin typeface="Arial" panose="020B0604020202020204" pitchFamily="34" charset="0"/>
                 <a:cs typeface="Arial" panose="020B0604020202020204" pitchFamily="34" charset="0"/>
               </a:rPr>
-              <a:t>at </a:t>
+              <a:t> at </a:t>
             </a:r>
             <a:r>
               <a:rPr lang="fr-FR" sz="3000" b="1" dirty="0" err="1">
@@ -5813,14 +5654,7 @@
                 <a:latin typeface="Arial" panose="020B0604020202020204" pitchFamily="34" charset="0"/>
                 <a:cs typeface="Arial" panose="020B0604020202020204" pitchFamily="34" charset="0"/>
               </a:rPr>
-              <a:t> (MAR</a:t>
-            </a:r>
-            <a:r>
-              <a:rPr lang="fr-FR" sz="3000" b="1" dirty="0" smtClean="0">
-                <a:latin typeface="Arial" panose="020B0604020202020204" pitchFamily="34" charset="0"/>
-                <a:cs typeface="Arial" panose="020B0604020202020204" pitchFamily="34" charset="0"/>
-              </a:rPr>
-              <a:t>) </a:t>
+              <a:t> (MAR) </a:t>
             </a:r>
           </a:p>
           <a:p>
@@ -5828,30 +5662,16 @@
               <a:buNone/>
             </a:pPr>
             <a:r>
-              <a:rPr lang="fr-FR" sz="3000" dirty="0" smtClean="0">
-                <a:latin typeface="Arial" panose="020B0604020202020204" pitchFamily="34" charset="0"/>
-                <a:cs typeface="Arial" panose="020B0604020202020204" pitchFamily="34" charset="0"/>
-              </a:rPr>
-              <a:t>probabilité </a:t>
-            </a:r>
-            <a:r>
               <a:rPr lang="fr-FR" sz="3000" dirty="0">
                 <a:latin typeface="Arial" panose="020B0604020202020204" pitchFamily="34" charset="0"/>
                 <a:cs typeface="Arial" panose="020B0604020202020204" pitchFamily="34" charset="0"/>
               </a:rPr>
-              <a:t>d’absence de la valeur d’une variable dépend des valeurs prises par d’autres variables qui ont été </a:t>
-            </a:r>
-            <a:r>
-              <a:rPr lang="fr-FR" sz="3000" dirty="0" smtClean="0">
-                <a:latin typeface="Arial" panose="020B0604020202020204" pitchFamily="34" charset="0"/>
-                <a:cs typeface="Arial" panose="020B0604020202020204" pitchFamily="34" charset="0"/>
-              </a:rPr>
-              <a:t>observées.</a:t>
-            </a:r>
-          </a:p>
-          <a:p>
-            <a:r>
-              <a:rPr lang="fr-FR" sz="3000" b="1" dirty="0" smtClean="0">
+              <a:t>probabilité d’absence de la valeur d’une variable dépend des valeurs prises par d’autres variables qui ont été observées.</a:t>
+            </a:r>
+          </a:p>
+          <a:p>
+            <a:r>
+              <a:rPr lang="fr-FR" sz="3000" b="1" dirty="0">
                 <a:latin typeface="Arial" panose="020B0604020202020204" pitchFamily="34" charset="0"/>
                 <a:cs typeface="Arial" panose="020B0604020202020204" pitchFamily="34" charset="0"/>
               </a:rPr>
@@ -5883,14 +5703,7 @@
                 <a:latin typeface="Arial" panose="020B0604020202020204" pitchFamily="34" charset="0"/>
                 <a:cs typeface="Arial" panose="020B0604020202020204" pitchFamily="34" charset="0"/>
               </a:rPr>
-              <a:t> (NMAR</a:t>
-            </a:r>
-            <a:r>
-              <a:rPr lang="fr-FR" sz="3000" b="1" dirty="0" smtClean="0">
-                <a:latin typeface="Arial" panose="020B0604020202020204" pitchFamily="34" charset="0"/>
-                <a:cs typeface="Arial" panose="020B0604020202020204" pitchFamily="34" charset="0"/>
-              </a:rPr>
-              <a:t>) </a:t>
+              <a:t> (NMAR) </a:t>
             </a:r>
           </a:p>
           <a:p>
@@ -5898,25 +5711,18 @@
               <a:buNone/>
             </a:pPr>
             <a:r>
-              <a:rPr lang="fr-FR" sz="3000" dirty="0" smtClean="0">
-                <a:latin typeface="Arial" panose="020B0604020202020204" pitchFamily="34" charset="0"/>
-                <a:cs typeface="Arial" panose="020B0604020202020204" pitchFamily="34" charset="0"/>
-              </a:rPr>
-              <a:t>probabilité </a:t>
-            </a:r>
-            <a:r>
               <a:rPr lang="fr-FR" sz="3000" dirty="0">
                 <a:latin typeface="Arial" panose="020B0604020202020204" pitchFamily="34" charset="0"/>
                 <a:cs typeface="Arial" panose="020B0604020202020204" pitchFamily="34" charset="0"/>
               </a:rPr>
-              <a:t>d’absence de la valeur d’une variable dépend de variables qui n’ont pas été observées</a:t>
+              <a:t>probabilité d’absence de la valeur d’une variable dépend de variables qui n’ont pas été observées</a:t>
             </a:r>
           </a:p>
           <a:p>
             <a:pPr marL="457200" lvl="1" indent="0">
               <a:buNone/>
             </a:pPr>
-            <a:endParaRPr lang="fr-FR" dirty="0" smtClean="0"/>
+            <a:endParaRPr lang="fr-FR" dirty="0"/>
           </a:p>
           <a:p>
             <a:pPr marL="0" indent="0">
@@ -5936,13 +5742,6 @@
   <p:clrMapOvr>
     <a:masterClrMapping/>
   </p:clrMapOvr>
-  <p:timing>
-    <p:tnLst>
-      <p:par>
-        <p:cTn id="1" dur="indefinite" restart="never" nodeType="tmRoot"/>
-      </p:par>
-    </p:tnLst>
-  </p:timing>
 </p:sld>
 </file>
 
@@ -5992,14 +5791,7 @@
                 <a:latin typeface="Arial" panose="020B0604020202020204" pitchFamily="34" charset="0"/>
                 <a:cs typeface="Arial" panose="020B0604020202020204" pitchFamily="34" charset="0"/>
               </a:rPr>
-              <a:t> data préparation : valeurs manquantes </a:t>
-            </a:r>
-            <a:r>
-              <a:rPr lang="fr-FR" sz="3200" b="1" dirty="0" smtClean="0">
-                <a:latin typeface="Arial" panose="020B0604020202020204" pitchFamily="34" charset="0"/>
-                <a:cs typeface="Arial" panose="020B0604020202020204" pitchFamily="34" charset="0"/>
-              </a:rPr>
-              <a:t>(2)</a:t>
+              <a:t> data préparation : valeurs manquantes (2)</a:t>
             </a:r>
             <a:endParaRPr lang="fr-FR" sz="3200" dirty="0"/>
           </a:p>
@@ -6021,7 +5813,7 @@
           <a:lstStyle/>
           <a:p>
             <a:r>
-              <a:rPr lang="fr-FR" dirty="0" smtClean="0">
+              <a:rPr lang="fr-FR" dirty="0">
                 <a:latin typeface="Arial" panose="020B0604020202020204" pitchFamily="34" charset="0"/>
                 <a:cs typeface="Arial" panose="020B0604020202020204" pitchFamily="34" charset="0"/>
               </a:rPr>
@@ -6031,55 +5823,27 @@
           <a:p>
             <a:pPr lvl="1"/>
             <a:r>
-              <a:rPr lang="fr-FR" dirty="0" smtClean="0">
-                <a:latin typeface="Arial" panose="020B0604020202020204" pitchFamily="34" charset="0"/>
-                <a:cs typeface="Arial" panose="020B0604020202020204" pitchFamily="34" charset="0"/>
-              </a:rPr>
-              <a:t>Imputation par </a:t>
-            </a:r>
-            <a:r>
               <a:rPr lang="fr-FR" dirty="0">
                 <a:latin typeface="Arial" panose="020B0604020202020204" pitchFamily="34" charset="0"/>
                 <a:cs typeface="Arial" panose="020B0604020202020204" pitchFamily="34" charset="0"/>
               </a:rPr>
-              <a:t>la </a:t>
-            </a:r>
-            <a:r>
-              <a:rPr lang="fr-FR" dirty="0" smtClean="0">
-                <a:latin typeface="Arial" panose="020B0604020202020204" pitchFamily="34" charset="0"/>
-                <a:cs typeface="Arial" panose="020B0604020202020204" pitchFamily="34" charset="0"/>
-              </a:rPr>
-              <a:t>moyenne ou la médiane</a:t>
+              <a:t>Imputation par la moyenne ou la médiane</a:t>
             </a:r>
           </a:p>
           <a:p>
             <a:pPr lvl="1"/>
             <a:r>
-              <a:rPr lang="fr-FR" dirty="0" smtClean="0">
-                <a:latin typeface="Arial" panose="020B0604020202020204" pitchFamily="34" charset="0"/>
-                <a:cs typeface="Arial" panose="020B0604020202020204" pitchFamily="34" charset="0"/>
-              </a:rPr>
-              <a:t>Imputation </a:t>
-            </a:r>
-            <a:r>
               <a:rPr lang="fr-FR" dirty="0">
                 <a:latin typeface="Arial" panose="020B0604020202020204" pitchFamily="34" charset="0"/>
                 <a:cs typeface="Arial" panose="020B0604020202020204" pitchFamily="34" charset="0"/>
               </a:rPr>
-              <a:t>par </a:t>
-            </a:r>
-            <a:r>
-              <a:rPr lang="fr-FR" dirty="0" smtClean="0">
-                <a:latin typeface="Arial" panose="020B0604020202020204" pitchFamily="34" charset="0"/>
-                <a:cs typeface="Arial" panose="020B0604020202020204" pitchFamily="34" charset="0"/>
-              </a:rPr>
-              <a:t>la valeur la plus fréquente </a:t>
+              <a:t>Imputation par la valeur la plus fréquente </a:t>
             </a:r>
           </a:p>
           <a:p>
             <a:pPr lvl="1"/>
             <a:r>
-              <a:rPr lang="fr-FR" dirty="0" smtClean="0">
+              <a:rPr lang="fr-FR" dirty="0">
                 <a:latin typeface="Arial" panose="020B0604020202020204" pitchFamily="34" charset="0"/>
                 <a:cs typeface="Arial" panose="020B0604020202020204" pitchFamily="34" charset="0"/>
               </a:rPr>
@@ -6088,14 +5852,14 @@
           </a:p>
           <a:p>
             <a:r>
-              <a:rPr lang="fr-FR" dirty="0" smtClean="0">
+              <a:rPr lang="fr-FR" dirty="0">
                 <a:latin typeface="Arial" panose="020B0604020202020204" pitchFamily="34" charset="0"/>
                 <a:cs typeface="Arial" panose="020B0604020202020204" pitchFamily="34" charset="0"/>
               </a:rPr>
               <a:t>Méthodes plus sérieuses : librairies </a:t>
             </a:r>
             <a:r>
-              <a:rPr lang="fr-FR" dirty="0" smtClean="0">
+              <a:rPr lang="fr-FR" dirty="0">
                 <a:latin typeface="Arial" panose="020B0604020202020204" pitchFamily="34" charset="0"/>
                 <a:cs typeface="Arial" panose="020B0604020202020204" pitchFamily="34" charset="0"/>
                 <a:hlinkClick r:id="rId2"/>
@@ -6103,18 +5867,11 @@
               <a:t>fancyimpute</a:t>
             </a:r>
             <a:r>
-              <a:rPr lang="fr-FR" dirty="0" smtClean="0">
-                <a:latin typeface="Arial" panose="020B0604020202020204" pitchFamily="34" charset="0"/>
-                <a:cs typeface="Arial" panose="020B0604020202020204" pitchFamily="34" charset="0"/>
-              </a:rPr>
-              <a:t>,</a:t>
-            </a:r>
-            <a:r>
               <a:rPr lang="fr-FR" dirty="0">
                 <a:latin typeface="Arial" panose="020B0604020202020204" pitchFamily="34" charset="0"/>
                 <a:cs typeface="Arial" panose="020B0604020202020204" pitchFamily="34" charset="0"/>
               </a:rPr>
-              <a:t> </a:t>
+              <a:t>, </a:t>
             </a:r>
             <a:r>
               <a:rPr lang="fr-FR" dirty="0">
@@ -6134,7 +5891,7 @@
             <a:endParaRPr lang="fr-FR" dirty="0"/>
           </a:p>
           <a:p>
-            <a:endParaRPr lang="fr-FR" dirty="0" smtClean="0"/>
+            <a:endParaRPr lang="fr-FR" dirty="0"/>
           </a:p>
           <a:p>
             <a:pPr lvl="1"/>
@@ -6201,14 +5958,7 @@
                 <a:latin typeface="Arial" panose="020B0604020202020204" pitchFamily="34" charset="0"/>
                 <a:cs typeface="Arial" panose="020B0604020202020204" pitchFamily="34" charset="0"/>
               </a:rPr>
-              <a:t> data préparation </a:t>
-            </a:r>
-            <a:r>
-              <a:rPr lang="fr-FR" sz="3200" b="1" dirty="0" smtClean="0">
-                <a:latin typeface="Arial" panose="020B0604020202020204" pitchFamily="34" charset="0"/>
-                <a:cs typeface="Arial" panose="020B0604020202020204" pitchFamily="34" charset="0"/>
-              </a:rPr>
-              <a:t>: traitement données</a:t>
+              <a:t> data préparation : traitement données</a:t>
             </a:r>
             <a:endParaRPr lang="fr-FR" sz="3200" dirty="0"/>
           </a:p>
@@ -6237,7 +5987,7 @@
           <a:lstStyle/>
           <a:p>
             <a:r>
-              <a:rPr lang="fr-FR" dirty="0" smtClean="0">
+              <a:rPr lang="fr-FR" dirty="0">
                 <a:latin typeface="Arial" panose="020B0604020202020204" pitchFamily="34" charset="0"/>
                 <a:cs typeface="Arial" panose="020B0604020202020204" pitchFamily="34" charset="0"/>
               </a:rPr>
@@ -6246,7 +5996,7 @@
           </a:p>
           <a:p>
             <a:r>
-              <a:rPr lang="fr-FR" dirty="0" smtClean="0">
+              <a:rPr lang="fr-FR" dirty="0">
                 <a:latin typeface="Arial" panose="020B0604020202020204" pitchFamily="34" charset="0"/>
                 <a:cs typeface="Arial" panose="020B0604020202020204" pitchFamily="34" charset="0"/>
               </a:rPr>
@@ -6255,63 +6005,63 @@
           </a:p>
           <a:p>
             <a:r>
-              <a:rPr lang="fr-FR" dirty="0" smtClean="0">
+              <a:rPr lang="fr-FR" dirty="0">
                 <a:latin typeface="Arial" panose="020B0604020202020204" pitchFamily="34" charset="0"/>
                 <a:cs typeface="Arial" panose="020B0604020202020204" pitchFamily="34" charset="0"/>
               </a:rPr>
               <a:t>Sélection/</a:t>
             </a:r>
             <a:r>
-              <a:rPr lang="fr-FR" dirty="0" err="1" smtClean="0">
+              <a:rPr lang="fr-FR" dirty="0" err="1">
                 <a:latin typeface="Arial" panose="020B0604020202020204" pitchFamily="34" charset="0"/>
                 <a:cs typeface="Arial" panose="020B0604020202020204" pitchFamily="34" charset="0"/>
               </a:rPr>
               <a:t>slicing</a:t>
             </a:r>
             <a:r>
-              <a:rPr lang="fr-FR" dirty="0" smtClean="0">
+              <a:rPr lang="fr-FR" dirty="0">
                 <a:latin typeface="Arial" panose="020B0604020202020204" pitchFamily="34" charset="0"/>
                 <a:cs typeface="Arial" panose="020B0604020202020204" pitchFamily="34" charset="0"/>
               </a:rPr>
               <a:t> comme avec </a:t>
             </a:r>
             <a:r>
-              <a:rPr lang="fr-FR" dirty="0" err="1" smtClean="0">
+              <a:rPr lang="fr-FR" dirty="0" err="1">
                 <a:latin typeface="Arial" panose="020B0604020202020204" pitchFamily="34" charset="0"/>
                 <a:cs typeface="Arial" panose="020B0604020202020204" pitchFamily="34" charset="0"/>
               </a:rPr>
               <a:t>numpy</a:t>
             </a:r>
             <a:r>
-              <a:rPr lang="fr-FR" dirty="0" smtClean="0">
+              <a:rPr lang="fr-FR" dirty="0">
                 <a:latin typeface="Arial" panose="020B0604020202020204" pitchFamily="34" charset="0"/>
                 <a:cs typeface="Arial" panose="020B0604020202020204" pitchFamily="34" charset="0"/>
               </a:rPr>
               <a:t> avec </a:t>
             </a:r>
             <a:r>
-              <a:rPr lang="fr-FR" dirty="0" err="1" smtClean="0">
+              <a:rPr lang="fr-FR" dirty="0" err="1">
                 <a:latin typeface="Arial" panose="020B0604020202020204" pitchFamily="34" charset="0"/>
                 <a:cs typeface="Arial" panose="020B0604020202020204" pitchFamily="34" charset="0"/>
               </a:rPr>
               <a:t>loc</a:t>
             </a:r>
             <a:r>
-              <a:rPr lang="fr-FR" dirty="0" smtClean="0">
+              <a:rPr lang="fr-FR" dirty="0">
                 <a:latin typeface="Arial" panose="020B0604020202020204" pitchFamily="34" charset="0"/>
                 <a:cs typeface="Arial" panose="020B0604020202020204" pitchFamily="34" charset="0"/>
               </a:rPr>
               <a:t>/</a:t>
             </a:r>
             <a:r>
-              <a:rPr lang="fr-FR" dirty="0" err="1" smtClean="0">
+              <a:rPr lang="fr-FR" dirty="0" err="1">
                 <a:latin typeface="Arial" panose="020B0604020202020204" pitchFamily="34" charset="0"/>
                 <a:cs typeface="Arial" panose="020B0604020202020204" pitchFamily="34" charset="0"/>
               </a:rPr>
               <a:t>iloc</a:t>
             </a:r>
             <a:r>
-              <a:rPr lang="fr-FR" dirty="0" smtClean="0">
+              <a:rPr lang="fr-FR" dirty="0">
                 <a:latin typeface="Arial" panose="020B0604020202020204" pitchFamily="34" charset="0"/>
                 <a:cs typeface="Arial" panose="020B0604020202020204" pitchFamily="34" charset="0"/>
               </a:rPr>
@@ -6320,7 +6070,7 @@
           </a:p>
           <a:p>
             <a:r>
-              <a:rPr lang="fr-FR" dirty="0" smtClean="0">
+              <a:rPr lang="fr-FR" dirty="0">
                 <a:latin typeface="Arial" panose="020B0604020202020204" pitchFamily="34" charset="0"/>
                 <a:cs typeface="Arial" panose="020B0604020202020204" pitchFamily="34" charset="0"/>
               </a:rPr>
@@ -6329,7 +6079,7 @@
           </a:p>
           <a:p>
             <a:r>
-              <a:rPr lang="fr-FR" dirty="0" smtClean="0">
+              <a:rPr lang="fr-FR" dirty="0">
                 <a:latin typeface="Arial" panose="020B0604020202020204" pitchFamily="34" charset="0"/>
                 <a:cs typeface="Arial" panose="020B0604020202020204" pitchFamily="34" charset="0"/>
               </a:rPr>
@@ -6338,27 +6088,27 @@
           </a:p>
           <a:p>
             <a:r>
-              <a:rPr lang="fr-FR" dirty="0" smtClean="0">
+              <a:rPr lang="fr-FR" dirty="0">
                 <a:latin typeface="Arial" panose="020B0604020202020204" pitchFamily="34" charset="0"/>
                 <a:cs typeface="Arial" panose="020B0604020202020204" pitchFamily="34" charset="0"/>
               </a:rPr>
               <a:t>Concaténer des </a:t>
             </a:r>
             <a:r>
-              <a:rPr lang="fr-FR" dirty="0" err="1" smtClean="0">
+              <a:rPr lang="fr-FR" dirty="0" err="1">
                 <a:latin typeface="Arial" panose="020B0604020202020204" pitchFamily="34" charset="0"/>
                 <a:cs typeface="Arial" panose="020B0604020202020204" pitchFamily="34" charset="0"/>
               </a:rPr>
               <a:t>dataframes</a:t>
             </a:r>
-            <a:endParaRPr lang="fr-FR" dirty="0" smtClean="0">
+            <a:endParaRPr lang="fr-FR" dirty="0">
               <a:latin typeface="Arial" panose="020B0604020202020204" pitchFamily="34" charset="0"/>
               <a:cs typeface="Arial" panose="020B0604020202020204" pitchFamily="34" charset="0"/>
             </a:endParaRPr>
           </a:p>
           <a:p>
             <a:r>
-              <a:rPr lang="fr-FR" dirty="0" smtClean="0">
+              <a:rPr lang="fr-FR" dirty="0">
                 <a:latin typeface="Arial" panose="020B0604020202020204" pitchFamily="34" charset="0"/>
                 <a:cs typeface="Arial" panose="020B0604020202020204" pitchFamily="34" charset="0"/>
               </a:rPr>
@@ -6437,19 +6187,8 @@
                 <a:latin typeface="Arial" panose="020B0604020202020204" pitchFamily="34" charset="0"/>
                 <a:cs typeface="Arial" panose="020B0604020202020204" pitchFamily="34" charset="0"/>
               </a:rPr>
-              <a:t> data préparation </a:t>
-            </a:r>
-            <a:r>
-              <a:rPr lang="fr-FR" sz="3200" b="1" dirty="0" smtClean="0">
-                <a:latin typeface="Arial" panose="020B0604020202020204" pitchFamily="34" charset="0"/>
-                <a:cs typeface="Arial" panose="020B0604020202020204" pitchFamily="34" charset="0"/>
-              </a:rPr>
-              <a:t>: jointures</a:t>
-            </a:r>
-            <a:endParaRPr lang="fr-FR" sz="3200" b="1" dirty="0">
-              <a:latin typeface="Arial" panose="020B0604020202020204" pitchFamily="34" charset="0"/>
-              <a:cs typeface="Arial" panose="020B0604020202020204" pitchFamily="34" charset="0"/>
-            </a:endParaRPr>
+              <a:t> data préparation : jointures</a:t>
+            </a:r>
           </a:p>
         </p:txBody>
       </p:sp>
@@ -6642,30 +6381,26 @@
           <a:lstStyle/>
           <a:p>
             <a:r>
-              <a:rPr lang="fr-FR" b="1" dirty="0" smtClean="0">
+              <a:rPr lang="fr-FR" b="1" dirty="0">
                 <a:latin typeface="Arial" panose="020B0604020202020204" pitchFamily="34" charset="0"/>
                 <a:cs typeface="Arial" panose="020B0604020202020204" pitchFamily="34" charset="0"/>
               </a:rPr>
               <a:t>how=</a:t>
             </a:r>
             <a:r>
-              <a:rPr lang="fr-FR" b="1" dirty="0" err="1" smtClean="0">
+              <a:rPr lang="fr-FR" b="1" dirty="0" err="1">
                 <a:latin typeface="Arial" panose="020B0604020202020204" pitchFamily="34" charset="0"/>
                 <a:cs typeface="Arial" panose="020B0604020202020204" pitchFamily="34" charset="0"/>
               </a:rPr>
               <a:t>left</a:t>
             </a:r>
             <a:r>
-              <a:rPr lang="fr-FR" b="1" dirty="0" smtClean="0">
+              <a:rPr lang="fr-FR" b="1" dirty="0">
                 <a:latin typeface="Arial" panose="020B0604020202020204" pitchFamily="34" charset="0"/>
                 <a:cs typeface="Arial" panose="020B0604020202020204" pitchFamily="34" charset="0"/>
               </a:rPr>
               <a:t>'</a:t>
             </a:r>
-            <a:endParaRPr lang="fr-FR" b="1" dirty="0">
-              <a:latin typeface="Arial" panose="020B0604020202020204" pitchFamily="34" charset="0"/>
-              <a:cs typeface="Arial" panose="020B0604020202020204" pitchFamily="34" charset="0"/>
-            </a:endParaRPr>
           </a:p>
         </p:txBody>
       </p:sp>
@@ -6692,16 +6427,12 @@
           <a:lstStyle/>
           <a:p>
             <a:r>
-              <a:rPr lang="fr-FR" b="1" dirty="0" smtClean="0">
+              <a:rPr lang="fr-FR" b="1" dirty="0">
                 <a:latin typeface="Arial" panose="020B0604020202020204" pitchFamily="34" charset="0"/>
                 <a:cs typeface="Arial" panose="020B0604020202020204" pitchFamily="34" charset="0"/>
               </a:rPr>
               <a:t>how=right'</a:t>
             </a:r>
-            <a:endParaRPr lang="fr-FR" b="1" dirty="0">
-              <a:latin typeface="Arial" panose="020B0604020202020204" pitchFamily="34" charset="0"/>
-              <a:cs typeface="Arial" panose="020B0604020202020204" pitchFamily="34" charset="0"/>
-            </a:endParaRPr>
           </a:p>
         </p:txBody>
       </p:sp>
@@ -6732,33 +6463,22 @@
                 <a:latin typeface="Arial" panose="020B0604020202020204" pitchFamily="34" charset="0"/>
                 <a:cs typeface="Arial" panose="020B0604020202020204" pitchFamily="34" charset="0"/>
               </a:rPr>
-              <a:t>how</a:t>
-            </a:r>
-            <a:r>
-              <a:rPr lang="fr-FR" b="1" dirty="0" smtClean="0">
-                <a:latin typeface="Arial" panose="020B0604020202020204" pitchFamily="34" charset="0"/>
-                <a:cs typeface="Arial" panose="020B0604020202020204" pitchFamily="34" charset="0"/>
-              </a:rPr>
-              <a:t>=‘</a:t>
-            </a:r>
-            <a:r>
-              <a:rPr lang="fr-FR" b="1" dirty="0" err="1" smtClean="0">
+              <a:t>how=‘</a:t>
+            </a:r>
+            <a:r>
+              <a:rPr lang="fr-FR" b="1" dirty="0" err="1">
                 <a:latin typeface="Arial" panose="020B0604020202020204" pitchFamily="34" charset="0"/>
                 <a:cs typeface="Arial" panose="020B0604020202020204" pitchFamily="34" charset="0"/>
               </a:rPr>
               <a:t>outer</a:t>
             </a:r>
             <a:r>
-              <a:rPr lang="fr-FR" b="1" dirty="0" smtClean="0">
+              <a:rPr lang="fr-FR" b="1" dirty="0">
                 <a:latin typeface="Arial" panose="020B0604020202020204" pitchFamily="34" charset="0"/>
                 <a:cs typeface="Arial" panose="020B0604020202020204" pitchFamily="34" charset="0"/>
               </a:rPr>
               <a:t>'</a:t>
             </a:r>
-            <a:endParaRPr lang="fr-FR" b="1" dirty="0">
-              <a:latin typeface="Arial" panose="020B0604020202020204" pitchFamily="34" charset="0"/>
-              <a:cs typeface="Arial" panose="020B0604020202020204" pitchFamily="34" charset="0"/>
-            </a:endParaRPr>
           </a:p>
         </p:txBody>
       </p:sp>
@@ -6810,16 +6530,12 @@
           <a:lstStyle/>
           <a:p>
             <a:r>
-              <a:rPr lang="fr-FR" sz="3200" b="1" dirty="0" smtClean="0">
+              <a:rPr lang="fr-FR" sz="3200" b="1" dirty="0">
                 <a:latin typeface="Arial" panose="020B0604020202020204" pitchFamily="34" charset="0"/>
                 <a:cs typeface="Arial" panose="020B0604020202020204" pitchFamily="34" charset="0"/>
               </a:rPr>
               <a:t>Imports/exports/sauvegardes</a:t>
             </a:r>
-            <a:endParaRPr lang="fr-FR" sz="3200" b="1" dirty="0">
-              <a:latin typeface="Arial" panose="020B0604020202020204" pitchFamily="34" charset="0"/>
-              <a:cs typeface="Arial" panose="020B0604020202020204" pitchFamily="34" charset="0"/>
-            </a:endParaRPr>
           </a:p>
         </p:txBody>
       </p:sp>
@@ -6841,7 +6557,7 @@
           <a:lstStyle/>
           <a:p>
             <a:r>
-              <a:rPr lang="fr-FR" dirty="0" smtClean="0">
+              <a:rPr lang="fr-FR" dirty="0">
                 <a:latin typeface="Arial" panose="020B0604020202020204" pitchFamily="34" charset="0"/>
                 <a:cs typeface="Arial" panose="020B0604020202020204" pitchFamily="34" charset="0"/>
               </a:rPr>
@@ -6851,7 +6567,7 @@
           <a:p>
             <a:pPr lvl="1"/>
             <a:r>
-              <a:rPr lang="fr-FR" dirty="0" smtClean="0">
+              <a:rPr lang="fr-FR" dirty="0">
                 <a:latin typeface="Arial" panose="020B0604020202020204" pitchFamily="34" charset="0"/>
                 <a:cs typeface="Arial" panose="020B0604020202020204" pitchFamily="34" charset="0"/>
               </a:rPr>
@@ -6861,7 +6577,7 @@
           <a:p>
             <a:pPr lvl="1"/>
             <a:r>
-              <a:rPr lang="fr-FR" dirty="0" smtClean="0">
+              <a:rPr lang="fr-FR" dirty="0">
                 <a:latin typeface="Arial" panose="020B0604020202020204" pitchFamily="34" charset="0"/>
                 <a:cs typeface="Arial" panose="020B0604020202020204" pitchFamily="34" charset="0"/>
               </a:rPr>
@@ -6871,100 +6587,96 @@
           <a:p>
             <a:pPr lvl="1"/>
             <a:r>
-              <a:rPr lang="fr-FR" dirty="0" smtClean="0">
+              <a:rPr lang="fr-FR" dirty="0">
                 <a:latin typeface="Arial" panose="020B0604020202020204" pitchFamily="34" charset="0"/>
                 <a:cs typeface="Arial" panose="020B0604020202020204" pitchFamily="34" charset="0"/>
               </a:rPr>
               <a:t>Et </a:t>
             </a:r>
             <a:r>
-              <a:rPr lang="fr-FR" dirty="0" smtClean="0">
+              <a:rPr lang="fr-FR" dirty="0">
                 <a:latin typeface="Arial" panose="020B0604020202020204" pitchFamily="34" charset="0"/>
                 <a:cs typeface="Arial" panose="020B0604020202020204" pitchFamily="34" charset="0"/>
                 <a:hlinkClick r:id="rId2"/>
               </a:rPr>
               <a:t>possible de faire exports/imports depuis base de données (table ou requête SQL).</a:t>
-            </a:r>
-            <a:endParaRPr lang="fr-FR" dirty="0" smtClean="0">
-              <a:latin typeface="Arial" panose="020B0604020202020204" pitchFamily="34" charset="0"/>
-              <a:cs typeface="Arial" panose="020B0604020202020204" pitchFamily="34" charset="0"/>
-            </a:endParaRPr>
-          </a:p>
-          <a:p>
-            <a:r>
-              <a:rPr lang="fr-FR" dirty="0" smtClean="0">
-                <a:latin typeface="Arial" panose="020B0604020202020204" pitchFamily="34" charset="0"/>
-                <a:cs typeface="Arial" panose="020B0604020202020204" pitchFamily="34" charset="0"/>
-              </a:rPr>
-              <a:t>Sauvegardes</a:t>
-            </a:r>
-          </a:p>
-          <a:p>
-            <a:pPr lvl="1"/>
-            <a:r>
-              <a:rPr lang="fr-FR" dirty="0" smtClean="0">
-                <a:latin typeface="Arial" panose="020B0604020202020204" pitchFamily="34" charset="0"/>
-                <a:cs typeface="Arial" panose="020B0604020202020204" pitchFamily="34" charset="0"/>
-                <a:hlinkClick r:id="rId3"/>
-              </a:rPr>
-              <a:t>HDF5</a:t>
-            </a:r>
-            <a:endParaRPr lang="fr-FR" dirty="0" smtClean="0">
-              <a:latin typeface="Arial" panose="020B0604020202020204" pitchFamily="34" charset="0"/>
-              <a:cs typeface="Arial" panose="020B0604020202020204" pitchFamily="34" charset="0"/>
-            </a:endParaRPr>
-          </a:p>
-          <a:p>
-            <a:pPr lvl="1"/>
-            <a:r>
-              <a:rPr lang="fr-FR" dirty="0" smtClean="0">
-                <a:latin typeface="Arial" panose="020B0604020202020204" pitchFamily="34" charset="0"/>
-                <a:cs typeface="Arial" panose="020B0604020202020204" pitchFamily="34" charset="0"/>
-                <a:hlinkClick r:id="rId4"/>
-              </a:rPr>
-              <a:t>Nouveau format </a:t>
-            </a:r>
-            <a:r>
-              <a:rPr lang="fr-FR" dirty="0" err="1" smtClean="0">
-                <a:latin typeface="Arial" panose="020B0604020202020204" pitchFamily="34" charset="0"/>
-                <a:cs typeface="Arial" panose="020B0604020202020204" pitchFamily="34" charset="0"/>
-                <a:hlinkClick r:id="rId4"/>
-              </a:rPr>
-              <a:t>feather</a:t>
-            </a:r>
-            <a:r>
-              <a:rPr lang="fr-FR" dirty="0" smtClean="0">
-                <a:latin typeface="Arial" panose="020B0604020202020204" pitchFamily="34" charset="0"/>
-                <a:cs typeface="Arial" panose="020B0604020202020204" pitchFamily="34" charset="0"/>
-                <a:hlinkClick r:id="rId4"/>
-              </a:rPr>
-              <a:t> </a:t>
-            </a:r>
-            <a:r>
-              <a:rPr lang="fr-FR" dirty="0" smtClean="0">
-                <a:latin typeface="Arial" panose="020B0604020202020204" pitchFamily="34" charset="0"/>
-                <a:cs typeface="Arial" panose="020B0604020202020204" pitchFamily="34" charset="0"/>
-              </a:rPr>
-              <a:t>: plus rapide et </a:t>
-            </a:r>
-            <a:r>
-              <a:rPr lang="fr-FR" dirty="0" err="1" smtClean="0">
-                <a:latin typeface="Arial" panose="020B0604020202020204" pitchFamily="34" charset="0"/>
-                <a:cs typeface="Arial" panose="020B0604020202020204" pitchFamily="34" charset="0"/>
-              </a:rPr>
-              <a:t>co</a:t>
-            </a:r>
-            <a:r>
-              <a:rPr lang="fr-FR" dirty="0" smtClean="0">
-                <a:latin typeface="Arial" panose="020B0604020202020204" pitchFamily="34" charset="0"/>
-                <a:cs typeface="Arial" panose="020B0604020202020204" pitchFamily="34" charset="0"/>
-              </a:rPr>
-              <a:t>-développé  par équipes python et R</a:t>
             </a:r>
             <a:endParaRPr lang="fr-FR" dirty="0">
               <a:latin typeface="Arial" panose="020B0604020202020204" pitchFamily="34" charset="0"/>
               <a:cs typeface="Arial" panose="020B0604020202020204" pitchFamily="34" charset="0"/>
             </a:endParaRPr>
+          </a:p>
+          <a:p>
+            <a:r>
+              <a:rPr lang="fr-FR" dirty="0">
+                <a:latin typeface="Arial" panose="020B0604020202020204" pitchFamily="34" charset="0"/>
+                <a:cs typeface="Arial" panose="020B0604020202020204" pitchFamily="34" charset="0"/>
+              </a:rPr>
+              <a:t>Sauvegardes</a:t>
+            </a:r>
+          </a:p>
+          <a:p>
+            <a:pPr lvl="1"/>
+            <a:r>
+              <a:rPr lang="fr-FR" dirty="0">
+                <a:latin typeface="Arial" panose="020B0604020202020204" pitchFamily="34" charset="0"/>
+                <a:cs typeface="Arial" panose="020B0604020202020204" pitchFamily="34" charset="0"/>
+                <a:hlinkClick r:id="rId3"/>
+              </a:rPr>
+              <a:t>HDF5</a:t>
+            </a:r>
+            <a:endParaRPr lang="fr-FR" dirty="0">
+              <a:latin typeface="Arial" panose="020B0604020202020204" pitchFamily="34" charset="0"/>
+              <a:cs typeface="Arial" panose="020B0604020202020204" pitchFamily="34" charset="0"/>
+            </a:endParaRPr>
+          </a:p>
+          <a:p>
+            <a:pPr lvl="1"/>
+            <a:r>
+              <a:rPr lang="fr-FR" dirty="0">
+                <a:latin typeface="Arial" panose="020B0604020202020204" pitchFamily="34" charset="0"/>
+                <a:cs typeface="Arial" panose="020B0604020202020204" pitchFamily="34" charset="0"/>
+                <a:hlinkClick r:id="rId4"/>
+              </a:rPr>
+              <a:t>Nouveau format </a:t>
+            </a:r>
+            <a:r>
+              <a:rPr lang="fr-FR" dirty="0" err="1">
+                <a:latin typeface="Arial" panose="020B0604020202020204" pitchFamily="34" charset="0"/>
+                <a:cs typeface="Arial" panose="020B0604020202020204" pitchFamily="34" charset="0"/>
+                <a:hlinkClick r:id="rId4"/>
+              </a:rPr>
+              <a:t>feather</a:t>
+            </a:r>
+            <a:r>
+              <a:rPr lang="fr-FR" dirty="0">
+                <a:latin typeface="Arial" panose="020B0604020202020204" pitchFamily="34" charset="0"/>
+                <a:cs typeface="Arial" panose="020B0604020202020204" pitchFamily="34" charset="0"/>
+                <a:hlinkClick r:id="rId4"/>
+              </a:rPr>
+              <a:t> </a:t>
+            </a:r>
+            <a:r>
+              <a:rPr lang="fr-FR" dirty="0">
+                <a:latin typeface="Arial" panose="020B0604020202020204" pitchFamily="34" charset="0"/>
+                <a:cs typeface="Arial" panose="020B0604020202020204" pitchFamily="34" charset="0"/>
+              </a:rPr>
+              <a:t>: plus rapide et </a:t>
+            </a:r>
+            <a:r>
+              <a:rPr lang="fr-FR" dirty="0" err="1">
+                <a:latin typeface="Arial" panose="020B0604020202020204" pitchFamily="34" charset="0"/>
+                <a:cs typeface="Arial" panose="020B0604020202020204" pitchFamily="34" charset="0"/>
+              </a:rPr>
+              <a:t>co</a:t>
+            </a:r>
+            <a:r>
+              <a:rPr lang="fr-FR" dirty="0">
+                <a:latin typeface="Arial" panose="020B0604020202020204" pitchFamily="34" charset="0"/>
+                <a:cs typeface="Arial" panose="020B0604020202020204" pitchFamily="34" charset="0"/>
+              </a:rPr>
+              <a:t>-développé  par équipes python et R</a:t>
+            </a:r>
           </a:p>
         </p:txBody>
       </p:sp>
@@ -6978,13 +6690,6 @@
   <p:clrMapOvr>
     <a:masterClrMapping/>
   </p:clrMapOvr>
-  <p:timing>
-    <p:tnLst>
-      <p:par>
-        <p:cTn id="1" dur="indefinite" restart="never" nodeType="tmRoot"/>
-      </p:par>
-    </p:tnLst>
-  </p:timing>
 </p:sld>
 </file>
 
@@ -7035,47 +6740,7 @@
                 <a:latin typeface="Arial" panose="020B0604020202020204" pitchFamily="34" charset="0"/>
                 <a:cs typeface="Arial" panose="020B0604020202020204" pitchFamily="34" charset="0"/>
               </a:rPr>
-              <a:t>Partie </a:t>
-            </a:r>
-            <a:r>
-              <a:rPr lang="fr-FR" b="1" dirty="0" smtClean="0">
-                <a:solidFill>
-                  <a:srgbClr val="7030A0"/>
-                </a:solidFill>
-                <a:latin typeface="Arial" panose="020B0604020202020204" pitchFamily="34" charset="0"/>
-                <a:cs typeface="Arial" panose="020B0604020202020204" pitchFamily="34" charset="0"/>
-              </a:rPr>
-              <a:t>4 </a:t>
-            </a:r>
-            <a:r>
-              <a:rPr lang="fr-FR" b="1" dirty="0">
-                <a:solidFill>
-                  <a:srgbClr val="7030A0"/>
-                </a:solidFill>
-                <a:latin typeface="Arial" panose="020B0604020202020204" pitchFamily="34" charset="0"/>
-                <a:cs typeface="Arial" panose="020B0604020202020204" pitchFamily="34" charset="0"/>
-              </a:rPr>
-              <a:t>: </a:t>
-            </a:r>
-            <a:r>
-              <a:rPr lang="fr-FR" b="1" dirty="0" smtClean="0">
-                <a:solidFill>
-                  <a:srgbClr val="7030A0"/>
-                </a:solidFill>
-                <a:latin typeface="Arial" panose="020B0604020202020204" pitchFamily="34" charset="0"/>
-                <a:cs typeface="Arial" panose="020B0604020202020204" pitchFamily="34" charset="0"/>
-              </a:rPr>
-              <a:t>statistiques descriptives et graphiques </a:t>
-            </a:r>
-            <a:r>
-              <a:rPr lang="fr-FR" b="1" dirty="0">
-                <a:solidFill>
-                  <a:srgbClr val="7030A0"/>
-                </a:solidFill>
-                <a:latin typeface="Arial" panose="020B0604020202020204" pitchFamily="34" charset="0"/>
-                <a:cs typeface="Arial" panose="020B0604020202020204" pitchFamily="34" charset="0"/>
-              </a:rPr>
-              <a:t>avec Python</a:t>
+              <a:t>Partie 4 : statistiques descriptives et graphiques avec Python</a:t>
             </a:r>
             <a:endParaRPr lang="fr-FR" dirty="0"/>
           </a:p>
@@ -7091,13 +6756,6 @@
   <p:clrMapOvr>
     <a:masterClrMapping/>
   </p:clrMapOvr>
-  <p:timing>
-    <p:tnLst>
-      <p:par>
-        <p:cTn id="1" dur="indefinite" restart="never" nodeType="tmRoot"/>
-      </p:par>
-    </p:tnLst>
-  </p:timing>
 </p:sld>
 </file>
 
@@ -7455,23 +7113,19 @@
           <a:lstStyle/>
           <a:p>
             <a:r>
-              <a:rPr lang="fr-FR" sz="3200" b="1" dirty="0" err="1" smtClean="0">
+              <a:rPr lang="fr-FR" sz="3200" b="1" dirty="0" err="1">
                 <a:latin typeface="Arial" panose="020B0604020202020204" pitchFamily="34" charset="0"/>
                 <a:cs typeface="Arial" panose="020B0604020202020204" pitchFamily="34" charset="0"/>
               </a:rPr>
               <a:t>Dataframe</a:t>
             </a:r>
             <a:r>
-              <a:rPr lang="fr-FR" sz="3200" b="1" dirty="0" smtClean="0">
+              <a:rPr lang="fr-FR" sz="3200" b="1" dirty="0">
                 <a:latin typeface="Arial" panose="020B0604020202020204" pitchFamily="34" charset="0"/>
                 <a:cs typeface="Arial" panose="020B0604020202020204" pitchFamily="34" charset="0"/>
               </a:rPr>
               <a:t> statistiques descriptives</a:t>
             </a:r>
-            <a:endParaRPr lang="fr-FR" sz="3200" b="1" dirty="0">
-              <a:latin typeface="Arial" panose="020B0604020202020204" pitchFamily="34" charset="0"/>
-              <a:cs typeface="Arial" panose="020B0604020202020204" pitchFamily="34" charset="0"/>
-            </a:endParaRPr>
           </a:p>
         </p:txBody>
       </p:sp>
@@ -7496,28 +7150,28 @@
           <a:lstStyle/>
           <a:p>
             <a:r>
-              <a:rPr lang="fr-FR" dirty="0" smtClean="0">
+              <a:rPr lang="fr-FR" dirty="0">
                 <a:latin typeface="Arial" panose="020B0604020202020204" pitchFamily="34" charset="0"/>
                 <a:cs typeface="Arial" panose="020B0604020202020204" pitchFamily="34" charset="0"/>
               </a:rPr>
               <a:t>Premières statistiques =</a:t>
             </a:r>
             <a:r>
-              <a:rPr lang="fr-FR" dirty="0" err="1" smtClean="0">
+              <a:rPr lang="fr-FR" dirty="0" err="1">
                 <a:latin typeface="Arial" panose="020B0604020202020204" pitchFamily="34" charset="0"/>
                 <a:cs typeface="Arial" panose="020B0604020202020204" pitchFamily="34" charset="0"/>
               </a:rPr>
               <a:t>describe</a:t>
             </a:r>
             <a:r>
-              <a:rPr lang="fr-FR" dirty="0" smtClean="0">
+              <a:rPr lang="fr-FR" dirty="0">
                 <a:latin typeface="Arial" panose="020B0604020202020204" pitchFamily="34" charset="0"/>
                 <a:cs typeface="Arial" panose="020B0604020202020204" pitchFamily="34" charset="0"/>
               </a:rPr>
               <a:t>(</a:t>
             </a:r>
             <a:r>
-              <a:rPr lang="fr-FR" dirty="0" err="1" smtClean="0">
+              <a:rPr lang="fr-FR" dirty="0" err="1">
                 <a:latin typeface="Arial" panose="020B0604020202020204" pitchFamily="34" charset="0"/>
                 <a:cs typeface="Arial" panose="020B0604020202020204" pitchFamily="34" charset="0"/>
               </a:rPr>
@@ -7528,23 +7182,12 @@
                 <a:latin typeface="Arial" panose="020B0604020202020204" pitchFamily="34" charset="0"/>
                 <a:cs typeface="Arial" panose="020B0604020202020204" pitchFamily="34" charset="0"/>
               </a:rPr>
-              <a:t>='all</a:t>
-            </a:r>
-            <a:r>
-              <a:rPr lang="fr-FR" dirty="0" smtClean="0">
-                <a:latin typeface="Arial" panose="020B0604020202020204" pitchFamily="34" charset="0"/>
-                <a:cs typeface="Arial" panose="020B0604020202020204" pitchFamily="34" charset="0"/>
-              </a:rPr>
-              <a:t>') </a:t>
-            </a:r>
-            <a:endParaRPr lang="fr-FR" dirty="0">
-              <a:latin typeface="Arial" panose="020B0604020202020204" pitchFamily="34" charset="0"/>
-              <a:cs typeface="Arial" panose="020B0604020202020204" pitchFamily="34" charset="0"/>
-            </a:endParaRPr>
-          </a:p>
-          <a:p>
-            <a:r>
-              <a:rPr lang="fr-FR" dirty="0" smtClean="0">
+              <a:t>='all') </a:t>
+            </a:r>
+          </a:p>
+          <a:p>
+            <a:r>
+              <a:rPr lang="fr-FR" dirty="0">
                 <a:latin typeface="Arial" panose="020B0604020202020204" pitchFamily="34" charset="0"/>
                 <a:cs typeface="Arial" panose="020B0604020202020204" pitchFamily="34" charset="0"/>
               </a:rPr>
@@ -7553,7 +7196,7 @@
           </a:p>
           <a:p>
             <a:r>
-              <a:rPr lang="fr-FR" dirty="0" smtClean="0">
+              <a:rPr lang="fr-FR" dirty="0">
                 <a:latin typeface="Arial" panose="020B0604020202020204" pitchFamily="34" charset="0"/>
                 <a:cs typeface="Arial" panose="020B0604020202020204" pitchFamily="34" charset="0"/>
               </a:rPr>
@@ -7562,7 +7205,7 @@
           </a:p>
           <a:p>
             <a:r>
-              <a:rPr lang="fr-FR" dirty="0" smtClean="0">
+              <a:rPr lang="fr-FR" dirty="0">
                 <a:latin typeface="Arial" panose="020B0604020202020204" pitchFamily="34" charset="0"/>
                 <a:cs typeface="Arial" panose="020B0604020202020204" pitchFamily="34" charset="0"/>
               </a:rPr>
@@ -7571,32 +7214,25 @@
           </a:p>
           <a:p>
             <a:r>
-              <a:rPr lang="fr-FR" dirty="0" smtClean="0">
+              <a:rPr lang="fr-FR" dirty="0">
                 <a:latin typeface="Arial" panose="020B0604020202020204" pitchFamily="34" charset="0"/>
                 <a:cs typeface="Arial" panose="020B0604020202020204" pitchFamily="34" charset="0"/>
               </a:rPr>
               <a:t>Covariance, corrélation (</a:t>
             </a:r>
             <a:r>
-              <a:rPr lang="fr-FR" dirty="0" err="1" smtClean="0">
+              <a:rPr lang="fr-FR" dirty="0" err="1">
                 <a:latin typeface="Arial" panose="020B0604020202020204" pitchFamily="34" charset="0"/>
                 <a:cs typeface="Arial" panose="020B0604020202020204" pitchFamily="34" charset="0"/>
               </a:rPr>
               <a:t>pearson</a:t>
             </a:r>
             <a:r>
-              <a:rPr lang="fr-FR" dirty="0" smtClean="0">
-                <a:latin typeface="Arial" panose="020B0604020202020204" pitchFamily="34" charset="0"/>
-                <a:cs typeface="Arial" panose="020B0604020202020204" pitchFamily="34" charset="0"/>
-              </a:rPr>
-              <a:t>, </a:t>
-            </a:r>
-            <a:r>
               <a:rPr lang="fr-FR" dirty="0">
                 <a:latin typeface="Arial" panose="020B0604020202020204" pitchFamily="34" charset="0"/>
                 <a:cs typeface="Arial" panose="020B0604020202020204" pitchFamily="34" charset="0"/>
               </a:rPr>
-              <a:t>Kendall Tau </a:t>
+              <a:t>, Kendall Tau </a:t>
             </a:r>
             <a:r>
               <a:rPr lang="fr-FR" dirty="0" err="1">
@@ -7610,54 +7246,36 @@
                 <a:latin typeface="Arial" panose="020B0604020202020204" pitchFamily="34" charset="0"/>
                 <a:cs typeface="Arial" panose="020B0604020202020204" pitchFamily="34" charset="0"/>
               </a:rPr>
+              <a:t> coefficient, Spearman </a:t>
+            </a:r>
+            <a:r>
+              <a:rPr lang="fr-FR" dirty="0" err="1">
+                <a:latin typeface="Arial" panose="020B0604020202020204" pitchFamily="34" charset="0"/>
+                <a:cs typeface="Arial" panose="020B0604020202020204" pitchFamily="34" charset="0"/>
+              </a:rPr>
+              <a:t>rank</a:t>
+            </a:r>
+            <a:r>
+              <a:rPr lang="fr-FR" dirty="0">
+                <a:latin typeface="Arial" panose="020B0604020202020204" pitchFamily="34" charset="0"/>
+                <a:cs typeface="Arial" panose="020B0604020202020204" pitchFamily="34" charset="0"/>
+              </a:rPr>
               <a:t> </a:t>
             </a:r>
             <a:r>
-              <a:rPr lang="fr-FR" dirty="0" smtClean="0">
-                <a:latin typeface="Arial" panose="020B0604020202020204" pitchFamily="34" charset="0"/>
-                <a:cs typeface="Arial" panose="020B0604020202020204" pitchFamily="34" charset="0"/>
-              </a:rPr>
-              <a:t>coefficient, </a:t>
+              <a:rPr lang="fr-FR" dirty="0" err="1">
+                <a:latin typeface="Arial" panose="020B0604020202020204" pitchFamily="34" charset="0"/>
+                <a:cs typeface="Arial" panose="020B0604020202020204" pitchFamily="34" charset="0"/>
+              </a:rPr>
+              <a:t>correlation</a:t>
             </a:r>
             <a:r>
               <a:rPr lang="fr-FR" dirty="0">
                 <a:latin typeface="Arial" panose="020B0604020202020204" pitchFamily="34" charset="0"/>
                 <a:cs typeface="Arial" panose="020B0604020202020204" pitchFamily="34" charset="0"/>
               </a:rPr>
-              <a:t>Spearman </a:t>
-            </a:r>
-            <a:r>
-              <a:rPr lang="fr-FR" dirty="0" err="1">
-                <a:latin typeface="Arial" panose="020B0604020202020204" pitchFamily="34" charset="0"/>
-                <a:cs typeface="Arial" panose="020B0604020202020204" pitchFamily="34" charset="0"/>
-              </a:rPr>
-              <a:t>rank</a:t>
-            </a:r>
-            <a:r>
-              <a:rPr lang="fr-FR" dirty="0">
-                <a:latin typeface="Arial" panose="020B0604020202020204" pitchFamily="34" charset="0"/>
-                <a:cs typeface="Arial" panose="020B0604020202020204" pitchFamily="34" charset="0"/>
-              </a:rPr>
-              <a:t> </a:t>
-            </a:r>
-            <a:r>
-              <a:rPr lang="fr-FR" dirty="0" err="1" smtClean="0">
-                <a:latin typeface="Arial" panose="020B0604020202020204" pitchFamily="34" charset="0"/>
-                <a:cs typeface="Arial" panose="020B0604020202020204" pitchFamily="34" charset="0"/>
-              </a:rPr>
-              <a:t>correlation</a:t>
-            </a:r>
-            <a:r>
-              <a:rPr lang="fr-FR" dirty="0" smtClean="0">
-                <a:latin typeface="Arial" panose="020B0604020202020204" pitchFamily="34" charset="0"/>
-                <a:cs typeface="Arial" panose="020B0604020202020204" pitchFamily="34" charset="0"/>
-              </a:rPr>
               <a:t>)</a:t>
             </a:r>
-            <a:endParaRPr lang="fr-FR" dirty="0">
-              <a:latin typeface="Arial" panose="020B0604020202020204" pitchFamily="34" charset="0"/>
-              <a:cs typeface="Arial" panose="020B0604020202020204" pitchFamily="34" charset="0"/>
-            </a:endParaRPr>
           </a:p>
         </p:txBody>
       </p:sp>
@@ -7671,13 +7289,6 @@
   <p:clrMapOvr>
     <a:masterClrMapping/>
   </p:clrMapOvr>
-  <p:timing>
-    <p:tnLst>
-      <p:par>
-        <p:cTn id="1" dur="indefinite" restart="never" nodeType="tmRoot"/>
-      </p:par>
-    </p:tnLst>
-  </p:timing>
 </p:sld>
 </file>
 
@@ -7732,14 +7343,7 @@
                 <a:latin typeface="Arial" panose="020B0604020202020204" pitchFamily="34" charset="0"/>
                 <a:cs typeface="Arial" panose="020B0604020202020204" pitchFamily="34" charset="0"/>
               </a:rPr>
-              <a:t> </a:t>
-            </a:r>
-            <a:r>
-              <a:rPr lang="fr-FR" sz="3200" b="1" dirty="0" smtClean="0">
-                <a:latin typeface="Arial" panose="020B0604020202020204" pitchFamily="34" charset="0"/>
-                <a:cs typeface="Arial" panose="020B0604020202020204" pitchFamily="34" charset="0"/>
-              </a:rPr>
-              <a:t>graphiques : introduction</a:t>
+              <a:t> graphiques : introduction</a:t>
             </a:r>
             <a:endParaRPr lang="fr-FR" sz="3200" dirty="0"/>
           </a:p>
@@ -7766,59 +7370,47 @@
               <a:buNone/>
             </a:pPr>
             <a:r>
-              <a:rPr lang="fr-FR" dirty="0" smtClean="0"/>
+              <a:rPr lang="fr-FR" dirty="0"/>
               <a:t>Le quartet d’</a:t>
             </a:r>
             <a:r>
-              <a:rPr lang="fr-FR" dirty="0" err="1" smtClean="0"/>
+              <a:rPr lang="fr-FR" dirty="0" err="1"/>
               <a:t>Ascombe</a:t>
             </a:r>
             <a:r>
-              <a:rPr lang="fr-FR" dirty="0" smtClean="0"/>
+              <a:rPr lang="fr-FR" dirty="0"/>
               <a:t> : 4 jeux de données avec 11 points (</a:t>
             </a:r>
             <a:r>
-              <a:rPr lang="fr-FR" dirty="0" err="1" smtClean="0"/>
+              <a:rPr lang="fr-FR" dirty="0" err="1"/>
               <a:t>x,y</a:t>
             </a:r>
             <a:r>
-              <a:rPr lang="fr-FR" dirty="0" smtClean="0"/>
+              <a:rPr lang="fr-FR" dirty="0"/>
               <a:t>) « très proches » car :</a:t>
             </a:r>
           </a:p>
           <a:p>
             <a:r>
-              <a:rPr lang="fr-FR" dirty="0" smtClean="0"/>
+              <a:rPr lang="fr-FR" dirty="0"/>
               <a:t>Même moyenne selon x et selon y</a:t>
             </a:r>
           </a:p>
           <a:p>
             <a:r>
               <a:rPr lang="fr-FR" dirty="0"/>
-              <a:t>Même </a:t>
-            </a:r>
-            <a:r>
-              <a:rPr lang="fr-FR" dirty="0" smtClean="0"/>
-              <a:t>écart type selon </a:t>
-            </a:r>
+              <a:t>Même écart type selon x et selon y</a:t>
+            </a:r>
+          </a:p>
+          <a:p>
             <a:r>
               <a:rPr lang="fr-FR" dirty="0"/>
-              <a:t>x et selon </a:t>
-            </a:r>
-            <a:r>
-              <a:rPr lang="fr-FR" dirty="0" smtClean="0"/>
-              <a:t>y</a:t>
-            </a:r>
-          </a:p>
-          <a:p>
-            <a:r>
-              <a:rPr lang="fr-FR" dirty="0" smtClean="0"/>
               <a:t>Même coefficient de corrélation entre x et y</a:t>
             </a:r>
           </a:p>
           <a:p>
             <a:r>
-              <a:rPr lang="fr-FR" dirty="0" smtClean="0"/>
+              <a:rPr lang="fr-FR" dirty="0"/>
               <a:t>Même droite de régression de y sur x et avec le même R^2</a:t>
             </a:r>
           </a:p>
@@ -7833,10 +7425,9 @@
               <a:buNone/>
             </a:pPr>
             <a:r>
-              <a:rPr lang="fr-FR" dirty="0" smtClean="0"/>
+              <a:rPr lang="fr-FR" dirty="0"/>
               <a:t>Et pourtant…</a:t>
             </a:r>
-            <a:endParaRPr lang="fr-FR" dirty="0"/>
           </a:p>
         </p:txBody>
       </p:sp>
@@ -7850,13 +7441,6 @@
   <p:clrMapOvr>
     <a:masterClrMapping/>
   </p:clrMapOvr>
-  <p:timing>
-    <p:tnLst>
-      <p:par>
-        <p:cTn id="1" dur="indefinite" restart="never" nodeType="tmRoot"/>
-      </p:par>
-    </p:tnLst>
-  </p:timing>
 </p:sld>
 </file>
 
@@ -7900,14 +7484,14 @@
           <a:lstStyle/>
           <a:p>
             <a:r>
-              <a:rPr lang="fr-FR" sz="3200" b="1" dirty="0" smtClean="0">
+              <a:rPr lang="fr-FR" sz="3200" b="1" dirty="0">
                 <a:latin typeface="Arial" panose="020B0604020202020204" pitchFamily="34" charset="0"/>
                 <a:cs typeface="Arial" panose="020B0604020202020204" pitchFamily="34" charset="0"/>
               </a:rPr>
               <a:t>Quartet d’</a:t>
             </a:r>
             <a:r>
-              <a:rPr lang="fr-FR" sz="3200" b="1" dirty="0" err="1" smtClean="0">
+              <a:rPr lang="fr-FR" sz="3200" b="1" dirty="0" err="1">
                 <a:latin typeface="Arial" panose="020B0604020202020204" pitchFamily="34" charset="0"/>
                 <a:cs typeface="Arial" panose="020B0604020202020204" pitchFamily="34" charset="0"/>
               </a:rPr>
@@ -7960,13 +7544,6 @@
   <p:clrMapOvr>
     <a:masterClrMapping/>
   </p:clrMapOvr>
-  <p:timing>
-    <p:tnLst>
-      <p:par>
-        <p:cTn id="1" dur="indefinite" restart="never" nodeType="tmRoot"/>
-      </p:par>
-    </p:tnLst>
-  </p:timing>
 </p:sld>
 </file>
 
@@ -8005,23 +7582,19 @@
           <a:lstStyle/>
           <a:p>
             <a:r>
-              <a:rPr lang="fr-FR" sz="3200" b="1" dirty="0" err="1" smtClean="0">
+              <a:rPr lang="fr-FR" sz="3200" b="1" dirty="0" err="1">
                 <a:latin typeface="Arial" panose="020B0604020202020204" pitchFamily="34" charset="0"/>
                 <a:cs typeface="Arial" panose="020B0604020202020204" pitchFamily="34" charset="0"/>
               </a:rPr>
               <a:t>Dataframe</a:t>
             </a:r>
             <a:r>
-              <a:rPr lang="fr-FR" sz="3200" b="1" dirty="0" smtClean="0">
+              <a:rPr lang="fr-FR" sz="3200" b="1" dirty="0">
                 <a:latin typeface="Arial" panose="020B0604020202020204" pitchFamily="34" charset="0"/>
                 <a:cs typeface="Arial" panose="020B0604020202020204" pitchFamily="34" charset="0"/>
               </a:rPr>
               <a:t> graphiques</a:t>
             </a:r>
-            <a:endParaRPr lang="fr-FR" sz="3200" b="1" dirty="0">
-              <a:latin typeface="Arial" panose="020B0604020202020204" pitchFamily="34" charset="0"/>
-              <a:cs typeface="Arial" panose="020B0604020202020204" pitchFamily="34" charset="0"/>
-            </a:endParaRPr>
           </a:p>
         </p:txBody>
       </p:sp>
@@ -8043,14 +7616,14 @@
           <a:lstStyle/>
           <a:p>
             <a:r>
-              <a:rPr lang="fr-FR" sz="2800" dirty="0" smtClean="0">
+              <a:rPr lang="fr-FR" sz="2800" dirty="0">
                 <a:latin typeface="Arial" panose="020B0604020202020204" pitchFamily="34" charset="0"/>
                 <a:cs typeface="Arial" panose="020B0604020202020204" pitchFamily="34" charset="0"/>
               </a:rPr>
               <a:t>Fonction générique plot() (</a:t>
             </a:r>
             <a:r>
-              <a:rPr lang="fr-FR" sz="2800" dirty="0" smtClean="0">
+              <a:rPr lang="fr-FR" sz="2800" dirty="0">
                 <a:latin typeface="Arial" panose="020B0604020202020204" pitchFamily="34" charset="0"/>
                 <a:cs typeface="Arial" panose="020B0604020202020204" pitchFamily="34" charset="0"/>
                 <a:hlinkClick r:id="rId2"/>
@@ -8058,7 +7631,7 @@
               <a:t>cf. doc Pandas</a:t>
             </a:r>
             <a:r>
-              <a:rPr lang="fr-FR" sz="2800" dirty="0" smtClean="0">
+              <a:rPr lang="fr-FR" sz="2800" dirty="0">
                 <a:latin typeface="Arial" panose="020B0604020202020204" pitchFamily="34" charset="0"/>
                 <a:cs typeface="Arial" panose="020B0604020202020204" pitchFamily="34" charset="0"/>
               </a:rPr>
@@ -8067,7 +7640,7 @@
           </a:p>
           <a:p>
             <a:r>
-              <a:rPr lang="fr-FR" sz="2800" dirty="0" smtClean="0">
+              <a:rPr lang="fr-FR" sz="2800" dirty="0">
                 <a:latin typeface="Arial" panose="020B0604020202020204" pitchFamily="34" charset="0"/>
                 <a:cs typeface="Arial" panose="020B0604020202020204" pitchFamily="34" charset="0"/>
               </a:rPr>
@@ -8100,35 +7673,35 @@
           <a:p>
             <a:pPr lvl="1"/>
             <a:r>
-              <a:rPr lang="fr-FR" dirty="0" smtClean="0">
+              <a:rPr lang="fr-FR" dirty="0">
                 <a:latin typeface="Arial" panose="020B0604020202020204" pitchFamily="34" charset="0"/>
                 <a:cs typeface="Arial" panose="020B0604020202020204" pitchFamily="34" charset="0"/>
                 <a:hlinkClick r:id="rId4"/>
               </a:rPr>
               <a:t>histogrammes</a:t>
             </a:r>
-            <a:endParaRPr lang="fr-FR" dirty="0" smtClean="0">
+            <a:endParaRPr lang="fr-FR" dirty="0">
               <a:latin typeface="Arial" panose="020B0604020202020204" pitchFamily="34" charset="0"/>
               <a:cs typeface="Arial" panose="020B0604020202020204" pitchFamily="34" charset="0"/>
             </a:endParaRPr>
           </a:p>
           <a:p>
             <a:r>
-              <a:rPr lang="fr-FR" sz="2800" dirty="0" smtClean="0">
+              <a:rPr lang="fr-FR" sz="2800" dirty="0">
                 <a:latin typeface="Arial" panose="020B0604020202020204" pitchFamily="34" charset="0"/>
                 <a:cs typeface="Arial" panose="020B0604020202020204" pitchFamily="34" charset="0"/>
               </a:rPr>
               <a:t>On peut utiliser </a:t>
             </a:r>
             <a:r>
-              <a:rPr lang="fr-FR" sz="2800" dirty="0" err="1" smtClean="0">
+              <a:rPr lang="fr-FR" sz="2800" dirty="0" err="1">
                 <a:latin typeface="Arial" panose="020B0604020202020204" pitchFamily="34" charset="0"/>
                 <a:cs typeface="Arial" panose="020B0604020202020204" pitchFamily="34" charset="0"/>
               </a:rPr>
               <a:t>Seaborn</a:t>
             </a:r>
             <a:r>
-              <a:rPr lang="fr-FR" sz="2800" dirty="0" smtClean="0">
+              <a:rPr lang="fr-FR" sz="2800" dirty="0">
                 <a:latin typeface="Arial" panose="020B0604020202020204" pitchFamily="34" charset="0"/>
                 <a:cs typeface="Arial" panose="020B0604020202020204" pitchFamily="34" charset="0"/>
               </a:rPr>
@@ -8138,14 +7711,14 @@
           <a:p>
             <a:pPr lvl="1"/>
             <a:r>
-              <a:rPr lang="fr-FR" sz="2400" dirty="0" smtClean="0">
+              <a:rPr lang="fr-FR" sz="2400" dirty="0">
                 <a:latin typeface="Arial" panose="020B0604020202020204" pitchFamily="34" charset="0"/>
                 <a:cs typeface="Arial" panose="020B0604020202020204" pitchFamily="34" charset="0"/>
                 <a:hlinkClick r:id="rId5"/>
               </a:rPr>
               <a:t>Matrice de nuages de points </a:t>
             </a:r>
-            <a:endParaRPr lang="fr-FR" sz="2400" dirty="0" smtClean="0">
+            <a:endParaRPr lang="fr-FR" sz="2400" dirty="0">
               <a:latin typeface="Arial" panose="020B0604020202020204" pitchFamily="34" charset="0"/>
               <a:cs typeface="Arial" panose="020B0604020202020204" pitchFamily="34" charset="0"/>
             </a:endParaRPr>
@@ -8153,14 +7726,14 @@
           <a:p>
             <a:pPr lvl="1"/>
             <a:r>
-              <a:rPr lang="fr-FR" sz="2400" dirty="0" smtClean="0">
+              <a:rPr lang="fr-FR" sz="2400" dirty="0">
                 <a:latin typeface="Arial" panose="020B0604020202020204" pitchFamily="34" charset="0"/>
                 <a:cs typeface="Arial" panose="020B0604020202020204" pitchFamily="34" charset="0"/>
                 <a:hlinkClick r:id="rId6"/>
               </a:rPr>
               <a:t>Tutoriel sur graphiques pour voir relations entre variables</a:t>
             </a:r>
-            <a:endParaRPr lang="fr-FR" sz="2400" dirty="0" smtClean="0">
+            <a:endParaRPr lang="fr-FR" sz="2400" dirty="0">
               <a:latin typeface="Arial" panose="020B0604020202020204" pitchFamily="34" charset="0"/>
               <a:cs typeface="Arial" panose="020B0604020202020204" pitchFamily="34" charset="0"/>
             </a:endParaRPr>
@@ -8177,13 +7750,6 @@
   <p:clrMapOvr>
     <a:masterClrMapping/>
   </p:clrMapOvr>
-  <p:timing>
-    <p:tnLst>
-      <p:par>
-        <p:cTn id="1" dur="indefinite" restart="never" nodeType="tmRoot"/>
-      </p:par>
-    </p:tnLst>
-  </p:timing>
 </p:sld>
 </file>
 
@@ -8227,7 +7793,7 @@
               </a:spcBef>
             </a:pPr>
             <a:r>
-              <a:rPr lang="fr-FR" sz="3200" b="1" dirty="0" smtClean="0">
+              <a:rPr lang="fr-FR" sz="3200" b="1" dirty="0">
                 <a:latin typeface="Arial" panose="020B0604020202020204" pitchFamily="34" charset="0"/>
                 <a:cs typeface="Arial" panose="020B0604020202020204" pitchFamily="34" charset="0"/>
                 <a:hlinkClick r:id="rId2"/>
@@ -8235,7 +7801,7 @@
               <a:t>Boites à moustaches/</a:t>
             </a:r>
             <a:r>
-              <a:rPr lang="fr-FR" sz="3200" b="1" dirty="0" err="1" smtClean="0">
+              <a:rPr lang="fr-FR" sz="3200" b="1" dirty="0" err="1">
                 <a:latin typeface="Arial" panose="020B0604020202020204" pitchFamily="34" charset="0"/>
                 <a:cs typeface="Arial" panose="020B0604020202020204" pitchFamily="34" charset="0"/>
                 <a:hlinkClick r:id="rId2"/>
@@ -8247,14 +7813,7 @@
                 <a:latin typeface="Arial" panose="020B0604020202020204" pitchFamily="34" charset="0"/>
                 <a:cs typeface="Arial" panose="020B0604020202020204" pitchFamily="34" charset="0"/>
               </a:rPr>
-              <a:t> </a:t>
-            </a:r>
-            <a:r>
-              <a:rPr lang="fr-FR" sz="3200" b="1" dirty="0" smtClean="0">
-                <a:latin typeface="Arial" panose="020B0604020202020204" pitchFamily="34" charset="0"/>
-                <a:cs typeface="Arial" panose="020B0604020202020204" pitchFamily="34" charset="0"/>
-              </a:rPr>
-              <a:t>rappel</a:t>
+              <a:t> rappel</a:t>
             </a:r>
             <a:endParaRPr lang="fr-FR" sz="3200" b="1" dirty="0"/>
           </a:p>
@@ -8299,13 +7858,6 @@
   <p:clrMapOvr>
     <a:masterClrMapping/>
   </p:clrMapOvr>
-  <p:timing>
-    <p:tnLst>
-      <p:par>
-        <p:cTn id="1" dur="indefinite" restart="never" nodeType="tmRoot"/>
-      </p:par>
-    </p:tnLst>
-  </p:timing>
 </p:sld>
 </file>
 
@@ -8344,14 +7896,14 @@
           <a:lstStyle/>
           <a:p>
             <a:r>
-              <a:rPr lang="fr-FR" sz="3200" b="1" dirty="0" smtClean="0">
+              <a:rPr lang="fr-FR" sz="3200" b="1" dirty="0">
                 <a:latin typeface="Arial" panose="020B0604020202020204" pitchFamily="34" charset="0"/>
                 <a:cs typeface="Arial" panose="020B0604020202020204" pitchFamily="34" charset="0"/>
               </a:rPr>
               <a:t>Graphiques pour le web : </a:t>
             </a:r>
             <a:r>
-              <a:rPr lang="fr-FR" sz="3200" b="1" dirty="0" err="1" smtClean="0">
+              <a:rPr lang="fr-FR" sz="3200" b="1" dirty="0" err="1">
                 <a:latin typeface="Arial" panose="020B0604020202020204" pitchFamily="34" charset="0"/>
                 <a:cs typeface="Arial" panose="020B0604020202020204" pitchFamily="34" charset="0"/>
               </a:rPr>
@@ -8380,21 +7932,21 @@
           <a:lstStyle/>
           <a:p>
             <a:r>
-              <a:rPr lang="fr-FR" dirty="0" smtClean="0">
+              <a:rPr lang="fr-FR" dirty="0">
                 <a:latin typeface="Arial" panose="020B0604020202020204" pitchFamily="34" charset="0"/>
                 <a:cs typeface="Arial" panose="020B0604020202020204" pitchFamily="34" charset="0"/>
                 <a:hlinkClick r:id="rId2"/>
               </a:rPr>
               <a:t>Gapminder</a:t>
             </a:r>
-            <a:endParaRPr lang="fr-FR" dirty="0" smtClean="0">
+            <a:endParaRPr lang="fr-FR" dirty="0">
               <a:latin typeface="Arial" panose="020B0604020202020204" pitchFamily="34" charset="0"/>
               <a:cs typeface="Arial" panose="020B0604020202020204" pitchFamily="34" charset="0"/>
             </a:endParaRPr>
           </a:p>
           <a:p>
             <a:r>
-              <a:rPr lang="fr-FR" dirty="0" smtClean="0">
+              <a:rPr lang="fr-FR" dirty="0">
                 <a:latin typeface="Arial" panose="020B0604020202020204" pitchFamily="34" charset="0"/>
                 <a:cs typeface="Arial" panose="020B0604020202020204" pitchFamily="34" charset="0"/>
                 <a:hlinkClick r:id="rId3"/>
@@ -8418,13 +7970,6 @@
   <p:clrMapOvr>
     <a:masterClrMapping/>
   </p:clrMapOvr>
-  <p:timing>
-    <p:tnLst>
-      <p:par>
-        <p:cTn id="1" dur="indefinite" restart="never" nodeType="tmRoot"/>
-      </p:par>
-    </p:tnLst>
-  </p:timing>
 </p:sld>
 </file>
 
@@ -8470,37 +8015,7 @@
                 <a:latin typeface="Arial" panose="020B0604020202020204" pitchFamily="34" charset="0"/>
                 <a:cs typeface="Arial" panose="020B0604020202020204" pitchFamily="34" charset="0"/>
               </a:rPr>
-              <a:t>Partie 5</a:t>
-            </a:r>
-            <a:r>
-              <a:rPr lang="fr-FR" sz="4800" b="1" dirty="0" smtClean="0">
-                <a:solidFill>
-                  <a:srgbClr val="7030A0"/>
-                </a:solidFill>
-                <a:latin typeface="Arial" panose="020B0604020202020204" pitchFamily="34" charset="0"/>
-                <a:cs typeface="Arial" panose="020B0604020202020204" pitchFamily="34" charset="0"/>
-              </a:rPr>
-              <a:t> </a:t>
-            </a:r>
-            <a:r>
-              <a:rPr lang="fr-FR" sz="4800" b="1" dirty="0">
-                <a:solidFill>
-                  <a:srgbClr val="7030A0"/>
-                </a:solidFill>
-                <a:latin typeface="Arial" panose="020B0604020202020204" pitchFamily="34" charset="0"/>
-                <a:cs typeface="Arial" panose="020B0604020202020204" pitchFamily="34" charset="0"/>
-              </a:rPr>
-              <a:t>: </a:t>
-            </a:r>
-            <a:r>
-              <a:rPr lang="fr-FR" sz="4800" b="1" dirty="0" smtClean="0">
-                <a:solidFill>
-                  <a:srgbClr val="7030A0"/>
-                </a:solidFill>
-                <a:latin typeface="Arial" panose="020B0604020202020204" pitchFamily="34" charset="0"/>
-                <a:cs typeface="Arial" panose="020B0604020202020204" pitchFamily="34" charset="0"/>
-              </a:rPr>
-              <a:t>statistiques avec Python</a:t>
+              <a:t>Partie 5 : statistiques avec Python</a:t>
             </a:r>
             <a:endParaRPr lang="fr-FR" sz="4800" dirty="0"/>
           </a:p>
@@ -8516,13 +8031,6 @@
   <p:clrMapOvr>
     <a:masterClrMapping/>
   </p:clrMapOvr>
-  <p:timing>
-    <p:tnLst>
-      <p:par>
-        <p:cTn id="1" dur="indefinite" restart="never" nodeType="tmRoot"/>
-      </p:par>
-    </p:tnLst>
-  </p:timing>
 </p:sld>
 </file>
 
@@ -8561,14 +8069,14 @@
           <a:lstStyle/>
           <a:p>
             <a:r>
-              <a:rPr lang="fr-FR" sz="3200" b="1" dirty="0" smtClean="0">
+              <a:rPr lang="fr-FR" sz="3200" b="1" dirty="0">
                 <a:latin typeface="Arial" panose="020B0604020202020204" pitchFamily="34" charset="0"/>
                 <a:cs typeface="Arial" panose="020B0604020202020204" pitchFamily="34" charset="0"/>
               </a:rPr>
               <a:t>Régression linéaire avec </a:t>
             </a:r>
             <a:r>
-              <a:rPr lang="fr-FR" sz="3200" b="1" dirty="0" err="1" smtClean="0">
+              <a:rPr lang="fr-FR" sz="3200" b="1" dirty="0" err="1">
                 <a:latin typeface="Arial" panose="020B0604020202020204" pitchFamily="34" charset="0"/>
                 <a:cs typeface="Arial" panose="020B0604020202020204" pitchFamily="34" charset="0"/>
               </a:rPr>
@@ -8604,7 +8112,7 @@
           <a:lstStyle/>
           <a:p>
             <a:r>
-              <a:rPr lang="fr-FR" dirty="0" smtClean="0">
+              <a:rPr lang="fr-FR" dirty="0">
                 <a:latin typeface="Arial" panose="020B0604020202020204" pitchFamily="34" charset="0"/>
                 <a:cs typeface="Arial" panose="020B0604020202020204" pitchFamily="34" charset="0"/>
               </a:rPr>
@@ -8613,7 +8121,7 @@
           </a:p>
           <a:p>
             <a:r>
-              <a:rPr lang="fr-FR" dirty="0" smtClean="0">
+              <a:rPr lang="fr-FR" dirty="0">
                 <a:latin typeface="Arial" panose="020B0604020202020204" pitchFamily="34" charset="0"/>
                 <a:cs typeface="Arial" panose="020B0604020202020204" pitchFamily="34" charset="0"/>
               </a:rPr>
@@ -8627,14 +8135,7 @@
                 <a:latin typeface="Arial" panose="020B0604020202020204" pitchFamily="34" charset="0"/>
                 <a:cs typeface="Arial" panose="020B0604020202020204" pitchFamily="34" charset="0"/>
               </a:rPr>
-              <a:t>Ŷ </a:t>
-            </a:r>
-            <a:r>
-              <a:rPr lang="fr-FR" sz="2000" dirty="0" smtClean="0">
-                <a:latin typeface="Arial" panose="020B0604020202020204" pitchFamily="34" charset="0"/>
-                <a:cs typeface="Arial" panose="020B0604020202020204" pitchFamily="34" charset="0"/>
-              </a:rPr>
-              <a:t>/y =&gt; élément de qualité globale</a:t>
+              <a:t>Ŷ /y =&gt; élément de qualité globale</a:t>
             </a:r>
           </a:p>
           <a:p>
@@ -8644,30 +8145,16 @@
                 <a:latin typeface="Arial" panose="020B0604020202020204" pitchFamily="34" charset="0"/>
                 <a:cs typeface="Arial" panose="020B0604020202020204" pitchFamily="34" charset="0"/>
               </a:rPr>
-              <a:t>Ŷ </a:t>
-            </a:r>
-            <a:r>
-              <a:rPr lang="fr-FR" sz="2000" dirty="0" smtClean="0">
-                <a:latin typeface="Arial" panose="020B0604020202020204" pitchFamily="34" charset="0"/>
-                <a:cs typeface="Arial" panose="020B0604020202020204" pitchFamily="34" charset="0"/>
-              </a:rPr>
-              <a:t>/ résidu =&gt; </a:t>
-            </a:r>
-            <a:r>
-              <a:rPr lang="fr-FR" sz="2000" dirty="0">
-                <a:latin typeface="Arial" panose="020B0604020202020204" pitchFamily="34" charset="0"/>
-                <a:cs typeface="Arial" panose="020B0604020202020204" pitchFamily="34" charset="0"/>
-              </a:rPr>
-              <a:t>vérifier linéarité + pas </a:t>
-            </a:r>
-            <a:r>
-              <a:rPr lang="fr-FR" sz="2000" dirty="0" err="1" smtClean="0">
+              <a:t>Ŷ / résidu =&gt; vérifier linéarité + pas </a:t>
+            </a:r>
+            <a:r>
+              <a:rPr lang="fr-FR" sz="2000" dirty="0" err="1">
                 <a:latin typeface="Arial" panose="020B0604020202020204" pitchFamily="34" charset="0"/>
                 <a:cs typeface="Arial" panose="020B0604020202020204" pitchFamily="34" charset="0"/>
               </a:rPr>
               <a:t>hétéroscédasticité</a:t>
             </a:r>
-            <a:endParaRPr lang="fr-FR" sz="2000" dirty="0" smtClean="0">
+            <a:endParaRPr lang="fr-FR" sz="2000" dirty="0">
               <a:latin typeface="Arial" panose="020B0604020202020204" pitchFamily="34" charset="0"/>
               <a:cs typeface="Arial" panose="020B0604020202020204" pitchFamily="34" charset="0"/>
             </a:endParaRPr>
@@ -8679,107 +8166,37 @@
                 <a:latin typeface="Arial" panose="020B0604020202020204" pitchFamily="34" charset="0"/>
                 <a:cs typeface="Arial" panose="020B0604020202020204" pitchFamily="34" charset="0"/>
               </a:rPr>
-              <a:t>Q–Q graphique </a:t>
-            </a:r>
-            <a:r>
-              <a:rPr lang="fr-FR" sz="2000" dirty="0" smtClean="0">
-                <a:latin typeface="Arial" panose="020B0604020202020204" pitchFamily="34" charset="0"/>
-                <a:cs typeface="Arial" panose="020B0604020202020204" pitchFamily="34" charset="0"/>
-              </a:rPr>
-              <a:t>: quantiles loi </a:t>
-            </a:r>
+              <a:t>Q–Q graphique : quantiles loi normale (0, var estimée des résidus) /quantiles des résidus =&gt; vérifier résidus normaux</a:t>
+            </a:r>
+          </a:p>
+          <a:p>
+            <a:pPr lvl="1"/>
             <a:r>
               <a:rPr lang="fr-FR" sz="2000" dirty="0">
                 <a:latin typeface="Arial" panose="020B0604020202020204" pitchFamily="34" charset="0"/>
                 <a:cs typeface="Arial" panose="020B0604020202020204" pitchFamily="34" charset="0"/>
               </a:rPr>
-              <a:t>normale (0</a:t>
-            </a:r>
-            <a:r>
-              <a:rPr lang="fr-FR" sz="2000" dirty="0" smtClean="0">
-                <a:latin typeface="Arial" panose="020B0604020202020204" pitchFamily="34" charset="0"/>
-                <a:cs typeface="Arial" panose="020B0604020202020204" pitchFamily="34" charset="0"/>
-              </a:rPr>
-              <a:t>, var </a:t>
-            </a:r>
+              <a:t>Distribution des résidus =&gt; vérifier résidus normaux</a:t>
+            </a:r>
+          </a:p>
+          <a:p>
+            <a:pPr lvl="1"/>
             <a:r>
               <a:rPr lang="fr-FR" sz="2000" dirty="0">
                 <a:latin typeface="Arial" panose="020B0604020202020204" pitchFamily="34" charset="0"/>
                 <a:cs typeface="Arial" panose="020B0604020202020204" pitchFamily="34" charset="0"/>
               </a:rPr>
-              <a:t>estimée des résidus) </a:t>
-            </a:r>
-            <a:r>
-              <a:rPr lang="fr-FR" sz="2000" dirty="0" smtClean="0">
-                <a:latin typeface="Arial" panose="020B0604020202020204" pitchFamily="34" charset="0"/>
-                <a:cs typeface="Arial" panose="020B0604020202020204" pitchFamily="34" charset="0"/>
-              </a:rPr>
-              <a:t>/quantiles </a:t>
+              <a:t>Leverage plot : </a:t>
+            </a:r>
+            <a:r>
+              <a:rPr lang="fr-FR" sz="2000" dirty="0" err="1">
+                <a:latin typeface="Arial" panose="020B0604020202020204" pitchFamily="34" charset="0"/>
+                <a:cs typeface="Arial" panose="020B0604020202020204" pitchFamily="34" charset="0"/>
+              </a:rPr>
+              <a:t>leverage</a:t>
             </a:r>
             <a:r>
               <a:rPr lang="fr-FR" sz="2000" dirty="0">
-                <a:latin typeface="Arial" panose="020B0604020202020204" pitchFamily="34" charset="0"/>
-                <a:cs typeface="Arial" panose="020B0604020202020204" pitchFamily="34" charset="0"/>
-              </a:rPr>
-              <a:t>des </a:t>
-            </a:r>
-            <a:r>
-              <a:rPr lang="fr-FR" sz="2000" dirty="0" smtClean="0">
-                <a:latin typeface="Arial" panose="020B0604020202020204" pitchFamily="34" charset="0"/>
-                <a:cs typeface="Arial" panose="020B0604020202020204" pitchFamily="34" charset="0"/>
-              </a:rPr>
-              <a:t>résidus =&gt; </a:t>
-            </a:r>
-            <a:r>
-              <a:rPr lang="fr-FR" sz="2000" dirty="0">
-                <a:latin typeface="Arial" panose="020B0604020202020204" pitchFamily="34" charset="0"/>
-                <a:cs typeface="Arial" panose="020B0604020202020204" pitchFamily="34" charset="0"/>
-              </a:rPr>
-              <a:t>vérifier </a:t>
-            </a:r>
-            <a:r>
-              <a:rPr lang="fr-FR" sz="2000" dirty="0" smtClean="0">
-                <a:latin typeface="Arial" panose="020B0604020202020204" pitchFamily="34" charset="0"/>
-                <a:cs typeface="Arial" panose="020B0604020202020204" pitchFamily="34" charset="0"/>
-              </a:rPr>
-              <a:t>résidus normaux</a:t>
-            </a:r>
-          </a:p>
-          <a:p>
-            <a:pPr lvl="1"/>
-            <a:r>
-              <a:rPr lang="fr-FR" sz="2000" dirty="0" smtClean="0">
-                <a:latin typeface="Arial" panose="020B0604020202020204" pitchFamily="34" charset="0"/>
-                <a:cs typeface="Arial" panose="020B0604020202020204" pitchFamily="34" charset="0"/>
-              </a:rPr>
-              <a:t>Distribution des résidus </a:t>
-            </a:r>
-            <a:r>
-              <a:rPr lang="fr-FR" sz="2000" dirty="0">
-                <a:latin typeface="Arial" panose="020B0604020202020204" pitchFamily="34" charset="0"/>
-                <a:cs typeface="Arial" panose="020B0604020202020204" pitchFamily="34" charset="0"/>
-              </a:rPr>
-              <a:t>=&gt; vérifier résidus normaux</a:t>
-            </a:r>
-          </a:p>
-          <a:p>
-            <a:pPr lvl="1"/>
-            <a:r>
-              <a:rPr lang="fr-FR" sz="2000" dirty="0" smtClean="0">
-                <a:latin typeface="Arial" panose="020B0604020202020204" pitchFamily="34" charset="0"/>
-                <a:cs typeface="Arial" panose="020B0604020202020204" pitchFamily="34" charset="0"/>
-              </a:rPr>
-              <a:t>Leverage plot : </a:t>
-            </a:r>
-            <a:r>
-              <a:rPr lang="fr-FR" sz="2000" dirty="0" err="1" smtClean="0">
-                <a:latin typeface="Arial" panose="020B0604020202020204" pitchFamily="34" charset="0"/>
-                <a:cs typeface="Arial" panose="020B0604020202020204" pitchFamily="34" charset="0"/>
-              </a:rPr>
-              <a:t>leverage</a:t>
-            </a:r>
-            <a:r>
-              <a:rPr lang="fr-FR" sz="2000" dirty="0" smtClean="0">
                 <a:latin typeface="Arial" panose="020B0604020202020204" pitchFamily="34" charset="0"/>
                 <a:cs typeface="Arial" panose="020B0604020202020204" pitchFamily="34" charset="0"/>
               </a:rPr>
@@ -8966,16 +8383,12 @@
           <a:lstStyle/>
           <a:p>
             <a:r>
-              <a:rPr lang="fr-FR" sz="3200" b="1" dirty="0" smtClean="0">
+              <a:rPr lang="fr-FR" sz="3200" b="1" dirty="0">
                 <a:latin typeface="Arial" panose="020B0604020202020204" pitchFamily="34" charset="0"/>
                 <a:cs typeface="Arial" panose="020B0604020202020204" pitchFamily="34" charset="0"/>
               </a:rPr>
               <a:t>Quelques exemples de modèles</a:t>
             </a:r>
-            <a:endParaRPr lang="fr-FR" sz="3200" b="1" dirty="0">
-              <a:latin typeface="Arial" panose="020B0604020202020204" pitchFamily="34" charset="0"/>
-              <a:cs typeface="Arial" panose="020B0604020202020204" pitchFamily="34" charset="0"/>
-            </a:endParaRPr>
           </a:p>
         </p:txBody>
       </p:sp>
@@ -9177,14 +8590,14 @@
           <a:lstStyle/>
           <a:p>
             <a:r>
-              <a:rPr lang="fr-FR" sz="3200" b="1" dirty="0" smtClean="0">
+              <a:rPr lang="fr-FR" sz="3200" b="1" dirty="0">
                 <a:latin typeface="Arial" panose="020B0604020202020204" pitchFamily="34" charset="0"/>
                 <a:cs typeface="Arial" panose="020B0604020202020204" pitchFamily="34" charset="0"/>
               </a:rPr>
               <a:t>Régression logistique avec </a:t>
             </a:r>
             <a:r>
-              <a:rPr lang="fr-FR" sz="3200" b="1" dirty="0" err="1" smtClean="0">
+              <a:rPr lang="fr-FR" sz="3200" b="1" dirty="0" err="1">
                 <a:latin typeface="Arial" panose="020B0604020202020204" pitchFamily="34" charset="0"/>
                 <a:cs typeface="Arial" panose="020B0604020202020204" pitchFamily="34" charset="0"/>
               </a:rPr>
@@ -9271,50 +8684,10 @@
                 <a:latin typeface="Arial" panose="020B0604020202020204" pitchFamily="34" charset="0"/>
                 <a:cs typeface="Arial" panose="020B0604020202020204" pitchFamily="34" charset="0"/>
               </a:rPr>
-              <a:t>Partie 6</a:t>
-            </a:r>
-            <a:r>
-              <a:rPr lang="fr-FR" b="1" dirty="0" smtClean="0">
-                <a:solidFill>
-                  <a:srgbClr val="7030A0"/>
-                </a:solidFill>
-                <a:latin typeface="Arial" panose="020B0604020202020204" pitchFamily="34" charset="0"/>
-                <a:cs typeface="Arial" panose="020B0604020202020204" pitchFamily="34" charset="0"/>
-              </a:rPr>
-              <a:t> </a:t>
-            </a:r>
-            <a:r>
-              <a:rPr lang="fr-FR" b="1" dirty="0">
-                <a:solidFill>
-                  <a:srgbClr val="7030A0"/>
-                </a:solidFill>
-                <a:latin typeface="Arial" panose="020B0604020202020204" pitchFamily="34" charset="0"/>
-                <a:cs typeface="Arial" panose="020B0604020202020204" pitchFamily="34" charset="0"/>
-              </a:rPr>
-              <a:t>: </a:t>
-            </a:r>
-            <a:r>
-              <a:rPr lang="fr-FR" b="1" dirty="0" smtClean="0">
-                <a:solidFill>
-                  <a:srgbClr val="7030A0"/>
-                </a:solidFill>
-                <a:latin typeface="Arial" panose="020B0604020202020204" pitchFamily="34" charset="0"/>
-                <a:cs typeface="Arial" panose="020B0604020202020204" pitchFamily="34" charset="0"/>
-              </a:rPr>
-              <a:t>exemples </a:t>
-            </a:r>
-            <a:r>
-              <a:rPr lang="fr-FR" b="1" dirty="0" smtClean="0">
-                <a:solidFill>
-                  <a:srgbClr val="7030A0"/>
-                </a:solidFill>
-                <a:latin typeface="Arial" panose="020B0604020202020204" pitchFamily="34" charset="0"/>
-                <a:cs typeface="Arial" panose="020B0604020202020204" pitchFamily="34" charset="0"/>
-              </a:rPr>
-              <a:t>autres méthodes de machine </a:t>
-            </a:r>
-            <a:r>
-              <a:rPr lang="fr-FR" b="1" dirty="0" err="1" smtClean="0">
+              <a:t>Partie 6 : exemples autres méthodes de machine </a:t>
+            </a:r>
+            <a:r>
+              <a:rPr lang="fr-FR" b="1" dirty="0" err="1">
                 <a:solidFill>
                   <a:srgbClr val="7030A0"/>
                 </a:solidFill>
@@ -9343,13 +8716,6 @@
   <p:clrMapOvr>
     <a:masterClrMapping/>
   </p:clrMapOvr>
-  <p:timing>
-    <p:tnLst>
-      <p:par>
-        <p:cTn id="1" dur="indefinite" restart="never" nodeType="tmRoot"/>
-      </p:par>
-    </p:tnLst>
-  </p:timing>
 </p:sld>
 </file>
 
@@ -9388,16 +8754,12 @@
           <a:lstStyle/>
           <a:p>
             <a:r>
-              <a:rPr lang="fr-FR" sz="3200" b="1" dirty="0" smtClean="0">
+              <a:rPr lang="fr-FR" sz="3200" b="1" dirty="0">
                 <a:latin typeface="Arial" panose="020B0604020202020204" pitchFamily="34" charset="0"/>
                 <a:cs typeface="Arial" panose="020B0604020202020204" pitchFamily="34" charset="0"/>
               </a:rPr>
               <a:t>Familles de méthodes</a:t>
             </a:r>
-            <a:endParaRPr lang="fr-FR" sz="3200" b="1" dirty="0">
-              <a:latin typeface="Arial" panose="020B0604020202020204" pitchFamily="34" charset="0"/>
-              <a:cs typeface="Arial" panose="020B0604020202020204" pitchFamily="34" charset="0"/>
-            </a:endParaRPr>
           </a:p>
         </p:txBody>
       </p:sp>
@@ -9479,16 +8841,12 @@
           <a:lstStyle/>
           <a:p>
             <a:r>
-              <a:rPr lang="fr-FR" sz="3200" b="1" dirty="0" smtClean="0">
+              <a:rPr lang="fr-FR" sz="3200" b="1" dirty="0">
                 <a:latin typeface="Arial" panose="020B0604020202020204" pitchFamily="34" charset="0"/>
                 <a:cs typeface="Arial" panose="020B0604020202020204" pitchFamily="34" charset="0"/>
               </a:rPr>
               <a:t>SVM</a:t>
             </a:r>
-            <a:endParaRPr lang="fr-FR" sz="3200" b="1" dirty="0">
-              <a:latin typeface="Arial" panose="020B0604020202020204" pitchFamily="34" charset="0"/>
-              <a:cs typeface="Arial" panose="020B0604020202020204" pitchFamily="34" charset="0"/>
-            </a:endParaRPr>
           </a:p>
         </p:txBody>
       </p:sp>
@@ -9534,13 +8892,6 @@
   <p:clrMapOvr>
     <a:masterClrMapping/>
   </p:clrMapOvr>
-  <p:timing>
-    <p:tnLst>
-      <p:par>
-        <p:cTn id="1" dur="indefinite" restart="never" nodeType="tmRoot"/>
-      </p:par>
-    </p:tnLst>
-  </p:timing>
 </p:sld>
 </file>
 
@@ -9579,7 +8930,7 @@
           <a:lstStyle/>
           <a:p>
             <a:r>
-              <a:rPr lang="fr-FR" sz="3200" b="1" dirty="0" smtClean="0">
+              <a:rPr lang="fr-FR" sz="3200" b="1" dirty="0">
                 <a:latin typeface="Arial" panose="020B0604020202020204" pitchFamily="34" charset="0"/>
                 <a:cs typeface="Arial" panose="020B0604020202020204" pitchFamily="34" charset="0"/>
               </a:rPr>
@@ -9631,13 +8982,6 @@
   <p:clrMapOvr>
     <a:masterClrMapping/>
   </p:clrMapOvr>
-  <p:timing>
-    <p:tnLst>
-      <p:par>
-        <p:cTn id="1" dur="indefinite" restart="never" nodeType="tmRoot"/>
-      </p:par>
-    </p:tnLst>
-  </p:timing>
 </p:sld>
 </file>
 
@@ -9681,16 +9025,12 @@
           <a:lstStyle/>
           <a:p>
             <a:r>
-              <a:rPr lang="fr-FR" sz="3200" b="1" dirty="0" smtClean="0">
+              <a:rPr lang="fr-FR" sz="3200" b="1" dirty="0">
                 <a:latin typeface="Arial" panose="020B0604020202020204" pitchFamily="34" charset="0"/>
                 <a:cs typeface="Arial" panose="020B0604020202020204" pitchFamily="34" charset="0"/>
               </a:rPr>
               <a:t>SVM</a:t>
             </a:r>
-            <a:endParaRPr lang="fr-FR" sz="3200" b="1" dirty="0">
-              <a:latin typeface="Arial" panose="020B0604020202020204" pitchFamily="34" charset="0"/>
-              <a:cs typeface="Arial" panose="020B0604020202020204" pitchFamily="34" charset="0"/>
-            </a:endParaRPr>
           </a:p>
         </p:txBody>
       </p:sp>
@@ -9736,26 +9076,8 @@
                 <a:latin typeface="Arial" panose="020B0604020202020204" pitchFamily="34" charset="0"/>
                 <a:cs typeface="Arial" panose="020B0604020202020204" pitchFamily="34" charset="0"/>
               </a:rPr>
-              <a:t> cross validation » </a:t>
-            </a:r>
-            <a:r>
-              <a:rPr lang="fr-FR" dirty="0" smtClean="0">
-                <a:latin typeface="Arial" panose="020B0604020202020204" pitchFamily="34" charset="0"/>
-                <a:cs typeface="Arial" panose="020B0604020202020204" pitchFamily="34" charset="0"/>
-              </a:rPr>
-              <a:t>: découpe </a:t>
-            </a:r>
-            <a:r>
-              <a:rPr lang="fr-FR" dirty="0">
-                <a:latin typeface="Arial" panose="020B0604020202020204" pitchFamily="34" charset="0"/>
-                <a:cs typeface="Arial" panose="020B0604020202020204" pitchFamily="34" charset="0"/>
-              </a:rPr>
-              <a:t>aléatoirement l’échantillon de test en k parties </a:t>
-            </a:r>
-            <a:endParaRPr lang="fr-FR" dirty="0" smtClean="0">
-              <a:latin typeface="Arial" panose="020B0604020202020204" pitchFamily="34" charset="0"/>
-              <a:cs typeface="Arial" panose="020B0604020202020204" pitchFamily="34" charset="0"/>
-            </a:endParaRPr>
+              <a:t> cross validation » : découpe aléatoirement l’échantillon de test en k parties </a:t>
+            </a:r>
           </a:p>
           <a:p>
             <a:pPr>
@@ -9763,23 +9085,12 @@
               <a:buChar char="-"/>
             </a:pPr>
             <a:r>
-              <a:rPr lang="fr-FR" dirty="0" smtClean="0">
-                <a:latin typeface="Arial" panose="020B0604020202020204" pitchFamily="34" charset="0"/>
-                <a:cs typeface="Arial" panose="020B0604020202020204" pitchFamily="34" charset="0"/>
-              </a:rPr>
-              <a:t>apprentissage </a:t>
-            </a:r>
-            <a:r>
               <a:rPr lang="fr-FR" dirty="0">
                 <a:latin typeface="Arial" panose="020B0604020202020204" pitchFamily="34" charset="0"/>
                 <a:cs typeface="Arial" panose="020B0604020202020204" pitchFamily="34" charset="0"/>
               </a:rPr>
-              <a:t>sur k-1 parties </a:t>
-            </a:r>
-            <a:endParaRPr lang="fr-FR" dirty="0" smtClean="0">
-              <a:latin typeface="Arial" panose="020B0604020202020204" pitchFamily="34" charset="0"/>
-              <a:cs typeface="Arial" panose="020B0604020202020204" pitchFamily="34" charset="0"/>
-            </a:endParaRPr>
+              <a:t>apprentissage sur k-1 parties </a:t>
+            </a:r>
           </a:p>
           <a:p>
             <a:pPr>
@@ -9787,35 +9098,28 @@
               <a:buChar char="-"/>
             </a:pPr>
             <a:r>
-              <a:rPr lang="fr-FR" dirty="0" smtClean="0">
-                <a:latin typeface="Arial" panose="020B0604020202020204" pitchFamily="34" charset="0"/>
-                <a:cs typeface="Arial" panose="020B0604020202020204" pitchFamily="34" charset="0"/>
-              </a:rPr>
-              <a:t>Estimation de la </a:t>
-            </a:r>
-            <a:r>
               <a:rPr lang="fr-FR" dirty="0">
                 <a:latin typeface="Arial" panose="020B0604020202020204" pitchFamily="34" charset="0"/>
                 <a:cs typeface="Arial" panose="020B0604020202020204" pitchFamily="34" charset="0"/>
               </a:rPr>
-              <a:t>qualité du modèle sur </a:t>
-            </a:r>
-            <a:r>
-              <a:rPr lang="fr-FR" dirty="0" err="1" smtClean="0">
+              <a:t>Estimation de la qualité du modèle sur </a:t>
+            </a:r>
+            <a:r>
+              <a:rPr lang="fr-FR" dirty="0" err="1">
                 <a:latin typeface="Arial" panose="020B0604020202020204" pitchFamily="34" charset="0"/>
                 <a:cs typeface="Arial" panose="020B0604020202020204" pitchFamily="34" charset="0"/>
               </a:rPr>
               <a:t>k</a:t>
             </a:r>
             <a:r>
-              <a:rPr lang="fr-FR" sz="1400" dirty="0" err="1" smtClean="0">
+              <a:rPr lang="fr-FR" sz="1400" dirty="0" err="1">
                 <a:latin typeface="Arial" panose="020B0604020202020204" pitchFamily="34" charset="0"/>
                 <a:cs typeface="Arial" panose="020B0604020202020204" pitchFamily="34" charset="0"/>
               </a:rPr>
               <a:t>ième</a:t>
             </a:r>
             <a:r>
-              <a:rPr lang="fr-FR" dirty="0" smtClean="0">
+              <a:rPr lang="fr-FR" dirty="0">
                 <a:latin typeface="Arial" panose="020B0604020202020204" pitchFamily="34" charset="0"/>
                 <a:cs typeface="Arial" panose="020B0604020202020204" pitchFamily="34" charset="0"/>
               </a:rPr>
@@ -9873,13 +9177,6 @@
   <p:clrMapOvr>
     <a:masterClrMapping/>
   </p:clrMapOvr>
-  <p:timing>
-    <p:tnLst>
-      <p:par>
-        <p:cTn id="1" dur="indefinite" restart="never" nodeType="tmRoot"/>
-      </p:par>
-    </p:tnLst>
-  </p:timing>
 </p:sld>
 </file>
 
@@ -9902,6 +9199,205 @@
       </p:grpSpPr>
       <p:sp>
         <p:nvSpPr>
+          <p:cNvPr id="2" name="Titre 1">
+            <a:extLst>
+              <a:ext uri="{FF2B5EF4-FFF2-40B4-BE49-F238E27FC236}">
+                <a16:creationId xmlns:a16="http://schemas.microsoft.com/office/drawing/2014/main" id="{FF9FA01F-8DA0-429D-A49A-8159CEAC1BB5}"/>
+              </a:ext>
+            </a:extLst>
+          </p:cNvPr>
+          <p:cNvSpPr>
+            <a:spLocks noGrp="1"/>
+          </p:cNvSpPr>
+          <p:nvPr>
+            <p:ph type="title"/>
+          </p:nvPr>
+        </p:nvSpPr>
+        <p:spPr/>
+        <p:txBody>
+          <a:bodyPr>
+            <a:normAutofit/>
+          </a:bodyPr>
+          <a:lstStyle/>
+          <a:p>
+            <a:r>
+              <a:rPr lang="fr-FR" sz="3200" b="1" dirty="0">
+                <a:latin typeface="Arial" panose="020B0604020202020204" pitchFamily="34" charset="0"/>
+                <a:cs typeface="Arial" panose="020B0604020202020204" pitchFamily="34" charset="0"/>
+              </a:rPr>
+              <a:t>SVM IRIS </a:t>
+            </a:r>
+            <a:r>
+              <a:rPr lang="fr-FR" sz="3200" b="1" dirty="0" err="1">
+                <a:latin typeface="Arial" panose="020B0604020202020204" pitchFamily="34" charset="0"/>
+                <a:cs typeface="Arial" panose="020B0604020202020204" pitchFamily="34" charset="0"/>
+              </a:rPr>
+              <a:t>dataset</a:t>
+            </a:r>
+            <a:endParaRPr lang="fr-FR" sz="3200" b="1" dirty="0">
+              <a:latin typeface="Arial" panose="020B0604020202020204" pitchFamily="34" charset="0"/>
+              <a:cs typeface="Arial" panose="020B0604020202020204" pitchFamily="34" charset="0"/>
+            </a:endParaRPr>
+          </a:p>
+        </p:txBody>
+      </p:sp>
+      <p:sp>
+        <p:nvSpPr>
+          <p:cNvPr id="3" name="Espace réservé du contenu 2">
+            <a:extLst>
+              <a:ext uri="{FF2B5EF4-FFF2-40B4-BE49-F238E27FC236}">
+                <a16:creationId xmlns:a16="http://schemas.microsoft.com/office/drawing/2014/main" id="{F1B0E3B7-5F20-4FF8-9F59-21D5B9BA7438}"/>
+              </a:ext>
+            </a:extLst>
+          </p:cNvPr>
+          <p:cNvSpPr>
+            <a:spLocks noGrp="1"/>
+          </p:cNvSpPr>
+          <p:nvPr>
+            <p:ph idx="1"/>
+          </p:nvPr>
+        </p:nvSpPr>
+        <p:spPr>
+          <a:xfrm>
+            <a:off x="0" y="1600200"/>
+            <a:ext cx="9036496" cy="4525963"/>
+          </a:xfrm>
+        </p:spPr>
+        <p:txBody>
+          <a:bodyPr>
+            <a:normAutofit/>
+          </a:bodyPr>
+          <a:lstStyle/>
+          <a:p>
+            <a:r>
+              <a:rPr lang="fr-FR" sz="2800" dirty="0">
+                <a:latin typeface="Arial" panose="020B0604020202020204" pitchFamily="34" charset="0"/>
+                <a:cs typeface="Arial" panose="020B0604020202020204" pitchFamily="34" charset="0"/>
+              </a:rPr>
+              <a:t>2/3 échantillon =&gt; TRAIN</a:t>
+            </a:r>
+          </a:p>
+          <a:p>
+            <a:r>
+              <a:rPr lang="fr-FR" sz="2800" dirty="0">
+                <a:latin typeface="Arial" panose="020B0604020202020204" pitchFamily="34" charset="0"/>
+                <a:cs typeface="Arial" panose="020B0604020202020204" pitchFamily="34" charset="0"/>
+              </a:rPr>
+              <a:t>1/3 échantillon =&gt; VALIDATION</a:t>
+            </a:r>
+          </a:p>
+          <a:p>
+            <a:endParaRPr lang="fr-FR" sz="2800" dirty="0">
+              <a:latin typeface="Arial" panose="020B0604020202020204" pitchFamily="34" charset="0"/>
+              <a:cs typeface="Arial" panose="020B0604020202020204" pitchFamily="34" charset="0"/>
+            </a:endParaRPr>
+          </a:p>
+          <a:p>
+            <a:r>
+              <a:rPr lang="fr-FR" sz="2800" dirty="0">
+                <a:latin typeface="Arial" panose="020B0604020202020204" pitchFamily="34" charset="0"/>
+                <a:cs typeface="Arial" panose="020B0604020202020204" pitchFamily="34" charset="0"/>
+              </a:rPr>
+              <a:t>C=0,1 : </a:t>
+            </a:r>
+            <a:r>
+              <a:rPr lang="fr-FR" sz="2800" dirty="0" err="1">
+                <a:latin typeface="Arial" panose="020B0604020202020204" pitchFamily="34" charset="0"/>
+                <a:cs typeface="Arial" panose="020B0604020202020204" pitchFamily="34" charset="0"/>
+              </a:rPr>
+              <a:t>accuracy</a:t>
+            </a:r>
+            <a:r>
+              <a:rPr lang="fr-FR" sz="2800" dirty="0">
+                <a:latin typeface="Arial" panose="020B0604020202020204" pitchFamily="34" charset="0"/>
+                <a:cs typeface="Arial" panose="020B0604020202020204" pitchFamily="34" charset="0"/>
+              </a:rPr>
+              <a:t> =0,8 sur train et 0,76 sur validation</a:t>
+            </a:r>
+          </a:p>
+          <a:p>
+            <a:r>
+              <a:rPr lang="fr-FR" sz="2800" dirty="0">
+                <a:latin typeface="Arial" panose="020B0604020202020204" pitchFamily="34" charset="0"/>
+                <a:cs typeface="Arial" panose="020B0604020202020204" pitchFamily="34" charset="0"/>
+              </a:rPr>
+              <a:t>C=1 : </a:t>
+            </a:r>
+            <a:r>
+              <a:rPr lang="fr-FR" sz="2800" dirty="0" err="1">
+                <a:latin typeface="Arial" panose="020B0604020202020204" pitchFamily="34" charset="0"/>
+                <a:cs typeface="Arial" panose="020B0604020202020204" pitchFamily="34" charset="0"/>
+              </a:rPr>
+              <a:t>accuracy</a:t>
+            </a:r>
+            <a:r>
+              <a:rPr lang="fr-FR" sz="2800" dirty="0">
+                <a:latin typeface="Arial" panose="020B0604020202020204" pitchFamily="34" charset="0"/>
+                <a:cs typeface="Arial" panose="020B0604020202020204" pitchFamily="34" charset="0"/>
+              </a:rPr>
+              <a:t>=0,85 sur train et 0,76 sur validation</a:t>
+            </a:r>
+          </a:p>
+          <a:p>
+            <a:r>
+              <a:rPr lang="fr-FR" sz="2800" dirty="0">
+                <a:latin typeface="Arial" panose="020B0604020202020204" pitchFamily="34" charset="0"/>
+                <a:cs typeface="Arial" panose="020B0604020202020204" pitchFamily="34" charset="0"/>
+              </a:rPr>
+              <a:t>C=10 : </a:t>
+            </a:r>
+            <a:r>
+              <a:rPr lang="fr-FR" sz="2800" dirty="0" err="1">
+                <a:latin typeface="Arial" panose="020B0604020202020204" pitchFamily="34" charset="0"/>
+                <a:cs typeface="Arial" panose="020B0604020202020204" pitchFamily="34" charset="0"/>
+              </a:rPr>
+              <a:t>accuracy</a:t>
+            </a:r>
+            <a:r>
+              <a:rPr lang="fr-FR" sz="2800" dirty="0">
+                <a:latin typeface="Arial" panose="020B0604020202020204" pitchFamily="34" charset="0"/>
+                <a:cs typeface="Arial" panose="020B0604020202020204" pitchFamily="34" charset="0"/>
+              </a:rPr>
+              <a:t>=0,85 sur train et 0,74 sur validation</a:t>
+            </a:r>
+          </a:p>
+          <a:p>
+            <a:endParaRPr lang="fr-FR" dirty="0"/>
+          </a:p>
+        </p:txBody>
+      </p:sp>
+    </p:spTree>
+    <p:extLst>
+      <p:ext uri="{BB962C8B-B14F-4D97-AF65-F5344CB8AC3E}">
+        <p14:creationId xmlns:p14="http://schemas.microsoft.com/office/powerpoint/2010/main" val="1814949819"/>
+      </p:ext>
+    </p:extLst>
+  </p:cSld>
+  <p:clrMapOvr>
+    <a:masterClrMapping/>
+  </p:clrMapOvr>
+</p:sld>
+</file>
+
+<file path=ppt/slides/slide47.xml><?xml version="1.0" encoding="utf-8"?>
+<p:sld xmlns:a="http://schemas.openxmlformats.org/drawingml/2006/main" xmlns:r="http://schemas.openxmlformats.org/officeDocument/2006/relationships" xmlns:p="http://schemas.openxmlformats.org/presentationml/2006/main">
+  <p:cSld>
+    <p:spTree>
+      <p:nvGrpSpPr>
+        <p:cNvPr id="1" name=""/>
+        <p:cNvGrpSpPr/>
+        <p:nvPr/>
+      </p:nvGrpSpPr>
+      <p:grpSpPr>
+        <a:xfrm>
+          <a:off x="0" y="0"/>
+          <a:ext cx="0" cy="0"/>
+          <a:chOff x="0" y="0"/>
+          <a:chExt cx="0" cy="0"/>
+        </a:xfrm>
+      </p:grpSpPr>
+      <p:sp>
+        <p:nvSpPr>
           <p:cNvPr id="2" name="Titre 1"/>
           <p:cNvSpPr>
             <a:spLocks noGrp="1"/>
@@ -9923,16 +9419,12 @@
           <a:lstStyle/>
           <a:p>
             <a:r>
-              <a:rPr lang="fr-FR" sz="3200" b="1" dirty="0" smtClean="0">
+              <a:rPr lang="fr-FR" sz="3200" b="1" dirty="0">
                 <a:latin typeface="Arial" panose="020B0604020202020204" pitchFamily="34" charset="0"/>
                 <a:cs typeface="Arial" panose="020B0604020202020204" pitchFamily="34" charset="0"/>
               </a:rPr>
               <a:t>Arbres CART de classification</a:t>
             </a:r>
-            <a:endParaRPr lang="fr-FR" sz="3200" b="1" dirty="0">
-              <a:latin typeface="Arial" panose="020B0604020202020204" pitchFamily="34" charset="0"/>
-              <a:cs typeface="Arial" panose="020B0604020202020204" pitchFamily="34" charset="0"/>
-            </a:endParaRPr>
           </a:p>
         </p:txBody>
       </p:sp>
@@ -9952,12 +9444,6 @@
             <a:normAutofit fontScale="77500" lnSpcReduction="20000"/>
           </a:bodyPr>
           <a:lstStyle/>
-          <a:p>
-            <a:pPr marL="0" indent="0">
-              <a:buNone/>
-            </a:pPr>
-            <a:endParaRPr lang="fr-FR" dirty="0" smtClean="0"/>
-          </a:p>
           <a:p>
             <a:pPr marL="0" indent="0">
               <a:buNone/>
@@ -9968,7 +9454,7 @@
             <a:pPr marL="0" indent="0">
               <a:buNone/>
             </a:pPr>
-            <a:endParaRPr lang="fr-FR" dirty="0" smtClean="0"/>
+            <a:endParaRPr lang="fr-FR" dirty="0"/>
           </a:p>
           <a:p>
             <a:pPr marL="0" indent="0">
@@ -9980,7 +9466,7 @@
             <a:pPr marL="0" indent="0">
               <a:buNone/>
             </a:pPr>
-            <a:endParaRPr lang="fr-FR" dirty="0" smtClean="0"/>
+            <a:endParaRPr lang="fr-FR" dirty="0"/>
           </a:p>
           <a:p>
             <a:pPr marL="0" indent="0">
@@ -9992,41 +9478,18 @@
             <a:pPr marL="0" indent="0">
               <a:buNone/>
             </a:pPr>
-            <a:r>
-              <a:rPr lang="fr-FR" dirty="0" smtClean="0">
-                <a:latin typeface="Arial" panose="020B0604020202020204" pitchFamily="34" charset="0"/>
-                <a:cs typeface="Arial" panose="020B0604020202020204" pitchFamily="34" charset="0"/>
-              </a:rPr>
-              <a:t>Objectif : réduire le plus possible l’impureté des nœuds</a:t>
-            </a:r>
+            <a:endParaRPr lang="fr-FR" dirty="0"/>
           </a:p>
           <a:p>
             <a:pPr marL="0" indent="0">
               <a:buNone/>
             </a:pPr>
             <a:r>
-              <a:rPr lang="fr-FR" dirty="0"/>
-              <a:t>Δ impureté = i (nœud parent) – proportion </a:t>
-            </a:r>
-            <a:r>
-              <a:rPr lang="fr-FR" dirty="0" err="1"/>
-              <a:t>obs</a:t>
-            </a:r>
-            <a:r>
-              <a:rPr lang="fr-FR" dirty="0"/>
-              <a:t> nœud gauche * i (nœud gauche) - proportion </a:t>
-            </a:r>
-            <a:r>
-              <a:rPr lang="fr-FR" dirty="0" err="1"/>
-              <a:t>obs</a:t>
-            </a:r>
-            <a:r>
-              <a:rPr lang="fr-FR" dirty="0"/>
-              <a:t> nœud droit * i (nœud droit</a:t>
-            </a:r>
-            <a:r>
-              <a:rPr lang="fr-FR" dirty="0" smtClean="0"/>
-              <a:t>).</a:t>
+              <a:rPr lang="fr-FR" dirty="0">
+                <a:latin typeface="Arial" panose="020B0604020202020204" pitchFamily="34" charset="0"/>
+                <a:cs typeface="Arial" panose="020B0604020202020204" pitchFamily="34" charset="0"/>
+              </a:rPr>
+              <a:t>Objectif : réduire le plus possible l’impureté des nœuds</a:t>
             </a:r>
           </a:p>
           <a:p>
@@ -10034,12 +9497,33 @@
               <a:buNone/>
             </a:pPr>
             <a:r>
-              <a:rPr lang="fr-FR" dirty="0" smtClean="0"/>
-              <a:t>i (nœud) </a:t>
-            </a:r>
-            <a:r>
               <a:rPr lang="fr-FR" dirty="0"/>
-              <a:t>= proportion de paires matchs * (1- proportion de paires matchs)</a:t>
+              <a:t>Δ impureté = i (nœud parent) – proportion </a:t>
+            </a:r>
+            <a:r>
+              <a:rPr lang="fr-FR" dirty="0" err="1"/>
+              <a:t>obs</a:t>
+            </a:r>
+            <a:r>
+              <a:rPr lang="fr-FR" dirty="0"/>
+              <a:t> nœud gauche * i (nœud gauche) - proportion </a:t>
+            </a:r>
+            <a:r>
+              <a:rPr lang="fr-FR" dirty="0" err="1"/>
+              <a:t>obs</a:t>
+            </a:r>
+            <a:r>
+              <a:rPr lang="fr-FR" dirty="0"/>
+              <a:t> nœud droit * i (nœud droit).</a:t>
+            </a:r>
+          </a:p>
+          <a:p>
+            <a:pPr marL="0" indent="0">
+              <a:buNone/>
+            </a:pPr>
+            <a:r>
+              <a:rPr lang="fr-FR" dirty="0"/>
+              <a:t>i (nœud) = proportion de paires matchs * (1- proportion de paires matchs)</a:t>
             </a:r>
           </a:p>
           <a:p>
@@ -10091,17 +9575,10 @@
   <p:clrMapOvr>
     <a:masterClrMapping/>
   </p:clrMapOvr>
-  <p:timing>
-    <p:tnLst>
-      <p:par>
-        <p:cTn id="1" dur="indefinite" restart="never" nodeType="tmRoot"/>
-      </p:par>
-    </p:tnLst>
-  </p:timing>
 </p:sld>
 </file>
 
-<file path=ppt/slides/slide47.xml><?xml version="1.0" encoding="utf-8"?>
+<file path=ppt/slides/slide48.xml><?xml version="1.0" encoding="utf-8"?>
 <p:sld xmlns:a="http://schemas.openxmlformats.org/drawingml/2006/main" xmlns:r="http://schemas.openxmlformats.org/officeDocument/2006/relationships" xmlns:p="http://schemas.openxmlformats.org/presentationml/2006/main">
   <p:cSld>
     <p:spTree>
@@ -10136,16 +9613,12 @@
           <a:lstStyle/>
           <a:p>
             <a:r>
-              <a:rPr lang="fr-FR" sz="3200" b="1" dirty="0" smtClean="0">
+              <a:rPr lang="fr-FR" sz="3200" b="1" dirty="0">
                 <a:latin typeface="Arial" panose="020B0604020202020204" pitchFamily="34" charset="0"/>
                 <a:cs typeface="Arial" panose="020B0604020202020204" pitchFamily="34" charset="0"/>
               </a:rPr>
               <a:t>Forêts aléatoires</a:t>
             </a:r>
-            <a:endParaRPr lang="fr-FR" sz="3200" b="1" dirty="0">
-              <a:latin typeface="Arial" panose="020B0604020202020204" pitchFamily="34" charset="0"/>
-              <a:cs typeface="Arial" panose="020B0604020202020204" pitchFamily="34" charset="0"/>
-            </a:endParaRPr>
           </a:p>
         </p:txBody>
       </p:sp>
@@ -10169,21 +9642,21 @@
               <a:lstStyle/>
               <a:p>
                 <a:r>
-                  <a:rPr lang="fr-FR" dirty="0" smtClean="0">
+                  <a:rPr lang="fr-FR" dirty="0">
                     <a:latin typeface="Arial" panose="020B0604020202020204" pitchFamily="34" charset="0"/>
                     <a:cs typeface="Arial" panose="020B0604020202020204" pitchFamily="34" charset="0"/>
                   </a:rPr>
                   <a:t>Tirage de B échantillon </a:t>
                 </a:r>
                 <a:r>
-                  <a:rPr lang="fr-FR" dirty="0" err="1" smtClean="0">
+                  <a:rPr lang="fr-FR" dirty="0" err="1">
                     <a:latin typeface="Arial" panose="020B0604020202020204" pitchFamily="34" charset="0"/>
                     <a:cs typeface="Arial" panose="020B0604020202020204" pitchFamily="34" charset="0"/>
                   </a:rPr>
                   <a:t>bootstrap</a:t>
                 </a:r>
                 <a:r>
-                  <a:rPr lang="fr-FR" dirty="0" smtClean="0">
+                  <a:rPr lang="fr-FR" dirty="0">
                     <a:latin typeface="Arial" panose="020B0604020202020204" pitchFamily="34" charset="0"/>
                     <a:cs typeface="Arial" panose="020B0604020202020204" pitchFamily="34" charset="0"/>
                   </a:rPr>
@@ -10192,7 +9665,7 @@
               </a:p>
               <a:p>
                 <a:r>
-                  <a:rPr lang="fr-FR" dirty="0" smtClean="0">
+                  <a:rPr lang="fr-FR" dirty="0">
                     <a:latin typeface="Arial" panose="020B0604020202020204" pitchFamily="34" charset="0"/>
                     <a:cs typeface="Arial" panose="020B0604020202020204" pitchFamily="34" charset="0"/>
                   </a:rPr>
@@ -10205,7 +9678,7 @@
                         <m:degHide m:val="on"/>
                         <m:ctrlPr>
                           <a:rPr lang="fr-FR" i="1">
-                            <a:latin typeface="Cambria Math"/>
+                            <a:latin typeface="Cambria Math" panose="02040503050406030204" pitchFamily="18" charset="0"/>
                           </a:rPr>
                         </m:ctrlPr>
                       </m:radPr>
@@ -10226,21 +9699,14 @@
                     <a:latin typeface="Arial" panose="020B0604020202020204" pitchFamily="34" charset="0"/>
                     <a:cs typeface="Arial" panose="020B0604020202020204" pitchFamily="34" charset="0"/>
                   </a:rPr>
-                  <a:t> variables tirées au hasard parmi les </a:t>
-                </a:r>
-                <a:r>
-                  <a:rPr lang="fr-FR" dirty="0" smtClean="0">
-                    <a:latin typeface="Arial" panose="020B0604020202020204" pitchFamily="34" charset="0"/>
-                    <a:cs typeface="Arial" panose="020B0604020202020204" pitchFamily="34" charset="0"/>
-                  </a:rPr>
-                  <a:t>n)</a:t>
+                  <a:t> variables tirées au hasard parmi les n)</a:t>
                 </a:r>
               </a:p>
               <a:p>
                 <a:pPr marL="0" indent="0">
                   <a:buNone/>
                 </a:pPr>
-                <a:endParaRPr lang="fr-FR" dirty="0" smtClean="0">
+                <a:endParaRPr lang="fr-FR" dirty="0">
                   <a:latin typeface="Arial" panose="020B0604020202020204" pitchFamily="34" charset="0"/>
                   <a:cs typeface="Arial" panose="020B0604020202020204" pitchFamily="34" charset="0"/>
                 </a:endParaRPr>
@@ -10251,128 +9717,65 @@
                     <a:latin typeface="Arial" panose="020B0604020202020204" pitchFamily="34" charset="0"/>
                     <a:cs typeface="Arial" panose="020B0604020202020204" pitchFamily="34" charset="0"/>
                   </a:rPr>
-                  <a:t>Sur </a:t>
+                  <a:t>Sur les nouvelles données :</a:t>
                 </a:r>
+              </a:p>
+              <a:p>
+                <a:pPr lvl="1"/>
                 <a:r>
-                  <a:rPr lang="fr-FR" dirty="0" smtClean="0">
+                  <a:rPr lang="fr-FR" dirty="0">
                     <a:latin typeface="Arial" panose="020B0604020202020204" pitchFamily="34" charset="0"/>
                     <a:cs typeface="Arial" panose="020B0604020202020204" pitchFamily="34" charset="0"/>
                   </a:rPr>
-                  <a:t>les </a:t>
+                  <a:t>catégorie prédite = la plus souvent parmi les B arbres (vote majoritaire).</a:t>
+                </a:r>
+              </a:p>
+              <a:p>
+                <a:pPr lvl="1"/>
+                <a:r>
+                  <a:rPr lang="fr-FR" dirty="0">
+                    <a:latin typeface="Arial" panose="020B0604020202020204" pitchFamily="34" charset="0"/>
+                    <a:cs typeface="Arial" panose="020B0604020202020204" pitchFamily="34" charset="0"/>
+                  </a:rPr>
+                  <a:t>OU catégorie prédite =catégorie avec la plus forte </a:t>
+                </a:r>
+                <a:r>
+                  <a:rPr lang="fr-FR" dirty="0" err="1">
+                    <a:latin typeface="Arial" panose="020B0604020202020204" pitchFamily="34" charset="0"/>
+                    <a:cs typeface="Arial" panose="020B0604020202020204" pitchFamily="34" charset="0"/>
+                  </a:rPr>
+                  <a:t>proba</a:t>
                 </a:r>
                 <a:r>
                   <a:rPr lang="fr-FR" dirty="0">
                     <a:latin typeface="Arial" panose="020B0604020202020204" pitchFamily="34" charset="0"/>
                     <a:cs typeface="Arial" panose="020B0604020202020204" pitchFamily="34" charset="0"/>
                   </a:rPr>
-                  <a:t>nouvelles </a:t>
+                  <a:t> et cette </a:t>
                 </a:r>
                 <a:r>
-                  <a:rPr lang="fr-FR" dirty="0" smtClean="0">
+                  <a:rPr lang="fr-FR" dirty="0" err="1">
                     <a:latin typeface="Arial" panose="020B0604020202020204" pitchFamily="34" charset="0"/>
                     <a:cs typeface="Arial" panose="020B0604020202020204" pitchFamily="34" charset="0"/>
                   </a:rPr>
-                  <a:t>données :</a:t>
-                </a:r>
-              </a:p>
-              <a:p>
-                <a:pPr lvl="1"/>
-                <a:r>
-                  <a:rPr lang="fr-FR" dirty="0" smtClean="0">
-                    <a:latin typeface="Arial" panose="020B0604020202020204" pitchFamily="34" charset="0"/>
-                    <a:cs typeface="Arial" panose="020B0604020202020204" pitchFamily="34" charset="0"/>
-                  </a:rPr>
-                  <a:t>catégorie </a:t>
+                  <a:t>proba</a:t>
                 </a:r>
                 <a:r>
                   <a:rPr lang="fr-FR" dirty="0">
                     <a:latin typeface="Arial" panose="020B0604020202020204" pitchFamily="34" charset="0"/>
                     <a:cs typeface="Arial" panose="020B0604020202020204" pitchFamily="34" charset="0"/>
                   </a:rPr>
-                  <a:t>prédite </a:t>
+                  <a:t> = moyenne des </a:t>
                 </a:r>
                 <a:r>
-                  <a:rPr lang="fr-FR" dirty="0" smtClean="0">
-                    <a:latin typeface="Arial" panose="020B0604020202020204" pitchFamily="34" charset="0"/>
-                    <a:cs typeface="Arial" panose="020B0604020202020204" pitchFamily="34" charset="0"/>
-                  </a:rPr>
-                  <a:t>= la plus </a:t>
-                </a:r>
-                <a:r>
-                  <a:rPr lang="fr-FR" dirty="0">
-                    <a:latin typeface="Arial" panose="020B0604020202020204" pitchFamily="34" charset="0"/>
-                    <a:cs typeface="Arial" panose="020B0604020202020204" pitchFamily="34" charset="0"/>
-                  </a:rPr>
-                  <a:t>souvent parmi les B </a:t>
-                </a:r>
-                <a:r>
-                  <a:rPr lang="fr-FR" dirty="0" smtClean="0">
-                    <a:latin typeface="Arial" panose="020B0604020202020204" pitchFamily="34" charset="0"/>
-                    <a:cs typeface="Arial" panose="020B0604020202020204" pitchFamily="34" charset="0"/>
-                  </a:rPr>
-                  <a:t>arbres </a:t>
-                </a:r>
-                <a:r>
-                  <a:rPr lang="fr-FR" dirty="0">
-                    <a:latin typeface="Arial" panose="020B0604020202020204" pitchFamily="34" charset="0"/>
-                    <a:cs typeface="Arial" panose="020B0604020202020204" pitchFamily="34" charset="0"/>
-                  </a:rPr>
-                  <a:t>(vote majoritaire</a:t>
-                </a:r>
-                <a:r>
-                  <a:rPr lang="fr-FR" dirty="0" smtClean="0">
-                    <a:latin typeface="Arial" panose="020B0604020202020204" pitchFamily="34" charset="0"/>
-                    <a:cs typeface="Arial" panose="020B0604020202020204" pitchFamily="34" charset="0"/>
-                  </a:rPr>
-                  <a:t>).</a:t>
-                </a:r>
-              </a:p>
-              <a:p>
-                <a:pPr lvl="1"/>
-                <a:r>
-                  <a:rPr lang="fr-FR" dirty="0" smtClean="0">
-                    <a:latin typeface="Arial" panose="020B0604020202020204" pitchFamily="34" charset="0"/>
-                    <a:cs typeface="Arial" panose="020B0604020202020204" pitchFamily="34" charset="0"/>
-                  </a:rPr>
-                  <a:t>OU catégorie prédite =catégorie avec la plus forte </a:t>
-                </a:r>
-                <a:r>
-                  <a:rPr lang="fr-FR" dirty="0" err="1" smtClean="0">
+                  <a:rPr lang="fr-FR" dirty="0" err="1">
                     <a:latin typeface="Arial" panose="020B0604020202020204" pitchFamily="34" charset="0"/>
                     <a:cs typeface="Arial" panose="020B0604020202020204" pitchFamily="34" charset="0"/>
                   </a:rPr>
                   <a:t>proba</a:t>
                 </a:r>
                 <a:r>
-                  <a:rPr lang="fr-FR" dirty="0" smtClean="0">
-                    <a:latin typeface="Arial" panose="020B0604020202020204" pitchFamily="34" charset="0"/>
-                    <a:cs typeface="Arial" panose="020B0604020202020204" pitchFamily="34" charset="0"/>
-                  </a:rPr>
-                  <a:t> et cette </a:t>
-                </a:r>
-                <a:r>
-                  <a:rPr lang="fr-FR" dirty="0" err="1" smtClean="0">
-                    <a:latin typeface="Arial" panose="020B0604020202020204" pitchFamily="34" charset="0"/>
-                    <a:cs typeface="Arial" panose="020B0604020202020204" pitchFamily="34" charset="0"/>
-                  </a:rPr>
-                  <a:t>proba</a:t>
-                </a:r>
-                <a:r>
-                  <a:rPr lang="fr-FR" dirty="0" smtClean="0">
-                    <a:latin typeface="Arial" panose="020B0604020202020204" pitchFamily="34" charset="0"/>
-                    <a:cs typeface="Arial" panose="020B0604020202020204" pitchFamily="34" charset="0"/>
-                  </a:rPr>
-                  <a:t> = moyenne des </a:t>
-                </a:r>
-                <a:r>
-                  <a:rPr lang="fr-FR" dirty="0" err="1" smtClean="0">
-                    <a:latin typeface="Arial" panose="020B0604020202020204" pitchFamily="34" charset="0"/>
-                    <a:cs typeface="Arial" panose="020B0604020202020204" pitchFamily="34" charset="0"/>
-                  </a:rPr>
-                  <a:t>proba</a:t>
-                </a:r>
-                <a:r>
-                  <a:rPr lang="fr-FR" dirty="0" smtClean="0">
+                  <a:rPr lang="fr-FR" dirty="0">
                     <a:latin typeface="Arial" panose="020B0604020202020204" pitchFamily="34" charset="0"/>
                     <a:cs typeface="Arial" panose="020B0604020202020204" pitchFamily="34" charset="0"/>
                   </a:rPr>
@@ -10430,88 +9833,6 @@
   <p:clrMapOvr>
     <a:masterClrMapping/>
   </p:clrMapOvr>
-  <p:timing>
-    <p:tnLst>
-      <p:par>
-        <p:cTn id="1" dur="indefinite" restart="never" nodeType="tmRoot"/>
-      </p:par>
-    </p:tnLst>
-  </p:timing>
-</p:sld>
-</file>
-
-<file path=ppt/slides/slide48.xml><?xml version="1.0" encoding="utf-8"?>
-<p:sld xmlns:a="http://schemas.openxmlformats.org/drawingml/2006/main" xmlns:r="http://schemas.openxmlformats.org/officeDocument/2006/relationships" xmlns:p="http://schemas.openxmlformats.org/presentationml/2006/main">
-  <p:cSld>
-    <p:spTree>
-      <p:nvGrpSpPr>
-        <p:cNvPr id="1" name=""/>
-        <p:cNvGrpSpPr/>
-        <p:nvPr/>
-      </p:nvGrpSpPr>
-      <p:grpSpPr>
-        <a:xfrm>
-          <a:off x="0" y="0"/>
-          <a:ext cx="0" cy="0"/>
-          <a:chOff x="0" y="0"/>
-          <a:chExt cx="0" cy="0"/>
-        </a:xfrm>
-      </p:grpSpPr>
-      <p:sp>
-        <p:nvSpPr>
-          <p:cNvPr id="2" name="Titre 1"/>
-          <p:cNvSpPr>
-            <a:spLocks noGrp="1"/>
-          </p:cNvSpPr>
-          <p:nvPr>
-            <p:ph type="title"/>
-          </p:nvPr>
-        </p:nvSpPr>
-        <p:spPr/>
-        <p:txBody>
-          <a:bodyPr/>
-          <a:lstStyle/>
-          <a:p>
-            <a:endParaRPr lang="fr-FR"/>
-          </a:p>
-        </p:txBody>
-      </p:sp>
-      <p:sp>
-        <p:nvSpPr>
-          <p:cNvPr id="3" name="Espace réservé du contenu 2"/>
-          <p:cNvSpPr>
-            <a:spLocks noGrp="1"/>
-          </p:cNvSpPr>
-          <p:nvPr>
-            <p:ph idx="1"/>
-          </p:nvPr>
-        </p:nvSpPr>
-        <p:spPr/>
-        <p:txBody>
-          <a:bodyPr/>
-          <a:lstStyle/>
-          <a:p>
-            <a:endParaRPr lang="fr-FR"/>
-          </a:p>
-        </p:txBody>
-      </p:sp>
-    </p:spTree>
-    <p:extLst>
-      <p:ext uri="{BB962C8B-B14F-4D97-AF65-F5344CB8AC3E}">
-        <p14:creationId xmlns:p14="http://schemas.microsoft.com/office/powerpoint/2010/main" val="3573502302"/>
-      </p:ext>
-    </p:extLst>
-  </p:cSld>
-  <p:clrMapOvr>
-    <a:masterClrMapping/>
-  </p:clrMapOvr>
-  <p:timing>
-    <p:tnLst>
-      <p:par>
-        <p:cTn id="1" dur="indefinite" restart="never" nodeType="tmRoot"/>
-      </p:par>
-    </p:tnLst>
-  </p:timing>
 </p:sld>
 </file>
 
@@ -10572,13 +9893,6 @@
   <p:clrMapOvr>
     <a:masterClrMapping/>
   </p:clrMapOvr>
-  <p:timing>
-    <p:tnLst>
-      <p:par>
-        <p:cTn id="1" dur="indefinite" restart="never" nodeType="tmRoot"/>
-      </p:par>
-    </p:tnLst>
-  </p:timing>
 </p:sld>
 </file>
 
@@ -10731,7 +10045,13 @@
       </p:grpSpPr>
       <p:sp>
         <p:nvSpPr>
-          <p:cNvPr id="2" name="Titre 1"/>
+          <p:cNvPr id="2" name="Titre 1">
+            <a:extLst>
+              <a:ext uri="{FF2B5EF4-FFF2-40B4-BE49-F238E27FC236}">
+                <a16:creationId xmlns:a16="http://schemas.microsoft.com/office/drawing/2014/main" id="{DFB7CBBC-95C3-423F-8BA5-3553757635E1}"/>
+              </a:ext>
+            </a:extLst>
+          </p:cNvPr>
           <p:cNvSpPr>
             <a:spLocks noGrp="1"/>
           </p:cNvSpPr>
@@ -10741,134 +10061,162 @@
         </p:nvSpPr>
         <p:spPr/>
         <p:txBody>
-          <a:bodyPr/>
-          <a:lstStyle/>
-          <a:p>
-            <a:r>
-              <a:rPr lang="fr-FR" dirty="0" smtClean="0"/>
-              <a:t>Commandes </a:t>
-            </a:r>
-            <a:r>
-              <a:rPr lang="fr-FR" dirty="0" err="1" smtClean="0"/>
-              <a:t>pip</a:t>
+          <a:bodyPr>
+            <a:normAutofit/>
+          </a:bodyPr>
+          <a:lstStyle/>
+          <a:p>
+            <a:r>
+              <a:rPr lang="fr-FR" sz="3200" b="1" dirty="0">
+                <a:latin typeface="Arial" panose="020B0604020202020204" pitchFamily="34" charset="0"/>
+                <a:cs typeface="Arial" panose="020B0604020202020204" pitchFamily="34" charset="0"/>
+              </a:rPr>
+              <a:t>Notebooks et </a:t>
+            </a:r>
+            <a:r>
+              <a:rPr lang="fr-FR" sz="3200" b="1" dirty="0" err="1">
+                <a:latin typeface="Arial" panose="020B0604020202020204" pitchFamily="34" charset="0"/>
+                <a:cs typeface="Arial" panose="020B0604020202020204" pitchFamily="34" charset="0"/>
+              </a:rPr>
+              <a:t>markdown</a:t>
+            </a:r>
+            <a:endParaRPr lang="fr-FR" sz="3200" b="1" dirty="0">
+              <a:latin typeface="Arial" panose="020B0604020202020204" pitchFamily="34" charset="0"/>
+              <a:cs typeface="Arial" panose="020B0604020202020204" pitchFamily="34" charset="0"/>
+            </a:endParaRPr>
+          </a:p>
+        </p:txBody>
+      </p:sp>
+      <p:sp>
+        <p:nvSpPr>
+          <p:cNvPr id="3" name="Espace réservé du contenu 2">
+            <a:extLst>
+              <a:ext uri="{FF2B5EF4-FFF2-40B4-BE49-F238E27FC236}">
+                <a16:creationId xmlns:a16="http://schemas.microsoft.com/office/drawing/2014/main" id="{ADD5CCE8-DB0B-46ED-AD61-D0494F770A3F}"/>
+              </a:ext>
+            </a:extLst>
+          </p:cNvPr>
+          <p:cNvSpPr>
+            <a:spLocks noGrp="1"/>
+          </p:cNvSpPr>
+          <p:nvPr>
+            <p:ph idx="1"/>
+          </p:nvPr>
+        </p:nvSpPr>
+        <p:spPr>
+          <a:xfrm>
+            <a:off x="457200" y="1196752"/>
+            <a:ext cx="8579296" cy="4929411"/>
+          </a:xfrm>
+        </p:spPr>
+        <p:txBody>
+          <a:bodyPr>
+            <a:normAutofit/>
+          </a:bodyPr>
+          <a:lstStyle/>
+          <a:p>
+            <a:r>
+              <a:rPr lang="fr-FR" dirty="0">
+                <a:latin typeface="Arial" panose="020B0604020202020204" pitchFamily="34" charset="0"/>
+                <a:cs typeface="Arial" panose="020B0604020202020204" pitchFamily="34" charset="0"/>
+              </a:rPr>
+              <a:t>Jupiter Notebook : une autre façon d’écrire les instructions python.</a:t>
+            </a:r>
+          </a:p>
+          <a:p>
+            <a:r>
+              <a:rPr lang="fr-FR" dirty="0" err="1">
+                <a:latin typeface="Arial" panose="020B0604020202020204" pitchFamily="34" charset="0"/>
+                <a:cs typeface="Arial" panose="020B0604020202020204" pitchFamily="34" charset="0"/>
+              </a:rPr>
+              <a:t>Markdown</a:t>
+            </a:r>
+            <a:r>
+              <a:rPr lang="fr-FR" dirty="0">
+                <a:latin typeface="Arial" panose="020B0604020202020204" pitchFamily="34" charset="0"/>
+                <a:cs typeface="Arial" panose="020B0604020202020204" pitchFamily="34" charset="0"/>
+              </a:rPr>
+              <a:t> : enrichir un notebook avec du code </a:t>
+            </a:r>
+            <a:r>
+              <a:rPr lang="fr-FR" dirty="0" err="1">
+                <a:latin typeface="Arial" panose="020B0604020202020204" pitchFamily="34" charset="0"/>
+                <a:cs typeface="Arial" panose="020B0604020202020204" pitchFamily="34" charset="0"/>
+              </a:rPr>
+              <a:t>markdown</a:t>
+            </a:r>
+            <a:r>
+              <a:rPr lang="fr-FR" dirty="0">
+                <a:latin typeface="Arial" panose="020B0604020202020204" pitchFamily="34" charset="0"/>
+                <a:cs typeface="Arial" panose="020B0604020202020204" pitchFamily="34" charset="0"/>
+              </a:rPr>
+              <a:t> qui sera ensuite converti en HTML automatiquement. Pour démarrer :</a:t>
+            </a:r>
+          </a:p>
+          <a:p>
+            <a:pPr lvl="1"/>
+            <a:r>
+              <a:rPr lang="fr-FR" dirty="0">
+                <a:hlinkClick r:id="rId2"/>
+              </a:rPr>
+              <a:t>https://daringfireball.net/projects/markdown/basics</a:t>
             </a:r>
             <a:endParaRPr lang="fr-FR" dirty="0"/>
           </a:p>
-        </p:txBody>
-      </p:sp>
-      <p:sp>
-        <p:nvSpPr>
-          <p:cNvPr id="3" name="Espace réservé du contenu 2"/>
-          <p:cNvSpPr>
-            <a:spLocks noGrp="1"/>
-          </p:cNvSpPr>
-          <p:nvPr>
-            <p:ph idx="1"/>
-          </p:nvPr>
-        </p:nvSpPr>
-        <p:spPr/>
-        <p:txBody>
-          <a:bodyPr/>
-          <a:lstStyle/>
-          <a:p>
-            <a:r>
-              <a:rPr lang="fr-FR" dirty="0" smtClean="0"/>
-              <a:t>Installer une librairie=&gt; </a:t>
-            </a:r>
-            <a:r>
-              <a:rPr lang="fr-FR" dirty="0" err="1" smtClean="0"/>
-              <a:t>pip</a:t>
-            </a:r>
-            <a:r>
-              <a:rPr lang="fr-FR" dirty="0" smtClean="0"/>
-              <a:t> </a:t>
-            </a:r>
-            <a:r>
-              <a:rPr lang="fr-FR" dirty="0" err="1" smtClean="0"/>
-              <a:t>install</a:t>
-            </a:r>
-            <a:r>
-              <a:rPr lang="fr-FR" dirty="0" smtClean="0"/>
-              <a:t> </a:t>
-            </a:r>
-            <a:r>
-              <a:rPr lang="fr-FR" dirty="0" err="1" smtClean="0"/>
-              <a:t>nomLibrairie</a:t>
-            </a:r>
-            <a:endParaRPr lang="fr-FR" dirty="0" smtClean="0"/>
-          </a:p>
-          <a:p>
-            <a:r>
-              <a:rPr lang="fr-FR" dirty="0" smtClean="0"/>
-              <a:t>Version actuelle =&gt; </a:t>
-            </a:r>
-            <a:r>
-              <a:rPr lang="fr-FR" dirty="0" err="1" smtClean="0"/>
-              <a:t>pip</a:t>
-            </a:r>
-            <a:r>
-              <a:rPr lang="fr-FR" dirty="0" smtClean="0"/>
-              <a:t> show </a:t>
-            </a:r>
-            <a:r>
-              <a:rPr lang="fr-FR" dirty="0" err="1" smtClean="0"/>
-              <a:t>nomLibrairie</a:t>
-            </a:r>
-            <a:endParaRPr lang="fr-FR" dirty="0" smtClean="0"/>
-          </a:p>
-          <a:p>
-            <a:r>
-              <a:rPr lang="fr-FR" dirty="0" smtClean="0"/>
-              <a:t>Upgrade librairie =&gt;</a:t>
-            </a:r>
-            <a:r>
-              <a:rPr lang="fr-FR" dirty="0" err="1"/>
-              <a:t>pip</a:t>
-            </a:r>
-            <a:r>
-              <a:rPr lang="fr-FR" dirty="0"/>
-              <a:t> </a:t>
-            </a:r>
-            <a:r>
-              <a:rPr lang="fr-FR" dirty="0" err="1"/>
-              <a:t>install</a:t>
-            </a:r>
-            <a:r>
-              <a:rPr lang="fr-FR" dirty="0"/>
-              <a:t> </a:t>
-            </a:r>
-            <a:r>
-              <a:rPr lang="fr-FR" dirty="0" smtClean="0"/>
-              <a:t>–upgrade </a:t>
-            </a:r>
-            <a:r>
-              <a:rPr lang="fr-FR" dirty="0" err="1" smtClean="0"/>
-              <a:t>nomLibrairie</a:t>
-            </a:r>
-            <a:endParaRPr lang="fr-FR" dirty="0"/>
-          </a:p>
-          <a:p>
-            <a:endParaRPr lang="fr-FR" dirty="0"/>
+          <a:p>
+            <a:pPr lvl="1"/>
+            <a:r>
+              <a:rPr lang="fr-FR" dirty="0">
+                <a:hlinkClick r:id="rId3"/>
+              </a:rPr>
+              <a:t>https://michelf.ca/projets/php-markdown/syntaxe/</a:t>
+            </a:r>
+            <a:endParaRPr lang="fr-FR" dirty="0">
+              <a:latin typeface="Arial" panose="020B0604020202020204" pitchFamily="34" charset="0"/>
+              <a:cs typeface="Arial" panose="020B0604020202020204" pitchFamily="34" charset="0"/>
+            </a:endParaRPr>
+          </a:p>
+          <a:p>
+            <a:r>
+              <a:rPr lang="fr-FR" dirty="0">
+                <a:latin typeface="Arial" panose="020B0604020202020204" pitchFamily="34" charset="0"/>
+                <a:cs typeface="Arial" panose="020B0604020202020204" pitchFamily="34" charset="0"/>
+              </a:rPr>
+              <a:t>On peut également </a:t>
+            </a:r>
+            <a:r>
+              <a:rPr lang="fr-FR" dirty="0">
+                <a:latin typeface="Arial" panose="020B0604020202020204" pitchFamily="34" charset="0"/>
+                <a:cs typeface="Arial" panose="020B0604020202020204" pitchFamily="34" charset="0"/>
+                <a:hlinkClick r:id="rId4"/>
+              </a:rPr>
+              <a:t>écrire des maths en </a:t>
+            </a:r>
+            <a:r>
+              <a:rPr lang="fr-FR" dirty="0" err="1">
+                <a:latin typeface="Arial" panose="020B0604020202020204" pitchFamily="34" charset="0"/>
+                <a:cs typeface="Arial" panose="020B0604020202020204" pitchFamily="34" charset="0"/>
+                <a:hlinkClick r:id="rId4"/>
+              </a:rPr>
+              <a:t>Markdown</a:t>
+            </a:r>
+            <a:endParaRPr lang="fr-FR" dirty="0">
+              <a:latin typeface="Arial" panose="020B0604020202020204" pitchFamily="34" charset="0"/>
+              <a:cs typeface="Arial" panose="020B0604020202020204" pitchFamily="34" charset="0"/>
+            </a:endParaRPr>
           </a:p>
         </p:txBody>
       </p:sp>
     </p:spTree>
     <p:extLst>
       <p:ext uri="{BB962C8B-B14F-4D97-AF65-F5344CB8AC3E}">
-        <p14:creationId xmlns:p14="http://schemas.microsoft.com/office/powerpoint/2010/main" val="3603830431"/>
+        <p14:creationId xmlns:p14="http://schemas.microsoft.com/office/powerpoint/2010/main" val="1223387052"/>
       </p:ext>
     </p:extLst>
   </p:cSld>
   <p:clrMapOvr>
     <a:masterClrMapping/>
   </p:clrMapOvr>
-  <p:timing>
-    <p:tnLst>
-      <p:par>
-        <p:cTn id="1" dur="indefinite" restart="never" nodeType="tmRoot"/>
-      </p:par>
-    </p:tnLst>
-  </p:timing>
 </p:sld>
 </file>
 
@@ -10901,29 +10249,18 @@
         </p:nvSpPr>
         <p:spPr/>
         <p:txBody>
-          <a:bodyPr>
-            <a:normAutofit/>
-          </a:bodyPr>
-          <a:lstStyle/>
-          <a:p>
-            <a:r>
-              <a:rPr lang="fr-FR" sz="3200" b="1" dirty="0" smtClean="0">
-                <a:latin typeface="Arial" panose="020B0604020202020204" pitchFamily="34" charset="0"/>
-                <a:cs typeface="Arial" panose="020B0604020202020204" pitchFamily="34" charset="0"/>
-              </a:rPr>
-              <a:t>Performances : </a:t>
-            </a:r>
-            <a:r>
-              <a:rPr lang="fr-FR" sz="3200" b="1" dirty="0" err="1" smtClean="0">
-                <a:latin typeface="Arial" panose="020B0604020202020204" pitchFamily="34" charset="0"/>
-                <a:cs typeface="Arial" panose="020B0604020202020204" pitchFamily="34" charset="0"/>
-              </a:rPr>
-              <a:t>Dask</a:t>
-            </a:r>
-            <a:endParaRPr lang="fr-FR" sz="3200" b="1" dirty="0">
-              <a:latin typeface="Arial" panose="020B0604020202020204" pitchFamily="34" charset="0"/>
-              <a:cs typeface="Arial" panose="020B0604020202020204" pitchFamily="34" charset="0"/>
-            </a:endParaRPr>
+          <a:bodyPr/>
+          <a:lstStyle/>
+          <a:p>
+            <a:r>
+              <a:rPr lang="fr-FR" dirty="0"/>
+              <a:t>Commandes </a:t>
+            </a:r>
+            <a:r>
+              <a:rPr lang="fr-FR" dirty="0" err="1"/>
+              <a:t>pip</a:t>
+            </a:r>
+            <a:endParaRPr lang="fr-FR" dirty="0"/>
           </a:p>
         </p:txBody>
       </p:sp>
@@ -10943,70 +10280,75 @@
           <a:lstStyle/>
           <a:p>
             <a:r>
-              <a:rPr lang="fr-FR" dirty="0" err="1" smtClean="0">
-                <a:latin typeface="Arial" panose="020B0604020202020204" pitchFamily="34" charset="0"/>
-                <a:cs typeface="Arial" panose="020B0604020202020204" pitchFamily="34" charset="0"/>
-              </a:rPr>
-              <a:t>Parallélisation</a:t>
-            </a:r>
-            <a:r>
-              <a:rPr lang="fr-FR" dirty="0" smtClean="0">
-                <a:latin typeface="Arial" panose="020B0604020202020204" pitchFamily="34" charset="0"/>
-                <a:cs typeface="Arial" panose="020B0604020202020204" pitchFamily="34" charset="0"/>
-              </a:rPr>
-              <a:t> exécution de fonctions</a:t>
-            </a:r>
-          </a:p>
-          <a:p>
-            <a:r>
-              <a:rPr lang="en-US" dirty="0">
-                <a:latin typeface="Arial" panose="020B0604020202020204" pitchFamily="34" charset="0"/>
-                <a:cs typeface="Arial" panose="020B0604020202020204" pitchFamily="34" charset="0"/>
-              </a:rPr>
-              <a:t>the </a:t>
-            </a:r>
-            <a:r>
-              <a:rPr lang="en-US" dirty="0" err="1">
-                <a:latin typeface="Arial" panose="020B0604020202020204" pitchFamily="34" charset="0"/>
-                <a:cs typeface="Arial" panose="020B0604020202020204" pitchFamily="34" charset="0"/>
-              </a:rPr>
-              <a:t>Dask</a:t>
-            </a:r>
-            <a:r>
-              <a:rPr lang="en-US" dirty="0">
-                <a:latin typeface="Arial" panose="020B0604020202020204" pitchFamily="34" charset="0"/>
-                <a:cs typeface="Arial" panose="020B0604020202020204" pitchFamily="34" charset="0"/>
-              </a:rPr>
-              <a:t> single-machine scheduler leverages the full CPU power of a laptop or a large workstation and changes the space limitation from </a:t>
-            </a:r>
-            <a:r>
-              <a:rPr lang="en-US" u="sng" dirty="0">
-                <a:latin typeface="Arial" panose="020B0604020202020204" pitchFamily="34" charset="0"/>
-                <a:cs typeface="Arial" panose="020B0604020202020204" pitchFamily="34" charset="0"/>
-              </a:rPr>
-              <a:t>“fits in memory” to “fits on disk</a:t>
-            </a:r>
-            <a:r>
-              <a:rPr lang="en-US" u="sng" dirty="0" smtClean="0">
-                <a:latin typeface="Arial" panose="020B0604020202020204" pitchFamily="34" charset="0"/>
-                <a:cs typeface="Arial" panose="020B0604020202020204" pitchFamily="34" charset="0"/>
-              </a:rPr>
-              <a:t>”. </a:t>
-            </a:r>
-            <a:r>
-              <a:rPr lang="en-US" u="sng" dirty="0" smtClean="0">
-                <a:latin typeface="Arial" panose="020B0604020202020204" pitchFamily="34" charset="0"/>
-                <a:cs typeface="Arial" panose="020B0604020202020204" pitchFamily="34" charset="0"/>
-                <a:hlinkClick r:id="rId2"/>
-              </a:rPr>
-              <a:t>Exemple</a:t>
-            </a:r>
-            <a:endParaRPr lang="fr-FR" u="sng" dirty="0" smtClean="0">
-              <a:latin typeface="Arial" panose="020B0604020202020204" pitchFamily="34" charset="0"/>
-              <a:cs typeface="Arial" panose="020B0604020202020204" pitchFamily="34" charset="0"/>
-            </a:endParaRPr>
-          </a:p>
-          <a:p>
+              <a:rPr lang="fr-FR" dirty="0"/>
+              <a:t>Installer une librairie=&gt; </a:t>
+            </a:r>
+            <a:r>
+              <a:rPr lang="fr-FR" dirty="0" err="1"/>
+              <a:t>pip</a:t>
+            </a:r>
+            <a:r>
+              <a:rPr lang="fr-FR" dirty="0"/>
+              <a:t> </a:t>
+            </a:r>
+            <a:r>
+              <a:rPr lang="fr-FR" dirty="0" err="1"/>
+              <a:t>install</a:t>
+            </a:r>
+            <a:r>
+              <a:rPr lang="fr-FR" dirty="0"/>
+              <a:t> </a:t>
+            </a:r>
+            <a:r>
+              <a:rPr lang="fr-FR" dirty="0" err="1"/>
+              <a:t>nomLibrairie</a:t>
+            </a:r>
+            <a:endParaRPr lang="fr-FR" dirty="0"/>
+          </a:p>
+          <a:p>
+            <a:r>
+              <a:rPr lang="fr-FR" dirty="0"/>
+              <a:t>Version actuelle =&gt; </a:t>
+            </a:r>
+            <a:r>
+              <a:rPr lang="fr-FR" dirty="0" err="1"/>
+              <a:t>pip</a:t>
+            </a:r>
+            <a:r>
+              <a:rPr lang="fr-FR" dirty="0"/>
+              <a:t> show </a:t>
+            </a:r>
+            <a:r>
+              <a:rPr lang="fr-FR" dirty="0" err="1"/>
+              <a:t>nomLibrairie</a:t>
+            </a:r>
+            <a:endParaRPr lang="fr-FR" dirty="0"/>
+          </a:p>
+          <a:p>
+            <a:r>
+              <a:rPr lang="fr-FR" dirty="0"/>
+              <a:t>Upgrade librairie =&gt;</a:t>
+            </a:r>
+            <a:r>
+              <a:rPr lang="fr-FR" dirty="0" err="1"/>
+              <a:t>pip</a:t>
+            </a:r>
+            <a:r>
+              <a:rPr lang="fr-FR" dirty="0"/>
+              <a:t> </a:t>
+            </a:r>
+            <a:r>
+              <a:rPr lang="fr-FR" dirty="0" err="1"/>
+              <a:t>install</a:t>
+            </a:r>
+            <a:r>
+              <a:rPr lang="fr-FR" dirty="0"/>
+              <a:t> –upgrade </a:t>
+            </a:r>
+            <a:r>
+              <a:rPr lang="fr-FR" dirty="0" err="1"/>
+              <a:t>nomLibrairie</a:t>
+            </a:r>
             <a:endParaRPr lang="fr-FR" dirty="0"/>
           </a:p>
           <a:p>
@@ -11017,20 +10359,13 @@
     </p:spTree>
     <p:extLst>
       <p:ext uri="{BB962C8B-B14F-4D97-AF65-F5344CB8AC3E}">
-        <p14:creationId xmlns:p14="http://schemas.microsoft.com/office/powerpoint/2010/main" val="459145281"/>
+        <p14:creationId xmlns:p14="http://schemas.microsoft.com/office/powerpoint/2010/main" val="3603830431"/>
       </p:ext>
     </p:extLst>
   </p:cSld>
   <p:clrMapOvr>
     <a:masterClrMapping/>
   </p:clrMapOvr>
-  <p:timing>
-    <p:tnLst>
-      <p:par>
-        <p:cTn id="1" dur="indefinite" restart="never" nodeType="tmRoot"/>
-      </p:par>
-    </p:tnLst>
-  </p:timing>
 </p:sld>
 </file>
 
@@ -11069,16 +10404,160 @@
           <a:lstStyle/>
           <a:p>
             <a:r>
-              <a:rPr lang="fr-FR" sz="3200" b="1" dirty="0" smtClean="0">
-                <a:latin typeface="Arial" panose="020B0604020202020204" pitchFamily="34" charset="0"/>
-                <a:cs typeface="Arial" panose="020B0604020202020204" pitchFamily="34" charset="0"/>
-              </a:rPr>
-              <a:t>Zen of python</a:t>
+              <a:rPr lang="fr-FR" sz="3200" b="1" dirty="0">
+                <a:latin typeface="Arial" panose="020B0604020202020204" pitchFamily="34" charset="0"/>
+                <a:cs typeface="Arial" panose="020B0604020202020204" pitchFamily="34" charset="0"/>
+              </a:rPr>
+              <a:t>Performances : </a:t>
+            </a:r>
+            <a:r>
+              <a:rPr lang="fr-FR" sz="3200" b="1" dirty="0" err="1">
+                <a:latin typeface="Arial" panose="020B0604020202020204" pitchFamily="34" charset="0"/>
+                <a:cs typeface="Arial" panose="020B0604020202020204" pitchFamily="34" charset="0"/>
+              </a:rPr>
+              <a:t>Dask</a:t>
             </a:r>
             <a:endParaRPr lang="fr-FR" sz="3200" b="1" dirty="0">
               <a:latin typeface="Arial" panose="020B0604020202020204" pitchFamily="34" charset="0"/>
               <a:cs typeface="Arial" panose="020B0604020202020204" pitchFamily="34" charset="0"/>
             </a:endParaRPr>
+          </a:p>
+        </p:txBody>
+      </p:sp>
+      <p:sp>
+        <p:nvSpPr>
+          <p:cNvPr id="3" name="Espace réservé du contenu 2"/>
+          <p:cNvSpPr>
+            <a:spLocks noGrp="1"/>
+          </p:cNvSpPr>
+          <p:nvPr>
+            <p:ph idx="1"/>
+          </p:nvPr>
+        </p:nvSpPr>
+        <p:spPr/>
+        <p:txBody>
+          <a:bodyPr/>
+          <a:lstStyle/>
+          <a:p>
+            <a:r>
+              <a:rPr lang="fr-FR" dirty="0" err="1">
+                <a:latin typeface="Arial" panose="020B0604020202020204" pitchFamily="34" charset="0"/>
+                <a:cs typeface="Arial" panose="020B0604020202020204" pitchFamily="34" charset="0"/>
+              </a:rPr>
+              <a:t>Parallélisation</a:t>
+            </a:r>
+            <a:r>
+              <a:rPr lang="fr-FR" dirty="0">
+                <a:latin typeface="Arial" panose="020B0604020202020204" pitchFamily="34" charset="0"/>
+                <a:cs typeface="Arial" panose="020B0604020202020204" pitchFamily="34" charset="0"/>
+              </a:rPr>
+              <a:t> exécution de fonctions</a:t>
+            </a:r>
+          </a:p>
+          <a:p>
+            <a:r>
+              <a:rPr lang="en-US" dirty="0">
+                <a:latin typeface="Arial" panose="020B0604020202020204" pitchFamily="34" charset="0"/>
+                <a:cs typeface="Arial" panose="020B0604020202020204" pitchFamily="34" charset="0"/>
+              </a:rPr>
+              <a:t>the </a:t>
+            </a:r>
+            <a:r>
+              <a:rPr lang="en-US" dirty="0" err="1">
+                <a:latin typeface="Arial" panose="020B0604020202020204" pitchFamily="34" charset="0"/>
+                <a:cs typeface="Arial" panose="020B0604020202020204" pitchFamily="34" charset="0"/>
+              </a:rPr>
+              <a:t>Dask</a:t>
+            </a:r>
+            <a:r>
+              <a:rPr lang="en-US" dirty="0">
+                <a:latin typeface="Arial" panose="020B0604020202020204" pitchFamily="34" charset="0"/>
+                <a:cs typeface="Arial" panose="020B0604020202020204" pitchFamily="34" charset="0"/>
+              </a:rPr>
+              <a:t> single-machine scheduler leverages the full CPU power of a laptop or a large workstation and changes the space limitation from </a:t>
+            </a:r>
+            <a:r>
+              <a:rPr lang="en-US" u="sng" dirty="0">
+                <a:latin typeface="Arial" panose="020B0604020202020204" pitchFamily="34" charset="0"/>
+                <a:cs typeface="Arial" panose="020B0604020202020204" pitchFamily="34" charset="0"/>
+              </a:rPr>
+              <a:t>“fits in memory” to “fits on disk”. </a:t>
+            </a:r>
+            <a:r>
+              <a:rPr lang="en-US" u="sng" dirty="0">
+                <a:latin typeface="Arial" panose="020B0604020202020204" pitchFamily="34" charset="0"/>
+                <a:cs typeface="Arial" panose="020B0604020202020204" pitchFamily="34" charset="0"/>
+                <a:hlinkClick r:id="rId2"/>
+              </a:rPr>
+              <a:t>Exemple</a:t>
+            </a:r>
+            <a:endParaRPr lang="fr-FR" u="sng" dirty="0">
+              <a:latin typeface="Arial" panose="020B0604020202020204" pitchFamily="34" charset="0"/>
+              <a:cs typeface="Arial" panose="020B0604020202020204" pitchFamily="34" charset="0"/>
+            </a:endParaRPr>
+          </a:p>
+          <a:p>
+            <a:endParaRPr lang="fr-FR" dirty="0"/>
+          </a:p>
+          <a:p>
+            <a:endParaRPr lang="fr-FR" dirty="0"/>
+          </a:p>
+        </p:txBody>
+      </p:sp>
+    </p:spTree>
+    <p:extLst>
+      <p:ext uri="{BB962C8B-B14F-4D97-AF65-F5344CB8AC3E}">
+        <p14:creationId xmlns:p14="http://schemas.microsoft.com/office/powerpoint/2010/main" val="459145281"/>
+      </p:ext>
+    </p:extLst>
+  </p:cSld>
+  <p:clrMapOvr>
+    <a:masterClrMapping/>
+  </p:clrMapOvr>
+</p:sld>
+</file>
+
+<file path=ppt/slides/slide53.xml><?xml version="1.0" encoding="utf-8"?>
+<p:sld xmlns:a="http://schemas.openxmlformats.org/drawingml/2006/main" xmlns:r="http://schemas.openxmlformats.org/officeDocument/2006/relationships" xmlns:p="http://schemas.openxmlformats.org/presentationml/2006/main">
+  <p:cSld>
+    <p:spTree>
+      <p:nvGrpSpPr>
+        <p:cNvPr id="1" name=""/>
+        <p:cNvGrpSpPr/>
+        <p:nvPr/>
+      </p:nvGrpSpPr>
+      <p:grpSpPr>
+        <a:xfrm>
+          <a:off x="0" y="0"/>
+          <a:ext cx="0" cy="0"/>
+          <a:chOff x="0" y="0"/>
+          <a:chExt cx="0" cy="0"/>
+        </a:xfrm>
+      </p:grpSpPr>
+      <p:sp>
+        <p:nvSpPr>
+          <p:cNvPr id="2" name="Titre 1"/>
+          <p:cNvSpPr>
+            <a:spLocks noGrp="1"/>
+          </p:cNvSpPr>
+          <p:nvPr>
+            <p:ph type="title"/>
+          </p:nvPr>
+        </p:nvSpPr>
+        <p:spPr/>
+        <p:txBody>
+          <a:bodyPr>
+            <a:normAutofit/>
+          </a:bodyPr>
+          <a:lstStyle/>
+          <a:p>
+            <a:r>
+              <a:rPr lang="fr-FR" sz="3200" b="1" dirty="0">
+                <a:latin typeface="Arial" panose="020B0604020202020204" pitchFamily="34" charset="0"/>
+                <a:cs typeface="Arial" panose="020B0604020202020204" pitchFamily="34" charset="0"/>
+              </a:rPr>
+              <a:t>Zen of python</a:t>
+            </a:r>
           </a:p>
         </p:txBody>
       </p:sp>
@@ -11122,17 +10601,10 @@
   <p:clrMapOvr>
     <a:masterClrMapping/>
   </p:clrMapOvr>
-  <p:timing>
-    <p:tnLst>
-      <p:par>
-        <p:cTn id="1" dur="indefinite" restart="never" nodeType="tmRoot"/>
-      </p:par>
-    </p:tnLst>
-  </p:timing>
 </p:sld>
 </file>
 
-<file path=ppt/slides/slide53.xml><?xml version="1.0" encoding="utf-8"?>
+<file path=ppt/slides/slide54.xml><?xml version="1.0" encoding="utf-8"?>
 <p:sld xmlns:a="http://schemas.openxmlformats.org/drawingml/2006/main" xmlns:r="http://schemas.openxmlformats.org/officeDocument/2006/relationships" xmlns:p="http://schemas.openxmlformats.org/presentationml/2006/main">
   <p:cSld>
     <p:spTree>
@@ -11167,16 +10639,12 @@
           <a:lstStyle/>
           <a:p>
             <a:r>
-              <a:rPr lang="fr-FR" sz="3200" b="1" dirty="0" smtClean="0">
+              <a:rPr lang="fr-FR" sz="3200" b="1" dirty="0">
                 <a:latin typeface="Arial" panose="020B0604020202020204" pitchFamily="34" charset="0"/>
                 <a:cs typeface="Arial" panose="020B0604020202020204" pitchFamily="34" charset="0"/>
               </a:rPr>
               <a:t>autres</a:t>
             </a:r>
-            <a:endParaRPr lang="fr-FR" sz="3200" b="1" dirty="0">
-              <a:latin typeface="Arial" panose="020B0604020202020204" pitchFamily="34" charset="0"/>
-              <a:cs typeface="Arial" panose="020B0604020202020204" pitchFamily="34" charset="0"/>
-            </a:endParaRPr>
           </a:p>
         </p:txBody>
       </p:sp>
@@ -11196,18 +10664,11 @@
           <a:lstStyle/>
           <a:p>
             <a:r>
-              <a:rPr lang="fr-FR" dirty="0" smtClean="0">
-                <a:latin typeface="Arial" panose="020B0604020202020204" pitchFamily="34" charset="0"/>
-                <a:cs typeface="Arial" panose="020B0604020202020204" pitchFamily="34" charset="0"/>
-              </a:rPr>
-              <a:t>Tests </a:t>
-            </a:r>
-            <a:r>
               <a:rPr lang="fr-FR" dirty="0">
                 <a:latin typeface="Arial" panose="020B0604020202020204" pitchFamily="34" charset="0"/>
                 <a:cs typeface="Arial" panose="020B0604020202020204" pitchFamily="34" charset="0"/>
               </a:rPr>
-              <a:t>unitaires</a:t>
+              <a:t>Tests unitaires</a:t>
             </a:r>
           </a:p>
           <a:p>
@@ -11244,37 +10705,17 @@
                 <a:latin typeface="Arial" panose="020B0604020202020204" pitchFamily="34" charset="0"/>
                 <a:cs typeface="Arial" panose="020B0604020202020204" pitchFamily="34" charset="0"/>
               </a:rPr>
-              <a:t> desktop</a:t>
-            </a:r>
-            <a:r>
-              <a:rPr lang="fr-FR" dirty="0" smtClean="0">
-                <a:latin typeface="Arial" panose="020B0604020202020204" pitchFamily="34" charset="0"/>
-                <a:cs typeface="Arial" panose="020B0604020202020204" pitchFamily="34" charset="0"/>
-              </a:rPr>
-              <a:t>).</a:t>
-            </a:r>
-          </a:p>
-          <a:p>
-            <a:r>
-              <a:rPr lang="fr-FR" dirty="0" smtClean="0">
-                <a:latin typeface="Arial" panose="020B0604020202020204" pitchFamily="34" charset="0"/>
-                <a:cs typeface="Arial" panose="020B0604020202020204" pitchFamily="34" charset="0"/>
-              </a:rPr>
-              <a:t>Une autre façon de travailler : notebook</a:t>
-            </a:r>
-          </a:p>
-          <a:p>
-            <a:r>
-              <a:rPr lang="fr-FR" dirty="0" smtClean="0">
+              <a:t> desktop).</a:t>
+            </a:r>
+          </a:p>
+          <a:p>
+            <a:r>
+              <a:rPr lang="fr-FR" dirty="0">
                 <a:latin typeface="Arial" panose="020B0604020202020204" pitchFamily="34" charset="0"/>
                 <a:cs typeface="Arial" panose="020B0604020202020204" pitchFamily="34" charset="0"/>
               </a:rPr>
               <a:t>Les environnements virtuels</a:t>
             </a:r>
-            <a:endParaRPr lang="fr-FR" dirty="0">
-              <a:latin typeface="Arial" panose="020B0604020202020204" pitchFamily="34" charset="0"/>
-              <a:cs typeface="Arial" panose="020B0604020202020204" pitchFamily="34" charset="0"/>
-            </a:endParaRPr>
           </a:p>
           <a:p>
             <a:pPr marL="0" indent="0">
@@ -11294,17 +10735,10 @@
   <p:clrMapOvr>
     <a:masterClrMapping/>
   </p:clrMapOvr>
-  <p:timing>
-    <p:tnLst>
-      <p:par>
-        <p:cTn id="1" dur="indefinite" restart="never" nodeType="tmRoot"/>
-      </p:par>
-    </p:tnLst>
-  </p:timing>
 </p:sld>
 </file>
 
-<file path=ppt/slides/slide54.xml><?xml version="1.0" encoding="utf-8"?>
+<file path=ppt/slides/slide55.xml><?xml version="1.0" encoding="utf-8"?>
 <p:sld xmlns:a="http://schemas.openxmlformats.org/drawingml/2006/main" xmlns:r="http://schemas.openxmlformats.org/officeDocument/2006/relationships" xmlns:p="http://schemas.openxmlformats.org/presentationml/2006/main">
   <p:cSld>
     <p:spTree>
@@ -11361,13 +10795,6 @@
   <p:clrMapOvr>
     <a:masterClrMapping/>
   </p:clrMapOvr>
-  <p:timing>
-    <p:tnLst>
-      <p:par>
-        <p:cTn id="1" dur="indefinite" restart="never" nodeType="tmRoot"/>
-      </p:par>
-    </p:tnLst>
-  </p:timing>
 </p:sld>
 </file>
 

--- a/formation python.pptx
+++ b/formation python.pptx
@@ -356,7 +356,7 @@
           <a:p>
             <a:fld id="{765F0E4A-4BC1-45D8-AEB9-09F4A4417523}" type="datetimeFigureOut">
               <a:rPr lang="fr-FR" smtClean="0"/>
-              <a:t>06/04/2019</a:t>
+              <a:t>07/04/2019</a:t>
             </a:fld>
             <a:endParaRPr lang="fr-FR"/>
           </a:p>
@@ -524,7 +524,7 @@
           <a:p>
             <a:fld id="{765F0E4A-4BC1-45D8-AEB9-09F4A4417523}" type="datetimeFigureOut">
               <a:rPr lang="fr-FR" smtClean="0"/>
-              <a:t>06/04/2019</a:t>
+              <a:t>07/04/2019</a:t>
             </a:fld>
             <a:endParaRPr lang="fr-FR"/>
           </a:p>
@@ -702,7 +702,7 @@
           <a:p>
             <a:fld id="{765F0E4A-4BC1-45D8-AEB9-09F4A4417523}" type="datetimeFigureOut">
               <a:rPr lang="fr-FR" smtClean="0"/>
-              <a:t>06/04/2019</a:t>
+              <a:t>07/04/2019</a:t>
             </a:fld>
             <a:endParaRPr lang="fr-FR"/>
           </a:p>
@@ -870,7 +870,7 @@
           <a:p>
             <a:fld id="{765F0E4A-4BC1-45D8-AEB9-09F4A4417523}" type="datetimeFigureOut">
               <a:rPr lang="fr-FR" smtClean="0"/>
-              <a:t>06/04/2019</a:t>
+              <a:t>07/04/2019</a:t>
             </a:fld>
             <a:endParaRPr lang="fr-FR"/>
           </a:p>
@@ -1115,7 +1115,7 @@
           <a:p>
             <a:fld id="{765F0E4A-4BC1-45D8-AEB9-09F4A4417523}" type="datetimeFigureOut">
               <a:rPr lang="fr-FR" smtClean="0"/>
-              <a:t>06/04/2019</a:t>
+              <a:t>07/04/2019</a:t>
             </a:fld>
             <a:endParaRPr lang="fr-FR"/>
           </a:p>
@@ -1400,7 +1400,7 @@
           <a:p>
             <a:fld id="{765F0E4A-4BC1-45D8-AEB9-09F4A4417523}" type="datetimeFigureOut">
               <a:rPr lang="fr-FR" smtClean="0"/>
-              <a:t>06/04/2019</a:t>
+              <a:t>07/04/2019</a:t>
             </a:fld>
             <a:endParaRPr lang="fr-FR"/>
           </a:p>
@@ -1819,7 +1819,7 @@
           <a:p>
             <a:fld id="{765F0E4A-4BC1-45D8-AEB9-09F4A4417523}" type="datetimeFigureOut">
               <a:rPr lang="fr-FR" smtClean="0"/>
-              <a:t>06/04/2019</a:t>
+              <a:t>07/04/2019</a:t>
             </a:fld>
             <a:endParaRPr lang="fr-FR"/>
           </a:p>
@@ -1936,7 +1936,7 @@
           <a:p>
             <a:fld id="{765F0E4A-4BC1-45D8-AEB9-09F4A4417523}" type="datetimeFigureOut">
               <a:rPr lang="fr-FR" smtClean="0"/>
-              <a:t>06/04/2019</a:t>
+              <a:t>07/04/2019</a:t>
             </a:fld>
             <a:endParaRPr lang="fr-FR"/>
           </a:p>
@@ -2031,7 +2031,7 @@
           <a:p>
             <a:fld id="{765F0E4A-4BC1-45D8-AEB9-09F4A4417523}" type="datetimeFigureOut">
               <a:rPr lang="fr-FR" smtClean="0"/>
-              <a:t>06/04/2019</a:t>
+              <a:t>07/04/2019</a:t>
             </a:fld>
             <a:endParaRPr lang="fr-FR"/>
           </a:p>
@@ -2306,7 +2306,7 @@
           <a:p>
             <a:fld id="{765F0E4A-4BC1-45D8-AEB9-09F4A4417523}" type="datetimeFigureOut">
               <a:rPr lang="fr-FR" smtClean="0"/>
-              <a:t>06/04/2019</a:t>
+              <a:t>07/04/2019</a:t>
             </a:fld>
             <a:endParaRPr lang="fr-FR"/>
           </a:p>
@@ -2558,7 +2558,7 @@
           <a:p>
             <a:fld id="{765F0E4A-4BC1-45D8-AEB9-09F4A4417523}" type="datetimeFigureOut">
               <a:rPr lang="fr-FR" smtClean="0"/>
-              <a:t>06/04/2019</a:t>
+              <a:t>07/04/2019</a:t>
             </a:fld>
             <a:endParaRPr lang="fr-FR"/>
           </a:p>
@@ -2769,7 +2769,7 @@
           <a:p>
             <a:fld id="{765F0E4A-4BC1-45D8-AEB9-09F4A4417523}" type="datetimeFigureOut">
               <a:rPr lang="fr-FR" smtClean="0"/>
-              <a:t>06/04/2019</a:t>
+              <a:t>07/04/2019</a:t>
             </a:fld>
             <a:endParaRPr lang="fr-FR"/>
           </a:p>
@@ -7900,39 +7900,45 @@
                 <a:latin typeface="Arial" panose="020B0604020202020204" pitchFamily="34" charset="0"/>
                 <a:cs typeface="Arial" panose="020B0604020202020204" pitchFamily="34" charset="0"/>
               </a:rPr>
-              <a:t>Graphiques pour le web : </a:t>
-            </a:r>
-            <a:r>
-              <a:rPr lang="fr-FR" sz="3200" b="1" dirty="0" err="1">
+              <a:t>Graphiques pour le web </a:t>
+            </a:r>
+          </a:p>
+        </p:txBody>
+      </p:sp>
+      <p:sp>
+        <p:nvSpPr>
+          <p:cNvPr id="3" name="Espace réservé du contenu 2"/>
+          <p:cNvSpPr>
+            <a:spLocks noGrp="1"/>
+          </p:cNvSpPr>
+          <p:nvPr>
+            <p:ph idx="1"/>
+          </p:nvPr>
+        </p:nvSpPr>
+        <p:spPr/>
+        <p:txBody>
+          <a:bodyPr/>
+          <a:lstStyle/>
+          <a:p>
+            <a:pPr marL="0" indent="0">
+              <a:buNone/>
+            </a:pPr>
+            <a:r>
+              <a:rPr lang="fr-FR" b="1" dirty="0">
                 <a:latin typeface="Arial" panose="020B0604020202020204" pitchFamily="34" charset="0"/>
                 <a:cs typeface="Arial" panose="020B0604020202020204" pitchFamily="34" charset="0"/>
               </a:rPr>
               <a:t>Bokeh</a:t>
             </a:r>
-            <a:endParaRPr lang="fr-FR" sz="3200" b="1" dirty="0">
+            <a:endParaRPr lang="fr-FR" dirty="0">
               <a:latin typeface="Arial" panose="020B0604020202020204" pitchFamily="34" charset="0"/>
               <a:cs typeface="Arial" panose="020B0604020202020204" pitchFamily="34" charset="0"/>
+              <a:hlinkClick r:id="rId2"/>
             </a:endParaRPr>
           </a:p>
-        </p:txBody>
-      </p:sp>
-      <p:sp>
-        <p:nvSpPr>
-          <p:cNvPr id="3" name="Espace réservé du contenu 2"/>
-          <p:cNvSpPr>
-            <a:spLocks noGrp="1"/>
-          </p:cNvSpPr>
-          <p:nvPr>
-            <p:ph idx="1"/>
-          </p:nvPr>
-        </p:nvSpPr>
-        <p:spPr/>
-        <p:txBody>
-          <a:bodyPr/>
-          <a:lstStyle/>
-          <a:p>
-            <a:r>
-              <a:rPr lang="fr-FR" dirty="0">
+          <a:p>
+            <a:r>
+              <a:rPr lang="fr-FR" dirty="0" err="1">
                 <a:latin typeface="Arial" panose="020B0604020202020204" pitchFamily="34" charset="0"/>
                 <a:cs typeface="Arial" panose="020B0604020202020204" pitchFamily="34" charset="0"/>
                 <a:hlinkClick r:id="rId2"/>
@@ -7953,6 +7959,43 @@
               </a:rPr>
               <a:t>Explorer données sur films</a:t>
             </a:r>
+            <a:endParaRPr lang="fr-FR" dirty="0">
+              <a:latin typeface="Arial" panose="020B0604020202020204" pitchFamily="34" charset="0"/>
+              <a:cs typeface="Arial" panose="020B0604020202020204" pitchFamily="34" charset="0"/>
+            </a:endParaRPr>
+          </a:p>
+          <a:p>
+            <a:r>
+              <a:rPr lang="fr-FR" dirty="0" err="1">
+                <a:latin typeface="Arial" panose="020B0604020202020204" pitchFamily="34" charset="0"/>
+                <a:cs typeface="Arial" panose="020B0604020202020204" pitchFamily="34" charset="0"/>
+              </a:rPr>
+              <a:t>Plotly</a:t>
+            </a:r>
+            <a:r>
+              <a:rPr lang="fr-FR" dirty="0">
+                <a:latin typeface="Arial" panose="020B0604020202020204" pitchFamily="34" charset="0"/>
+                <a:cs typeface="Arial" panose="020B0604020202020204" pitchFamily="34" charset="0"/>
+              </a:rPr>
+              <a:t>/</a:t>
+            </a:r>
+            <a:r>
+              <a:rPr lang="fr-FR" dirty="0">
+                <a:latin typeface="Arial" panose="020B0604020202020204" pitchFamily="34" charset="0"/>
+                <a:cs typeface="Arial" panose="020B0604020202020204" pitchFamily="34" charset="0"/>
+                <a:hlinkClick r:id="rId4"/>
+              </a:rPr>
+              <a:t>Dash</a:t>
+            </a:r>
+            <a:endParaRPr lang="fr-FR" dirty="0">
+              <a:latin typeface="Arial" panose="020B0604020202020204" pitchFamily="34" charset="0"/>
+              <a:cs typeface="Arial" panose="020B0604020202020204" pitchFamily="34" charset="0"/>
+            </a:endParaRPr>
+          </a:p>
+          <a:p>
+            <a:pPr marL="0" indent="0">
+              <a:buNone/>
+            </a:pPr>
             <a:endParaRPr lang="fr-FR" dirty="0">
               <a:latin typeface="Arial" panose="020B0604020202020204" pitchFamily="34" charset="0"/>
               <a:cs typeface="Arial" panose="020B0604020202020204" pitchFamily="34" charset="0"/>

--- a/formation python.pptx
+++ b/formation python.pptx
@@ -6,60 +6,63 @@
   </p:sldMasterIdLst>
   <p:sldIdLst>
     <p:sldId id="256" r:id="rId2"/>
-    <p:sldId id="324" r:id="rId3"/>
-    <p:sldId id="309" r:id="rId4"/>
-    <p:sldId id="311" r:id="rId5"/>
-    <p:sldId id="312" r:id="rId6"/>
-    <p:sldId id="313" r:id="rId7"/>
-    <p:sldId id="314" r:id="rId8"/>
-    <p:sldId id="315" r:id="rId9"/>
-    <p:sldId id="310" r:id="rId10"/>
-    <p:sldId id="326" r:id="rId11"/>
-    <p:sldId id="325" r:id="rId12"/>
-    <p:sldId id="316" r:id="rId13"/>
-    <p:sldId id="317" r:id="rId14"/>
-    <p:sldId id="319" r:id="rId15"/>
-    <p:sldId id="320" r:id="rId16"/>
-    <p:sldId id="321" r:id="rId17"/>
-    <p:sldId id="322" r:id="rId18"/>
-    <p:sldId id="323" r:id="rId19"/>
-    <p:sldId id="337" r:id="rId20"/>
-    <p:sldId id="329" r:id="rId21"/>
-    <p:sldId id="330" r:id="rId22"/>
-    <p:sldId id="331" r:id="rId23"/>
-    <p:sldId id="336" r:id="rId24"/>
-    <p:sldId id="341" r:id="rId25"/>
+    <p:sldId id="364" r:id="rId3"/>
+    <p:sldId id="324" r:id="rId4"/>
+    <p:sldId id="309" r:id="rId5"/>
+    <p:sldId id="311" r:id="rId6"/>
+    <p:sldId id="312" r:id="rId7"/>
+    <p:sldId id="313" r:id="rId8"/>
+    <p:sldId id="314" r:id="rId9"/>
+    <p:sldId id="315" r:id="rId10"/>
+    <p:sldId id="310" r:id="rId11"/>
+    <p:sldId id="326" r:id="rId12"/>
+    <p:sldId id="325" r:id="rId13"/>
+    <p:sldId id="316" r:id="rId14"/>
+    <p:sldId id="317" r:id="rId15"/>
+    <p:sldId id="319" r:id="rId16"/>
+    <p:sldId id="320" r:id="rId17"/>
+    <p:sldId id="321" r:id="rId18"/>
+    <p:sldId id="322" r:id="rId19"/>
+    <p:sldId id="323" r:id="rId20"/>
+    <p:sldId id="337" r:id="rId21"/>
+    <p:sldId id="329" r:id="rId22"/>
+    <p:sldId id="330" r:id="rId23"/>
+    <p:sldId id="331" r:id="rId24"/>
+    <p:sldId id="336" r:id="rId25"/>
     <p:sldId id="342" r:id="rId26"/>
     <p:sldId id="343" r:id="rId27"/>
     <p:sldId id="332" r:id="rId28"/>
     <p:sldId id="345" r:id="rId29"/>
     <p:sldId id="352" r:id="rId30"/>
     <p:sldId id="335" r:id="rId31"/>
-    <p:sldId id="346" r:id="rId32"/>
-    <p:sldId id="347" r:id="rId33"/>
-    <p:sldId id="344" r:id="rId34"/>
-    <p:sldId id="349" r:id="rId35"/>
-    <p:sldId id="350" r:id="rId36"/>
-    <p:sldId id="351" r:id="rId37"/>
-    <p:sldId id="353" r:id="rId38"/>
-    <p:sldId id="354" r:id="rId39"/>
-    <p:sldId id="355" r:id="rId40"/>
-    <p:sldId id="356" r:id="rId41"/>
-    <p:sldId id="328" r:id="rId42"/>
-    <p:sldId id="363" r:id="rId43"/>
-    <p:sldId id="358" r:id="rId44"/>
-    <p:sldId id="359" r:id="rId45"/>
-    <p:sldId id="360" r:id="rId46"/>
-    <p:sldId id="365" r:id="rId47"/>
+    <p:sldId id="365" r:id="rId32"/>
+    <p:sldId id="346" r:id="rId33"/>
+    <p:sldId id="347" r:id="rId34"/>
+    <p:sldId id="344" r:id="rId35"/>
+    <p:sldId id="349" r:id="rId36"/>
+    <p:sldId id="350" r:id="rId37"/>
+    <p:sldId id="351" r:id="rId38"/>
+    <p:sldId id="353" r:id="rId39"/>
+    <p:sldId id="354" r:id="rId40"/>
+    <p:sldId id="355" r:id="rId41"/>
+    <p:sldId id="356" r:id="rId42"/>
+    <p:sldId id="328" r:id="rId43"/>
+    <p:sldId id="363" r:id="rId44"/>
+    <p:sldId id="358" r:id="rId45"/>
+    <p:sldId id="359" r:id="rId46"/>
+    <p:sldId id="360" r:id="rId47"/>
     <p:sldId id="361" r:id="rId48"/>
     <p:sldId id="362" r:id="rId49"/>
-    <p:sldId id="333" r:id="rId50"/>
-    <p:sldId id="364" r:id="rId51"/>
-    <p:sldId id="348" r:id="rId52"/>
-    <p:sldId id="338" r:id="rId53"/>
-    <p:sldId id="339" r:id="rId54"/>
-    <p:sldId id="340" r:id="rId55"/>
-    <p:sldId id="308" r:id="rId56"/>
+    <p:sldId id="327" r:id="rId50"/>
+    <p:sldId id="366" r:id="rId51"/>
+    <p:sldId id="367" r:id="rId52"/>
+    <p:sldId id="333" r:id="rId53"/>
+    <p:sldId id="368" r:id="rId54"/>
+    <p:sldId id="348" r:id="rId55"/>
+    <p:sldId id="338" r:id="rId56"/>
+    <p:sldId id="339" r:id="rId57"/>
+    <p:sldId id="340" r:id="rId58"/>
+    <p:sldId id="308" r:id="rId59"/>
   </p:sldIdLst>
   <p:sldSz cx="9144000" cy="6858000" type="screen4x3"/>
   <p:notesSz cx="6858000" cy="9144000"/>
@@ -160,7 +163,7 @@
   </p:defaultTextStyle>
   <p:extLst>
     <p:ext uri="{EFAFB233-063F-42B5-8137-9DF3F51BA10A}">
-      <p15:sldGuideLst xmlns:p15="http://schemas.microsoft.com/office/powerpoint/2012/main">
+      <p15:sldGuideLst xmlns:p15="http://schemas.microsoft.com/office/powerpoint/2012/main" xmlns="">
         <p15:guide id="1" orient="horz" pos="2160">
           <p15:clr>
             <a:srgbClr val="A4A3A4"/>
@@ -356,7 +359,7 @@
           <a:p>
             <a:fld id="{765F0E4A-4BC1-45D8-AEB9-09F4A4417523}" type="datetimeFigureOut">
               <a:rPr lang="fr-FR" smtClean="0"/>
-              <a:t>07/04/2019</a:t>
+              <a:t>08/04/2019</a:t>
             </a:fld>
             <a:endParaRPr lang="fr-FR"/>
           </a:p>
@@ -524,7 +527,7 @@
           <a:p>
             <a:fld id="{765F0E4A-4BC1-45D8-AEB9-09F4A4417523}" type="datetimeFigureOut">
               <a:rPr lang="fr-FR" smtClean="0"/>
-              <a:t>07/04/2019</a:t>
+              <a:t>08/04/2019</a:t>
             </a:fld>
             <a:endParaRPr lang="fr-FR"/>
           </a:p>
@@ -702,7 +705,7 @@
           <a:p>
             <a:fld id="{765F0E4A-4BC1-45D8-AEB9-09F4A4417523}" type="datetimeFigureOut">
               <a:rPr lang="fr-FR" smtClean="0"/>
-              <a:t>07/04/2019</a:t>
+              <a:t>08/04/2019</a:t>
             </a:fld>
             <a:endParaRPr lang="fr-FR"/>
           </a:p>
@@ -870,7 +873,7 @@
           <a:p>
             <a:fld id="{765F0E4A-4BC1-45D8-AEB9-09F4A4417523}" type="datetimeFigureOut">
               <a:rPr lang="fr-FR" smtClean="0"/>
-              <a:t>07/04/2019</a:t>
+              <a:t>08/04/2019</a:t>
             </a:fld>
             <a:endParaRPr lang="fr-FR"/>
           </a:p>
@@ -1115,7 +1118,7 @@
           <a:p>
             <a:fld id="{765F0E4A-4BC1-45D8-AEB9-09F4A4417523}" type="datetimeFigureOut">
               <a:rPr lang="fr-FR" smtClean="0"/>
-              <a:t>07/04/2019</a:t>
+              <a:t>08/04/2019</a:t>
             </a:fld>
             <a:endParaRPr lang="fr-FR"/>
           </a:p>
@@ -1400,7 +1403,7 @@
           <a:p>
             <a:fld id="{765F0E4A-4BC1-45D8-AEB9-09F4A4417523}" type="datetimeFigureOut">
               <a:rPr lang="fr-FR" smtClean="0"/>
-              <a:t>07/04/2019</a:t>
+              <a:t>08/04/2019</a:t>
             </a:fld>
             <a:endParaRPr lang="fr-FR"/>
           </a:p>
@@ -1819,7 +1822,7 @@
           <a:p>
             <a:fld id="{765F0E4A-4BC1-45D8-AEB9-09F4A4417523}" type="datetimeFigureOut">
               <a:rPr lang="fr-FR" smtClean="0"/>
-              <a:t>07/04/2019</a:t>
+              <a:t>08/04/2019</a:t>
             </a:fld>
             <a:endParaRPr lang="fr-FR"/>
           </a:p>
@@ -1936,7 +1939,7 @@
           <a:p>
             <a:fld id="{765F0E4A-4BC1-45D8-AEB9-09F4A4417523}" type="datetimeFigureOut">
               <a:rPr lang="fr-FR" smtClean="0"/>
-              <a:t>07/04/2019</a:t>
+              <a:t>08/04/2019</a:t>
             </a:fld>
             <a:endParaRPr lang="fr-FR"/>
           </a:p>
@@ -2031,7 +2034,7 @@
           <a:p>
             <a:fld id="{765F0E4A-4BC1-45D8-AEB9-09F4A4417523}" type="datetimeFigureOut">
               <a:rPr lang="fr-FR" smtClean="0"/>
-              <a:t>07/04/2019</a:t>
+              <a:t>08/04/2019</a:t>
             </a:fld>
             <a:endParaRPr lang="fr-FR"/>
           </a:p>
@@ -2306,7 +2309,7 @@
           <a:p>
             <a:fld id="{765F0E4A-4BC1-45D8-AEB9-09F4A4417523}" type="datetimeFigureOut">
               <a:rPr lang="fr-FR" smtClean="0"/>
-              <a:t>07/04/2019</a:t>
+              <a:t>08/04/2019</a:t>
             </a:fld>
             <a:endParaRPr lang="fr-FR"/>
           </a:p>
@@ -2558,7 +2561,7 @@
           <a:p>
             <a:fld id="{765F0E4A-4BC1-45D8-AEB9-09F4A4417523}" type="datetimeFigureOut">
               <a:rPr lang="fr-FR" smtClean="0"/>
-              <a:t>07/04/2019</a:t>
+              <a:t>08/04/2019</a:t>
             </a:fld>
             <a:endParaRPr lang="fr-FR"/>
           </a:p>
@@ -2769,7 +2772,7 @@
           <a:p>
             <a:fld id="{765F0E4A-4BC1-45D8-AEB9-09F4A4417523}" type="datetimeFigureOut">
               <a:rPr lang="fr-FR" smtClean="0"/>
-              <a:t>07/04/2019</a:t>
+              <a:t>08/04/2019</a:t>
             </a:fld>
             <a:endParaRPr lang="fr-FR"/>
           </a:p>
@@ -3261,6 +3264,13 @@
   <p:clrMapOvr>
     <a:masterClrMapping/>
   </p:clrMapOvr>
+  <p:timing>
+    <p:tnLst>
+      <p:par>
+        <p:cTn id="1" dur="indefinite" restart="never" nodeType="tmRoot"/>
+      </p:par>
+    </p:tnLst>
+  </p:timing>
 </p:sld>
 </file>
 
@@ -3303,334 +3313,137 @@
                 <a:latin typeface="Arial" panose="020B0604020202020204" pitchFamily="34" charset="0"/>
                 <a:cs typeface="Arial" panose="020B0604020202020204" pitchFamily="34" charset="0"/>
               </a:rPr>
-              <a:t>Python pour la </a:t>
-            </a:r>
-            <a:r>
-              <a:rPr lang="fr-FR" sz="3200" b="1" dirty="0" err="1">
+              <a:t>Pourquoi s’intéresser à Python?</a:t>
+            </a:r>
+            <a:endParaRPr lang="fr-FR" sz="3200" dirty="0"/>
+          </a:p>
+        </p:txBody>
+      </p:sp>
+      <p:sp>
+        <p:nvSpPr>
+          <p:cNvPr id="3" name="Espace réservé du contenu 2"/>
+          <p:cNvSpPr>
+            <a:spLocks noGrp="1"/>
+          </p:cNvSpPr>
+          <p:nvPr>
+            <p:ph idx="1"/>
+          </p:nvPr>
+        </p:nvSpPr>
+        <p:spPr/>
+        <p:txBody>
+          <a:bodyPr>
+            <a:noAutofit/>
+          </a:bodyPr>
+          <a:lstStyle/>
+          <a:p>
+            <a:r>
+              <a:rPr lang="fr-FR" sz="2400" dirty="0">
+                <a:latin typeface="Arial" panose="020B0604020202020204" pitchFamily="34" charset="0"/>
+                <a:cs typeface="Arial" panose="020B0604020202020204" pitchFamily="34" charset="0"/>
+              </a:rPr>
+              <a:t>facile à apprendre</a:t>
+            </a:r>
+          </a:p>
+          <a:p>
+            <a:r>
+              <a:rPr lang="fr-FR" sz="2400" dirty="0">
+                <a:latin typeface="Arial" panose="020B0604020202020204" pitchFamily="34" charset="0"/>
+                <a:cs typeface="Arial" panose="020B0604020202020204" pitchFamily="34" charset="0"/>
+              </a:rPr>
+              <a:t>à usage général : développement « classique », </a:t>
+            </a:r>
+            <a:r>
+              <a:rPr lang="fr-FR" sz="2400" dirty="0" err="1">
                 <a:latin typeface="Arial" panose="020B0604020202020204" pitchFamily="34" charset="0"/>
                 <a:cs typeface="Arial" panose="020B0604020202020204" pitchFamily="34" charset="0"/>
               </a:rPr>
               <a:t>datascience</a:t>
             </a:r>
             <a:r>
-              <a:rPr lang="fr-FR" sz="3200" b="1" dirty="0">
-                <a:latin typeface="Arial" panose="020B0604020202020204" pitchFamily="34" charset="0"/>
-                <a:cs typeface="Arial" panose="020B0604020202020204" pitchFamily="34" charset="0"/>
-              </a:rPr>
-              <a:t> : les principales librairies</a:t>
-            </a:r>
-          </a:p>
-        </p:txBody>
-      </p:sp>
-      <p:sp>
-        <p:nvSpPr>
-          <p:cNvPr id="3" name="Espace réservé du contenu 2"/>
-          <p:cNvSpPr>
-            <a:spLocks noGrp="1"/>
-          </p:cNvSpPr>
-          <p:nvPr>
-            <p:ph idx="1"/>
-          </p:nvPr>
-        </p:nvSpPr>
-        <p:spPr/>
-        <p:txBody>
-          <a:bodyPr>
-            <a:normAutofit/>
-          </a:bodyPr>
-          <a:lstStyle/>
-          <a:p>
-            <a:r>
-              <a:rPr lang="fr-FR" sz="2400" b="1" dirty="0" err="1">
-                <a:latin typeface="Arial" panose="020B0604020202020204" pitchFamily="34" charset="0"/>
-                <a:cs typeface="Arial" panose="020B0604020202020204" pitchFamily="34" charset="0"/>
-              </a:rPr>
-              <a:t>Numpy</a:t>
-            </a:r>
-            <a:r>
-              <a:rPr lang="fr-FR" sz="2400" b="1" dirty="0">
-                <a:latin typeface="Arial" panose="020B0604020202020204" pitchFamily="34" charset="0"/>
-                <a:cs typeface="Arial" panose="020B0604020202020204" pitchFamily="34" charset="0"/>
-              </a:rPr>
-              <a:t> : </a:t>
-            </a:r>
-            <a:r>
-              <a:rPr lang="fr-FR" sz="2000" dirty="0">
-                <a:latin typeface="Arial" panose="020B0604020202020204" pitchFamily="34" charset="0"/>
-                <a:cs typeface="Arial" panose="020B0604020202020204" pitchFamily="34" charset="0"/>
-              </a:rPr>
-              <a:t>manipulation de tableaux multidimensionnels + fonctions mathématiques dessus.</a:t>
-            </a:r>
-          </a:p>
-          <a:p>
-            <a:r>
-              <a:rPr lang="fr-FR" sz="2400" b="1" dirty="0">
-                <a:latin typeface="Arial" panose="020B0604020202020204" pitchFamily="34" charset="0"/>
-                <a:cs typeface="Arial" panose="020B0604020202020204" pitchFamily="34" charset="0"/>
-              </a:rPr>
-              <a:t>Pandas</a:t>
-            </a:r>
-            <a:r>
-              <a:rPr lang="fr-FR" sz="2000" dirty="0">
-                <a:latin typeface="Arial" panose="020B0604020202020204" pitchFamily="34" charset="0"/>
-                <a:cs typeface="Arial" panose="020B0604020202020204" pitchFamily="34" charset="0"/>
-              </a:rPr>
-              <a:t> : manipulation de données + statistiques descriptives</a:t>
-            </a:r>
-          </a:p>
-          <a:p>
-            <a:r>
-              <a:rPr lang="fr-FR" sz="2400" b="1" dirty="0" err="1">
-                <a:latin typeface="Arial" panose="020B0604020202020204" pitchFamily="34" charset="0"/>
-                <a:cs typeface="Arial" panose="020B0604020202020204" pitchFamily="34" charset="0"/>
-              </a:rPr>
-              <a:t>Statsmodels</a:t>
-            </a:r>
-            <a:r>
-              <a:rPr lang="fr-FR" sz="2000" dirty="0">
-                <a:latin typeface="Arial" panose="020B0604020202020204" pitchFamily="34" charset="0"/>
-                <a:cs typeface="Arial" panose="020B0604020202020204" pitchFamily="34" charset="0"/>
-              </a:rPr>
-              <a:t> : économétrie, séries temporelles</a:t>
-            </a:r>
-          </a:p>
-          <a:p>
-            <a:r>
-              <a:rPr lang="fr-FR" sz="2400" b="1" dirty="0" err="1">
-                <a:latin typeface="Arial" panose="020B0604020202020204" pitchFamily="34" charset="0"/>
-                <a:cs typeface="Arial" panose="020B0604020202020204" pitchFamily="34" charset="0"/>
-              </a:rPr>
-              <a:t>Scikit</a:t>
-            </a:r>
-            <a:r>
-              <a:rPr lang="fr-FR" sz="2400" b="1" dirty="0">
-                <a:latin typeface="Arial" panose="020B0604020202020204" pitchFamily="34" charset="0"/>
-                <a:cs typeface="Arial" panose="020B0604020202020204" pitchFamily="34" charset="0"/>
-              </a:rPr>
-              <a:t> </a:t>
-            </a:r>
-            <a:r>
-              <a:rPr lang="fr-FR" sz="2400" b="1" dirty="0" err="1">
-                <a:latin typeface="Arial" panose="020B0604020202020204" pitchFamily="34" charset="0"/>
-                <a:cs typeface="Arial" panose="020B0604020202020204" pitchFamily="34" charset="0"/>
-              </a:rPr>
-              <a:t>learn</a:t>
-            </a:r>
-            <a:r>
-              <a:rPr lang="fr-FR" sz="2400" b="1" dirty="0">
-                <a:latin typeface="Arial" panose="020B0604020202020204" pitchFamily="34" charset="0"/>
-                <a:cs typeface="Arial" panose="020B0604020202020204" pitchFamily="34" charset="0"/>
-              </a:rPr>
-              <a:t> </a:t>
-            </a:r>
-            <a:r>
-              <a:rPr lang="fr-FR" sz="2000" dirty="0">
-                <a:latin typeface="Arial" panose="020B0604020202020204" pitchFamily="34" charset="0"/>
-                <a:cs typeface="Arial" panose="020B0604020202020204" pitchFamily="34" charset="0"/>
-              </a:rPr>
-              <a:t>: machine </a:t>
-            </a:r>
-            <a:r>
-              <a:rPr lang="fr-FR" sz="2000" dirty="0" err="1">
-                <a:latin typeface="Arial" panose="020B0604020202020204" pitchFamily="34" charset="0"/>
-                <a:cs typeface="Arial" panose="020B0604020202020204" pitchFamily="34" charset="0"/>
-              </a:rPr>
-              <a:t>learning</a:t>
-            </a:r>
-            <a:r>
-              <a:rPr lang="fr-FR" sz="2000" dirty="0">
-                <a:latin typeface="Arial" panose="020B0604020202020204" pitchFamily="34" charset="0"/>
-                <a:cs typeface="Arial" panose="020B0604020202020204" pitchFamily="34" charset="0"/>
-              </a:rPr>
-              <a:t> notamment : « classification » (SVM, forêts aléatoires, </a:t>
-            </a:r>
-            <a:r>
-              <a:rPr lang="fr-FR" sz="2000" dirty="0" err="1">
-                <a:latin typeface="Arial" panose="020B0604020202020204" pitchFamily="34" charset="0"/>
-                <a:cs typeface="Arial" panose="020B0604020202020204" pitchFamily="34" charset="0"/>
-              </a:rPr>
-              <a:t>etc</a:t>
-            </a:r>
-            <a:r>
-              <a:rPr lang="fr-FR" sz="2000" dirty="0">
-                <a:latin typeface="Arial" panose="020B0604020202020204" pitchFamily="34" charset="0"/>
-                <a:cs typeface="Arial" panose="020B0604020202020204" pitchFamily="34" charset="0"/>
-              </a:rPr>
-              <a:t>) , réduction de dimension (ACP, </a:t>
-            </a:r>
-            <a:r>
-              <a:rPr lang="fr-FR" sz="2000" dirty="0" err="1">
-                <a:latin typeface="Arial" panose="020B0604020202020204" pitchFamily="34" charset="0"/>
-                <a:cs typeface="Arial" panose="020B0604020202020204" pitchFamily="34" charset="0"/>
-              </a:rPr>
-              <a:t>etc</a:t>
-            </a:r>
-            <a:r>
-              <a:rPr lang="fr-FR" sz="2000" dirty="0">
-                <a:latin typeface="Arial" panose="020B0604020202020204" pitchFamily="34" charset="0"/>
-                <a:cs typeface="Arial" panose="020B0604020202020204" pitchFamily="34" charset="0"/>
-              </a:rPr>
-              <a:t>), « </a:t>
-            </a:r>
-            <a:r>
-              <a:rPr lang="fr-FR" sz="2000" dirty="0" err="1">
-                <a:latin typeface="Arial" panose="020B0604020202020204" pitchFamily="34" charset="0"/>
-                <a:cs typeface="Arial" panose="020B0604020202020204" pitchFamily="34" charset="0"/>
-              </a:rPr>
-              <a:t>clustering</a:t>
-            </a:r>
-            <a:r>
-              <a:rPr lang="fr-FR" sz="2000" dirty="0">
-                <a:latin typeface="Arial" panose="020B0604020202020204" pitchFamily="34" charset="0"/>
-                <a:cs typeface="Arial" panose="020B0604020202020204" pitchFamily="34" charset="0"/>
-              </a:rPr>
-              <a:t> » (CAH, k </a:t>
-            </a:r>
-            <a:r>
-              <a:rPr lang="fr-FR" sz="2000" dirty="0" err="1">
-                <a:latin typeface="Arial" panose="020B0604020202020204" pitchFamily="34" charset="0"/>
-                <a:cs typeface="Arial" panose="020B0604020202020204" pitchFamily="34" charset="0"/>
-              </a:rPr>
-              <a:t>means</a:t>
-            </a:r>
-            <a:r>
-              <a:rPr lang="fr-FR" sz="2000" dirty="0">
-                <a:latin typeface="Arial" panose="020B0604020202020204" pitchFamily="34" charset="0"/>
-                <a:cs typeface="Arial" panose="020B0604020202020204" pitchFamily="34" charset="0"/>
-              </a:rPr>
-              <a:t>, </a:t>
-            </a:r>
-            <a:r>
-              <a:rPr lang="fr-FR" sz="2000" dirty="0" err="1">
-                <a:latin typeface="Arial" panose="020B0604020202020204" pitchFamily="34" charset="0"/>
-                <a:cs typeface="Arial" panose="020B0604020202020204" pitchFamily="34" charset="0"/>
-              </a:rPr>
-              <a:t>etc</a:t>
-            </a:r>
-            <a:r>
-              <a:rPr lang="fr-FR" sz="2000" dirty="0">
-                <a:latin typeface="Arial" panose="020B0604020202020204" pitchFamily="34" charset="0"/>
-                <a:cs typeface="Arial" panose="020B0604020202020204" pitchFamily="34" charset="0"/>
-              </a:rPr>
-              <a:t>), aide pour la sélection de modèle.</a:t>
-            </a:r>
-          </a:p>
-          <a:p>
-            <a:r>
-              <a:rPr lang="fr-FR" sz="2400" b="1" dirty="0">
-                <a:latin typeface="Arial" panose="020B0604020202020204" pitchFamily="34" charset="0"/>
-                <a:cs typeface="Arial" panose="020B0604020202020204" pitchFamily="34" charset="0"/>
-              </a:rPr>
-              <a:t>Visualisation</a:t>
-            </a:r>
-            <a:r>
-              <a:rPr lang="fr-FR" sz="2000" dirty="0">
-                <a:latin typeface="Arial" panose="020B0604020202020204" pitchFamily="34" charset="0"/>
-                <a:cs typeface="Arial" panose="020B0604020202020204" pitchFamily="34" charset="0"/>
-              </a:rPr>
-              <a:t> : </a:t>
-            </a:r>
-            <a:r>
-              <a:rPr lang="fr-FR" sz="2000" dirty="0" err="1">
-                <a:latin typeface="Arial" panose="020B0604020202020204" pitchFamily="34" charset="0"/>
-                <a:cs typeface="Arial" panose="020B0604020202020204" pitchFamily="34" charset="0"/>
-              </a:rPr>
-              <a:t>matplotlib</a:t>
-            </a:r>
-            <a:r>
-              <a:rPr lang="fr-FR" sz="2000" dirty="0">
-                <a:latin typeface="Arial" panose="020B0604020202020204" pitchFamily="34" charset="0"/>
-                <a:cs typeface="Arial" panose="020B0604020202020204" pitchFamily="34" charset="0"/>
-              </a:rPr>
-              <a:t>, </a:t>
-            </a:r>
-            <a:r>
-              <a:rPr lang="fr-FR" sz="2000" dirty="0" err="1">
-                <a:latin typeface="Arial" panose="020B0604020202020204" pitchFamily="34" charset="0"/>
-                <a:cs typeface="Arial" panose="020B0604020202020204" pitchFamily="34" charset="0"/>
-              </a:rPr>
-              <a:t>bokeh</a:t>
-            </a:r>
-            <a:r>
-              <a:rPr lang="fr-FR" sz="2000" dirty="0">
-                <a:latin typeface="Arial" panose="020B0604020202020204" pitchFamily="34" charset="0"/>
-                <a:cs typeface="Arial" panose="020B0604020202020204" pitchFamily="34" charset="0"/>
-              </a:rPr>
-              <a:t>, </a:t>
-            </a:r>
-            <a:r>
-              <a:rPr lang="fr-FR" sz="2000" dirty="0" err="1">
-                <a:latin typeface="Arial" panose="020B0604020202020204" pitchFamily="34" charset="0"/>
-                <a:cs typeface="Arial" panose="020B0604020202020204" pitchFamily="34" charset="0"/>
-              </a:rPr>
-              <a:t>seaborn</a:t>
-            </a:r>
-            <a:endParaRPr lang="fr-FR" sz="2000" dirty="0">
+              <a:rPr lang="fr-FR" sz="2400" dirty="0">
+                <a:latin typeface="Arial" panose="020B0604020202020204" pitchFamily="34" charset="0"/>
+                <a:cs typeface="Arial" panose="020B0604020202020204" pitchFamily="34" charset="0"/>
+              </a:rPr>
+              <a:t>, embarqué, etc.</a:t>
+            </a:r>
+          </a:p>
+          <a:p>
+            <a:r>
+              <a:rPr lang="fr-FR" sz="2400" dirty="0">
+                <a:latin typeface="Arial" panose="020B0604020202020204" pitchFamily="34" charset="0"/>
+                <a:cs typeface="Arial" panose="020B0604020202020204" pitchFamily="34" charset="0"/>
+              </a:rPr>
+              <a:t>Peu verbeux</a:t>
+            </a:r>
+          </a:p>
+          <a:p>
+            <a:r>
+              <a:rPr lang="fr-FR" sz="2400" dirty="0">
+                <a:latin typeface="Arial" panose="020B0604020202020204" pitchFamily="34" charset="0"/>
+                <a:cs typeface="Arial" panose="020B0604020202020204" pitchFamily="34" charset="0"/>
+              </a:rPr>
+              <a:t>Python dispose de l'un des gestionnaires de paquets les plus matures : </a:t>
+            </a:r>
+            <a:r>
+              <a:rPr lang="fr-FR" sz="2400" dirty="0" err="1">
+                <a:latin typeface="Arial" panose="020B0604020202020204" pitchFamily="34" charset="0"/>
+                <a:cs typeface="Arial" panose="020B0604020202020204" pitchFamily="34" charset="0"/>
+              </a:rPr>
+              <a:t>PyPI</a:t>
+            </a:r>
+            <a:endParaRPr lang="fr-FR" sz="2400" dirty="0">
               <a:latin typeface="Arial" panose="020B0604020202020204" pitchFamily="34" charset="0"/>
               <a:cs typeface="Arial" panose="020B0604020202020204" pitchFamily="34" charset="0"/>
             </a:endParaRPr>
           </a:p>
           <a:p>
             <a:r>
-              <a:rPr lang="fr-FR" sz="2400" b="1" dirty="0">
-                <a:latin typeface="Arial" panose="020B0604020202020204" pitchFamily="34" charset="0"/>
-                <a:cs typeface="Arial" panose="020B0604020202020204" pitchFamily="34" charset="0"/>
-              </a:rPr>
-              <a:t>Réseaux de neurones : </a:t>
-            </a:r>
-            <a:r>
-              <a:rPr lang="fr-FR" sz="2000" dirty="0" err="1">
-                <a:latin typeface="Arial" panose="020B0604020202020204" pitchFamily="34" charset="0"/>
-                <a:cs typeface="Arial" panose="020B0604020202020204" pitchFamily="34" charset="0"/>
-              </a:rPr>
-              <a:t>Keras</a:t>
-            </a:r>
-            <a:r>
-              <a:rPr lang="fr-FR" sz="2000" dirty="0">
-                <a:latin typeface="Arial" panose="020B0604020202020204" pitchFamily="34" charset="0"/>
-                <a:cs typeface="Arial" panose="020B0604020202020204" pitchFamily="34" charset="0"/>
-              </a:rPr>
-              <a:t> et </a:t>
-            </a:r>
-            <a:r>
-              <a:rPr lang="fr-FR" sz="2000" dirty="0" err="1">
-                <a:latin typeface="Arial" panose="020B0604020202020204" pitchFamily="34" charset="0"/>
-                <a:cs typeface="Arial" panose="020B0604020202020204" pitchFamily="34" charset="0"/>
-              </a:rPr>
-              <a:t>tensorFlow</a:t>
-            </a:r>
-            <a:endParaRPr lang="fr-FR" sz="2000" dirty="0">
-              <a:latin typeface="Arial" panose="020B0604020202020204" pitchFamily="34" charset="0"/>
-              <a:cs typeface="Arial" panose="020B0604020202020204" pitchFamily="34" charset="0"/>
-            </a:endParaRPr>
-          </a:p>
-          <a:p>
-            <a:r>
-              <a:rPr lang="fr-FR" sz="2400" b="1" dirty="0">
-                <a:latin typeface="Arial" panose="020B0604020202020204" pitchFamily="34" charset="0"/>
-                <a:cs typeface="Arial" panose="020B0604020202020204" pitchFamily="34" charset="0"/>
-              </a:rPr>
-              <a:t>NLTK</a:t>
-            </a:r>
-            <a:r>
-              <a:rPr lang="fr-FR" sz="2000" dirty="0">
-                <a:latin typeface="Arial" panose="020B0604020202020204" pitchFamily="34" charset="0"/>
-                <a:cs typeface="Arial" panose="020B0604020202020204" pitchFamily="34" charset="0"/>
-              </a:rPr>
-              <a:t> : Traitement du langage naturel</a:t>
-            </a:r>
-          </a:p>
-          <a:p>
-            <a:endParaRPr lang="fr-FR" sz="2000" dirty="0">
-              <a:latin typeface="Arial" panose="020B0604020202020204" pitchFamily="34" charset="0"/>
-              <a:cs typeface="Arial" panose="020B0604020202020204" pitchFamily="34" charset="0"/>
-            </a:endParaRPr>
+              <a:rPr lang="fr-FR" sz="2400" dirty="0">
+                <a:latin typeface="Arial" panose="020B0604020202020204" pitchFamily="34" charset="0"/>
+                <a:cs typeface="Arial" panose="020B0604020202020204" pitchFamily="34" charset="0"/>
+              </a:rPr>
+              <a:t>Python est multiplateforme et open source</a:t>
+            </a:r>
+          </a:p>
+          <a:p>
+            <a:r>
+              <a:rPr lang="fr-FR" sz="2400" dirty="0">
+                <a:latin typeface="Arial" panose="020B0604020202020204" pitchFamily="34" charset="0"/>
+                <a:cs typeface="Arial" panose="020B0604020202020204" pitchFamily="34" charset="0"/>
+              </a:rPr>
+              <a:t>Documentation de qualité disponible (même des livres gratuits)</a:t>
+            </a:r>
+          </a:p>
+          <a:p>
+            <a:r>
+              <a:rPr lang="fr-FR" sz="2400" dirty="0">
+                <a:latin typeface="Arial" panose="020B0604020202020204" pitchFamily="34" charset="0"/>
+                <a:cs typeface="Arial" panose="020B0604020202020204" pitchFamily="34" charset="0"/>
+              </a:rPr>
+              <a:t>Communauté énorme donc aide rapide sur les forums (</a:t>
+            </a:r>
+            <a:r>
+              <a:rPr lang="fr-FR" sz="2400" dirty="0">
+                <a:latin typeface="Arial" panose="020B0604020202020204" pitchFamily="34" charset="0"/>
+                <a:cs typeface="Arial" panose="020B0604020202020204" pitchFamily="34" charset="0"/>
+                <a:hlinkClick r:id="rId2"/>
+              </a:rPr>
+              <a:t>https://stackoverflow.com/</a:t>
+            </a:r>
+            <a:r>
+              <a:rPr lang="fr-FR" sz="2400" dirty="0">
+                <a:latin typeface="Arial" panose="020B0604020202020204" pitchFamily="34" charset="0"/>
+                <a:cs typeface="Arial" panose="020B0604020202020204" pitchFamily="34" charset="0"/>
+              </a:rPr>
+              <a:t> )</a:t>
+            </a:r>
           </a:p>
         </p:txBody>
       </p:sp>
     </p:spTree>
     <p:extLst>
       <p:ext uri="{BB962C8B-B14F-4D97-AF65-F5344CB8AC3E}">
-        <p14:creationId xmlns:p14="http://schemas.microsoft.com/office/powerpoint/2010/main" val="4065743457"/>
+        <p14:creationId xmlns:p14="http://schemas.microsoft.com/office/powerpoint/2010/main" val="3771407015"/>
       </p:ext>
     </p:extLst>
   </p:cSld>
@@ -3659,20 +3472,15 @@
       </p:grpSpPr>
       <p:sp>
         <p:nvSpPr>
-          <p:cNvPr id="4" name="Titre 3"/>
-          <p:cNvSpPr>
-            <a:spLocks noGrp="1"/>
-          </p:cNvSpPr>
-          <p:nvPr>
-            <p:ph type="ctrTitle"/>
-          </p:nvPr>
-        </p:nvSpPr>
-        <p:spPr>
-          <a:xfrm>
-            <a:off x="179512" y="2130425"/>
-            <a:ext cx="8278688" cy="1470025"/>
-          </a:xfrm>
-        </p:spPr>
+          <p:cNvPr id="2" name="Titre 1"/>
+          <p:cNvSpPr>
+            <a:spLocks noGrp="1"/>
+          </p:cNvSpPr>
+          <p:nvPr>
+            <p:ph type="title"/>
+          </p:nvPr>
+        </p:nvSpPr>
+        <p:spPr/>
         <p:txBody>
           <a:bodyPr>
             <a:normAutofit/>
@@ -3680,22 +3488,285 @@
           <a:lstStyle/>
           <a:p>
             <a:r>
-              <a:rPr lang="fr-FR" b="1" dirty="0">
-                <a:solidFill>
-                  <a:srgbClr val="7030A0"/>
-                </a:solidFill>
-                <a:latin typeface="Arial" panose="020B0604020202020204" pitchFamily="34" charset="0"/>
-                <a:cs typeface="Arial" panose="020B0604020202020204" pitchFamily="34" charset="0"/>
-              </a:rPr>
-              <a:t>Partie 2 : les bases de Python</a:t>
-            </a:r>
+              <a:rPr lang="fr-FR" sz="3200" b="1" dirty="0">
+                <a:latin typeface="Arial" panose="020B0604020202020204" pitchFamily="34" charset="0"/>
+                <a:cs typeface="Arial" panose="020B0604020202020204" pitchFamily="34" charset="0"/>
+              </a:rPr>
+              <a:t>Python pour la </a:t>
+            </a:r>
+            <a:r>
+              <a:rPr lang="fr-FR" sz="3200" b="1" dirty="0" err="1">
+                <a:latin typeface="Arial" panose="020B0604020202020204" pitchFamily="34" charset="0"/>
+                <a:cs typeface="Arial" panose="020B0604020202020204" pitchFamily="34" charset="0"/>
+              </a:rPr>
+              <a:t>datascience</a:t>
+            </a:r>
+            <a:r>
+              <a:rPr lang="fr-FR" sz="3200" b="1" dirty="0">
+                <a:latin typeface="Arial" panose="020B0604020202020204" pitchFamily="34" charset="0"/>
+                <a:cs typeface="Arial" panose="020B0604020202020204" pitchFamily="34" charset="0"/>
+              </a:rPr>
+              <a:t> : les principales librairies</a:t>
+            </a:r>
+          </a:p>
+        </p:txBody>
+      </p:sp>
+      <p:sp>
+        <p:nvSpPr>
+          <p:cNvPr id="3" name="Espace réservé du contenu 2"/>
+          <p:cNvSpPr>
+            <a:spLocks noGrp="1"/>
+          </p:cNvSpPr>
+          <p:nvPr>
+            <p:ph idx="1"/>
+          </p:nvPr>
+        </p:nvSpPr>
+        <p:spPr/>
+        <p:txBody>
+          <a:bodyPr>
+            <a:normAutofit/>
+          </a:bodyPr>
+          <a:lstStyle/>
+          <a:p>
+            <a:r>
+              <a:rPr lang="fr-FR" sz="2400" b="1" dirty="0">
+                <a:latin typeface="Arial" panose="020B0604020202020204" pitchFamily="34" charset="0"/>
+                <a:cs typeface="Arial" panose="020B0604020202020204" pitchFamily="34" charset="0"/>
+              </a:rPr>
+              <a:t>Numpy : </a:t>
+            </a:r>
+            <a:r>
+              <a:rPr lang="fr-FR" sz="2000" dirty="0">
+                <a:latin typeface="Arial" panose="020B0604020202020204" pitchFamily="34" charset="0"/>
+                <a:cs typeface="Arial" panose="020B0604020202020204" pitchFamily="34" charset="0"/>
+              </a:rPr>
+              <a:t>manipulation de tableaux multidimensionnels + fonctions mathématiques dessus.</a:t>
+            </a:r>
+          </a:p>
+          <a:p>
+            <a:r>
+              <a:rPr lang="fr-FR" sz="2400" b="1" dirty="0">
+                <a:latin typeface="Arial" panose="020B0604020202020204" pitchFamily="34" charset="0"/>
+                <a:cs typeface="Arial" panose="020B0604020202020204" pitchFamily="34" charset="0"/>
+              </a:rPr>
+              <a:t>Pandas</a:t>
+            </a:r>
+            <a:r>
+              <a:rPr lang="fr-FR" sz="2000" dirty="0">
+                <a:latin typeface="Arial" panose="020B0604020202020204" pitchFamily="34" charset="0"/>
+                <a:cs typeface="Arial" panose="020B0604020202020204" pitchFamily="34" charset="0"/>
+              </a:rPr>
+              <a:t> : manipulation de données + statistiques descriptives</a:t>
+            </a:r>
+          </a:p>
+          <a:p>
+            <a:r>
+              <a:rPr lang="fr-FR" sz="2400" b="1" dirty="0">
+                <a:latin typeface="Arial" panose="020B0604020202020204" pitchFamily="34" charset="0"/>
+                <a:cs typeface="Arial" panose="020B0604020202020204" pitchFamily="34" charset="0"/>
+              </a:rPr>
+              <a:t>Statsmodels</a:t>
+            </a:r>
+            <a:r>
+              <a:rPr lang="fr-FR" sz="2000" dirty="0">
+                <a:latin typeface="Arial" panose="020B0604020202020204" pitchFamily="34" charset="0"/>
+                <a:cs typeface="Arial" panose="020B0604020202020204" pitchFamily="34" charset="0"/>
+              </a:rPr>
+              <a:t> : économétrie, séries temporelles</a:t>
+            </a:r>
+          </a:p>
+          <a:p>
+            <a:r>
+              <a:rPr lang="fr-FR" sz="2400" b="1" dirty="0" err="1">
+                <a:latin typeface="Arial" panose="020B0604020202020204" pitchFamily="34" charset="0"/>
+                <a:cs typeface="Arial" panose="020B0604020202020204" pitchFamily="34" charset="0"/>
+              </a:rPr>
+              <a:t>Scikit</a:t>
+            </a:r>
+            <a:r>
+              <a:rPr lang="fr-FR" sz="2400" b="1" dirty="0">
+                <a:latin typeface="Arial" panose="020B0604020202020204" pitchFamily="34" charset="0"/>
+                <a:cs typeface="Arial" panose="020B0604020202020204" pitchFamily="34" charset="0"/>
+              </a:rPr>
+              <a:t> </a:t>
+            </a:r>
+            <a:r>
+              <a:rPr lang="fr-FR" sz="2400" b="1" dirty="0" err="1">
+                <a:latin typeface="Arial" panose="020B0604020202020204" pitchFamily="34" charset="0"/>
+                <a:cs typeface="Arial" panose="020B0604020202020204" pitchFamily="34" charset="0"/>
+              </a:rPr>
+              <a:t>learn</a:t>
+            </a:r>
+            <a:r>
+              <a:rPr lang="fr-FR" sz="2400" b="1" dirty="0">
+                <a:latin typeface="Arial" panose="020B0604020202020204" pitchFamily="34" charset="0"/>
+                <a:cs typeface="Arial" panose="020B0604020202020204" pitchFamily="34" charset="0"/>
+              </a:rPr>
+              <a:t> </a:t>
+            </a:r>
+            <a:r>
+              <a:rPr lang="fr-FR" sz="2000" dirty="0">
+                <a:latin typeface="Arial" panose="020B0604020202020204" pitchFamily="34" charset="0"/>
+                <a:cs typeface="Arial" panose="020B0604020202020204" pitchFamily="34" charset="0"/>
+              </a:rPr>
+              <a:t>: machine learning notamment : « classification » (SVM, forêts aléatoires, </a:t>
+            </a:r>
+            <a:r>
+              <a:rPr lang="fr-FR" sz="2000" dirty="0" err="1">
+                <a:latin typeface="Arial" panose="020B0604020202020204" pitchFamily="34" charset="0"/>
+                <a:cs typeface="Arial" panose="020B0604020202020204" pitchFamily="34" charset="0"/>
+              </a:rPr>
+              <a:t>etc</a:t>
+            </a:r>
+            <a:r>
+              <a:rPr lang="fr-FR" sz="2000" dirty="0">
+                <a:latin typeface="Arial" panose="020B0604020202020204" pitchFamily="34" charset="0"/>
+                <a:cs typeface="Arial" panose="020B0604020202020204" pitchFamily="34" charset="0"/>
+              </a:rPr>
+              <a:t>) , réduction de dimension (ACP, </a:t>
+            </a:r>
+            <a:r>
+              <a:rPr lang="fr-FR" sz="2000" dirty="0" err="1">
+                <a:latin typeface="Arial" panose="020B0604020202020204" pitchFamily="34" charset="0"/>
+                <a:cs typeface="Arial" panose="020B0604020202020204" pitchFamily="34" charset="0"/>
+              </a:rPr>
+              <a:t>etc</a:t>
+            </a:r>
+            <a:r>
+              <a:rPr lang="fr-FR" sz="2000" dirty="0">
+                <a:latin typeface="Arial" panose="020B0604020202020204" pitchFamily="34" charset="0"/>
+                <a:cs typeface="Arial" panose="020B0604020202020204" pitchFamily="34" charset="0"/>
+              </a:rPr>
+              <a:t>), « </a:t>
+            </a:r>
+            <a:r>
+              <a:rPr lang="fr-FR" sz="2000" dirty="0" err="1">
+                <a:latin typeface="Arial" panose="020B0604020202020204" pitchFamily="34" charset="0"/>
+                <a:cs typeface="Arial" panose="020B0604020202020204" pitchFamily="34" charset="0"/>
+              </a:rPr>
+              <a:t>clustering</a:t>
+            </a:r>
+            <a:r>
+              <a:rPr lang="fr-FR" sz="2000" dirty="0">
+                <a:latin typeface="Arial" panose="020B0604020202020204" pitchFamily="34" charset="0"/>
+                <a:cs typeface="Arial" panose="020B0604020202020204" pitchFamily="34" charset="0"/>
+              </a:rPr>
+              <a:t> » (CAH, k </a:t>
+            </a:r>
+            <a:r>
+              <a:rPr lang="fr-FR" sz="2000" dirty="0" err="1">
+                <a:latin typeface="Arial" panose="020B0604020202020204" pitchFamily="34" charset="0"/>
+                <a:cs typeface="Arial" panose="020B0604020202020204" pitchFamily="34" charset="0"/>
+              </a:rPr>
+              <a:t>means</a:t>
+            </a:r>
+            <a:r>
+              <a:rPr lang="fr-FR" sz="2000" dirty="0">
+                <a:latin typeface="Arial" panose="020B0604020202020204" pitchFamily="34" charset="0"/>
+                <a:cs typeface="Arial" panose="020B0604020202020204" pitchFamily="34" charset="0"/>
+              </a:rPr>
+              <a:t>, </a:t>
+            </a:r>
+            <a:r>
+              <a:rPr lang="fr-FR" sz="2000" dirty="0" err="1">
+                <a:latin typeface="Arial" panose="020B0604020202020204" pitchFamily="34" charset="0"/>
+                <a:cs typeface="Arial" panose="020B0604020202020204" pitchFamily="34" charset="0"/>
+              </a:rPr>
+              <a:t>etc</a:t>
+            </a:r>
+            <a:r>
+              <a:rPr lang="fr-FR" sz="2000" dirty="0">
+                <a:latin typeface="Arial" panose="020B0604020202020204" pitchFamily="34" charset="0"/>
+                <a:cs typeface="Arial" panose="020B0604020202020204" pitchFamily="34" charset="0"/>
+              </a:rPr>
+              <a:t>), aide pour la sélection de modèle.</a:t>
+            </a:r>
+          </a:p>
+          <a:p>
+            <a:r>
+              <a:rPr lang="fr-FR" sz="2400" b="1" dirty="0">
+                <a:latin typeface="Arial" panose="020B0604020202020204" pitchFamily="34" charset="0"/>
+                <a:cs typeface="Arial" panose="020B0604020202020204" pitchFamily="34" charset="0"/>
+              </a:rPr>
+              <a:t>Visualisation</a:t>
+            </a:r>
+            <a:r>
+              <a:rPr lang="fr-FR" sz="2000" dirty="0">
+                <a:latin typeface="Arial" panose="020B0604020202020204" pitchFamily="34" charset="0"/>
+                <a:cs typeface="Arial" panose="020B0604020202020204" pitchFamily="34" charset="0"/>
+              </a:rPr>
+              <a:t> : matplotlib, </a:t>
+            </a:r>
+            <a:r>
+              <a:rPr lang="fr-FR" sz="2000" dirty="0" err="1">
+                <a:latin typeface="Arial" panose="020B0604020202020204" pitchFamily="34" charset="0"/>
+                <a:cs typeface="Arial" panose="020B0604020202020204" pitchFamily="34" charset="0"/>
+              </a:rPr>
+              <a:t>bokeh</a:t>
+            </a:r>
+            <a:r>
+              <a:rPr lang="fr-FR" sz="2000" dirty="0">
+                <a:latin typeface="Arial" panose="020B0604020202020204" pitchFamily="34" charset="0"/>
+                <a:cs typeface="Arial" panose="020B0604020202020204" pitchFamily="34" charset="0"/>
+              </a:rPr>
+              <a:t>, seaborn</a:t>
+            </a:r>
+          </a:p>
+          <a:p>
+            <a:r>
+              <a:rPr lang="fr-FR" sz="2400" b="1" dirty="0">
+                <a:latin typeface="Arial" panose="020B0604020202020204" pitchFamily="34" charset="0"/>
+                <a:cs typeface="Arial" panose="020B0604020202020204" pitchFamily="34" charset="0"/>
+              </a:rPr>
+              <a:t>Réseaux de neurones : </a:t>
+            </a:r>
+            <a:r>
+              <a:rPr lang="fr-FR" sz="2000" dirty="0">
+                <a:latin typeface="Arial" panose="020B0604020202020204" pitchFamily="34" charset="0"/>
+                <a:cs typeface="Arial" panose="020B0604020202020204" pitchFamily="34" charset="0"/>
+              </a:rPr>
+              <a:t>Keras et </a:t>
+            </a:r>
+            <a:r>
+              <a:rPr lang="fr-FR" sz="2000" dirty="0" err="1">
+                <a:latin typeface="Arial" panose="020B0604020202020204" pitchFamily="34" charset="0"/>
+                <a:cs typeface="Arial" panose="020B0604020202020204" pitchFamily="34" charset="0"/>
+              </a:rPr>
+              <a:t>tensorFlow</a:t>
+            </a:r>
+            <a:endParaRPr lang="fr-FR" sz="2000" dirty="0">
+              <a:latin typeface="Arial" panose="020B0604020202020204" pitchFamily="34" charset="0"/>
+              <a:cs typeface="Arial" panose="020B0604020202020204" pitchFamily="34" charset="0"/>
+            </a:endParaRPr>
+          </a:p>
+          <a:p>
+            <a:r>
+              <a:rPr lang="fr-FR" sz="2400" b="1" dirty="0">
+                <a:latin typeface="Arial" panose="020B0604020202020204" pitchFamily="34" charset="0"/>
+                <a:cs typeface="Arial" panose="020B0604020202020204" pitchFamily="34" charset="0"/>
+              </a:rPr>
+              <a:t>NLTK</a:t>
+            </a:r>
+            <a:r>
+              <a:rPr lang="fr-FR" sz="2000" dirty="0">
+                <a:latin typeface="Arial" panose="020B0604020202020204" pitchFamily="34" charset="0"/>
+                <a:cs typeface="Arial" panose="020B0604020202020204" pitchFamily="34" charset="0"/>
+              </a:rPr>
+              <a:t> : Traitement du langage naturel</a:t>
+            </a:r>
+          </a:p>
+          <a:p>
+            <a:endParaRPr lang="fr-FR" sz="2000" dirty="0">
+              <a:latin typeface="Arial" panose="020B0604020202020204" pitchFamily="34" charset="0"/>
+              <a:cs typeface="Arial" panose="020B0604020202020204" pitchFamily="34" charset="0"/>
+            </a:endParaRPr>
           </a:p>
         </p:txBody>
       </p:sp>
     </p:spTree>
     <p:extLst>
       <p:ext uri="{BB962C8B-B14F-4D97-AF65-F5344CB8AC3E}">
-        <p14:creationId xmlns:p14="http://schemas.microsoft.com/office/powerpoint/2010/main" val="1483399350"/>
+        <p14:creationId xmlns:p14="http://schemas.microsoft.com/office/powerpoint/2010/main" val="4065743457"/>
       </p:ext>
     </p:extLst>
   </p:cSld>
@@ -3724,15 +3795,20 @@
       </p:grpSpPr>
       <p:sp>
         <p:nvSpPr>
-          <p:cNvPr id="2" name="Titre 1"/>
-          <p:cNvSpPr>
-            <a:spLocks noGrp="1"/>
-          </p:cNvSpPr>
-          <p:nvPr>
-            <p:ph type="title"/>
-          </p:nvPr>
-        </p:nvSpPr>
-        <p:spPr/>
+          <p:cNvPr id="4" name="Titre 3"/>
+          <p:cNvSpPr>
+            <a:spLocks noGrp="1"/>
+          </p:cNvSpPr>
+          <p:nvPr>
+            <p:ph type="ctrTitle"/>
+          </p:nvPr>
+        </p:nvSpPr>
+        <p:spPr>
+          <a:xfrm>
+            <a:off x="179512" y="2130425"/>
+            <a:ext cx="8278688" cy="1470025"/>
+          </a:xfrm>
+        </p:spPr>
         <p:txBody>
           <a:bodyPr>
             <a:normAutofit/>
@@ -3740,91 +3816,14 @@
           <a:lstStyle/>
           <a:p>
             <a:r>
-              <a:rPr lang="fr-FR" sz="3200" b="1" dirty="0">
-                <a:latin typeface="Arial" panose="020B0604020202020204" pitchFamily="34" charset="0"/>
-                <a:cs typeface="Arial" panose="020B0604020202020204" pitchFamily="34" charset="0"/>
-              </a:rPr>
-              <a:t>Premiers pas</a:t>
-            </a:r>
-          </a:p>
-        </p:txBody>
-      </p:sp>
-      <p:sp>
-        <p:nvSpPr>
-          <p:cNvPr id="3" name="Espace réservé du contenu 2"/>
-          <p:cNvSpPr>
-            <a:spLocks noGrp="1"/>
-          </p:cNvSpPr>
-          <p:nvPr>
-            <p:ph idx="1"/>
-          </p:nvPr>
-        </p:nvSpPr>
-        <p:spPr/>
-        <p:txBody>
-          <a:bodyPr/>
-          <a:lstStyle/>
-          <a:p>
-            <a:r>
-              <a:rPr lang="fr-FR" dirty="0">
-                <a:latin typeface="Arial" panose="020B0604020202020204" pitchFamily="34" charset="0"/>
-                <a:cs typeface="Arial" panose="020B0604020202020204" pitchFamily="34" charset="0"/>
-              </a:rPr>
-              <a:t>Installer python, des modules souvent utilisés, un IDE =&gt; Anaconda.</a:t>
-            </a:r>
-          </a:p>
-          <a:p>
-            <a:r>
-              <a:rPr lang="fr-FR" dirty="0">
-                <a:latin typeface="Arial" panose="020B0604020202020204" pitchFamily="34" charset="0"/>
-                <a:cs typeface="Arial" panose="020B0604020202020204" pitchFamily="34" charset="0"/>
-              </a:rPr>
-              <a:t>Démonstration du fonctionnement général de l’IDE </a:t>
-            </a:r>
-            <a:r>
-              <a:rPr lang="fr-FR" dirty="0" err="1">
-                <a:latin typeface="Arial" panose="020B0604020202020204" pitchFamily="34" charset="0"/>
-                <a:cs typeface="Arial" panose="020B0604020202020204" pitchFamily="34" charset="0"/>
-              </a:rPr>
-              <a:t>Spyder</a:t>
-            </a:r>
-            <a:r>
-              <a:rPr lang="fr-FR" dirty="0">
-                <a:latin typeface="Arial" panose="020B0604020202020204" pitchFamily="34" charset="0"/>
-                <a:cs typeface="Arial" panose="020B0604020202020204" pitchFamily="34" charset="0"/>
-              </a:rPr>
-              <a:t> (dont aides </a:t>
-            </a:r>
-            <a:r>
-              <a:rPr lang="fr-FR" dirty="0" err="1">
-                <a:latin typeface="Arial" panose="020B0604020202020204" pitchFamily="34" charset="0"/>
-                <a:cs typeface="Arial" panose="020B0604020202020204" pitchFamily="34" charset="0"/>
-              </a:rPr>
-              <a:t>Spyder</a:t>
-            </a:r>
-            <a:r>
-              <a:rPr lang="fr-FR" dirty="0">
-                <a:latin typeface="Arial" panose="020B0604020202020204" pitchFamily="34" charset="0"/>
-                <a:cs typeface="Arial" panose="020B0604020202020204" pitchFamily="34" charset="0"/>
-              </a:rPr>
-              <a:t>)</a:t>
-            </a:r>
-          </a:p>
-          <a:p>
-            <a:r>
-              <a:rPr lang="fr-FR" dirty="0">
-                <a:latin typeface="Arial" panose="020B0604020202020204" pitchFamily="34" charset="0"/>
-                <a:cs typeface="Arial" panose="020B0604020202020204" pitchFamily="34" charset="0"/>
-              </a:rPr>
-              <a:t>Types de données de base + conversions</a:t>
-            </a:r>
-          </a:p>
-          <a:p>
-            <a:r>
-              <a:rPr lang="fr-FR" dirty="0">
-                <a:latin typeface="Arial" panose="020B0604020202020204" pitchFamily="34" charset="0"/>
-                <a:cs typeface="Arial" panose="020B0604020202020204" pitchFamily="34" charset="0"/>
-              </a:rPr>
-              <a:t>Quelques manipulations de données de base</a:t>
+              <a:rPr lang="fr-FR" b="1" dirty="0">
+                <a:solidFill>
+                  <a:srgbClr val="7030A0"/>
+                </a:solidFill>
+                <a:latin typeface="Arial" panose="020B0604020202020204" pitchFamily="34" charset="0"/>
+                <a:cs typeface="Arial" panose="020B0604020202020204" pitchFamily="34" charset="0"/>
+              </a:rPr>
+              <a:t>Partie 2 : les bases de Python</a:t>
             </a:r>
           </a:p>
         </p:txBody>
@@ -3832,13 +3831,20 @@
     </p:spTree>
     <p:extLst>
       <p:ext uri="{BB962C8B-B14F-4D97-AF65-F5344CB8AC3E}">
-        <p14:creationId xmlns:p14="http://schemas.microsoft.com/office/powerpoint/2010/main" val="1118075257"/>
+        <p14:creationId xmlns:p14="http://schemas.microsoft.com/office/powerpoint/2010/main" val="1483399350"/>
       </p:ext>
     </p:extLst>
   </p:cSld>
   <p:clrMapOvr>
     <a:masterClrMapping/>
   </p:clrMapOvr>
+  <p:timing>
+    <p:tnLst>
+      <p:par>
+        <p:cTn id="1" dur="indefinite" restart="never" nodeType="tmRoot"/>
+      </p:par>
+    </p:tnLst>
+  </p:timing>
 </p:sld>
 </file>
 
@@ -3881,6 +3887,143 @@
                 <a:latin typeface="Arial" panose="020B0604020202020204" pitchFamily="34" charset="0"/>
                 <a:cs typeface="Arial" panose="020B0604020202020204" pitchFamily="34" charset="0"/>
               </a:rPr>
+              <a:t>Premiers pas</a:t>
+            </a:r>
+          </a:p>
+        </p:txBody>
+      </p:sp>
+      <p:sp>
+        <p:nvSpPr>
+          <p:cNvPr id="3" name="Espace réservé du contenu 2"/>
+          <p:cNvSpPr>
+            <a:spLocks noGrp="1"/>
+          </p:cNvSpPr>
+          <p:nvPr>
+            <p:ph idx="1"/>
+          </p:nvPr>
+        </p:nvSpPr>
+        <p:spPr/>
+        <p:txBody>
+          <a:bodyPr/>
+          <a:lstStyle/>
+          <a:p>
+            <a:r>
+              <a:rPr lang="fr-FR" dirty="0">
+                <a:latin typeface="Arial" panose="020B0604020202020204" pitchFamily="34" charset="0"/>
+                <a:cs typeface="Arial" panose="020B0604020202020204" pitchFamily="34" charset="0"/>
+              </a:rPr>
+              <a:t>Installer python, des modules souvent utilisés, un IDE =&gt; Anaconda.</a:t>
+            </a:r>
+          </a:p>
+          <a:p>
+            <a:r>
+              <a:rPr lang="fr-FR" dirty="0">
+                <a:latin typeface="Arial" panose="020B0604020202020204" pitchFamily="34" charset="0"/>
+                <a:cs typeface="Arial" panose="020B0604020202020204" pitchFamily="34" charset="0"/>
+              </a:rPr>
+              <a:t>Démonstration du fonctionnement général de l’IDE </a:t>
+            </a:r>
+            <a:r>
+              <a:rPr lang="fr-FR" dirty="0" err="1">
+                <a:latin typeface="Arial" panose="020B0604020202020204" pitchFamily="34" charset="0"/>
+                <a:cs typeface="Arial" panose="020B0604020202020204" pitchFamily="34" charset="0"/>
+              </a:rPr>
+              <a:t>Spyder</a:t>
+            </a:r>
+            <a:r>
+              <a:rPr lang="fr-FR" dirty="0">
+                <a:latin typeface="Arial" panose="020B0604020202020204" pitchFamily="34" charset="0"/>
+                <a:cs typeface="Arial" panose="020B0604020202020204" pitchFamily="34" charset="0"/>
+              </a:rPr>
+              <a:t> (dont aides </a:t>
+            </a:r>
+            <a:r>
+              <a:rPr lang="fr-FR" dirty="0" err="1">
+                <a:latin typeface="Arial" panose="020B0604020202020204" pitchFamily="34" charset="0"/>
+                <a:cs typeface="Arial" panose="020B0604020202020204" pitchFamily="34" charset="0"/>
+              </a:rPr>
+              <a:t>Spyder</a:t>
+            </a:r>
+            <a:r>
+              <a:rPr lang="fr-FR" dirty="0">
+                <a:latin typeface="Arial" panose="020B0604020202020204" pitchFamily="34" charset="0"/>
+                <a:cs typeface="Arial" panose="020B0604020202020204" pitchFamily="34" charset="0"/>
+              </a:rPr>
+              <a:t>)</a:t>
+            </a:r>
+          </a:p>
+          <a:p>
+            <a:r>
+              <a:rPr lang="fr-FR" dirty="0">
+                <a:latin typeface="Arial" panose="020B0604020202020204" pitchFamily="34" charset="0"/>
+                <a:cs typeface="Arial" panose="020B0604020202020204" pitchFamily="34" charset="0"/>
+              </a:rPr>
+              <a:t>Types de données de base + conversions</a:t>
+            </a:r>
+          </a:p>
+          <a:p>
+            <a:r>
+              <a:rPr lang="fr-FR" dirty="0">
+                <a:latin typeface="Arial" panose="020B0604020202020204" pitchFamily="34" charset="0"/>
+                <a:cs typeface="Arial" panose="020B0604020202020204" pitchFamily="34" charset="0"/>
+              </a:rPr>
+              <a:t>Quelques manipulations de données de base</a:t>
+            </a:r>
+          </a:p>
+        </p:txBody>
+      </p:sp>
+    </p:spTree>
+    <p:extLst>
+      <p:ext uri="{BB962C8B-B14F-4D97-AF65-F5344CB8AC3E}">
+        <p14:creationId xmlns:p14="http://schemas.microsoft.com/office/powerpoint/2010/main" val="1118075257"/>
+      </p:ext>
+    </p:extLst>
+  </p:cSld>
+  <p:clrMapOvr>
+    <a:masterClrMapping/>
+  </p:clrMapOvr>
+</p:sld>
+</file>
+
+<file path=ppt/slides/slide14.xml><?xml version="1.0" encoding="utf-8"?>
+<p:sld xmlns:a="http://schemas.openxmlformats.org/drawingml/2006/main" xmlns:r="http://schemas.openxmlformats.org/officeDocument/2006/relationships" xmlns:p="http://schemas.openxmlformats.org/presentationml/2006/main">
+  <p:cSld>
+    <p:spTree>
+      <p:nvGrpSpPr>
+        <p:cNvPr id="1" name=""/>
+        <p:cNvGrpSpPr/>
+        <p:nvPr/>
+      </p:nvGrpSpPr>
+      <p:grpSpPr>
+        <a:xfrm>
+          <a:off x="0" y="0"/>
+          <a:ext cx="0" cy="0"/>
+          <a:chOff x="0" y="0"/>
+          <a:chExt cx="0" cy="0"/>
+        </a:xfrm>
+      </p:grpSpPr>
+      <p:sp>
+        <p:nvSpPr>
+          <p:cNvPr id="2" name="Titre 1"/>
+          <p:cNvSpPr>
+            <a:spLocks noGrp="1"/>
+          </p:cNvSpPr>
+          <p:nvPr>
+            <p:ph type="title"/>
+          </p:nvPr>
+        </p:nvSpPr>
+        <p:spPr/>
+        <p:txBody>
+          <a:bodyPr>
+            <a:normAutofit/>
+          </a:bodyPr>
+          <a:lstStyle/>
+          <a:p>
+            <a:r>
+              <a:rPr lang="fr-FR" sz="3200" b="1" dirty="0">
+                <a:latin typeface="Arial" panose="020B0604020202020204" pitchFamily="34" charset="0"/>
+                <a:cs typeface="Arial" panose="020B0604020202020204" pitchFamily="34" charset="0"/>
+              </a:rPr>
               <a:t>Introduction à la PPO et aux fonctions</a:t>
             </a:r>
           </a:p>
@@ -3942,7 +4085,7 @@
 </p:sld>
 </file>
 
-<file path=ppt/slides/slide14.xml><?xml version="1.0" encoding="utf-8"?>
+<file path=ppt/slides/slide15.xml><?xml version="1.0" encoding="utf-8"?>
 <p:sld xmlns:a="http://schemas.openxmlformats.org/drawingml/2006/main" xmlns:r="http://schemas.openxmlformats.org/officeDocument/2006/relationships" xmlns:p="http://schemas.openxmlformats.org/presentationml/2006/main">
   <p:cSld>
     <p:spTree>
@@ -4080,145 +4223,6 @@
 </p:sld>
 </file>
 
-<file path=ppt/slides/slide15.xml><?xml version="1.0" encoding="utf-8"?>
-<p:sld xmlns:a="http://schemas.openxmlformats.org/drawingml/2006/main" xmlns:r="http://schemas.openxmlformats.org/officeDocument/2006/relationships" xmlns:p="http://schemas.openxmlformats.org/presentationml/2006/main">
-  <p:cSld>
-    <p:spTree>
-      <p:nvGrpSpPr>
-        <p:cNvPr id="1" name=""/>
-        <p:cNvGrpSpPr/>
-        <p:nvPr/>
-      </p:nvGrpSpPr>
-      <p:grpSpPr>
-        <a:xfrm>
-          <a:off x="0" y="0"/>
-          <a:ext cx="0" cy="0"/>
-          <a:chOff x="0" y="0"/>
-          <a:chExt cx="0" cy="0"/>
-        </a:xfrm>
-      </p:grpSpPr>
-      <p:sp>
-        <p:nvSpPr>
-          <p:cNvPr id="2" name="Titre 1"/>
-          <p:cNvSpPr>
-            <a:spLocks noGrp="1"/>
-          </p:cNvSpPr>
-          <p:nvPr>
-            <p:ph type="title"/>
-          </p:nvPr>
-        </p:nvSpPr>
-        <p:spPr/>
-        <p:txBody>
-          <a:bodyPr>
-            <a:normAutofit/>
-          </a:bodyPr>
-          <a:lstStyle/>
-          <a:p>
-            <a:r>
-              <a:rPr lang="fr-FR" sz="3200" b="1" dirty="0">
-                <a:latin typeface="Arial" panose="020B0604020202020204" pitchFamily="34" charset="0"/>
-                <a:cs typeface="Arial" panose="020B0604020202020204" pitchFamily="34" charset="0"/>
-              </a:rPr>
-              <a:t>Structures de données</a:t>
-            </a:r>
-          </a:p>
-        </p:txBody>
-      </p:sp>
-      <p:sp>
-        <p:nvSpPr>
-          <p:cNvPr id="3" name="Espace réservé du contenu 2"/>
-          <p:cNvSpPr>
-            <a:spLocks noGrp="1"/>
-          </p:cNvSpPr>
-          <p:nvPr>
-            <p:ph idx="1"/>
-          </p:nvPr>
-        </p:nvSpPr>
-        <p:spPr/>
-        <p:txBody>
-          <a:bodyPr>
-            <a:normAutofit fontScale="92500" lnSpcReduction="20000"/>
-          </a:bodyPr>
-          <a:lstStyle/>
-          <a:p>
-            <a:pPr marL="0" indent="0">
-              <a:buNone/>
-            </a:pPr>
-            <a:r>
-              <a:rPr lang="fr-FR" dirty="0"/>
-              <a:t>Les 2 structures de données les plus utiles :</a:t>
-            </a:r>
-          </a:p>
-          <a:p>
-            <a:r>
-              <a:rPr lang="fr-FR" dirty="0"/>
-              <a:t>Listes</a:t>
-            </a:r>
-          </a:p>
-          <a:p>
-            <a:r>
-              <a:rPr lang="fr-FR" dirty="0"/>
-              <a:t>Dictionnaires</a:t>
-            </a:r>
-          </a:p>
-          <a:p>
-            <a:pPr marL="0" indent="0">
-              <a:buNone/>
-            </a:pPr>
-            <a:endParaRPr lang="fr-FR" dirty="0"/>
-          </a:p>
-          <a:p>
-            <a:pPr marL="0" indent="0">
-              <a:buNone/>
-            </a:pPr>
-            <a:endParaRPr lang="fr-FR" dirty="0"/>
-          </a:p>
-          <a:p>
-            <a:pPr marL="0" indent="0">
-              <a:buNone/>
-            </a:pPr>
-            <a:endParaRPr lang="fr-FR" dirty="0"/>
-          </a:p>
-          <a:p>
-            <a:pPr marL="0" indent="0">
-              <a:buNone/>
-            </a:pPr>
-            <a:r>
-              <a:rPr lang="fr-FR" dirty="0"/>
-              <a:t>Autres structures de données :</a:t>
-            </a:r>
-          </a:p>
-          <a:p>
-            <a:r>
-              <a:rPr lang="fr-FR" dirty="0" err="1"/>
-              <a:t>Tuples</a:t>
-            </a:r>
-            <a:endParaRPr lang="fr-FR" dirty="0"/>
-          </a:p>
-          <a:p>
-            <a:r>
-              <a:rPr lang="fr-FR" dirty="0"/>
-              <a:t>Set </a:t>
-            </a:r>
-          </a:p>
-          <a:p>
-            <a:endParaRPr lang="fr-FR" dirty="0"/>
-          </a:p>
-        </p:txBody>
-      </p:sp>
-    </p:spTree>
-    <p:extLst>
-      <p:ext uri="{BB962C8B-B14F-4D97-AF65-F5344CB8AC3E}">
-        <p14:creationId xmlns:p14="http://schemas.microsoft.com/office/powerpoint/2010/main" val="2928746653"/>
-      </p:ext>
-    </p:extLst>
-  </p:cSld>
-  <p:clrMapOvr>
-    <a:masterClrMapping/>
-  </p:clrMapOvr>
-</p:sld>
-</file>
-
 <file path=ppt/slides/slide16.xml><?xml version="1.0" encoding="utf-8"?>
 <p:sld xmlns:a="http://schemas.openxmlformats.org/drawingml/2006/main" xmlns:r="http://schemas.openxmlformats.org/officeDocument/2006/relationships" xmlns:p="http://schemas.openxmlformats.org/presentationml/2006/main">
   <p:cSld>
@@ -4258,7 +4262,7 @@
                 <a:latin typeface="Arial" panose="020B0604020202020204" pitchFamily="34" charset="0"/>
                 <a:cs typeface="Arial" panose="020B0604020202020204" pitchFamily="34" charset="0"/>
               </a:rPr>
-              <a:t>Quelques points clés</a:t>
+              <a:t>Structures de données</a:t>
             </a:r>
           </a:p>
         </p:txBody>
@@ -4275,78 +4279,80 @@
         </p:nvSpPr>
         <p:spPr/>
         <p:txBody>
-          <a:bodyPr/>
-          <a:lstStyle/>
-          <a:p>
+          <a:bodyPr>
+            <a:normAutofit fontScale="92500" lnSpcReduction="20000"/>
+          </a:bodyPr>
+          <a:lstStyle/>
+          <a:p>
+            <a:pPr marL="0" indent="0">
+              <a:buNone/>
+            </a:pPr>
             <a:r>
               <a:rPr lang="fr-FR" dirty="0"/>
-              <a:t>Distinction mutable/immutable</a:t>
-            </a:r>
-          </a:p>
-          <a:p>
-            <a:pPr lvl="1"/>
+              <a:t>Les 2 structures de données les plus utiles :</a:t>
+            </a:r>
+          </a:p>
+          <a:p>
             <a:r>
               <a:rPr lang="fr-FR" dirty="0"/>
-              <a:t>Mutable = qu’on peut modifier. Ex : listes</a:t>
-            </a:r>
-          </a:p>
-          <a:p>
-            <a:pPr lvl="1"/>
+              <a:t>Listes</a:t>
+            </a:r>
+          </a:p>
+          <a:p>
             <a:r>
               <a:rPr lang="fr-FR" dirty="0"/>
-              <a:t>Immutable = qu’on ne peut pas modifier. Ex : strings et </a:t>
-            </a:r>
+              <a:t>Dictionnaires</a:t>
+            </a:r>
+          </a:p>
+          <a:p>
+            <a:pPr marL="0" indent="0">
+              <a:buNone/>
+            </a:pPr>
+            <a:endParaRPr lang="fr-FR" dirty="0"/>
+          </a:p>
+          <a:p>
+            <a:pPr marL="0" indent="0">
+              <a:buNone/>
+            </a:pPr>
+            <a:endParaRPr lang="fr-FR" dirty="0"/>
+          </a:p>
+          <a:p>
+            <a:pPr marL="0" indent="0">
+              <a:buNone/>
+            </a:pPr>
+            <a:endParaRPr lang="fr-FR" dirty="0"/>
+          </a:p>
+          <a:p>
+            <a:pPr marL="0" indent="0">
+              <a:buNone/>
+            </a:pPr>
+            <a:r>
+              <a:rPr lang="fr-FR" dirty="0"/>
+              <a:t>Autres structures de données :</a:t>
+            </a:r>
+          </a:p>
+          <a:p>
             <a:r>
               <a:rPr lang="fr-FR" dirty="0" err="1"/>
-              <a:t>tuples</a:t>
-            </a:r>
+              <a:t>Tuples</a:t>
+            </a:r>
+            <a:endParaRPr lang="fr-FR" dirty="0"/>
+          </a:p>
+          <a:p>
             <a:r>
               <a:rPr lang="fr-FR" dirty="0"/>
-              <a:t>.</a:t>
-            </a:r>
-          </a:p>
-          <a:p>
-            <a:r>
-              <a:rPr lang="fr-FR" dirty="0"/>
-              <a:t>Références sur le même objet/copie.</a:t>
-            </a:r>
-          </a:p>
-          <a:p>
-            <a:r>
-              <a:rPr lang="fr-FR" dirty="0"/>
-              <a:t>Installer de nouvelles librairies =&gt; dans la console anaconda </a:t>
-            </a:r>
-            <a:r>
-              <a:rPr lang="fr-FR" dirty="0" err="1"/>
-              <a:t>pip</a:t>
-            </a:r>
-            <a:r>
-              <a:rPr lang="fr-FR" dirty="0"/>
-              <a:t> </a:t>
-            </a:r>
-            <a:r>
-              <a:rPr lang="fr-FR" dirty="0" err="1"/>
-              <a:t>install</a:t>
-            </a:r>
-            <a:r>
-              <a:rPr lang="fr-FR" dirty="0"/>
-              <a:t> </a:t>
-            </a:r>
-            <a:r>
-              <a:rPr lang="fr-FR" dirty="0" err="1"/>
-              <a:t>nomLibrairie</a:t>
-            </a:r>
-            <a:r>
-              <a:rPr lang="fr-FR" dirty="0"/>
-              <a:t>.</a:t>
-            </a:r>
+              <a:t>Set </a:t>
+            </a:r>
+          </a:p>
+          <a:p>
+            <a:endParaRPr lang="fr-FR" dirty="0"/>
           </a:p>
         </p:txBody>
       </p:sp>
     </p:spTree>
     <p:extLst>
       <p:ext uri="{BB962C8B-B14F-4D97-AF65-F5344CB8AC3E}">
-        <p14:creationId xmlns:p14="http://schemas.microsoft.com/office/powerpoint/2010/main" val="602605028"/>
+        <p14:creationId xmlns:p14="http://schemas.microsoft.com/office/powerpoint/2010/main" val="2928746653"/>
       </p:ext>
     </p:extLst>
   </p:cSld>
@@ -4395,7 +4401,7 @@
                 <a:latin typeface="Arial" panose="020B0604020202020204" pitchFamily="34" charset="0"/>
                 <a:cs typeface="Arial" panose="020B0604020202020204" pitchFamily="34" charset="0"/>
               </a:rPr>
-              <a:t>Documentation/commentaires</a:t>
+              <a:t>Quelques points clés</a:t>
             </a:r>
           </a:p>
         </p:txBody>
@@ -4412,89 +4418,78 @@
         </p:nvSpPr>
         <p:spPr/>
         <p:txBody>
-          <a:bodyPr>
-            <a:normAutofit/>
-          </a:bodyPr>
-          <a:lstStyle/>
-          <a:p>
-            <a:r>
-              <a:rPr lang="fr-FR" dirty="0">
-                <a:latin typeface="Arial" panose="020B0604020202020204" pitchFamily="34" charset="0"/>
-                <a:cs typeface="Arial" panose="020B0604020202020204" pitchFamily="34" charset="0"/>
-              </a:rPr>
-              <a:t>Liste des méthodes d’un fichier =&gt; volet structure dans </a:t>
-            </a:r>
-            <a:r>
-              <a:rPr lang="fr-FR" dirty="0" err="1">
-                <a:latin typeface="Arial" panose="020B0604020202020204" pitchFamily="34" charset="0"/>
-                <a:cs typeface="Arial" panose="020B0604020202020204" pitchFamily="34" charset="0"/>
-              </a:rPr>
-              <a:t>spyder</a:t>
-            </a:r>
-            <a:r>
-              <a:rPr lang="fr-FR" dirty="0">
-                <a:latin typeface="Arial" panose="020B0604020202020204" pitchFamily="34" charset="0"/>
-                <a:cs typeface="Arial" panose="020B0604020202020204" pitchFamily="34" charset="0"/>
-              </a:rPr>
+          <a:bodyPr/>
+          <a:lstStyle/>
+          <a:p>
+            <a:r>
+              <a:rPr lang="fr-FR" dirty="0"/>
+              <a:t>Distinction mutable/immutable</a:t>
+            </a:r>
+          </a:p>
+          <a:p>
+            <a:pPr lvl="1"/>
+            <a:r>
+              <a:rPr lang="fr-FR" dirty="0"/>
+              <a:t>Mutable = qu’on peut modifier. Ex : listes</a:t>
+            </a:r>
+          </a:p>
+          <a:p>
+            <a:pPr lvl="1"/>
+            <a:r>
+              <a:rPr lang="fr-FR" dirty="0"/>
+              <a:t>Immutable = qu’on ne peut pas modifier. Ex : strings et </a:t>
+            </a:r>
+            <a:r>
+              <a:rPr lang="fr-FR" dirty="0" err="1"/>
+              <a:t>tuples</a:t>
+            </a:r>
+            <a:r>
+              <a:rPr lang="fr-FR" dirty="0"/>
               <a:t>.</a:t>
             </a:r>
           </a:p>
           <a:p>
             <a:r>
-              <a:rPr lang="fr-FR" dirty="0">
-                <a:latin typeface="Arial" panose="020B0604020202020204" pitchFamily="34" charset="0"/>
-                <a:cs typeface="Arial" panose="020B0604020202020204" pitchFamily="34" charset="0"/>
-              </a:rPr>
-              <a:t>Afficher la documentation d’une méthode =&gt; volet aide dans </a:t>
-            </a:r>
-            <a:r>
-              <a:rPr lang="fr-FR" dirty="0" err="1">
-                <a:latin typeface="Arial" panose="020B0604020202020204" pitchFamily="34" charset="0"/>
-                <a:cs typeface="Arial" panose="020B0604020202020204" pitchFamily="34" charset="0"/>
-              </a:rPr>
-              <a:t>spyder</a:t>
-            </a:r>
-            <a:r>
-              <a:rPr lang="fr-FR" dirty="0">
-                <a:latin typeface="Arial" panose="020B0604020202020204" pitchFamily="34" charset="0"/>
-                <a:cs typeface="Arial" panose="020B0604020202020204" pitchFamily="34" charset="0"/>
-              </a:rPr>
+              <a:rPr lang="fr-FR" dirty="0"/>
+              <a:t>Références sur le même objet/copie.</a:t>
+            </a:r>
+          </a:p>
+          <a:p>
+            <a:r>
+              <a:rPr lang="fr-FR" dirty="0"/>
+              <a:t>Installer de nouvelles librairies =&gt; dans la console anaconda </a:t>
+            </a:r>
+            <a:r>
+              <a:rPr lang="fr-FR" dirty="0" err="1"/>
+              <a:t>pip</a:t>
+            </a:r>
+            <a:r>
+              <a:rPr lang="fr-FR" dirty="0"/>
+              <a:t> </a:t>
+            </a:r>
+            <a:r>
+              <a:rPr lang="fr-FR" dirty="0" err="1"/>
+              <a:t>install</a:t>
+            </a:r>
+            <a:r>
+              <a:rPr lang="fr-FR" dirty="0"/>
+              <a:t> </a:t>
+            </a:r>
+            <a:r>
+              <a:rPr lang="fr-FR" dirty="0" err="1"/>
+              <a:t>nomLibrairie</a:t>
+            </a:r>
+            <a:r>
+              <a:rPr lang="fr-FR" dirty="0"/>
               <a:t>.</a:t>
             </a:r>
-          </a:p>
-          <a:p>
-            <a:pPr marL="0" indent="0">
-              <a:buNone/>
-            </a:pPr>
-            <a:endParaRPr lang="fr-FR" dirty="0">
-              <a:latin typeface="Arial" panose="020B0604020202020204" pitchFamily="34" charset="0"/>
-              <a:cs typeface="Arial" panose="020B0604020202020204" pitchFamily="34" charset="0"/>
-            </a:endParaRPr>
-          </a:p>
-          <a:p>
-            <a:pPr marL="0" indent="0">
-              <a:buNone/>
-            </a:pPr>
-            <a:r>
-              <a:rPr lang="fr-FR" dirty="0">
-                <a:latin typeface="Arial" panose="020B0604020202020204" pitchFamily="34" charset="0"/>
-                <a:cs typeface="Arial" panose="020B0604020202020204" pitchFamily="34" charset="0"/>
-              </a:rPr>
-              <a:t>Ecrire des commentaires</a:t>
-            </a:r>
-          </a:p>
-          <a:p>
-            <a:endParaRPr lang="fr-FR" dirty="0"/>
-          </a:p>
-          <a:p>
-            <a:endParaRPr lang="fr-FR" dirty="0"/>
           </a:p>
         </p:txBody>
       </p:sp>
     </p:spTree>
     <p:extLst>
       <p:ext uri="{BB962C8B-B14F-4D97-AF65-F5344CB8AC3E}">
-        <p14:creationId xmlns:p14="http://schemas.microsoft.com/office/powerpoint/2010/main" val="1570497178"/>
+        <p14:creationId xmlns:p14="http://schemas.microsoft.com/office/powerpoint/2010/main" val="602605028"/>
       </p:ext>
     </p:extLst>
   </p:cSld>
@@ -4523,12 +4518,12 @@
       </p:grpSpPr>
       <p:sp>
         <p:nvSpPr>
-          <p:cNvPr id="4" name="Titre 3"/>
-          <p:cNvSpPr>
-            <a:spLocks noGrp="1"/>
-          </p:cNvSpPr>
-          <p:nvPr>
-            <p:ph type="ctrTitle"/>
+          <p:cNvPr id="2" name="Titre 1"/>
+          <p:cNvSpPr>
+            <a:spLocks noGrp="1"/>
+          </p:cNvSpPr>
+          <p:nvPr>
+            <p:ph type="title"/>
           </p:nvPr>
         </p:nvSpPr>
         <p:spPr/>
@@ -4539,28 +4534,123 @@
           <a:lstStyle/>
           <a:p>
             <a:r>
-              <a:rPr lang="fr-FR" b="1" dirty="0">
-                <a:solidFill>
-                  <a:srgbClr val="7030A0"/>
-                </a:solidFill>
-                <a:latin typeface="Arial" panose="020B0604020202020204" pitchFamily="34" charset="0"/>
-                <a:cs typeface="Arial" panose="020B0604020202020204" pitchFamily="34" charset="0"/>
-              </a:rPr>
-              <a:t>Partie 3 : traiter les données avec Python</a:t>
-            </a:r>
+              <a:rPr lang="fr-FR" sz="3200" b="1" dirty="0">
+                <a:latin typeface="Arial" panose="020B0604020202020204" pitchFamily="34" charset="0"/>
+                <a:cs typeface="Arial" panose="020B0604020202020204" pitchFamily="34" charset="0"/>
+              </a:rPr>
+              <a:t>Documentation/commentaires</a:t>
+            </a:r>
+          </a:p>
+        </p:txBody>
+      </p:sp>
+      <p:sp>
+        <p:nvSpPr>
+          <p:cNvPr id="3" name="Espace réservé du contenu 2"/>
+          <p:cNvSpPr>
+            <a:spLocks noGrp="1"/>
+          </p:cNvSpPr>
+          <p:nvPr>
+            <p:ph idx="1"/>
+          </p:nvPr>
+        </p:nvSpPr>
+        <p:spPr/>
+        <p:txBody>
+          <a:bodyPr>
+            <a:normAutofit/>
+          </a:bodyPr>
+          <a:lstStyle/>
+          <a:p>
+            <a:r>
+              <a:rPr lang="fr-FR" dirty="0">
+                <a:latin typeface="Arial" panose="020B0604020202020204" pitchFamily="34" charset="0"/>
+                <a:cs typeface="Arial" panose="020B0604020202020204" pitchFamily="34" charset="0"/>
+              </a:rPr>
+              <a:t>Liste des méthodes d’un fichier =&gt; volet structure dans </a:t>
+            </a:r>
+            <a:r>
+              <a:rPr lang="fr-FR" dirty="0" err="1">
+                <a:latin typeface="Arial" panose="020B0604020202020204" pitchFamily="34" charset="0"/>
+                <a:cs typeface="Arial" panose="020B0604020202020204" pitchFamily="34" charset="0"/>
+              </a:rPr>
+              <a:t>spyder</a:t>
+            </a:r>
+            <a:r>
+              <a:rPr lang="fr-FR" dirty="0">
+                <a:latin typeface="Arial" panose="020B0604020202020204" pitchFamily="34" charset="0"/>
+                <a:cs typeface="Arial" panose="020B0604020202020204" pitchFamily="34" charset="0"/>
+              </a:rPr>
+              <a:t>.</a:t>
+            </a:r>
+          </a:p>
+          <a:p>
+            <a:r>
+              <a:rPr lang="fr-FR" dirty="0">
+                <a:latin typeface="Arial" panose="020B0604020202020204" pitchFamily="34" charset="0"/>
+                <a:cs typeface="Arial" panose="020B0604020202020204" pitchFamily="34" charset="0"/>
+              </a:rPr>
+              <a:t>Afficher la documentation d’une méthode =&gt; volet aide dans </a:t>
+            </a:r>
+            <a:r>
+              <a:rPr lang="fr-FR" dirty="0" err="1">
+                <a:latin typeface="Arial" panose="020B0604020202020204" pitchFamily="34" charset="0"/>
+                <a:cs typeface="Arial" panose="020B0604020202020204" pitchFamily="34" charset="0"/>
+              </a:rPr>
+              <a:t>spyder</a:t>
+            </a:r>
+            <a:r>
+              <a:rPr lang="fr-FR" dirty="0">
+                <a:latin typeface="Arial" panose="020B0604020202020204" pitchFamily="34" charset="0"/>
+                <a:cs typeface="Arial" panose="020B0604020202020204" pitchFamily="34" charset="0"/>
+              </a:rPr>
+              <a:t>.</a:t>
+            </a:r>
+          </a:p>
+          <a:p>
+            <a:pPr marL="0" indent="0">
+              <a:buNone/>
+            </a:pPr>
+            <a:endParaRPr lang="fr-FR" dirty="0">
+              <a:latin typeface="Arial" panose="020B0604020202020204" pitchFamily="34" charset="0"/>
+              <a:cs typeface="Arial" panose="020B0604020202020204" pitchFamily="34" charset="0"/>
+            </a:endParaRPr>
+          </a:p>
+          <a:p>
+            <a:pPr marL="0" indent="0">
+              <a:buNone/>
+            </a:pPr>
+            <a:r>
+              <a:rPr lang="fr-FR" dirty="0">
+                <a:latin typeface="Arial" panose="020B0604020202020204" pitchFamily="34" charset="0"/>
+                <a:cs typeface="Arial" panose="020B0604020202020204" pitchFamily="34" charset="0"/>
+              </a:rPr>
+              <a:t>Ecrire des commentaires</a:t>
+            </a:r>
+          </a:p>
+          <a:p>
+            <a:endParaRPr lang="fr-FR" dirty="0"/>
+          </a:p>
+          <a:p>
+            <a:endParaRPr lang="fr-FR" dirty="0"/>
           </a:p>
         </p:txBody>
       </p:sp>
     </p:spTree>
     <p:extLst>
       <p:ext uri="{BB962C8B-B14F-4D97-AF65-F5344CB8AC3E}">
-        <p14:creationId xmlns:p14="http://schemas.microsoft.com/office/powerpoint/2010/main" val="3869593808"/>
+        <p14:creationId xmlns:p14="http://schemas.microsoft.com/office/powerpoint/2010/main" val="1570497178"/>
       </p:ext>
     </p:extLst>
   </p:cSld>
   <p:clrMapOvr>
     <a:masterClrMapping/>
   </p:clrMapOvr>
+  <p:timing>
+    <p:tnLst>
+      <p:par>
+        <p:cTn id="1" dur="indefinite" restart="never" nodeType="tmRoot"/>
+      </p:par>
+    </p:tnLst>
+  </p:timing>
 </p:sld>
 </file>
 
@@ -4583,6 +4673,339 @@
       </p:grpSpPr>
       <p:sp>
         <p:nvSpPr>
+          <p:cNvPr id="4" name="Titre 3"/>
+          <p:cNvSpPr>
+            <a:spLocks noGrp="1"/>
+          </p:cNvSpPr>
+          <p:nvPr>
+            <p:ph type="ctrTitle"/>
+          </p:nvPr>
+        </p:nvSpPr>
+        <p:spPr/>
+        <p:txBody>
+          <a:bodyPr>
+            <a:normAutofit fontScale="90000"/>
+          </a:bodyPr>
+          <a:lstStyle/>
+          <a:p>
+            <a:r>
+              <a:rPr lang="fr-FR" b="1" dirty="0">
+                <a:solidFill>
+                  <a:srgbClr val="7030A0"/>
+                </a:solidFill>
+                <a:latin typeface="Arial" panose="020B0604020202020204" pitchFamily="34" charset="0"/>
+                <a:cs typeface="Arial" panose="020B0604020202020204" pitchFamily="34" charset="0"/>
+              </a:rPr>
+              <a:t>Partie 3 : </a:t>
+            </a:r>
+            <a:r>
+              <a:rPr lang="fr-FR" b="1" dirty="0" smtClean="0">
+                <a:solidFill>
+                  <a:srgbClr val="7030A0"/>
+                </a:solidFill>
+                <a:latin typeface="Arial" panose="020B0604020202020204" pitchFamily="34" charset="0"/>
+                <a:cs typeface="Arial" panose="020B0604020202020204" pitchFamily="34" charset="0"/>
+              </a:rPr>
+              <a:t>traiter les données </a:t>
+            </a:r>
+            <a:r>
+              <a:rPr lang="fr-FR" b="1" dirty="0" smtClean="0">
+                <a:solidFill>
+                  <a:srgbClr val="7030A0"/>
+                </a:solidFill>
+                <a:latin typeface="Arial" panose="020B0604020202020204" pitchFamily="34" charset="0"/>
+                <a:cs typeface="Arial" panose="020B0604020202020204" pitchFamily="34" charset="0"/>
+              </a:rPr>
+              <a:t>en Python avec Numpy et Pandas</a:t>
+            </a:r>
+            <a:endParaRPr lang="fr-FR" b="1" dirty="0">
+              <a:solidFill>
+                <a:srgbClr val="7030A0"/>
+              </a:solidFill>
+              <a:latin typeface="Arial" panose="020B0604020202020204" pitchFamily="34" charset="0"/>
+              <a:cs typeface="Arial" panose="020B0604020202020204" pitchFamily="34" charset="0"/>
+            </a:endParaRPr>
+          </a:p>
+        </p:txBody>
+      </p:sp>
+      <p:pic>
+        <p:nvPicPr>
+          <p:cNvPr id="2" name="Image 1"/>
+          <p:cNvPicPr>
+            <a:picLocks noChangeAspect="1"/>
+          </p:cNvPicPr>
+          <p:nvPr/>
+        </p:nvPicPr>
+        <p:blipFill>
+          <a:blip r:embed="rId2">
+            <a:extLst>
+              <a:ext uri="{28A0092B-C50C-407E-A947-70E740481C1C}">
+                <a14:useLocalDpi xmlns:a14="http://schemas.microsoft.com/office/drawing/2010/main" val="0"/>
+              </a:ext>
+            </a:extLst>
+          </a:blip>
+          <a:stretch>
+            <a:fillRect/>
+          </a:stretch>
+        </p:blipFill>
+        <p:spPr>
+          <a:xfrm>
+            <a:off x="823277" y="4797152"/>
+            <a:ext cx="4118259" cy="1143002"/>
+          </a:xfrm>
+          <a:prstGeom prst="rect">
+            <a:avLst/>
+          </a:prstGeom>
+        </p:spPr>
+      </p:pic>
+      <p:pic>
+        <p:nvPicPr>
+          <p:cNvPr id="3" name="Image 2"/>
+          <p:cNvPicPr>
+            <a:picLocks noChangeAspect="1"/>
+          </p:cNvPicPr>
+          <p:nvPr/>
+        </p:nvPicPr>
+        <p:blipFill>
+          <a:blip r:embed="rId3">
+            <a:extLst>
+              <a:ext uri="{28A0092B-C50C-407E-A947-70E740481C1C}">
+                <a14:useLocalDpi xmlns:a14="http://schemas.microsoft.com/office/drawing/2010/main" val="0"/>
+              </a:ext>
+            </a:extLst>
+          </a:blip>
+          <a:stretch>
+            <a:fillRect/>
+          </a:stretch>
+        </p:blipFill>
+        <p:spPr>
+          <a:xfrm>
+            <a:off x="899592" y="3645024"/>
+            <a:ext cx="2285714" cy="774603"/>
+          </a:xfrm>
+          <a:prstGeom prst="rect">
+            <a:avLst/>
+          </a:prstGeom>
+        </p:spPr>
+      </p:pic>
+    </p:spTree>
+    <p:extLst>
+      <p:ext uri="{BB962C8B-B14F-4D97-AF65-F5344CB8AC3E}">
+        <p14:creationId xmlns:p14="http://schemas.microsoft.com/office/powerpoint/2010/main" val="3869593808"/>
+      </p:ext>
+    </p:extLst>
+  </p:cSld>
+  <p:clrMapOvr>
+    <a:masterClrMapping/>
+  </p:clrMapOvr>
+  <p:timing>
+    <p:tnLst>
+      <p:par>
+        <p:cTn id="1" dur="indefinite" restart="never" nodeType="tmRoot"/>
+      </p:par>
+    </p:tnLst>
+  </p:timing>
+</p:sld>
+</file>
+
+<file path=ppt/slides/slide2.xml><?xml version="1.0" encoding="utf-8"?>
+<p:sld xmlns:a="http://schemas.openxmlformats.org/drawingml/2006/main" xmlns:r="http://schemas.openxmlformats.org/officeDocument/2006/relationships" xmlns:p="http://schemas.openxmlformats.org/presentationml/2006/main">
+  <p:cSld>
+    <p:spTree>
+      <p:nvGrpSpPr>
+        <p:cNvPr id="1" name=""/>
+        <p:cNvGrpSpPr/>
+        <p:nvPr/>
+      </p:nvGrpSpPr>
+      <p:grpSpPr>
+        <a:xfrm>
+          <a:off x="0" y="0"/>
+          <a:ext cx="0" cy="0"/>
+          <a:chOff x="0" y="0"/>
+          <a:chExt cx="0" cy="0"/>
+        </a:xfrm>
+      </p:grpSpPr>
+      <p:sp>
+        <p:nvSpPr>
+          <p:cNvPr id="2" name="Titre 1"/>
+          <p:cNvSpPr>
+            <a:spLocks noGrp="1"/>
+          </p:cNvSpPr>
+          <p:nvPr>
+            <p:ph type="title"/>
+          </p:nvPr>
+        </p:nvSpPr>
+        <p:spPr/>
+        <p:txBody>
+          <a:bodyPr>
+            <a:normAutofit/>
+          </a:bodyPr>
+          <a:lstStyle/>
+          <a:p>
+            <a:r>
+              <a:rPr lang="fr-FR" sz="3200" b="1" dirty="0" smtClean="0">
+                <a:latin typeface="Arial" panose="020B0604020202020204" pitchFamily="34" charset="0"/>
+                <a:cs typeface="Arial" panose="020B0604020202020204" pitchFamily="34" charset="0"/>
+              </a:rPr>
+              <a:t>Objectifs de la formation</a:t>
+            </a:r>
+            <a:endParaRPr lang="fr-FR" sz="3200" b="1" dirty="0">
+              <a:latin typeface="Arial" panose="020B0604020202020204" pitchFamily="34" charset="0"/>
+              <a:cs typeface="Arial" panose="020B0604020202020204" pitchFamily="34" charset="0"/>
+            </a:endParaRPr>
+          </a:p>
+        </p:txBody>
+      </p:sp>
+      <p:sp>
+        <p:nvSpPr>
+          <p:cNvPr id="3" name="Espace réservé du contenu 2"/>
+          <p:cNvSpPr>
+            <a:spLocks noGrp="1"/>
+          </p:cNvSpPr>
+          <p:nvPr>
+            <p:ph idx="1"/>
+          </p:nvPr>
+        </p:nvSpPr>
+        <p:spPr>
+          <a:xfrm>
+            <a:off x="457200" y="1268760"/>
+            <a:ext cx="8229600" cy="5400600"/>
+          </a:xfrm>
+        </p:spPr>
+        <p:txBody>
+          <a:bodyPr>
+            <a:normAutofit/>
+          </a:bodyPr>
+          <a:lstStyle/>
+          <a:p>
+            <a:pPr marL="0" indent="0">
+              <a:buNone/>
+            </a:pPr>
+            <a:r>
+              <a:rPr lang="fr-FR" dirty="0">
+                <a:latin typeface="Arial" panose="020B0604020202020204" pitchFamily="34" charset="0"/>
+                <a:cs typeface="Arial" panose="020B0604020202020204" pitchFamily="34" charset="0"/>
+              </a:rPr>
+              <a:t>découvrir le langage Python et son écosystème pour statisticien (environnement de travail et </a:t>
+            </a:r>
+            <a:r>
+              <a:rPr lang="fr-FR" dirty="0" smtClean="0">
+                <a:latin typeface="Arial" panose="020B0604020202020204" pitchFamily="34" charset="0"/>
+                <a:cs typeface="Arial" panose="020B0604020202020204" pitchFamily="34" charset="0"/>
+              </a:rPr>
+              <a:t>librairies </a:t>
+            </a:r>
+            <a:r>
+              <a:rPr lang="fr-FR" dirty="0">
+                <a:latin typeface="Arial" panose="020B0604020202020204" pitchFamily="34" charset="0"/>
+                <a:cs typeface="Arial" panose="020B0604020202020204" pitchFamily="34" charset="0"/>
+              </a:rPr>
+              <a:t>les plus </a:t>
+            </a:r>
+            <a:r>
+              <a:rPr lang="fr-FR" dirty="0" smtClean="0">
+                <a:latin typeface="Arial" panose="020B0604020202020204" pitchFamily="34" charset="0"/>
+                <a:cs typeface="Arial" panose="020B0604020202020204" pitchFamily="34" charset="0"/>
+              </a:rPr>
+              <a:t>utiles) donc :</a:t>
+            </a:r>
+          </a:p>
+          <a:p>
+            <a:r>
+              <a:rPr lang="fr-FR" dirty="0" smtClean="0">
+                <a:latin typeface="Arial" panose="020B0604020202020204" pitchFamily="34" charset="0"/>
+                <a:cs typeface="Arial" panose="020B0604020202020204" pitchFamily="34" charset="0"/>
+              </a:rPr>
+              <a:t>Couverture de Python en largeur</a:t>
+            </a:r>
+          </a:p>
+          <a:p>
+            <a:r>
+              <a:rPr lang="fr-FR" dirty="0" smtClean="0">
+                <a:latin typeface="Arial" panose="020B0604020202020204" pitchFamily="34" charset="0"/>
+                <a:cs typeface="Arial" panose="020B0604020202020204" pitchFamily="34" charset="0"/>
+              </a:rPr>
+              <a:t>Illustration via des exemples de code simple</a:t>
+            </a:r>
+          </a:p>
+          <a:p>
+            <a:pPr marL="0" indent="0">
+              <a:buNone/>
+            </a:pPr>
+            <a:endParaRPr lang="fr-FR" dirty="0" smtClean="0">
+              <a:latin typeface="Arial" panose="020B0604020202020204" pitchFamily="34" charset="0"/>
+              <a:cs typeface="Arial" panose="020B0604020202020204" pitchFamily="34" charset="0"/>
+            </a:endParaRPr>
+          </a:p>
+          <a:p>
+            <a:pPr marL="0" indent="0">
+              <a:buNone/>
+            </a:pPr>
+            <a:r>
+              <a:rPr lang="fr-FR" dirty="0" smtClean="0">
+                <a:latin typeface="Arial" panose="020B0604020202020204" pitchFamily="34" charset="0"/>
+                <a:cs typeface="Arial" panose="020B0604020202020204" pitchFamily="34" charset="0"/>
+              </a:rPr>
+              <a:t>MAIS pas de couverture de profondeur. Ex : offre complète de formation python du </a:t>
+            </a:r>
+            <a:r>
+              <a:rPr lang="fr-FR" dirty="0" err="1" smtClean="0">
+                <a:latin typeface="Arial" panose="020B0604020202020204" pitchFamily="34" charset="0"/>
+                <a:cs typeface="Arial" panose="020B0604020202020204" pitchFamily="34" charset="0"/>
+              </a:rPr>
+              <a:t>cepe</a:t>
+            </a:r>
+            <a:r>
+              <a:rPr lang="fr-FR" dirty="0" smtClean="0">
+                <a:latin typeface="Arial" panose="020B0604020202020204" pitchFamily="34" charset="0"/>
+                <a:cs typeface="Arial" panose="020B0604020202020204" pitchFamily="34" charset="0"/>
+              </a:rPr>
+              <a:t> : 10 jours!</a:t>
+            </a:r>
+          </a:p>
+          <a:p>
+            <a:pPr marL="0" indent="0">
+              <a:buNone/>
+            </a:pPr>
+            <a:endParaRPr lang="fr-FR" dirty="0">
+              <a:latin typeface="Arial" panose="020B0604020202020204" pitchFamily="34" charset="0"/>
+              <a:cs typeface="Arial" panose="020B0604020202020204" pitchFamily="34" charset="0"/>
+            </a:endParaRPr>
+          </a:p>
+        </p:txBody>
+      </p:sp>
+    </p:spTree>
+    <p:extLst>
+      <p:ext uri="{BB962C8B-B14F-4D97-AF65-F5344CB8AC3E}">
+        <p14:creationId xmlns:p14="http://schemas.microsoft.com/office/powerpoint/2010/main" val="2934413605"/>
+      </p:ext>
+    </p:extLst>
+  </p:cSld>
+  <p:clrMapOvr>
+    <a:masterClrMapping/>
+  </p:clrMapOvr>
+</p:sld>
+</file>
+
+<file path=ppt/slides/slide20.xml><?xml version="1.0" encoding="utf-8"?>
+<p:sld xmlns:a="http://schemas.openxmlformats.org/drawingml/2006/main" xmlns:r="http://schemas.openxmlformats.org/officeDocument/2006/relationships" xmlns:p="http://schemas.openxmlformats.org/presentationml/2006/main">
+  <p:cSld>
+    <p:spTree>
+      <p:nvGrpSpPr>
+        <p:cNvPr id="1" name=""/>
+        <p:cNvGrpSpPr/>
+        <p:nvPr/>
+      </p:nvGrpSpPr>
+      <p:grpSpPr>
+        <a:xfrm>
+          <a:off x="0" y="0"/>
+          <a:ext cx="0" cy="0"/>
+          <a:chOff x="0" y="0"/>
+          <a:chExt cx="0" cy="0"/>
+        </a:xfrm>
+      </p:grpSpPr>
+      <p:sp>
+        <p:nvSpPr>
           <p:cNvPr id="2" name="Titre 1"/>
           <p:cNvSpPr>
             <a:spLocks noGrp="1"/>
@@ -4604,12 +5027,16 @@
           <a:lstStyle/>
           <a:p>
             <a:r>
-              <a:rPr lang="fr-FR" sz="3200" b="1" dirty="0">
+              <a:rPr lang="fr-FR" sz="3200" b="1" dirty="0" smtClean="0">
                 <a:latin typeface="Arial" panose="020B0604020202020204" pitchFamily="34" charset="0"/>
                 <a:cs typeface="Arial" panose="020B0604020202020204" pitchFamily="34" charset="0"/>
               </a:rPr>
               <a:t>Traiter les données prend du temps</a:t>
             </a:r>
+            <a:endParaRPr lang="fr-FR" sz="3200" b="1" dirty="0">
+              <a:latin typeface="Arial" panose="020B0604020202020204" pitchFamily="34" charset="0"/>
+              <a:cs typeface="Arial" panose="020B0604020202020204" pitchFamily="34" charset="0"/>
+            </a:endParaRPr>
           </a:p>
         </p:txBody>
       </p:sp>
@@ -4770,7 +5197,7 @@
 </p:sld>
 </file>
 
-<file path=ppt/slides/slide2.xml><?xml version="1.0" encoding="utf-8"?>
+<file path=ppt/slides/slide21.xml><?xml version="1.0" encoding="utf-8"?>
 <p:sld xmlns:a="http://schemas.openxmlformats.org/drawingml/2006/main" xmlns:r="http://schemas.openxmlformats.org/officeDocument/2006/relationships" xmlns:p="http://schemas.openxmlformats.org/presentationml/2006/main">
   <p:cSld>
     <p:spTree>
@@ -4789,64 +5216,6 @@
       </p:grpSpPr>
       <p:sp>
         <p:nvSpPr>
-          <p:cNvPr id="4" name="Titre 3"/>
-          <p:cNvSpPr>
-            <a:spLocks noGrp="1"/>
-          </p:cNvSpPr>
-          <p:nvPr>
-            <p:ph type="ctrTitle"/>
-          </p:nvPr>
-        </p:nvSpPr>
-        <p:spPr/>
-        <p:txBody>
-          <a:bodyPr/>
-          <a:lstStyle/>
-          <a:p>
-            <a:r>
-              <a:rPr lang="fr-FR" b="1" dirty="0">
-                <a:solidFill>
-                  <a:srgbClr val="7030A0"/>
-                </a:solidFill>
-                <a:latin typeface="Arial" panose="020B0604020202020204" pitchFamily="34" charset="0"/>
-                <a:cs typeface="Arial" panose="020B0604020202020204" pitchFamily="34" charset="0"/>
-              </a:rPr>
-              <a:t>Partie 1 : Pourquoi s’intéresser à Python?</a:t>
-            </a:r>
-          </a:p>
-        </p:txBody>
-      </p:sp>
-    </p:spTree>
-    <p:extLst>
-      <p:ext uri="{BB962C8B-B14F-4D97-AF65-F5344CB8AC3E}">
-        <p14:creationId xmlns:p14="http://schemas.microsoft.com/office/powerpoint/2010/main" val="164285327"/>
-      </p:ext>
-    </p:extLst>
-  </p:cSld>
-  <p:clrMapOvr>
-    <a:masterClrMapping/>
-  </p:clrMapOvr>
-</p:sld>
-</file>
-
-<file path=ppt/slides/slide20.xml><?xml version="1.0" encoding="utf-8"?>
-<p:sld xmlns:a="http://schemas.openxmlformats.org/drawingml/2006/main" xmlns:r="http://schemas.openxmlformats.org/officeDocument/2006/relationships" xmlns:p="http://schemas.openxmlformats.org/presentationml/2006/main">
-  <p:cSld>
-    <p:spTree>
-      <p:nvGrpSpPr>
-        <p:cNvPr id="1" name=""/>
-        <p:cNvGrpSpPr/>
-        <p:nvPr/>
-      </p:nvGrpSpPr>
-      <p:grpSpPr>
-        <a:xfrm>
-          <a:off x="0" y="0"/>
-          <a:ext cx="0" cy="0"/>
-          <a:chOff x="0" y="0"/>
-          <a:chExt cx="0" cy="0"/>
-        </a:xfrm>
-      </p:grpSpPr>
-      <p:sp>
-        <p:nvSpPr>
           <p:cNvPr id="2" name="Titre 1"/>
           <p:cNvSpPr>
             <a:spLocks noGrp="1"/>
@@ -4874,19 +5243,8 @@
                 <a:latin typeface="Arial" panose="020B0604020202020204" pitchFamily="34" charset="0"/>
                 <a:cs typeface="Arial" panose="020B0604020202020204" pitchFamily="34" charset="0"/>
               </a:rPr>
-              <a:t> avec </a:t>
-            </a:r>
-            <a:r>
-              <a:rPr lang="fr-FR" sz="3200" b="1" dirty="0" err="1">
-                <a:latin typeface="Arial" panose="020B0604020202020204" pitchFamily="34" charset="0"/>
-                <a:cs typeface="Arial" panose="020B0604020202020204" pitchFamily="34" charset="0"/>
-              </a:rPr>
-              <a:t>Numpy</a:t>
-            </a:r>
-            <a:endParaRPr lang="fr-FR" sz="3200" b="1" dirty="0">
-              <a:latin typeface="Arial" panose="020B0604020202020204" pitchFamily="34" charset="0"/>
-              <a:cs typeface="Arial" panose="020B0604020202020204" pitchFamily="34" charset="0"/>
-            </a:endParaRPr>
+              <a:t> avec Numpy</a:t>
+            </a:r>
           </a:p>
         </p:txBody>
       </p:sp>
@@ -4962,7 +5320,7 @@
 </p:sld>
 </file>
 
-<file path=ppt/slides/slide21.xml><?xml version="1.0" encoding="utf-8"?>
+<file path=ppt/slides/slide22.xml><?xml version="1.0" encoding="utf-8"?>
 <p:sld xmlns:a="http://schemas.openxmlformats.org/drawingml/2006/main" xmlns:r="http://schemas.openxmlformats.org/officeDocument/2006/relationships" xmlns:p="http://schemas.openxmlformats.org/presentationml/2006/main">
   <p:cSld>
     <p:spTree>
@@ -5008,19 +5366,8 @@
                 <a:latin typeface="Arial" panose="020B0604020202020204" pitchFamily="34" charset="0"/>
                 <a:cs typeface="Arial" panose="020B0604020202020204" pitchFamily="34" charset="0"/>
               </a:rPr>
-              <a:t> avec </a:t>
-            </a:r>
-            <a:r>
-              <a:rPr lang="fr-FR" sz="3200" b="1" dirty="0" err="1">
-                <a:latin typeface="Arial" panose="020B0604020202020204" pitchFamily="34" charset="0"/>
-                <a:cs typeface="Arial" panose="020B0604020202020204" pitchFamily="34" charset="0"/>
-              </a:rPr>
-              <a:t>Numpy</a:t>
-            </a:r>
-            <a:endParaRPr lang="fr-FR" sz="3200" b="1" dirty="0">
-              <a:latin typeface="Arial" panose="020B0604020202020204" pitchFamily="34" charset="0"/>
-              <a:cs typeface="Arial" panose="020B0604020202020204" pitchFamily="34" charset="0"/>
-            </a:endParaRPr>
+              <a:t> avec Numpy</a:t>
+            </a:r>
           </a:p>
         </p:txBody>
       </p:sp>
@@ -5064,141 +5411,13 @@
   <p:clrMapOvr>
     <a:masterClrMapping/>
   </p:clrMapOvr>
-</p:sld>
-</file>
-
-<file path=ppt/slides/slide22.xml><?xml version="1.0" encoding="utf-8"?>
-<p:sld xmlns:a="http://schemas.openxmlformats.org/drawingml/2006/main" xmlns:r="http://schemas.openxmlformats.org/officeDocument/2006/relationships" xmlns:p="http://schemas.openxmlformats.org/presentationml/2006/main">
-  <p:cSld>
-    <p:spTree>
-      <p:nvGrpSpPr>
-        <p:cNvPr id="1" name=""/>
-        <p:cNvGrpSpPr/>
-        <p:nvPr/>
-      </p:nvGrpSpPr>
-      <p:grpSpPr>
-        <a:xfrm>
-          <a:off x="0" y="0"/>
-          <a:ext cx="0" cy="0"/>
-          <a:chOff x="0" y="0"/>
-          <a:chExt cx="0" cy="0"/>
-        </a:xfrm>
-      </p:grpSpPr>
-      <p:sp>
-        <p:nvSpPr>
-          <p:cNvPr id="2" name="Titre 1"/>
-          <p:cNvSpPr>
-            <a:spLocks noGrp="1"/>
-          </p:cNvSpPr>
-          <p:nvPr>
-            <p:ph type="title"/>
-          </p:nvPr>
-        </p:nvSpPr>
-        <p:spPr/>
-        <p:txBody>
-          <a:bodyPr>
-            <a:normAutofit/>
-          </a:bodyPr>
-          <a:lstStyle/>
-          <a:p>
-            <a:r>
-              <a:rPr lang="fr-FR" sz="3200" b="1" dirty="0">
-                <a:latin typeface="Arial" panose="020B0604020202020204" pitchFamily="34" charset="0"/>
-                <a:cs typeface="Arial" panose="020B0604020202020204" pitchFamily="34" charset="0"/>
-              </a:rPr>
-              <a:t>Structures de données Pandas</a:t>
-            </a:r>
-          </a:p>
-        </p:txBody>
-      </p:sp>
-      <p:sp>
-        <p:nvSpPr>
-          <p:cNvPr id="3" name="Espace réservé du contenu 2"/>
-          <p:cNvSpPr>
-            <a:spLocks noGrp="1"/>
-          </p:cNvSpPr>
-          <p:nvPr>
-            <p:ph idx="1"/>
-          </p:nvPr>
-        </p:nvSpPr>
-        <p:spPr/>
-        <p:txBody>
-          <a:bodyPr/>
-          <a:lstStyle/>
-          <a:p>
-            <a:r>
-              <a:rPr lang="fr-FR" dirty="0">
-                <a:latin typeface="Arial" panose="020B0604020202020204" pitchFamily="34" charset="0"/>
-                <a:cs typeface="Arial" panose="020B0604020202020204" pitchFamily="34" charset="0"/>
-              </a:rPr>
-              <a:t>Séries </a:t>
-            </a:r>
-            <a:r>
-              <a:rPr lang="fr-FR" sz="2800" dirty="0">
-                <a:latin typeface="Arial" panose="020B0604020202020204" pitchFamily="34" charset="0"/>
-                <a:cs typeface="Arial" panose="020B0604020202020204" pitchFamily="34" charset="0"/>
-              </a:rPr>
-              <a:t>(dont statistiques de base : moyenne, écart type,…, </a:t>
-            </a:r>
-            <a:r>
-              <a:rPr lang="fr-FR" sz="2800" dirty="0">
-                <a:latin typeface="Arial" panose="020B0604020202020204" pitchFamily="34" charset="0"/>
-                <a:cs typeface="Arial" panose="020B0604020202020204" pitchFamily="34" charset="0"/>
-                <a:hlinkClick r:id="rId2"/>
-              </a:rPr>
-              <a:t>skewness</a:t>
-            </a:r>
-            <a:r>
-              <a:rPr lang="fr-FR" sz="2800" dirty="0">
-                <a:latin typeface="Arial" panose="020B0604020202020204" pitchFamily="34" charset="0"/>
-                <a:cs typeface="Arial" panose="020B0604020202020204" pitchFamily="34" charset="0"/>
-              </a:rPr>
-              <a:t>,  </a:t>
-            </a:r>
-            <a:r>
-              <a:rPr lang="fr-FR" sz="2800" dirty="0">
-                <a:latin typeface="Arial" panose="020B0604020202020204" pitchFamily="34" charset="0"/>
-                <a:cs typeface="Arial" panose="020B0604020202020204" pitchFamily="34" charset="0"/>
-                <a:hlinkClick r:id="rId3"/>
-              </a:rPr>
-              <a:t>kurtosis</a:t>
-            </a:r>
-            <a:r>
-              <a:rPr lang="fr-FR" sz="2800" dirty="0">
-                <a:latin typeface="Arial" panose="020B0604020202020204" pitchFamily="34" charset="0"/>
-                <a:cs typeface="Arial" panose="020B0604020202020204" pitchFamily="34" charset="0"/>
-              </a:rPr>
-              <a:t>)</a:t>
-            </a:r>
-          </a:p>
-          <a:p>
-            <a:r>
-              <a:rPr lang="fr-FR" dirty="0" err="1">
-                <a:latin typeface="Arial" panose="020B0604020202020204" pitchFamily="34" charset="0"/>
-                <a:cs typeface="Arial" panose="020B0604020202020204" pitchFamily="34" charset="0"/>
-              </a:rPr>
-              <a:t>Dataframe</a:t>
-            </a:r>
-            <a:r>
-              <a:rPr lang="fr-FR" dirty="0">
-                <a:latin typeface="Arial" panose="020B0604020202020204" pitchFamily="34" charset="0"/>
-                <a:cs typeface="Arial" panose="020B0604020202020204" pitchFamily="34" charset="0"/>
-              </a:rPr>
-              <a:t> : tableau avec n Séries</a:t>
-            </a:r>
-          </a:p>
-        </p:txBody>
-      </p:sp>
-    </p:spTree>
-    <p:extLst>
-      <p:ext uri="{BB962C8B-B14F-4D97-AF65-F5344CB8AC3E}">
-        <p14:creationId xmlns:p14="http://schemas.microsoft.com/office/powerpoint/2010/main" val="2711316839"/>
-      </p:ext>
-    </p:extLst>
-  </p:cSld>
-  <p:clrMapOvr>
-    <a:masterClrMapping/>
-  </p:clrMapOvr>
+  <p:timing>
+    <p:tnLst>
+      <p:par>
+        <p:cTn id="1" dur="indefinite" restart="never" nodeType="tmRoot"/>
+      </p:par>
+    </p:tnLst>
+  </p:timing>
 </p:sld>
 </file>
 
@@ -5229,6 +5448,140 @@
             <p:ph type="title"/>
           </p:nvPr>
         </p:nvSpPr>
+        <p:spPr/>
+        <p:txBody>
+          <a:bodyPr>
+            <a:normAutofit/>
+          </a:bodyPr>
+          <a:lstStyle/>
+          <a:p>
+            <a:r>
+              <a:rPr lang="fr-FR" sz="3200" b="1" dirty="0">
+                <a:latin typeface="Arial" panose="020B0604020202020204" pitchFamily="34" charset="0"/>
+                <a:cs typeface="Arial" panose="020B0604020202020204" pitchFamily="34" charset="0"/>
+              </a:rPr>
+              <a:t>Structures de données Pandas</a:t>
+            </a:r>
+          </a:p>
+        </p:txBody>
+      </p:sp>
+      <p:sp>
+        <p:nvSpPr>
+          <p:cNvPr id="3" name="Espace réservé du contenu 2"/>
+          <p:cNvSpPr>
+            <a:spLocks noGrp="1"/>
+          </p:cNvSpPr>
+          <p:nvPr>
+            <p:ph idx="1"/>
+          </p:nvPr>
+        </p:nvSpPr>
+        <p:spPr/>
+        <p:txBody>
+          <a:bodyPr>
+            <a:normAutofit/>
+          </a:bodyPr>
+          <a:lstStyle/>
+          <a:p>
+            <a:r>
+              <a:rPr lang="fr-FR" dirty="0">
+                <a:latin typeface="Arial" panose="020B0604020202020204" pitchFamily="34" charset="0"/>
+                <a:cs typeface="Arial" panose="020B0604020202020204" pitchFamily="34" charset="0"/>
+              </a:rPr>
+              <a:t>Séries (dont statistiques de base : moyenne, écart type,…, </a:t>
+            </a:r>
+            <a:r>
+              <a:rPr lang="fr-FR" dirty="0">
+                <a:latin typeface="Arial" panose="020B0604020202020204" pitchFamily="34" charset="0"/>
+                <a:cs typeface="Arial" panose="020B0604020202020204" pitchFamily="34" charset="0"/>
+                <a:hlinkClick r:id="rId2"/>
+              </a:rPr>
+              <a:t>skewness</a:t>
+            </a:r>
+            <a:r>
+              <a:rPr lang="fr-FR" dirty="0">
+                <a:latin typeface="Arial" panose="020B0604020202020204" pitchFamily="34" charset="0"/>
+                <a:cs typeface="Arial" panose="020B0604020202020204" pitchFamily="34" charset="0"/>
+              </a:rPr>
+              <a:t>,  </a:t>
+            </a:r>
+            <a:r>
+              <a:rPr lang="fr-FR" dirty="0">
+                <a:latin typeface="Arial" panose="020B0604020202020204" pitchFamily="34" charset="0"/>
+                <a:cs typeface="Arial" panose="020B0604020202020204" pitchFamily="34" charset="0"/>
+                <a:hlinkClick r:id="rId3"/>
+              </a:rPr>
+              <a:t>kurtosis</a:t>
+            </a:r>
+            <a:r>
+              <a:rPr lang="fr-FR" dirty="0">
+                <a:latin typeface="Arial" panose="020B0604020202020204" pitchFamily="34" charset="0"/>
+                <a:cs typeface="Arial" panose="020B0604020202020204" pitchFamily="34" charset="0"/>
+              </a:rPr>
+              <a:t>)</a:t>
+            </a:r>
+          </a:p>
+          <a:p>
+            <a:r>
+              <a:rPr lang="fr-FR" dirty="0" smtClean="0">
+                <a:latin typeface="Arial" panose="020B0604020202020204" pitchFamily="34" charset="0"/>
+                <a:cs typeface="Arial" panose="020B0604020202020204" pitchFamily="34" charset="0"/>
+              </a:rPr>
+              <a:t>Dataframe : tableau avec n Séries</a:t>
+            </a:r>
+            <a:endParaRPr lang="fr-FR" dirty="0">
+              <a:latin typeface="Arial" panose="020B0604020202020204" pitchFamily="34" charset="0"/>
+              <a:cs typeface="Arial" panose="020B0604020202020204" pitchFamily="34" charset="0"/>
+            </a:endParaRPr>
+          </a:p>
+        </p:txBody>
+      </p:sp>
+    </p:spTree>
+    <p:extLst>
+      <p:ext uri="{BB962C8B-B14F-4D97-AF65-F5344CB8AC3E}">
+        <p14:creationId xmlns:p14="http://schemas.microsoft.com/office/powerpoint/2010/main" val="2711316839"/>
+      </p:ext>
+    </p:extLst>
+  </p:cSld>
+  <p:clrMapOvr>
+    <a:masterClrMapping/>
+  </p:clrMapOvr>
+  <p:timing>
+    <p:tnLst>
+      <p:par>
+        <p:cTn id="1" dur="indefinite" restart="never" nodeType="tmRoot"/>
+      </p:par>
+    </p:tnLst>
+  </p:timing>
+</p:sld>
+</file>
+
+<file path=ppt/slides/slide24.xml><?xml version="1.0" encoding="utf-8"?>
+<p:sld xmlns:a="http://schemas.openxmlformats.org/drawingml/2006/main" xmlns:r="http://schemas.openxmlformats.org/officeDocument/2006/relationships" xmlns:p="http://schemas.openxmlformats.org/presentationml/2006/main">
+  <p:cSld>
+    <p:spTree>
+      <p:nvGrpSpPr>
+        <p:cNvPr id="1" name=""/>
+        <p:cNvGrpSpPr/>
+        <p:nvPr/>
+      </p:nvGrpSpPr>
+      <p:grpSpPr>
+        <a:xfrm>
+          <a:off x="0" y="0"/>
+          <a:ext cx="0" cy="0"/>
+          <a:chOff x="0" y="0"/>
+          <a:chExt cx="0" cy="0"/>
+        </a:xfrm>
+      </p:grpSpPr>
+      <p:sp>
+        <p:nvSpPr>
+          <p:cNvPr id="2" name="Titre 1"/>
+          <p:cNvSpPr>
+            <a:spLocks noGrp="1"/>
+          </p:cNvSpPr>
+          <p:nvPr>
+            <p:ph type="title"/>
+          </p:nvPr>
+        </p:nvSpPr>
         <p:spPr>
           <a:xfrm>
             <a:off x="179512" y="274638"/>
@@ -5247,19 +5600,23 @@
               </a:spcBef>
             </a:pPr>
             <a:r>
-              <a:rPr lang="fr-FR" sz="3200" b="1" dirty="0" err="1">
+              <a:rPr lang="fr-FR" sz="3200" b="1" dirty="0" err="1" smtClean="0">
                 <a:latin typeface="Arial" panose="020B0604020202020204" pitchFamily="34" charset="0"/>
                 <a:cs typeface="Arial" panose="020B0604020202020204" pitchFamily="34" charset="0"/>
               </a:rPr>
               <a:t>dataframe</a:t>
             </a:r>
             <a:r>
-              <a:rPr lang="fr-FR" sz="3200" b="1" dirty="0">
+              <a:rPr lang="fr-FR" sz="3200" b="1" dirty="0" smtClean="0">
                 <a:latin typeface="Arial" panose="020B0604020202020204" pitchFamily="34" charset="0"/>
                 <a:cs typeface="Arial" panose="020B0604020202020204" pitchFamily="34" charset="0"/>
               </a:rPr>
               <a:t> data préparation : imports/doublons/conversions</a:t>
             </a:r>
+            <a:endParaRPr lang="fr-FR" sz="3200" b="1" dirty="0">
+              <a:latin typeface="Arial" panose="020B0604020202020204" pitchFamily="34" charset="0"/>
+              <a:cs typeface="Arial" panose="020B0604020202020204" pitchFamily="34" charset="0"/>
+            </a:endParaRPr>
           </a:p>
         </p:txBody>
       </p:sp>
@@ -5286,64 +5643,82 @@
           <a:lstStyle/>
           <a:p>
             <a:r>
+              <a:rPr lang="fr-FR" sz="2800" dirty="0" smtClean="0">
+                <a:latin typeface="Arial" panose="020B0604020202020204" pitchFamily="34" charset="0"/>
+                <a:cs typeface="Arial" panose="020B0604020202020204" pitchFamily="34" charset="0"/>
+              </a:rPr>
+              <a:t>Spécifier le type de </a:t>
+            </a:r>
+            <a:r>
               <a:rPr lang="fr-FR" sz="2800" dirty="0">
                 <a:latin typeface="Arial" panose="020B0604020202020204" pitchFamily="34" charset="0"/>
                 <a:cs typeface="Arial" panose="020B0604020202020204" pitchFamily="34" charset="0"/>
               </a:rPr>
-              <a:t>Spécifier le type de chaque colonne (attribut </a:t>
-            </a:r>
-            <a:r>
-              <a:rPr lang="fr-FR" sz="2800" dirty="0" err="1">
+              <a:t>chaque colonne </a:t>
+            </a:r>
+            <a:r>
+              <a:rPr lang="fr-FR" sz="2800" dirty="0" smtClean="0">
+                <a:latin typeface="Arial" panose="020B0604020202020204" pitchFamily="34" charset="0"/>
+                <a:cs typeface="Arial" panose="020B0604020202020204" pitchFamily="34" charset="0"/>
+              </a:rPr>
+              <a:t>(attribut </a:t>
+            </a:r>
+            <a:r>
+              <a:rPr lang="fr-FR" sz="2800" dirty="0" err="1" smtClean="0">
                 <a:latin typeface="Arial" panose="020B0604020202020204" pitchFamily="34" charset="0"/>
                 <a:cs typeface="Arial" panose="020B0604020202020204" pitchFamily="34" charset="0"/>
               </a:rPr>
               <a:t>dtype</a:t>
             </a:r>
             <a:r>
-              <a:rPr lang="fr-FR" sz="2800" dirty="0">
+              <a:rPr lang="fr-FR" sz="2800" dirty="0" smtClean="0">
                 <a:latin typeface="Arial" panose="020B0604020202020204" pitchFamily="34" charset="0"/>
                 <a:cs typeface="Arial" panose="020B0604020202020204" pitchFamily="34" charset="0"/>
               </a:rPr>
               <a:t>)</a:t>
             </a:r>
-          </a:p>
-          <a:p>
-            <a:r>
-              <a:rPr lang="fr-FR" sz="2800" dirty="0">
-                <a:latin typeface="Arial" panose="020B0604020202020204" pitchFamily="34" charset="0"/>
-                <a:cs typeface="Arial" panose="020B0604020202020204" pitchFamily="34" charset="0"/>
-              </a:rPr>
-              <a:t>Voir le résultat de la fonction info() sur le </a:t>
-            </a:r>
-            <a:r>
-              <a:rPr lang="fr-FR" sz="2800" dirty="0" err="1">
-                <a:latin typeface="Arial" panose="020B0604020202020204" pitchFamily="34" charset="0"/>
-                <a:cs typeface="Arial" panose="020B0604020202020204" pitchFamily="34" charset="0"/>
-              </a:rPr>
-              <a:t>dataframe</a:t>
-            </a:r>
-            <a:r>
-              <a:rPr lang="fr-FR" sz="2800" dirty="0">
-                <a:latin typeface="Arial" panose="020B0604020202020204" pitchFamily="34" charset="0"/>
-                <a:cs typeface="Arial" panose="020B0604020202020204" pitchFamily="34" charset="0"/>
-              </a:rPr>
-              <a:t> pour voir le type des données</a:t>
-            </a:r>
-          </a:p>
-          <a:p>
             <a:endParaRPr lang="fr-FR" sz="2800" dirty="0">
               <a:latin typeface="Arial" panose="020B0604020202020204" pitchFamily="34" charset="0"/>
               <a:cs typeface="Arial" panose="020B0604020202020204" pitchFamily="34" charset="0"/>
             </a:endParaRPr>
           </a:p>
           <a:p>
+            <a:r>
+              <a:rPr lang="fr-FR" sz="2800" dirty="0" smtClean="0">
+                <a:latin typeface="Arial" panose="020B0604020202020204" pitchFamily="34" charset="0"/>
+                <a:cs typeface="Arial" panose="020B0604020202020204" pitchFamily="34" charset="0"/>
+              </a:rPr>
+              <a:t>Voir le résultat de la fonction info() sur le </a:t>
+            </a:r>
+            <a:r>
+              <a:rPr lang="fr-FR" sz="2800" dirty="0" err="1" smtClean="0">
+                <a:latin typeface="Arial" panose="020B0604020202020204" pitchFamily="34" charset="0"/>
+                <a:cs typeface="Arial" panose="020B0604020202020204" pitchFamily="34" charset="0"/>
+              </a:rPr>
+              <a:t>dataframe</a:t>
+            </a:r>
+            <a:r>
+              <a:rPr lang="fr-FR" sz="2800" dirty="0" smtClean="0">
+                <a:latin typeface="Arial" panose="020B0604020202020204" pitchFamily="34" charset="0"/>
+                <a:cs typeface="Arial" panose="020B0604020202020204" pitchFamily="34" charset="0"/>
+              </a:rPr>
+              <a:t> pour voir le type des données</a:t>
+            </a:r>
+          </a:p>
+          <a:p>
             <a:endParaRPr lang="fr-FR" sz="2800" dirty="0">
               <a:latin typeface="Arial" panose="020B0604020202020204" pitchFamily="34" charset="0"/>
               <a:cs typeface="Arial" panose="020B0604020202020204" pitchFamily="34" charset="0"/>
             </a:endParaRPr>
           </a:p>
           <a:p>
-            <a:endParaRPr lang="fr-FR" sz="2800" dirty="0">
+            <a:endParaRPr lang="fr-FR" sz="2800" dirty="0" smtClean="0">
+              <a:latin typeface="Arial" panose="020B0604020202020204" pitchFamily="34" charset="0"/>
+              <a:cs typeface="Arial" panose="020B0604020202020204" pitchFamily="34" charset="0"/>
+            </a:endParaRPr>
+          </a:p>
+          <a:p>
+            <a:endParaRPr lang="fr-FR" sz="2800" dirty="0" smtClean="0">
               <a:latin typeface="Arial" panose="020B0604020202020204" pitchFamily="34" charset="0"/>
               <a:cs typeface="Arial" panose="020B0604020202020204" pitchFamily="34" charset="0"/>
             </a:endParaRPr>
@@ -5365,7 +5740,7 @@
           </a:p>
           <a:p>
             <a:r>
-              <a:rPr lang="fr-FR" sz="2800" dirty="0">
+              <a:rPr lang="fr-FR" sz="2800" dirty="0" smtClean="0">
                 <a:latin typeface="Arial" panose="020B0604020202020204" pitchFamily="34" charset="0"/>
                 <a:cs typeface="Arial" panose="020B0604020202020204" pitchFamily="34" charset="0"/>
               </a:rPr>
@@ -5374,7 +5749,7 @@
           </a:p>
           <a:p>
             <a:r>
-              <a:rPr lang="fr-FR" sz="2800" dirty="0">
+              <a:rPr lang="fr-FR" sz="2800" dirty="0" smtClean="0">
                 <a:latin typeface="Arial" panose="020B0604020202020204" pitchFamily="34" charset="0"/>
                 <a:cs typeface="Arial" panose="020B0604020202020204" pitchFamily="34" charset="0"/>
               </a:rPr>
@@ -5384,18 +5759,73 @@
           <a:p>
             <a:pPr lvl="1"/>
             <a:r>
+              <a:rPr lang="fr-FR" sz="2400" dirty="0" smtClean="0">
+                <a:latin typeface="Arial" panose="020B0604020202020204" pitchFamily="34" charset="0"/>
+                <a:cs typeface="Arial" panose="020B0604020202020204" pitchFamily="34" charset="0"/>
+              </a:rPr>
+              <a:t>Fonction </a:t>
+            </a:r>
+            <a:r>
+              <a:rPr lang="fr-FR" sz="2400" dirty="0" err="1" smtClean="0">
+                <a:latin typeface="Arial" panose="020B0604020202020204" pitchFamily="34" charset="0"/>
+                <a:cs typeface="Arial" panose="020B0604020202020204" pitchFamily="34" charset="0"/>
+              </a:rPr>
+              <a:t>astype</a:t>
+            </a:r>
+            <a:r>
+              <a:rPr lang="fr-FR" sz="2400" dirty="0" smtClean="0">
+                <a:latin typeface="Arial" panose="020B0604020202020204" pitchFamily="34" charset="0"/>
+                <a:cs typeface="Arial" panose="020B0604020202020204" pitchFamily="34" charset="0"/>
+              </a:rPr>
+              <a:t>()</a:t>
+            </a:r>
+          </a:p>
+          <a:p>
+            <a:pPr lvl="1"/>
+            <a:r>
+              <a:rPr lang="fr-FR" sz="2400" dirty="0" smtClean="0">
+                <a:latin typeface="Arial" panose="020B0604020202020204" pitchFamily="34" charset="0"/>
+                <a:cs typeface="Arial" panose="020B0604020202020204" pitchFamily="34" charset="0"/>
+              </a:rPr>
+              <a:t>Si nécessaire écrire une fonction ad hoc de conversion</a:t>
+            </a:r>
+          </a:p>
+          <a:p>
+            <a:pPr lvl="1"/>
+            <a:r>
+              <a:rPr lang="fr-FR" sz="2400" dirty="0" smtClean="0">
+                <a:latin typeface="Arial" panose="020B0604020202020204" pitchFamily="34" charset="0"/>
+                <a:cs typeface="Arial" panose="020B0604020202020204" pitchFamily="34" charset="0"/>
+              </a:rPr>
+              <a:t>Fonctions </a:t>
+            </a:r>
+            <a:r>
+              <a:rPr lang="fr-FR" sz="2400" dirty="0" err="1">
+                <a:latin typeface="Arial" panose="020B0604020202020204" pitchFamily="34" charset="0"/>
+                <a:cs typeface="Arial" panose="020B0604020202020204" pitchFamily="34" charset="0"/>
+              </a:rPr>
+              <a:t>to_numeric</a:t>
+            </a:r>
+            <a:r>
               <a:rPr lang="fr-FR" sz="2400" dirty="0">
                 <a:latin typeface="Arial" panose="020B0604020202020204" pitchFamily="34" charset="0"/>
                 <a:cs typeface="Arial" panose="020B0604020202020204" pitchFamily="34" charset="0"/>
               </a:rPr>
-              <a:t>Fonction </a:t>
-            </a:r>
-            <a:r>
-              <a:rPr lang="fr-FR" sz="2400" dirty="0" err="1">
-                <a:latin typeface="Arial" panose="020B0604020202020204" pitchFamily="34" charset="0"/>
-                <a:cs typeface="Arial" panose="020B0604020202020204" pitchFamily="34" charset="0"/>
-              </a:rPr>
-              <a:t>astype</a:t>
+              <a:t>() </a:t>
+            </a:r>
+            <a:r>
+              <a:rPr lang="fr-FR" sz="2400" dirty="0" smtClean="0">
+                <a:latin typeface="Arial" panose="020B0604020202020204" pitchFamily="34" charset="0"/>
+                <a:cs typeface="Arial" panose="020B0604020202020204" pitchFamily="34" charset="0"/>
+              </a:rPr>
+              <a:t>et </a:t>
+            </a:r>
+            <a:r>
+              <a:rPr lang="fr-FR" sz="2400" dirty="0" err="1" smtClean="0">
+                <a:latin typeface="Arial" panose="020B0604020202020204" pitchFamily="34" charset="0"/>
+                <a:cs typeface="Arial" panose="020B0604020202020204" pitchFamily="34" charset="0"/>
+              </a:rPr>
+              <a:t>to_datetime</a:t>
             </a:r>
             <a:r>
               <a:rPr lang="fr-FR" sz="2400" dirty="0">
@@ -5404,68 +5834,24 @@
               </a:rPr>
               <a:t>()</a:t>
             </a:r>
-          </a:p>
-          <a:p>
-            <a:pPr lvl="1"/>
-            <a:r>
-              <a:rPr lang="fr-FR" sz="2400" dirty="0">
-                <a:latin typeface="Arial" panose="020B0604020202020204" pitchFamily="34" charset="0"/>
-                <a:cs typeface="Arial" panose="020B0604020202020204" pitchFamily="34" charset="0"/>
-              </a:rPr>
-              <a:t>Si nécessaire écrire une fonction ad hoc de conversion</a:t>
-            </a:r>
-          </a:p>
-          <a:p>
-            <a:pPr lvl="1"/>
-            <a:r>
-              <a:rPr lang="fr-FR" sz="2400" dirty="0">
-                <a:latin typeface="Arial" panose="020B0604020202020204" pitchFamily="34" charset="0"/>
-                <a:cs typeface="Arial" panose="020B0604020202020204" pitchFamily="34" charset="0"/>
-              </a:rPr>
-              <a:t>Fonctions </a:t>
-            </a:r>
-            <a:r>
-              <a:rPr lang="fr-FR" sz="2400" dirty="0" err="1">
-                <a:latin typeface="Arial" panose="020B0604020202020204" pitchFamily="34" charset="0"/>
-                <a:cs typeface="Arial" panose="020B0604020202020204" pitchFamily="34" charset="0"/>
-              </a:rPr>
-              <a:t>to_numeric</a:t>
-            </a:r>
-            <a:r>
-              <a:rPr lang="fr-FR" sz="2400" dirty="0">
-                <a:latin typeface="Arial" panose="020B0604020202020204" pitchFamily="34" charset="0"/>
-                <a:cs typeface="Arial" panose="020B0604020202020204" pitchFamily="34" charset="0"/>
-              </a:rPr>
-              <a:t>() et </a:t>
-            </a:r>
-            <a:r>
-              <a:rPr lang="fr-FR" sz="2400" dirty="0" err="1">
-                <a:latin typeface="Arial" panose="020B0604020202020204" pitchFamily="34" charset="0"/>
-                <a:cs typeface="Arial" panose="020B0604020202020204" pitchFamily="34" charset="0"/>
-              </a:rPr>
-              <a:t>to_datetime</a:t>
-            </a:r>
-            <a:r>
-              <a:rPr lang="fr-FR" sz="2400" dirty="0">
-                <a:latin typeface="Arial" panose="020B0604020202020204" pitchFamily="34" charset="0"/>
-                <a:cs typeface="Arial" panose="020B0604020202020204" pitchFamily="34" charset="0"/>
-              </a:rPr>
-              <a:t>()</a:t>
-            </a:r>
-          </a:p>
-          <a:p>
-            <a:endParaRPr lang="fr-FR" sz="2800" dirty="0">
+            <a:endParaRPr lang="fr-FR" sz="2400" dirty="0" smtClean="0">
               <a:latin typeface="Arial" panose="020B0604020202020204" pitchFamily="34" charset="0"/>
               <a:cs typeface="Arial" panose="020B0604020202020204" pitchFamily="34" charset="0"/>
             </a:endParaRPr>
           </a:p>
           <a:p>
+            <a:endParaRPr lang="fr-FR" sz="2800" dirty="0" smtClean="0">
+              <a:latin typeface="Arial" panose="020B0604020202020204" pitchFamily="34" charset="0"/>
+              <a:cs typeface="Arial" panose="020B0604020202020204" pitchFamily="34" charset="0"/>
+            </a:endParaRPr>
+          </a:p>
+          <a:p>
             <a:pPr lvl="1"/>
             <a:endParaRPr lang="fr-FR" dirty="0"/>
           </a:p>
           <a:p>
             <a:pPr lvl="1"/>
-            <a:endParaRPr lang="fr-FR" dirty="0"/>
+            <a:endParaRPr lang="fr-FR" dirty="0" smtClean="0"/>
           </a:p>
           <a:p>
             <a:pPr lvl="1"/>
@@ -5473,13 +5859,13 @@
           </a:p>
           <a:p>
             <a:pPr lvl="1"/>
-            <a:endParaRPr lang="fr-FR" dirty="0"/>
+            <a:endParaRPr lang="fr-FR" dirty="0" smtClean="0"/>
           </a:p>
           <a:p>
             <a:pPr marL="457200" lvl="1" indent="0">
               <a:buNone/>
             </a:pPr>
-            <a:endParaRPr lang="fr-FR" dirty="0"/>
+            <a:endParaRPr lang="fr-FR" dirty="0" smtClean="0"/>
           </a:p>
         </p:txBody>
       </p:sp>
@@ -5523,225 +5909,13 @@
   <p:clrMapOvr>
     <a:masterClrMapping/>
   </p:clrMapOvr>
-</p:sld>
-</file>
-
-<file path=ppt/slides/slide24.xml><?xml version="1.0" encoding="utf-8"?>
-<p:sld xmlns:a="http://schemas.openxmlformats.org/drawingml/2006/main" xmlns:r="http://schemas.openxmlformats.org/officeDocument/2006/relationships" xmlns:p="http://schemas.openxmlformats.org/presentationml/2006/main">
-  <p:cSld>
-    <p:spTree>
-      <p:nvGrpSpPr>
-        <p:cNvPr id="1" name=""/>
-        <p:cNvGrpSpPr/>
-        <p:nvPr/>
-      </p:nvGrpSpPr>
-      <p:grpSpPr>
-        <a:xfrm>
-          <a:off x="0" y="0"/>
-          <a:ext cx="0" cy="0"/>
-          <a:chOff x="0" y="0"/>
-          <a:chExt cx="0" cy="0"/>
-        </a:xfrm>
-      </p:grpSpPr>
-      <p:sp>
-        <p:nvSpPr>
-          <p:cNvPr id="2" name="Titre 1"/>
-          <p:cNvSpPr>
-            <a:spLocks noGrp="1"/>
-          </p:cNvSpPr>
-          <p:nvPr>
-            <p:ph type="title"/>
-          </p:nvPr>
-        </p:nvSpPr>
-        <p:spPr/>
-        <p:txBody>
-          <a:bodyPr>
-            <a:normAutofit/>
-          </a:bodyPr>
-          <a:lstStyle/>
-          <a:p>
-            <a:r>
-              <a:rPr lang="fr-FR" sz="3200" b="1" dirty="0" err="1">
-                <a:latin typeface="Arial" panose="020B0604020202020204" pitchFamily="34" charset="0"/>
-                <a:cs typeface="Arial" panose="020B0604020202020204" pitchFamily="34" charset="0"/>
-              </a:rPr>
-              <a:t>dataframe</a:t>
-            </a:r>
-            <a:r>
-              <a:rPr lang="fr-FR" sz="3200" b="1" dirty="0">
-                <a:latin typeface="Arial" panose="020B0604020202020204" pitchFamily="34" charset="0"/>
-                <a:cs typeface="Arial" panose="020B0604020202020204" pitchFamily="34" charset="0"/>
-              </a:rPr>
-              <a:t> data préparation : valeurs manquantes (1)</a:t>
-            </a:r>
-          </a:p>
-        </p:txBody>
-      </p:sp>
-      <p:sp>
-        <p:nvSpPr>
-          <p:cNvPr id="3" name="Espace réservé du contenu 2"/>
-          <p:cNvSpPr>
-            <a:spLocks noGrp="1"/>
-          </p:cNvSpPr>
-          <p:nvPr>
-            <p:ph idx="1"/>
-          </p:nvPr>
-        </p:nvSpPr>
-        <p:spPr>
-          <a:xfrm>
-            <a:off x="457200" y="1412776"/>
-            <a:ext cx="8229600" cy="5328592"/>
-          </a:xfrm>
-        </p:spPr>
-        <p:txBody>
-          <a:bodyPr>
-            <a:normAutofit fontScale="92500"/>
-          </a:bodyPr>
-          <a:lstStyle/>
-          <a:p>
-            <a:r>
-              <a:rPr lang="en-US" sz="3000" b="1" dirty="0">
-                <a:latin typeface="Arial" panose="020B0604020202020204" pitchFamily="34" charset="0"/>
-                <a:cs typeface="Arial" panose="020B0604020202020204" pitchFamily="34" charset="0"/>
-              </a:rPr>
-              <a:t>Missing completely at random (MCAR) </a:t>
-            </a:r>
-            <a:endParaRPr lang="fr-FR" sz="3000" b="1" dirty="0">
-              <a:latin typeface="Arial" panose="020B0604020202020204" pitchFamily="34" charset="0"/>
-              <a:cs typeface="Arial" panose="020B0604020202020204" pitchFamily="34" charset="0"/>
-            </a:endParaRPr>
-          </a:p>
-          <a:p>
-            <a:pPr marL="0" indent="0">
-              <a:buNone/>
-            </a:pPr>
-            <a:r>
-              <a:rPr lang="fr-FR" sz="3000" dirty="0">
-                <a:latin typeface="Arial" panose="020B0604020202020204" pitchFamily="34" charset="0"/>
-                <a:cs typeface="Arial" panose="020B0604020202020204" pitchFamily="34" charset="0"/>
-              </a:rPr>
-              <a:t>probabilité d’absence de la valeur d’une variable indépendant des valeurs des variables observées comme inobservées</a:t>
-            </a:r>
-            <a:endParaRPr lang="en-US" sz="3000" dirty="0">
-              <a:latin typeface="Arial" panose="020B0604020202020204" pitchFamily="34" charset="0"/>
-              <a:cs typeface="Arial" panose="020B0604020202020204" pitchFamily="34" charset="0"/>
-            </a:endParaRPr>
-          </a:p>
-          <a:p>
-            <a:r>
-              <a:rPr lang="fr-FR" sz="3000" b="1" dirty="0" err="1">
-                <a:latin typeface="Arial" panose="020B0604020202020204" pitchFamily="34" charset="0"/>
-                <a:cs typeface="Arial" panose="020B0604020202020204" pitchFamily="34" charset="0"/>
-              </a:rPr>
-              <a:t>Missing</a:t>
-            </a:r>
-            <a:r>
-              <a:rPr lang="fr-FR" sz="3000" b="1" dirty="0">
-                <a:latin typeface="Arial" panose="020B0604020202020204" pitchFamily="34" charset="0"/>
-                <a:cs typeface="Arial" panose="020B0604020202020204" pitchFamily="34" charset="0"/>
-              </a:rPr>
-              <a:t> at </a:t>
-            </a:r>
-            <a:r>
-              <a:rPr lang="fr-FR" sz="3000" b="1" dirty="0" err="1">
-                <a:latin typeface="Arial" panose="020B0604020202020204" pitchFamily="34" charset="0"/>
-                <a:cs typeface="Arial" panose="020B0604020202020204" pitchFamily="34" charset="0"/>
-              </a:rPr>
-              <a:t>random</a:t>
-            </a:r>
-            <a:r>
-              <a:rPr lang="fr-FR" sz="3000" b="1" dirty="0">
-                <a:latin typeface="Arial" panose="020B0604020202020204" pitchFamily="34" charset="0"/>
-                <a:cs typeface="Arial" panose="020B0604020202020204" pitchFamily="34" charset="0"/>
-              </a:rPr>
-              <a:t> (MAR) </a:t>
-            </a:r>
-          </a:p>
-          <a:p>
-            <a:pPr marL="0" indent="0">
-              <a:buNone/>
-            </a:pPr>
-            <a:r>
-              <a:rPr lang="fr-FR" sz="3000" dirty="0">
-                <a:latin typeface="Arial" panose="020B0604020202020204" pitchFamily="34" charset="0"/>
-                <a:cs typeface="Arial" panose="020B0604020202020204" pitchFamily="34" charset="0"/>
-              </a:rPr>
-              <a:t>probabilité d’absence de la valeur d’une variable dépend des valeurs prises par d’autres variables qui ont été observées.</a:t>
-            </a:r>
-          </a:p>
-          <a:p>
-            <a:r>
-              <a:rPr lang="fr-FR" sz="3000" b="1" dirty="0">
-                <a:latin typeface="Arial" panose="020B0604020202020204" pitchFamily="34" charset="0"/>
-                <a:cs typeface="Arial" panose="020B0604020202020204" pitchFamily="34" charset="0"/>
-              </a:rPr>
-              <a:t>Not </a:t>
-            </a:r>
-            <a:r>
-              <a:rPr lang="fr-FR" sz="3000" b="1" dirty="0" err="1">
-                <a:latin typeface="Arial" panose="020B0604020202020204" pitchFamily="34" charset="0"/>
-                <a:cs typeface="Arial" panose="020B0604020202020204" pitchFamily="34" charset="0"/>
-              </a:rPr>
-              <a:t>missing</a:t>
-            </a:r>
-            <a:r>
-              <a:rPr lang="fr-FR" sz="3000" b="1" dirty="0">
-                <a:latin typeface="Arial" panose="020B0604020202020204" pitchFamily="34" charset="0"/>
-                <a:cs typeface="Arial" panose="020B0604020202020204" pitchFamily="34" charset="0"/>
-              </a:rPr>
-              <a:t> at </a:t>
-            </a:r>
-            <a:r>
-              <a:rPr lang="fr-FR" sz="3000" b="1" dirty="0" err="1">
-                <a:latin typeface="Arial" panose="020B0604020202020204" pitchFamily="34" charset="0"/>
-                <a:cs typeface="Arial" panose="020B0604020202020204" pitchFamily="34" charset="0"/>
-              </a:rPr>
-              <a:t>random</a:t>
-            </a:r>
-            <a:r>
-              <a:rPr lang="fr-FR" sz="3000" b="1" dirty="0">
-                <a:latin typeface="Arial" panose="020B0604020202020204" pitchFamily="34" charset="0"/>
-                <a:cs typeface="Arial" panose="020B0604020202020204" pitchFamily="34" charset="0"/>
-              </a:rPr>
-              <a:t> (NMAR) </a:t>
-            </a:r>
-          </a:p>
-          <a:p>
-            <a:pPr marL="0" indent="0">
-              <a:buNone/>
-            </a:pPr>
-            <a:r>
-              <a:rPr lang="fr-FR" sz="3000" dirty="0">
-                <a:latin typeface="Arial" panose="020B0604020202020204" pitchFamily="34" charset="0"/>
-                <a:cs typeface="Arial" panose="020B0604020202020204" pitchFamily="34" charset="0"/>
-              </a:rPr>
-              <a:t>probabilité d’absence de la valeur d’une variable dépend de variables qui n’ont pas été observées</a:t>
-            </a:r>
-          </a:p>
-          <a:p>
-            <a:pPr marL="457200" lvl="1" indent="0">
-              <a:buNone/>
-            </a:pPr>
-            <a:endParaRPr lang="fr-FR" dirty="0"/>
-          </a:p>
-          <a:p>
-            <a:pPr marL="0" indent="0">
-              <a:buNone/>
-            </a:pPr>
-            <a:endParaRPr lang="fr-FR" dirty="0"/>
-          </a:p>
-        </p:txBody>
-      </p:sp>
-    </p:spTree>
-    <p:extLst>
-      <p:ext uri="{BB962C8B-B14F-4D97-AF65-F5344CB8AC3E}">
-        <p14:creationId xmlns:p14="http://schemas.microsoft.com/office/powerpoint/2010/main" val="1499606524"/>
-      </p:ext>
-    </p:extLst>
-  </p:cSld>
-  <p:clrMapOvr>
-    <a:masterClrMapping/>
-  </p:clrMapOvr>
+  <p:timing>
+    <p:tnLst>
+      <p:par>
+        <p:cTn id="1" dur="indefinite" restart="never" nodeType="tmRoot"/>
+      </p:par>
+    </p:tnLst>
+  </p:timing>
 </p:sld>
 </file>
 
@@ -5791,7 +5965,14 @@
                 <a:latin typeface="Arial" panose="020B0604020202020204" pitchFamily="34" charset="0"/>
                 <a:cs typeface="Arial" panose="020B0604020202020204" pitchFamily="34" charset="0"/>
               </a:rPr>
-              <a:t> data préparation : valeurs manquantes (2)</a:t>
+              <a:t> data préparation : valeurs </a:t>
+            </a:r>
+            <a:r>
+              <a:rPr lang="fr-FR" sz="3200" b="1" dirty="0" smtClean="0">
+                <a:latin typeface="Arial" panose="020B0604020202020204" pitchFamily="34" charset="0"/>
+                <a:cs typeface="Arial" panose="020B0604020202020204" pitchFamily="34" charset="0"/>
+              </a:rPr>
+              <a:t>manquantes</a:t>
             </a:r>
             <a:endParaRPr lang="fr-FR" sz="3200" dirty="0"/>
           </a:p>
@@ -5813,73 +5994,123 @@
           <a:lstStyle/>
           <a:p>
             <a:r>
+              <a:rPr lang="fr-FR" dirty="0" smtClean="0">
+                <a:latin typeface="Arial" panose="020B0604020202020204" pitchFamily="34" charset="0"/>
+                <a:cs typeface="Arial" panose="020B0604020202020204" pitchFamily="34" charset="0"/>
+              </a:rPr>
+              <a:t>Méthodes « basiques »</a:t>
+            </a:r>
+          </a:p>
+          <a:p>
+            <a:pPr lvl="1"/>
+            <a:r>
+              <a:rPr lang="fr-FR" dirty="0" smtClean="0">
+                <a:latin typeface="Arial" panose="020B0604020202020204" pitchFamily="34" charset="0"/>
+                <a:cs typeface="Arial" panose="020B0604020202020204" pitchFamily="34" charset="0"/>
+              </a:rPr>
+              <a:t>Imputation par </a:t>
+            </a:r>
+            <a:r>
               <a:rPr lang="fr-FR" dirty="0">
                 <a:latin typeface="Arial" panose="020B0604020202020204" pitchFamily="34" charset="0"/>
                 <a:cs typeface="Arial" panose="020B0604020202020204" pitchFamily="34" charset="0"/>
               </a:rPr>
-              <a:t>Méthodes « basiques »</a:t>
+              <a:t>la </a:t>
+            </a:r>
+            <a:r>
+              <a:rPr lang="fr-FR" dirty="0" smtClean="0">
+                <a:latin typeface="Arial" panose="020B0604020202020204" pitchFamily="34" charset="0"/>
+                <a:cs typeface="Arial" panose="020B0604020202020204" pitchFamily="34" charset="0"/>
+              </a:rPr>
+              <a:t>moyenne ou la médiane</a:t>
             </a:r>
           </a:p>
           <a:p>
             <a:pPr lvl="1"/>
             <a:r>
+              <a:rPr lang="fr-FR" dirty="0" smtClean="0">
+                <a:latin typeface="Arial" panose="020B0604020202020204" pitchFamily="34" charset="0"/>
+                <a:cs typeface="Arial" panose="020B0604020202020204" pitchFamily="34" charset="0"/>
+              </a:rPr>
+              <a:t>Imputation </a:t>
+            </a:r>
+            <a:r>
               <a:rPr lang="fr-FR" dirty="0">
                 <a:latin typeface="Arial" panose="020B0604020202020204" pitchFamily="34" charset="0"/>
                 <a:cs typeface="Arial" panose="020B0604020202020204" pitchFamily="34" charset="0"/>
               </a:rPr>
-              <a:t>Imputation par la moyenne ou la médiane</a:t>
+              <a:t>par </a:t>
+            </a:r>
+            <a:r>
+              <a:rPr lang="fr-FR" dirty="0" smtClean="0">
+                <a:latin typeface="Arial" panose="020B0604020202020204" pitchFamily="34" charset="0"/>
+                <a:cs typeface="Arial" panose="020B0604020202020204" pitchFamily="34" charset="0"/>
+              </a:rPr>
+              <a:t>la valeur la plus fréquente </a:t>
             </a:r>
           </a:p>
           <a:p>
             <a:pPr lvl="1"/>
             <a:r>
+              <a:rPr lang="fr-FR" dirty="0" smtClean="0">
+                <a:latin typeface="Arial" panose="020B0604020202020204" pitchFamily="34" charset="0"/>
+                <a:cs typeface="Arial" panose="020B0604020202020204" pitchFamily="34" charset="0"/>
+              </a:rPr>
+              <a:t>Imputation par interpolation linéaire</a:t>
+            </a:r>
+          </a:p>
+          <a:p>
+            <a:r>
+              <a:rPr lang="fr-FR" dirty="0" smtClean="0">
+                <a:latin typeface="Arial" panose="020B0604020202020204" pitchFamily="34" charset="0"/>
+                <a:cs typeface="Arial" panose="020B0604020202020204" pitchFamily="34" charset="0"/>
+              </a:rPr>
+              <a:t>Méthodes plus sérieuses : librairies </a:t>
+            </a:r>
+            <a:r>
+              <a:rPr lang="fr-FR" dirty="0" smtClean="0">
+                <a:latin typeface="Arial" panose="020B0604020202020204" pitchFamily="34" charset="0"/>
+                <a:cs typeface="Arial" panose="020B0604020202020204" pitchFamily="34" charset="0"/>
+                <a:hlinkClick r:id="rId2"/>
+              </a:rPr>
+              <a:t>fancyimpute</a:t>
+            </a:r>
+            <a:r>
+              <a:rPr lang="fr-FR" dirty="0" smtClean="0">
+                <a:latin typeface="Arial" panose="020B0604020202020204" pitchFamily="34" charset="0"/>
+                <a:cs typeface="Arial" panose="020B0604020202020204" pitchFamily="34" charset="0"/>
+              </a:rPr>
+              <a:t>,</a:t>
+            </a:r>
+            <a:r>
               <a:rPr lang="fr-FR" dirty="0">
                 <a:latin typeface="Arial" panose="020B0604020202020204" pitchFamily="34" charset="0"/>
                 <a:cs typeface="Arial" panose="020B0604020202020204" pitchFamily="34" charset="0"/>
               </a:rPr>
-              <a:t>Imputation par la valeur la plus fréquente </a:t>
-            </a:r>
-          </a:p>
-          <a:p>
-            <a:pPr lvl="1"/>
-            <a:r>
-              <a:rPr lang="fr-FR" dirty="0">
-                <a:latin typeface="Arial" panose="020B0604020202020204" pitchFamily="34" charset="0"/>
-                <a:cs typeface="Arial" panose="020B0604020202020204" pitchFamily="34" charset="0"/>
-              </a:rPr>
-              <a:t>Imputation par interpolation linéaire</a:t>
-            </a:r>
-          </a:p>
-          <a:p>
-            <a:r>
-              <a:rPr lang="fr-FR" dirty="0">
-                <a:latin typeface="Arial" panose="020B0604020202020204" pitchFamily="34" charset="0"/>
-                <a:cs typeface="Arial" panose="020B0604020202020204" pitchFamily="34" charset="0"/>
-              </a:rPr>
-              <a:t>Méthodes plus sérieuses : librairies </a:t>
-            </a:r>
-            <a:r>
-              <a:rPr lang="fr-FR" dirty="0">
-                <a:latin typeface="Arial" panose="020B0604020202020204" pitchFamily="34" charset="0"/>
-                <a:cs typeface="Arial" panose="020B0604020202020204" pitchFamily="34" charset="0"/>
-                <a:hlinkClick r:id="rId2"/>
-              </a:rPr>
-              <a:t>fancyimpute</a:t>
-            </a:r>
-            <a:r>
-              <a:rPr lang="fr-FR" dirty="0">
-                <a:latin typeface="Arial" panose="020B0604020202020204" pitchFamily="34" charset="0"/>
-                <a:cs typeface="Arial" panose="020B0604020202020204" pitchFamily="34" charset="0"/>
-              </a:rPr>
-              <a:t>, </a:t>
-            </a:r>
-            <a:r>
-              <a:rPr lang="fr-FR" dirty="0">
+              <a:t> </a:t>
+            </a:r>
+            <a:r>
+              <a:rPr lang="fr-FR" dirty="0" err="1" smtClean="0">
                 <a:latin typeface="Arial" panose="020B0604020202020204" pitchFamily="34" charset="0"/>
                 <a:cs typeface="Arial" panose="020B0604020202020204" pitchFamily="34" charset="0"/>
                 <a:hlinkClick r:id="rId3"/>
               </a:rPr>
               <a:t>Impyute</a:t>
+            </a:r>
+            <a:r>
+              <a:rPr lang="fr-FR" dirty="0" smtClean="0">
+                <a:latin typeface="Arial" panose="020B0604020202020204" pitchFamily="34" charset="0"/>
+                <a:cs typeface="Arial" panose="020B0604020202020204" pitchFamily="34" charset="0"/>
+              </a:rPr>
+              <a:t> ou </a:t>
+            </a:r>
+            <a:r>
+              <a:rPr lang="fr-FR" dirty="0" smtClean="0">
+                <a:latin typeface="Arial" panose="020B0604020202020204" pitchFamily="34" charset="0"/>
+                <a:cs typeface="Arial" panose="020B0604020202020204" pitchFamily="34" charset="0"/>
+                <a:hlinkClick r:id="rId4"/>
+              </a:rPr>
+              <a:t>statsmodels MICE</a:t>
             </a:r>
             <a:endParaRPr lang="fr-FR" dirty="0">
               <a:latin typeface="Arial" panose="020B0604020202020204" pitchFamily="34" charset="0"/>
@@ -5891,7 +6122,7 @@
             <a:endParaRPr lang="fr-FR" dirty="0"/>
           </a:p>
           <a:p>
-            <a:endParaRPr lang="fr-FR" dirty="0"/>
+            <a:endParaRPr lang="fr-FR" dirty="0" smtClean="0"/>
           </a:p>
           <a:p>
             <a:pPr lvl="1"/>
@@ -5909,6 +6140,13 @@
   <p:clrMapOvr>
     <a:masterClrMapping/>
   </p:clrMapOvr>
+  <p:timing>
+    <p:tnLst>
+      <p:par>
+        <p:cTn id="1" dur="indefinite" restart="never" nodeType="tmRoot"/>
+      </p:par>
+    </p:tnLst>
+  </p:timing>
 </p:sld>
 </file>
 
@@ -5958,7 +6196,14 @@
                 <a:latin typeface="Arial" panose="020B0604020202020204" pitchFamily="34" charset="0"/>
                 <a:cs typeface="Arial" panose="020B0604020202020204" pitchFamily="34" charset="0"/>
               </a:rPr>
-              <a:t> data préparation : traitement données</a:t>
+              <a:t> data préparation </a:t>
+            </a:r>
+            <a:r>
+              <a:rPr lang="fr-FR" sz="3200" b="1" dirty="0" smtClean="0">
+                <a:latin typeface="Arial" panose="020B0604020202020204" pitchFamily="34" charset="0"/>
+                <a:cs typeface="Arial" panose="020B0604020202020204" pitchFamily="34" charset="0"/>
+              </a:rPr>
+              <a:t>: traitement données</a:t>
             </a:r>
             <a:endParaRPr lang="fr-FR" sz="3200" dirty="0"/>
           </a:p>
@@ -5987,7 +6232,7 @@
           <a:lstStyle/>
           <a:p>
             <a:r>
-              <a:rPr lang="fr-FR" dirty="0">
+              <a:rPr lang="fr-FR" dirty="0" smtClean="0">
                 <a:latin typeface="Arial" panose="020B0604020202020204" pitchFamily="34" charset="0"/>
                 <a:cs typeface="Arial" panose="020B0604020202020204" pitchFamily="34" charset="0"/>
               </a:rPr>
@@ -5996,7 +6241,7 @@
           </a:p>
           <a:p>
             <a:r>
-              <a:rPr lang="fr-FR" dirty="0">
+              <a:rPr lang="fr-FR" dirty="0" smtClean="0">
                 <a:latin typeface="Arial" panose="020B0604020202020204" pitchFamily="34" charset="0"/>
                 <a:cs typeface="Arial" panose="020B0604020202020204" pitchFamily="34" charset="0"/>
               </a:rPr>
@@ -6005,63 +6250,63 @@
           </a:p>
           <a:p>
             <a:r>
-              <a:rPr lang="fr-FR" dirty="0">
+              <a:rPr lang="fr-FR" dirty="0" smtClean="0">
                 <a:latin typeface="Arial" panose="020B0604020202020204" pitchFamily="34" charset="0"/>
                 <a:cs typeface="Arial" panose="020B0604020202020204" pitchFamily="34" charset="0"/>
               </a:rPr>
               <a:t>Sélection/</a:t>
             </a:r>
             <a:r>
-              <a:rPr lang="fr-FR" dirty="0" err="1">
+              <a:rPr lang="fr-FR" dirty="0" err="1" smtClean="0">
                 <a:latin typeface="Arial" panose="020B0604020202020204" pitchFamily="34" charset="0"/>
                 <a:cs typeface="Arial" panose="020B0604020202020204" pitchFamily="34" charset="0"/>
               </a:rPr>
               <a:t>slicing</a:t>
             </a:r>
             <a:r>
-              <a:rPr lang="fr-FR" dirty="0">
+              <a:rPr lang="fr-FR" dirty="0" smtClean="0">
                 <a:latin typeface="Arial" panose="020B0604020202020204" pitchFamily="34" charset="0"/>
                 <a:cs typeface="Arial" panose="020B0604020202020204" pitchFamily="34" charset="0"/>
               </a:rPr>
               <a:t> comme avec </a:t>
             </a:r>
             <a:r>
-              <a:rPr lang="fr-FR" dirty="0" err="1">
+              <a:rPr lang="fr-FR" dirty="0" err="1" smtClean="0">
                 <a:latin typeface="Arial" panose="020B0604020202020204" pitchFamily="34" charset="0"/>
                 <a:cs typeface="Arial" panose="020B0604020202020204" pitchFamily="34" charset="0"/>
               </a:rPr>
               <a:t>numpy</a:t>
             </a:r>
             <a:r>
-              <a:rPr lang="fr-FR" dirty="0">
+              <a:rPr lang="fr-FR" dirty="0" smtClean="0">
                 <a:latin typeface="Arial" panose="020B0604020202020204" pitchFamily="34" charset="0"/>
                 <a:cs typeface="Arial" panose="020B0604020202020204" pitchFamily="34" charset="0"/>
               </a:rPr>
               <a:t> avec </a:t>
             </a:r>
             <a:r>
-              <a:rPr lang="fr-FR" dirty="0" err="1">
+              <a:rPr lang="fr-FR" dirty="0" err="1" smtClean="0">
                 <a:latin typeface="Arial" panose="020B0604020202020204" pitchFamily="34" charset="0"/>
                 <a:cs typeface="Arial" panose="020B0604020202020204" pitchFamily="34" charset="0"/>
               </a:rPr>
               <a:t>loc</a:t>
             </a:r>
             <a:r>
-              <a:rPr lang="fr-FR" dirty="0">
+              <a:rPr lang="fr-FR" dirty="0" smtClean="0">
                 <a:latin typeface="Arial" panose="020B0604020202020204" pitchFamily="34" charset="0"/>
                 <a:cs typeface="Arial" panose="020B0604020202020204" pitchFamily="34" charset="0"/>
               </a:rPr>
               <a:t>/</a:t>
             </a:r>
             <a:r>
-              <a:rPr lang="fr-FR" dirty="0" err="1">
+              <a:rPr lang="fr-FR" dirty="0" err="1" smtClean="0">
                 <a:latin typeface="Arial" panose="020B0604020202020204" pitchFamily="34" charset="0"/>
                 <a:cs typeface="Arial" panose="020B0604020202020204" pitchFamily="34" charset="0"/>
               </a:rPr>
               <a:t>iloc</a:t>
             </a:r>
             <a:r>
-              <a:rPr lang="fr-FR" dirty="0">
+              <a:rPr lang="fr-FR" dirty="0" smtClean="0">
                 <a:latin typeface="Arial" panose="020B0604020202020204" pitchFamily="34" charset="0"/>
                 <a:cs typeface="Arial" panose="020B0604020202020204" pitchFamily="34" charset="0"/>
               </a:rPr>
@@ -6070,7 +6315,7 @@
           </a:p>
           <a:p>
             <a:r>
-              <a:rPr lang="fr-FR" dirty="0">
+              <a:rPr lang="fr-FR" dirty="0" smtClean="0">
                 <a:latin typeface="Arial" panose="020B0604020202020204" pitchFamily="34" charset="0"/>
                 <a:cs typeface="Arial" panose="020B0604020202020204" pitchFamily="34" charset="0"/>
               </a:rPr>
@@ -6079,7 +6324,7 @@
           </a:p>
           <a:p>
             <a:r>
-              <a:rPr lang="fr-FR" dirty="0">
+              <a:rPr lang="fr-FR" dirty="0" smtClean="0">
                 <a:latin typeface="Arial" panose="020B0604020202020204" pitchFamily="34" charset="0"/>
                 <a:cs typeface="Arial" panose="020B0604020202020204" pitchFamily="34" charset="0"/>
               </a:rPr>
@@ -6088,27 +6333,27 @@
           </a:p>
           <a:p>
             <a:r>
-              <a:rPr lang="fr-FR" dirty="0">
+              <a:rPr lang="fr-FR" dirty="0" smtClean="0">
                 <a:latin typeface="Arial" panose="020B0604020202020204" pitchFamily="34" charset="0"/>
                 <a:cs typeface="Arial" panose="020B0604020202020204" pitchFamily="34" charset="0"/>
               </a:rPr>
               <a:t>Concaténer des </a:t>
             </a:r>
             <a:r>
-              <a:rPr lang="fr-FR" dirty="0" err="1">
+              <a:rPr lang="fr-FR" dirty="0" err="1" smtClean="0">
                 <a:latin typeface="Arial" panose="020B0604020202020204" pitchFamily="34" charset="0"/>
                 <a:cs typeface="Arial" panose="020B0604020202020204" pitchFamily="34" charset="0"/>
               </a:rPr>
               <a:t>dataframes</a:t>
             </a:r>
-            <a:endParaRPr lang="fr-FR" dirty="0">
+            <a:endParaRPr lang="fr-FR" dirty="0" smtClean="0">
               <a:latin typeface="Arial" panose="020B0604020202020204" pitchFamily="34" charset="0"/>
               <a:cs typeface="Arial" panose="020B0604020202020204" pitchFamily="34" charset="0"/>
             </a:endParaRPr>
           </a:p>
           <a:p>
             <a:r>
-              <a:rPr lang="fr-FR" dirty="0">
+              <a:rPr lang="fr-FR" dirty="0" smtClean="0">
                 <a:latin typeface="Arial" panose="020B0604020202020204" pitchFamily="34" charset="0"/>
                 <a:cs typeface="Arial" panose="020B0604020202020204" pitchFamily="34" charset="0"/>
               </a:rPr>
@@ -6138,6 +6383,13 @@
   <p:clrMapOvr>
     <a:masterClrMapping/>
   </p:clrMapOvr>
+  <p:timing>
+    <p:tnLst>
+      <p:par>
+        <p:cTn id="1" dur="indefinite" restart="never" nodeType="tmRoot"/>
+      </p:par>
+    </p:tnLst>
+  </p:timing>
 </p:sld>
 </file>
 
@@ -6187,8 +6439,19 @@
                 <a:latin typeface="Arial" panose="020B0604020202020204" pitchFamily="34" charset="0"/>
                 <a:cs typeface="Arial" panose="020B0604020202020204" pitchFamily="34" charset="0"/>
               </a:rPr>
-              <a:t> data préparation : jointures</a:t>
-            </a:r>
+              <a:t> data préparation </a:t>
+            </a:r>
+            <a:r>
+              <a:rPr lang="fr-FR" sz="3200" b="1" dirty="0" smtClean="0">
+                <a:latin typeface="Arial" panose="020B0604020202020204" pitchFamily="34" charset="0"/>
+                <a:cs typeface="Arial" panose="020B0604020202020204" pitchFamily="34" charset="0"/>
+              </a:rPr>
+              <a:t>: jointures</a:t>
+            </a:r>
+            <a:endParaRPr lang="fr-FR" sz="3200" b="1" dirty="0">
+              <a:latin typeface="Arial" panose="020B0604020202020204" pitchFamily="34" charset="0"/>
+              <a:cs typeface="Arial" panose="020B0604020202020204" pitchFamily="34" charset="0"/>
+            </a:endParaRPr>
           </a:p>
         </p:txBody>
       </p:sp>
@@ -6381,26 +6644,30 @@
           <a:lstStyle/>
           <a:p>
             <a:r>
-              <a:rPr lang="fr-FR" b="1" dirty="0">
+              <a:rPr lang="fr-FR" b="1" dirty="0" smtClean="0">
                 <a:latin typeface="Arial" panose="020B0604020202020204" pitchFamily="34" charset="0"/>
                 <a:cs typeface="Arial" panose="020B0604020202020204" pitchFamily="34" charset="0"/>
               </a:rPr>
               <a:t>how=</a:t>
             </a:r>
             <a:r>
-              <a:rPr lang="fr-FR" b="1" dirty="0" err="1">
+              <a:rPr lang="fr-FR" b="1" dirty="0" err="1" smtClean="0">
                 <a:latin typeface="Arial" panose="020B0604020202020204" pitchFamily="34" charset="0"/>
                 <a:cs typeface="Arial" panose="020B0604020202020204" pitchFamily="34" charset="0"/>
               </a:rPr>
               <a:t>left</a:t>
             </a:r>
             <a:r>
-              <a:rPr lang="fr-FR" b="1" dirty="0">
+              <a:rPr lang="fr-FR" b="1" dirty="0" smtClean="0">
                 <a:latin typeface="Arial" panose="020B0604020202020204" pitchFamily="34" charset="0"/>
                 <a:cs typeface="Arial" panose="020B0604020202020204" pitchFamily="34" charset="0"/>
               </a:rPr>
               <a:t>'</a:t>
             </a:r>
+            <a:endParaRPr lang="fr-FR" b="1" dirty="0">
+              <a:latin typeface="Arial" panose="020B0604020202020204" pitchFamily="34" charset="0"/>
+              <a:cs typeface="Arial" panose="020B0604020202020204" pitchFamily="34" charset="0"/>
+            </a:endParaRPr>
           </a:p>
         </p:txBody>
       </p:sp>
@@ -6427,12 +6694,16 @@
           <a:lstStyle/>
           <a:p>
             <a:r>
-              <a:rPr lang="fr-FR" b="1" dirty="0">
+              <a:rPr lang="fr-FR" b="1" dirty="0" smtClean="0">
                 <a:latin typeface="Arial" panose="020B0604020202020204" pitchFamily="34" charset="0"/>
                 <a:cs typeface="Arial" panose="020B0604020202020204" pitchFamily="34" charset="0"/>
               </a:rPr>
               <a:t>how=right'</a:t>
             </a:r>
+            <a:endParaRPr lang="fr-FR" b="1" dirty="0">
+              <a:latin typeface="Arial" panose="020B0604020202020204" pitchFamily="34" charset="0"/>
+              <a:cs typeface="Arial" panose="020B0604020202020204" pitchFamily="34" charset="0"/>
+            </a:endParaRPr>
           </a:p>
         </p:txBody>
       </p:sp>
@@ -6463,22 +6734,33 @@
                 <a:latin typeface="Arial" panose="020B0604020202020204" pitchFamily="34" charset="0"/>
                 <a:cs typeface="Arial" panose="020B0604020202020204" pitchFamily="34" charset="0"/>
               </a:rPr>
-              <a:t>how=‘</a:t>
-            </a:r>
-            <a:r>
-              <a:rPr lang="fr-FR" b="1" dirty="0" err="1">
+              <a:t>how</a:t>
+            </a:r>
+            <a:r>
+              <a:rPr lang="fr-FR" b="1" dirty="0" smtClean="0">
+                <a:latin typeface="Arial" panose="020B0604020202020204" pitchFamily="34" charset="0"/>
+                <a:cs typeface="Arial" panose="020B0604020202020204" pitchFamily="34" charset="0"/>
+              </a:rPr>
+              <a:t>=‘</a:t>
+            </a:r>
+            <a:r>
+              <a:rPr lang="fr-FR" b="1" dirty="0" err="1" smtClean="0">
                 <a:latin typeface="Arial" panose="020B0604020202020204" pitchFamily="34" charset="0"/>
                 <a:cs typeface="Arial" panose="020B0604020202020204" pitchFamily="34" charset="0"/>
               </a:rPr>
               <a:t>outer</a:t>
             </a:r>
             <a:r>
-              <a:rPr lang="fr-FR" b="1" dirty="0">
+              <a:rPr lang="fr-FR" b="1" dirty="0" smtClean="0">
                 <a:latin typeface="Arial" panose="020B0604020202020204" pitchFamily="34" charset="0"/>
                 <a:cs typeface="Arial" panose="020B0604020202020204" pitchFamily="34" charset="0"/>
               </a:rPr>
               <a:t>'</a:t>
             </a:r>
+            <a:endParaRPr lang="fr-FR" b="1" dirty="0">
+              <a:latin typeface="Arial" panose="020B0604020202020204" pitchFamily="34" charset="0"/>
+              <a:cs typeface="Arial" panose="020B0604020202020204" pitchFamily="34" charset="0"/>
+            </a:endParaRPr>
           </a:p>
         </p:txBody>
       </p:sp>
@@ -6492,6 +6774,13 @@
   <p:clrMapOvr>
     <a:masterClrMapping/>
   </p:clrMapOvr>
+  <p:timing>
+    <p:tnLst>
+      <p:par>
+        <p:cTn id="1" dur="indefinite" restart="never" nodeType="tmRoot"/>
+      </p:par>
+    </p:tnLst>
+  </p:timing>
 </p:sld>
 </file>
 
@@ -6530,12 +6819,16 @@
           <a:lstStyle/>
           <a:p>
             <a:r>
-              <a:rPr lang="fr-FR" sz="3200" b="1" dirty="0">
+              <a:rPr lang="fr-FR" sz="3200" b="1" dirty="0" smtClean="0">
                 <a:latin typeface="Arial" panose="020B0604020202020204" pitchFamily="34" charset="0"/>
                 <a:cs typeface="Arial" panose="020B0604020202020204" pitchFamily="34" charset="0"/>
               </a:rPr>
               <a:t>Imports/exports/sauvegardes</a:t>
             </a:r>
+            <a:endParaRPr lang="fr-FR" sz="3200" b="1" dirty="0">
+              <a:latin typeface="Arial" panose="020B0604020202020204" pitchFamily="34" charset="0"/>
+              <a:cs typeface="Arial" panose="020B0604020202020204" pitchFamily="34" charset="0"/>
+            </a:endParaRPr>
           </a:p>
         </p:txBody>
       </p:sp>
@@ -6557,7 +6850,7 @@
           <a:lstStyle/>
           <a:p>
             <a:r>
-              <a:rPr lang="fr-FR" dirty="0">
+              <a:rPr lang="fr-FR" dirty="0" smtClean="0">
                 <a:latin typeface="Arial" panose="020B0604020202020204" pitchFamily="34" charset="0"/>
                 <a:cs typeface="Arial" panose="020B0604020202020204" pitchFamily="34" charset="0"/>
               </a:rPr>
@@ -6567,7 +6860,7 @@
           <a:p>
             <a:pPr lvl="1"/>
             <a:r>
-              <a:rPr lang="fr-FR" dirty="0">
+              <a:rPr lang="fr-FR" dirty="0" smtClean="0">
                 <a:latin typeface="Arial" panose="020B0604020202020204" pitchFamily="34" charset="0"/>
                 <a:cs typeface="Arial" panose="020B0604020202020204" pitchFamily="34" charset="0"/>
               </a:rPr>
@@ -6577,7 +6870,7 @@
           <a:p>
             <a:pPr lvl="1"/>
             <a:r>
-              <a:rPr lang="fr-FR" dirty="0">
+              <a:rPr lang="fr-FR" dirty="0" smtClean="0">
                 <a:latin typeface="Arial" panose="020B0604020202020204" pitchFamily="34" charset="0"/>
                 <a:cs typeface="Arial" panose="020B0604020202020204" pitchFamily="34" charset="0"/>
               </a:rPr>
@@ -6587,96 +6880,100 @@
           <a:p>
             <a:pPr lvl="1"/>
             <a:r>
-              <a:rPr lang="fr-FR" dirty="0">
+              <a:rPr lang="fr-FR" dirty="0" smtClean="0">
                 <a:latin typeface="Arial" panose="020B0604020202020204" pitchFamily="34" charset="0"/>
                 <a:cs typeface="Arial" panose="020B0604020202020204" pitchFamily="34" charset="0"/>
               </a:rPr>
               <a:t>Et </a:t>
             </a:r>
             <a:r>
-              <a:rPr lang="fr-FR" dirty="0">
+              <a:rPr lang="fr-FR" dirty="0" smtClean="0">
                 <a:latin typeface="Arial" panose="020B0604020202020204" pitchFamily="34" charset="0"/>
                 <a:cs typeface="Arial" panose="020B0604020202020204" pitchFamily="34" charset="0"/>
                 <a:hlinkClick r:id="rId2"/>
               </a:rPr>
               <a:t>possible de faire exports/imports depuis base de données (table ou requête SQL).</a:t>
+            </a:r>
+            <a:endParaRPr lang="fr-FR" dirty="0" smtClean="0">
+              <a:latin typeface="Arial" panose="020B0604020202020204" pitchFamily="34" charset="0"/>
+              <a:cs typeface="Arial" panose="020B0604020202020204" pitchFamily="34" charset="0"/>
+            </a:endParaRPr>
+          </a:p>
+          <a:p>
+            <a:r>
+              <a:rPr lang="fr-FR" dirty="0" smtClean="0">
+                <a:latin typeface="Arial" panose="020B0604020202020204" pitchFamily="34" charset="0"/>
+                <a:cs typeface="Arial" panose="020B0604020202020204" pitchFamily="34" charset="0"/>
+              </a:rPr>
+              <a:t>Sauvegardes</a:t>
+            </a:r>
+          </a:p>
+          <a:p>
+            <a:pPr lvl="1"/>
+            <a:r>
+              <a:rPr lang="fr-FR" dirty="0" smtClean="0">
+                <a:latin typeface="Arial" panose="020B0604020202020204" pitchFamily="34" charset="0"/>
+                <a:cs typeface="Arial" panose="020B0604020202020204" pitchFamily="34" charset="0"/>
+                <a:hlinkClick r:id="rId3"/>
+              </a:rPr>
+              <a:t>HDF5</a:t>
+            </a:r>
+            <a:endParaRPr lang="fr-FR" dirty="0" smtClean="0">
+              <a:latin typeface="Arial" panose="020B0604020202020204" pitchFamily="34" charset="0"/>
+              <a:cs typeface="Arial" panose="020B0604020202020204" pitchFamily="34" charset="0"/>
+            </a:endParaRPr>
+          </a:p>
+          <a:p>
+            <a:pPr lvl="1"/>
+            <a:r>
+              <a:rPr lang="fr-FR" dirty="0" smtClean="0">
+                <a:latin typeface="Arial" panose="020B0604020202020204" pitchFamily="34" charset="0"/>
+                <a:cs typeface="Arial" panose="020B0604020202020204" pitchFamily="34" charset="0"/>
+                <a:hlinkClick r:id="rId4"/>
+              </a:rPr>
+              <a:t>Nouveau format </a:t>
+            </a:r>
+            <a:r>
+              <a:rPr lang="fr-FR" dirty="0" err="1" smtClean="0">
+                <a:latin typeface="Arial" panose="020B0604020202020204" pitchFamily="34" charset="0"/>
+                <a:cs typeface="Arial" panose="020B0604020202020204" pitchFamily="34" charset="0"/>
+                <a:hlinkClick r:id="rId4"/>
+              </a:rPr>
+              <a:t>feather</a:t>
+            </a:r>
+            <a:r>
+              <a:rPr lang="fr-FR" dirty="0" smtClean="0">
+                <a:latin typeface="Arial" panose="020B0604020202020204" pitchFamily="34" charset="0"/>
+                <a:cs typeface="Arial" panose="020B0604020202020204" pitchFamily="34" charset="0"/>
+                <a:hlinkClick r:id="rId4"/>
+              </a:rPr>
+              <a:t> </a:t>
+            </a:r>
+            <a:r>
+              <a:rPr lang="fr-FR" dirty="0" smtClean="0">
+                <a:latin typeface="Arial" panose="020B0604020202020204" pitchFamily="34" charset="0"/>
+                <a:cs typeface="Arial" panose="020B0604020202020204" pitchFamily="34" charset="0"/>
+              </a:rPr>
+              <a:t>: plus rapide et </a:t>
+            </a:r>
+            <a:r>
+              <a:rPr lang="fr-FR" dirty="0" err="1" smtClean="0">
+                <a:latin typeface="Arial" panose="020B0604020202020204" pitchFamily="34" charset="0"/>
+                <a:cs typeface="Arial" panose="020B0604020202020204" pitchFamily="34" charset="0"/>
+              </a:rPr>
+              <a:t>co</a:t>
+            </a:r>
+            <a:r>
+              <a:rPr lang="fr-FR" dirty="0" smtClean="0">
+                <a:latin typeface="Arial" panose="020B0604020202020204" pitchFamily="34" charset="0"/>
+                <a:cs typeface="Arial" panose="020B0604020202020204" pitchFamily="34" charset="0"/>
+              </a:rPr>
+              <a:t>-développé  par équipes python et R</a:t>
             </a:r>
             <a:endParaRPr lang="fr-FR" dirty="0">
               <a:latin typeface="Arial" panose="020B0604020202020204" pitchFamily="34" charset="0"/>
               <a:cs typeface="Arial" panose="020B0604020202020204" pitchFamily="34" charset="0"/>
             </a:endParaRPr>
-          </a:p>
-          <a:p>
-            <a:r>
-              <a:rPr lang="fr-FR" dirty="0">
-                <a:latin typeface="Arial" panose="020B0604020202020204" pitchFamily="34" charset="0"/>
-                <a:cs typeface="Arial" panose="020B0604020202020204" pitchFamily="34" charset="0"/>
-              </a:rPr>
-              <a:t>Sauvegardes</a:t>
-            </a:r>
-          </a:p>
-          <a:p>
-            <a:pPr lvl="1"/>
-            <a:r>
-              <a:rPr lang="fr-FR" dirty="0">
-                <a:latin typeface="Arial" panose="020B0604020202020204" pitchFamily="34" charset="0"/>
-                <a:cs typeface="Arial" panose="020B0604020202020204" pitchFamily="34" charset="0"/>
-                <a:hlinkClick r:id="rId3"/>
-              </a:rPr>
-              <a:t>HDF5</a:t>
-            </a:r>
-            <a:endParaRPr lang="fr-FR" dirty="0">
-              <a:latin typeface="Arial" panose="020B0604020202020204" pitchFamily="34" charset="0"/>
-              <a:cs typeface="Arial" panose="020B0604020202020204" pitchFamily="34" charset="0"/>
-            </a:endParaRPr>
-          </a:p>
-          <a:p>
-            <a:pPr lvl="1"/>
-            <a:r>
-              <a:rPr lang="fr-FR" dirty="0">
-                <a:latin typeface="Arial" panose="020B0604020202020204" pitchFamily="34" charset="0"/>
-                <a:cs typeface="Arial" panose="020B0604020202020204" pitchFamily="34" charset="0"/>
-                <a:hlinkClick r:id="rId4"/>
-              </a:rPr>
-              <a:t>Nouveau format </a:t>
-            </a:r>
-            <a:r>
-              <a:rPr lang="fr-FR" dirty="0" err="1">
-                <a:latin typeface="Arial" panose="020B0604020202020204" pitchFamily="34" charset="0"/>
-                <a:cs typeface="Arial" panose="020B0604020202020204" pitchFamily="34" charset="0"/>
-                <a:hlinkClick r:id="rId4"/>
-              </a:rPr>
-              <a:t>feather</a:t>
-            </a:r>
-            <a:r>
-              <a:rPr lang="fr-FR" dirty="0">
-                <a:latin typeface="Arial" panose="020B0604020202020204" pitchFamily="34" charset="0"/>
-                <a:cs typeface="Arial" panose="020B0604020202020204" pitchFamily="34" charset="0"/>
-                <a:hlinkClick r:id="rId4"/>
-              </a:rPr>
-              <a:t> </a:t>
-            </a:r>
-            <a:r>
-              <a:rPr lang="fr-FR" dirty="0">
-                <a:latin typeface="Arial" panose="020B0604020202020204" pitchFamily="34" charset="0"/>
-                <a:cs typeface="Arial" panose="020B0604020202020204" pitchFamily="34" charset="0"/>
-              </a:rPr>
-              <a:t>: plus rapide et </a:t>
-            </a:r>
-            <a:r>
-              <a:rPr lang="fr-FR" dirty="0" err="1">
-                <a:latin typeface="Arial" panose="020B0604020202020204" pitchFamily="34" charset="0"/>
-                <a:cs typeface="Arial" panose="020B0604020202020204" pitchFamily="34" charset="0"/>
-              </a:rPr>
-              <a:t>co</a:t>
-            </a:r>
-            <a:r>
-              <a:rPr lang="fr-FR" dirty="0">
-                <a:latin typeface="Arial" panose="020B0604020202020204" pitchFamily="34" charset="0"/>
-                <a:cs typeface="Arial" panose="020B0604020202020204" pitchFamily="34" charset="0"/>
-              </a:rPr>
-              <a:t>-développé  par équipes python et R</a:t>
-            </a:r>
           </a:p>
         </p:txBody>
       </p:sp>
@@ -6690,6 +6987,13 @@
   <p:clrMapOvr>
     <a:masterClrMapping/>
   </p:clrMapOvr>
+  <p:timing>
+    <p:tnLst>
+      <p:par>
+        <p:cTn id="1" dur="indefinite" restart="never" nodeType="tmRoot"/>
+      </p:par>
+    </p:tnLst>
+  </p:timing>
 </p:sld>
 </file>
 
@@ -6740,12 +7044,82 @@
                 <a:latin typeface="Arial" panose="020B0604020202020204" pitchFamily="34" charset="0"/>
                 <a:cs typeface="Arial" panose="020B0604020202020204" pitchFamily="34" charset="0"/>
               </a:rPr>
-              <a:t>Partie 4 : statistiques descriptives et graphiques avec Python</a:t>
+              <a:t>Partie </a:t>
+            </a:r>
+            <a:r>
+              <a:rPr lang="fr-FR" b="1" dirty="0" smtClean="0">
+                <a:solidFill>
+                  <a:srgbClr val="7030A0"/>
+                </a:solidFill>
+                <a:latin typeface="Arial" panose="020B0604020202020204" pitchFamily="34" charset="0"/>
+                <a:cs typeface="Arial" panose="020B0604020202020204" pitchFamily="34" charset="0"/>
+              </a:rPr>
+              <a:t>4 </a:t>
+            </a:r>
+            <a:r>
+              <a:rPr lang="fr-FR" b="1" dirty="0">
+                <a:solidFill>
+                  <a:srgbClr val="7030A0"/>
+                </a:solidFill>
+                <a:latin typeface="Arial" panose="020B0604020202020204" pitchFamily="34" charset="0"/>
+                <a:cs typeface="Arial" panose="020B0604020202020204" pitchFamily="34" charset="0"/>
+              </a:rPr>
+              <a:t>: </a:t>
+            </a:r>
+            <a:r>
+              <a:rPr lang="fr-FR" b="1" dirty="0" smtClean="0">
+                <a:solidFill>
+                  <a:srgbClr val="7030A0"/>
+                </a:solidFill>
+                <a:latin typeface="Arial" panose="020B0604020202020204" pitchFamily="34" charset="0"/>
+                <a:cs typeface="Arial" panose="020B0604020202020204" pitchFamily="34" charset="0"/>
+              </a:rPr>
+              <a:t>statistiques descriptives </a:t>
+            </a:r>
+            <a:r>
+              <a:rPr lang="fr-FR" b="1" dirty="0" smtClean="0">
+                <a:solidFill>
+                  <a:srgbClr val="7030A0"/>
+                </a:solidFill>
+                <a:latin typeface="Arial" panose="020B0604020202020204" pitchFamily="34" charset="0"/>
+                <a:cs typeface="Arial" panose="020B0604020202020204" pitchFamily="34" charset="0"/>
+              </a:rPr>
+              <a:t>en Python avec Pandas</a:t>
             </a:r>
             <a:endParaRPr lang="fr-FR" dirty="0"/>
           </a:p>
         </p:txBody>
       </p:sp>
+      <p:pic>
+        <p:nvPicPr>
+          <p:cNvPr id="2" name="Image 1"/>
+          <p:cNvPicPr>
+            <a:picLocks noChangeAspect="1"/>
+          </p:cNvPicPr>
+          <p:nvPr/>
+        </p:nvPicPr>
+        <p:blipFill>
+          <a:blip r:embed="rId2">
+            <a:extLst>
+              <a:ext uri="{28A0092B-C50C-407E-A947-70E740481C1C}">
+                <a14:useLocalDpi xmlns:a14="http://schemas.microsoft.com/office/drawing/2010/main" val="0"/>
+              </a:ext>
+            </a:extLst>
+          </a:blip>
+          <a:stretch>
+            <a:fillRect/>
+          </a:stretch>
+        </p:blipFill>
+        <p:spPr>
+          <a:xfrm>
+            <a:off x="683568" y="4653136"/>
+            <a:ext cx="5486411" cy="1143002"/>
+          </a:xfrm>
+          <a:prstGeom prst="rect">
+            <a:avLst/>
+          </a:prstGeom>
+        </p:spPr>
+      </p:pic>
     </p:spTree>
     <p:extLst>
       <p:ext uri="{BB962C8B-B14F-4D97-AF65-F5344CB8AC3E}">
@@ -6756,6 +7130,13 @@
   <p:clrMapOvr>
     <a:masterClrMapping/>
   </p:clrMapOvr>
+  <p:timing>
+    <p:tnLst>
+      <p:par>
+        <p:cTn id="1" dur="indefinite" restart="never" nodeType="tmRoot"/>
+      </p:par>
+    </p:tnLst>
+  </p:timing>
 </p:sld>
 </file>
 
@@ -6778,303 +7159,49 @@
       </p:grpSpPr>
       <p:sp>
         <p:nvSpPr>
-          <p:cNvPr id="2" name="Titre 1"/>
-          <p:cNvSpPr>
-            <a:spLocks noGrp="1"/>
-          </p:cNvSpPr>
-          <p:nvPr>
-            <p:ph type="title"/>
-          </p:nvPr>
-        </p:nvSpPr>
-        <p:spPr>
-          <a:xfrm>
-            <a:off x="457200" y="274638"/>
-            <a:ext cx="8229600" cy="922114"/>
-          </a:xfrm>
-        </p:spPr>
-        <p:txBody>
-          <a:bodyPr>
-            <a:normAutofit/>
-          </a:bodyPr>
-          <a:lstStyle/>
-          <a:p>
-            <a:r>
-              <a:rPr lang="fr-FR" sz="3200" b="1" dirty="0">
-                <a:latin typeface="Arial" panose="020B0604020202020204" pitchFamily="34" charset="0"/>
-                <a:cs typeface="Arial" panose="020B0604020202020204" pitchFamily="34" charset="0"/>
-              </a:rPr>
-              <a:t>Pourquoi s’intéresser à Python?</a:t>
-            </a:r>
-          </a:p>
-        </p:txBody>
-      </p:sp>
-      <p:sp>
-        <p:nvSpPr>
-          <p:cNvPr id="3" name="Espace réservé du contenu 2"/>
-          <p:cNvSpPr>
-            <a:spLocks noGrp="1"/>
-          </p:cNvSpPr>
-          <p:nvPr>
-            <p:ph idx="1"/>
-          </p:nvPr>
-        </p:nvSpPr>
-        <p:spPr>
-          <a:xfrm>
-            <a:off x="457200" y="980728"/>
-            <a:ext cx="8435280" cy="5877272"/>
-          </a:xfrm>
-        </p:spPr>
-        <p:txBody>
-          <a:bodyPr>
-            <a:normAutofit fontScale="85000" lnSpcReduction="20000"/>
-          </a:bodyPr>
-          <a:lstStyle/>
-          <a:p>
-            <a:r>
-              <a:rPr lang="fr-FR" sz="2800" b="1" dirty="0">
-                <a:latin typeface="Arial" panose="020B0604020202020204" pitchFamily="34" charset="0"/>
-                <a:cs typeface="Arial" panose="020B0604020202020204" pitchFamily="34" charset="0"/>
-              </a:rPr>
-              <a:t>Index TIOBE </a:t>
-            </a:r>
-          </a:p>
-          <a:p>
-            <a:pPr lvl="1"/>
-            <a:r>
-              <a:rPr lang="fr-FR" sz="2100" dirty="0">
-                <a:latin typeface="Arial" panose="020B0604020202020204" pitchFamily="34" charset="0"/>
-                <a:cs typeface="Arial" panose="020B0604020202020204" pitchFamily="34" charset="0"/>
-              </a:rPr>
-              <a:t>Python en 3</a:t>
-            </a:r>
-            <a:r>
-              <a:rPr lang="fr-FR" sz="2100" baseline="30000" dirty="0">
-                <a:latin typeface="Arial" panose="020B0604020202020204" pitchFamily="34" charset="0"/>
-                <a:cs typeface="Arial" panose="020B0604020202020204" pitchFamily="34" charset="0"/>
-              </a:rPr>
-              <a:t>e</a:t>
-            </a:r>
-            <a:r>
-              <a:rPr lang="fr-FR" sz="2100" dirty="0">
-                <a:latin typeface="Arial" panose="020B0604020202020204" pitchFamily="34" charset="0"/>
-                <a:cs typeface="Arial" panose="020B0604020202020204" pitchFamily="34" charset="0"/>
-              </a:rPr>
-              <a:t> place (derrière java et C)</a:t>
-            </a:r>
-          </a:p>
-          <a:p>
-            <a:pPr lvl="1"/>
-            <a:r>
-              <a:rPr lang="fr-FR" sz="2100" dirty="0">
-                <a:latin typeface="Arial" panose="020B0604020202020204" pitchFamily="34" charset="0"/>
-                <a:cs typeface="Arial" panose="020B0604020202020204" pitchFamily="34" charset="0"/>
-              </a:rPr>
-              <a:t>Python langage de l'année 2018 : </a:t>
-            </a:r>
-            <a:r>
-              <a:rPr lang="fr-FR" sz="2100" i="1" dirty="0">
-                <a:latin typeface="Arial" panose="020B0604020202020204" pitchFamily="34" charset="0"/>
-                <a:cs typeface="Arial" panose="020B0604020202020204" pitchFamily="34" charset="0"/>
-              </a:rPr>
-              <a:t>a gagné le plus de points de classement en 2018 par rapport à tous les autres langages</a:t>
-            </a:r>
-          </a:p>
-          <a:p>
-            <a:pPr lvl="1"/>
-            <a:r>
-              <a:rPr lang="fr-FR" sz="2100" dirty="0">
-                <a:latin typeface="Arial" panose="020B0604020202020204" pitchFamily="34" charset="0"/>
-                <a:cs typeface="Arial" panose="020B0604020202020204" pitchFamily="34" charset="0"/>
-              </a:rPr>
-              <a:t>« Depuis près de 20 ans, C, C ++ et Java figurent systématiquement dans le top 3, loin devant le reste du peloton. Python rejoint ces 3 langages maintenant. De nos jours, c’est le langage le plus enseigné dans les universités. Il est numéro un dans le domaine statistique, numéro un en programmation d’IA, numéro un en rédaction de scripts et numéro un en tests de système d’écriture. En outre, Python est également un chef de file de la programmation Web et de l’informatique scientifique ».</a:t>
-            </a:r>
-          </a:p>
-          <a:p>
-            <a:r>
-              <a:rPr lang="fr-FR" sz="2800" b="1" dirty="0">
-                <a:latin typeface="Arial" panose="020B0604020202020204" pitchFamily="34" charset="0"/>
-                <a:cs typeface="Arial" panose="020B0604020202020204" pitchFamily="34" charset="0"/>
-              </a:rPr>
-              <a:t>Classement Institute of </a:t>
-            </a:r>
-            <a:r>
-              <a:rPr lang="fr-FR" sz="2800" b="1" dirty="0" err="1">
-                <a:latin typeface="Arial" panose="020B0604020202020204" pitchFamily="34" charset="0"/>
-                <a:cs typeface="Arial" panose="020B0604020202020204" pitchFamily="34" charset="0"/>
-              </a:rPr>
-              <a:t>Electrical</a:t>
-            </a:r>
-            <a:r>
-              <a:rPr lang="fr-FR" sz="2800" b="1" dirty="0">
-                <a:latin typeface="Arial" panose="020B0604020202020204" pitchFamily="34" charset="0"/>
-                <a:cs typeface="Arial" panose="020B0604020202020204" pitchFamily="34" charset="0"/>
-              </a:rPr>
-              <a:t> and Electronics </a:t>
-            </a:r>
-            <a:r>
-              <a:rPr lang="fr-FR" sz="2800" b="1" dirty="0" err="1">
-                <a:latin typeface="Arial" panose="020B0604020202020204" pitchFamily="34" charset="0"/>
-                <a:cs typeface="Arial" panose="020B0604020202020204" pitchFamily="34" charset="0"/>
-              </a:rPr>
-              <a:t>Engineers</a:t>
-            </a:r>
-            <a:r>
-              <a:rPr lang="fr-FR" sz="2800" b="1" dirty="0">
-                <a:latin typeface="Arial" panose="020B0604020202020204" pitchFamily="34" charset="0"/>
-                <a:cs typeface="Arial" panose="020B0604020202020204" pitchFamily="34" charset="0"/>
-              </a:rPr>
-              <a:t>  : python 1</a:t>
-            </a:r>
-            <a:r>
-              <a:rPr lang="fr-FR" sz="2800" b="1" baseline="30000" dirty="0">
-                <a:latin typeface="Arial" panose="020B0604020202020204" pitchFamily="34" charset="0"/>
-                <a:cs typeface="Arial" panose="020B0604020202020204" pitchFamily="34" charset="0"/>
-              </a:rPr>
-              <a:t>er</a:t>
-            </a:r>
-            <a:r>
-              <a:rPr lang="fr-FR" sz="2800" b="1" dirty="0">
-                <a:latin typeface="Arial" panose="020B0604020202020204" pitchFamily="34" charset="0"/>
-                <a:cs typeface="Arial" panose="020B0604020202020204" pitchFamily="34" charset="0"/>
-              </a:rPr>
-              <a:t> (2017,2018)</a:t>
-            </a:r>
-          </a:p>
-          <a:p>
-            <a:r>
-              <a:rPr lang="fr-FR" sz="2800" b="1" dirty="0">
-                <a:latin typeface="Arial" panose="020B0604020202020204" pitchFamily="34" charset="0"/>
-                <a:cs typeface="Arial" panose="020B0604020202020204" pitchFamily="34" charset="0"/>
-              </a:rPr>
-              <a:t>Enquête </a:t>
-            </a:r>
-            <a:r>
-              <a:rPr lang="fr-FR" sz="2800" b="1" dirty="0" err="1">
-                <a:latin typeface="Arial" panose="020B0604020202020204" pitchFamily="34" charset="0"/>
-                <a:cs typeface="Arial" panose="020B0604020202020204" pitchFamily="34" charset="0"/>
-              </a:rPr>
-              <a:t>stackoverflow</a:t>
-            </a:r>
-            <a:r>
-              <a:rPr lang="fr-FR" sz="2800" b="1" dirty="0">
-                <a:latin typeface="Arial" panose="020B0604020202020204" pitchFamily="34" charset="0"/>
-                <a:cs typeface="Arial" panose="020B0604020202020204" pitchFamily="34" charset="0"/>
-              </a:rPr>
-              <a:t> 2018</a:t>
-            </a:r>
-          </a:p>
-          <a:p>
-            <a:pPr lvl="1"/>
-            <a:r>
-              <a:rPr lang="fr-FR" sz="2100" i="1" dirty="0">
-                <a:latin typeface="Arial" panose="020B0604020202020204" pitchFamily="34" charset="0"/>
-                <a:cs typeface="Arial" panose="020B0604020202020204" pitchFamily="34" charset="0"/>
-              </a:rPr>
-              <a:t>«  </a:t>
-            </a:r>
-            <a:r>
-              <a:rPr lang="en-US" sz="2100" i="1" dirty="0">
-                <a:latin typeface="Arial" panose="020B0604020202020204" pitchFamily="34" charset="0"/>
-                <a:cs typeface="Arial" panose="020B0604020202020204" pitchFamily="34" charset="0"/>
-              </a:rPr>
-              <a:t>Python is the most wanted language for the second year in a row</a:t>
-            </a:r>
-            <a:r>
-              <a:rPr lang="fr-FR" sz="2100" i="1" dirty="0">
-                <a:latin typeface="Arial" panose="020B0604020202020204" pitchFamily="34" charset="0"/>
-                <a:cs typeface="Arial" panose="020B0604020202020204" pitchFamily="34" charset="0"/>
-              </a:rPr>
-              <a:t>»</a:t>
-            </a:r>
-          </a:p>
-          <a:p>
-            <a:pPr lvl="1"/>
-            <a:r>
-              <a:rPr lang="fr-FR" sz="2100" i="1" dirty="0">
-                <a:latin typeface="Arial" panose="020B0604020202020204" pitchFamily="34" charset="0"/>
-                <a:cs typeface="Arial" panose="020B0604020202020204" pitchFamily="34" charset="0"/>
-              </a:rPr>
-              <a:t>« </a:t>
-            </a:r>
-            <a:r>
-              <a:rPr lang="en-US" sz="2100" i="1" dirty="0">
-                <a:latin typeface="Arial" panose="020B0604020202020204" pitchFamily="34" charset="0"/>
-                <a:cs typeface="Arial" panose="020B0604020202020204" pitchFamily="34" charset="0"/>
-              </a:rPr>
-              <a:t> Python has risen in the ranks, surpassing C# this year, much like it surpassed PHP last year. Python has a solid claim to being the fastest-growing major programming language.</a:t>
-            </a:r>
-            <a:r>
-              <a:rPr lang="fr-FR" sz="2100" i="1" dirty="0">
-                <a:latin typeface="Arial" panose="020B0604020202020204" pitchFamily="34" charset="0"/>
-                <a:cs typeface="Arial" panose="020B0604020202020204" pitchFamily="34" charset="0"/>
-              </a:rPr>
-              <a:t> » </a:t>
-            </a:r>
-            <a:r>
-              <a:rPr lang="fr-FR" sz="2100" dirty="0">
-                <a:latin typeface="Arial" panose="020B0604020202020204" pitchFamily="34" charset="0"/>
-                <a:cs typeface="Arial" panose="020B0604020202020204" pitchFamily="34" charset="0"/>
-              </a:rPr>
-              <a:t>Python est 2</a:t>
-            </a:r>
-            <a:r>
-              <a:rPr lang="fr-FR" sz="2100" baseline="30000" dirty="0">
-                <a:latin typeface="Arial" panose="020B0604020202020204" pitchFamily="34" charset="0"/>
-                <a:cs typeface="Arial" panose="020B0604020202020204" pitchFamily="34" charset="0"/>
-              </a:rPr>
-              <a:t>e</a:t>
-            </a:r>
-            <a:r>
-              <a:rPr lang="fr-FR" sz="2100" dirty="0">
-                <a:latin typeface="Arial" panose="020B0604020202020204" pitchFamily="34" charset="0"/>
-                <a:cs typeface="Arial" panose="020B0604020202020204" pitchFamily="34" charset="0"/>
-              </a:rPr>
-              <a:t> derrière Java</a:t>
-            </a:r>
-            <a:endParaRPr lang="fr-FR" sz="2800" b="1" dirty="0">
-              <a:latin typeface="Arial" panose="020B0604020202020204" pitchFamily="34" charset="0"/>
-              <a:cs typeface="Arial" panose="020B0604020202020204" pitchFamily="34" charset="0"/>
-            </a:endParaRPr>
-          </a:p>
-          <a:p>
-            <a:r>
-              <a:rPr lang="fr-FR" sz="2800" b="1" dirty="0">
-                <a:latin typeface="Arial" panose="020B0604020202020204" pitchFamily="34" charset="0"/>
-                <a:cs typeface="Arial" panose="020B0604020202020204" pitchFamily="34" charset="0"/>
-              </a:rPr>
-              <a:t>Documents de l’éducation nationale pour préparer la réforme du bac </a:t>
-            </a:r>
-            <a:r>
-              <a:rPr lang="fr-FR" sz="2300" b="1" i="1" dirty="0">
-                <a:latin typeface="Arial" panose="020B0604020202020204" pitchFamily="34" charset="0"/>
-                <a:cs typeface="Arial" panose="020B0604020202020204" pitchFamily="34" charset="0"/>
-              </a:rPr>
-              <a:t>« </a:t>
-            </a:r>
-            <a:r>
-              <a:rPr lang="fr-FR" sz="2300" i="1" dirty="0">
-                <a:latin typeface="Arial" panose="020B0604020202020204" pitchFamily="34" charset="0"/>
-                <a:cs typeface="Arial" panose="020B0604020202020204" pitchFamily="34" charset="0"/>
-              </a:rPr>
-              <a:t>Au moment de la conception de ce programme, le langage choisi est Python version 3  »</a:t>
-            </a:r>
-            <a:endParaRPr lang="fr-FR" sz="2300" b="1" i="1" dirty="0">
-              <a:latin typeface="Arial" panose="020B0604020202020204" pitchFamily="34" charset="0"/>
-              <a:cs typeface="Arial" panose="020B0604020202020204" pitchFamily="34" charset="0"/>
-            </a:endParaRPr>
+          <p:cNvPr id="4" name="Titre 3"/>
+          <p:cNvSpPr>
+            <a:spLocks noGrp="1"/>
+          </p:cNvSpPr>
+          <p:nvPr>
+            <p:ph type="ctrTitle"/>
+          </p:nvPr>
+        </p:nvSpPr>
+        <p:spPr/>
+        <p:txBody>
+          <a:bodyPr/>
+          <a:lstStyle/>
+          <a:p>
+            <a:r>
+              <a:rPr lang="fr-FR" b="1" dirty="0">
+                <a:solidFill>
+                  <a:srgbClr val="7030A0"/>
+                </a:solidFill>
+                <a:latin typeface="Arial" panose="020B0604020202020204" pitchFamily="34" charset="0"/>
+                <a:cs typeface="Arial" panose="020B0604020202020204" pitchFamily="34" charset="0"/>
+              </a:rPr>
+              <a:t>Partie 1 : Pourquoi s’intéresser à Python?</a:t>
+            </a:r>
           </a:p>
         </p:txBody>
       </p:sp>
     </p:spTree>
     <p:extLst>
       <p:ext uri="{BB962C8B-B14F-4D97-AF65-F5344CB8AC3E}">
-        <p14:creationId xmlns:p14="http://schemas.microsoft.com/office/powerpoint/2010/main" val="1973488989"/>
+        <p14:creationId xmlns:p14="http://schemas.microsoft.com/office/powerpoint/2010/main" val="164285327"/>
       </p:ext>
     </p:extLst>
   </p:cSld>
   <p:clrMapOvr>
     <a:masterClrMapping/>
   </p:clrMapOvr>
+  <p:timing>
+    <p:tnLst>
+      <p:par>
+        <p:cTn id="1" dur="indefinite" restart="never" nodeType="tmRoot"/>
+      </p:par>
+    </p:tnLst>
+  </p:timing>
 </p:sld>
 </file>
 
@@ -7113,19 +7240,16 @@
           <a:lstStyle/>
           <a:p>
             <a:r>
-              <a:rPr lang="fr-FR" sz="3200" b="1" dirty="0" err="1">
-                <a:latin typeface="Arial" panose="020B0604020202020204" pitchFamily="34" charset="0"/>
-                <a:cs typeface="Arial" panose="020B0604020202020204" pitchFamily="34" charset="0"/>
-              </a:rPr>
-              <a:t>Dataframe</a:t>
-            </a:r>
-            <a:r>
-              <a:rPr lang="fr-FR" sz="3200" b="1" dirty="0">
-                <a:latin typeface="Arial" panose="020B0604020202020204" pitchFamily="34" charset="0"/>
-                <a:cs typeface="Arial" panose="020B0604020202020204" pitchFamily="34" charset="0"/>
-              </a:rPr>
-              <a:t> statistiques descriptives</a:t>
-            </a:r>
+              <a:rPr lang="fr-FR" sz="3200" b="1" dirty="0" smtClean="0">
+                <a:latin typeface="Arial" panose="020B0604020202020204" pitchFamily="34" charset="0"/>
+                <a:cs typeface="Arial" panose="020B0604020202020204" pitchFamily="34" charset="0"/>
+              </a:rPr>
+              <a:t>Dataframe statistiques descriptives</a:t>
+            </a:r>
+            <a:endParaRPr lang="fr-FR" sz="3200" b="1" dirty="0">
+              <a:latin typeface="Arial" panose="020B0604020202020204" pitchFamily="34" charset="0"/>
+              <a:cs typeface="Arial" panose="020B0604020202020204" pitchFamily="34" charset="0"/>
+            </a:endParaRPr>
           </a:p>
         </p:txBody>
       </p:sp>
@@ -7150,132 +7274,168 @@
           <a:lstStyle/>
           <a:p>
             <a:r>
+              <a:rPr lang="fr-FR" dirty="0" smtClean="0">
+                <a:latin typeface="Arial" panose="020B0604020202020204" pitchFamily="34" charset="0"/>
+                <a:cs typeface="Arial" panose="020B0604020202020204" pitchFamily="34" charset="0"/>
+              </a:rPr>
+              <a:t>Premières statistiques =</a:t>
+            </a:r>
+            <a:r>
+              <a:rPr lang="fr-FR" dirty="0" err="1" smtClean="0">
+                <a:latin typeface="Arial" panose="020B0604020202020204" pitchFamily="34" charset="0"/>
+                <a:cs typeface="Arial" panose="020B0604020202020204" pitchFamily="34" charset="0"/>
+              </a:rPr>
+              <a:t>describe</a:t>
+            </a:r>
+            <a:r>
+              <a:rPr lang="fr-FR" dirty="0" smtClean="0">
+                <a:latin typeface="Arial" panose="020B0604020202020204" pitchFamily="34" charset="0"/>
+                <a:cs typeface="Arial" panose="020B0604020202020204" pitchFamily="34" charset="0"/>
+              </a:rPr>
+              <a:t>(</a:t>
+            </a:r>
+            <a:r>
+              <a:rPr lang="fr-FR" dirty="0" err="1" smtClean="0">
+                <a:latin typeface="Arial" panose="020B0604020202020204" pitchFamily="34" charset="0"/>
+                <a:cs typeface="Arial" panose="020B0604020202020204" pitchFamily="34" charset="0"/>
+              </a:rPr>
+              <a:t>include</a:t>
+            </a:r>
+            <a:r>
               <a:rPr lang="fr-FR" dirty="0">
                 <a:latin typeface="Arial" panose="020B0604020202020204" pitchFamily="34" charset="0"/>
                 <a:cs typeface="Arial" panose="020B0604020202020204" pitchFamily="34" charset="0"/>
               </a:rPr>
-              <a:t>Premières statistiques =</a:t>
+              <a:t>='all</a:t>
+            </a:r>
+            <a:r>
+              <a:rPr lang="fr-FR" dirty="0" smtClean="0">
+                <a:latin typeface="Arial" panose="020B0604020202020204" pitchFamily="34" charset="0"/>
+                <a:cs typeface="Arial" panose="020B0604020202020204" pitchFamily="34" charset="0"/>
+              </a:rPr>
+              <a:t>') </a:t>
+            </a:r>
+            <a:endParaRPr lang="fr-FR" dirty="0">
+              <a:latin typeface="Arial" panose="020B0604020202020204" pitchFamily="34" charset="0"/>
+              <a:cs typeface="Arial" panose="020B0604020202020204" pitchFamily="34" charset="0"/>
+            </a:endParaRPr>
+          </a:p>
+          <a:p>
+            <a:r>
+              <a:rPr lang="fr-FR" dirty="0" smtClean="0">
+                <a:latin typeface="Arial" panose="020B0604020202020204" pitchFamily="34" charset="0"/>
+                <a:cs typeface="Arial" panose="020B0604020202020204" pitchFamily="34" charset="0"/>
+              </a:rPr>
+              <a:t>Tabulations croisées (équivalent proc FREQ)</a:t>
+            </a:r>
+          </a:p>
+          <a:p>
+            <a:r>
+              <a:rPr lang="fr-FR" dirty="0" smtClean="0">
+                <a:latin typeface="Arial" panose="020B0604020202020204" pitchFamily="34" charset="0"/>
+                <a:cs typeface="Arial" panose="020B0604020202020204" pitchFamily="34" charset="0"/>
+              </a:rPr>
+              <a:t>Group by</a:t>
+            </a:r>
+          </a:p>
+          <a:p>
+            <a:r>
+              <a:rPr lang="fr-FR" dirty="0" smtClean="0">
+                <a:latin typeface="Arial" panose="020B0604020202020204" pitchFamily="34" charset="0"/>
+                <a:cs typeface="Arial" panose="020B0604020202020204" pitchFamily="34" charset="0"/>
+              </a:rPr>
+              <a:t>Index composites =&gt; pour faire facilement pleins de croisements</a:t>
+            </a:r>
+          </a:p>
+          <a:p>
+            <a:r>
+              <a:rPr lang="fr-FR" dirty="0" smtClean="0">
+                <a:latin typeface="Arial" panose="020B0604020202020204" pitchFamily="34" charset="0"/>
+                <a:cs typeface="Arial" panose="020B0604020202020204" pitchFamily="34" charset="0"/>
+              </a:rPr>
+              <a:t>Covariance, corrélation (</a:t>
+            </a:r>
+            <a:r>
+              <a:rPr lang="fr-FR" dirty="0" err="1" smtClean="0">
+                <a:latin typeface="Arial" panose="020B0604020202020204" pitchFamily="34" charset="0"/>
+                <a:cs typeface="Arial" panose="020B0604020202020204" pitchFamily="34" charset="0"/>
+              </a:rPr>
+              <a:t>pearson</a:t>
+            </a:r>
+            <a:r>
+              <a:rPr lang="fr-FR" dirty="0" smtClean="0">
+                <a:latin typeface="Arial" panose="020B0604020202020204" pitchFamily="34" charset="0"/>
+                <a:cs typeface="Arial" panose="020B0604020202020204" pitchFamily="34" charset="0"/>
+              </a:rPr>
+              <a:t>, </a:t>
+            </a:r>
+            <a:r>
+              <a:rPr lang="fr-FR" dirty="0">
+                <a:latin typeface="Arial" panose="020B0604020202020204" pitchFamily="34" charset="0"/>
+                <a:cs typeface="Arial" panose="020B0604020202020204" pitchFamily="34" charset="0"/>
+              </a:rPr>
+              <a:t>Kendall Tau </a:t>
             </a:r>
             <a:r>
               <a:rPr lang="fr-FR" dirty="0" err="1">
                 <a:latin typeface="Arial" panose="020B0604020202020204" pitchFamily="34" charset="0"/>
                 <a:cs typeface="Arial" panose="020B0604020202020204" pitchFamily="34" charset="0"/>
               </a:rPr>
-              <a:t>describe</a:t>
+              <a:t>correlation</a:t>
             </a:r>
             <a:r>
               <a:rPr lang="fr-FR" dirty="0">
                 <a:latin typeface="Arial" panose="020B0604020202020204" pitchFamily="34" charset="0"/>
                 <a:cs typeface="Arial" panose="020B0604020202020204" pitchFamily="34" charset="0"/>
               </a:rPr>
-              <a:t>(</a:t>
+              <a:t> </a:t>
+            </a:r>
+            <a:r>
+              <a:rPr lang="fr-FR" dirty="0" smtClean="0">
+                <a:latin typeface="Arial" panose="020B0604020202020204" pitchFamily="34" charset="0"/>
+                <a:cs typeface="Arial" panose="020B0604020202020204" pitchFamily="34" charset="0"/>
+              </a:rPr>
+              <a:t>coefficient, </a:t>
+            </a:r>
+            <a:r>
+              <a:rPr lang="fr-FR" dirty="0">
+                <a:latin typeface="Arial" panose="020B0604020202020204" pitchFamily="34" charset="0"/>
+                <a:cs typeface="Arial" panose="020B0604020202020204" pitchFamily="34" charset="0"/>
+              </a:rPr>
+              <a:t>Spearman </a:t>
             </a:r>
             <a:r>
               <a:rPr lang="fr-FR" dirty="0" err="1">
                 <a:latin typeface="Arial" panose="020B0604020202020204" pitchFamily="34" charset="0"/>
                 <a:cs typeface="Arial" panose="020B0604020202020204" pitchFamily="34" charset="0"/>
               </a:rPr>
-              <a:t>include</a:t>
+              <a:t>rank</a:t>
             </a:r>
             <a:r>
               <a:rPr lang="fr-FR" dirty="0">
                 <a:latin typeface="Arial" panose="020B0604020202020204" pitchFamily="34" charset="0"/>
                 <a:cs typeface="Arial" panose="020B0604020202020204" pitchFamily="34" charset="0"/>
               </a:rPr>
-              <a:t>='all') </a:t>
-            </a:r>
-          </a:p>
-          <a:p>
-            <a:r>
-              <a:rPr lang="fr-FR" dirty="0">
-                <a:latin typeface="Arial" panose="020B0604020202020204" pitchFamily="34" charset="0"/>
-                <a:cs typeface="Arial" panose="020B0604020202020204" pitchFamily="34" charset="0"/>
-              </a:rPr>
-              <a:t>Tabulations croisées (équivalent proc FREQ)</a:t>
-            </a:r>
-          </a:p>
-          <a:p>
-            <a:r>
-              <a:rPr lang="fr-FR" dirty="0">
-                <a:latin typeface="Arial" panose="020B0604020202020204" pitchFamily="34" charset="0"/>
-                <a:cs typeface="Arial" panose="020B0604020202020204" pitchFamily="34" charset="0"/>
-              </a:rPr>
-              <a:t>Group by</a:t>
-            </a:r>
-          </a:p>
-          <a:p>
-            <a:r>
-              <a:rPr lang="fr-FR" dirty="0">
-                <a:latin typeface="Arial" panose="020B0604020202020204" pitchFamily="34" charset="0"/>
-                <a:cs typeface="Arial" panose="020B0604020202020204" pitchFamily="34" charset="0"/>
-              </a:rPr>
-              <a:t>Index composites =&gt; pour faire facilement pleins de croisements</a:t>
-            </a:r>
-          </a:p>
-          <a:p>
-            <a:r>
-              <a:rPr lang="fr-FR" dirty="0">
-                <a:latin typeface="Arial" panose="020B0604020202020204" pitchFamily="34" charset="0"/>
-                <a:cs typeface="Arial" panose="020B0604020202020204" pitchFamily="34" charset="0"/>
-              </a:rPr>
-              <a:t>Covariance, corrélation (</a:t>
-            </a:r>
-            <a:r>
-              <a:rPr lang="fr-FR" dirty="0" err="1">
-                <a:latin typeface="Arial" panose="020B0604020202020204" pitchFamily="34" charset="0"/>
-                <a:cs typeface="Arial" panose="020B0604020202020204" pitchFamily="34" charset="0"/>
-              </a:rPr>
-              <a:t>pearson</a:t>
-            </a:r>
-            <a:r>
-              <a:rPr lang="fr-FR" dirty="0">
-                <a:latin typeface="Arial" panose="020B0604020202020204" pitchFamily="34" charset="0"/>
-                <a:cs typeface="Arial" panose="020B0604020202020204" pitchFamily="34" charset="0"/>
-              </a:rPr>
-              <a:t>, Kendall Tau </a:t>
-            </a:r>
-            <a:r>
-              <a:rPr lang="fr-FR" dirty="0" err="1">
+              <a:t> </a:t>
+            </a:r>
+            <a:r>
+              <a:rPr lang="fr-FR" dirty="0" err="1" smtClean="0">
                 <a:latin typeface="Arial" panose="020B0604020202020204" pitchFamily="34" charset="0"/>
                 <a:cs typeface="Arial" panose="020B0604020202020204" pitchFamily="34" charset="0"/>
               </a:rPr>
               <a:t>correlation</a:t>
             </a:r>
             <a:r>
-              <a:rPr lang="fr-FR" dirty="0">
-                <a:latin typeface="Arial" panose="020B0604020202020204" pitchFamily="34" charset="0"/>
-                <a:cs typeface="Arial" panose="020B0604020202020204" pitchFamily="34" charset="0"/>
-              </a:rPr>
-              <a:t> coefficient, Spearman </a:t>
-            </a:r>
-            <a:r>
-              <a:rPr lang="fr-FR" dirty="0" err="1">
-                <a:latin typeface="Arial" panose="020B0604020202020204" pitchFamily="34" charset="0"/>
-                <a:cs typeface="Arial" panose="020B0604020202020204" pitchFamily="34" charset="0"/>
-              </a:rPr>
-              <a:t>rank</a:t>
-            </a:r>
-            <a:r>
-              <a:rPr lang="fr-FR" dirty="0">
-                <a:latin typeface="Arial" panose="020B0604020202020204" pitchFamily="34" charset="0"/>
-                <a:cs typeface="Arial" panose="020B0604020202020204" pitchFamily="34" charset="0"/>
-              </a:rPr>
-              <a:t> </a:t>
-            </a:r>
-            <a:r>
-              <a:rPr lang="fr-FR" dirty="0" err="1">
-                <a:latin typeface="Arial" panose="020B0604020202020204" pitchFamily="34" charset="0"/>
-                <a:cs typeface="Arial" panose="020B0604020202020204" pitchFamily="34" charset="0"/>
-              </a:rPr>
-              <a:t>correlation</a:t>
-            </a:r>
-            <a:r>
-              <a:rPr lang="fr-FR" dirty="0">
+              <a:rPr lang="fr-FR" dirty="0" smtClean="0">
                 <a:latin typeface="Arial" panose="020B0604020202020204" pitchFamily="34" charset="0"/>
                 <a:cs typeface="Arial" panose="020B0604020202020204" pitchFamily="34" charset="0"/>
               </a:rPr>
               <a:t>)</a:t>
             </a:r>
+            <a:endParaRPr lang="fr-FR" dirty="0">
+              <a:latin typeface="Arial" panose="020B0604020202020204" pitchFamily="34" charset="0"/>
+              <a:cs typeface="Arial" panose="020B0604020202020204" pitchFamily="34" charset="0"/>
+            </a:endParaRPr>
           </a:p>
         </p:txBody>
       </p:sp>
@@ -7289,6 +7449,13 @@
   <p:clrMapOvr>
     <a:masterClrMapping/>
   </p:clrMapOvr>
+  <p:timing>
+    <p:tnLst>
+      <p:par>
+        <p:cTn id="1" dur="indefinite" restart="never" nodeType="tmRoot"/>
+      </p:par>
+    </p:tnLst>
+  </p:timing>
 </p:sld>
 </file>
 
@@ -7311,130 +7478,149 @@
       </p:grpSpPr>
       <p:sp>
         <p:nvSpPr>
-          <p:cNvPr id="2" name="Titre 1"/>
-          <p:cNvSpPr>
-            <a:spLocks noGrp="1"/>
-          </p:cNvSpPr>
-          <p:nvPr>
-            <p:ph type="title"/>
-          </p:nvPr>
-        </p:nvSpPr>
+          <p:cNvPr id="4" name="Titre 3"/>
+          <p:cNvSpPr>
+            <a:spLocks noGrp="1"/>
+          </p:cNvSpPr>
+          <p:nvPr>
+            <p:ph type="ctrTitle"/>
+          </p:nvPr>
+        </p:nvSpPr>
+        <p:spPr/>
+        <p:txBody>
+          <a:bodyPr>
+            <a:normAutofit fontScale="90000"/>
+          </a:bodyPr>
+          <a:lstStyle/>
+          <a:p>
+            <a:r>
+              <a:rPr lang="fr-FR" b="1" dirty="0">
+                <a:solidFill>
+                  <a:srgbClr val="7030A0"/>
+                </a:solidFill>
+                <a:latin typeface="Arial" panose="020B0604020202020204" pitchFamily="34" charset="0"/>
+                <a:cs typeface="Arial" panose="020B0604020202020204" pitchFamily="34" charset="0"/>
+              </a:rPr>
+              <a:t>Partie </a:t>
+            </a:r>
+            <a:r>
+              <a:rPr lang="fr-FR" b="1" dirty="0" smtClean="0">
+                <a:solidFill>
+                  <a:srgbClr val="7030A0"/>
+                </a:solidFill>
+                <a:latin typeface="Arial" panose="020B0604020202020204" pitchFamily="34" charset="0"/>
+                <a:cs typeface="Arial" panose="020B0604020202020204" pitchFamily="34" charset="0"/>
+              </a:rPr>
+              <a:t>5 </a:t>
+            </a:r>
+            <a:r>
+              <a:rPr lang="fr-FR" b="1" dirty="0">
+                <a:solidFill>
+                  <a:srgbClr val="7030A0"/>
+                </a:solidFill>
+                <a:latin typeface="Arial" panose="020B0604020202020204" pitchFamily="34" charset="0"/>
+                <a:cs typeface="Arial" panose="020B0604020202020204" pitchFamily="34" charset="0"/>
+              </a:rPr>
+              <a:t>: </a:t>
+            </a:r>
+            <a:r>
+              <a:rPr lang="fr-FR" b="1" dirty="0" smtClean="0">
+                <a:solidFill>
+                  <a:srgbClr val="7030A0"/>
+                </a:solidFill>
+                <a:latin typeface="Arial" panose="020B0604020202020204" pitchFamily="34" charset="0"/>
+                <a:cs typeface="Arial" panose="020B0604020202020204" pitchFamily="34" charset="0"/>
+              </a:rPr>
+              <a:t>graphiques en Python avec matplotlib, seaborn, Bokey et </a:t>
+            </a:r>
+            <a:r>
+              <a:rPr lang="fr-FR" b="1" dirty="0">
+                <a:solidFill>
+                  <a:srgbClr val="7030A0"/>
+                </a:solidFill>
+                <a:latin typeface="Arial" panose="020B0604020202020204" pitchFamily="34" charset="0"/>
+                <a:cs typeface="Arial" panose="020B0604020202020204" pitchFamily="34" charset="0"/>
+              </a:rPr>
+              <a:t>P</a:t>
+            </a:r>
+            <a:r>
+              <a:rPr lang="fr-FR" b="1" dirty="0" smtClean="0">
+                <a:solidFill>
+                  <a:srgbClr val="7030A0"/>
+                </a:solidFill>
+                <a:latin typeface="Arial" panose="020B0604020202020204" pitchFamily="34" charset="0"/>
+                <a:cs typeface="Arial" panose="020B0604020202020204" pitchFamily="34" charset="0"/>
+              </a:rPr>
+              <a:t>lotly</a:t>
+            </a:r>
+            <a:endParaRPr lang="fr-FR" dirty="0"/>
+          </a:p>
+        </p:txBody>
+      </p:sp>
+      <p:pic>
+        <p:nvPicPr>
+          <p:cNvPr id="6" name="Image 5"/>
+          <p:cNvPicPr>
+            <a:picLocks noChangeAspect="1"/>
+          </p:cNvPicPr>
+          <p:nvPr/>
+        </p:nvPicPr>
+        <p:blipFill>
+          <a:blip r:embed="rId2">
+            <a:extLst>
+              <a:ext uri="{28A0092B-C50C-407E-A947-70E740481C1C}">
+                <a14:useLocalDpi xmlns:a14="http://schemas.microsoft.com/office/drawing/2010/main" val="0"/>
+              </a:ext>
+            </a:extLst>
+          </a:blip>
+          <a:stretch>
+            <a:fillRect/>
+          </a:stretch>
+        </p:blipFill>
         <p:spPr>
           <a:xfrm>
-            <a:off x="251520" y="274638"/>
-            <a:ext cx="8435280" cy="1143000"/>
+            <a:off x="1475656" y="4035848"/>
+            <a:ext cx="4686954" cy="981212"/>
           </a:xfrm>
+          <a:prstGeom prst="rect">
+            <a:avLst/>
+          </a:prstGeom>
         </p:spPr>
-        <p:txBody>
-          <a:bodyPr>
-            <a:normAutofit/>
-          </a:bodyPr>
-          <a:lstStyle/>
-          <a:p>
-            <a:r>
-              <a:rPr lang="fr-FR" sz="3200" b="1" dirty="0" err="1">
-                <a:latin typeface="Arial" panose="020B0604020202020204" pitchFamily="34" charset="0"/>
-                <a:cs typeface="Arial" panose="020B0604020202020204" pitchFamily="34" charset="0"/>
-              </a:rPr>
-              <a:t>Dataframe</a:t>
-            </a:r>
-            <a:r>
-              <a:rPr lang="fr-FR" sz="3200" b="1" dirty="0">
-                <a:latin typeface="Arial" panose="020B0604020202020204" pitchFamily="34" charset="0"/>
-                <a:cs typeface="Arial" panose="020B0604020202020204" pitchFamily="34" charset="0"/>
-              </a:rPr>
-              <a:t> graphiques : introduction</a:t>
-            </a:r>
-            <a:endParaRPr lang="fr-FR" sz="3200" dirty="0"/>
-          </a:p>
-        </p:txBody>
-      </p:sp>
-      <p:sp>
-        <p:nvSpPr>
-          <p:cNvPr id="3" name="Espace réservé du contenu 2"/>
-          <p:cNvSpPr>
-            <a:spLocks noGrp="1"/>
-          </p:cNvSpPr>
-          <p:nvPr>
-            <p:ph idx="1"/>
-          </p:nvPr>
-        </p:nvSpPr>
-        <p:spPr/>
-        <p:txBody>
-          <a:bodyPr>
-            <a:normAutofit fontScale="92500" lnSpcReduction="10000"/>
-          </a:bodyPr>
-          <a:lstStyle/>
-          <a:p>
-            <a:pPr marL="0" indent="0">
-              <a:buNone/>
-            </a:pPr>
-            <a:r>
-              <a:rPr lang="fr-FR" dirty="0"/>
-              <a:t>Le quartet d’</a:t>
-            </a:r>
-            <a:r>
-              <a:rPr lang="fr-FR" dirty="0" err="1"/>
-              <a:t>Ascombe</a:t>
-            </a:r>
-            <a:r>
-              <a:rPr lang="fr-FR" dirty="0"/>
-              <a:t> : 4 jeux de données avec 11 points (</a:t>
-            </a:r>
-            <a:r>
-              <a:rPr lang="fr-FR" dirty="0" err="1"/>
-              <a:t>x,y</a:t>
-            </a:r>
-            <a:r>
-              <a:rPr lang="fr-FR" dirty="0"/>
-              <a:t>) « très proches » car :</a:t>
-            </a:r>
-          </a:p>
-          <a:p>
-            <a:r>
-              <a:rPr lang="fr-FR" dirty="0"/>
-              <a:t>Même moyenne selon x et selon y</a:t>
-            </a:r>
-          </a:p>
-          <a:p>
-            <a:r>
-              <a:rPr lang="fr-FR" dirty="0"/>
-              <a:t>Même écart type selon x et selon y</a:t>
-            </a:r>
-          </a:p>
-          <a:p>
-            <a:r>
-              <a:rPr lang="fr-FR" dirty="0"/>
-              <a:t>Même coefficient de corrélation entre x et y</a:t>
-            </a:r>
-          </a:p>
-          <a:p>
-            <a:r>
-              <a:rPr lang="fr-FR" dirty="0"/>
-              <a:t>Même droite de régression de y sur x et avec le même R^2</a:t>
-            </a:r>
-          </a:p>
-          <a:p>
-            <a:pPr marL="0" indent="0">
-              <a:buNone/>
-            </a:pPr>
-            <a:endParaRPr lang="fr-FR" dirty="0"/>
-          </a:p>
-          <a:p>
-            <a:pPr marL="0" indent="0">
-              <a:buNone/>
-            </a:pPr>
-            <a:r>
-              <a:rPr lang="fr-FR" dirty="0"/>
-              <a:t>Et pourtant…</a:t>
-            </a:r>
-          </a:p>
-        </p:txBody>
-      </p:sp>
+      </p:pic>
+      <p:pic>
+        <p:nvPicPr>
+          <p:cNvPr id="7" name="Image 6"/>
+          <p:cNvPicPr>
+            <a:picLocks noChangeAspect="1"/>
+          </p:cNvPicPr>
+          <p:nvPr/>
+        </p:nvPicPr>
+        <p:blipFill>
+          <a:blip r:embed="rId3">
+            <a:extLst>
+              <a:ext uri="{28A0092B-C50C-407E-A947-70E740481C1C}">
+                <a14:useLocalDpi xmlns:a14="http://schemas.microsoft.com/office/drawing/2010/main" val="0"/>
+              </a:ext>
+            </a:extLst>
+          </a:blip>
+          <a:stretch>
+            <a:fillRect/>
+          </a:stretch>
+        </p:blipFill>
+        <p:spPr>
+          <a:xfrm>
+            <a:off x="1208018" y="4725144"/>
+            <a:ext cx="2031746" cy="2031746"/>
+          </a:xfrm>
+          <a:prstGeom prst="rect">
+            <a:avLst/>
+          </a:prstGeom>
+        </p:spPr>
+      </p:pic>
     </p:spTree>
     <p:extLst>
       <p:ext uri="{BB962C8B-B14F-4D97-AF65-F5344CB8AC3E}">
-        <p14:creationId xmlns:p14="http://schemas.microsoft.com/office/powerpoint/2010/main" val="3199841862"/>
+        <p14:creationId xmlns:p14="http://schemas.microsoft.com/office/powerpoint/2010/main" val="3425681267"/>
       </p:ext>
     </p:extLst>
   </p:cSld>
@@ -7473,6 +7659,178 @@
         </p:nvSpPr>
         <p:spPr>
           <a:xfrm>
+            <a:off x="251520" y="274638"/>
+            <a:ext cx="8435280" cy="1143000"/>
+          </a:xfrm>
+        </p:spPr>
+        <p:txBody>
+          <a:bodyPr>
+            <a:normAutofit/>
+          </a:bodyPr>
+          <a:lstStyle/>
+          <a:p>
+            <a:r>
+              <a:rPr lang="fr-FR" sz="3200" b="1" dirty="0">
+                <a:latin typeface="Arial" panose="020B0604020202020204" pitchFamily="34" charset="0"/>
+                <a:cs typeface="Arial" panose="020B0604020202020204" pitchFamily="34" charset="0"/>
+              </a:rPr>
+              <a:t>Dataframe </a:t>
+            </a:r>
+            <a:r>
+              <a:rPr lang="fr-FR" sz="3200" b="1" dirty="0" smtClean="0">
+                <a:latin typeface="Arial" panose="020B0604020202020204" pitchFamily="34" charset="0"/>
+                <a:cs typeface="Arial" panose="020B0604020202020204" pitchFamily="34" charset="0"/>
+              </a:rPr>
+              <a:t>graphiques : introduction</a:t>
+            </a:r>
+            <a:endParaRPr lang="fr-FR" sz="3200" dirty="0"/>
+          </a:p>
+        </p:txBody>
+      </p:sp>
+      <p:sp>
+        <p:nvSpPr>
+          <p:cNvPr id="3" name="Espace réservé du contenu 2"/>
+          <p:cNvSpPr>
+            <a:spLocks noGrp="1"/>
+          </p:cNvSpPr>
+          <p:nvPr>
+            <p:ph idx="1"/>
+          </p:nvPr>
+        </p:nvSpPr>
+        <p:spPr/>
+        <p:txBody>
+          <a:bodyPr>
+            <a:normAutofit fontScale="92500" lnSpcReduction="10000"/>
+          </a:bodyPr>
+          <a:lstStyle/>
+          <a:p>
+            <a:pPr marL="0" indent="0">
+              <a:buNone/>
+            </a:pPr>
+            <a:r>
+              <a:rPr lang="fr-FR" dirty="0" smtClean="0"/>
+              <a:t>Le quartet d’</a:t>
+            </a:r>
+            <a:r>
+              <a:rPr lang="fr-FR" dirty="0" err="1" smtClean="0"/>
+              <a:t>Ascombe</a:t>
+            </a:r>
+            <a:r>
+              <a:rPr lang="fr-FR" dirty="0" smtClean="0"/>
+              <a:t> : 4 jeux de données avec 11 points (</a:t>
+            </a:r>
+            <a:r>
+              <a:rPr lang="fr-FR" dirty="0" err="1" smtClean="0"/>
+              <a:t>x,y</a:t>
+            </a:r>
+            <a:r>
+              <a:rPr lang="fr-FR" dirty="0" smtClean="0"/>
+              <a:t>) « très proches » car :</a:t>
+            </a:r>
+          </a:p>
+          <a:p>
+            <a:r>
+              <a:rPr lang="fr-FR" dirty="0" smtClean="0"/>
+              <a:t>Même moyenne selon x et selon y</a:t>
+            </a:r>
+          </a:p>
+          <a:p>
+            <a:r>
+              <a:rPr lang="fr-FR" dirty="0"/>
+              <a:t>Même </a:t>
+            </a:r>
+            <a:r>
+              <a:rPr lang="fr-FR" dirty="0" smtClean="0"/>
+              <a:t>écart type selon </a:t>
+            </a:r>
+            <a:r>
+              <a:rPr lang="fr-FR" dirty="0"/>
+              <a:t>x et selon </a:t>
+            </a:r>
+            <a:r>
+              <a:rPr lang="fr-FR" dirty="0" smtClean="0"/>
+              <a:t>y</a:t>
+            </a:r>
+          </a:p>
+          <a:p>
+            <a:r>
+              <a:rPr lang="fr-FR" dirty="0" smtClean="0"/>
+              <a:t>Même coefficient de corrélation entre x et y</a:t>
+            </a:r>
+          </a:p>
+          <a:p>
+            <a:r>
+              <a:rPr lang="fr-FR" dirty="0" smtClean="0"/>
+              <a:t>Même droite de régression de y sur x et avec le même R^2</a:t>
+            </a:r>
+          </a:p>
+          <a:p>
+            <a:pPr marL="0" indent="0">
+              <a:buNone/>
+            </a:pPr>
+            <a:endParaRPr lang="fr-FR" dirty="0"/>
+          </a:p>
+          <a:p>
+            <a:pPr marL="0" indent="0">
+              <a:buNone/>
+            </a:pPr>
+            <a:r>
+              <a:rPr lang="fr-FR" dirty="0" smtClean="0"/>
+              <a:t>Et pourtant…</a:t>
+            </a:r>
+            <a:endParaRPr lang="fr-FR" dirty="0"/>
+          </a:p>
+        </p:txBody>
+      </p:sp>
+    </p:spTree>
+    <p:extLst>
+      <p:ext uri="{BB962C8B-B14F-4D97-AF65-F5344CB8AC3E}">
+        <p14:creationId xmlns:p14="http://schemas.microsoft.com/office/powerpoint/2010/main" val="3199841862"/>
+      </p:ext>
+    </p:extLst>
+  </p:cSld>
+  <p:clrMapOvr>
+    <a:masterClrMapping/>
+  </p:clrMapOvr>
+  <p:timing>
+    <p:tnLst>
+      <p:par>
+        <p:cTn id="1" dur="indefinite" restart="never" nodeType="tmRoot"/>
+      </p:par>
+    </p:tnLst>
+  </p:timing>
+</p:sld>
+</file>
+
+<file path=ppt/slides/slide33.xml><?xml version="1.0" encoding="utf-8"?>
+<p:sld xmlns:a="http://schemas.openxmlformats.org/drawingml/2006/main" xmlns:r="http://schemas.openxmlformats.org/officeDocument/2006/relationships" xmlns:p="http://schemas.openxmlformats.org/presentationml/2006/main">
+  <p:cSld>
+    <p:spTree>
+      <p:nvGrpSpPr>
+        <p:cNvPr id="1" name=""/>
+        <p:cNvGrpSpPr/>
+        <p:nvPr/>
+      </p:nvGrpSpPr>
+      <p:grpSpPr>
+        <a:xfrm>
+          <a:off x="0" y="0"/>
+          <a:ext cx="0" cy="0"/>
+          <a:chOff x="0" y="0"/>
+          <a:chExt cx="0" cy="0"/>
+        </a:xfrm>
+      </p:grpSpPr>
+      <p:sp>
+        <p:nvSpPr>
+          <p:cNvPr id="2" name="Titre 1"/>
+          <p:cNvSpPr>
+            <a:spLocks noGrp="1"/>
+          </p:cNvSpPr>
+          <p:nvPr>
+            <p:ph type="title"/>
+          </p:nvPr>
+        </p:nvSpPr>
+        <p:spPr>
+          <a:xfrm>
             <a:off x="457200" y="274638"/>
             <a:ext cx="8229600" cy="512778"/>
           </a:xfrm>
@@ -7484,14 +7842,14 @@
           <a:lstStyle/>
           <a:p>
             <a:r>
-              <a:rPr lang="fr-FR" sz="3200" b="1" dirty="0">
+              <a:rPr lang="fr-FR" sz="3200" b="1" dirty="0" smtClean="0">
                 <a:latin typeface="Arial" panose="020B0604020202020204" pitchFamily="34" charset="0"/>
                 <a:cs typeface="Arial" panose="020B0604020202020204" pitchFamily="34" charset="0"/>
               </a:rPr>
               <a:t>Quartet d’</a:t>
             </a:r>
             <a:r>
-              <a:rPr lang="fr-FR" sz="3200" b="1" dirty="0" err="1">
+              <a:rPr lang="fr-FR" sz="3200" b="1" dirty="0" err="1" smtClean="0">
                 <a:latin typeface="Arial" panose="020B0604020202020204" pitchFamily="34" charset="0"/>
                 <a:cs typeface="Arial" panose="020B0604020202020204" pitchFamily="34" charset="0"/>
               </a:rPr>
@@ -7544,212 +7902,13 @@
   <p:clrMapOvr>
     <a:masterClrMapping/>
   </p:clrMapOvr>
-</p:sld>
-</file>
-
-<file path=ppt/slides/slide33.xml><?xml version="1.0" encoding="utf-8"?>
-<p:sld xmlns:a="http://schemas.openxmlformats.org/drawingml/2006/main" xmlns:r="http://schemas.openxmlformats.org/officeDocument/2006/relationships" xmlns:p="http://schemas.openxmlformats.org/presentationml/2006/main">
-  <p:cSld>
-    <p:spTree>
-      <p:nvGrpSpPr>
-        <p:cNvPr id="1" name=""/>
-        <p:cNvGrpSpPr/>
-        <p:nvPr/>
-      </p:nvGrpSpPr>
-      <p:grpSpPr>
-        <a:xfrm>
-          <a:off x="0" y="0"/>
-          <a:ext cx="0" cy="0"/>
-          <a:chOff x="0" y="0"/>
-          <a:chExt cx="0" cy="0"/>
-        </a:xfrm>
-      </p:grpSpPr>
-      <p:sp>
-        <p:nvSpPr>
-          <p:cNvPr id="2" name="Titre 1"/>
-          <p:cNvSpPr>
-            <a:spLocks noGrp="1"/>
-          </p:cNvSpPr>
-          <p:nvPr>
-            <p:ph type="title"/>
-          </p:nvPr>
-        </p:nvSpPr>
-        <p:spPr/>
-        <p:txBody>
-          <a:bodyPr>
-            <a:normAutofit/>
-          </a:bodyPr>
-          <a:lstStyle/>
-          <a:p>
-            <a:r>
-              <a:rPr lang="fr-FR" sz="3200" b="1" dirty="0" err="1">
-                <a:latin typeface="Arial" panose="020B0604020202020204" pitchFamily="34" charset="0"/>
-                <a:cs typeface="Arial" panose="020B0604020202020204" pitchFamily="34" charset="0"/>
-              </a:rPr>
-              <a:t>Dataframe</a:t>
-            </a:r>
-            <a:r>
-              <a:rPr lang="fr-FR" sz="3200" b="1" dirty="0">
-                <a:latin typeface="Arial" panose="020B0604020202020204" pitchFamily="34" charset="0"/>
-                <a:cs typeface="Arial" panose="020B0604020202020204" pitchFamily="34" charset="0"/>
-              </a:rPr>
-              <a:t> graphiques</a:t>
-            </a:r>
-          </a:p>
-        </p:txBody>
-      </p:sp>
-      <p:sp>
-        <p:nvSpPr>
-          <p:cNvPr id="3" name="Espace réservé du contenu 2"/>
-          <p:cNvSpPr>
-            <a:spLocks noGrp="1"/>
-          </p:cNvSpPr>
-          <p:nvPr>
-            <p:ph idx="1"/>
-          </p:nvPr>
-        </p:nvSpPr>
-        <p:spPr/>
-        <p:txBody>
-          <a:bodyPr>
-            <a:normAutofit lnSpcReduction="10000"/>
-          </a:bodyPr>
-          <a:lstStyle/>
-          <a:p>
-            <a:r>
-              <a:rPr lang="fr-FR" sz="2800" dirty="0">
-                <a:latin typeface="Arial" panose="020B0604020202020204" pitchFamily="34" charset="0"/>
-                <a:cs typeface="Arial" panose="020B0604020202020204" pitchFamily="34" charset="0"/>
-              </a:rPr>
-              <a:t>Fonction générique plot() (</a:t>
-            </a:r>
-            <a:r>
-              <a:rPr lang="fr-FR" sz="2800" dirty="0">
-                <a:latin typeface="Arial" panose="020B0604020202020204" pitchFamily="34" charset="0"/>
-                <a:cs typeface="Arial" panose="020B0604020202020204" pitchFamily="34" charset="0"/>
-                <a:hlinkClick r:id="rId2"/>
-              </a:rPr>
-              <a:t>cf. doc Pandas</a:t>
-            </a:r>
-            <a:r>
-              <a:rPr lang="fr-FR" sz="2800" dirty="0">
-                <a:latin typeface="Arial" panose="020B0604020202020204" pitchFamily="34" charset="0"/>
-                <a:cs typeface="Arial" panose="020B0604020202020204" pitchFamily="34" charset="0"/>
-              </a:rPr>
-              <a:t>)</a:t>
-            </a:r>
-          </a:p>
-          <a:p>
-            <a:r>
-              <a:rPr lang="fr-FR" sz="2800" dirty="0">
-                <a:latin typeface="Arial" panose="020B0604020202020204" pitchFamily="34" charset="0"/>
-                <a:cs typeface="Arial" panose="020B0604020202020204" pitchFamily="34" charset="0"/>
-              </a:rPr>
-              <a:t>Plus des fonctions spécialisées plus fines comme :</a:t>
-            </a:r>
-          </a:p>
-          <a:p>
-            <a:pPr lvl="1"/>
-            <a:r>
-              <a:rPr lang="fr-FR" dirty="0">
-                <a:latin typeface="Arial" panose="020B0604020202020204" pitchFamily="34" charset="0"/>
-                <a:cs typeface="Arial" panose="020B0604020202020204" pitchFamily="34" charset="0"/>
-                <a:hlinkClick r:id="rId3"/>
-              </a:rPr>
-              <a:t>Boites à moustaches/</a:t>
-            </a:r>
-            <a:r>
-              <a:rPr lang="fr-FR" dirty="0" err="1">
-                <a:latin typeface="Arial" panose="020B0604020202020204" pitchFamily="34" charset="0"/>
-                <a:cs typeface="Arial" panose="020B0604020202020204" pitchFamily="34" charset="0"/>
-                <a:hlinkClick r:id="rId3"/>
-              </a:rPr>
-              <a:t>boxplot</a:t>
-            </a:r>
-            <a:endParaRPr lang="fr-FR" dirty="0">
-              <a:latin typeface="Arial" panose="020B0604020202020204" pitchFamily="34" charset="0"/>
-              <a:cs typeface="Arial" panose="020B0604020202020204" pitchFamily="34" charset="0"/>
-            </a:endParaRPr>
-          </a:p>
-          <a:p>
-            <a:pPr lvl="1"/>
-            <a:r>
-              <a:rPr lang="fr-FR" dirty="0">
-                <a:latin typeface="Arial" panose="020B0604020202020204" pitchFamily="34" charset="0"/>
-                <a:cs typeface="Arial" panose="020B0604020202020204" pitchFamily="34" charset="0"/>
-                <a:hlinkClick r:id="rId4"/>
-              </a:rPr>
-              <a:t>histogrammes</a:t>
-            </a:r>
-            <a:endParaRPr lang="fr-FR" dirty="0">
-              <a:latin typeface="Arial" panose="020B0604020202020204" pitchFamily="34" charset="0"/>
-              <a:cs typeface="Arial" panose="020B0604020202020204" pitchFamily="34" charset="0"/>
-            </a:endParaRPr>
-          </a:p>
-          <a:p>
-            <a:r>
-              <a:rPr lang="fr-FR" sz="2800" dirty="0">
-                <a:latin typeface="Arial" panose="020B0604020202020204" pitchFamily="34" charset="0"/>
-                <a:cs typeface="Arial" panose="020B0604020202020204" pitchFamily="34" charset="0"/>
-              </a:rPr>
-              <a:t>On peut utiliser </a:t>
-            </a:r>
-            <a:r>
-              <a:rPr lang="fr-FR" sz="2800" dirty="0" err="1">
-                <a:latin typeface="Arial" panose="020B0604020202020204" pitchFamily="34" charset="0"/>
-                <a:cs typeface="Arial" panose="020B0604020202020204" pitchFamily="34" charset="0"/>
-              </a:rPr>
-              <a:t>Seaborn</a:t>
-            </a:r>
-            <a:r>
-              <a:rPr lang="fr-FR" sz="2800" dirty="0">
-                <a:latin typeface="Arial" panose="020B0604020202020204" pitchFamily="34" charset="0"/>
-                <a:cs typeface="Arial" panose="020B0604020202020204" pitchFamily="34" charset="0"/>
-              </a:rPr>
-              <a:t> pour avoir encore plus de possibilités</a:t>
-            </a:r>
-          </a:p>
-          <a:p>
-            <a:pPr lvl="1"/>
-            <a:r>
-              <a:rPr lang="fr-FR" sz="2400" dirty="0">
-                <a:latin typeface="Arial" panose="020B0604020202020204" pitchFamily="34" charset="0"/>
-                <a:cs typeface="Arial" panose="020B0604020202020204" pitchFamily="34" charset="0"/>
-                <a:hlinkClick r:id="rId5"/>
-              </a:rPr>
-              <a:t>Matrice de nuages de points </a:t>
-            </a:r>
-            <a:endParaRPr lang="fr-FR" sz="2400" dirty="0">
-              <a:latin typeface="Arial" panose="020B0604020202020204" pitchFamily="34" charset="0"/>
-              <a:cs typeface="Arial" panose="020B0604020202020204" pitchFamily="34" charset="0"/>
-            </a:endParaRPr>
-          </a:p>
-          <a:p>
-            <a:pPr lvl="1"/>
-            <a:r>
-              <a:rPr lang="fr-FR" sz="2400" dirty="0">
-                <a:latin typeface="Arial" panose="020B0604020202020204" pitchFamily="34" charset="0"/>
-                <a:cs typeface="Arial" panose="020B0604020202020204" pitchFamily="34" charset="0"/>
-                <a:hlinkClick r:id="rId6"/>
-              </a:rPr>
-              <a:t>Tutoriel sur graphiques pour voir relations entre variables</a:t>
-            </a:r>
-            <a:endParaRPr lang="fr-FR" sz="2400" dirty="0">
-              <a:latin typeface="Arial" panose="020B0604020202020204" pitchFamily="34" charset="0"/>
-              <a:cs typeface="Arial" panose="020B0604020202020204" pitchFamily="34" charset="0"/>
-            </a:endParaRPr>
-          </a:p>
-        </p:txBody>
-      </p:sp>
-    </p:spTree>
-    <p:extLst>
-      <p:ext uri="{BB962C8B-B14F-4D97-AF65-F5344CB8AC3E}">
-        <p14:creationId xmlns:p14="http://schemas.microsoft.com/office/powerpoint/2010/main" val="631232455"/>
-      </p:ext>
-    </p:extLst>
-  </p:cSld>
-  <p:clrMapOvr>
-    <a:masterClrMapping/>
-  </p:clrMapOvr>
+  <p:timing>
+    <p:tnLst>
+      <p:par>
+        <p:cTn id="1" dur="indefinite" restart="never" nodeType="tmRoot"/>
+      </p:par>
+    </p:tnLst>
+  </p:timing>
 </p:sld>
 </file>
 
@@ -7787,33 +7946,251 @@
           </a:bodyPr>
           <a:lstStyle/>
           <a:p>
+            <a:r>
+              <a:rPr lang="fr-FR" sz="3200" b="1" dirty="0" smtClean="0">
+                <a:latin typeface="Arial" panose="020B0604020202020204" pitchFamily="34" charset="0"/>
+                <a:cs typeface="Arial" panose="020B0604020202020204" pitchFamily="34" charset="0"/>
+              </a:rPr>
+              <a:t>Dataframe graphiques</a:t>
+            </a:r>
+            <a:endParaRPr lang="fr-FR" sz="3200" b="1" dirty="0">
+              <a:latin typeface="Arial" panose="020B0604020202020204" pitchFamily="34" charset="0"/>
+              <a:cs typeface="Arial" panose="020B0604020202020204" pitchFamily="34" charset="0"/>
+            </a:endParaRPr>
+          </a:p>
+        </p:txBody>
+      </p:sp>
+      <p:sp>
+        <p:nvSpPr>
+          <p:cNvPr id="3" name="Espace réservé du contenu 2"/>
+          <p:cNvSpPr>
+            <a:spLocks noGrp="1"/>
+          </p:cNvSpPr>
+          <p:nvPr>
+            <p:ph idx="1"/>
+          </p:nvPr>
+        </p:nvSpPr>
+        <p:spPr/>
+        <p:txBody>
+          <a:bodyPr>
+            <a:normAutofit lnSpcReduction="10000"/>
+          </a:bodyPr>
+          <a:lstStyle/>
+          <a:p>
+            <a:r>
+              <a:rPr lang="fr-FR" sz="2800" dirty="0" smtClean="0">
+                <a:latin typeface="Arial" panose="020B0604020202020204" pitchFamily="34" charset="0"/>
+                <a:cs typeface="Arial" panose="020B0604020202020204" pitchFamily="34" charset="0"/>
+              </a:rPr>
+              <a:t>Fonction générique plot() (</a:t>
+            </a:r>
+            <a:r>
+              <a:rPr lang="fr-FR" sz="2800" dirty="0" smtClean="0">
+                <a:latin typeface="Arial" panose="020B0604020202020204" pitchFamily="34" charset="0"/>
+                <a:cs typeface="Arial" panose="020B0604020202020204" pitchFamily="34" charset="0"/>
+                <a:hlinkClick r:id="rId2"/>
+              </a:rPr>
+              <a:t>cf. doc Pandas</a:t>
+            </a:r>
+            <a:r>
+              <a:rPr lang="fr-FR" sz="2800" dirty="0" smtClean="0">
+                <a:latin typeface="Arial" panose="020B0604020202020204" pitchFamily="34" charset="0"/>
+                <a:cs typeface="Arial" panose="020B0604020202020204" pitchFamily="34" charset="0"/>
+              </a:rPr>
+              <a:t>)</a:t>
+            </a:r>
+          </a:p>
+          <a:p>
+            <a:r>
+              <a:rPr lang="fr-FR" sz="2800" dirty="0" smtClean="0">
+                <a:latin typeface="Arial" panose="020B0604020202020204" pitchFamily="34" charset="0"/>
+                <a:cs typeface="Arial" panose="020B0604020202020204" pitchFamily="34" charset="0"/>
+              </a:rPr>
+              <a:t>Plus des fonctions spécialisées plus fines comme :</a:t>
+            </a:r>
+          </a:p>
+          <a:p>
+            <a:pPr lvl="1"/>
+            <a:r>
+              <a:rPr lang="fr-FR" dirty="0">
+                <a:latin typeface="Arial" panose="020B0604020202020204" pitchFamily="34" charset="0"/>
+                <a:cs typeface="Arial" panose="020B0604020202020204" pitchFamily="34" charset="0"/>
+                <a:hlinkClick r:id="rId3"/>
+              </a:rPr>
+              <a:t>Boites à moustaches/</a:t>
+            </a:r>
+            <a:r>
+              <a:rPr lang="fr-FR" dirty="0" err="1">
+                <a:latin typeface="Arial" panose="020B0604020202020204" pitchFamily="34" charset="0"/>
+                <a:cs typeface="Arial" panose="020B0604020202020204" pitchFamily="34" charset="0"/>
+                <a:hlinkClick r:id="rId3"/>
+              </a:rPr>
+              <a:t>boxplot</a:t>
+            </a:r>
+            <a:endParaRPr lang="fr-FR" dirty="0">
+              <a:latin typeface="Arial" panose="020B0604020202020204" pitchFamily="34" charset="0"/>
+              <a:cs typeface="Arial" panose="020B0604020202020204" pitchFamily="34" charset="0"/>
+            </a:endParaRPr>
+          </a:p>
+          <a:p>
+            <a:pPr lvl="1"/>
+            <a:r>
+              <a:rPr lang="fr-FR" dirty="0" smtClean="0">
+                <a:latin typeface="Arial" panose="020B0604020202020204" pitchFamily="34" charset="0"/>
+                <a:cs typeface="Arial" panose="020B0604020202020204" pitchFamily="34" charset="0"/>
+                <a:hlinkClick r:id="rId4"/>
+              </a:rPr>
+              <a:t>histogrammes</a:t>
+            </a:r>
+            <a:endParaRPr lang="fr-FR" dirty="0" smtClean="0">
+              <a:latin typeface="Arial" panose="020B0604020202020204" pitchFamily="34" charset="0"/>
+              <a:cs typeface="Arial" panose="020B0604020202020204" pitchFamily="34" charset="0"/>
+            </a:endParaRPr>
+          </a:p>
+          <a:p>
+            <a:r>
+              <a:rPr lang="fr-FR" sz="2800" dirty="0" smtClean="0">
+                <a:latin typeface="Arial" panose="020B0604020202020204" pitchFamily="34" charset="0"/>
+                <a:cs typeface="Arial" panose="020B0604020202020204" pitchFamily="34" charset="0"/>
+              </a:rPr>
+              <a:t>On peut utiliser </a:t>
+            </a:r>
+            <a:r>
+              <a:rPr lang="fr-FR" sz="2800" dirty="0" smtClean="0">
+                <a:latin typeface="Arial" panose="020B0604020202020204" pitchFamily="34" charset="0"/>
+                <a:cs typeface="Arial" panose="020B0604020202020204" pitchFamily="34" charset="0"/>
+                <a:hlinkClick r:id="rId5"/>
+              </a:rPr>
+              <a:t>Seaborn</a:t>
+            </a:r>
+            <a:r>
+              <a:rPr lang="fr-FR" sz="2800" dirty="0" smtClean="0">
+                <a:latin typeface="Arial" panose="020B0604020202020204" pitchFamily="34" charset="0"/>
+                <a:cs typeface="Arial" panose="020B0604020202020204" pitchFamily="34" charset="0"/>
+              </a:rPr>
+              <a:t> pour avoir encore plus de possibilités</a:t>
+            </a:r>
+          </a:p>
+          <a:p>
+            <a:pPr lvl="1"/>
+            <a:r>
+              <a:rPr lang="fr-FR" sz="2400" dirty="0" smtClean="0">
+                <a:latin typeface="Arial" panose="020B0604020202020204" pitchFamily="34" charset="0"/>
+                <a:cs typeface="Arial" panose="020B0604020202020204" pitchFamily="34" charset="0"/>
+                <a:hlinkClick r:id="rId6"/>
+              </a:rPr>
+              <a:t>Matrice de nuages de points </a:t>
+            </a:r>
+            <a:endParaRPr lang="fr-FR" sz="2400" dirty="0" smtClean="0">
+              <a:latin typeface="Arial" panose="020B0604020202020204" pitchFamily="34" charset="0"/>
+              <a:cs typeface="Arial" panose="020B0604020202020204" pitchFamily="34" charset="0"/>
+            </a:endParaRPr>
+          </a:p>
+          <a:p>
+            <a:pPr lvl="1"/>
+            <a:r>
+              <a:rPr lang="fr-FR" sz="2400" dirty="0" smtClean="0">
+                <a:latin typeface="Arial" panose="020B0604020202020204" pitchFamily="34" charset="0"/>
+                <a:cs typeface="Arial" panose="020B0604020202020204" pitchFamily="34" charset="0"/>
+                <a:hlinkClick r:id="rId7"/>
+              </a:rPr>
+              <a:t>Tutoriel sur graphiques pour voir relations entre variables</a:t>
+            </a:r>
+            <a:endParaRPr lang="fr-FR" sz="2400" dirty="0" smtClean="0">
+              <a:latin typeface="Arial" panose="020B0604020202020204" pitchFamily="34" charset="0"/>
+              <a:cs typeface="Arial" panose="020B0604020202020204" pitchFamily="34" charset="0"/>
+            </a:endParaRPr>
+          </a:p>
+        </p:txBody>
+      </p:sp>
+    </p:spTree>
+    <p:extLst>
+      <p:ext uri="{BB962C8B-B14F-4D97-AF65-F5344CB8AC3E}">
+        <p14:creationId xmlns:p14="http://schemas.microsoft.com/office/powerpoint/2010/main" val="631232455"/>
+      </p:ext>
+    </p:extLst>
+  </p:cSld>
+  <p:clrMapOvr>
+    <a:masterClrMapping/>
+  </p:clrMapOvr>
+  <p:timing>
+    <p:tnLst>
+      <p:par>
+        <p:cTn id="1" dur="indefinite" restart="never" nodeType="tmRoot"/>
+      </p:par>
+    </p:tnLst>
+  </p:timing>
+</p:sld>
+</file>
+
+<file path=ppt/slides/slide35.xml><?xml version="1.0" encoding="utf-8"?>
+<p:sld xmlns:a="http://schemas.openxmlformats.org/drawingml/2006/main" xmlns:r="http://schemas.openxmlformats.org/officeDocument/2006/relationships" xmlns:p="http://schemas.openxmlformats.org/presentationml/2006/main">
+  <p:cSld>
+    <p:spTree>
+      <p:nvGrpSpPr>
+        <p:cNvPr id="1" name=""/>
+        <p:cNvGrpSpPr/>
+        <p:nvPr/>
+      </p:nvGrpSpPr>
+      <p:grpSpPr>
+        <a:xfrm>
+          <a:off x="0" y="0"/>
+          <a:ext cx="0" cy="0"/>
+          <a:chOff x="0" y="0"/>
+          <a:chExt cx="0" cy="0"/>
+        </a:xfrm>
+      </p:grpSpPr>
+      <p:sp>
+        <p:nvSpPr>
+          <p:cNvPr id="2" name="Titre 1"/>
+          <p:cNvSpPr>
+            <a:spLocks noGrp="1"/>
+          </p:cNvSpPr>
+          <p:nvPr>
+            <p:ph type="title"/>
+          </p:nvPr>
+        </p:nvSpPr>
+        <p:spPr/>
+        <p:txBody>
+          <a:bodyPr>
+            <a:normAutofit/>
+          </a:bodyPr>
+          <a:lstStyle/>
+          <a:p>
             <a:pPr lvl="1" algn="ctr" rtl="0">
               <a:spcBef>
                 <a:spcPct val="0"/>
               </a:spcBef>
             </a:pPr>
             <a:r>
+              <a:rPr lang="fr-FR" sz="3200" b="1" dirty="0" smtClean="0">
+                <a:latin typeface="Arial" panose="020B0604020202020204" pitchFamily="34" charset="0"/>
+                <a:cs typeface="Arial" panose="020B0604020202020204" pitchFamily="34" charset="0"/>
+                <a:hlinkClick r:id="rId2"/>
+              </a:rPr>
+              <a:t>Boites à moustaches/</a:t>
+            </a:r>
+            <a:r>
+              <a:rPr lang="fr-FR" sz="3200" b="1" dirty="0" err="1" smtClean="0">
+                <a:latin typeface="Arial" panose="020B0604020202020204" pitchFamily="34" charset="0"/>
+                <a:cs typeface="Arial" panose="020B0604020202020204" pitchFamily="34" charset="0"/>
+                <a:hlinkClick r:id="rId2"/>
+              </a:rPr>
+              <a:t>boxplot</a:t>
+            </a:r>
+            <a:r>
               <a:rPr lang="fr-FR" sz="3200" b="1" dirty="0">
                 <a:latin typeface="Arial" panose="020B0604020202020204" pitchFamily="34" charset="0"/>
                 <a:cs typeface="Arial" panose="020B0604020202020204" pitchFamily="34" charset="0"/>
-                <a:hlinkClick r:id="rId2"/>
-              </a:rPr>
-              <a:t>Boites à moustaches/</a:t>
-            </a:r>
-            <a:r>
-              <a:rPr lang="fr-FR" sz="3200" b="1" dirty="0" err="1">
-                <a:latin typeface="Arial" panose="020B0604020202020204" pitchFamily="34" charset="0"/>
-                <a:cs typeface="Arial" panose="020B0604020202020204" pitchFamily="34" charset="0"/>
-                <a:hlinkClick r:id="rId2"/>
-              </a:rPr>
-              <a:t>boxplot</a:t>
-            </a:r>
-            <a:r>
-              <a:rPr lang="fr-FR" sz="3200" b="1" dirty="0">
-                <a:latin typeface="Arial" panose="020B0604020202020204" pitchFamily="34" charset="0"/>
-                <a:cs typeface="Arial" panose="020B0604020202020204" pitchFamily="34" charset="0"/>
-              </a:rPr>
-              <a:t> rappel</a:t>
+              </a:rPr>
+              <a:t> </a:t>
+            </a:r>
+            <a:r>
+              <a:rPr lang="fr-FR" sz="3200" b="1" dirty="0" smtClean="0">
+                <a:latin typeface="Arial" panose="020B0604020202020204" pitchFamily="34" charset="0"/>
+                <a:cs typeface="Arial" panose="020B0604020202020204" pitchFamily="34" charset="0"/>
+              </a:rPr>
+              <a:t>rappel</a:t>
             </a:r>
             <a:endParaRPr lang="fr-FR" sz="3200" b="1" dirty="0"/>
           </a:p>
@@ -7858,161 +8235,13 @@
   <p:clrMapOvr>
     <a:masterClrMapping/>
   </p:clrMapOvr>
-</p:sld>
-</file>
-
-<file path=ppt/slides/slide35.xml><?xml version="1.0" encoding="utf-8"?>
-<p:sld xmlns:a="http://schemas.openxmlformats.org/drawingml/2006/main" xmlns:r="http://schemas.openxmlformats.org/officeDocument/2006/relationships" xmlns:p="http://schemas.openxmlformats.org/presentationml/2006/main">
-  <p:cSld>
-    <p:spTree>
-      <p:nvGrpSpPr>
-        <p:cNvPr id="1" name=""/>
-        <p:cNvGrpSpPr/>
-        <p:nvPr/>
-      </p:nvGrpSpPr>
-      <p:grpSpPr>
-        <a:xfrm>
-          <a:off x="0" y="0"/>
-          <a:ext cx="0" cy="0"/>
-          <a:chOff x="0" y="0"/>
-          <a:chExt cx="0" cy="0"/>
-        </a:xfrm>
-      </p:grpSpPr>
-      <p:sp>
-        <p:nvSpPr>
-          <p:cNvPr id="2" name="Titre 1"/>
-          <p:cNvSpPr>
-            <a:spLocks noGrp="1"/>
-          </p:cNvSpPr>
-          <p:nvPr>
-            <p:ph type="title"/>
-          </p:nvPr>
-        </p:nvSpPr>
-        <p:spPr/>
-        <p:txBody>
-          <a:bodyPr>
-            <a:normAutofit/>
-          </a:bodyPr>
-          <a:lstStyle/>
-          <a:p>
-            <a:r>
-              <a:rPr lang="fr-FR" sz="3200" b="1" dirty="0">
-                <a:latin typeface="Arial" panose="020B0604020202020204" pitchFamily="34" charset="0"/>
-                <a:cs typeface="Arial" panose="020B0604020202020204" pitchFamily="34" charset="0"/>
-              </a:rPr>
-              <a:t>Graphiques pour le web </a:t>
-            </a:r>
-          </a:p>
-        </p:txBody>
-      </p:sp>
-      <p:sp>
-        <p:nvSpPr>
-          <p:cNvPr id="3" name="Espace réservé du contenu 2"/>
-          <p:cNvSpPr>
-            <a:spLocks noGrp="1"/>
-          </p:cNvSpPr>
-          <p:nvPr>
-            <p:ph idx="1"/>
-          </p:nvPr>
-        </p:nvSpPr>
-        <p:spPr/>
-        <p:txBody>
-          <a:bodyPr/>
-          <a:lstStyle/>
-          <a:p>
-            <a:pPr marL="0" indent="0">
-              <a:buNone/>
-            </a:pPr>
-            <a:r>
-              <a:rPr lang="fr-FR" b="1" dirty="0">
-                <a:latin typeface="Arial" panose="020B0604020202020204" pitchFamily="34" charset="0"/>
-                <a:cs typeface="Arial" panose="020B0604020202020204" pitchFamily="34" charset="0"/>
-              </a:rPr>
-              <a:t>Bokeh</a:t>
-            </a:r>
-            <a:endParaRPr lang="fr-FR" dirty="0">
-              <a:latin typeface="Arial" panose="020B0604020202020204" pitchFamily="34" charset="0"/>
-              <a:cs typeface="Arial" panose="020B0604020202020204" pitchFamily="34" charset="0"/>
-              <a:hlinkClick r:id="rId2"/>
-            </a:endParaRPr>
-          </a:p>
-          <a:p>
-            <a:r>
-              <a:rPr lang="fr-FR" dirty="0" err="1">
-                <a:latin typeface="Arial" panose="020B0604020202020204" pitchFamily="34" charset="0"/>
-                <a:cs typeface="Arial" panose="020B0604020202020204" pitchFamily="34" charset="0"/>
-                <a:hlinkClick r:id="rId2"/>
-              </a:rPr>
-              <a:t>Gapminder</a:t>
-            </a:r>
-            <a:endParaRPr lang="fr-FR" dirty="0">
-              <a:latin typeface="Arial" panose="020B0604020202020204" pitchFamily="34" charset="0"/>
-              <a:cs typeface="Arial" panose="020B0604020202020204" pitchFamily="34" charset="0"/>
-            </a:endParaRPr>
-          </a:p>
-          <a:p>
-            <a:r>
-              <a:rPr lang="fr-FR" dirty="0">
-                <a:latin typeface="Arial" panose="020B0604020202020204" pitchFamily="34" charset="0"/>
-                <a:cs typeface="Arial" panose="020B0604020202020204" pitchFamily="34" charset="0"/>
-                <a:hlinkClick r:id="rId3"/>
-              </a:rPr>
-              <a:t>Explorer données sur films</a:t>
-            </a:r>
-            <a:endParaRPr lang="fr-FR" dirty="0">
-              <a:latin typeface="Arial" panose="020B0604020202020204" pitchFamily="34" charset="0"/>
-              <a:cs typeface="Arial" panose="020B0604020202020204" pitchFamily="34" charset="0"/>
-            </a:endParaRPr>
-          </a:p>
-          <a:p>
-            <a:r>
-              <a:rPr lang="fr-FR" dirty="0" err="1">
-                <a:latin typeface="Arial" panose="020B0604020202020204" pitchFamily="34" charset="0"/>
-                <a:cs typeface="Arial" panose="020B0604020202020204" pitchFamily="34" charset="0"/>
-              </a:rPr>
-              <a:t>Plotly</a:t>
-            </a:r>
-            <a:r>
-              <a:rPr lang="fr-FR" dirty="0">
-                <a:latin typeface="Arial" panose="020B0604020202020204" pitchFamily="34" charset="0"/>
-                <a:cs typeface="Arial" panose="020B0604020202020204" pitchFamily="34" charset="0"/>
-              </a:rPr>
-              <a:t>/</a:t>
-            </a:r>
-            <a:r>
-              <a:rPr lang="fr-FR" dirty="0">
-                <a:latin typeface="Arial" panose="020B0604020202020204" pitchFamily="34" charset="0"/>
-                <a:cs typeface="Arial" panose="020B0604020202020204" pitchFamily="34" charset="0"/>
-                <a:hlinkClick r:id="rId4"/>
-              </a:rPr>
-              <a:t>Dash</a:t>
-            </a:r>
-            <a:endParaRPr lang="fr-FR" dirty="0">
-              <a:latin typeface="Arial" panose="020B0604020202020204" pitchFamily="34" charset="0"/>
-              <a:cs typeface="Arial" panose="020B0604020202020204" pitchFamily="34" charset="0"/>
-            </a:endParaRPr>
-          </a:p>
-          <a:p>
-            <a:pPr marL="0" indent="0">
-              <a:buNone/>
-            </a:pPr>
-            <a:endParaRPr lang="fr-FR" dirty="0">
-              <a:latin typeface="Arial" panose="020B0604020202020204" pitchFamily="34" charset="0"/>
-              <a:cs typeface="Arial" panose="020B0604020202020204" pitchFamily="34" charset="0"/>
-            </a:endParaRPr>
-          </a:p>
-        </p:txBody>
-      </p:sp>
-    </p:spTree>
-    <p:extLst>
-      <p:ext uri="{BB962C8B-B14F-4D97-AF65-F5344CB8AC3E}">
-        <p14:creationId xmlns:p14="http://schemas.microsoft.com/office/powerpoint/2010/main" val="195656540"/>
-      </p:ext>
-    </p:extLst>
-  </p:cSld>
-  <p:clrMapOvr>
-    <a:masterClrMapping/>
-  </p:clrMapOvr>
+  <p:timing>
+    <p:tnLst>
+      <p:par>
+        <p:cTn id="1" dur="indefinite" restart="never" nodeType="tmRoot"/>
+      </p:par>
+    </p:tnLst>
+  </p:timing>
 </p:sld>
 </file>
 
@@ -8035,45 +8264,174 @@
       </p:grpSpPr>
       <p:sp>
         <p:nvSpPr>
-          <p:cNvPr id="4" name="Titre 3"/>
-          <p:cNvSpPr>
-            <a:spLocks noGrp="1"/>
-          </p:cNvSpPr>
-          <p:nvPr>
-            <p:ph type="ctrTitle"/>
+          <p:cNvPr id="2" name="Titre 1"/>
+          <p:cNvSpPr>
+            <a:spLocks noGrp="1"/>
+          </p:cNvSpPr>
+          <p:nvPr>
+            <p:ph type="title"/>
           </p:nvPr>
         </p:nvSpPr>
         <p:spPr/>
         <p:txBody>
           <a:bodyPr>
-            <a:noAutofit/>
+            <a:normAutofit/>
           </a:bodyPr>
           <a:lstStyle/>
           <a:p>
             <a:r>
-              <a:rPr lang="fr-FR" sz="4800" b="1" dirty="0">
-                <a:solidFill>
-                  <a:srgbClr val="7030A0"/>
-                </a:solidFill>
-                <a:latin typeface="Arial" panose="020B0604020202020204" pitchFamily="34" charset="0"/>
-                <a:cs typeface="Arial" panose="020B0604020202020204" pitchFamily="34" charset="0"/>
-              </a:rPr>
-              <a:t>Partie 5 : statistiques avec Python</a:t>
-            </a:r>
-            <a:endParaRPr lang="fr-FR" sz="4800" dirty="0"/>
+              <a:rPr lang="fr-FR" sz="3200" b="1" dirty="0" smtClean="0">
+                <a:latin typeface="Arial" panose="020B0604020202020204" pitchFamily="34" charset="0"/>
+                <a:cs typeface="Arial" panose="020B0604020202020204" pitchFamily="34" charset="0"/>
+              </a:rPr>
+              <a:t>Graphiques pour le web : </a:t>
+            </a:r>
+            <a:r>
+              <a:rPr lang="fr-FR" sz="3200" b="1" dirty="0" err="1" smtClean="0">
+                <a:latin typeface="Arial" panose="020B0604020202020204" pitchFamily="34" charset="0"/>
+                <a:cs typeface="Arial" panose="020B0604020202020204" pitchFamily="34" charset="0"/>
+              </a:rPr>
+              <a:t>Bokeh</a:t>
+            </a:r>
+            <a:r>
+              <a:rPr lang="fr-FR" sz="3200" b="1" dirty="0" smtClean="0">
+                <a:latin typeface="Arial" panose="020B0604020202020204" pitchFamily="34" charset="0"/>
+                <a:cs typeface="Arial" panose="020B0604020202020204" pitchFamily="34" charset="0"/>
+              </a:rPr>
+              <a:t> ou Plotly</a:t>
+            </a:r>
+            <a:endParaRPr lang="fr-FR" sz="3200" b="1" dirty="0">
+              <a:latin typeface="Arial" panose="020B0604020202020204" pitchFamily="34" charset="0"/>
+              <a:cs typeface="Arial" panose="020B0604020202020204" pitchFamily="34" charset="0"/>
+            </a:endParaRPr>
+          </a:p>
+        </p:txBody>
+      </p:sp>
+      <p:sp>
+        <p:nvSpPr>
+          <p:cNvPr id="3" name="Espace réservé du contenu 2"/>
+          <p:cNvSpPr>
+            <a:spLocks noGrp="1"/>
+          </p:cNvSpPr>
+          <p:nvPr>
+            <p:ph idx="1"/>
+          </p:nvPr>
+        </p:nvSpPr>
+        <p:spPr/>
+        <p:txBody>
+          <a:bodyPr/>
+          <a:lstStyle/>
+          <a:p>
+            <a:pPr marL="0" indent="0">
+              <a:buNone/>
+            </a:pPr>
+            <a:r>
+              <a:rPr lang="fr-FR" dirty="0">
+                <a:latin typeface="Arial" panose="020B0604020202020204" pitchFamily="34" charset="0"/>
+                <a:cs typeface="Arial" panose="020B0604020202020204" pitchFamily="34" charset="0"/>
+              </a:rPr>
+              <a:t>Exemples </a:t>
+            </a:r>
+            <a:r>
+              <a:rPr lang="fr-FR" dirty="0" err="1" smtClean="0">
+                <a:latin typeface="Arial" panose="020B0604020202020204" pitchFamily="34" charset="0"/>
+                <a:cs typeface="Arial" panose="020B0604020202020204" pitchFamily="34" charset="0"/>
+              </a:rPr>
+              <a:t>Bokeh</a:t>
+            </a:r>
+            <a:endParaRPr lang="fr-FR" dirty="0" smtClean="0">
+              <a:latin typeface="Arial" panose="020B0604020202020204" pitchFamily="34" charset="0"/>
+              <a:cs typeface="Arial" panose="020B0604020202020204" pitchFamily="34" charset="0"/>
+              <a:hlinkClick r:id="rId2"/>
+            </a:endParaRPr>
+          </a:p>
+          <a:p>
+            <a:r>
+              <a:rPr lang="fr-FR" dirty="0" err="1" smtClean="0">
+                <a:latin typeface="Arial" panose="020B0604020202020204" pitchFamily="34" charset="0"/>
+                <a:cs typeface="Arial" panose="020B0604020202020204" pitchFamily="34" charset="0"/>
+                <a:hlinkClick r:id="rId2"/>
+              </a:rPr>
+              <a:t>Gapminder</a:t>
+            </a:r>
+            <a:endParaRPr lang="fr-FR" dirty="0" smtClean="0">
+              <a:latin typeface="Arial" panose="020B0604020202020204" pitchFamily="34" charset="0"/>
+              <a:cs typeface="Arial" panose="020B0604020202020204" pitchFamily="34" charset="0"/>
+            </a:endParaRPr>
+          </a:p>
+          <a:p>
+            <a:r>
+              <a:rPr lang="fr-FR" dirty="0" smtClean="0">
+                <a:latin typeface="Arial" panose="020B0604020202020204" pitchFamily="34" charset="0"/>
+                <a:cs typeface="Arial" panose="020B0604020202020204" pitchFamily="34" charset="0"/>
+                <a:hlinkClick r:id="rId3"/>
+              </a:rPr>
+              <a:t>Explorer données sur </a:t>
+            </a:r>
+            <a:r>
+              <a:rPr lang="fr-FR" dirty="0" smtClean="0">
+                <a:latin typeface="Arial" panose="020B0604020202020204" pitchFamily="34" charset="0"/>
+                <a:cs typeface="Arial" panose="020B0604020202020204" pitchFamily="34" charset="0"/>
+                <a:hlinkClick r:id="rId3"/>
+              </a:rPr>
+              <a:t>films</a:t>
+            </a:r>
+            <a:endParaRPr lang="fr-FR" dirty="0" smtClean="0">
+              <a:latin typeface="Arial" panose="020B0604020202020204" pitchFamily="34" charset="0"/>
+              <a:cs typeface="Arial" panose="020B0604020202020204" pitchFamily="34" charset="0"/>
+            </a:endParaRPr>
+          </a:p>
+          <a:p>
+            <a:endParaRPr lang="fr-FR" dirty="0">
+              <a:latin typeface="Arial" panose="020B0604020202020204" pitchFamily="34" charset="0"/>
+              <a:cs typeface="Arial" panose="020B0604020202020204" pitchFamily="34" charset="0"/>
+            </a:endParaRPr>
+          </a:p>
+          <a:p>
+            <a:pPr marL="0" indent="0">
+              <a:buNone/>
+            </a:pPr>
+            <a:r>
+              <a:rPr lang="fr-FR" dirty="0" smtClean="0">
+                <a:latin typeface="Arial" panose="020B0604020202020204" pitchFamily="34" charset="0"/>
+                <a:cs typeface="Arial" panose="020B0604020202020204" pitchFamily="34" charset="0"/>
+                <a:hlinkClick r:id="rId4"/>
+              </a:rPr>
+              <a:t>Plotly</a:t>
+            </a:r>
+            <a:endParaRPr lang="fr-FR" dirty="0" smtClean="0">
+              <a:latin typeface="Arial" panose="020B0604020202020204" pitchFamily="34" charset="0"/>
+              <a:cs typeface="Arial" panose="020B0604020202020204" pitchFamily="34" charset="0"/>
+            </a:endParaRPr>
+          </a:p>
+          <a:p>
+            <a:pPr marL="0" indent="0">
+              <a:buNone/>
+            </a:pPr>
+            <a:endParaRPr lang="fr-FR" dirty="0" smtClean="0">
+              <a:latin typeface="Arial" panose="020B0604020202020204" pitchFamily="34" charset="0"/>
+              <a:cs typeface="Arial" panose="020B0604020202020204" pitchFamily="34" charset="0"/>
+            </a:endParaRPr>
           </a:p>
         </p:txBody>
       </p:sp>
     </p:spTree>
     <p:extLst>
       <p:ext uri="{BB962C8B-B14F-4D97-AF65-F5344CB8AC3E}">
-        <p14:creationId xmlns:p14="http://schemas.microsoft.com/office/powerpoint/2010/main" val="780777117"/>
+        <p14:creationId xmlns:p14="http://schemas.microsoft.com/office/powerpoint/2010/main" val="195656540"/>
       </p:ext>
     </p:extLst>
   </p:cSld>
   <p:clrMapOvr>
     <a:masterClrMapping/>
   </p:clrMapOvr>
+  <p:timing>
+    <p:tnLst>
+      <p:par>
+        <p:cTn id="1" dur="indefinite" restart="never" nodeType="tmRoot"/>
+      </p:par>
+    </p:tnLst>
+  </p:timing>
 </p:sld>
 </file>
 
@@ -8096,6 +8454,149 @@
       </p:grpSpPr>
       <p:sp>
         <p:nvSpPr>
+          <p:cNvPr id="4" name="Titre 3"/>
+          <p:cNvSpPr>
+            <a:spLocks noGrp="1"/>
+          </p:cNvSpPr>
+          <p:nvPr>
+            <p:ph type="ctrTitle"/>
+          </p:nvPr>
+        </p:nvSpPr>
+        <p:spPr>
+          <a:xfrm>
+            <a:off x="685800" y="2130425"/>
+            <a:ext cx="7772400" cy="2162671"/>
+          </a:xfrm>
+        </p:spPr>
+        <p:txBody>
+          <a:bodyPr>
+            <a:noAutofit/>
+          </a:bodyPr>
+          <a:lstStyle/>
+          <a:p>
+            <a:r>
+              <a:rPr lang="fr-FR" sz="4800" b="1" dirty="0">
+                <a:solidFill>
+                  <a:srgbClr val="7030A0"/>
+                </a:solidFill>
+                <a:latin typeface="Arial" panose="020B0604020202020204" pitchFamily="34" charset="0"/>
+                <a:cs typeface="Arial" panose="020B0604020202020204" pitchFamily="34" charset="0"/>
+              </a:rPr>
+              <a:t>Partie </a:t>
+            </a:r>
+            <a:r>
+              <a:rPr lang="fr-FR" sz="4800" b="1" dirty="0" smtClean="0">
+                <a:solidFill>
+                  <a:srgbClr val="7030A0"/>
+                </a:solidFill>
+                <a:latin typeface="Arial" panose="020B0604020202020204" pitchFamily="34" charset="0"/>
+                <a:cs typeface="Arial" panose="020B0604020202020204" pitchFamily="34" charset="0"/>
+              </a:rPr>
+              <a:t>6 </a:t>
+            </a:r>
+            <a:r>
+              <a:rPr lang="fr-FR" sz="4800" b="1" dirty="0">
+                <a:solidFill>
+                  <a:srgbClr val="7030A0"/>
+                </a:solidFill>
+                <a:latin typeface="Arial" panose="020B0604020202020204" pitchFamily="34" charset="0"/>
+                <a:cs typeface="Arial" panose="020B0604020202020204" pitchFamily="34" charset="0"/>
+              </a:rPr>
+              <a:t>: </a:t>
+            </a:r>
+            <a:r>
+              <a:rPr lang="fr-FR" sz="4800" b="1" dirty="0" smtClean="0">
+                <a:solidFill>
+                  <a:srgbClr val="7030A0"/>
+                </a:solidFill>
+                <a:latin typeface="Arial" panose="020B0604020202020204" pitchFamily="34" charset="0"/>
+                <a:cs typeface="Arial" panose="020B0604020202020204" pitchFamily="34" charset="0"/>
+              </a:rPr>
+              <a:t>statistiques </a:t>
+            </a:r>
+            <a:r>
+              <a:rPr lang="fr-FR" sz="4800" b="1" dirty="0" smtClean="0">
+                <a:solidFill>
+                  <a:srgbClr val="7030A0"/>
+                </a:solidFill>
+                <a:latin typeface="Arial" panose="020B0604020202020204" pitchFamily="34" charset="0"/>
+                <a:cs typeface="Arial" panose="020B0604020202020204" pitchFamily="34" charset="0"/>
+              </a:rPr>
+              <a:t>en Python avec StatsModels</a:t>
+            </a:r>
+            <a:endParaRPr lang="fr-FR" sz="4800" dirty="0"/>
+          </a:p>
+        </p:txBody>
+      </p:sp>
+      <p:pic>
+        <p:nvPicPr>
+          <p:cNvPr id="2" name="Image 1"/>
+          <p:cNvPicPr>
+            <a:picLocks noChangeAspect="1"/>
+          </p:cNvPicPr>
+          <p:nvPr/>
+        </p:nvPicPr>
+        <p:blipFill>
+          <a:blip r:embed="rId2">
+            <a:extLst>
+              <a:ext uri="{28A0092B-C50C-407E-A947-70E740481C1C}">
+                <a14:useLocalDpi xmlns:a14="http://schemas.microsoft.com/office/drawing/2010/main" val="0"/>
+              </a:ext>
+            </a:extLst>
+          </a:blip>
+          <a:stretch>
+            <a:fillRect/>
+          </a:stretch>
+        </p:blipFill>
+        <p:spPr>
+          <a:xfrm>
+            <a:off x="971600" y="4156021"/>
+            <a:ext cx="2084421" cy="424882"/>
+          </a:xfrm>
+          <a:prstGeom prst="rect">
+            <a:avLst/>
+          </a:prstGeom>
+        </p:spPr>
+      </p:pic>
+    </p:spTree>
+    <p:extLst>
+      <p:ext uri="{BB962C8B-B14F-4D97-AF65-F5344CB8AC3E}">
+        <p14:creationId xmlns:p14="http://schemas.microsoft.com/office/powerpoint/2010/main" val="780777117"/>
+      </p:ext>
+    </p:extLst>
+  </p:cSld>
+  <p:clrMapOvr>
+    <a:masterClrMapping/>
+  </p:clrMapOvr>
+  <p:timing>
+    <p:tnLst>
+      <p:par>
+        <p:cTn id="1" dur="indefinite" restart="never" nodeType="tmRoot"/>
+      </p:par>
+    </p:tnLst>
+  </p:timing>
+</p:sld>
+</file>
+
+<file path=ppt/slides/slide38.xml><?xml version="1.0" encoding="utf-8"?>
+<p:sld xmlns:a="http://schemas.openxmlformats.org/drawingml/2006/main" xmlns:r="http://schemas.openxmlformats.org/officeDocument/2006/relationships" xmlns:p="http://schemas.openxmlformats.org/presentationml/2006/main">
+  <p:cSld>
+    <p:spTree>
+      <p:nvGrpSpPr>
+        <p:cNvPr id="1" name=""/>
+        <p:cNvGrpSpPr/>
+        <p:nvPr/>
+      </p:nvGrpSpPr>
+      <p:grpSpPr>
+        <a:xfrm>
+          <a:off x="0" y="0"/>
+          <a:ext cx="0" cy="0"/>
+          <a:chOff x="0" y="0"/>
+          <a:chExt cx="0" cy="0"/>
+        </a:xfrm>
+      </p:grpSpPr>
+      <p:sp>
+        <p:nvSpPr>
           <p:cNvPr id="2" name="Titre 1"/>
           <p:cNvSpPr>
             <a:spLocks noGrp="1"/>
@@ -8112,18 +8613,11 @@
           <a:lstStyle/>
           <a:p>
             <a:r>
-              <a:rPr lang="fr-FR" sz="3200" b="1" dirty="0">
-                <a:latin typeface="Arial" panose="020B0604020202020204" pitchFamily="34" charset="0"/>
-                <a:cs typeface="Arial" panose="020B0604020202020204" pitchFamily="34" charset="0"/>
-              </a:rPr>
-              <a:t>Régression linéaire avec </a:t>
-            </a:r>
-            <a:r>
-              <a:rPr lang="fr-FR" sz="3200" b="1" dirty="0" err="1">
-                <a:latin typeface="Arial" panose="020B0604020202020204" pitchFamily="34" charset="0"/>
-                <a:cs typeface="Arial" panose="020B0604020202020204" pitchFamily="34" charset="0"/>
-              </a:rPr>
-              <a:t>statsModels</a:t>
+              <a:rPr lang="fr-FR" sz="3200" b="1" dirty="0" smtClean="0">
+                <a:latin typeface="Arial" panose="020B0604020202020204" pitchFamily="34" charset="0"/>
+                <a:cs typeface="Arial" panose="020B0604020202020204" pitchFamily="34" charset="0"/>
+              </a:rPr>
+              <a:t>Régression linéaire avec statsModels</a:t>
             </a:r>
             <a:endParaRPr lang="fr-FR" sz="3200" b="1" dirty="0">
               <a:latin typeface="Arial" panose="020B0604020202020204" pitchFamily="34" charset="0"/>
@@ -8155,7 +8649,7 @@
           <a:lstStyle/>
           <a:p>
             <a:r>
-              <a:rPr lang="fr-FR" dirty="0">
+              <a:rPr lang="fr-FR" dirty="0" smtClean="0">
                 <a:latin typeface="Arial" panose="020B0604020202020204" pitchFamily="34" charset="0"/>
                 <a:cs typeface="Arial" panose="020B0604020202020204" pitchFamily="34" charset="0"/>
               </a:rPr>
@@ -8164,7 +8658,7 @@
           </a:p>
           <a:p>
             <a:r>
-              <a:rPr lang="fr-FR" dirty="0">
+              <a:rPr lang="fr-FR" dirty="0" smtClean="0">
                 <a:latin typeface="Arial" panose="020B0604020202020204" pitchFamily="34" charset="0"/>
                 <a:cs typeface="Arial" panose="020B0604020202020204" pitchFamily="34" charset="0"/>
               </a:rPr>
@@ -8178,7 +8672,14 @@
                 <a:latin typeface="Arial" panose="020B0604020202020204" pitchFamily="34" charset="0"/>
                 <a:cs typeface="Arial" panose="020B0604020202020204" pitchFamily="34" charset="0"/>
               </a:rPr>
-              <a:t>Ŷ /y =&gt; élément de qualité globale</a:t>
+              <a:t>Ŷ </a:t>
+            </a:r>
+            <a:r>
+              <a:rPr lang="fr-FR" sz="2000" dirty="0" smtClean="0">
+                <a:latin typeface="Arial" panose="020B0604020202020204" pitchFamily="34" charset="0"/>
+                <a:cs typeface="Arial" panose="020B0604020202020204" pitchFamily="34" charset="0"/>
+              </a:rPr>
+              <a:t>/y =&gt; élément de qualité globale</a:t>
             </a:r>
           </a:p>
           <a:p>
@@ -8188,16 +8689,30 @@
                 <a:latin typeface="Arial" panose="020B0604020202020204" pitchFamily="34" charset="0"/>
                 <a:cs typeface="Arial" panose="020B0604020202020204" pitchFamily="34" charset="0"/>
               </a:rPr>
-              <a:t>Ŷ / résidu =&gt; vérifier linéarité + pas </a:t>
-            </a:r>
-            <a:r>
-              <a:rPr lang="fr-FR" sz="2000" dirty="0" err="1">
+              <a:t>Ŷ </a:t>
+            </a:r>
+            <a:r>
+              <a:rPr lang="fr-FR" sz="2000" dirty="0" smtClean="0">
+                <a:latin typeface="Arial" panose="020B0604020202020204" pitchFamily="34" charset="0"/>
+                <a:cs typeface="Arial" panose="020B0604020202020204" pitchFamily="34" charset="0"/>
+              </a:rPr>
+              <a:t>/ résidu =&gt; </a:t>
+            </a:r>
+            <a:r>
+              <a:rPr lang="fr-FR" sz="2000" dirty="0">
+                <a:latin typeface="Arial" panose="020B0604020202020204" pitchFamily="34" charset="0"/>
+                <a:cs typeface="Arial" panose="020B0604020202020204" pitchFamily="34" charset="0"/>
+              </a:rPr>
+              <a:t>vérifier linéarité + pas </a:t>
+            </a:r>
+            <a:r>
+              <a:rPr lang="fr-FR" sz="2000" dirty="0" err="1" smtClean="0">
                 <a:latin typeface="Arial" panose="020B0604020202020204" pitchFamily="34" charset="0"/>
                 <a:cs typeface="Arial" panose="020B0604020202020204" pitchFamily="34" charset="0"/>
               </a:rPr>
               <a:t>hétéroscédasticité</a:t>
             </a:r>
-            <a:endParaRPr lang="fr-FR" sz="2000" dirty="0">
+            <a:endParaRPr lang="fr-FR" sz="2000" dirty="0" smtClean="0">
               <a:latin typeface="Arial" panose="020B0604020202020204" pitchFamily="34" charset="0"/>
               <a:cs typeface="Arial" panose="020B0604020202020204" pitchFamily="34" charset="0"/>
             </a:endParaRPr>
@@ -8209,37 +8724,107 @@
                 <a:latin typeface="Arial" panose="020B0604020202020204" pitchFamily="34" charset="0"/>
                 <a:cs typeface="Arial" panose="020B0604020202020204" pitchFamily="34" charset="0"/>
               </a:rPr>
-              <a:t>Q–Q graphique : quantiles loi normale (0, var estimée des résidus) /quantiles des résidus =&gt; vérifier résidus normaux</a:t>
+              <a:t>Q–Q graphique </a:t>
+            </a:r>
+            <a:r>
+              <a:rPr lang="fr-FR" sz="2000" dirty="0" smtClean="0">
+                <a:latin typeface="Arial" panose="020B0604020202020204" pitchFamily="34" charset="0"/>
+                <a:cs typeface="Arial" panose="020B0604020202020204" pitchFamily="34" charset="0"/>
+              </a:rPr>
+              <a:t>: quantiles loi </a:t>
+            </a:r>
+            <a:r>
+              <a:rPr lang="fr-FR" sz="2000" dirty="0">
+                <a:latin typeface="Arial" panose="020B0604020202020204" pitchFamily="34" charset="0"/>
+                <a:cs typeface="Arial" panose="020B0604020202020204" pitchFamily="34" charset="0"/>
+              </a:rPr>
+              <a:t>normale (0</a:t>
+            </a:r>
+            <a:r>
+              <a:rPr lang="fr-FR" sz="2000" dirty="0" smtClean="0">
+                <a:latin typeface="Arial" panose="020B0604020202020204" pitchFamily="34" charset="0"/>
+                <a:cs typeface="Arial" panose="020B0604020202020204" pitchFamily="34" charset="0"/>
+              </a:rPr>
+              <a:t>, var </a:t>
+            </a:r>
+            <a:r>
+              <a:rPr lang="fr-FR" sz="2000" dirty="0">
+                <a:latin typeface="Arial" panose="020B0604020202020204" pitchFamily="34" charset="0"/>
+                <a:cs typeface="Arial" panose="020B0604020202020204" pitchFamily="34" charset="0"/>
+              </a:rPr>
+              <a:t>estimée des résidus) </a:t>
+            </a:r>
+            <a:r>
+              <a:rPr lang="fr-FR" sz="2000" dirty="0" smtClean="0">
+                <a:latin typeface="Arial" panose="020B0604020202020204" pitchFamily="34" charset="0"/>
+                <a:cs typeface="Arial" panose="020B0604020202020204" pitchFamily="34" charset="0"/>
+              </a:rPr>
+              <a:t>/quantiles </a:t>
+            </a:r>
+            <a:r>
+              <a:rPr lang="fr-FR" sz="2000" dirty="0">
+                <a:latin typeface="Arial" panose="020B0604020202020204" pitchFamily="34" charset="0"/>
+                <a:cs typeface="Arial" panose="020B0604020202020204" pitchFamily="34" charset="0"/>
+              </a:rPr>
+              <a:t>des </a:t>
+            </a:r>
+            <a:r>
+              <a:rPr lang="fr-FR" sz="2000" dirty="0" smtClean="0">
+                <a:latin typeface="Arial" panose="020B0604020202020204" pitchFamily="34" charset="0"/>
+                <a:cs typeface="Arial" panose="020B0604020202020204" pitchFamily="34" charset="0"/>
+              </a:rPr>
+              <a:t>résidus =&gt; </a:t>
+            </a:r>
+            <a:r>
+              <a:rPr lang="fr-FR" sz="2000" dirty="0">
+                <a:latin typeface="Arial" panose="020B0604020202020204" pitchFamily="34" charset="0"/>
+                <a:cs typeface="Arial" panose="020B0604020202020204" pitchFamily="34" charset="0"/>
+              </a:rPr>
+              <a:t>vérifier </a:t>
+            </a:r>
+            <a:r>
+              <a:rPr lang="fr-FR" sz="2000" dirty="0" smtClean="0">
+                <a:latin typeface="Arial" panose="020B0604020202020204" pitchFamily="34" charset="0"/>
+                <a:cs typeface="Arial" panose="020B0604020202020204" pitchFamily="34" charset="0"/>
+              </a:rPr>
+              <a:t>résidus normaux</a:t>
             </a:r>
           </a:p>
           <a:p>
             <a:pPr lvl="1"/>
             <a:r>
+              <a:rPr lang="fr-FR" sz="2000" dirty="0" smtClean="0">
+                <a:latin typeface="Arial" panose="020B0604020202020204" pitchFamily="34" charset="0"/>
+                <a:cs typeface="Arial" panose="020B0604020202020204" pitchFamily="34" charset="0"/>
+              </a:rPr>
+              <a:t>Distribution des résidus </a:t>
+            </a:r>
+            <a:r>
               <a:rPr lang="fr-FR" sz="2000" dirty="0">
                 <a:latin typeface="Arial" panose="020B0604020202020204" pitchFamily="34" charset="0"/>
                 <a:cs typeface="Arial" panose="020B0604020202020204" pitchFamily="34" charset="0"/>
               </a:rPr>
-              <a:t>Distribution des résidus =&gt; vérifier résidus normaux</a:t>
+              <a:t>=&gt; vérifier résidus normaux</a:t>
             </a:r>
           </a:p>
           <a:p>
             <a:pPr lvl="1"/>
             <a:r>
-              <a:rPr lang="fr-FR" sz="2000" dirty="0">
+              <a:rPr lang="fr-FR" sz="2000" dirty="0" smtClean="0">
                 <a:latin typeface="Arial" panose="020B0604020202020204" pitchFamily="34" charset="0"/>
                 <a:cs typeface="Arial" panose="020B0604020202020204" pitchFamily="34" charset="0"/>
               </a:rPr>
               <a:t>Leverage plot : </a:t>
             </a:r>
             <a:r>
-              <a:rPr lang="fr-FR" sz="2000" dirty="0" err="1">
+              <a:rPr lang="fr-FR" sz="2000" dirty="0" err="1" smtClean="0">
                 <a:latin typeface="Arial" panose="020B0604020202020204" pitchFamily="34" charset="0"/>
                 <a:cs typeface="Arial" panose="020B0604020202020204" pitchFamily="34" charset="0"/>
               </a:rPr>
               <a:t>leverage</a:t>
             </a:r>
             <a:r>
-              <a:rPr lang="fr-FR" sz="2000" dirty="0">
+              <a:rPr lang="fr-FR" sz="2000" dirty="0" smtClean="0">
                 <a:latin typeface="Arial" panose="020B0604020202020204" pitchFamily="34" charset="0"/>
                 <a:cs typeface="Arial" panose="020B0604020202020204" pitchFamily="34" charset="0"/>
               </a:rPr>
@@ -8265,10 +8850,17 @@
   <p:clrMapOvr>
     <a:masterClrMapping/>
   </p:clrMapOvr>
+  <p:timing>
+    <p:tnLst>
+      <p:par>
+        <p:cTn id="1" dur="indefinite" restart="never" nodeType="tmRoot"/>
+      </p:par>
+    </p:tnLst>
+  </p:timing>
 </p:sld>
 </file>
 
-<file path=ppt/slides/slide38.xml><?xml version="1.0" encoding="utf-8"?>
+<file path=ppt/slides/slide39.xml><?xml version="1.0" encoding="utf-8"?>
 <p:sld xmlns:a="http://schemas.openxmlformats.org/drawingml/2006/main" xmlns:r="http://schemas.openxmlformats.org/officeDocument/2006/relationships" xmlns:p="http://schemas.openxmlformats.org/presentationml/2006/main">
   <p:cSld>
     <p:spTree>
@@ -8388,10 +8980,17 @@
   <p:clrMapOvr>
     <a:masterClrMapping/>
   </p:clrMapOvr>
+  <p:timing>
+    <p:tnLst>
+      <p:par>
+        <p:cTn id="1" dur="indefinite" restart="never" nodeType="tmRoot"/>
+      </p:par>
+    </p:tnLst>
+  </p:timing>
 </p:sld>
 </file>
 
-<file path=ppt/slides/slide39.xml><?xml version="1.0" encoding="utf-8"?>
+<file path=ppt/slides/slide4.xml><?xml version="1.0" encoding="utf-8"?>
 <p:sld xmlns:a="http://schemas.openxmlformats.org/drawingml/2006/main" xmlns:r="http://schemas.openxmlformats.org/officeDocument/2006/relationships" xmlns:p="http://schemas.openxmlformats.org/presentationml/2006/main">
   <p:cSld>
     <p:spTree>
@@ -8418,7 +9017,12 @@
             <p:ph type="title"/>
           </p:nvPr>
         </p:nvSpPr>
-        <p:spPr/>
+        <p:spPr>
+          <a:xfrm>
+            <a:off x="457200" y="274638"/>
+            <a:ext cx="8229600" cy="922114"/>
+          </a:xfrm>
+        </p:spPr>
         <p:txBody>
           <a:bodyPr>
             <a:normAutofit/>
@@ -8430,8 +9034,326 @@
                 <a:latin typeface="Arial" panose="020B0604020202020204" pitchFamily="34" charset="0"/>
                 <a:cs typeface="Arial" panose="020B0604020202020204" pitchFamily="34" charset="0"/>
               </a:rPr>
+              <a:t>Pourquoi s’intéresser à Python?</a:t>
+            </a:r>
+          </a:p>
+        </p:txBody>
+      </p:sp>
+      <p:sp>
+        <p:nvSpPr>
+          <p:cNvPr id="3" name="Espace réservé du contenu 2"/>
+          <p:cNvSpPr>
+            <a:spLocks noGrp="1"/>
+          </p:cNvSpPr>
+          <p:nvPr>
+            <p:ph idx="1"/>
+          </p:nvPr>
+        </p:nvSpPr>
+        <p:spPr>
+          <a:xfrm>
+            <a:off x="457200" y="980728"/>
+            <a:ext cx="8435280" cy="5877272"/>
+          </a:xfrm>
+        </p:spPr>
+        <p:txBody>
+          <a:bodyPr>
+            <a:normAutofit fontScale="85000" lnSpcReduction="20000"/>
+          </a:bodyPr>
+          <a:lstStyle/>
+          <a:p>
+            <a:r>
+              <a:rPr lang="fr-FR" sz="2800" b="1" dirty="0">
+                <a:latin typeface="Arial" panose="020B0604020202020204" pitchFamily="34" charset="0"/>
+                <a:cs typeface="Arial" panose="020B0604020202020204" pitchFamily="34" charset="0"/>
+              </a:rPr>
+              <a:t>Index TIOBE </a:t>
+            </a:r>
+          </a:p>
+          <a:p>
+            <a:pPr lvl="1"/>
+            <a:r>
+              <a:rPr lang="fr-FR" sz="2100" dirty="0">
+                <a:latin typeface="Arial" panose="020B0604020202020204" pitchFamily="34" charset="0"/>
+                <a:cs typeface="Arial" panose="020B0604020202020204" pitchFamily="34" charset="0"/>
+              </a:rPr>
+              <a:t>Python en 3</a:t>
+            </a:r>
+            <a:r>
+              <a:rPr lang="fr-FR" sz="2100" baseline="30000" dirty="0">
+                <a:latin typeface="Arial" panose="020B0604020202020204" pitchFamily="34" charset="0"/>
+                <a:cs typeface="Arial" panose="020B0604020202020204" pitchFamily="34" charset="0"/>
+              </a:rPr>
+              <a:t>e</a:t>
+            </a:r>
+            <a:r>
+              <a:rPr lang="fr-FR" sz="2100" dirty="0">
+                <a:latin typeface="Arial" panose="020B0604020202020204" pitchFamily="34" charset="0"/>
+                <a:cs typeface="Arial" panose="020B0604020202020204" pitchFamily="34" charset="0"/>
+              </a:rPr>
+              <a:t> place (derrière java et C)</a:t>
+            </a:r>
+          </a:p>
+          <a:p>
+            <a:pPr lvl="1"/>
+            <a:r>
+              <a:rPr lang="fr-FR" sz="2100" dirty="0">
+                <a:latin typeface="Arial" panose="020B0604020202020204" pitchFamily="34" charset="0"/>
+                <a:cs typeface="Arial" panose="020B0604020202020204" pitchFamily="34" charset="0"/>
+              </a:rPr>
+              <a:t>Python langage de l'année 2018 : </a:t>
+            </a:r>
+            <a:r>
+              <a:rPr lang="fr-FR" sz="2100" i="1" dirty="0">
+                <a:latin typeface="Arial" panose="020B0604020202020204" pitchFamily="34" charset="0"/>
+                <a:cs typeface="Arial" panose="020B0604020202020204" pitchFamily="34" charset="0"/>
+              </a:rPr>
+              <a:t>a gagné le plus de points de classement en 2018 par rapport à tous les autres langages</a:t>
+            </a:r>
+          </a:p>
+          <a:p>
+            <a:pPr lvl="1"/>
+            <a:r>
+              <a:rPr lang="fr-FR" sz="2100" dirty="0">
+                <a:latin typeface="Arial" panose="020B0604020202020204" pitchFamily="34" charset="0"/>
+                <a:cs typeface="Arial" panose="020B0604020202020204" pitchFamily="34" charset="0"/>
+              </a:rPr>
+              <a:t>« Depuis près de 20 ans, C, C ++ et Java figurent systématiquement dans le top 3, loin devant le reste du peloton. Python rejoint ces 3 langages maintenant. De nos jours, c’est le langage le plus enseigné dans les universités. Il est numéro un dans le domaine statistique, numéro un en programmation d’IA, numéro un en rédaction de scripts et numéro un en tests de système d’écriture. En outre, Python est également un chef de file de la programmation Web et de l’informatique scientifique ».</a:t>
+            </a:r>
+          </a:p>
+          <a:p>
+            <a:r>
+              <a:rPr lang="fr-FR" sz="2800" b="1" dirty="0">
+                <a:latin typeface="Arial" panose="020B0604020202020204" pitchFamily="34" charset="0"/>
+                <a:cs typeface="Arial" panose="020B0604020202020204" pitchFamily="34" charset="0"/>
+              </a:rPr>
+              <a:t>Classement Institute of </a:t>
+            </a:r>
+            <a:r>
+              <a:rPr lang="fr-FR" sz="2800" b="1" dirty="0" err="1">
+                <a:latin typeface="Arial" panose="020B0604020202020204" pitchFamily="34" charset="0"/>
+                <a:cs typeface="Arial" panose="020B0604020202020204" pitchFamily="34" charset="0"/>
+              </a:rPr>
+              <a:t>Electrical</a:t>
+            </a:r>
+            <a:r>
+              <a:rPr lang="fr-FR" sz="2800" b="1" dirty="0">
+                <a:latin typeface="Arial" panose="020B0604020202020204" pitchFamily="34" charset="0"/>
+                <a:cs typeface="Arial" panose="020B0604020202020204" pitchFamily="34" charset="0"/>
+              </a:rPr>
+              <a:t> and Electronics </a:t>
+            </a:r>
+            <a:r>
+              <a:rPr lang="fr-FR" sz="2800" b="1" dirty="0" err="1">
+                <a:latin typeface="Arial" panose="020B0604020202020204" pitchFamily="34" charset="0"/>
+                <a:cs typeface="Arial" panose="020B0604020202020204" pitchFamily="34" charset="0"/>
+              </a:rPr>
+              <a:t>Engineers</a:t>
+            </a:r>
+            <a:r>
+              <a:rPr lang="fr-FR" sz="2800" b="1" dirty="0">
+                <a:latin typeface="Arial" panose="020B0604020202020204" pitchFamily="34" charset="0"/>
+                <a:cs typeface="Arial" panose="020B0604020202020204" pitchFamily="34" charset="0"/>
+              </a:rPr>
+              <a:t>  : python 1</a:t>
+            </a:r>
+            <a:r>
+              <a:rPr lang="fr-FR" sz="2800" b="1" baseline="30000" dirty="0">
+                <a:latin typeface="Arial" panose="020B0604020202020204" pitchFamily="34" charset="0"/>
+                <a:cs typeface="Arial" panose="020B0604020202020204" pitchFamily="34" charset="0"/>
+              </a:rPr>
+              <a:t>er</a:t>
+            </a:r>
+            <a:r>
+              <a:rPr lang="fr-FR" sz="2800" b="1" dirty="0">
+                <a:latin typeface="Arial" panose="020B0604020202020204" pitchFamily="34" charset="0"/>
+                <a:cs typeface="Arial" panose="020B0604020202020204" pitchFamily="34" charset="0"/>
+              </a:rPr>
+              <a:t> (2017,2018)</a:t>
+            </a:r>
+          </a:p>
+          <a:p>
+            <a:r>
+              <a:rPr lang="fr-FR" sz="2800" b="1" dirty="0">
+                <a:latin typeface="Arial" panose="020B0604020202020204" pitchFamily="34" charset="0"/>
+                <a:cs typeface="Arial" panose="020B0604020202020204" pitchFamily="34" charset="0"/>
+              </a:rPr>
+              <a:t>Enquête </a:t>
+            </a:r>
+            <a:r>
+              <a:rPr lang="fr-FR" sz="2800" b="1" dirty="0" err="1">
+                <a:latin typeface="Arial" panose="020B0604020202020204" pitchFamily="34" charset="0"/>
+                <a:cs typeface="Arial" panose="020B0604020202020204" pitchFamily="34" charset="0"/>
+              </a:rPr>
+              <a:t>stackoverflow</a:t>
+            </a:r>
+            <a:r>
+              <a:rPr lang="fr-FR" sz="2800" b="1" dirty="0">
+                <a:latin typeface="Arial" panose="020B0604020202020204" pitchFamily="34" charset="0"/>
+                <a:cs typeface="Arial" panose="020B0604020202020204" pitchFamily="34" charset="0"/>
+              </a:rPr>
+              <a:t> 2018</a:t>
+            </a:r>
+          </a:p>
+          <a:p>
+            <a:pPr lvl="1"/>
+            <a:r>
+              <a:rPr lang="fr-FR" sz="2100" i="1" dirty="0">
+                <a:latin typeface="Arial" panose="020B0604020202020204" pitchFamily="34" charset="0"/>
+                <a:cs typeface="Arial" panose="020B0604020202020204" pitchFamily="34" charset="0"/>
+              </a:rPr>
+              <a:t>«  </a:t>
+            </a:r>
+            <a:r>
+              <a:rPr lang="en-US" sz="2100" i="1" dirty="0">
+                <a:latin typeface="Arial" panose="020B0604020202020204" pitchFamily="34" charset="0"/>
+                <a:cs typeface="Arial" panose="020B0604020202020204" pitchFamily="34" charset="0"/>
+              </a:rPr>
+              <a:t>Python is the most wanted language for the second year in a row</a:t>
+            </a:r>
+            <a:r>
+              <a:rPr lang="fr-FR" sz="2100" i="1" dirty="0">
+                <a:latin typeface="Arial" panose="020B0604020202020204" pitchFamily="34" charset="0"/>
+                <a:cs typeface="Arial" panose="020B0604020202020204" pitchFamily="34" charset="0"/>
+              </a:rPr>
+              <a:t>»</a:t>
+            </a:r>
+          </a:p>
+          <a:p>
+            <a:pPr lvl="1"/>
+            <a:r>
+              <a:rPr lang="fr-FR" sz="2100" i="1" dirty="0">
+                <a:latin typeface="Arial" panose="020B0604020202020204" pitchFamily="34" charset="0"/>
+                <a:cs typeface="Arial" panose="020B0604020202020204" pitchFamily="34" charset="0"/>
+              </a:rPr>
+              <a:t>« </a:t>
+            </a:r>
+            <a:r>
+              <a:rPr lang="en-US" sz="2100" i="1" dirty="0">
+                <a:latin typeface="Arial" panose="020B0604020202020204" pitchFamily="34" charset="0"/>
+                <a:cs typeface="Arial" panose="020B0604020202020204" pitchFamily="34" charset="0"/>
+              </a:rPr>
+              <a:t> Python has risen in the ranks, surpassing C# this year, much like it surpassed PHP last year. Python has a solid claim to being the fastest-growing major programming language.</a:t>
+            </a:r>
+            <a:r>
+              <a:rPr lang="fr-FR" sz="2100" i="1" dirty="0">
+                <a:latin typeface="Arial" panose="020B0604020202020204" pitchFamily="34" charset="0"/>
+                <a:cs typeface="Arial" panose="020B0604020202020204" pitchFamily="34" charset="0"/>
+              </a:rPr>
+              <a:t> » </a:t>
+            </a:r>
+            <a:r>
+              <a:rPr lang="fr-FR" sz="2100" dirty="0">
+                <a:latin typeface="Arial" panose="020B0604020202020204" pitchFamily="34" charset="0"/>
+                <a:cs typeface="Arial" panose="020B0604020202020204" pitchFamily="34" charset="0"/>
+              </a:rPr>
+              <a:t>Python est 2</a:t>
+            </a:r>
+            <a:r>
+              <a:rPr lang="fr-FR" sz="2100" baseline="30000" dirty="0">
+                <a:latin typeface="Arial" panose="020B0604020202020204" pitchFamily="34" charset="0"/>
+                <a:cs typeface="Arial" panose="020B0604020202020204" pitchFamily="34" charset="0"/>
+              </a:rPr>
+              <a:t>e</a:t>
+            </a:r>
+            <a:r>
+              <a:rPr lang="fr-FR" sz="2100" dirty="0">
+                <a:latin typeface="Arial" panose="020B0604020202020204" pitchFamily="34" charset="0"/>
+                <a:cs typeface="Arial" panose="020B0604020202020204" pitchFamily="34" charset="0"/>
+              </a:rPr>
+              <a:t> derrière Java</a:t>
+            </a:r>
+            <a:endParaRPr lang="fr-FR" sz="2800" b="1" dirty="0">
+              <a:latin typeface="Arial" panose="020B0604020202020204" pitchFamily="34" charset="0"/>
+              <a:cs typeface="Arial" panose="020B0604020202020204" pitchFamily="34" charset="0"/>
+            </a:endParaRPr>
+          </a:p>
+          <a:p>
+            <a:r>
+              <a:rPr lang="fr-FR" sz="2800" b="1" dirty="0">
+                <a:latin typeface="Arial" panose="020B0604020202020204" pitchFamily="34" charset="0"/>
+                <a:cs typeface="Arial" panose="020B0604020202020204" pitchFamily="34" charset="0"/>
+              </a:rPr>
+              <a:t>Documents de l’éducation nationale pour préparer la réforme du bac </a:t>
+            </a:r>
+            <a:r>
+              <a:rPr lang="fr-FR" sz="2300" b="1" i="1" dirty="0">
+                <a:latin typeface="Arial" panose="020B0604020202020204" pitchFamily="34" charset="0"/>
+                <a:cs typeface="Arial" panose="020B0604020202020204" pitchFamily="34" charset="0"/>
+              </a:rPr>
+              <a:t>« </a:t>
+            </a:r>
+            <a:r>
+              <a:rPr lang="fr-FR" sz="2300" i="1" dirty="0">
+                <a:latin typeface="Arial" panose="020B0604020202020204" pitchFamily="34" charset="0"/>
+                <a:cs typeface="Arial" panose="020B0604020202020204" pitchFamily="34" charset="0"/>
+              </a:rPr>
+              <a:t>Au moment de la conception de ce programme, le langage choisi est Python version 3  »</a:t>
+            </a:r>
+            <a:endParaRPr lang="fr-FR" sz="2300" b="1" i="1" dirty="0">
+              <a:latin typeface="Arial" panose="020B0604020202020204" pitchFamily="34" charset="0"/>
+              <a:cs typeface="Arial" panose="020B0604020202020204" pitchFamily="34" charset="0"/>
+            </a:endParaRPr>
+          </a:p>
+        </p:txBody>
+      </p:sp>
+    </p:spTree>
+    <p:extLst>
+      <p:ext uri="{BB962C8B-B14F-4D97-AF65-F5344CB8AC3E}">
+        <p14:creationId xmlns:p14="http://schemas.microsoft.com/office/powerpoint/2010/main" val="1973488989"/>
+      </p:ext>
+    </p:extLst>
+  </p:cSld>
+  <p:clrMapOvr>
+    <a:masterClrMapping/>
+  </p:clrMapOvr>
+</p:sld>
+</file>
+
+<file path=ppt/slides/slide40.xml><?xml version="1.0" encoding="utf-8"?>
+<p:sld xmlns:a="http://schemas.openxmlformats.org/drawingml/2006/main" xmlns:r="http://schemas.openxmlformats.org/officeDocument/2006/relationships" xmlns:p="http://schemas.openxmlformats.org/presentationml/2006/main">
+  <p:cSld>
+    <p:spTree>
+      <p:nvGrpSpPr>
+        <p:cNvPr id="1" name=""/>
+        <p:cNvGrpSpPr/>
+        <p:nvPr/>
+      </p:nvGrpSpPr>
+      <p:grpSpPr>
+        <a:xfrm>
+          <a:off x="0" y="0"/>
+          <a:ext cx="0" cy="0"/>
+          <a:chOff x="0" y="0"/>
+          <a:chExt cx="0" cy="0"/>
+        </a:xfrm>
+      </p:grpSpPr>
+      <p:sp>
+        <p:nvSpPr>
+          <p:cNvPr id="2" name="Titre 1"/>
+          <p:cNvSpPr>
+            <a:spLocks noGrp="1"/>
+          </p:cNvSpPr>
+          <p:nvPr>
+            <p:ph type="title"/>
+          </p:nvPr>
+        </p:nvSpPr>
+        <p:spPr/>
+        <p:txBody>
+          <a:bodyPr>
+            <a:normAutofit/>
+          </a:bodyPr>
+          <a:lstStyle/>
+          <a:p>
+            <a:r>
+              <a:rPr lang="fr-FR" sz="3200" b="1" dirty="0" smtClean="0">
+                <a:latin typeface="Arial" panose="020B0604020202020204" pitchFamily="34" charset="0"/>
+                <a:cs typeface="Arial" panose="020B0604020202020204" pitchFamily="34" charset="0"/>
+              </a:rPr>
               <a:t>Quelques exemples de modèles</a:t>
             </a:r>
+            <a:endParaRPr lang="fr-FR" sz="3200" b="1" dirty="0">
+              <a:latin typeface="Arial" panose="020B0604020202020204" pitchFamily="34" charset="0"/>
+              <a:cs typeface="Arial" panose="020B0604020202020204" pitchFamily="34" charset="0"/>
+            </a:endParaRPr>
           </a:p>
         </p:txBody>
       </p:sp>
@@ -8505,183 +9427,13 @@
   <p:clrMapOvr>
     <a:masterClrMapping/>
   </p:clrMapOvr>
-</p:sld>
-</file>
-
-<file path=ppt/slides/slide4.xml><?xml version="1.0" encoding="utf-8"?>
-<p:sld xmlns:a="http://schemas.openxmlformats.org/drawingml/2006/main" xmlns:r="http://schemas.openxmlformats.org/officeDocument/2006/relationships" xmlns:p="http://schemas.openxmlformats.org/presentationml/2006/main">
-  <p:cSld>
-    <p:spTree>
-      <p:nvGrpSpPr>
-        <p:cNvPr id="1" name=""/>
-        <p:cNvGrpSpPr/>
-        <p:nvPr/>
-      </p:nvGrpSpPr>
-      <p:grpSpPr>
-        <a:xfrm>
-          <a:off x="0" y="0"/>
-          <a:ext cx="0" cy="0"/>
-          <a:chOff x="0" y="0"/>
-          <a:chExt cx="0" cy="0"/>
-        </a:xfrm>
-      </p:grpSpPr>
-      <p:sp>
-        <p:nvSpPr>
-          <p:cNvPr id="2" name="Titre 1"/>
-          <p:cNvSpPr>
-            <a:spLocks noGrp="1"/>
-          </p:cNvSpPr>
-          <p:nvPr>
-            <p:ph type="title"/>
-          </p:nvPr>
-        </p:nvSpPr>
-        <p:spPr/>
-        <p:txBody>
-          <a:bodyPr>
-            <a:normAutofit/>
-          </a:bodyPr>
-          <a:lstStyle/>
-          <a:p>
-            <a:r>
-              <a:rPr lang="en-US" sz="3200" b="1" dirty="0">
-                <a:latin typeface="Arial" panose="020B0604020202020204" pitchFamily="34" charset="0"/>
-                <a:cs typeface="Arial" panose="020B0604020202020204" pitchFamily="34" charset="0"/>
-              </a:rPr>
-              <a:t>Data Science Job Report 2017</a:t>
-            </a:r>
-            <a:endParaRPr lang="fr-FR" sz="3200" dirty="0">
-              <a:latin typeface="Arial" panose="020B0604020202020204" pitchFamily="34" charset="0"/>
-              <a:cs typeface="Arial" panose="020B0604020202020204" pitchFamily="34" charset="0"/>
-            </a:endParaRPr>
-          </a:p>
-        </p:txBody>
-      </p:sp>
-      <p:pic>
-        <p:nvPicPr>
-          <p:cNvPr id="4" name="Espace réservé du contenu 3"/>
-          <p:cNvPicPr>
-            <a:picLocks noGrp="1" noChangeAspect="1"/>
-          </p:cNvPicPr>
-          <p:nvPr>
-            <p:ph idx="1"/>
-          </p:nvPr>
-        </p:nvPicPr>
-        <p:blipFill>
-          <a:blip r:embed="rId2">
-            <a:extLst>
-              <a:ext uri="{28A0092B-C50C-407E-A947-70E740481C1C}">
-                <a14:useLocalDpi xmlns:a14="http://schemas.microsoft.com/office/drawing/2010/main" val="0"/>
-              </a:ext>
-            </a:extLst>
-          </a:blip>
-          <a:stretch>
-            <a:fillRect/>
-          </a:stretch>
-        </p:blipFill>
-        <p:spPr>
-          <a:xfrm>
-            <a:off x="1979712" y="1556792"/>
-            <a:ext cx="4939502" cy="4525963"/>
-          </a:xfrm>
-        </p:spPr>
-      </p:pic>
-    </p:spTree>
-    <p:extLst>
-      <p:ext uri="{BB962C8B-B14F-4D97-AF65-F5344CB8AC3E}">
-        <p14:creationId xmlns:p14="http://schemas.microsoft.com/office/powerpoint/2010/main" val="3180056025"/>
-      </p:ext>
-    </p:extLst>
-  </p:cSld>
-  <p:clrMapOvr>
-    <a:masterClrMapping/>
-  </p:clrMapOvr>
-</p:sld>
-</file>
-
-<file path=ppt/slides/slide40.xml><?xml version="1.0" encoding="utf-8"?>
-<p:sld xmlns:a="http://schemas.openxmlformats.org/drawingml/2006/main" xmlns:r="http://schemas.openxmlformats.org/officeDocument/2006/relationships" xmlns:p="http://schemas.openxmlformats.org/presentationml/2006/main">
-  <p:cSld>
-    <p:spTree>
-      <p:nvGrpSpPr>
-        <p:cNvPr id="1" name=""/>
-        <p:cNvGrpSpPr/>
-        <p:nvPr/>
-      </p:nvGrpSpPr>
-      <p:grpSpPr>
-        <a:xfrm>
-          <a:off x="0" y="0"/>
-          <a:ext cx="0" cy="0"/>
-          <a:chOff x="0" y="0"/>
-          <a:chExt cx="0" cy="0"/>
-        </a:xfrm>
-      </p:grpSpPr>
-      <p:sp>
-        <p:nvSpPr>
-          <p:cNvPr id="2" name="Titre 1"/>
-          <p:cNvSpPr>
-            <a:spLocks noGrp="1"/>
-          </p:cNvSpPr>
-          <p:nvPr>
-            <p:ph type="title"/>
-          </p:nvPr>
-        </p:nvSpPr>
-        <p:spPr/>
-        <p:txBody>
-          <a:bodyPr>
-            <a:normAutofit/>
-          </a:bodyPr>
-          <a:lstStyle/>
-          <a:p>
-            <a:r>
-              <a:rPr lang="fr-FR" sz="3200" b="1" dirty="0">
-                <a:latin typeface="Arial" panose="020B0604020202020204" pitchFamily="34" charset="0"/>
-                <a:cs typeface="Arial" panose="020B0604020202020204" pitchFamily="34" charset="0"/>
-              </a:rPr>
-              <a:t>Régression logistique avec </a:t>
-            </a:r>
-            <a:r>
-              <a:rPr lang="fr-FR" sz="3200" b="1" dirty="0" err="1">
-                <a:latin typeface="Arial" panose="020B0604020202020204" pitchFamily="34" charset="0"/>
-                <a:cs typeface="Arial" panose="020B0604020202020204" pitchFamily="34" charset="0"/>
-              </a:rPr>
-              <a:t>statsModèles</a:t>
-            </a:r>
-            <a:endParaRPr lang="fr-FR" sz="3200" b="1" dirty="0">
-              <a:latin typeface="Arial" panose="020B0604020202020204" pitchFamily="34" charset="0"/>
-              <a:cs typeface="Arial" panose="020B0604020202020204" pitchFamily="34" charset="0"/>
-            </a:endParaRPr>
-          </a:p>
-        </p:txBody>
-      </p:sp>
-      <p:sp>
-        <p:nvSpPr>
-          <p:cNvPr id="3" name="Espace réservé du contenu 2"/>
-          <p:cNvSpPr>
-            <a:spLocks noGrp="1"/>
-          </p:cNvSpPr>
-          <p:nvPr>
-            <p:ph idx="1"/>
-          </p:nvPr>
-        </p:nvSpPr>
-        <p:spPr/>
-        <p:txBody>
-          <a:bodyPr/>
-          <a:lstStyle/>
-          <a:p>
-            <a:endParaRPr lang="fr-FR" dirty="0"/>
-          </a:p>
-        </p:txBody>
-      </p:sp>
-    </p:spTree>
-    <p:extLst>
-      <p:ext uri="{BB962C8B-B14F-4D97-AF65-F5344CB8AC3E}">
-        <p14:creationId xmlns:p14="http://schemas.microsoft.com/office/powerpoint/2010/main" val="1837559985"/>
-      </p:ext>
-    </p:extLst>
-  </p:cSld>
-  <p:clrMapOvr>
-    <a:masterClrMapping/>
-  </p:clrMapOvr>
+  <p:timing>
+    <p:tnLst>
+      <p:par>
+        <p:cTn id="1" dur="indefinite" restart="never" nodeType="tmRoot"/>
+      </p:par>
+    </p:tnLst>
+  </p:timing>
 </p:sld>
 </file>
 
@@ -8704,61 +9456,168 @@
       </p:grpSpPr>
       <p:sp>
         <p:nvSpPr>
-          <p:cNvPr id="4" name="Titre 3"/>
-          <p:cNvSpPr>
-            <a:spLocks noGrp="1"/>
-          </p:cNvSpPr>
-          <p:nvPr>
-            <p:ph type="ctrTitle"/>
+          <p:cNvPr id="2" name="Titre 1"/>
+          <p:cNvSpPr>
+            <a:spLocks noGrp="1"/>
+          </p:cNvSpPr>
+          <p:nvPr>
+            <p:ph type="title"/>
           </p:nvPr>
         </p:nvSpPr>
         <p:spPr/>
         <p:txBody>
           <a:bodyPr>
-            <a:normAutofit fontScale="90000"/>
+            <a:normAutofit/>
           </a:bodyPr>
           <a:lstStyle/>
           <a:p>
             <a:r>
-              <a:rPr lang="fr-FR" b="1" dirty="0">
-                <a:solidFill>
-                  <a:srgbClr val="7030A0"/>
-                </a:solidFill>
-                <a:latin typeface="Arial" panose="020B0604020202020204" pitchFamily="34" charset="0"/>
-                <a:cs typeface="Arial" panose="020B0604020202020204" pitchFamily="34" charset="0"/>
-              </a:rPr>
-              <a:t>Partie 6 : exemples autres méthodes de machine </a:t>
-            </a:r>
-            <a:r>
-              <a:rPr lang="fr-FR" b="1" dirty="0" err="1">
-                <a:solidFill>
-                  <a:srgbClr val="7030A0"/>
-                </a:solidFill>
-                <a:latin typeface="Arial" panose="020B0604020202020204" pitchFamily="34" charset="0"/>
-                <a:cs typeface="Arial" panose="020B0604020202020204" pitchFamily="34" charset="0"/>
-              </a:rPr>
-              <a:t>learning</a:t>
-            </a:r>
-            <a:endParaRPr lang="fr-FR" b="1" dirty="0">
-              <a:solidFill>
-                <a:srgbClr val="7030A0"/>
-              </a:solidFill>
+              <a:rPr lang="fr-FR" sz="3200" b="1" dirty="0" smtClean="0">
+                <a:latin typeface="Arial" panose="020B0604020202020204" pitchFamily="34" charset="0"/>
+                <a:cs typeface="Arial" panose="020B0604020202020204" pitchFamily="34" charset="0"/>
+              </a:rPr>
+              <a:t>La librairie </a:t>
+            </a:r>
+            <a:r>
+              <a:rPr lang="fr-FR" sz="3200" b="1" dirty="0" smtClean="0">
+                <a:latin typeface="Arial" panose="020B0604020202020204" pitchFamily="34" charset="0"/>
+                <a:cs typeface="Arial" panose="020B0604020202020204" pitchFamily="34" charset="0"/>
+                <a:hlinkClick r:id="rId2"/>
+              </a:rPr>
+              <a:t>statsModels </a:t>
+            </a:r>
+            <a:r>
+              <a:rPr lang="fr-FR" sz="3200" b="1" dirty="0" smtClean="0">
+                <a:latin typeface="Arial" panose="020B0604020202020204" pitchFamily="34" charset="0"/>
+                <a:cs typeface="Arial" panose="020B0604020202020204" pitchFamily="34" charset="0"/>
+              </a:rPr>
+              <a:t>comporte pleins d’autres fonctionnalités</a:t>
+            </a:r>
+            <a:endParaRPr lang="fr-FR" sz="3200" b="1" dirty="0">
               <a:latin typeface="Arial" panose="020B0604020202020204" pitchFamily="34" charset="0"/>
               <a:cs typeface="Arial" panose="020B0604020202020204" pitchFamily="34" charset="0"/>
             </a:endParaRPr>
           </a:p>
         </p:txBody>
       </p:sp>
+      <p:sp>
+        <p:nvSpPr>
+          <p:cNvPr id="3" name="Espace réservé du contenu 2"/>
+          <p:cNvSpPr>
+            <a:spLocks noGrp="1"/>
+          </p:cNvSpPr>
+          <p:nvPr>
+            <p:ph idx="1"/>
+          </p:nvPr>
+        </p:nvSpPr>
+        <p:spPr/>
+        <p:txBody>
+          <a:bodyPr/>
+          <a:lstStyle/>
+          <a:p>
+            <a:r>
+              <a:rPr lang="fr-FR" dirty="0" smtClean="0">
+                <a:latin typeface="Arial" panose="020B0604020202020204" pitchFamily="34" charset="0"/>
+                <a:cs typeface="Arial" panose="020B0604020202020204" pitchFamily="34" charset="0"/>
+                <a:hlinkClick r:id="rId3"/>
+              </a:rPr>
+              <a:t>ANOVA</a:t>
+            </a:r>
+            <a:endParaRPr lang="fr-FR" dirty="0" smtClean="0">
+              <a:latin typeface="Arial" panose="020B0604020202020204" pitchFamily="34" charset="0"/>
+              <a:cs typeface="Arial" panose="020B0604020202020204" pitchFamily="34" charset="0"/>
+            </a:endParaRPr>
+          </a:p>
+          <a:p>
+            <a:r>
+              <a:rPr lang="fr-FR" dirty="0" smtClean="0">
+                <a:latin typeface="Arial" panose="020B0604020202020204" pitchFamily="34" charset="0"/>
+                <a:cs typeface="Arial" panose="020B0604020202020204" pitchFamily="34" charset="0"/>
+                <a:hlinkClick r:id="rId4"/>
+              </a:rPr>
+              <a:t>Modèles de durée</a:t>
+            </a:r>
+            <a:endParaRPr lang="fr-FR" dirty="0" smtClean="0">
+              <a:latin typeface="Arial" panose="020B0604020202020204" pitchFamily="34" charset="0"/>
+              <a:cs typeface="Arial" panose="020B0604020202020204" pitchFamily="34" charset="0"/>
+            </a:endParaRPr>
+          </a:p>
+          <a:p>
+            <a:r>
+              <a:rPr lang="fr-FR" dirty="0" smtClean="0">
+                <a:latin typeface="Arial" panose="020B0604020202020204" pitchFamily="34" charset="0"/>
+                <a:cs typeface="Arial" panose="020B0604020202020204" pitchFamily="34" charset="0"/>
+                <a:hlinkClick r:id="rId5"/>
+              </a:rPr>
+              <a:t>Analyse de séries temporelles</a:t>
+            </a:r>
+            <a:endParaRPr lang="fr-FR" dirty="0" smtClean="0">
+              <a:latin typeface="Arial" panose="020B0604020202020204" pitchFamily="34" charset="0"/>
+              <a:cs typeface="Arial" panose="020B0604020202020204" pitchFamily="34" charset="0"/>
+            </a:endParaRPr>
+          </a:p>
+          <a:p>
+            <a:r>
+              <a:rPr lang="fr-FR" dirty="0" smtClean="0">
+                <a:latin typeface="Arial" panose="020B0604020202020204" pitchFamily="34" charset="0"/>
+                <a:cs typeface="Arial" panose="020B0604020202020204" pitchFamily="34" charset="0"/>
+                <a:hlinkClick r:id="rId6"/>
+              </a:rPr>
+              <a:t>Imputation de valeurs manquantes : </a:t>
+            </a:r>
+            <a:r>
+              <a:rPr lang="en-US" dirty="0">
+                <a:hlinkClick r:id="rId6"/>
+              </a:rPr>
+              <a:t>Multiple Imputation with Chained </a:t>
+            </a:r>
+            <a:r>
+              <a:rPr lang="en-US" dirty="0" smtClean="0">
+                <a:hlinkClick r:id="rId6"/>
+              </a:rPr>
+              <a:t>Equations (MICE)¶</a:t>
+            </a:r>
+            <a:endParaRPr lang="en-US" dirty="0" smtClean="0"/>
+          </a:p>
+          <a:p>
+            <a:r>
+              <a:rPr lang="en-US" dirty="0" smtClean="0"/>
+              <a:t>Tests statistiques</a:t>
+            </a:r>
+            <a:endParaRPr lang="en-US" dirty="0"/>
+          </a:p>
+          <a:p>
+            <a:r>
+              <a:rPr lang="fr-FR" dirty="0" smtClean="0">
+                <a:latin typeface="Arial" panose="020B0604020202020204" pitchFamily="34" charset="0"/>
+                <a:cs typeface="Arial" panose="020B0604020202020204" pitchFamily="34" charset="0"/>
+              </a:rPr>
+              <a:t>etc…</a:t>
+            </a:r>
+            <a:endParaRPr lang="fr-FR" dirty="0">
+              <a:latin typeface="Arial" panose="020B0604020202020204" pitchFamily="34" charset="0"/>
+              <a:cs typeface="Arial" panose="020B0604020202020204" pitchFamily="34" charset="0"/>
+            </a:endParaRPr>
+          </a:p>
+        </p:txBody>
+      </p:sp>
     </p:spTree>
     <p:extLst>
       <p:ext uri="{BB962C8B-B14F-4D97-AF65-F5344CB8AC3E}">
-        <p14:creationId xmlns:p14="http://schemas.microsoft.com/office/powerpoint/2010/main" val="242445764"/>
+        <p14:creationId xmlns:p14="http://schemas.microsoft.com/office/powerpoint/2010/main" val="1837559985"/>
       </p:ext>
     </p:extLst>
   </p:cSld>
   <p:clrMapOvr>
     <a:masterClrMapping/>
   </p:clrMapOvr>
+  <p:timing>
+    <p:tnLst>
+      <p:par>
+        <p:cTn id="1" dur="indefinite" restart="never" nodeType="tmRoot"/>
+      </p:par>
+    </p:tnLst>
+  </p:timing>
 </p:sld>
 </file>
 
@@ -8781,15 +9640,20 @@
       </p:grpSpPr>
       <p:sp>
         <p:nvSpPr>
-          <p:cNvPr id="2" name="Titre 1"/>
-          <p:cNvSpPr>
-            <a:spLocks noGrp="1"/>
-          </p:cNvSpPr>
-          <p:nvPr>
-            <p:ph type="title"/>
-          </p:nvPr>
-        </p:nvSpPr>
-        <p:spPr/>
+          <p:cNvPr id="4" name="Titre 3"/>
+          <p:cNvSpPr>
+            <a:spLocks noGrp="1"/>
+          </p:cNvSpPr>
+          <p:nvPr>
+            <p:ph type="ctrTitle"/>
+          </p:nvPr>
+        </p:nvSpPr>
+        <p:spPr>
+          <a:xfrm>
+            <a:off x="685800" y="2130425"/>
+            <a:ext cx="7772400" cy="2018655"/>
+          </a:xfrm>
+        </p:spPr>
         <p:txBody>
           <a:bodyPr>
             <a:normAutofit/>
@@ -8798,11 +9662,159 @@
           <a:p>
             <a:r>
               <a:rPr lang="fr-FR" sz="3200" b="1" dirty="0">
+                <a:solidFill>
+                  <a:srgbClr val="7030A0"/>
+                </a:solidFill>
+                <a:latin typeface="Arial" panose="020B0604020202020204" pitchFamily="34" charset="0"/>
+                <a:cs typeface="Arial" panose="020B0604020202020204" pitchFamily="34" charset="0"/>
+              </a:rPr>
+              <a:t>Partie </a:t>
+            </a:r>
+            <a:r>
+              <a:rPr lang="fr-FR" sz="3200" b="1" dirty="0" smtClean="0">
+                <a:solidFill>
+                  <a:srgbClr val="7030A0"/>
+                </a:solidFill>
+                <a:latin typeface="Arial" panose="020B0604020202020204" pitchFamily="34" charset="0"/>
+                <a:cs typeface="Arial" panose="020B0604020202020204" pitchFamily="34" charset="0"/>
+              </a:rPr>
+              <a:t>7 </a:t>
+            </a:r>
+            <a:r>
+              <a:rPr lang="fr-FR" sz="3200" b="1" dirty="0">
+                <a:solidFill>
+                  <a:srgbClr val="7030A0"/>
+                </a:solidFill>
+                <a:latin typeface="Arial" panose="020B0604020202020204" pitchFamily="34" charset="0"/>
+                <a:cs typeface="Arial" panose="020B0604020202020204" pitchFamily="34" charset="0"/>
+              </a:rPr>
+              <a:t>: </a:t>
+            </a:r>
+            <a:r>
+              <a:rPr lang="fr-FR" sz="3200" b="1" dirty="0" smtClean="0">
+                <a:solidFill>
+                  <a:srgbClr val="7030A0"/>
+                </a:solidFill>
+                <a:latin typeface="Arial" panose="020B0604020202020204" pitchFamily="34" charset="0"/>
+                <a:cs typeface="Arial" panose="020B0604020202020204" pitchFamily="34" charset="0"/>
+              </a:rPr>
+              <a:t>exemples autres méthodes de machine </a:t>
+            </a:r>
+            <a:r>
+              <a:rPr lang="fr-FR" sz="3200" b="1" dirty="0" smtClean="0">
+                <a:solidFill>
+                  <a:srgbClr val="7030A0"/>
+                </a:solidFill>
+                <a:latin typeface="Arial" panose="020B0604020202020204" pitchFamily="34" charset="0"/>
+                <a:cs typeface="Arial" panose="020B0604020202020204" pitchFamily="34" charset="0"/>
+              </a:rPr>
+              <a:t>learning avec scikit-learn</a:t>
+            </a:r>
+            <a:endParaRPr lang="fr-FR" sz="3200" b="1" dirty="0">
+              <a:solidFill>
+                <a:srgbClr val="7030A0"/>
+              </a:solidFill>
+              <a:latin typeface="Arial" panose="020B0604020202020204" pitchFamily="34" charset="0"/>
+              <a:cs typeface="Arial" panose="020B0604020202020204" pitchFamily="34" charset="0"/>
+            </a:endParaRPr>
+          </a:p>
+        </p:txBody>
+      </p:sp>
+      <p:pic>
+        <p:nvPicPr>
+          <p:cNvPr id="2" name="Image 1"/>
+          <p:cNvPicPr>
+            <a:picLocks noChangeAspect="1"/>
+          </p:cNvPicPr>
+          <p:nvPr/>
+        </p:nvPicPr>
+        <p:blipFill>
+          <a:blip r:embed="rId2">
+            <a:extLst>
+              <a:ext uri="{28A0092B-C50C-407E-A947-70E740481C1C}">
+                <a14:useLocalDpi xmlns:a14="http://schemas.microsoft.com/office/drawing/2010/main" val="0"/>
+              </a:ext>
+            </a:extLst>
+          </a:blip>
+          <a:stretch>
+            <a:fillRect/>
+          </a:stretch>
+        </p:blipFill>
+        <p:spPr>
+          <a:xfrm>
+            <a:off x="1331640" y="4308626"/>
+            <a:ext cx="1625741" cy="589331"/>
+          </a:xfrm>
+          <a:prstGeom prst="rect">
+            <a:avLst/>
+          </a:prstGeom>
+        </p:spPr>
+      </p:pic>
+    </p:spTree>
+    <p:extLst>
+      <p:ext uri="{BB962C8B-B14F-4D97-AF65-F5344CB8AC3E}">
+        <p14:creationId xmlns:p14="http://schemas.microsoft.com/office/powerpoint/2010/main" val="242445764"/>
+      </p:ext>
+    </p:extLst>
+  </p:cSld>
+  <p:clrMapOvr>
+    <a:masterClrMapping/>
+  </p:clrMapOvr>
+  <p:timing>
+    <p:tnLst>
+      <p:par>
+        <p:cTn id="1" dur="indefinite" restart="never" nodeType="tmRoot"/>
+      </p:par>
+    </p:tnLst>
+  </p:timing>
+</p:sld>
+</file>
+
+<file path=ppt/slides/slide43.xml><?xml version="1.0" encoding="utf-8"?>
+<p:sld xmlns:a="http://schemas.openxmlformats.org/drawingml/2006/main" xmlns:r="http://schemas.openxmlformats.org/officeDocument/2006/relationships" xmlns:p="http://schemas.openxmlformats.org/presentationml/2006/main">
+  <p:cSld>
+    <p:spTree>
+      <p:nvGrpSpPr>
+        <p:cNvPr id="1" name=""/>
+        <p:cNvGrpSpPr/>
+        <p:nvPr/>
+      </p:nvGrpSpPr>
+      <p:grpSpPr>
+        <a:xfrm>
+          <a:off x="0" y="0"/>
+          <a:ext cx="0" cy="0"/>
+          <a:chOff x="0" y="0"/>
+          <a:chExt cx="0" cy="0"/>
+        </a:xfrm>
+      </p:grpSpPr>
+      <p:sp>
+        <p:nvSpPr>
+          <p:cNvPr id="2" name="Titre 1"/>
+          <p:cNvSpPr>
+            <a:spLocks noGrp="1"/>
+          </p:cNvSpPr>
+          <p:nvPr>
+            <p:ph type="title"/>
+          </p:nvPr>
+        </p:nvSpPr>
+        <p:spPr/>
+        <p:txBody>
+          <a:bodyPr>
+            <a:normAutofit/>
+          </a:bodyPr>
+          <a:lstStyle/>
+          <a:p>
+            <a:r>
+              <a:rPr lang="fr-FR" sz="3200" b="1" dirty="0" smtClean="0">
                 <a:latin typeface="Arial" panose="020B0604020202020204" pitchFamily="34" charset="0"/>
                 <a:cs typeface="Arial" panose="020B0604020202020204" pitchFamily="34" charset="0"/>
               </a:rPr>
               <a:t>Familles de méthodes</a:t>
             </a:r>
+            <a:endParaRPr lang="fr-FR" sz="3200" b="1" dirty="0">
+              <a:latin typeface="Arial" panose="020B0604020202020204" pitchFamily="34" charset="0"/>
+              <a:cs typeface="Arial" panose="020B0604020202020204" pitchFamily="34" charset="0"/>
+            </a:endParaRPr>
           </a:p>
         </p:txBody>
       </p:sp>
@@ -8846,10 +9858,17 @@
   <p:clrMapOvr>
     <a:masterClrMapping/>
   </p:clrMapOvr>
+  <p:timing>
+    <p:tnLst>
+      <p:par>
+        <p:cTn id="1" dur="indefinite" restart="never" nodeType="tmRoot"/>
+      </p:par>
+    </p:tnLst>
+  </p:timing>
 </p:sld>
 </file>
 
-<file path=ppt/slides/slide43.xml><?xml version="1.0" encoding="utf-8"?>
+<file path=ppt/slides/slide44.xml><?xml version="1.0" encoding="utf-8"?>
 <p:sld xmlns:a="http://schemas.openxmlformats.org/drawingml/2006/main" xmlns:r="http://schemas.openxmlformats.org/officeDocument/2006/relationships" xmlns:p="http://schemas.openxmlformats.org/presentationml/2006/main">
   <p:cSld>
     <p:spTree>
@@ -8884,12 +9903,16 @@
           <a:lstStyle/>
           <a:p>
             <a:r>
-              <a:rPr lang="fr-FR" sz="3200" b="1" dirty="0">
+              <a:rPr lang="fr-FR" sz="3200" b="1" dirty="0" smtClean="0">
                 <a:latin typeface="Arial" panose="020B0604020202020204" pitchFamily="34" charset="0"/>
                 <a:cs typeface="Arial" panose="020B0604020202020204" pitchFamily="34" charset="0"/>
               </a:rPr>
               <a:t>SVM</a:t>
             </a:r>
+            <a:endParaRPr lang="fr-FR" sz="3200" b="1" dirty="0">
+              <a:latin typeface="Arial" panose="020B0604020202020204" pitchFamily="34" charset="0"/>
+              <a:cs typeface="Arial" panose="020B0604020202020204" pitchFamily="34" charset="0"/>
+            </a:endParaRPr>
           </a:p>
         </p:txBody>
       </p:sp>
@@ -8935,10 +9958,17 @@
   <p:clrMapOvr>
     <a:masterClrMapping/>
   </p:clrMapOvr>
+  <p:timing>
+    <p:tnLst>
+      <p:par>
+        <p:cTn id="1" dur="indefinite" restart="never" nodeType="tmRoot"/>
+      </p:par>
+    </p:tnLst>
+  </p:timing>
 </p:sld>
 </file>
 
-<file path=ppt/slides/slide44.xml><?xml version="1.0" encoding="utf-8"?>
+<file path=ppt/slides/slide45.xml><?xml version="1.0" encoding="utf-8"?>
 <p:sld xmlns:a="http://schemas.openxmlformats.org/drawingml/2006/main" xmlns:r="http://schemas.openxmlformats.org/officeDocument/2006/relationships" xmlns:p="http://schemas.openxmlformats.org/presentationml/2006/main">
   <p:cSld>
     <p:spTree>
@@ -8973,7 +10003,7 @@
           <a:lstStyle/>
           <a:p>
             <a:r>
-              <a:rPr lang="fr-FR" sz="3200" b="1" dirty="0">
+              <a:rPr lang="fr-FR" sz="3200" b="1" dirty="0" smtClean="0">
                 <a:latin typeface="Arial" panose="020B0604020202020204" pitchFamily="34" charset="0"/>
                 <a:cs typeface="Arial" panose="020B0604020202020204" pitchFamily="34" charset="0"/>
               </a:rPr>
@@ -9025,10 +10055,17 @@
   <p:clrMapOvr>
     <a:masterClrMapping/>
   </p:clrMapOvr>
+  <p:timing>
+    <p:tnLst>
+      <p:par>
+        <p:cTn id="1" dur="indefinite" restart="never" nodeType="tmRoot"/>
+      </p:par>
+    </p:tnLst>
+  </p:timing>
 </p:sld>
 </file>
 
-<file path=ppt/slides/slide45.xml><?xml version="1.0" encoding="utf-8"?>
+<file path=ppt/slides/slide46.xml><?xml version="1.0" encoding="utf-8"?>
 <p:sld xmlns:a="http://schemas.openxmlformats.org/drawingml/2006/main" xmlns:r="http://schemas.openxmlformats.org/officeDocument/2006/relationships" xmlns:p="http://schemas.openxmlformats.org/presentationml/2006/main">
   <p:cSld>
     <p:spTree>
@@ -9068,12 +10105,16 @@
           <a:lstStyle/>
           <a:p>
             <a:r>
-              <a:rPr lang="fr-FR" sz="3200" b="1" dirty="0">
+              <a:rPr lang="fr-FR" sz="3200" b="1" dirty="0" smtClean="0">
                 <a:latin typeface="Arial" panose="020B0604020202020204" pitchFamily="34" charset="0"/>
                 <a:cs typeface="Arial" panose="020B0604020202020204" pitchFamily="34" charset="0"/>
               </a:rPr>
               <a:t>SVM</a:t>
             </a:r>
+            <a:endParaRPr lang="fr-FR" sz="3200" b="1" dirty="0">
+              <a:latin typeface="Arial" panose="020B0604020202020204" pitchFamily="34" charset="0"/>
+              <a:cs typeface="Arial" panose="020B0604020202020204" pitchFamily="34" charset="0"/>
+            </a:endParaRPr>
           </a:p>
         </p:txBody>
       </p:sp>
@@ -9119,8 +10160,26 @@
                 <a:latin typeface="Arial" panose="020B0604020202020204" pitchFamily="34" charset="0"/>
                 <a:cs typeface="Arial" panose="020B0604020202020204" pitchFamily="34" charset="0"/>
               </a:rPr>
-              <a:t> cross validation » : découpe aléatoirement l’échantillon de test en k parties </a:t>
-            </a:r>
+              <a:t> cross validation » </a:t>
+            </a:r>
+            <a:r>
+              <a:rPr lang="fr-FR" dirty="0" smtClean="0">
+                <a:latin typeface="Arial" panose="020B0604020202020204" pitchFamily="34" charset="0"/>
+                <a:cs typeface="Arial" panose="020B0604020202020204" pitchFamily="34" charset="0"/>
+              </a:rPr>
+              <a:t>: découpe </a:t>
+            </a:r>
+            <a:r>
+              <a:rPr lang="fr-FR" dirty="0">
+                <a:latin typeface="Arial" panose="020B0604020202020204" pitchFamily="34" charset="0"/>
+                <a:cs typeface="Arial" panose="020B0604020202020204" pitchFamily="34" charset="0"/>
+              </a:rPr>
+              <a:t>aléatoirement l’échantillon de test en k parties </a:t>
+            </a:r>
+            <a:endParaRPr lang="fr-FR" dirty="0" smtClean="0">
+              <a:latin typeface="Arial" panose="020B0604020202020204" pitchFamily="34" charset="0"/>
+              <a:cs typeface="Arial" panose="020B0604020202020204" pitchFamily="34" charset="0"/>
+            </a:endParaRPr>
           </a:p>
           <a:p>
             <a:pPr>
@@ -9128,12 +10187,23 @@
               <a:buChar char="-"/>
             </a:pPr>
             <a:r>
+              <a:rPr lang="fr-FR" dirty="0" smtClean="0">
+                <a:latin typeface="Arial" panose="020B0604020202020204" pitchFamily="34" charset="0"/>
+                <a:cs typeface="Arial" panose="020B0604020202020204" pitchFamily="34" charset="0"/>
+              </a:rPr>
+              <a:t>apprentissage </a:t>
+            </a:r>
+            <a:r>
               <a:rPr lang="fr-FR" dirty="0">
                 <a:latin typeface="Arial" panose="020B0604020202020204" pitchFamily="34" charset="0"/>
                 <a:cs typeface="Arial" panose="020B0604020202020204" pitchFamily="34" charset="0"/>
               </a:rPr>
-              <a:t>apprentissage sur k-1 parties </a:t>
-            </a:r>
+              <a:t>sur k-1 parties </a:t>
+            </a:r>
+            <a:endParaRPr lang="fr-FR" dirty="0" smtClean="0">
+              <a:latin typeface="Arial" panose="020B0604020202020204" pitchFamily="34" charset="0"/>
+              <a:cs typeface="Arial" panose="020B0604020202020204" pitchFamily="34" charset="0"/>
+            </a:endParaRPr>
           </a:p>
           <a:p>
             <a:pPr>
@@ -9141,28 +10211,35 @@
               <a:buChar char="-"/>
             </a:pPr>
             <a:r>
+              <a:rPr lang="fr-FR" dirty="0" smtClean="0">
+                <a:latin typeface="Arial" panose="020B0604020202020204" pitchFamily="34" charset="0"/>
+                <a:cs typeface="Arial" panose="020B0604020202020204" pitchFamily="34" charset="0"/>
+              </a:rPr>
+              <a:t>Estimation de la </a:t>
+            </a:r>
+            <a:r>
               <a:rPr lang="fr-FR" dirty="0">
                 <a:latin typeface="Arial" panose="020B0604020202020204" pitchFamily="34" charset="0"/>
                 <a:cs typeface="Arial" panose="020B0604020202020204" pitchFamily="34" charset="0"/>
               </a:rPr>
-              <a:t>Estimation de la qualité du modèle sur </a:t>
-            </a:r>
-            <a:r>
-              <a:rPr lang="fr-FR" dirty="0" err="1">
+              <a:t>qualité du modèle sur </a:t>
+            </a:r>
+            <a:r>
+              <a:rPr lang="fr-FR" dirty="0" err="1" smtClean="0">
                 <a:latin typeface="Arial" panose="020B0604020202020204" pitchFamily="34" charset="0"/>
                 <a:cs typeface="Arial" panose="020B0604020202020204" pitchFamily="34" charset="0"/>
               </a:rPr>
               <a:t>k</a:t>
             </a:r>
             <a:r>
-              <a:rPr lang="fr-FR" sz="1400" dirty="0" err="1">
+              <a:rPr lang="fr-FR" sz="1400" dirty="0" err="1" smtClean="0">
                 <a:latin typeface="Arial" panose="020B0604020202020204" pitchFamily="34" charset="0"/>
                 <a:cs typeface="Arial" panose="020B0604020202020204" pitchFamily="34" charset="0"/>
               </a:rPr>
               <a:t>ième</a:t>
             </a:r>
             <a:r>
-              <a:rPr lang="fr-FR" dirty="0">
+              <a:rPr lang="fr-FR" dirty="0" smtClean="0">
                 <a:latin typeface="Arial" panose="020B0604020202020204" pitchFamily="34" charset="0"/>
                 <a:cs typeface="Arial" panose="020B0604020202020204" pitchFamily="34" charset="0"/>
               </a:rPr>
@@ -9220,205 +10297,13 @@
   <p:clrMapOvr>
     <a:masterClrMapping/>
   </p:clrMapOvr>
-</p:sld>
-</file>
-
-<file path=ppt/slides/slide46.xml><?xml version="1.0" encoding="utf-8"?>
-<p:sld xmlns:a="http://schemas.openxmlformats.org/drawingml/2006/main" xmlns:r="http://schemas.openxmlformats.org/officeDocument/2006/relationships" xmlns:p="http://schemas.openxmlformats.org/presentationml/2006/main">
-  <p:cSld>
-    <p:spTree>
-      <p:nvGrpSpPr>
-        <p:cNvPr id="1" name=""/>
-        <p:cNvGrpSpPr/>
-        <p:nvPr/>
-      </p:nvGrpSpPr>
-      <p:grpSpPr>
-        <a:xfrm>
-          <a:off x="0" y="0"/>
-          <a:ext cx="0" cy="0"/>
-          <a:chOff x="0" y="0"/>
-          <a:chExt cx="0" cy="0"/>
-        </a:xfrm>
-      </p:grpSpPr>
-      <p:sp>
-        <p:nvSpPr>
-          <p:cNvPr id="2" name="Titre 1">
-            <a:extLst>
-              <a:ext uri="{FF2B5EF4-FFF2-40B4-BE49-F238E27FC236}">
-                <a16:creationId xmlns:a16="http://schemas.microsoft.com/office/drawing/2014/main" id="{FF9FA01F-8DA0-429D-A49A-8159CEAC1BB5}"/>
-              </a:ext>
-            </a:extLst>
-          </p:cNvPr>
-          <p:cNvSpPr>
-            <a:spLocks noGrp="1"/>
-          </p:cNvSpPr>
-          <p:nvPr>
-            <p:ph type="title"/>
-          </p:nvPr>
-        </p:nvSpPr>
-        <p:spPr/>
-        <p:txBody>
-          <a:bodyPr>
-            <a:normAutofit/>
-          </a:bodyPr>
-          <a:lstStyle/>
-          <a:p>
-            <a:r>
-              <a:rPr lang="fr-FR" sz="3200" b="1" dirty="0">
-                <a:latin typeface="Arial" panose="020B0604020202020204" pitchFamily="34" charset="0"/>
-                <a:cs typeface="Arial" panose="020B0604020202020204" pitchFamily="34" charset="0"/>
-              </a:rPr>
-              <a:t>SVM IRIS </a:t>
-            </a:r>
-            <a:r>
-              <a:rPr lang="fr-FR" sz="3200" b="1" dirty="0" err="1">
-                <a:latin typeface="Arial" panose="020B0604020202020204" pitchFamily="34" charset="0"/>
-                <a:cs typeface="Arial" panose="020B0604020202020204" pitchFamily="34" charset="0"/>
-              </a:rPr>
-              <a:t>dataset</a:t>
-            </a:r>
-            <a:endParaRPr lang="fr-FR" sz="3200" b="1" dirty="0">
-              <a:latin typeface="Arial" panose="020B0604020202020204" pitchFamily="34" charset="0"/>
-              <a:cs typeface="Arial" panose="020B0604020202020204" pitchFamily="34" charset="0"/>
-            </a:endParaRPr>
-          </a:p>
-        </p:txBody>
-      </p:sp>
-      <p:sp>
-        <p:nvSpPr>
-          <p:cNvPr id="3" name="Espace réservé du contenu 2">
-            <a:extLst>
-              <a:ext uri="{FF2B5EF4-FFF2-40B4-BE49-F238E27FC236}">
-                <a16:creationId xmlns:a16="http://schemas.microsoft.com/office/drawing/2014/main" id="{F1B0E3B7-5F20-4FF8-9F59-21D5B9BA7438}"/>
-              </a:ext>
-            </a:extLst>
-          </p:cNvPr>
-          <p:cNvSpPr>
-            <a:spLocks noGrp="1"/>
-          </p:cNvSpPr>
-          <p:nvPr>
-            <p:ph idx="1"/>
-          </p:nvPr>
-        </p:nvSpPr>
-        <p:spPr>
-          <a:xfrm>
-            <a:off x="0" y="1600200"/>
-            <a:ext cx="9036496" cy="4525963"/>
-          </a:xfrm>
-        </p:spPr>
-        <p:txBody>
-          <a:bodyPr>
-            <a:normAutofit/>
-          </a:bodyPr>
-          <a:lstStyle/>
-          <a:p>
-            <a:r>
-              <a:rPr lang="fr-FR" sz="2800" dirty="0">
-                <a:latin typeface="Arial" panose="020B0604020202020204" pitchFamily="34" charset="0"/>
-                <a:cs typeface="Arial" panose="020B0604020202020204" pitchFamily="34" charset="0"/>
-              </a:rPr>
-              <a:t>2/3 échantillon =&gt; TRAIN</a:t>
-            </a:r>
-          </a:p>
-          <a:p>
-            <a:r>
-              <a:rPr lang="fr-FR" sz="2800" dirty="0">
-                <a:latin typeface="Arial" panose="020B0604020202020204" pitchFamily="34" charset="0"/>
-                <a:cs typeface="Arial" panose="020B0604020202020204" pitchFamily="34" charset="0"/>
-              </a:rPr>
-              <a:t>1/3 échantillon =&gt; VALIDATION</a:t>
-            </a:r>
-          </a:p>
-          <a:p>
-            <a:endParaRPr lang="fr-FR" sz="2800" dirty="0">
-              <a:latin typeface="Arial" panose="020B0604020202020204" pitchFamily="34" charset="0"/>
-              <a:cs typeface="Arial" panose="020B0604020202020204" pitchFamily="34" charset="0"/>
-            </a:endParaRPr>
-          </a:p>
-          <a:p>
-            <a:r>
-              <a:rPr lang="fr-FR" sz="2800" dirty="0">
-                <a:latin typeface="Arial" panose="020B0604020202020204" pitchFamily="34" charset="0"/>
-                <a:cs typeface="Arial" panose="020B0604020202020204" pitchFamily="34" charset="0"/>
-              </a:rPr>
-              <a:t>C=0,1 : </a:t>
-            </a:r>
-            <a:r>
-              <a:rPr lang="fr-FR" sz="2800" dirty="0" err="1">
-                <a:latin typeface="Arial" panose="020B0604020202020204" pitchFamily="34" charset="0"/>
-                <a:cs typeface="Arial" panose="020B0604020202020204" pitchFamily="34" charset="0"/>
-              </a:rPr>
-              <a:t>accuracy</a:t>
-            </a:r>
-            <a:r>
-              <a:rPr lang="fr-FR" sz="2800" dirty="0">
-                <a:latin typeface="Arial" panose="020B0604020202020204" pitchFamily="34" charset="0"/>
-                <a:cs typeface="Arial" panose="020B0604020202020204" pitchFamily="34" charset="0"/>
-              </a:rPr>
-              <a:t> =0,8 sur train et 0,76 sur validation</a:t>
-            </a:r>
-          </a:p>
-          <a:p>
-            <a:r>
-              <a:rPr lang="fr-FR" sz="2800" dirty="0">
-                <a:latin typeface="Arial" panose="020B0604020202020204" pitchFamily="34" charset="0"/>
-                <a:cs typeface="Arial" panose="020B0604020202020204" pitchFamily="34" charset="0"/>
-              </a:rPr>
-              <a:t>C=1 : </a:t>
-            </a:r>
-            <a:r>
-              <a:rPr lang="fr-FR" sz="2800" dirty="0" err="1">
-                <a:latin typeface="Arial" panose="020B0604020202020204" pitchFamily="34" charset="0"/>
-                <a:cs typeface="Arial" panose="020B0604020202020204" pitchFamily="34" charset="0"/>
-              </a:rPr>
-              <a:t>accuracy</a:t>
-            </a:r>
-            <a:r>
-              <a:rPr lang="fr-FR" sz="2800" dirty="0">
-                <a:latin typeface="Arial" panose="020B0604020202020204" pitchFamily="34" charset="0"/>
-                <a:cs typeface="Arial" panose="020B0604020202020204" pitchFamily="34" charset="0"/>
-              </a:rPr>
-              <a:t>=0,85 sur train et 0,76 sur validation</a:t>
-            </a:r>
-          </a:p>
-          <a:p>
-            <a:r>
-              <a:rPr lang="fr-FR" sz="2800" dirty="0">
-                <a:latin typeface="Arial" panose="020B0604020202020204" pitchFamily="34" charset="0"/>
-                <a:cs typeface="Arial" panose="020B0604020202020204" pitchFamily="34" charset="0"/>
-              </a:rPr>
-              <a:t>C=10 : </a:t>
-            </a:r>
-            <a:r>
-              <a:rPr lang="fr-FR" sz="2800" dirty="0" err="1">
-                <a:latin typeface="Arial" panose="020B0604020202020204" pitchFamily="34" charset="0"/>
-                <a:cs typeface="Arial" panose="020B0604020202020204" pitchFamily="34" charset="0"/>
-              </a:rPr>
-              <a:t>accuracy</a:t>
-            </a:r>
-            <a:r>
-              <a:rPr lang="fr-FR" sz="2800" dirty="0">
-                <a:latin typeface="Arial" panose="020B0604020202020204" pitchFamily="34" charset="0"/>
-                <a:cs typeface="Arial" panose="020B0604020202020204" pitchFamily="34" charset="0"/>
-              </a:rPr>
-              <a:t>=0,85 sur train et 0,74 sur validation</a:t>
-            </a:r>
-          </a:p>
-          <a:p>
-            <a:endParaRPr lang="fr-FR" dirty="0"/>
-          </a:p>
-        </p:txBody>
-      </p:sp>
-    </p:spTree>
-    <p:extLst>
-      <p:ext uri="{BB962C8B-B14F-4D97-AF65-F5344CB8AC3E}">
-        <p14:creationId xmlns:p14="http://schemas.microsoft.com/office/powerpoint/2010/main" val="1814949819"/>
-      </p:ext>
-    </p:extLst>
-  </p:cSld>
-  <p:clrMapOvr>
-    <a:masterClrMapping/>
-  </p:clrMapOvr>
+  <p:timing>
+    <p:tnLst>
+      <p:par>
+        <p:cTn id="1" dur="indefinite" restart="never" nodeType="tmRoot"/>
+      </p:par>
+    </p:tnLst>
+  </p:timing>
 </p:sld>
 </file>
 
@@ -9462,12 +10347,16 @@
           <a:lstStyle/>
           <a:p>
             <a:r>
-              <a:rPr lang="fr-FR" sz="3200" b="1" dirty="0">
+              <a:rPr lang="fr-FR" sz="3200" b="1" dirty="0" smtClean="0">
                 <a:latin typeface="Arial" panose="020B0604020202020204" pitchFamily="34" charset="0"/>
                 <a:cs typeface="Arial" panose="020B0604020202020204" pitchFamily="34" charset="0"/>
               </a:rPr>
               <a:t>Arbres CART de classification</a:t>
             </a:r>
+            <a:endParaRPr lang="fr-FR" sz="3200" b="1" dirty="0">
+              <a:latin typeface="Arial" panose="020B0604020202020204" pitchFamily="34" charset="0"/>
+              <a:cs typeface="Arial" panose="020B0604020202020204" pitchFamily="34" charset="0"/>
+            </a:endParaRPr>
           </a:p>
         </p:txBody>
       </p:sp>
@@ -9487,6 +10376,12 @@
             <a:normAutofit fontScale="77500" lnSpcReduction="20000"/>
           </a:bodyPr>
           <a:lstStyle/>
+          <a:p>
+            <a:pPr marL="0" indent="0">
+              <a:buNone/>
+            </a:pPr>
+            <a:endParaRPr lang="fr-FR" dirty="0" smtClean="0"/>
+          </a:p>
           <a:p>
             <a:pPr marL="0" indent="0">
               <a:buNone/>
@@ -9497,7 +10392,7 @@
             <a:pPr marL="0" indent="0">
               <a:buNone/>
             </a:pPr>
-            <a:endParaRPr lang="fr-FR" dirty="0"/>
+            <a:endParaRPr lang="fr-FR" dirty="0" smtClean="0"/>
           </a:p>
           <a:p>
             <a:pPr marL="0" indent="0">
@@ -9509,7 +10404,7 @@
             <a:pPr marL="0" indent="0">
               <a:buNone/>
             </a:pPr>
-            <a:endParaRPr lang="fr-FR" dirty="0"/>
+            <a:endParaRPr lang="fr-FR" dirty="0" smtClean="0"/>
           </a:p>
           <a:p>
             <a:pPr marL="0" indent="0">
@@ -9521,18 +10416,41 @@
             <a:pPr marL="0" indent="0">
               <a:buNone/>
             </a:pPr>
-            <a:endParaRPr lang="fr-FR" dirty="0"/>
+            <a:r>
+              <a:rPr lang="fr-FR" dirty="0" smtClean="0">
+                <a:latin typeface="Arial" panose="020B0604020202020204" pitchFamily="34" charset="0"/>
+                <a:cs typeface="Arial" panose="020B0604020202020204" pitchFamily="34" charset="0"/>
+              </a:rPr>
+              <a:t>Objectif : réduire le plus possible l’impureté des nœuds</a:t>
+            </a:r>
           </a:p>
           <a:p>
             <a:pPr marL="0" indent="0">
               <a:buNone/>
             </a:pPr>
             <a:r>
-              <a:rPr lang="fr-FR" dirty="0">
-                <a:latin typeface="Arial" panose="020B0604020202020204" pitchFamily="34" charset="0"/>
-                <a:cs typeface="Arial" panose="020B0604020202020204" pitchFamily="34" charset="0"/>
-              </a:rPr>
-              <a:t>Objectif : réduire le plus possible l’impureté des nœuds</a:t>
+              <a:rPr lang="fr-FR" dirty="0"/>
+              <a:t>Δ impureté = i (nœud parent) – proportion </a:t>
+            </a:r>
+            <a:r>
+              <a:rPr lang="fr-FR" dirty="0" err="1"/>
+              <a:t>obs</a:t>
+            </a:r>
+            <a:r>
+              <a:rPr lang="fr-FR" dirty="0"/>
+              <a:t> nœud gauche * i (nœud gauche) - proportion </a:t>
+            </a:r>
+            <a:r>
+              <a:rPr lang="fr-FR" dirty="0" err="1"/>
+              <a:t>obs</a:t>
+            </a:r>
+            <a:r>
+              <a:rPr lang="fr-FR" dirty="0"/>
+              <a:t> nœud droit * i (nœud droit</a:t>
+            </a:r>
+            <a:r>
+              <a:rPr lang="fr-FR" dirty="0" smtClean="0"/>
+              <a:t>).</a:t>
             </a:r>
           </a:p>
           <a:p>
@@ -9540,33 +10458,12 @@
               <a:buNone/>
             </a:pPr>
             <a:r>
+              <a:rPr lang="fr-FR" dirty="0" smtClean="0"/>
+              <a:t>i (nœud) </a:t>
+            </a:r>
+            <a:r>
               <a:rPr lang="fr-FR" dirty="0"/>
-              <a:t>Δ impureté = i (nœud parent) – proportion </a:t>
-            </a:r>
-            <a:r>
-              <a:rPr lang="fr-FR" dirty="0" err="1"/>
-              <a:t>obs</a:t>
-            </a:r>
-            <a:r>
-              <a:rPr lang="fr-FR" dirty="0"/>
-              <a:t> nœud gauche * i (nœud gauche) - proportion </a:t>
-            </a:r>
-            <a:r>
-              <a:rPr lang="fr-FR" dirty="0" err="1"/>
-              <a:t>obs</a:t>
-            </a:r>
-            <a:r>
-              <a:rPr lang="fr-FR" dirty="0"/>
-              <a:t> nœud droit * i (nœud droit).</a:t>
-            </a:r>
-          </a:p>
-          <a:p>
-            <a:pPr marL="0" indent="0">
-              <a:buNone/>
-            </a:pPr>
-            <a:r>
-              <a:rPr lang="fr-FR" dirty="0"/>
-              <a:t>i (nœud) = proportion de paires matchs * (1- proportion de paires matchs)</a:t>
+              <a:t>= proportion de paires matchs * (1- proportion de paires matchs)</a:t>
             </a:r>
           </a:p>
           <a:p>
@@ -9618,6 +10515,13 @@
   <p:clrMapOvr>
     <a:masterClrMapping/>
   </p:clrMapOvr>
+  <p:timing>
+    <p:tnLst>
+      <p:par>
+        <p:cTn id="1" dur="indefinite" restart="never" nodeType="tmRoot"/>
+      </p:par>
+    </p:tnLst>
+  </p:timing>
 </p:sld>
 </file>
 
@@ -9656,12 +10560,16 @@
           <a:lstStyle/>
           <a:p>
             <a:r>
-              <a:rPr lang="fr-FR" sz="3200" b="1" dirty="0">
+              <a:rPr lang="fr-FR" sz="3200" b="1" dirty="0" smtClean="0">
                 <a:latin typeface="Arial" panose="020B0604020202020204" pitchFamily="34" charset="0"/>
                 <a:cs typeface="Arial" panose="020B0604020202020204" pitchFamily="34" charset="0"/>
               </a:rPr>
               <a:t>Forêts aléatoires</a:t>
             </a:r>
+            <a:endParaRPr lang="fr-FR" sz="3200" b="1" dirty="0">
+              <a:latin typeface="Arial" panose="020B0604020202020204" pitchFamily="34" charset="0"/>
+              <a:cs typeface="Arial" panose="020B0604020202020204" pitchFamily="34" charset="0"/>
+            </a:endParaRPr>
           </a:p>
         </p:txBody>
       </p:sp>
@@ -9685,21 +10593,21 @@
               <a:lstStyle/>
               <a:p>
                 <a:r>
-                  <a:rPr lang="fr-FR" dirty="0">
+                  <a:rPr lang="fr-FR" dirty="0" smtClean="0">
                     <a:latin typeface="Arial" panose="020B0604020202020204" pitchFamily="34" charset="0"/>
                     <a:cs typeface="Arial" panose="020B0604020202020204" pitchFamily="34" charset="0"/>
                   </a:rPr>
                   <a:t>Tirage de B échantillon </a:t>
                 </a:r>
                 <a:r>
-                  <a:rPr lang="fr-FR" dirty="0" err="1">
+                  <a:rPr lang="fr-FR" dirty="0" err="1" smtClean="0">
                     <a:latin typeface="Arial" panose="020B0604020202020204" pitchFamily="34" charset="0"/>
                     <a:cs typeface="Arial" panose="020B0604020202020204" pitchFamily="34" charset="0"/>
                   </a:rPr>
                   <a:t>bootstrap</a:t>
                 </a:r>
                 <a:r>
-                  <a:rPr lang="fr-FR" dirty="0">
+                  <a:rPr lang="fr-FR" dirty="0" smtClean="0">
                     <a:latin typeface="Arial" panose="020B0604020202020204" pitchFamily="34" charset="0"/>
                     <a:cs typeface="Arial" panose="020B0604020202020204" pitchFamily="34" charset="0"/>
                   </a:rPr>
@@ -9708,7 +10616,7 @@
               </a:p>
               <a:p>
                 <a:r>
-                  <a:rPr lang="fr-FR" dirty="0">
+                  <a:rPr lang="fr-FR" dirty="0" smtClean="0">
                     <a:latin typeface="Arial" panose="020B0604020202020204" pitchFamily="34" charset="0"/>
                     <a:cs typeface="Arial" panose="020B0604020202020204" pitchFamily="34" charset="0"/>
                   </a:rPr>
@@ -9721,7 +10629,7 @@
                         <m:degHide m:val="on"/>
                         <m:ctrlPr>
                           <a:rPr lang="fr-FR" i="1">
-                            <a:latin typeface="Cambria Math" panose="02040503050406030204" pitchFamily="18" charset="0"/>
+                            <a:latin typeface="Cambria Math"/>
                           </a:rPr>
                         </m:ctrlPr>
                       </m:radPr>
@@ -9742,14 +10650,21 @@
                     <a:latin typeface="Arial" panose="020B0604020202020204" pitchFamily="34" charset="0"/>
                     <a:cs typeface="Arial" panose="020B0604020202020204" pitchFamily="34" charset="0"/>
                   </a:rPr>
-                  <a:t> variables tirées au hasard parmi les n)</a:t>
+                  <a:t> variables tirées au hasard parmi les </a:t>
+                </a:r>
+                <a:r>
+                  <a:rPr lang="fr-FR" dirty="0" smtClean="0">
+                    <a:latin typeface="Arial" panose="020B0604020202020204" pitchFamily="34" charset="0"/>
+                    <a:cs typeface="Arial" panose="020B0604020202020204" pitchFamily="34" charset="0"/>
+                  </a:rPr>
+                  <a:t>n)</a:t>
                 </a:r>
               </a:p>
               <a:p>
                 <a:pPr marL="0" indent="0">
                   <a:buNone/>
                 </a:pPr>
-                <a:endParaRPr lang="fr-FR" dirty="0">
+                <a:endParaRPr lang="fr-FR" dirty="0" smtClean="0">
                   <a:latin typeface="Arial" panose="020B0604020202020204" pitchFamily="34" charset="0"/>
                   <a:cs typeface="Arial" panose="020B0604020202020204" pitchFamily="34" charset="0"/>
                 </a:endParaRPr>
@@ -9760,65 +10675,128 @@
                     <a:latin typeface="Arial" panose="020B0604020202020204" pitchFamily="34" charset="0"/>
                     <a:cs typeface="Arial" panose="020B0604020202020204" pitchFamily="34" charset="0"/>
                   </a:rPr>
-                  <a:t>Sur les nouvelles données :</a:t>
+                  <a:t>Sur </a:t>
+                </a:r>
+                <a:r>
+                  <a:rPr lang="fr-FR" dirty="0" smtClean="0">
+                    <a:latin typeface="Arial" panose="020B0604020202020204" pitchFamily="34" charset="0"/>
+                    <a:cs typeface="Arial" panose="020B0604020202020204" pitchFamily="34" charset="0"/>
+                  </a:rPr>
+                  <a:t>les </a:t>
+                </a:r>
+                <a:r>
+                  <a:rPr lang="fr-FR" dirty="0">
+                    <a:latin typeface="Arial" panose="020B0604020202020204" pitchFamily="34" charset="0"/>
+                    <a:cs typeface="Arial" panose="020B0604020202020204" pitchFamily="34" charset="0"/>
+                  </a:rPr>
+                  <a:t>nouvelles </a:t>
+                </a:r>
+                <a:r>
+                  <a:rPr lang="fr-FR" dirty="0" smtClean="0">
+                    <a:latin typeface="Arial" panose="020B0604020202020204" pitchFamily="34" charset="0"/>
+                    <a:cs typeface="Arial" panose="020B0604020202020204" pitchFamily="34" charset="0"/>
+                  </a:rPr>
+                  <a:t>données :</a:t>
                 </a:r>
               </a:p>
               <a:p>
                 <a:pPr lvl="1"/>
                 <a:r>
+                  <a:rPr lang="fr-FR" dirty="0" smtClean="0">
+                    <a:latin typeface="Arial" panose="020B0604020202020204" pitchFamily="34" charset="0"/>
+                    <a:cs typeface="Arial" panose="020B0604020202020204" pitchFamily="34" charset="0"/>
+                  </a:rPr>
+                  <a:t>catégorie </a:t>
+                </a:r>
+                <a:r>
                   <a:rPr lang="fr-FR" dirty="0">
                     <a:latin typeface="Arial" panose="020B0604020202020204" pitchFamily="34" charset="0"/>
                     <a:cs typeface="Arial" panose="020B0604020202020204" pitchFamily="34" charset="0"/>
                   </a:rPr>
-                  <a:t>catégorie prédite = la plus souvent parmi les B arbres (vote majoritaire).</a:t>
+                  <a:t>prédite </a:t>
+                </a:r>
+                <a:r>
+                  <a:rPr lang="fr-FR" dirty="0" smtClean="0">
+                    <a:latin typeface="Arial" panose="020B0604020202020204" pitchFamily="34" charset="0"/>
+                    <a:cs typeface="Arial" panose="020B0604020202020204" pitchFamily="34" charset="0"/>
+                  </a:rPr>
+                  <a:t>= la plus </a:t>
+                </a:r>
+                <a:r>
+                  <a:rPr lang="fr-FR" dirty="0">
+                    <a:latin typeface="Arial" panose="020B0604020202020204" pitchFamily="34" charset="0"/>
+                    <a:cs typeface="Arial" panose="020B0604020202020204" pitchFamily="34" charset="0"/>
+                  </a:rPr>
+                  <a:t>souvent parmi les B </a:t>
+                </a:r>
+                <a:r>
+                  <a:rPr lang="fr-FR" dirty="0" smtClean="0">
+                    <a:latin typeface="Arial" panose="020B0604020202020204" pitchFamily="34" charset="0"/>
+                    <a:cs typeface="Arial" panose="020B0604020202020204" pitchFamily="34" charset="0"/>
+                  </a:rPr>
+                  <a:t>arbres </a:t>
+                </a:r>
+                <a:r>
+                  <a:rPr lang="fr-FR" dirty="0">
+                    <a:latin typeface="Arial" panose="020B0604020202020204" pitchFamily="34" charset="0"/>
+                    <a:cs typeface="Arial" panose="020B0604020202020204" pitchFamily="34" charset="0"/>
+                  </a:rPr>
+                  <a:t>(vote majoritaire</a:t>
+                </a:r>
+                <a:r>
+                  <a:rPr lang="fr-FR" dirty="0" smtClean="0">
+                    <a:latin typeface="Arial" panose="020B0604020202020204" pitchFamily="34" charset="0"/>
+                    <a:cs typeface="Arial" panose="020B0604020202020204" pitchFamily="34" charset="0"/>
+                  </a:rPr>
+                  <a:t>).</a:t>
                 </a:r>
               </a:p>
               <a:p>
                 <a:pPr lvl="1"/>
                 <a:r>
-                  <a:rPr lang="fr-FR" dirty="0">
+                  <a:rPr lang="fr-FR" dirty="0" smtClean="0">
                     <a:latin typeface="Arial" panose="020B0604020202020204" pitchFamily="34" charset="0"/>
                     <a:cs typeface="Arial" panose="020B0604020202020204" pitchFamily="34" charset="0"/>
                   </a:rPr>
                   <a:t>OU catégorie prédite =catégorie avec la plus forte </a:t>
                 </a:r>
                 <a:r>
-                  <a:rPr lang="fr-FR" dirty="0" err="1">
+                  <a:rPr lang="fr-FR" dirty="0" err="1" smtClean="0">
                     <a:latin typeface="Arial" panose="020B0604020202020204" pitchFamily="34" charset="0"/>
                     <a:cs typeface="Arial" panose="020B0604020202020204" pitchFamily="34" charset="0"/>
                   </a:rPr>
                   <a:t>proba</a:t>
                 </a:r>
                 <a:r>
-                  <a:rPr lang="fr-FR" dirty="0">
+                  <a:rPr lang="fr-FR" dirty="0" smtClean="0">
                     <a:latin typeface="Arial" panose="020B0604020202020204" pitchFamily="34" charset="0"/>
                     <a:cs typeface="Arial" panose="020B0604020202020204" pitchFamily="34" charset="0"/>
                   </a:rPr>
                   <a:t> et cette </a:t>
                 </a:r>
                 <a:r>
-                  <a:rPr lang="fr-FR" dirty="0" err="1">
+                  <a:rPr lang="fr-FR" dirty="0" err="1" smtClean="0">
                     <a:latin typeface="Arial" panose="020B0604020202020204" pitchFamily="34" charset="0"/>
                     <a:cs typeface="Arial" panose="020B0604020202020204" pitchFamily="34" charset="0"/>
                   </a:rPr>
                   <a:t>proba</a:t>
                 </a:r>
                 <a:r>
-                  <a:rPr lang="fr-FR" dirty="0">
+                  <a:rPr lang="fr-FR" dirty="0" smtClean="0">
                     <a:latin typeface="Arial" panose="020B0604020202020204" pitchFamily="34" charset="0"/>
                     <a:cs typeface="Arial" panose="020B0604020202020204" pitchFamily="34" charset="0"/>
                   </a:rPr>
                   <a:t> = moyenne des </a:t>
                 </a:r>
                 <a:r>
-                  <a:rPr lang="fr-FR" dirty="0" err="1">
+                  <a:rPr lang="fr-FR" dirty="0" err="1" smtClean="0">
                     <a:latin typeface="Arial" panose="020B0604020202020204" pitchFamily="34" charset="0"/>
                     <a:cs typeface="Arial" panose="020B0604020202020204" pitchFamily="34" charset="0"/>
                   </a:rPr>
                   <a:t>proba</a:t>
                 </a:r>
                 <a:r>
-                  <a:rPr lang="fr-FR" dirty="0">
+                  <a:rPr lang="fr-FR" dirty="0" smtClean="0">
                     <a:latin typeface="Arial" panose="020B0604020202020204" pitchFamily="34" charset="0"/>
                     <a:cs typeface="Arial" panose="020B0604020202020204" pitchFamily="34" charset="0"/>
                   </a:rPr>
@@ -9876,6 +10854,13 @@
   <p:clrMapOvr>
     <a:masterClrMapping/>
   </p:clrMapOvr>
+  <p:timing>
+    <p:tnLst>
+      <p:par>
+        <p:cTn id="1" dur="indefinite" restart="never" nodeType="tmRoot"/>
+      </p:par>
+    </p:tnLst>
+  </p:timing>
 </p:sld>
 </file>
 
@@ -9898,12 +10883,12 @@
       </p:grpSpPr>
       <p:sp>
         <p:nvSpPr>
-          <p:cNvPr id="4" name="Titre 3"/>
-          <p:cNvSpPr>
-            <a:spLocks noGrp="1"/>
-          </p:cNvSpPr>
-          <p:nvPr>
-            <p:ph type="ctrTitle"/>
+          <p:cNvPr id="2" name="Titre 1"/>
+          <p:cNvSpPr>
+            <a:spLocks noGrp="1"/>
+          </p:cNvSpPr>
+          <p:nvPr>
+            <p:ph type="title"/>
           </p:nvPr>
         </p:nvSpPr>
         <p:spPr/>
@@ -9914,28 +10899,121 @@
           <a:lstStyle/>
           <a:p>
             <a:r>
-              <a:rPr lang="fr-FR" sz="3200" b="1" dirty="0">
-                <a:solidFill>
-                  <a:srgbClr val="7030A0"/>
-                </a:solidFill>
-                <a:latin typeface="Arial" panose="020B0604020202020204" pitchFamily="34" charset="0"/>
-                <a:cs typeface="Arial" panose="020B0604020202020204" pitchFamily="34" charset="0"/>
-              </a:rPr>
-              <a:t>Partie 5 : sujets transverses</a:t>
-            </a:r>
+              <a:rPr lang="fr-FR" sz="3200" b="1" dirty="0" smtClean="0">
+                <a:latin typeface="Arial" panose="020B0604020202020204" pitchFamily="34" charset="0"/>
+                <a:cs typeface="Arial" panose="020B0604020202020204" pitchFamily="34" charset="0"/>
+              </a:rPr>
+              <a:t>La librairie </a:t>
+            </a:r>
+            <a:r>
+              <a:rPr lang="fr-FR" sz="3200" b="1" dirty="0" smtClean="0">
+                <a:latin typeface="Arial" panose="020B0604020202020204" pitchFamily="34" charset="0"/>
+                <a:cs typeface="Arial" panose="020B0604020202020204" pitchFamily="34" charset="0"/>
+                <a:hlinkClick r:id="rId2"/>
+              </a:rPr>
+              <a:t>scikit-learn</a:t>
+            </a:r>
+            <a:r>
+              <a:rPr lang="fr-FR" sz="3200" b="1" dirty="0" smtClean="0">
+                <a:latin typeface="Arial" panose="020B0604020202020204" pitchFamily="34" charset="0"/>
+                <a:cs typeface="Arial" panose="020B0604020202020204" pitchFamily="34" charset="0"/>
+              </a:rPr>
+              <a:t> comporte pleins d’autres fonctionnalités</a:t>
+            </a:r>
+            <a:endParaRPr lang="fr-FR" sz="3200" b="1" dirty="0">
+              <a:latin typeface="Arial" panose="020B0604020202020204" pitchFamily="34" charset="0"/>
+              <a:cs typeface="Arial" panose="020B0604020202020204" pitchFamily="34" charset="0"/>
+            </a:endParaRPr>
+          </a:p>
+        </p:txBody>
+      </p:sp>
+      <p:sp>
+        <p:nvSpPr>
+          <p:cNvPr id="3" name="Espace réservé du contenu 2"/>
+          <p:cNvSpPr>
+            <a:spLocks noGrp="1"/>
+          </p:cNvSpPr>
+          <p:nvPr>
+            <p:ph idx="1"/>
+          </p:nvPr>
+        </p:nvSpPr>
+        <p:spPr/>
+        <p:txBody>
+          <a:bodyPr/>
+          <a:lstStyle/>
+          <a:p>
+            <a:r>
+              <a:rPr lang="fr-FR" dirty="0" smtClean="0"/>
+              <a:t>Régression </a:t>
+            </a:r>
+            <a:r>
+              <a:rPr lang="fr-FR" dirty="0">
+                <a:hlinkClick r:id="rId3"/>
+              </a:rPr>
+              <a:t>R</a:t>
+            </a:r>
+            <a:r>
+              <a:rPr lang="fr-FR" dirty="0" smtClean="0">
+                <a:hlinkClick r:id="rId3"/>
+              </a:rPr>
+              <a:t>idge</a:t>
+            </a:r>
+            <a:r>
+              <a:rPr lang="fr-FR" dirty="0" smtClean="0"/>
+              <a:t> et </a:t>
+            </a:r>
+            <a:r>
+              <a:rPr lang="fr-FR" dirty="0" smtClean="0">
+                <a:hlinkClick r:id="rId4"/>
+              </a:rPr>
+              <a:t>Lasso</a:t>
+            </a:r>
+            <a:endParaRPr lang="fr-FR" dirty="0" smtClean="0"/>
+          </a:p>
+          <a:p>
+            <a:r>
+              <a:rPr lang="fr-FR" dirty="0" smtClean="0">
+                <a:hlinkClick r:id="rId5"/>
+              </a:rPr>
+              <a:t>Gradient stochastique</a:t>
+            </a:r>
+            <a:endParaRPr lang="fr-FR" dirty="0" smtClean="0"/>
+          </a:p>
+          <a:p>
+            <a:r>
+              <a:rPr lang="fr-FR" dirty="0" smtClean="0">
+                <a:hlinkClick r:id="rId6"/>
+              </a:rPr>
+              <a:t>Pleins de méthodes de classification</a:t>
+            </a:r>
+            <a:endParaRPr lang="fr-FR" dirty="0" smtClean="0"/>
+          </a:p>
+          <a:p>
+            <a:r>
+              <a:rPr lang="fr-FR" dirty="0" smtClean="0"/>
+              <a:t>Etc…</a:t>
+            </a:r>
+            <a:endParaRPr lang="fr-FR" dirty="0"/>
           </a:p>
         </p:txBody>
       </p:sp>
     </p:spTree>
     <p:extLst>
       <p:ext uri="{BB962C8B-B14F-4D97-AF65-F5344CB8AC3E}">
-        <p14:creationId xmlns:p14="http://schemas.microsoft.com/office/powerpoint/2010/main" val="1486631537"/>
+        <p14:creationId xmlns:p14="http://schemas.microsoft.com/office/powerpoint/2010/main" val="3573502302"/>
       </p:ext>
     </p:extLst>
   </p:cSld>
   <p:clrMapOvr>
     <a:masterClrMapping/>
   </p:clrMapOvr>
+  <p:timing>
+    <p:tnLst>
+      <p:par>
+        <p:cTn id="1" dur="indefinite" restart="never" nodeType="tmRoot"/>
+      </p:par>
+    </p:tnLst>
+  </p:timing>
 </p:sld>
 </file>
 
@@ -9987,52 +11065,15 @@
           </a:p>
         </p:txBody>
       </p:sp>
-      <p:sp>
-        <p:nvSpPr>
-          <p:cNvPr id="3" name="Espace réservé du contenu 2"/>
-          <p:cNvSpPr>
-            <a:spLocks noGrp="1"/>
-          </p:cNvSpPr>
-          <p:nvPr>
-            <p:ph idx="1"/>
-          </p:nvPr>
-        </p:nvSpPr>
-        <p:spPr>
-          <a:xfrm>
-            <a:off x="457200" y="1124744"/>
-            <a:ext cx="8507288" cy="5001419"/>
-          </a:xfrm>
-        </p:spPr>
-        <p:txBody>
-          <a:bodyPr/>
-          <a:lstStyle/>
-          <a:p>
-            <a:pPr marL="0" indent="0">
-              <a:buNone/>
-            </a:pPr>
-            <a:r>
-              <a:rPr lang="fr-FR" sz="2000" dirty="0">
-                <a:latin typeface="Arial" panose="020B0604020202020204" pitchFamily="34" charset="0"/>
-                <a:cs typeface="Arial" panose="020B0604020202020204" pitchFamily="34" charset="0"/>
-              </a:rPr>
-              <a:t>Les tendances des jobs de data science pour R (bleu) et SAS (orange)</a:t>
-            </a:r>
-          </a:p>
-          <a:p>
-            <a:pPr marL="0" indent="0">
-              <a:buNone/>
-            </a:pPr>
-            <a:endParaRPr lang="fr-FR" dirty="0"/>
-          </a:p>
-        </p:txBody>
-      </p:sp>
       <p:pic>
         <p:nvPicPr>
-          <p:cNvPr id="5" name="Image 4"/>
+          <p:cNvPr id="4" name="Espace réservé du contenu 3"/>
           <p:cNvPicPr>
-            <a:picLocks noChangeAspect="1"/>
+            <a:picLocks noGrp="1" noChangeAspect="1"/>
           </p:cNvPicPr>
-          <p:nvPr/>
+          <p:nvPr>
+            <p:ph idx="1"/>
+          </p:nvPr>
         </p:nvPicPr>
         <p:blipFill>
           <a:blip r:embed="rId2">
@@ -10048,18 +11089,15 @@
         </p:blipFill>
         <p:spPr>
           <a:xfrm>
-            <a:off x="1475656" y="2204864"/>
-            <a:ext cx="6686550" cy="4067175"/>
+            <a:off x="1979712" y="1556792"/>
+            <a:ext cx="4939502" cy="4525963"/>
           </a:xfrm>
-          <a:prstGeom prst="rect">
-            <a:avLst/>
-          </a:prstGeom>
         </p:spPr>
       </p:pic>
     </p:spTree>
     <p:extLst>
       <p:ext uri="{BB962C8B-B14F-4D97-AF65-F5344CB8AC3E}">
-        <p14:creationId xmlns:p14="http://schemas.microsoft.com/office/powerpoint/2010/main" val="78702800"/>
+        <p14:creationId xmlns:p14="http://schemas.microsoft.com/office/powerpoint/2010/main" val="3180056025"/>
       </p:ext>
     </p:extLst>
   </p:cSld>
@@ -10088,18 +11126,12 @@
       </p:grpSpPr>
       <p:sp>
         <p:nvSpPr>
-          <p:cNvPr id="2" name="Titre 1">
-            <a:extLst>
-              <a:ext uri="{FF2B5EF4-FFF2-40B4-BE49-F238E27FC236}">
-                <a16:creationId xmlns:a16="http://schemas.microsoft.com/office/drawing/2014/main" id="{DFB7CBBC-95C3-423F-8BA5-3553757635E1}"/>
-              </a:ext>
-            </a:extLst>
-          </p:cNvPr>
-          <p:cNvSpPr>
-            <a:spLocks noGrp="1"/>
-          </p:cNvSpPr>
-          <p:nvPr>
-            <p:ph type="title"/>
+          <p:cNvPr id="4" name="Titre 3"/>
+          <p:cNvSpPr>
+            <a:spLocks noGrp="1"/>
+          </p:cNvSpPr>
+          <p:nvPr>
+            <p:ph type="ctrTitle"/>
           </p:nvPr>
         </p:nvSpPr>
         <p:spPr/>
@@ -10111,149 +11143,62 @@
           <a:p>
             <a:r>
               <a:rPr lang="fr-FR" sz="3200" b="1" dirty="0">
-                <a:latin typeface="Arial" panose="020B0604020202020204" pitchFamily="34" charset="0"/>
-                <a:cs typeface="Arial" panose="020B0604020202020204" pitchFamily="34" charset="0"/>
-              </a:rPr>
-              <a:t>Notebooks et </a:t>
-            </a:r>
-            <a:r>
-              <a:rPr lang="fr-FR" sz="3200" b="1" dirty="0" err="1">
-                <a:latin typeface="Arial" panose="020B0604020202020204" pitchFamily="34" charset="0"/>
-                <a:cs typeface="Arial" panose="020B0604020202020204" pitchFamily="34" charset="0"/>
-              </a:rPr>
-              <a:t>markdown</a:t>
-            </a:r>
-            <a:endParaRPr lang="fr-FR" sz="3200" b="1" dirty="0">
-              <a:latin typeface="Arial" panose="020B0604020202020204" pitchFamily="34" charset="0"/>
-              <a:cs typeface="Arial" panose="020B0604020202020204" pitchFamily="34" charset="0"/>
-            </a:endParaRPr>
-          </a:p>
-        </p:txBody>
-      </p:sp>
-      <p:sp>
-        <p:nvSpPr>
-          <p:cNvPr id="3" name="Espace réservé du contenu 2">
-            <a:extLst>
-              <a:ext uri="{FF2B5EF4-FFF2-40B4-BE49-F238E27FC236}">
-                <a16:creationId xmlns:a16="http://schemas.microsoft.com/office/drawing/2014/main" id="{ADD5CCE8-DB0B-46ED-AD61-D0494F770A3F}"/>
-              </a:ext>
-            </a:extLst>
-          </p:cNvPr>
-          <p:cNvSpPr>
-            <a:spLocks noGrp="1"/>
-          </p:cNvSpPr>
-          <p:nvPr>
-            <p:ph idx="1"/>
-          </p:nvPr>
-        </p:nvSpPr>
-        <p:spPr>
-          <a:xfrm>
-            <a:off x="457200" y="1196752"/>
-            <a:ext cx="8579296" cy="4929411"/>
-          </a:xfrm>
-        </p:spPr>
-        <p:txBody>
-          <a:bodyPr>
-            <a:normAutofit/>
-          </a:bodyPr>
-          <a:lstStyle/>
-          <a:p>
-            <a:r>
-              <a:rPr lang="fr-FR" dirty="0">
-                <a:latin typeface="Arial" panose="020B0604020202020204" pitchFamily="34" charset="0"/>
-                <a:cs typeface="Arial" panose="020B0604020202020204" pitchFamily="34" charset="0"/>
-              </a:rPr>
-              <a:t>Jupiter Notebook : une autre façon d’écrire les instructions python.</a:t>
-            </a:r>
-          </a:p>
-          <a:p>
-            <a:r>
-              <a:rPr lang="fr-FR" dirty="0" err="1">
-                <a:latin typeface="Arial" panose="020B0604020202020204" pitchFamily="34" charset="0"/>
-                <a:cs typeface="Arial" panose="020B0604020202020204" pitchFamily="34" charset="0"/>
-              </a:rPr>
-              <a:t>Markdown</a:t>
-            </a:r>
-            <a:r>
-              <a:rPr lang="fr-FR" dirty="0">
-                <a:latin typeface="Arial" panose="020B0604020202020204" pitchFamily="34" charset="0"/>
-                <a:cs typeface="Arial" panose="020B0604020202020204" pitchFamily="34" charset="0"/>
-              </a:rPr>
-              <a:t> : enrichir un notebook avec du code </a:t>
-            </a:r>
-            <a:r>
-              <a:rPr lang="fr-FR" dirty="0" err="1">
-                <a:latin typeface="Arial" panose="020B0604020202020204" pitchFamily="34" charset="0"/>
-                <a:cs typeface="Arial" panose="020B0604020202020204" pitchFamily="34" charset="0"/>
-              </a:rPr>
-              <a:t>markdown</a:t>
-            </a:r>
-            <a:r>
-              <a:rPr lang="fr-FR" dirty="0">
-                <a:latin typeface="Arial" panose="020B0604020202020204" pitchFamily="34" charset="0"/>
-                <a:cs typeface="Arial" panose="020B0604020202020204" pitchFamily="34" charset="0"/>
-              </a:rPr>
-              <a:t> qui sera ensuite converti en HTML automatiquement. Pour démarrer :</a:t>
-            </a:r>
-          </a:p>
-          <a:p>
-            <a:pPr lvl="1"/>
-            <a:r>
-              <a:rPr lang="fr-FR" dirty="0">
-                <a:hlinkClick r:id="rId2"/>
-              </a:rPr>
-              <a:t>https://daringfireball.net/projects/markdown/basics</a:t>
-            </a:r>
-            <a:endParaRPr lang="fr-FR" dirty="0"/>
-          </a:p>
-          <a:p>
-            <a:pPr lvl="1"/>
-            <a:r>
-              <a:rPr lang="fr-FR" dirty="0">
-                <a:hlinkClick r:id="rId3"/>
-              </a:rPr>
-              <a:t>https://michelf.ca/projets/php-markdown/syntaxe/</a:t>
-            </a:r>
-            <a:endParaRPr lang="fr-FR" dirty="0">
-              <a:latin typeface="Arial" panose="020B0604020202020204" pitchFamily="34" charset="0"/>
-              <a:cs typeface="Arial" panose="020B0604020202020204" pitchFamily="34" charset="0"/>
-            </a:endParaRPr>
-          </a:p>
-          <a:p>
-            <a:r>
-              <a:rPr lang="fr-FR" dirty="0">
-                <a:latin typeface="Arial" panose="020B0604020202020204" pitchFamily="34" charset="0"/>
-                <a:cs typeface="Arial" panose="020B0604020202020204" pitchFamily="34" charset="0"/>
-              </a:rPr>
-              <a:t>On peut également </a:t>
-            </a:r>
-            <a:r>
-              <a:rPr lang="fr-FR" dirty="0">
-                <a:latin typeface="Arial" panose="020B0604020202020204" pitchFamily="34" charset="0"/>
-                <a:cs typeface="Arial" panose="020B0604020202020204" pitchFamily="34" charset="0"/>
-                <a:hlinkClick r:id="rId4"/>
-              </a:rPr>
-              <a:t>écrire des maths en </a:t>
-            </a:r>
-            <a:r>
-              <a:rPr lang="fr-FR" dirty="0" err="1">
-                <a:latin typeface="Arial" panose="020B0604020202020204" pitchFamily="34" charset="0"/>
-                <a:cs typeface="Arial" panose="020B0604020202020204" pitchFamily="34" charset="0"/>
-                <a:hlinkClick r:id="rId4"/>
-              </a:rPr>
-              <a:t>Markdown</a:t>
-            </a:r>
-            <a:endParaRPr lang="fr-FR" dirty="0">
-              <a:latin typeface="Arial" panose="020B0604020202020204" pitchFamily="34" charset="0"/>
-              <a:cs typeface="Arial" panose="020B0604020202020204" pitchFamily="34" charset="0"/>
-            </a:endParaRPr>
+                <a:solidFill>
+                  <a:srgbClr val="7030A0"/>
+                </a:solidFill>
+                <a:latin typeface="Arial" panose="020B0604020202020204" pitchFamily="34" charset="0"/>
+                <a:cs typeface="Arial" panose="020B0604020202020204" pitchFamily="34" charset="0"/>
+              </a:rPr>
+              <a:t>Partie </a:t>
+            </a:r>
+            <a:r>
+              <a:rPr lang="fr-FR" sz="3200" b="1" dirty="0" smtClean="0">
+                <a:solidFill>
+                  <a:srgbClr val="7030A0"/>
+                </a:solidFill>
+                <a:latin typeface="Arial" panose="020B0604020202020204" pitchFamily="34" charset="0"/>
+                <a:cs typeface="Arial" panose="020B0604020202020204" pitchFamily="34" charset="0"/>
+              </a:rPr>
+              <a:t>8 </a:t>
+            </a:r>
+            <a:r>
+              <a:rPr lang="fr-FR" sz="3200" b="1" dirty="0">
+                <a:solidFill>
+                  <a:srgbClr val="7030A0"/>
+                </a:solidFill>
+                <a:latin typeface="Arial" panose="020B0604020202020204" pitchFamily="34" charset="0"/>
+                <a:cs typeface="Arial" panose="020B0604020202020204" pitchFamily="34" charset="0"/>
+              </a:rPr>
+              <a:t>: </a:t>
+            </a:r>
+            <a:r>
+              <a:rPr lang="fr-FR" sz="3200" b="1" dirty="0" smtClean="0">
+                <a:solidFill>
+                  <a:srgbClr val="7030A0"/>
+                </a:solidFill>
+                <a:latin typeface="Arial" panose="020B0604020202020204" pitchFamily="34" charset="0"/>
+                <a:cs typeface="Arial" panose="020B0604020202020204" pitchFamily="34" charset="0"/>
+              </a:rPr>
+              <a:t>autres librairies python pour le data </a:t>
+            </a:r>
+            <a:r>
+              <a:rPr lang="fr-FR" sz="3200" b="1" dirty="0" err="1" smtClean="0">
+                <a:solidFill>
+                  <a:srgbClr val="7030A0"/>
+                </a:solidFill>
+                <a:latin typeface="Arial" panose="020B0604020202020204" pitchFamily="34" charset="0"/>
+                <a:cs typeface="Arial" panose="020B0604020202020204" pitchFamily="34" charset="0"/>
+              </a:rPr>
+              <a:t>scientist</a:t>
+            </a:r>
+            <a:endParaRPr lang="fr-FR" sz="3200" dirty="0"/>
           </a:p>
         </p:txBody>
       </p:sp>
     </p:spTree>
     <p:extLst>
       <p:ext uri="{BB962C8B-B14F-4D97-AF65-F5344CB8AC3E}">
-        <p14:creationId xmlns:p14="http://schemas.microsoft.com/office/powerpoint/2010/main" val="1223387052"/>
+        <p14:creationId xmlns:p14="http://schemas.microsoft.com/office/powerpoint/2010/main" val="1048741414"/>
       </p:ext>
     </p:extLst>
   </p:cSld>
@@ -10292,109 +11237,75 @@
         </p:nvSpPr>
         <p:spPr/>
         <p:txBody>
+          <a:bodyPr>
+            <a:normAutofit/>
+          </a:bodyPr>
+          <a:lstStyle/>
+          <a:p>
+            <a:r>
+              <a:rPr lang="fr-FR" sz="3200" b="1" dirty="0" smtClean="0">
+                <a:latin typeface="Arial" panose="020B0604020202020204" pitchFamily="34" charset="0"/>
+                <a:cs typeface="Arial" panose="020B0604020202020204" pitchFamily="34" charset="0"/>
+              </a:rPr>
+              <a:t>Autres librairies</a:t>
+            </a:r>
+            <a:endParaRPr lang="fr-FR" sz="3200" b="1" dirty="0">
+              <a:latin typeface="Arial" panose="020B0604020202020204" pitchFamily="34" charset="0"/>
+              <a:cs typeface="Arial" panose="020B0604020202020204" pitchFamily="34" charset="0"/>
+            </a:endParaRPr>
+          </a:p>
+        </p:txBody>
+      </p:sp>
+      <p:sp>
+        <p:nvSpPr>
+          <p:cNvPr id="3" name="Espace réservé du contenu 2"/>
+          <p:cNvSpPr>
+            <a:spLocks noGrp="1"/>
+          </p:cNvSpPr>
+          <p:nvPr>
+            <p:ph idx="1"/>
+          </p:nvPr>
+        </p:nvSpPr>
+        <p:spPr/>
+        <p:txBody>
           <a:bodyPr/>
           <a:lstStyle/>
           <a:p>
             <a:r>
-              <a:rPr lang="fr-FR" dirty="0"/>
-              <a:t>Commandes </a:t>
-            </a:r>
-            <a:r>
-              <a:rPr lang="fr-FR" dirty="0" err="1"/>
-              <a:t>pip</a:t>
-            </a:r>
-            <a:endParaRPr lang="fr-FR" dirty="0"/>
-          </a:p>
-        </p:txBody>
-      </p:sp>
-      <p:sp>
-        <p:nvSpPr>
-          <p:cNvPr id="3" name="Espace réservé du contenu 2"/>
-          <p:cNvSpPr>
-            <a:spLocks noGrp="1"/>
-          </p:cNvSpPr>
-          <p:nvPr>
-            <p:ph idx="1"/>
-          </p:nvPr>
-        </p:nvSpPr>
-        <p:spPr/>
-        <p:txBody>
-          <a:bodyPr/>
-          <a:lstStyle/>
-          <a:p>
-            <a:r>
-              <a:rPr lang="fr-FR" dirty="0"/>
-              <a:t>Installer une librairie=&gt; </a:t>
-            </a:r>
-            <a:r>
-              <a:rPr lang="fr-FR" dirty="0" err="1"/>
-              <a:t>pip</a:t>
-            </a:r>
-            <a:r>
-              <a:rPr lang="fr-FR" dirty="0"/>
-              <a:t> </a:t>
-            </a:r>
-            <a:r>
-              <a:rPr lang="fr-FR" dirty="0" err="1"/>
-              <a:t>install</a:t>
-            </a:r>
-            <a:r>
-              <a:rPr lang="fr-FR" dirty="0"/>
-              <a:t> </a:t>
-            </a:r>
-            <a:r>
-              <a:rPr lang="fr-FR" dirty="0" err="1"/>
-              <a:t>nomLibrairie</a:t>
-            </a:r>
-            <a:endParaRPr lang="fr-FR" dirty="0"/>
-          </a:p>
-          <a:p>
-            <a:r>
-              <a:rPr lang="fr-FR" dirty="0"/>
-              <a:t>Version actuelle =&gt; </a:t>
-            </a:r>
-            <a:r>
-              <a:rPr lang="fr-FR" dirty="0" err="1"/>
-              <a:t>pip</a:t>
-            </a:r>
-            <a:r>
-              <a:rPr lang="fr-FR" dirty="0"/>
-              <a:t> show </a:t>
-            </a:r>
-            <a:r>
-              <a:rPr lang="fr-FR" dirty="0" err="1"/>
-              <a:t>nomLibrairie</a:t>
-            </a:r>
-            <a:endParaRPr lang="fr-FR" dirty="0"/>
-          </a:p>
-          <a:p>
-            <a:r>
-              <a:rPr lang="fr-FR" dirty="0"/>
-              <a:t>Upgrade librairie =&gt;</a:t>
-            </a:r>
-            <a:r>
-              <a:rPr lang="fr-FR" dirty="0" err="1"/>
-              <a:t>pip</a:t>
-            </a:r>
-            <a:r>
-              <a:rPr lang="fr-FR" dirty="0"/>
-              <a:t> </a:t>
-            </a:r>
-            <a:r>
-              <a:rPr lang="fr-FR" dirty="0" err="1"/>
-              <a:t>install</a:t>
-            </a:r>
-            <a:r>
-              <a:rPr lang="fr-FR" dirty="0"/>
-              <a:t> –upgrade </a:t>
-            </a:r>
-            <a:r>
-              <a:rPr lang="fr-FR" dirty="0" err="1"/>
-              <a:t>nomLibrairie</a:t>
-            </a:r>
-            <a:endParaRPr lang="fr-FR" dirty="0"/>
-          </a:p>
-          <a:p>
+              <a:rPr lang="fr-FR" dirty="0" smtClean="0"/>
+              <a:t>Traitement du langage naturel et text </a:t>
+            </a:r>
+            <a:r>
+              <a:rPr lang="fr-FR" dirty="0" err="1" smtClean="0"/>
+              <a:t>mining</a:t>
+            </a:r>
+            <a:r>
+              <a:rPr lang="fr-FR" dirty="0" smtClean="0"/>
+              <a:t> : </a:t>
+            </a:r>
+            <a:r>
+              <a:rPr lang="fr-FR" dirty="0" smtClean="0">
+                <a:hlinkClick r:id="rId2"/>
+              </a:rPr>
+              <a:t>NLTK</a:t>
+            </a:r>
+            <a:endParaRPr lang="fr-FR" dirty="0" smtClean="0"/>
+          </a:p>
+          <a:p>
+            <a:r>
+              <a:rPr lang="fr-FR" dirty="0" smtClean="0"/>
+              <a:t>Réseaux de neurones : </a:t>
+            </a:r>
+            <a:r>
+              <a:rPr lang="fr-FR" dirty="0" smtClean="0">
+                <a:hlinkClick r:id="rId3"/>
+              </a:rPr>
+              <a:t>keras </a:t>
+            </a:r>
+            <a:r>
+              <a:rPr lang="fr-FR" dirty="0" smtClean="0"/>
+              <a:t>avec TensorFlow</a:t>
+            </a:r>
             <a:endParaRPr lang="fr-FR" dirty="0"/>
           </a:p>
         </p:txBody>
@@ -10402,7 +11313,7 @@
     </p:spTree>
     <p:extLst>
       <p:ext uri="{BB962C8B-B14F-4D97-AF65-F5344CB8AC3E}">
-        <p14:creationId xmlns:p14="http://schemas.microsoft.com/office/powerpoint/2010/main" val="3603830431"/>
+        <p14:creationId xmlns:p14="http://schemas.microsoft.com/office/powerpoint/2010/main" val="1337697538"/>
       </p:ext>
     </p:extLst>
   </p:cSld>
@@ -10431,12 +11342,12 @@
       </p:grpSpPr>
       <p:sp>
         <p:nvSpPr>
-          <p:cNvPr id="2" name="Titre 1"/>
-          <p:cNvSpPr>
-            <a:spLocks noGrp="1"/>
-          </p:cNvSpPr>
-          <p:nvPr>
-            <p:ph type="title"/>
+          <p:cNvPr id="4" name="Titre 3"/>
+          <p:cNvSpPr>
+            <a:spLocks noGrp="1"/>
+          </p:cNvSpPr>
+          <p:nvPr>
+            <p:ph type="ctrTitle"/>
           </p:nvPr>
         </p:nvSpPr>
         <p:spPr/>
@@ -10448,115 +11359,64 @@
           <a:p>
             <a:r>
               <a:rPr lang="fr-FR" sz="3200" b="1" dirty="0">
-                <a:latin typeface="Arial" panose="020B0604020202020204" pitchFamily="34" charset="0"/>
-                <a:cs typeface="Arial" panose="020B0604020202020204" pitchFamily="34" charset="0"/>
-              </a:rPr>
-              <a:t>Performances : </a:t>
-            </a:r>
-            <a:r>
-              <a:rPr lang="fr-FR" sz="3200" b="1" dirty="0" err="1">
-                <a:latin typeface="Arial" panose="020B0604020202020204" pitchFamily="34" charset="0"/>
-                <a:cs typeface="Arial" panose="020B0604020202020204" pitchFamily="34" charset="0"/>
-              </a:rPr>
-              <a:t>Dask</a:t>
-            </a:r>
-            <a:endParaRPr lang="fr-FR" sz="3200" b="1" dirty="0">
-              <a:latin typeface="Arial" panose="020B0604020202020204" pitchFamily="34" charset="0"/>
-              <a:cs typeface="Arial" panose="020B0604020202020204" pitchFamily="34" charset="0"/>
-            </a:endParaRPr>
-          </a:p>
-        </p:txBody>
-      </p:sp>
-      <p:sp>
-        <p:nvSpPr>
-          <p:cNvPr id="3" name="Espace réservé du contenu 2"/>
-          <p:cNvSpPr>
-            <a:spLocks noGrp="1"/>
-          </p:cNvSpPr>
-          <p:nvPr>
-            <p:ph idx="1"/>
-          </p:nvPr>
-        </p:nvSpPr>
-        <p:spPr/>
-        <p:txBody>
-          <a:bodyPr/>
-          <a:lstStyle/>
-          <a:p>
-            <a:r>
-              <a:rPr lang="fr-FR" dirty="0" err="1">
-                <a:latin typeface="Arial" panose="020B0604020202020204" pitchFamily="34" charset="0"/>
-                <a:cs typeface="Arial" panose="020B0604020202020204" pitchFamily="34" charset="0"/>
-              </a:rPr>
-              <a:t>Parallélisation</a:t>
-            </a:r>
-            <a:r>
-              <a:rPr lang="fr-FR" dirty="0">
-                <a:latin typeface="Arial" panose="020B0604020202020204" pitchFamily="34" charset="0"/>
-                <a:cs typeface="Arial" panose="020B0604020202020204" pitchFamily="34" charset="0"/>
-              </a:rPr>
-              <a:t> exécution de fonctions</a:t>
-            </a:r>
-          </a:p>
-          <a:p>
-            <a:r>
-              <a:rPr lang="en-US" dirty="0">
-                <a:latin typeface="Arial" panose="020B0604020202020204" pitchFamily="34" charset="0"/>
-                <a:cs typeface="Arial" panose="020B0604020202020204" pitchFamily="34" charset="0"/>
-              </a:rPr>
-              <a:t>the </a:t>
-            </a:r>
-            <a:r>
-              <a:rPr lang="en-US" dirty="0" err="1">
-                <a:latin typeface="Arial" panose="020B0604020202020204" pitchFamily="34" charset="0"/>
-                <a:cs typeface="Arial" panose="020B0604020202020204" pitchFamily="34" charset="0"/>
-              </a:rPr>
-              <a:t>Dask</a:t>
-            </a:r>
-            <a:r>
-              <a:rPr lang="en-US" dirty="0">
-                <a:latin typeface="Arial" panose="020B0604020202020204" pitchFamily="34" charset="0"/>
-                <a:cs typeface="Arial" panose="020B0604020202020204" pitchFamily="34" charset="0"/>
-              </a:rPr>
-              <a:t> single-machine scheduler leverages the full CPU power of a laptop or a large workstation and changes the space limitation from </a:t>
-            </a:r>
-            <a:r>
-              <a:rPr lang="en-US" u="sng" dirty="0">
-                <a:latin typeface="Arial" panose="020B0604020202020204" pitchFamily="34" charset="0"/>
-                <a:cs typeface="Arial" panose="020B0604020202020204" pitchFamily="34" charset="0"/>
-              </a:rPr>
-              <a:t>“fits in memory” to “fits on disk”. </a:t>
-            </a:r>
-            <a:r>
-              <a:rPr lang="en-US" u="sng" dirty="0">
-                <a:latin typeface="Arial" panose="020B0604020202020204" pitchFamily="34" charset="0"/>
-                <a:cs typeface="Arial" panose="020B0604020202020204" pitchFamily="34" charset="0"/>
-                <a:hlinkClick r:id="rId2"/>
-              </a:rPr>
-              <a:t>Exemple</a:t>
-            </a:r>
-            <a:endParaRPr lang="fr-FR" u="sng" dirty="0">
-              <a:latin typeface="Arial" panose="020B0604020202020204" pitchFamily="34" charset="0"/>
-              <a:cs typeface="Arial" panose="020B0604020202020204" pitchFamily="34" charset="0"/>
-            </a:endParaRPr>
-          </a:p>
-          <a:p>
-            <a:endParaRPr lang="fr-FR" dirty="0"/>
-          </a:p>
-          <a:p>
-            <a:endParaRPr lang="fr-FR" dirty="0"/>
+                <a:solidFill>
+                  <a:srgbClr val="7030A0"/>
+                </a:solidFill>
+                <a:latin typeface="Arial" panose="020B0604020202020204" pitchFamily="34" charset="0"/>
+                <a:cs typeface="Arial" panose="020B0604020202020204" pitchFamily="34" charset="0"/>
+              </a:rPr>
+              <a:t>Partie </a:t>
+            </a:r>
+            <a:r>
+              <a:rPr lang="fr-FR" sz="3200" b="1" dirty="0">
+                <a:solidFill>
+                  <a:srgbClr val="7030A0"/>
+                </a:solidFill>
+                <a:latin typeface="Arial" panose="020B0604020202020204" pitchFamily="34" charset="0"/>
+                <a:cs typeface="Arial" panose="020B0604020202020204" pitchFamily="34" charset="0"/>
+              </a:rPr>
+              <a:t>9</a:t>
+            </a:r>
+            <a:r>
+              <a:rPr lang="fr-FR" sz="3200" b="1" dirty="0" smtClean="0">
+                <a:solidFill>
+                  <a:srgbClr val="7030A0"/>
+                </a:solidFill>
+                <a:latin typeface="Arial" panose="020B0604020202020204" pitchFamily="34" charset="0"/>
+                <a:cs typeface="Arial" panose="020B0604020202020204" pitchFamily="34" charset="0"/>
+              </a:rPr>
+              <a:t> </a:t>
+            </a:r>
+            <a:r>
+              <a:rPr lang="fr-FR" sz="3200" b="1" dirty="0">
+                <a:solidFill>
+                  <a:srgbClr val="7030A0"/>
+                </a:solidFill>
+                <a:latin typeface="Arial" panose="020B0604020202020204" pitchFamily="34" charset="0"/>
+                <a:cs typeface="Arial" panose="020B0604020202020204" pitchFamily="34" charset="0"/>
+              </a:rPr>
+              <a:t>: sujets transverses</a:t>
+            </a:r>
           </a:p>
         </p:txBody>
       </p:sp>
     </p:spTree>
     <p:extLst>
       <p:ext uri="{BB962C8B-B14F-4D97-AF65-F5344CB8AC3E}">
-        <p14:creationId xmlns:p14="http://schemas.microsoft.com/office/powerpoint/2010/main" val="459145281"/>
+        <p14:creationId xmlns:p14="http://schemas.microsoft.com/office/powerpoint/2010/main" val="1486631537"/>
       </p:ext>
     </p:extLst>
   </p:cSld>
   <p:clrMapOvr>
     <a:masterClrMapping/>
   </p:clrMapOvr>
+  <p:timing>
+    <p:tnLst>
+      <p:par>
+        <p:cTn id="1" dur="indefinite" restart="never" nodeType="tmRoot"/>
+      </p:par>
+    </p:tnLst>
+  </p:timing>
 </p:sld>
 </file>
 
@@ -10595,12 +11455,469 @@
           <a:lstStyle/>
           <a:p>
             <a:r>
-              <a:rPr lang="fr-FR" sz="3200" b="1" dirty="0">
+              <a:rPr lang="fr-FR" sz="3200" b="1" dirty="0" smtClean="0">
+                <a:latin typeface="Arial" panose="020B0604020202020204" pitchFamily="34" charset="0"/>
+                <a:cs typeface="Arial" panose="020B0604020202020204" pitchFamily="34" charset="0"/>
+              </a:rPr>
+              <a:t>Une autre façon de travailler : les notebooks</a:t>
+            </a:r>
+            <a:endParaRPr lang="fr-FR" sz="3200" b="1" dirty="0">
+              <a:latin typeface="Arial" panose="020B0604020202020204" pitchFamily="34" charset="0"/>
+              <a:cs typeface="Arial" panose="020B0604020202020204" pitchFamily="34" charset="0"/>
+            </a:endParaRPr>
+          </a:p>
+        </p:txBody>
+      </p:sp>
+      <p:sp>
+        <p:nvSpPr>
+          <p:cNvPr id="3" name="Espace réservé du contenu 2"/>
+          <p:cNvSpPr>
+            <a:spLocks noGrp="1"/>
+          </p:cNvSpPr>
+          <p:nvPr>
+            <p:ph idx="1"/>
+          </p:nvPr>
+        </p:nvSpPr>
+        <p:spPr/>
+        <p:txBody>
+          <a:bodyPr/>
+          <a:lstStyle/>
+          <a:p>
+            <a:r>
+              <a:rPr lang="fr-FR" dirty="0" smtClean="0">
+                <a:latin typeface="Arial" panose="020B0604020202020204" pitchFamily="34" charset="0"/>
+                <a:cs typeface="Arial" panose="020B0604020202020204" pitchFamily="34" charset="0"/>
+              </a:rPr>
+              <a:t>Code python</a:t>
+            </a:r>
+          </a:p>
+          <a:p>
+            <a:r>
+              <a:rPr lang="fr-FR" dirty="0" smtClean="0">
+                <a:latin typeface="Arial" panose="020B0604020202020204" pitchFamily="34" charset="0"/>
+                <a:cs typeface="Arial" panose="020B0604020202020204" pitchFamily="34" charset="0"/>
+              </a:rPr>
+              <a:t>Documentation en markdown , possibilité d’écrire des </a:t>
+            </a:r>
+            <a:r>
+              <a:rPr lang="fr-FR" dirty="0" smtClean="0">
+                <a:latin typeface="Arial" panose="020B0604020202020204" pitchFamily="34" charset="0"/>
+                <a:cs typeface="Arial" panose="020B0604020202020204" pitchFamily="34" charset="0"/>
+                <a:hlinkClick r:id="rId2"/>
+              </a:rPr>
+              <a:t>équations mathématiques</a:t>
+            </a:r>
+            <a:endParaRPr lang="fr-FR" dirty="0" smtClean="0">
+              <a:latin typeface="Arial" panose="020B0604020202020204" pitchFamily="34" charset="0"/>
+              <a:cs typeface="Arial" panose="020B0604020202020204" pitchFamily="34" charset="0"/>
+            </a:endParaRPr>
+          </a:p>
+          <a:p>
+            <a:r>
+              <a:rPr lang="fr-FR" dirty="0" smtClean="0">
+                <a:latin typeface="Arial" panose="020B0604020202020204" pitchFamily="34" charset="0"/>
+                <a:cs typeface="Arial" panose="020B0604020202020204" pitchFamily="34" charset="0"/>
+              </a:rPr>
+              <a:t>Exports dans de nombreux formats possible</a:t>
+            </a:r>
+            <a:endParaRPr lang="fr-FR" dirty="0">
+              <a:latin typeface="Arial" panose="020B0604020202020204" pitchFamily="34" charset="0"/>
+              <a:cs typeface="Arial" panose="020B0604020202020204" pitchFamily="34" charset="0"/>
+            </a:endParaRPr>
+          </a:p>
+        </p:txBody>
+      </p:sp>
+    </p:spTree>
+    <p:extLst>
+      <p:ext uri="{BB962C8B-B14F-4D97-AF65-F5344CB8AC3E}">
+        <p14:creationId xmlns:p14="http://schemas.microsoft.com/office/powerpoint/2010/main" val="865216358"/>
+      </p:ext>
+    </p:extLst>
+  </p:cSld>
+  <p:clrMapOvr>
+    <a:masterClrMapping/>
+  </p:clrMapOvr>
+</p:sld>
+</file>
+
+<file path=ppt/slides/slide54.xml><?xml version="1.0" encoding="utf-8"?>
+<p:sld xmlns:a="http://schemas.openxmlformats.org/drawingml/2006/main" xmlns:r="http://schemas.openxmlformats.org/officeDocument/2006/relationships" xmlns:p="http://schemas.openxmlformats.org/presentationml/2006/main">
+  <p:cSld>
+    <p:spTree>
+      <p:nvGrpSpPr>
+        <p:cNvPr id="1" name=""/>
+        <p:cNvGrpSpPr/>
+        <p:nvPr/>
+      </p:nvGrpSpPr>
+      <p:grpSpPr>
+        <a:xfrm>
+          <a:off x="0" y="0"/>
+          <a:ext cx="0" cy="0"/>
+          <a:chOff x="0" y="0"/>
+          <a:chExt cx="0" cy="0"/>
+        </a:xfrm>
+      </p:grpSpPr>
+      <p:sp>
+        <p:nvSpPr>
+          <p:cNvPr id="2" name="Titre 1"/>
+          <p:cNvSpPr>
+            <a:spLocks noGrp="1"/>
+          </p:cNvSpPr>
+          <p:nvPr>
+            <p:ph type="title"/>
+          </p:nvPr>
+        </p:nvSpPr>
+        <p:spPr/>
+        <p:txBody>
+          <a:bodyPr>
+            <a:normAutofit/>
+          </a:bodyPr>
+          <a:lstStyle/>
+          <a:p>
+            <a:r>
+              <a:rPr lang="fr-FR" sz="3200" b="1" dirty="0" smtClean="0">
+                <a:latin typeface="Arial" panose="020B0604020202020204" pitchFamily="34" charset="0"/>
+                <a:cs typeface="Arial" panose="020B0604020202020204" pitchFamily="34" charset="0"/>
+              </a:rPr>
+              <a:t>Commandes </a:t>
+            </a:r>
+            <a:r>
+              <a:rPr lang="fr-FR" sz="3200" b="1" dirty="0" err="1" smtClean="0">
+                <a:latin typeface="Arial" panose="020B0604020202020204" pitchFamily="34" charset="0"/>
+                <a:cs typeface="Arial" panose="020B0604020202020204" pitchFamily="34" charset="0"/>
+              </a:rPr>
+              <a:t>pip</a:t>
+            </a:r>
+            <a:endParaRPr lang="fr-FR" sz="3200" b="1" dirty="0">
+              <a:latin typeface="Arial" panose="020B0604020202020204" pitchFamily="34" charset="0"/>
+              <a:cs typeface="Arial" panose="020B0604020202020204" pitchFamily="34" charset="0"/>
+            </a:endParaRPr>
+          </a:p>
+        </p:txBody>
+      </p:sp>
+      <p:sp>
+        <p:nvSpPr>
+          <p:cNvPr id="3" name="Espace réservé du contenu 2"/>
+          <p:cNvSpPr>
+            <a:spLocks noGrp="1"/>
+          </p:cNvSpPr>
+          <p:nvPr>
+            <p:ph idx="1"/>
+          </p:nvPr>
+        </p:nvSpPr>
+        <p:spPr/>
+        <p:txBody>
+          <a:bodyPr/>
+          <a:lstStyle/>
+          <a:p>
+            <a:r>
+              <a:rPr lang="fr-FR" dirty="0" smtClean="0"/>
+              <a:t>Installer une librairie=&gt; </a:t>
+            </a:r>
+            <a:r>
+              <a:rPr lang="fr-FR" dirty="0" err="1" smtClean="0"/>
+              <a:t>pip</a:t>
+            </a:r>
+            <a:r>
+              <a:rPr lang="fr-FR" dirty="0" smtClean="0"/>
+              <a:t> </a:t>
+            </a:r>
+            <a:r>
+              <a:rPr lang="fr-FR" dirty="0" err="1" smtClean="0"/>
+              <a:t>install</a:t>
+            </a:r>
+            <a:r>
+              <a:rPr lang="fr-FR" dirty="0" smtClean="0"/>
+              <a:t> </a:t>
+            </a:r>
+            <a:r>
+              <a:rPr lang="fr-FR" dirty="0" err="1" smtClean="0"/>
+              <a:t>nomLibrairie</a:t>
+            </a:r>
+            <a:endParaRPr lang="fr-FR" dirty="0" smtClean="0"/>
+          </a:p>
+          <a:p>
+            <a:r>
+              <a:rPr lang="fr-FR" dirty="0" smtClean="0"/>
+              <a:t>Version actuelle =&gt; </a:t>
+            </a:r>
+            <a:r>
+              <a:rPr lang="fr-FR" dirty="0" err="1" smtClean="0"/>
+              <a:t>pip</a:t>
+            </a:r>
+            <a:r>
+              <a:rPr lang="fr-FR" dirty="0" smtClean="0"/>
+              <a:t> show </a:t>
+            </a:r>
+            <a:r>
+              <a:rPr lang="fr-FR" dirty="0" err="1" smtClean="0"/>
+              <a:t>nomLibrairie</a:t>
+            </a:r>
+            <a:endParaRPr lang="fr-FR" dirty="0" smtClean="0"/>
+          </a:p>
+          <a:p>
+            <a:r>
+              <a:rPr lang="fr-FR" dirty="0" smtClean="0"/>
+              <a:t>Upgrade librairie =&gt;</a:t>
+            </a:r>
+            <a:r>
+              <a:rPr lang="fr-FR" dirty="0" err="1"/>
+              <a:t>pip</a:t>
+            </a:r>
+            <a:r>
+              <a:rPr lang="fr-FR" dirty="0"/>
+              <a:t> </a:t>
+            </a:r>
+            <a:r>
+              <a:rPr lang="fr-FR" dirty="0" err="1"/>
+              <a:t>install</a:t>
+            </a:r>
+            <a:r>
+              <a:rPr lang="fr-FR" dirty="0"/>
+              <a:t> </a:t>
+            </a:r>
+            <a:r>
+              <a:rPr lang="fr-FR" dirty="0" smtClean="0"/>
+              <a:t>–upgrade </a:t>
+            </a:r>
+            <a:r>
+              <a:rPr lang="fr-FR" dirty="0" err="1" smtClean="0"/>
+              <a:t>nomLibrairie</a:t>
+            </a:r>
+            <a:endParaRPr lang="fr-FR" dirty="0"/>
+          </a:p>
+          <a:p>
+            <a:endParaRPr lang="fr-FR" dirty="0"/>
+          </a:p>
+        </p:txBody>
+      </p:sp>
+    </p:spTree>
+    <p:extLst>
+      <p:ext uri="{BB962C8B-B14F-4D97-AF65-F5344CB8AC3E}">
+        <p14:creationId xmlns:p14="http://schemas.microsoft.com/office/powerpoint/2010/main" val="3603830431"/>
+      </p:ext>
+    </p:extLst>
+  </p:cSld>
+  <p:clrMapOvr>
+    <a:masterClrMapping/>
+  </p:clrMapOvr>
+  <p:timing>
+    <p:tnLst>
+      <p:par>
+        <p:cTn id="1" dur="indefinite" restart="never" nodeType="tmRoot"/>
+      </p:par>
+    </p:tnLst>
+  </p:timing>
+</p:sld>
+</file>
+
+<file path=ppt/slides/slide55.xml><?xml version="1.0" encoding="utf-8"?>
+<p:sld xmlns:a="http://schemas.openxmlformats.org/drawingml/2006/main" xmlns:r="http://schemas.openxmlformats.org/officeDocument/2006/relationships" xmlns:p="http://schemas.openxmlformats.org/presentationml/2006/main">
+  <p:cSld>
+    <p:spTree>
+      <p:nvGrpSpPr>
+        <p:cNvPr id="1" name=""/>
+        <p:cNvGrpSpPr/>
+        <p:nvPr/>
+      </p:nvGrpSpPr>
+      <p:grpSpPr>
+        <a:xfrm>
+          <a:off x="0" y="0"/>
+          <a:ext cx="0" cy="0"/>
+          <a:chOff x="0" y="0"/>
+          <a:chExt cx="0" cy="0"/>
+        </a:xfrm>
+      </p:grpSpPr>
+      <p:sp>
+        <p:nvSpPr>
+          <p:cNvPr id="2" name="Titre 1"/>
+          <p:cNvSpPr>
+            <a:spLocks noGrp="1"/>
+          </p:cNvSpPr>
+          <p:nvPr>
+            <p:ph type="title"/>
+          </p:nvPr>
+        </p:nvSpPr>
+        <p:spPr/>
+        <p:txBody>
+          <a:bodyPr>
+            <a:normAutofit/>
+          </a:bodyPr>
+          <a:lstStyle/>
+          <a:p>
+            <a:r>
+              <a:rPr lang="fr-FR" sz="3200" b="1" dirty="0" smtClean="0">
+                <a:latin typeface="Arial" panose="020B0604020202020204" pitchFamily="34" charset="0"/>
+                <a:cs typeface="Arial" panose="020B0604020202020204" pitchFamily="34" charset="0"/>
+              </a:rPr>
+              <a:t>Performances : </a:t>
+            </a:r>
+            <a:r>
+              <a:rPr lang="fr-FR" sz="3200" b="1" dirty="0" err="1" smtClean="0">
+                <a:latin typeface="Arial" panose="020B0604020202020204" pitchFamily="34" charset="0"/>
+                <a:cs typeface="Arial" panose="020B0604020202020204" pitchFamily="34" charset="0"/>
+              </a:rPr>
+              <a:t>Dask</a:t>
+            </a:r>
+            <a:endParaRPr lang="fr-FR" sz="3200" b="1" dirty="0">
+              <a:latin typeface="Arial" panose="020B0604020202020204" pitchFamily="34" charset="0"/>
+              <a:cs typeface="Arial" panose="020B0604020202020204" pitchFamily="34" charset="0"/>
+            </a:endParaRPr>
+          </a:p>
+        </p:txBody>
+      </p:sp>
+      <p:sp>
+        <p:nvSpPr>
+          <p:cNvPr id="3" name="Espace réservé du contenu 2"/>
+          <p:cNvSpPr>
+            <a:spLocks noGrp="1"/>
+          </p:cNvSpPr>
+          <p:nvPr>
+            <p:ph idx="1"/>
+          </p:nvPr>
+        </p:nvSpPr>
+        <p:spPr/>
+        <p:txBody>
+          <a:bodyPr/>
+          <a:lstStyle/>
+          <a:p>
+            <a:r>
+              <a:rPr lang="fr-FR" dirty="0" err="1" smtClean="0">
+                <a:latin typeface="Arial" panose="020B0604020202020204" pitchFamily="34" charset="0"/>
+                <a:cs typeface="Arial" panose="020B0604020202020204" pitchFamily="34" charset="0"/>
+              </a:rPr>
+              <a:t>Parallélisation</a:t>
+            </a:r>
+            <a:r>
+              <a:rPr lang="fr-FR" dirty="0" smtClean="0">
+                <a:latin typeface="Arial" panose="020B0604020202020204" pitchFamily="34" charset="0"/>
+                <a:cs typeface="Arial" panose="020B0604020202020204" pitchFamily="34" charset="0"/>
+              </a:rPr>
+              <a:t> exécution de fonctions</a:t>
+            </a:r>
+          </a:p>
+          <a:p>
+            <a:r>
+              <a:rPr lang="en-US" dirty="0">
+                <a:latin typeface="Arial" panose="020B0604020202020204" pitchFamily="34" charset="0"/>
+                <a:cs typeface="Arial" panose="020B0604020202020204" pitchFamily="34" charset="0"/>
+              </a:rPr>
+              <a:t>the </a:t>
+            </a:r>
+            <a:r>
+              <a:rPr lang="en-US" dirty="0" err="1">
+                <a:latin typeface="Arial" panose="020B0604020202020204" pitchFamily="34" charset="0"/>
+                <a:cs typeface="Arial" panose="020B0604020202020204" pitchFamily="34" charset="0"/>
+              </a:rPr>
+              <a:t>Dask</a:t>
+            </a:r>
+            <a:r>
+              <a:rPr lang="en-US" dirty="0">
+                <a:latin typeface="Arial" panose="020B0604020202020204" pitchFamily="34" charset="0"/>
+                <a:cs typeface="Arial" panose="020B0604020202020204" pitchFamily="34" charset="0"/>
+              </a:rPr>
+              <a:t> single-machine scheduler leverages the full CPU power of a laptop or a large workstation and changes the space limitation from </a:t>
+            </a:r>
+            <a:r>
+              <a:rPr lang="en-US" u="sng" dirty="0">
+                <a:latin typeface="Arial" panose="020B0604020202020204" pitchFamily="34" charset="0"/>
+                <a:cs typeface="Arial" panose="020B0604020202020204" pitchFamily="34" charset="0"/>
+              </a:rPr>
+              <a:t>“fits in memory” to “fits on disk</a:t>
+            </a:r>
+            <a:r>
+              <a:rPr lang="en-US" u="sng" dirty="0" smtClean="0">
+                <a:latin typeface="Arial" panose="020B0604020202020204" pitchFamily="34" charset="0"/>
+                <a:cs typeface="Arial" panose="020B0604020202020204" pitchFamily="34" charset="0"/>
+              </a:rPr>
+              <a:t>”. </a:t>
+            </a:r>
+            <a:r>
+              <a:rPr lang="en-US" u="sng" dirty="0" smtClean="0">
+                <a:latin typeface="Arial" panose="020B0604020202020204" pitchFamily="34" charset="0"/>
+                <a:cs typeface="Arial" panose="020B0604020202020204" pitchFamily="34" charset="0"/>
+                <a:hlinkClick r:id="rId2"/>
+              </a:rPr>
+              <a:t>Exemple</a:t>
+            </a:r>
+            <a:endParaRPr lang="fr-FR" u="sng" dirty="0" smtClean="0">
+              <a:latin typeface="Arial" panose="020B0604020202020204" pitchFamily="34" charset="0"/>
+              <a:cs typeface="Arial" panose="020B0604020202020204" pitchFamily="34" charset="0"/>
+            </a:endParaRPr>
+          </a:p>
+          <a:p>
+            <a:endParaRPr lang="fr-FR" dirty="0"/>
+          </a:p>
+          <a:p>
+            <a:endParaRPr lang="fr-FR" dirty="0"/>
+          </a:p>
+        </p:txBody>
+      </p:sp>
+    </p:spTree>
+    <p:extLst>
+      <p:ext uri="{BB962C8B-B14F-4D97-AF65-F5344CB8AC3E}">
+        <p14:creationId xmlns:p14="http://schemas.microsoft.com/office/powerpoint/2010/main" val="459145281"/>
+      </p:ext>
+    </p:extLst>
+  </p:cSld>
+  <p:clrMapOvr>
+    <a:masterClrMapping/>
+  </p:clrMapOvr>
+  <p:timing>
+    <p:tnLst>
+      <p:par>
+        <p:cTn id="1" dur="indefinite" restart="never" nodeType="tmRoot"/>
+      </p:par>
+    </p:tnLst>
+  </p:timing>
+</p:sld>
+</file>
+
+<file path=ppt/slides/slide56.xml><?xml version="1.0" encoding="utf-8"?>
+<p:sld xmlns:a="http://schemas.openxmlformats.org/drawingml/2006/main" xmlns:r="http://schemas.openxmlformats.org/officeDocument/2006/relationships" xmlns:p="http://schemas.openxmlformats.org/presentationml/2006/main">
+  <p:cSld>
+    <p:spTree>
+      <p:nvGrpSpPr>
+        <p:cNvPr id="1" name=""/>
+        <p:cNvGrpSpPr/>
+        <p:nvPr/>
+      </p:nvGrpSpPr>
+      <p:grpSpPr>
+        <a:xfrm>
+          <a:off x="0" y="0"/>
+          <a:ext cx="0" cy="0"/>
+          <a:chOff x="0" y="0"/>
+          <a:chExt cx="0" cy="0"/>
+        </a:xfrm>
+      </p:grpSpPr>
+      <p:sp>
+        <p:nvSpPr>
+          <p:cNvPr id="2" name="Titre 1"/>
+          <p:cNvSpPr>
+            <a:spLocks noGrp="1"/>
+          </p:cNvSpPr>
+          <p:nvPr>
+            <p:ph type="title"/>
+          </p:nvPr>
+        </p:nvSpPr>
+        <p:spPr/>
+        <p:txBody>
+          <a:bodyPr>
+            <a:normAutofit/>
+          </a:bodyPr>
+          <a:lstStyle/>
+          <a:p>
+            <a:r>
+              <a:rPr lang="fr-FR" sz="3200" b="1" dirty="0" smtClean="0">
                 <a:latin typeface="Arial" panose="020B0604020202020204" pitchFamily="34" charset="0"/>
                 <a:cs typeface="Arial" panose="020B0604020202020204" pitchFamily="34" charset="0"/>
               </a:rPr>
               <a:t>Zen of python</a:t>
             </a:r>
+            <a:endParaRPr lang="fr-FR" sz="3200" b="1" dirty="0">
+              <a:latin typeface="Arial" panose="020B0604020202020204" pitchFamily="34" charset="0"/>
+              <a:cs typeface="Arial" panose="020B0604020202020204" pitchFamily="34" charset="0"/>
+            </a:endParaRPr>
           </a:p>
         </p:txBody>
       </p:sp>
@@ -10644,10 +11961,17 @@
   <p:clrMapOvr>
     <a:masterClrMapping/>
   </p:clrMapOvr>
+  <p:timing>
+    <p:tnLst>
+      <p:par>
+        <p:cTn id="1" dur="indefinite" restart="never" nodeType="tmRoot"/>
+      </p:par>
+    </p:tnLst>
+  </p:timing>
 </p:sld>
 </file>
 
-<file path=ppt/slides/slide54.xml><?xml version="1.0" encoding="utf-8"?>
+<file path=ppt/slides/slide57.xml><?xml version="1.0" encoding="utf-8"?>
 <p:sld xmlns:a="http://schemas.openxmlformats.org/drawingml/2006/main" xmlns:r="http://schemas.openxmlformats.org/officeDocument/2006/relationships" xmlns:p="http://schemas.openxmlformats.org/presentationml/2006/main">
   <p:cSld>
     <p:spTree>
@@ -10682,12 +12006,16 @@
           <a:lstStyle/>
           <a:p>
             <a:r>
-              <a:rPr lang="fr-FR" sz="3200" b="1" dirty="0">
+              <a:rPr lang="fr-FR" sz="3200" b="1" dirty="0" smtClean="0">
                 <a:latin typeface="Arial" panose="020B0604020202020204" pitchFamily="34" charset="0"/>
                 <a:cs typeface="Arial" panose="020B0604020202020204" pitchFamily="34" charset="0"/>
               </a:rPr>
               <a:t>autres</a:t>
             </a:r>
+            <a:endParaRPr lang="fr-FR" sz="3200" b="1" dirty="0">
+              <a:latin typeface="Arial" panose="020B0604020202020204" pitchFamily="34" charset="0"/>
+              <a:cs typeface="Arial" panose="020B0604020202020204" pitchFamily="34" charset="0"/>
+            </a:endParaRPr>
           </a:p>
         </p:txBody>
       </p:sp>
@@ -10707,11 +12035,18 @@
           <a:lstStyle/>
           <a:p>
             <a:r>
+              <a:rPr lang="fr-FR" dirty="0" smtClean="0">
+                <a:latin typeface="Arial" panose="020B0604020202020204" pitchFamily="34" charset="0"/>
+                <a:cs typeface="Arial" panose="020B0604020202020204" pitchFamily="34" charset="0"/>
+              </a:rPr>
+              <a:t>Tests </a:t>
+            </a:r>
+            <a:r>
               <a:rPr lang="fr-FR" dirty="0">
                 <a:latin typeface="Arial" panose="020B0604020202020204" pitchFamily="34" charset="0"/>
                 <a:cs typeface="Arial" panose="020B0604020202020204" pitchFamily="34" charset="0"/>
               </a:rPr>
-              <a:t>Tests unitaires</a:t>
+              <a:t>unitaires</a:t>
             </a:r>
           </a:p>
           <a:p>
@@ -10748,17 +12083,35 @@
                 <a:latin typeface="Arial" panose="020B0604020202020204" pitchFamily="34" charset="0"/>
                 <a:cs typeface="Arial" panose="020B0604020202020204" pitchFamily="34" charset="0"/>
               </a:rPr>
-              <a:t> desktop).</a:t>
-            </a:r>
-          </a:p>
-          <a:p>
-            <a:r>
-              <a:rPr lang="fr-FR" dirty="0">
-                <a:latin typeface="Arial" panose="020B0604020202020204" pitchFamily="34" charset="0"/>
-                <a:cs typeface="Arial" panose="020B0604020202020204" pitchFamily="34" charset="0"/>
-              </a:rPr>
-              <a:t>Les environnements virtuels</a:t>
-            </a:r>
+              <a:t> desktop</a:t>
+            </a:r>
+            <a:r>
+              <a:rPr lang="fr-FR" dirty="0" smtClean="0">
+                <a:latin typeface="Arial" panose="020B0604020202020204" pitchFamily="34" charset="0"/>
+                <a:cs typeface="Arial" panose="020B0604020202020204" pitchFamily="34" charset="0"/>
+              </a:rPr>
+              <a:t>).</a:t>
+            </a:r>
+          </a:p>
+          <a:p>
+            <a:r>
+              <a:rPr lang="fr-FR" dirty="0" smtClean="0">
+                <a:latin typeface="Arial" panose="020B0604020202020204" pitchFamily="34" charset="0"/>
+                <a:cs typeface="Arial" panose="020B0604020202020204" pitchFamily="34" charset="0"/>
+              </a:rPr>
+              <a:t>Les </a:t>
+            </a:r>
+            <a:r>
+              <a:rPr lang="fr-FR" dirty="0" smtClean="0">
+                <a:latin typeface="Arial" panose="020B0604020202020204" pitchFamily="34" charset="0"/>
+                <a:cs typeface="Arial" panose="020B0604020202020204" pitchFamily="34" charset="0"/>
+              </a:rPr>
+              <a:t>environnements virtuels</a:t>
+            </a:r>
+            <a:endParaRPr lang="fr-FR" dirty="0">
+              <a:latin typeface="Arial" panose="020B0604020202020204" pitchFamily="34" charset="0"/>
+              <a:cs typeface="Arial" panose="020B0604020202020204" pitchFamily="34" charset="0"/>
+            </a:endParaRPr>
           </a:p>
           <a:p>
             <a:pPr marL="0" indent="0">
@@ -10778,10 +12131,17 @@
   <p:clrMapOvr>
     <a:masterClrMapping/>
   </p:clrMapOvr>
+  <p:timing>
+    <p:tnLst>
+      <p:par>
+        <p:cTn id="1" dur="indefinite" restart="never" nodeType="tmRoot"/>
+      </p:par>
+    </p:tnLst>
+  </p:timing>
 </p:sld>
 </file>
 
-<file path=ppt/slides/slide55.xml><?xml version="1.0" encoding="utf-8"?>
+<file path=ppt/slides/slide58.xml><?xml version="1.0" encoding="utf-8"?>
 <p:sld xmlns:a="http://schemas.openxmlformats.org/drawingml/2006/main" xmlns:r="http://schemas.openxmlformats.org/officeDocument/2006/relationships" xmlns:p="http://schemas.openxmlformats.org/presentationml/2006/main">
   <p:cSld>
     <p:spTree>
@@ -10838,10 +12198,147 @@
   <p:clrMapOvr>
     <a:masterClrMapping/>
   </p:clrMapOvr>
+  <p:timing>
+    <p:tnLst>
+      <p:par>
+        <p:cTn id="1" dur="indefinite" restart="never" nodeType="tmRoot"/>
+      </p:par>
+    </p:tnLst>
+  </p:timing>
 </p:sld>
 </file>
 
 <file path=ppt/slides/slide6.xml><?xml version="1.0" encoding="utf-8"?>
+<p:sld xmlns:a="http://schemas.openxmlformats.org/drawingml/2006/main" xmlns:r="http://schemas.openxmlformats.org/officeDocument/2006/relationships" xmlns:p="http://schemas.openxmlformats.org/presentationml/2006/main">
+  <p:cSld>
+    <p:spTree>
+      <p:nvGrpSpPr>
+        <p:cNvPr id="1" name=""/>
+        <p:cNvGrpSpPr/>
+        <p:nvPr/>
+      </p:nvGrpSpPr>
+      <p:grpSpPr>
+        <a:xfrm>
+          <a:off x="0" y="0"/>
+          <a:ext cx="0" cy="0"/>
+          <a:chOff x="0" y="0"/>
+          <a:chExt cx="0" cy="0"/>
+        </a:xfrm>
+      </p:grpSpPr>
+      <p:sp>
+        <p:nvSpPr>
+          <p:cNvPr id="2" name="Titre 1"/>
+          <p:cNvSpPr>
+            <a:spLocks noGrp="1"/>
+          </p:cNvSpPr>
+          <p:nvPr>
+            <p:ph type="title"/>
+          </p:nvPr>
+        </p:nvSpPr>
+        <p:spPr/>
+        <p:txBody>
+          <a:bodyPr>
+            <a:normAutofit/>
+          </a:bodyPr>
+          <a:lstStyle/>
+          <a:p>
+            <a:r>
+              <a:rPr lang="en-US" sz="3200" b="1" dirty="0">
+                <a:latin typeface="Arial" panose="020B0604020202020204" pitchFamily="34" charset="0"/>
+                <a:cs typeface="Arial" panose="020B0604020202020204" pitchFamily="34" charset="0"/>
+              </a:rPr>
+              <a:t>Data Science Job Report 2017</a:t>
+            </a:r>
+            <a:endParaRPr lang="fr-FR" sz="3200" dirty="0">
+              <a:latin typeface="Arial" panose="020B0604020202020204" pitchFamily="34" charset="0"/>
+              <a:cs typeface="Arial" panose="020B0604020202020204" pitchFamily="34" charset="0"/>
+            </a:endParaRPr>
+          </a:p>
+        </p:txBody>
+      </p:sp>
+      <p:sp>
+        <p:nvSpPr>
+          <p:cNvPr id="3" name="Espace réservé du contenu 2"/>
+          <p:cNvSpPr>
+            <a:spLocks noGrp="1"/>
+          </p:cNvSpPr>
+          <p:nvPr>
+            <p:ph idx="1"/>
+          </p:nvPr>
+        </p:nvSpPr>
+        <p:spPr>
+          <a:xfrm>
+            <a:off x="457200" y="1124744"/>
+            <a:ext cx="8507288" cy="5001419"/>
+          </a:xfrm>
+        </p:spPr>
+        <p:txBody>
+          <a:bodyPr/>
+          <a:lstStyle/>
+          <a:p>
+            <a:pPr marL="0" indent="0">
+              <a:buNone/>
+            </a:pPr>
+            <a:r>
+              <a:rPr lang="fr-FR" sz="2000" dirty="0">
+                <a:latin typeface="Arial" panose="020B0604020202020204" pitchFamily="34" charset="0"/>
+                <a:cs typeface="Arial" panose="020B0604020202020204" pitchFamily="34" charset="0"/>
+              </a:rPr>
+              <a:t>Les tendances des jobs de data science pour R (bleu) et SAS (orange)</a:t>
+            </a:r>
+          </a:p>
+          <a:p>
+            <a:pPr marL="0" indent="0">
+              <a:buNone/>
+            </a:pPr>
+            <a:endParaRPr lang="fr-FR" dirty="0"/>
+          </a:p>
+        </p:txBody>
+      </p:sp>
+      <p:pic>
+        <p:nvPicPr>
+          <p:cNvPr id="5" name="Image 4"/>
+          <p:cNvPicPr>
+            <a:picLocks noChangeAspect="1"/>
+          </p:cNvPicPr>
+          <p:nvPr/>
+        </p:nvPicPr>
+        <p:blipFill>
+          <a:blip r:embed="rId2">
+            <a:extLst>
+              <a:ext uri="{28A0092B-C50C-407E-A947-70E740481C1C}">
+                <a14:useLocalDpi xmlns:a14="http://schemas.microsoft.com/office/drawing/2010/main" val="0"/>
+              </a:ext>
+            </a:extLst>
+          </a:blip>
+          <a:stretch>
+            <a:fillRect/>
+          </a:stretch>
+        </p:blipFill>
+        <p:spPr>
+          <a:xfrm>
+            <a:off x="1475656" y="2204864"/>
+            <a:ext cx="6686550" cy="4067175"/>
+          </a:xfrm>
+          <a:prstGeom prst="rect">
+            <a:avLst/>
+          </a:prstGeom>
+        </p:spPr>
+      </p:pic>
+    </p:spTree>
+    <p:extLst>
+      <p:ext uri="{BB962C8B-B14F-4D97-AF65-F5344CB8AC3E}">
+        <p14:creationId xmlns:p14="http://schemas.microsoft.com/office/powerpoint/2010/main" val="78702800"/>
+      </p:ext>
+    </p:extLst>
+  </p:cSld>
+  <p:clrMapOvr>
+    <a:masterClrMapping/>
+  </p:clrMapOvr>
+</p:sld>
+</file>
+
+<file path=ppt/slides/slide7.xml><?xml version="1.0" encoding="utf-8"?>
 <p:sld xmlns:a="http://schemas.openxmlformats.org/drawingml/2006/main" xmlns:r="http://schemas.openxmlformats.org/officeDocument/2006/relationships" xmlns:p="http://schemas.openxmlformats.org/presentationml/2006/main">
   <p:cSld>
     <p:spTree>
@@ -10971,7 +12468,7 @@
 </p:sld>
 </file>
 
-<file path=ppt/slides/slide7.xml><?xml version="1.0" encoding="utf-8"?>
+<file path=ppt/slides/slide8.xml><?xml version="1.0" encoding="utf-8"?>
 <p:sld xmlns:a="http://schemas.openxmlformats.org/drawingml/2006/main" xmlns:r="http://schemas.openxmlformats.org/officeDocument/2006/relationships" xmlns:p="http://schemas.openxmlformats.org/presentationml/2006/main">
   <p:cSld>
     <p:spTree>
@@ -11030,7 +12527,7 @@
 </p:sld>
 </file>
 
-<file path=ppt/slides/slide8.xml><?xml version="1.0" encoding="utf-8"?>
+<file path=ppt/slides/slide9.xml><?xml version="1.0" encoding="utf-8"?>
 <p:sld xmlns:a="http://schemas.openxmlformats.org/drawingml/2006/main" xmlns:r="http://schemas.openxmlformats.org/officeDocument/2006/relationships" xmlns:p="http://schemas.openxmlformats.org/presentationml/2006/main">
   <p:cSld>
     <p:spTree>
@@ -11162,185 +12659,6 @@
     <p:extLst>
       <p:ext uri="{BB962C8B-B14F-4D97-AF65-F5344CB8AC3E}">
         <p14:creationId xmlns:p14="http://schemas.microsoft.com/office/powerpoint/2010/main" val="3645167976"/>
-      </p:ext>
-    </p:extLst>
-  </p:cSld>
-  <p:clrMapOvr>
-    <a:masterClrMapping/>
-  </p:clrMapOvr>
-</p:sld>
-</file>
-
-<file path=ppt/slides/slide9.xml><?xml version="1.0" encoding="utf-8"?>
-<p:sld xmlns:a="http://schemas.openxmlformats.org/drawingml/2006/main" xmlns:r="http://schemas.openxmlformats.org/officeDocument/2006/relationships" xmlns:p="http://schemas.openxmlformats.org/presentationml/2006/main">
-  <p:cSld>
-    <p:spTree>
-      <p:nvGrpSpPr>
-        <p:cNvPr id="1" name=""/>
-        <p:cNvGrpSpPr/>
-        <p:nvPr/>
-      </p:nvGrpSpPr>
-      <p:grpSpPr>
-        <a:xfrm>
-          <a:off x="0" y="0"/>
-          <a:ext cx="0" cy="0"/>
-          <a:chOff x="0" y="0"/>
-          <a:chExt cx="0" cy="0"/>
-        </a:xfrm>
-      </p:grpSpPr>
-      <p:sp>
-        <p:nvSpPr>
-          <p:cNvPr id="2" name="Titre 1"/>
-          <p:cNvSpPr>
-            <a:spLocks noGrp="1"/>
-          </p:cNvSpPr>
-          <p:nvPr>
-            <p:ph type="title"/>
-          </p:nvPr>
-        </p:nvSpPr>
-        <p:spPr/>
-        <p:txBody>
-          <a:bodyPr>
-            <a:normAutofit/>
-          </a:bodyPr>
-          <a:lstStyle/>
-          <a:p>
-            <a:r>
-              <a:rPr lang="fr-FR" sz="3200" b="1" dirty="0">
-                <a:latin typeface="Arial" panose="020B0604020202020204" pitchFamily="34" charset="0"/>
-                <a:cs typeface="Arial" panose="020B0604020202020204" pitchFamily="34" charset="0"/>
-              </a:rPr>
-              <a:t>Pourquoi s’intéresser à Python?</a:t>
-            </a:r>
-            <a:endParaRPr lang="fr-FR" sz="3200" dirty="0"/>
-          </a:p>
-        </p:txBody>
-      </p:sp>
-      <p:sp>
-        <p:nvSpPr>
-          <p:cNvPr id="3" name="Espace réservé du contenu 2"/>
-          <p:cNvSpPr>
-            <a:spLocks noGrp="1"/>
-          </p:cNvSpPr>
-          <p:nvPr>
-            <p:ph idx="1"/>
-          </p:nvPr>
-        </p:nvSpPr>
-        <p:spPr/>
-        <p:txBody>
-          <a:bodyPr>
-            <a:noAutofit/>
-          </a:bodyPr>
-          <a:lstStyle/>
-          <a:p>
-            <a:r>
-              <a:rPr lang="fr-FR" sz="2400" dirty="0">
-                <a:latin typeface="Arial" panose="020B0604020202020204" pitchFamily="34" charset="0"/>
-                <a:cs typeface="Arial" panose="020B0604020202020204" pitchFamily="34" charset="0"/>
-              </a:rPr>
-              <a:t>facile à apprendre</a:t>
-            </a:r>
-          </a:p>
-          <a:p>
-            <a:r>
-              <a:rPr lang="fr-FR" sz="2400" dirty="0">
-                <a:latin typeface="Arial" panose="020B0604020202020204" pitchFamily="34" charset="0"/>
-                <a:cs typeface="Arial" panose="020B0604020202020204" pitchFamily="34" charset="0"/>
-              </a:rPr>
-              <a:t>à usage général : développement « classique », </a:t>
-            </a:r>
-            <a:r>
-              <a:rPr lang="fr-FR" sz="2400" dirty="0" err="1">
-                <a:latin typeface="Arial" panose="020B0604020202020204" pitchFamily="34" charset="0"/>
-                <a:cs typeface="Arial" panose="020B0604020202020204" pitchFamily="34" charset="0"/>
-              </a:rPr>
-              <a:t>datascience</a:t>
-            </a:r>
-            <a:r>
-              <a:rPr lang="fr-FR" sz="2400" dirty="0">
-                <a:latin typeface="Arial" panose="020B0604020202020204" pitchFamily="34" charset="0"/>
-                <a:cs typeface="Arial" panose="020B0604020202020204" pitchFamily="34" charset="0"/>
-              </a:rPr>
-              <a:t>, embarqué, etc.</a:t>
-            </a:r>
-          </a:p>
-          <a:p>
-            <a:r>
-              <a:rPr lang="fr-FR" sz="2400" dirty="0">
-                <a:latin typeface="Arial" panose="020B0604020202020204" pitchFamily="34" charset="0"/>
-                <a:cs typeface="Arial" panose="020B0604020202020204" pitchFamily="34" charset="0"/>
-              </a:rPr>
-              <a:t>Peu verbeux</a:t>
-            </a:r>
-          </a:p>
-          <a:p>
-            <a:r>
-              <a:rPr lang="fr-FR" sz="2400" dirty="0">
-                <a:latin typeface="Arial" panose="020B0604020202020204" pitchFamily="34" charset="0"/>
-                <a:cs typeface="Arial" panose="020B0604020202020204" pitchFamily="34" charset="0"/>
-              </a:rPr>
-              <a:t>Python dispose de l'un des gestionnaires de paquets les plus matures : </a:t>
-            </a:r>
-            <a:r>
-              <a:rPr lang="fr-FR" sz="2400" dirty="0" err="1">
-                <a:latin typeface="Arial" panose="020B0604020202020204" pitchFamily="34" charset="0"/>
-                <a:cs typeface="Arial" panose="020B0604020202020204" pitchFamily="34" charset="0"/>
-              </a:rPr>
-              <a:t>PyPI</a:t>
-            </a:r>
-            <a:endParaRPr lang="fr-FR" sz="2400" dirty="0">
-              <a:latin typeface="Arial" panose="020B0604020202020204" pitchFamily="34" charset="0"/>
-              <a:cs typeface="Arial" panose="020B0604020202020204" pitchFamily="34" charset="0"/>
-            </a:endParaRPr>
-          </a:p>
-          <a:p>
-            <a:r>
-              <a:rPr lang="fr-FR" sz="2400" dirty="0">
-                <a:latin typeface="Arial" panose="020B0604020202020204" pitchFamily="34" charset="0"/>
-                <a:cs typeface="Arial" panose="020B0604020202020204" pitchFamily="34" charset="0"/>
-              </a:rPr>
-              <a:t>Python est multiplateforme et open source</a:t>
-            </a:r>
-          </a:p>
-          <a:p>
-            <a:r>
-              <a:rPr lang="fr-FR" sz="2400" dirty="0">
-                <a:latin typeface="Arial" panose="020B0604020202020204" pitchFamily="34" charset="0"/>
-                <a:cs typeface="Arial" panose="020B0604020202020204" pitchFamily="34" charset="0"/>
-              </a:rPr>
-              <a:t>Documentation de qualité disponible (même des livres gratuits)</a:t>
-            </a:r>
-          </a:p>
-          <a:p>
-            <a:r>
-              <a:rPr lang="fr-FR" sz="2400" dirty="0">
-                <a:latin typeface="Arial" panose="020B0604020202020204" pitchFamily="34" charset="0"/>
-                <a:cs typeface="Arial" panose="020B0604020202020204" pitchFamily="34" charset="0"/>
-              </a:rPr>
-              <a:t>Communauté énorme donc aide rapide sur les forums (</a:t>
-            </a:r>
-            <a:r>
-              <a:rPr lang="fr-FR" sz="2400" dirty="0">
-                <a:latin typeface="Arial" panose="020B0604020202020204" pitchFamily="34" charset="0"/>
-                <a:cs typeface="Arial" panose="020B0604020202020204" pitchFamily="34" charset="0"/>
-                <a:hlinkClick r:id="rId2"/>
-              </a:rPr>
-              <a:t>https://stackoverflow.com/</a:t>
-            </a:r>
-            <a:r>
-              <a:rPr lang="fr-FR" sz="2400" dirty="0">
-                <a:latin typeface="Arial" panose="020B0604020202020204" pitchFamily="34" charset="0"/>
-                <a:cs typeface="Arial" panose="020B0604020202020204" pitchFamily="34" charset="0"/>
-              </a:rPr>
-              <a:t> )</a:t>
-            </a:r>
-          </a:p>
-        </p:txBody>
-      </p:sp>
-    </p:spTree>
-    <p:extLst>
-      <p:ext uri="{BB962C8B-B14F-4D97-AF65-F5344CB8AC3E}">
-        <p14:creationId xmlns:p14="http://schemas.microsoft.com/office/powerpoint/2010/main" val="3771407015"/>
       </p:ext>
     </p:extLst>
   </p:cSld>

--- a/formation python.pptx
+++ b/formation python.pptx
@@ -46,23 +46,25 @@
     <p:sldId id="354" r:id="rId40"/>
     <p:sldId id="355" r:id="rId41"/>
     <p:sldId id="356" r:id="rId42"/>
-    <p:sldId id="328" r:id="rId43"/>
-    <p:sldId id="363" r:id="rId44"/>
-    <p:sldId id="358" r:id="rId45"/>
-    <p:sldId id="359" r:id="rId46"/>
-    <p:sldId id="360" r:id="rId47"/>
-    <p:sldId id="361" r:id="rId48"/>
-    <p:sldId id="362" r:id="rId49"/>
-    <p:sldId id="327" r:id="rId50"/>
-    <p:sldId id="366" r:id="rId51"/>
-    <p:sldId id="367" r:id="rId52"/>
-    <p:sldId id="333" r:id="rId53"/>
-    <p:sldId id="368" r:id="rId54"/>
-    <p:sldId id="348" r:id="rId55"/>
-    <p:sldId id="338" r:id="rId56"/>
-    <p:sldId id="339" r:id="rId57"/>
-    <p:sldId id="340" r:id="rId58"/>
-    <p:sldId id="308" r:id="rId59"/>
+    <p:sldId id="369" r:id="rId43"/>
+    <p:sldId id="370" r:id="rId44"/>
+    <p:sldId id="328" r:id="rId45"/>
+    <p:sldId id="363" r:id="rId46"/>
+    <p:sldId id="358" r:id="rId47"/>
+    <p:sldId id="359" r:id="rId48"/>
+    <p:sldId id="360" r:id="rId49"/>
+    <p:sldId id="361" r:id="rId50"/>
+    <p:sldId id="362" r:id="rId51"/>
+    <p:sldId id="327" r:id="rId52"/>
+    <p:sldId id="366" r:id="rId53"/>
+    <p:sldId id="367" r:id="rId54"/>
+    <p:sldId id="333" r:id="rId55"/>
+    <p:sldId id="368" r:id="rId56"/>
+    <p:sldId id="348" r:id="rId57"/>
+    <p:sldId id="338" r:id="rId58"/>
+    <p:sldId id="339" r:id="rId59"/>
+    <p:sldId id="340" r:id="rId60"/>
+    <p:sldId id="308" r:id="rId61"/>
   </p:sldIdLst>
   <p:sldSz cx="9144000" cy="6858000" type="screen4x3"/>
   <p:notesSz cx="6858000" cy="9144000"/>
@@ -163,7 +165,7 @@
   </p:defaultTextStyle>
   <p:extLst>
     <p:ext uri="{EFAFB233-063F-42B5-8137-9DF3F51BA10A}">
-      <p15:sldGuideLst xmlns:p15="http://schemas.microsoft.com/office/powerpoint/2012/main" xmlns="">
+      <p15:sldGuideLst xmlns="" xmlns:p15="http://schemas.microsoft.com/office/powerpoint/2012/main">
         <p15:guide id="1" orient="horz" pos="2160">
           <p15:clr>
             <a:srgbClr val="A4A3A4"/>
@@ -4706,17 +4708,7 @@
                 <a:latin typeface="Arial" panose="020B0604020202020204" pitchFamily="34" charset="0"/>
                 <a:cs typeface="Arial" panose="020B0604020202020204" pitchFamily="34" charset="0"/>
               </a:rPr>
-              <a:t>traiter les données </a:t>
-            </a:r>
-            <a:r>
-              <a:rPr lang="fr-FR" b="1" dirty="0" smtClean="0">
-                <a:solidFill>
-                  <a:srgbClr val="7030A0"/>
-                </a:solidFill>
-                <a:latin typeface="Arial" panose="020B0604020202020204" pitchFamily="34" charset="0"/>
-                <a:cs typeface="Arial" panose="020B0604020202020204" pitchFamily="34" charset="0"/>
-              </a:rPr>
-              <a:t>en Python avec Numpy et Pandas</a:t>
+              <a:t>traiter les données en Python avec Numpy et Pandas</a:t>
             </a:r>
             <a:endParaRPr lang="fr-FR" b="1" dirty="0">
               <a:solidFill>
@@ -7074,17 +7066,7 @@
                 <a:latin typeface="Arial" panose="020B0604020202020204" pitchFamily="34" charset="0"/>
                 <a:cs typeface="Arial" panose="020B0604020202020204" pitchFamily="34" charset="0"/>
               </a:rPr>
-              <a:t>statistiques descriptives </a:t>
-            </a:r>
-            <a:r>
-              <a:rPr lang="fr-FR" b="1" dirty="0" smtClean="0">
-                <a:solidFill>
-                  <a:srgbClr val="7030A0"/>
-                </a:solidFill>
-                <a:latin typeface="Arial" panose="020B0604020202020204" pitchFamily="34" charset="0"/>
-                <a:cs typeface="Arial" panose="020B0604020202020204" pitchFamily="34" charset="0"/>
-              </a:rPr>
-              <a:t>en Python avec Pandas</a:t>
+              <a:t>statistiques descriptives en Python avec Pandas</a:t>
             </a:r>
             <a:endParaRPr lang="fr-FR" dirty="0"/>
           </a:p>
@@ -8366,15 +8348,7 @@
                 <a:cs typeface="Arial" panose="020B0604020202020204" pitchFamily="34" charset="0"/>
                 <a:hlinkClick r:id="rId3"/>
               </a:rPr>
-              <a:t>Explorer données sur </a:t>
-            </a:r>
-            <a:r>
-              <a:rPr lang="fr-FR" dirty="0" smtClean="0">
-                <a:latin typeface="Arial" panose="020B0604020202020204" pitchFamily="34" charset="0"/>
-                <a:cs typeface="Arial" panose="020B0604020202020204" pitchFamily="34" charset="0"/>
-                <a:hlinkClick r:id="rId3"/>
-              </a:rPr>
-              <a:t>films</a:t>
+              <a:t>Explorer données sur films</a:t>
             </a:r>
             <a:endParaRPr lang="fr-FR" dirty="0" smtClean="0">
               <a:latin typeface="Arial" panose="020B0604020202020204" pitchFamily="34" charset="0"/>
@@ -8512,17 +8486,7 @@
                 <a:latin typeface="Arial" panose="020B0604020202020204" pitchFamily="34" charset="0"/>
                 <a:cs typeface="Arial" panose="020B0604020202020204" pitchFamily="34" charset="0"/>
               </a:rPr>
-              <a:t>statistiques </a:t>
-            </a:r>
-            <a:r>
-              <a:rPr lang="fr-FR" sz="4800" b="1" dirty="0" smtClean="0">
-                <a:solidFill>
-                  <a:srgbClr val="7030A0"/>
-                </a:solidFill>
-                <a:latin typeface="Arial" panose="020B0604020202020204" pitchFamily="34" charset="0"/>
-                <a:cs typeface="Arial" panose="020B0604020202020204" pitchFamily="34" charset="0"/>
-              </a:rPr>
-              <a:t>en Python avec StatsModels</a:t>
+              <a:t>statistiques en Python avec StatsModels</a:t>
             </a:r>
             <a:endParaRPr lang="fr-FR" sz="4800" dirty="0"/>
           </a:p>
@@ -9648,6 +9612,500 @@
             <p:ph type="ctrTitle"/>
           </p:nvPr>
         </p:nvSpPr>
+        <p:spPr/>
+        <p:txBody>
+          <a:bodyPr>
+            <a:normAutofit/>
+          </a:bodyPr>
+          <a:lstStyle/>
+          <a:p>
+            <a:r>
+              <a:rPr lang="fr-FR" sz="3200" b="1" dirty="0">
+                <a:solidFill>
+                  <a:srgbClr val="7030A0"/>
+                </a:solidFill>
+                <a:latin typeface="Arial" panose="020B0604020202020204" pitchFamily="34" charset="0"/>
+                <a:cs typeface="Arial" panose="020B0604020202020204" pitchFamily="34" charset="0"/>
+              </a:rPr>
+              <a:t>Partie 7 : </a:t>
+            </a:r>
+            <a:r>
+              <a:rPr lang="fr-FR" sz="3200" b="1" dirty="0" smtClean="0">
+                <a:solidFill>
+                  <a:srgbClr val="7030A0"/>
+                </a:solidFill>
+                <a:latin typeface="Arial" panose="020B0604020202020204" pitchFamily="34" charset="0"/>
+                <a:cs typeface="Arial" panose="020B0604020202020204" pitchFamily="34" charset="0"/>
+              </a:rPr>
+              <a:t>analyse des données avec scikit-learn, prince et </a:t>
+            </a:r>
+            <a:r>
+              <a:rPr lang="fr-FR" sz="3200" b="1" dirty="0">
+                <a:solidFill>
+                  <a:srgbClr val="7030A0"/>
+                </a:solidFill>
+                <a:latin typeface="Arial" panose="020B0604020202020204" pitchFamily="34" charset="0"/>
+                <a:cs typeface="Arial" panose="020B0604020202020204" pitchFamily="34" charset="0"/>
+              </a:rPr>
+              <a:t>S</a:t>
+            </a:r>
+            <a:r>
+              <a:rPr lang="fr-FR" sz="3200" b="1" dirty="0" smtClean="0">
+                <a:solidFill>
+                  <a:srgbClr val="7030A0"/>
+                </a:solidFill>
+                <a:latin typeface="Arial" panose="020B0604020202020204" pitchFamily="34" charset="0"/>
+                <a:cs typeface="Arial" panose="020B0604020202020204" pitchFamily="34" charset="0"/>
+              </a:rPr>
+              <a:t>cipy</a:t>
+            </a:r>
+            <a:endParaRPr lang="fr-FR" sz="3200" dirty="0"/>
+          </a:p>
+        </p:txBody>
+      </p:sp>
+      <p:pic>
+        <p:nvPicPr>
+          <p:cNvPr id="6" name="Image 5"/>
+          <p:cNvPicPr>
+            <a:picLocks noChangeAspect="1"/>
+          </p:cNvPicPr>
+          <p:nvPr/>
+        </p:nvPicPr>
+        <p:blipFill>
+          <a:blip r:embed="rId2">
+            <a:extLst>
+              <a:ext uri="{28A0092B-C50C-407E-A947-70E740481C1C}">
+                <a14:useLocalDpi xmlns:a14="http://schemas.microsoft.com/office/drawing/2010/main" val="0"/>
+              </a:ext>
+            </a:extLst>
+          </a:blip>
+          <a:stretch>
+            <a:fillRect/>
+          </a:stretch>
+        </p:blipFill>
+        <p:spPr>
+          <a:xfrm>
+            <a:off x="1187624" y="3429000"/>
+            <a:ext cx="1625741" cy="589331"/>
+          </a:xfrm>
+          <a:prstGeom prst="rect">
+            <a:avLst/>
+          </a:prstGeom>
+        </p:spPr>
+      </p:pic>
+      <p:pic>
+        <p:nvPicPr>
+          <p:cNvPr id="7" name="Image 6"/>
+          <p:cNvPicPr>
+            <a:picLocks noChangeAspect="1"/>
+          </p:cNvPicPr>
+          <p:nvPr/>
+        </p:nvPicPr>
+        <p:blipFill>
+          <a:blip r:embed="rId3">
+            <a:extLst>
+              <a:ext uri="{28A0092B-C50C-407E-A947-70E740481C1C}">
+                <a14:useLocalDpi xmlns:a14="http://schemas.microsoft.com/office/drawing/2010/main" val="0"/>
+              </a:ext>
+            </a:extLst>
+          </a:blip>
+          <a:stretch>
+            <a:fillRect/>
+          </a:stretch>
+        </p:blipFill>
+        <p:spPr>
+          <a:xfrm>
+            <a:off x="1168477" y="4293096"/>
+            <a:ext cx="3486150" cy="590550"/>
+          </a:xfrm>
+          <a:prstGeom prst="rect">
+            <a:avLst/>
+          </a:prstGeom>
+        </p:spPr>
+      </p:pic>
+    </p:spTree>
+    <p:extLst>
+      <p:ext uri="{BB962C8B-B14F-4D97-AF65-F5344CB8AC3E}">
+        <p14:creationId xmlns:p14="http://schemas.microsoft.com/office/powerpoint/2010/main" val="50761537"/>
+      </p:ext>
+    </p:extLst>
+  </p:cSld>
+  <p:clrMapOvr>
+    <a:masterClrMapping/>
+  </p:clrMapOvr>
+</p:sld>
+</file>
+
+<file path=ppt/slides/slide43.xml><?xml version="1.0" encoding="utf-8"?>
+<p:sld xmlns:a="http://schemas.openxmlformats.org/drawingml/2006/main" xmlns:r="http://schemas.openxmlformats.org/officeDocument/2006/relationships" xmlns:p="http://schemas.openxmlformats.org/presentationml/2006/main">
+  <p:cSld>
+    <p:spTree>
+      <p:nvGrpSpPr>
+        <p:cNvPr id="1" name=""/>
+        <p:cNvGrpSpPr/>
+        <p:nvPr/>
+      </p:nvGrpSpPr>
+      <p:grpSpPr>
+        <a:xfrm>
+          <a:off x="0" y="0"/>
+          <a:ext cx="0" cy="0"/>
+          <a:chOff x="0" y="0"/>
+          <a:chExt cx="0" cy="0"/>
+        </a:xfrm>
+      </p:grpSpPr>
+      <p:sp>
+        <p:nvSpPr>
+          <p:cNvPr id="2" name="Titre 1"/>
+          <p:cNvSpPr>
+            <a:spLocks noGrp="1"/>
+          </p:cNvSpPr>
+          <p:nvPr>
+            <p:ph type="title"/>
+          </p:nvPr>
+        </p:nvSpPr>
+        <p:spPr/>
+        <p:txBody>
+          <a:bodyPr>
+            <a:normAutofit/>
+          </a:bodyPr>
+          <a:lstStyle/>
+          <a:p>
+            <a:r>
+              <a:rPr lang="fr-FR" sz="3200" b="1" dirty="0" smtClean="0">
+                <a:latin typeface="Arial" panose="020B0604020202020204" pitchFamily="34" charset="0"/>
+                <a:cs typeface="Arial" panose="020B0604020202020204" pitchFamily="34" charset="0"/>
+              </a:rPr>
+              <a:t>Exemples d’analyse des données</a:t>
+            </a:r>
+            <a:endParaRPr lang="fr-FR" sz="3200" b="1" dirty="0">
+              <a:latin typeface="Arial" panose="020B0604020202020204" pitchFamily="34" charset="0"/>
+              <a:cs typeface="Arial" panose="020B0604020202020204" pitchFamily="34" charset="0"/>
+            </a:endParaRPr>
+          </a:p>
+        </p:txBody>
+      </p:sp>
+      <p:sp>
+        <p:nvSpPr>
+          <p:cNvPr id="3" name="Espace réservé du contenu 2"/>
+          <p:cNvSpPr>
+            <a:spLocks noGrp="1"/>
+          </p:cNvSpPr>
+          <p:nvPr>
+            <p:ph idx="1"/>
+          </p:nvPr>
+        </p:nvSpPr>
+        <p:spPr>
+          <a:xfrm>
+            <a:off x="457200" y="1600200"/>
+            <a:ext cx="8507288" cy="4925144"/>
+          </a:xfrm>
+        </p:spPr>
+        <p:txBody>
+          <a:bodyPr>
+            <a:normAutofit fontScale="70000" lnSpcReduction="20000"/>
+          </a:bodyPr>
+          <a:lstStyle/>
+          <a:p>
+            <a:r>
+              <a:rPr lang="fr-FR" dirty="0" smtClean="0">
+                <a:latin typeface="Arial" panose="020B0604020202020204" pitchFamily="34" charset="0"/>
+                <a:cs typeface="Arial" panose="020B0604020202020204" pitchFamily="34" charset="0"/>
+              </a:rPr>
+              <a:t>ACP avec scikit-learn</a:t>
+            </a:r>
+          </a:p>
+          <a:p>
+            <a:r>
+              <a:rPr lang="fr-FR" dirty="0" smtClean="0">
+                <a:latin typeface="Arial" panose="020B0604020202020204" pitchFamily="34" charset="0"/>
+                <a:cs typeface="Arial" panose="020B0604020202020204" pitchFamily="34" charset="0"/>
+              </a:rPr>
+              <a:t>CAH </a:t>
+            </a:r>
+            <a:r>
+              <a:rPr lang="fr-FR" dirty="0">
+                <a:latin typeface="Arial" panose="020B0604020202020204" pitchFamily="34" charset="0"/>
+                <a:cs typeface="Arial" panose="020B0604020202020204" pitchFamily="34" charset="0"/>
+              </a:rPr>
+              <a:t>avec </a:t>
+            </a:r>
+            <a:r>
+              <a:rPr lang="fr-FR" dirty="0" smtClean="0">
+                <a:latin typeface="Arial" panose="020B0604020202020204" pitchFamily="34" charset="0"/>
+                <a:cs typeface="Arial" panose="020B0604020202020204" pitchFamily="34" charset="0"/>
+              </a:rPr>
+              <a:t>scikit-learn ou Scipy</a:t>
+            </a:r>
+          </a:p>
+          <a:p>
+            <a:r>
+              <a:rPr lang="fr-FR" dirty="0" smtClean="0">
+                <a:latin typeface="Arial" panose="020B0604020202020204" pitchFamily="34" charset="0"/>
+                <a:cs typeface="Arial" panose="020B0604020202020204" pitchFamily="34" charset="0"/>
+              </a:rPr>
+              <a:t>Centres mobiles </a:t>
+            </a:r>
+            <a:r>
+              <a:rPr lang="fr-FR" dirty="0">
+                <a:latin typeface="Arial" panose="020B0604020202020204" pitchFamily="34" charset="0"/>
+                <a:cs typeface="Arial" panose="020B0604020202020204" pitchFamily="34" charset="0"/>
+              </a:rPr>
+              <a:t>avec scikit-learn </a:t>
+            </a:r>
+            <a:endParaRPr lang="fr-FR" dirty="0" smtClean="0">
+              <a:latin typeface="Arial" panose="020B0604020202020204" pitchFamily="34" charset="0"/>
+              <a:cs typeface="Arial" panose="020B0604020202020204" pitchFamily="34" charset="0"/>
+            </a:endParaRPr>
+          </a:p>
+          <a:p>
+            <a:r>
+              <a:rPr lang="fr-FR" dirty="0" smtClean="0">
+                <a:latin typeface="Arial" panose="020B0604020202020204" pitchFamily="34" charset="0"/>
+                <a:cs typeface="Arial" panose="020B0604020202020204" pitchFamily="34" charset="0"/>
+              </a:rPr>
+              <a:t>Analyse des correspondances multiples : </a:t>
+            </a:r>
+            <a:r>
+              <a:rPr lang="fr-FR" dirty="0" smtClean="0">
+                <a:latin typeface="Arial" panose="020B0604020202020204" pitchFamily="34" charset="0"/>
+                <a:cs typeface="Arial" panose="020B0604020202020204" pitchFamily="34" charset="0"/>
+                <a:hlinkClick r:id="rId2"/>
+              </a:rPr>
+              <a:t>librairie MCA</a:t>
+            </a:r>
+            <a:endParaRPr lang="fr-FR" dirty="0" smtClean="0">
+              <a:latin typeface="Arial" panose="020B0604020202020204" pitchFamily="34" charset="0"/>
+              <a:cs typeface="Arial" panose="020B0604020202020204" pitchFamily="34" charset="0"/>
+            </a:endParaRPr>
+          </a:p>
+          <a:p>
+            <a:r>
+              <a:rPr lang="fr-FR" dirty="0" smtClean="0">
+                <a:latin typeface="Arial" panose="020B0604020202020204" pitchFamily="34" charset="0"/>
+                <a:cs typeface="Arial" panose="020B0604020202020204" pitchFamily="34" charset="0"/>
+                <a:hlinkClick r:id="rId3"/>
+              </a:rPr>
+              <a:t>K Plus proches voisins</a:t>
+            </a:r>
+            <a:r>
+              <a:rPr lang="fr-FR" dirty="0" smtClean="0">
+                <a:latin typeface="Arial" panose="020B0604020202020204" pitchFamily="34" charset="0"/>
+                <a:cs typeface="Arial" panose="020B0604020202020204" pitchFamily="34" charset="0"/>
+              </a:rPr>
+              <a:t> </a:t>
+            </a:r>
+            <a:r>
+              <a:rPr lang="fr-FR" dirty="0">
+                <a:latin typeface="Arial" panose="020B0604020202020204" pitchFamily="34" charset="0"/>
+                <a:cs typeface="Arial" panose="020B0604020202020204" pitchFamily="34" charset="0"/>
+              </a:rPr>
+              <a:t>avec scikit-learn </a:t>
+            </a:r>
+            <a:endParaRPr lang="fr-FR" dirty="0" smtClean="0">
+              <a:latin typeface="Arial" panose="020B0604020202020204" pitchFamily="34" charset="0"/>
+              <a:cs typeface="Arial" panose="020B0604020202020204" pitchFamily="34" charset="0"/>
+            </a:endParaRPr>
+          </a:p>
+          <a:p>
+            <a:pPr marL="0" indent="0">
+              <a:buNone/>
+            </a:pPr>
+            <a:endParaRPr lang="fr-FR" dirty="0" smtClean="0">
+              <a:latin typeface="Arial" panose="020B0604020202020204" pitchFamily="34" charset="0"/>
+              <a:cs typeface="Arial" panose="020B0604020202020204" pitchFamily="34" charset="0"/>
+            </a:endParaRPr>
+          </a:p>
+          <a:p>
+            <a:pPr marL="0" indent="0">
+              <a:buNone/>
+            </a:pPr>
+            <a:r>
+              <a:rPr lang="fr-FR" dirty="0" smtClean="0">
+                <a:latin typeface="Arial" panose="020B0604020202020204" pitchFamily="34" charset="0"/>
+                <a:cs typeface="Arial" panose="020B0604020202020204" pitchFamily="34" charset="0"/>
+              </a:rPr>
+              <a:t>Librairie Prince : </a:t>
+            </a:r>
+            <a:r>
+              <a:rPr lang="fr-FR" dirty="0" smtClean="0">
+                <a:latin typeface="Arial" panose="020B0604020202020204" pitchFamily="34" charset="0"/>
+                <a:cs typeface="Arial" panose="020B0604020202020204" pitchFamily="34" charset="0"/>
+                <a:hlinkClick r:id="rId4"/>
+              </a:rPr>
+              <a:t>ACP, CAH,CA,MCA</a:t>
+            </a:r>
+            <a:r>
+              <a:rPr lang="fr-FR" dirty="0" smtClean="0">
+                <a:latin typeface="Arial" panose="020B0604020202020204" pitchFamily="34" charset="0"/>
+                <a:cs typeface="Arial" panose="020B0604020202020204" pitchFamily="34" charset="0"/>
+              </a:rPr>
+              <a:t> </a:t>
+            </a:r>
+            <a:r>
+              <a:rPr lang="fr-FR" i="1" dirty="0" smtClean="0">
+                <a:latin typeface="Arial" panose="020B0604020202020204" pitchFamily="34" charset="0"/>
+                <a:cs typeface="Arial" panose="020B0604020202020204" pitchFamily="34" charset="0"/>
+              </a:rPr>
+              <a:t>«  </a:t>
+            </a:r>
+            <a:r>
+              <a:rPr lang="en-US" i="1" dirty="0" smtClean="0">
+                <a:latin typeface="Arial" panose="020B0604020202020204" pitchFamily="34" charset="0"/>
+                <a:cs typeface="Arial" panose="020B0604020202020204" pitchFamily="34" charset="0"/>
+              </a:rPr>
+              <a:t>The </a:t>
+            </a:r>
+            <a:r>
+              <a:rPr lang="en-US" i="1" dirty="0">
+                <a:latin typeface="Arial" panose="020B0604020202020204" pitchFamily="34" charset="0"/>
+                <a:cs typeface="Arial" panose="020B0604020202020204" pitchFamily="34" charset="0"/>
+              </a:rPr>
+              <a:t>goal with Prince is to provide a user-friendly library for performing all sorts of large-scale factorial </a:t>
+            </a:r>
+            <a:r>
+              <a:rPr lang="en-US" i="1" dirty="0" smtClean="0">
+                <a:latin typeface="Arial" panose="020B0604020202020204" pitchFamily="34" charset="0"/>
+                <a:cs typeface="Arial" panose="020B0604020202020204" pitchFamily="34" charset="0"/>
+              </a:rPr>
+              <a:t>analysis</a:t>
+            </a:r>
+            <a:r>
+              <a:rPr lang="fr-FR" i="1" dirty="0">
+                <a:latin typeface="Arial" panose="020B0604020202020204" pitchFamily="34" charset="0"/>
+                <a:cs typeface="Arial" panose="020B0604020202020204" pitchFamily="34" charset="0"/>
+              </a:rPr>
+              <a:t> »</a:t>
+            </a:r>
+            <a:endParaRPr lang="fr-FR" i="1" dirty="0" smtClean="0">
+              <a:latin typeface="Arial" panose="020B0604020202020204" pitchFamily="34" charset="0"/>
+              <a:cs typeface="Arial" panose="020B0604020202020204" pitchFamily="34" charset="0"/>
+            </a:endParaRPr>
+          </a:p>
+          <a:p>
+            <a:pPr marL="0" indent="0">
+              <a:buNone/>
+            </a:pPr>
+            <a:endParaRPr lang="fr-FR" dirty="0">
+              <a:latin typeface="Arial" panose="020B0604020202020204" pitchFamily="34" charset="0"/>
+              <a:cs typeface="Arial" panose="020B0604020202020204" pitchFamily="34" charset="0"/>
+            </a:endParaRPr>
+          </a:p>
+          <a:p>
+            <a:pPr marL="0" indent="0">
+              <a:buNone/>
+            </a:pPr>
+            <a:r>
+              <a:rPr lang="fr-FR" dirty="0" smtClean="0">
+                <a:latin typeface="Arial" panose="020B0604020202020204" pitchFamily="34" charset="0"/>
+                <a:cs typeface="Arial" panose="020B0604020202020204" pitchFamily="34" charset="0"/>
+              </a:rPr>
+              <a:t>Rappel CAH critère de Ward</a:t>
+            </a:r>
+          </a:p>
+          <a:p>
+            <a:pPr>
+              <a:buFont typeface="Arial" charset="0"/>
+              <a:buChar char="•"/>
+            </a:pPr>
+            <a:r>
+              <a:rPr lang="fr-FR" sz="2600" dirty="0" smtClean="0">
+                <a:latin typeface="Arial" panose="020B0604020202020204" pitchFamily="34" charset="0"/>
+                <a:cs typeface="Arial" panose="020B0604020202020204" pitchFamily="34" charset="0"/>
+              </a:rPr>
+              <a:t>Au début on a n cluster de 1 </a:t>
+            </a:r>
+            <a:r>
+              <a:rPr lang="fr-FR" sz="2600" dirty="0" err="1" smtClean="0">
+                <a:latin typeface="Arial" panose="020B0604020202020204" pitchFamily="34" charset="0"/>
+                <a:cs typeface="Arial" panose="020B0604020202020204" pitchFamily="34" charset="0"/>
+              </a:rPr>
+              <a:t>obs</a:t>
+            </a:r>
+            <a:r>
+              <a:rPr lang="fr-FR" sz="2600" dirty="0" smtClean="0">
+                <a:latin typeface="Arial" panose="020B0604020202020204" pitchFamily="34" charset="0"/>
+                <a:cs typeface="Arial" panose="020B0604020202020204" pitchFamily="34" charset="0"/>
+              </a:rPr>
+              <a:t> : I inter=max et I intra =0</a:t>
+            </a:r>
+          </a:p>
+          <a:p>
+            <a:pPr>
+              <a:buFont typeface="Arial" charset="0"/>
+              <a:buChar char="•"/>
+            </a:pPr>
+            <a:r>
+              <a:rPr lang="fr-FR" sz="2600" dirty="0" smtClean="0">
+                <a:latin typeface="Arial" panose="020B0604020202020204" pitchFamily="34" charset="0"/>
+                <a:cs typeface="Arial" panose="020B0604020202020204" pitchFamily="34" charset="0"/>
+              </a:rPr>
+              <a:t>Lorsque tous les cluster sont fusionnés : I inter =0 et I intra = max</a:t>
+            </a:r>
+          </a:p>
+          <a:p>
+            <a:pPr>
+              <a:buFont typeface="Arial" charset="0"/>
+              <a:buChar char="•"/>
+            </a:pPr>
+            <a:r>
+              <a:rPr lang="fr-FR" sz="2600" dirty="0" smtClean="0">
+                <a:latin typeface="Arial" panose="020B0604020202020204" pitchFamily="34" charset="0"/>
+                <a:cs typeface="Arial" panose="020B0604020202020204" pitchFamily="34" charset="0"/>
+              </a:rPr>
+              <a:t>Objectif : faire diminuer le moins possible à chaque agrégation  I inter (ou ce qui revient au même : augmenter le moins possible I intra)</a:t>
+            </a:r>
+          </a:p>
+          <a:p>
+            <a:pPr marL="0" indent="0">
+              <a:buNone/>
+            </a:pPr>
+            <a:endParaRPr lang="fr-FR" dirty="0">
+              <a:latin typeface="Arial" panose="020B0604020202020204" pitchFamily="34" charset="0"/>
+              <a:cs typeface="Arial" panose="020B0604020202020204" pitchFamily="34" charset="0"/>
+            </a:endParaRPr>
+          </a:p>
+        </p:txBody>
+      </p:sp>
+    </p:spTree>
+    <p:extLst>
+      <p:ext uri="{BB962C8B-B14F-4D97-AF65-F5344CB8AC3E}">
+        <p14:creationId xmlns:p14="http://schemas.microsoft.com/office/powerpoint/2010/main" val="132368560"/>
+      </p:ext>
+    </p:extLst>
+  </p:cSld>
+  <p:clrMapOvr>
+    <a:masterClrMapping/>
+  </p:clrMapOvr>
+</p:sld>
+</file>
+
+<file path=ppt/slides/slide44.xml><?xml version="1.0" encoding="utf-8"?>
+<p:sld xmlns:a="http://schemas.openxmlformats.org/drawingml/2006/main" xmlns:r="http://schemas.openxmlformats.org/officeDocument/2006/relationships" xmlns:p="http://schemas.openxmlformats.org/presentationml/2006/main">
+  <p:cSld>
+    <p:spTree>
+      <p:nvGrpSpPr>
+        <p:cNvPr id="1" name=""/>
+        <p:cNvGrpSpPr/>
+        <p:nvPr/>
+      </p:nvGrpSpPr>
+      <p:grpSpPr>
+        <a:xfrm>
+          <a:off x="0" y="0"/>
+          <a:ext cx="0" cy="0"/>
+          <a:chOff x="0" y="0"/>
+          <a:chExt cx="0" cy="0"/>
+        </a:xfrm>
+      </p:grpSpPr>
+      <p:sp>
+        <p:nvSpPr>
+          <p:cNvPr id="4" name="Titre 3"/>
+          <p:cNvSpPr>
+            <a:spLocks noGrp="1"/>
+          </p:cNvSpPr>
+          <p:nvPr>
+            <p:ph type="ctrTitle"/>
+          </p:nvPr>
+        </p:nvSpPr>
         <p:spPr>
           <a:xfrm>
             <a:off x="685800" y="2130425"/>
@@ -9671,6 +10129,16 @@
               <a:t>Partie </a:t>
             </a:r>
             <a:r>
+              <a:rPr lang="fr-FR" sz="3200" b="1" dirty="0">
+                <a:solidFill>
+                  <a:srgbClr val="7030A0"/>
+                </a:solidFill>
+                <a:latin typeface="Arial" panose="020B0604020202020204" pitchFamily="34" charset="0"/>
+                <a:cs typeface="Arial" panose="020B0604020202020204" pitchFamily="34" charset="0"/>
+              </a:rPr>
+              <a:t>8</a:t>
+            </a:r>
+            <a:r>
               <a:rPr lang="fr-FR" sz="3200" b="1" dirty="0" smtClean="0">
                 <a:solidFill>
                   <a:srgbClr val="7030A0"/>
@@ -9678,7 +10146,7 @@
                 <a:latin typeface="Arial" panose="020B0604020202020204" pitchFamily="34" charset="0"/>
                 <a:cs typeface="Arial" panose="020B0604020202020204" pitchFamily="34" charset="0"/>
               </a:rPr>
-              <a:t>7 </a:t>
+              <a:t> </a:t>
             </a:r>
             <a:r>
               <a:rPr lang="fr-FR" sz="3200" b="1" dirty="0">
@@ -9698,17 +10166,7 @@
                 <a:latin typeface="Arial" panose="020B0604020202020204" pitchFamily="34" charset="0"/>
                 <a:cs typeface="Arial" panose="020B0604020202020204" pitchFamily="34" charset="0"/>
               </a:rPr>
-              <a:t>exemples autres méthodes de machine </a:t>
-            </a:r>
-            <a:r>
-              <a:rPr lang="fr-FR" sz="3200" b="1" dirty="0" smtClean="0">
-                <a:solidFill>
-                  <a:srgbClr val="7030A0"/>
-                </a:solidFill>
-                <a:latin typeface="Arial" panose="020B0604020202020204" pitchFamily="34" charset="0"/>
-                <a:cs typeface="Arial" panose="020B0604020202020204" pitchFamily="34" charset="0"/>
-              </a:rPr>
-              <a:t>learning avec scikit-learn</a:t>
+              <a:t>exemples autres méthodes de machine learning avec scikit-learn</a:t>
             </a:r>
             <a:endParaRPr lang="fr-FR" sz="3200" b="1" dirty="0">
               <a:solidFill>
@@ -9770,7 +10228,7 @@
 </p:sld>
 </file>
 
-<file path=ppt/slides/slide43.xml><?xml version="1.0" encoding="utf-8"?>
+<file path=ppt/slides/slide45.xml><?xml version="1.0" encoding="utf-8"?>
 <p:sld xmlns:a="http://schemas.openxmlformats.org/drawingml/2006/main" xmlns:r="http://schemas.openxmlformats.org/officeDocument/2006/relationships" xmlns:p="http://schemas.openxmlformats.org/presentationml/2006/main">
   <p:cSld>
     <p:spTree>
@@ -9868,7 +10326,7 @@
 </p:sld>
 </file>
 
-<file path=ppt/slides/slide44.xml><?xml version="1.0" encoding="utf-8"?>
+<file path=ppt/slides/slide46.xml><?xml version="1.0" encoding="utf-8"?>
 <p:sld xmlns:a="http://schemas.openxmlformats.org/drawingml/2006/main" xmlns:r="http://schemas.openxmlformats.org/officeDocument/2006/relationships" xmlns:p="http://schemas.openxmlformats.org/presentationml/2006/main">
   <p:cSld>
     <p:spTree>
@@ -9968,7 +10426,7 @@
 </p:sld>
 </file>
 
-<file path=ppt/slides/slide45.xml><?xml version="1.0" encoding="utf-8"?>
+<file path=ppt/slides/slide47.xml><?xml version="1.0" encoding="utf-8"?>
 <p:sld xmlns:a="http://schemas.openxmlformats.org/drawingml/2006/main" xmlns:r="http://schemas.openxmlformats.org/officeDocument/2006/relationships" xmlns:p="http://schemas.openxmlformats.org/presentationml/2006/main">
   <p:cSld>
     <p:spTree>
@@ -10065,7 +10523,7 @@
 </p:sld>
 </file>
 
-<file path=ppt/slides/slide46.xml><?xml version="1.0" encoding="utf-8"?>
+<file path=ppt/slides/slide48.xml><?xml version="1.0" encoding="utf-8"?>
 <p:sld xmlns:a="http://schemas.openxmlformats.org/drawingml/2006/main" xmlns:r="http://schemas.openxmlformats.org/officeDocument/2006/relationships" xmlns:p="http://schemas.openxmlformats.org/presentationml/2006/main">
   <p:cSld>
     <p:spTree>
@@ -10307,7 +10765,7 @@
 </p:sld>
 </file>
 
-<file path=ppt/slides/slide47.xml><?xml version="1.0" encoding="utf-8"?>
+<file path=ppt/slides/slide49.xml><?xml version="1.0" encoding="utf-8"?>
 <p:sld xmlns:a="http://schemas.openxmlformats.org/drawingml/2006/main" xmlns:r="http://schemas.openxmlformats.org/officeDocument/2006/relationships" xmlns:p="http://schemas.openxmlformats.org/presentationml/2006/main">
   <p:cSld>
     <p:spTree>
@@ -10525,7 +10983,97 @@
 </p:sld>
 </file>
 
-<file path=ppt/slides/slide48.xml><?xml version="1.0" encoding="utf-8"?>
+<file path=ppt/slides/slide5.xml><?xml version="1.0" encoding="utf-8"?>
+<p:sld xmlns:a="http://schemas.openxmlformats.org/drawingml/2006/main" xmlns:r="http://schemas.openxmlformats.org/officeDocument/2006/relationships" xmlns:p="http://schemas.openxmlformats.org/presentationml/2006/main">
+  <p:cSld>
+    <p:spTree>
+      <p:nvGrpSpPr>
+        <p:cNvPr id="1" name=""/>
+        <p:cNvGrpSpPr/>
+        <p:nvPr/>
+      </p:nvGrpSpPr>
+      <p:grpSpPr>
+        <a:xfrm>
+          <a:off x="0" y="0"/>
+          <a:ext cx="0" cy="0"/>
+          <a:chOff x="0" y="0"/>
+          <a:chExt cx="0" cy="0"/>
+        </a:xfrm>
+      </p:grpSpPr>
+      <p:sp>
+        <p:nvSpPr>
+          <p:cNvPr id="2" name="Titre 1"/>
+          <p:cNvSpPr>
+            <a:spLocks noGrp="1"/>
+          </p:cNvSpPr>
+          <p:nvPr>
+            <p:ph type="title"/>
+          </p:nvPr>
+        </p:nvSpPr>
+        <p:spPr/>
+        <p:txBody>
+          <a:bodyPr>
+            <a:normAutofit/>
+          </a:bodyPr>
+          <a:lstStyle/>
+          <a:p>
+            <a:r>
+              <a:rPr lang="en-US" sz="3200" b="1" dirty="0">
+                <a:latin typeface="Arial" panose="020B0604020202020204" pitchFamily="34" charset="0"/>
+                <a:cs typeface="Arial" panose="020B0604020202020204" pitchFamily="34" charset="0"/>
+              </a:rPr>
+              <a:t>Data Science Job Report 2017</a:t>
+            </a:r>
+            <a:endParaRPr lang="fr-FR" sz="3200" dirty="0">
+              <a:latin typeface="Arial" panose="020B0604020202020204" pitchFamily="34" charset="0"/>
+              <a:cs typeface="Arial" panose="020B0604020202020204" pitchFamily="34" charset="0"/>
+            </a:endParaRPr>
+          </a:p>
+        </p:txBody>
+      </p:sp>
+      <p:pic>
+        <p:nvPicPr>
+          <p:cNvPr id="4" name="Espace réservé du contenu 3"/>
+          <p:cNvPicPr>
+            <a:picLocks noGrp="1" noChangeAspect="1"/>
+          </p:cNvPicPr>
+          <p:nvPr>
+            <p:ph idx="1"/>
+          </p:nvPr>
+        </p:nvPicPr>
+        <p:blipFill>
+          <a:blip r:embed="rId2">
+            <a:extLst>
+              <a:ext uri="{28A0092B-C50C-407E-A947-70E740481C1C}">
+                <a14:useLocalDpi xmlns:a14="http://schemas.microsoft.com/office/drawing/2010/main" val="0"/>
+              </a:ext>
+            </a:extLst>
+          </a:blip>
+          <a:stretch>
+            <a:fillRect/>
+          </a:stretch>
+        </p:blipFill>
+        <p:spPr>
+          <a:xfrm>
+            <a:off x="1979712" y="1556792"/>
+            <a:ext cx="4939502" cy="4525963"/>
+          </a:xfrm>
+        </p:spPr>
+      </p:pic>
+    </p:spTree>
+    <p:extLst>
+      <p:ext uri="{BB962C8B-B14F-4D97-AF65-F5344CB8AC3E}">
+        <p14:creationId xmlns:p14="http://schemas.microsoft.com/office/powerpoint/2010/main" val="3180056025"/>
+      </p:ext>
+    </p:extLst>
+  </p:cSld>
+  <p:clrMapOvr>
+    <a:masterClrMapping/>
+  </p:clrMapOvr>
+</p:sld>
+</file>
+
+<file path=ppt/slides/slide50.xml><?xml version="1.0" encoding="utf-8"?>
 <p:sld xmlns:a="http://schemas.openxmlformats.org/drawingml/2006/main" xmlns:r="http://schemas.openxmlformats.org/officeDocument/2006/relationships" xmlns:p="http://schemas.openxmlformats.org/presentationml/2006/main">
   <p:cSld>
     <p:spTree>
@@ -10864,7 +11412,7 @@
 </p:sld>
 </file>
 
-<file path=ppt/slides/slide49.xml><?xml version="1.0" encoding="utf-8"?>
+<file path=ppt/slides/slide51.xml><?xml version="1.0" encoding="utf-8"?>
 <p:sld xmlns:a="http://schemas.openxmlformats.org/drawingml/2006/main" xmlns:r="http://schemas.openxmlformats.org/officeDocument/2006/relationships" xmlns:p="http://schemas.openxmlformats.org/presentationml/2006/main">
   <p:cSld>
     <p:spTree>
@@ -11017,312 +11565,6 @@
 </p:sld>
 </file>
 
-<file path=ppt/slides/slide5.xml><?xml version="1.0" encoding="utf-8"?>
-<p:sld xmlns:a="http://schemas.openxmlformats.org/drawingml/2006/main" xmlns:r="http://schemas.openxmlformats.org/officeDocument/2006/relationships" xmlns:p="http://schemas.openxmlformats.org/presentationml/2006/main">
-  <p:cSld>
-    <p:spTree>
-      <p:nvGrpSpPr>
-        <p:cNvPr id="1" name=""/>
-        <p:cNvGrpSpPr/>
-        <p:nvPr/>
-      </p:nvGrpSpPr>
-      <p:grpSpPr>
-        <a:xfrm>
-          <a:off x="0" y="0"/>
-          <a:ext cx="0" cy="0"/>
-          <a:chOff x="0" y="0"/>
-          <a:chExt cx="0" cy="0"/>
-        </a:xfrm>
-      </p:grpSpPr>
-      <p:sp>
-        <p:nvSpPr>
-          <p:cNvPr id="2" name="Titre 1"/>
-          <p:cNvSpPr>
-            <a:spLocks noGrp="1"/>
-          </p:cNvSpPr>
-          <p:nvPr>
-            <p:ph type="title"/>
-          </p:nvPr>
-        </p:nvSpPr>
-        <p:spPr/>
-        <p:txBody>
-          <a:bodyPr>
-            <a:normAutofit/>
-          </a:bodyPr>
-          <a:lstStyle/>
-          <a:p>
-            <a:r>
-              <a:rPr lang="en-US" sz="3200" b="1" dirty="0">
-                <a:latin typeface="Arial" panose="020B0604020202020204" pitchFamily="34" charset="0"/>
-                <a:cs typeface="Arial" panose="020B0604020202020204" pitchFamily="34" charset="0"/>
-              </a:rPr>
-              <a:t>Data Science Job Report 2017</a:t>
-            </a:r>
-            <a:endParaRPr lang="fr-FR" sz="3200" dirty="0">
-              <a:latin typeface="Arial" panose="020B0604020202020204" pitchFamily="34" charset="0"/>
-              <a:cs typeface="Arial" panose="020B0604020202020204" pitchFamily="34" charset="0"/>
-            </a:endParaRPr>
-          </a:p>
-        </p:txBody>
-      </p:sp>
-      <p:pic>
-        <p:nvPicPr>
-          <p:cNvPr id="4" name="Espace réservé du contenu 3"/>
-          <p:cNvPicPr>
-            <a:picLocks noGrp="1" noChangeAspect="1"/>
-          </p:cNvPicPr>
-          <p:nvPr>
-            <p:ph idx="1"/>
-          </p:nvPr>
-        </p:nvPicPr>
-        <p:blipFill>
-          <a:blip r:embed="rId2">
-            <a:extLst>
-              <a:ext uri="{28A0092B-C50C-407E-A947-70E740481C1C}">
-                <a14:useLocalDpi xmlns:a14="http://schemas.microsoft.com/office/drawing/2010/main" val="0"/>
-              </a:ext>
-            </a:extLst>
-          </a:blip>
-          <a:stretch>
-            <a:fillRect/>
-          </a:stretch>
-        </p:blipFill>
-        <p:spPr>
-          <a:xfrm>
-            <a:off x="1979712" y="1556792"/>
-            <a:ext cx="4939502" cy="4525963"/>
-          </a:xfrm>
-        </p:spPr>
-      </p:pic>
-    </p:spTree>
-    <p:extLst>
-      <p:ext uri="{BB962C8B-B14F-4D97-AF65-F5344CB8AC3E}">
-        <p14:creationId xmlns:p14="http://schemas.microsoft.com/office/powerpoint/2010/main" val="3180056025"/>
-      </p:ext>
-    </p:extLst>
-  </p:cSld>
-  <p:clrMapOvr>
-    <a:masterClrMapping/>
-  </p:clrMapOvr>
-</p:sld>
-</file>
-
-<file path=ppt/slides/slide50.xml><?xml version="1.0" encoding="utf-8"?>
-<p:sld xmlns:a="http://schemas.openxmlformats.org/drawingml/2006/main" xmlns:r="http://schemas.openxmlformats.org/officeDocument/2006/relationships" xmlns:p="http://schemas.openxmlformats.org/presentationml/2006/main">
-  <p:cSld>
-    <p:spTree>
-      <p:nvGrpSpPr>
-        <p:cNvPr id="1" name=""/>
-        <p:cNvGrpSpPr/>
-        <p:nvPr/>
-      </p:nvGrpSpPr>
-      <p:grpSpPr>
-        <a:xfrm>
-          <a:off x="0" y="0"/>
-          <a:ext cx="0" cy="0"/>
-          <a:chOff x="0" y="0"/>
-          <a:chExt cx="0" cy="0"/>
-        </a:xfrm>
-      </p:grpSpPr>
-      <p:sp>
-        <p:nvSpPr>
-          <p:cNvPr id="4" name="Titre 3"/>
-          <p:cNvSpPr>
-            <a:spLocks noGrp="1"/>
-          </p:cNvSpPr>
-          <p:nvPr>
-            <p:ph type="ctrTitle"/>
-          </p:nvPr>
-        </p:nvSpPr>
-        <p:spPr/>
-        <p:txBody>
-          <a:bodyPr>
-            <a:normAutofit/>
-          </a:bodyPr>
-          <a:lstStyle/>
-          <a:p>
-            <a:r>
-              <a:rPr lang="fr-FR" sz="3200" b="1" dirty="0">
-                <a:solidFill>
-                  <a:srgbClr val="7030A0"/>
-                </a:solidFill>
-                <a:latin typeface="Arial" panose="020B0604020202020204" pitchFamily="34" charset="0"/>
-                <a:cs typeface="Arial" panose="020B0604020202020204" pitchFamily="34" charset="0"/>
-              </a:rPr>
-              <a:t>Partie </a:t>
-            </a:r>
-            <a:r>
-              <a:rPr lang="fr-FR" sz="3200" b="1" dirty="0" smtClean="0">
-                <a:solidFill>
-                  <a:srgbClr val="7030A0"/>
-                </a:solidFill>
-                <a:latin typeface="Arial" panose="020B0604020202020204" pitchFamily="34" charset="0"/>
-                <a:cs typeface="Arial" panose="020B0604020202020204" pitchFamily="34" charset="0"/>
-              </a:rPr>
-              <a:t>8 </a:t>
-            </a:r>
-            <a:r>
-              <a:rPr lang="fr-FR" sz="3200" b="1" dirty="0">
-                <a:solidFill>
-                  <a:srgbClr val="7030A0"/>
-                </a:solidFill>
-                <a:latin typeface="Arial" panose="020B0604020202020204" pitchFamily="34" charset="0"/>
-                <a:cs typeface="Arial" panose="020B0604020202020204" pitchFamily="34" charset="0"/>
-              </a:rPr>
-              <a:t>: </a:t>
-            </a:r>
-            <a:r>
-              <a:rPr lang="fr-FR" sz="3200" b="1" dirty="0" smtClean="0">
-                <a:solidFill>
-                  <a:srgbClr val="7030A0"/>
-                </a:solidFill>
-                <a:latin typeface="Arial" panose="020B0604020202020204" pitchFamily="34" charset="0"/>
-                <a:cs typeface="Arial" panose="020B0604020202020204" pitchFamily="34" charset="0"/>
-              </a:rPr>
-              <a:t>autres librairies python pour le data </a:t>
-            </a:r>
-            <a:r>
-              <a:rPr lang="fr-FR" sz="3200" b="1" dirty="0" err="1" smtClean="0">
-                <a:solidFill>
-                  <a:srgbClr val="7030A0"/>
-                </a:solidFill>
-                <a:latin typeface="Arial" panose="020B0604020202020204" pitchFamily="34" charset="0"/>
-                <a:cs typeface="Arial" panose="020B0604020202020204" pitchFamily="34" charset="0"/>
-              </a:rPr>
-              <a:t>scientist</a:t>
-            </a:r>
-            <a:endParaRPr lang="fr-FR" sz="3200" dirty="0"/>
-          </a:p>
-        </p:txBody>
-      </p:sp>
-    </p:spTree>
-    <p:extLst>
-      <p:ext uri="{BB962C8B-B14F-4D97-AF65-F5344CB8AC3E}">
-        <p14:creationId xmlns:p14="http://schemas.microsoft.com/office/powerpoint/2010/main" val="1048741414"/>
-      </p:ext>
-    </p:extLst>
-  </p:cSld>
-  <p:clrMapOvr>
-    <a:masterClrMapping/>
-  </p:clrMapOvr>
-</p:sld>
-</file>
-
-<file path=ppt/slides/slide51.xml><?xml version="1.0" encoding="utf-8"?>
-<p:sld xmlns:a="http://schemas.openxmlformats.org/drawingml/2006/main" xmlns:r="http://schemas.openxmlformats.org/officeDocument/2006/relationships" xmlns:p="http://schemas.openxmlformats.org/presentationml/2006/main">
-  <p:cSld>
-    <p:spTree>
-      <p:nvGrpSpPr>
-        <p:cNvPr id="1" name=""/>
-        <p:cNvGrpSpPr/>
-        <p:nvPr/>
-      </p:nvGrpSpPr>
-      <p:grpSpPr>
-        <a:xfrm>
-          <a:off x="0" y="0"/>
-          <a:ext cx="0" cy="0"/>
-          <a:chOff x="0" y="0"/>
-          <a:chExt cx="0" cy="0"/>
-        </a:xfrm>
-      </p:grpSpPr>
-      <p:sp>
-        <p:nvSpPr>
-          <p:cNvPr id="2" name="Titre 1"/>
-          <p:cNvSpPr>
-            <a:spLocks noGrp="1"/>
-          </p:cNvSpPr>
-          <p:nvPr>
-            <p:ph type="title"/>
-          </p:nvPr>
-        </p:nvSpPr>
-        <p:spPr/>
-        <p:txBody>
-          <a:bodyPr>
-            <a:normAutofit/>
-          </a:bodyPr>
-          <a:lstStyle/>
-          <a:p>
-            <a:r>
-              <a:rPr lang="fr-FR" sz="3200" b="1" dirty="0" smtClean="0">
-                <a:latin typeface="Arial" panose="020B0604020202020204" pitchFamily="34" charset="0"/>
-                <a:cs typeface="Arial" panose="020B0604020202020204" pitchFamily="34" charset="0"/>
-              </a:rPr>
-              <a:t>Autres librairies</a:t>
-            </a:r>
-            <a:endParaRPr lang="fr-FR" sz="3200" b="1" dirty="0">
-              <a:latin typeface="Arial" panose="020B0604020202020204" pitchFamily="34" charset="0"/>
-              <a:cs typeface="Arial" panose="020B0604020202020204" pitchFamily="34" charset="0"/>
-            </a:endParaRPr>
-          </a:p>
-        </p:txBody>
-      </p:sp>
-      <p:sp>
-        <p:nvSpPr>
-          <p:cNvPr id="3" name="Espace réservé du contenu 2"/>
-          <p:cNvSpPr>
-            <a:spLocks noGrp="1"/>
-          </p:cNvSpPr>
-          <p:nvPr>
-            <p:ph idx="1"/>
-          </p:nvPr>
-        </p:nvSpPr>
-        <p:spPr/>
-        <p:txBody>
-          <a:bodyPr/>
-          <a:lstStyle/>
-          <a:p>
-            <a:r>
-              <a:rPr lang="fr-FR" dirty="0" smtClean="0"/>
-              <a:t>Traitement du langage naturel et text </a:t>
-            </a:r>
-            <a:r>
-              <a:rPr lang="fr-FR" dirty="0" err="1" smtClean="0"/>
-              <a:t>mining</a:t>
-            </a:r>
-            <a:r>
-              <a:rPr lang="fr-FR" dirty="0" smtClean="0"/>
-              <a:t> : </a:t>
-            </a:r>
-            <a:r>
-              <a:rPr lang="fr-FR" dirty="0" smtClean="0">
-                <a:hlinkClick r:id="rId2"/>
-              </a:rPr>
-              <a:t>NLTK</a:t>
-            </a:r>
-            <a:endParaRPr lang="fr-FR" dirty="0" smtClean="0"/>
-          </a:p>
-          <a:p>
-            <a:r>
-              <a:rPr lang="fr-FR" dirty="0" smtClean="0"/>
-              <a:t>Réseaux de neurones : </a:t>
-            </a:r>
-            <a:r>
-              <a:rPr lang="fr-FR" dirty="0" smtClean="0">
-                <a:hlinkClick r:id="rId3"/>
-              </a:rPr>
-              <a:t>keras </a:t>
-            </a:r>
-            <a:r>
-              <a:rPr lang="fr-FR" dirty="0" smtClean="0"/>
-              <a:t>avec TensorFlow</a:t>
-            </a:r>
-            <a:endParaRPr lang="fr-FR" dirty="0"/>
-          </a:p>
-        </p:txBody>
-      </p:sp>
-    </p:spTree>
-    <p:extLst>
-      <p:ext uri="{BB962C8B-B14F-4D97-AF65-F5344CB8AC3E}">
-        <p14:creationId xmlns:p14="http://schemas.microsoft.com/office/powerpoint/2010/main" val="1337697538"/>
-      </p:ext>
-    </p:extLst>
-  </p:cSld>
-  <p:clrMapOvr>
-    <a:masterClrMapping/>
-  </p:clrMapOvr>
-</p:sld>
-</file>
-
 <file path=ppt/slides/slide52.xml><?xml version="1.0" encoding="utf-8"?>
 <p:sld xmlns:a="http://schemas.openxmlformats.org/drawingml/2006/main" xmlns:r="http://schemas.openxmlformats.org/officeDocument/2006/relationships" xmlns:p="http://schemas.openxmlformats.org/presentationml/2006/main">
   <p:cSld>
@@ -11395,28 +11637,42 @@
                 <a:latin typeface="Arial" panose="020B0604020202020204" pitchFamily="34" charset="0"/>
                 <a:cs typeface="Arial" panose="020B0604020202020204" pitchFamily="34" charset="0"/>
               </a:rPr>
-              <a:t>: sujets transverses</a:t>
-            </a:r>
+              <a:t>: </a:t>
+            </a:r>
+            <a:r>
+              <a:rPr lang="fr-FR" sz="3200" b="1" dirty="0" smtClean="0">
+                <a:solidFill>
+                  <a:srgbClr val="7030A0"/>
+                </a:solidFill>
+                <a:latin typeface="Arial" panose="020B0604020202020204" pitchFamily="34" charset="0"/>
+                <a:cs typeface="Arial" panose="020B0604020202020204" pitchFamily="34" charset="0"/>
+              </a:rPr>
+              <a:t>autres librairies python pour le data </a:t>
+            </a:r>
+            <a:r>
+              <a:rPr lang="fr-FR" sz="3200" b="1" dirty="0" err="1" smtClean="0">
+                <a:solidFill>
+                  <a:srgbClr val="7030A0"/>
+                </a:solidFill>
+                <a:latin typeface="Arial" panose="020B0604020202020204" pitchFamily="34" charset="0"/>
+                <a:cs typeface="Arial" panose="020B0604020202020204" pitchFamily="34" charset="0"/>
+              </a:rPr>
+              <a:t>scientist</a:t>
+            </a:r>
+            <a:endParaRPr lang="fr-FR" sz="3200" dirty="0"/>
           </a:p>
         </p:txBody>
       </p:sp>
     </p:spTree>
     <p:extLst>
       <p:ext uri="{BB962C8B-B14F-4D97-AF65-F5344CB8AC3E}">
-        <p14:creationId xmlns:p14="http://schemas.microsoft.com/office/powerpoint/2010/main" val="1486631537"/>
+        <p14:creationId xmlns:p14="http://schemas.microsoft.com/office/powerpoint/2010/main" val="1048741414"/>
       </p:ext>
     </p:extLst>
   </p:cSld>
   <p:clrMapOvr>
     <a:masterClrMapping/>
   </p:clrMapOvr>
-  <p:timing>
-    <p:tnLst>
-      <p:par>
-        <p:cTn id="1" dur="indefinite" restart="never" nodeType="tmRoot"/>
-      </p:par>
-    </p:tnLst>
-  </p:timing>
 </p:sld>
 </file>
 
@@ -11459,7 +11715,7 @@
                 <a:latin typeface="Arial" panose="020B0604020202020204" pitchFamily="34" charset="0"/>
                 <a:cs typeface="Arial" panose="020B0604020202020204" pitchFamily="34" charset="0"/>
               </a:rPr>
-              <a:t>Une autre façon de travailler : les notebooks</a:t>
+              <a:t>Autres librairies</a:t>
             </a:r>
             <a:endParaRPr lang="fr-FR" sz="3200" b="1" dirty="0">
               <a:latin typeface="Arial" panose="020B0604020202020204" pitchFamily="34" charset="0"/>
@@ -11484,53 +11740,48 @@
           <a:lstStyle/>
           <a:p>
             <a:r>
+              <a:rPr lang="fr-FR" dirty="0" smtClean="0"/>
+              <a:t>Traitement du langage naturel et text </a:t>
+            </a:r>
+            <a:r>
+              <a:rPr lang="fr-FR" dirty="0" err="1" smtClean="0"/>
+              <a:t>mining</a:t>
+            </a:r>
+            <a:r>
+              <a:rPr lang="fr-FR" dirty="0" smtClean="0"/>
+              <a:t> : </a:t>
+            </a:r>
+            <a:r>
               <a:rPr lang="fr-FR" dirty="0" smtClean="0">
-                <a:latin typeface="Arial" panose="020B0604020202020204" pitchFamily="34" charset="0"/>
-                <a:cs typeface="Arial" panose="020B0604020202020204" pitchFamily="34" charset="0"/>
-              </a:rPr>
-              <a:t>Code python</a:t>
-            </a:r>
-          </a:p>
-          <a:p>
+                <a:hlinkClick r:id="rId2"/>
+              </a:rPr>
+              <a:t>NLTK</a:t>
+            </a:r>
+            <a:endParaRPr lang="fr-FR" dirty="0" smtClean="0"/>
+          </a:p>
+          <a:p>
+            <a:r>
+              <a:rPr lang="fr-FR" dirty="0" smtClean="0"/>
+              <a:t>Réseaux de neurones : </a:t>
+            </a:r>
             <a:r>
               <a:rPr lang="fr-FR" dirty="0" smtClean="0">
-                <a:latin typeface="Arial" panose="020B0604020202020204" pitchFamily="34" charset="0"/>
-                <a:cs typeface="Arial" panose="020B0604020202020204" pitchFamily="34" charset="0"/>
-              </a:rPr>
-              <a:t>Documentation en markdown , possibilité d’écrire des </a:t>
-            </a:r>
-            <a:r>
-              <a:rPr lang="fr-FR" dirty="0" smtClean="0">
-                <a:latin typeface="Arial" panose="020B0604020202020204" pitchFamily="34" charset="0"/>
-                <a:cs typeface="Arial" panose="020B0604020202020204" pitchFamily="34" charset="0"/>
-                <a:hlinkClick r:id="rId2"/>
-              </a:rPr>
-              <a:t>équations mathématiques</a:t>
-            </a:r>
-            <a:endParaRPr lang="fr-FR" dirty="0" smtClean="0">
-              <a:latin typeface="Arial" panose="020B0604020202020204" pitchFamily="34" charset="0"/>
-              <a:cs typeface="Arial" panose="020B0604020202020204" pitchFamily="34" charset="0"/>
-            </a:endParaRPr>
-          </a:p>
-          <a:p>
-            <a:r>
-              <a:rPr lang="fr-FR" dirty="0" smtClean="0">
-                <a:latin typeface="Arial" panose="020B0604020202020204" pitchFamily="34" charset="0"/>
-                <a:cs typeface="Arial" panose="020B0604020202020204" pitchFamily="34" charset="0"/>
-              </a:rPr>
-              <a:t>Exports dans de nombreux formats possible</a:t>
-            </a:r>
-            <a:endParaRPr lang="fr-FR" dirty="0">
-              <a:latin typeface="Arial" panose="020B0604020202020204" pitchFamily="34" charset="0"/>
-              <a:cs typeface="Arial" panose="020B0604020202020204" pitchFamily="34" charset="0"/>
-            </a:endParaRPr>
+                <a:hlinkClick r:id="rId3"/>
+              </a:rPr>
+              <a:t>keras </a:t>
+            </a:r>
+            <a:r>
+              <a:rPr lang="fr-FR" dirty="0" smtClean="0"/>
+              <a:t>avec TensorFlow</a:t>
+            </a:r>
+            <a:endParaRPr lang="fr-FR" dirty="0"/>
           </a:p>
         </p:txBody>
       </p:sp>
     </p:spTree>
     <p:extLst>
       <p:ext uri="{BB962C8B-B14F-4D97-AF65-F5344CB8AC3E}">
-        <p14:creationId xmlns:p14="http://schemas.microsoft.com/office/powerpoint/2010/main" val="865216358"/>
+        <p14:creationId xmlns:p14="http://schemas.microsoft.com/office/powerpoint/2010/main" val="1337697538"/>
       </p:ext>
     </p:extLst>
   </p:cSld>
@@ -11559,12 +11810,12 @@
       </p:grpSpPr>
       <p:sp>
         <p:nvSpPr>
-          <p:cNvPr id="2" name="Titre 1"/>
-          <p:cNvSpPr>
-            <a:spLocks noGrp="1"/>
-          </p:cNvSpPr>
-          <p:nvPr>
-            <p:ph type="title"/>
+          <p:cNvPr id="4" name="Titre 3"/>
+          <p:cNvSpPr>
+            <a:spLocks noGrp="1"/>
+          </p:cNvSpPr>
+          <p:nvPr>
+            <p:ph type="ctrTitle"/>
           </p:nvPr>
         </p:nvSpPr>
         <p:spPr/>
@@ -11575,126 +11826,42 @@
           <a:lstStyle/>
           <a:p>
             <a:r>
+              <a:rPr lang="fr-FR" sz="3200" b="1" dirty="0">
+                <a:solidFill>
+                  <a:srgbClr val="7030A0"/>
+                </a:solidFill>
+                <a:latin typeface="Arial" panose="020B0604020202020204" pitchFamily="34" charset="0"/>
+                <a:cs typeface="Arial" panose="020B0604020202020204" pitchFamily="34" charset="0"/>
+              </a:rPr>
+              <a:t>Partie </a:t>
+            </a:r>
+            <a:r>
               <a:rPr lang="fr-FR" sz="3200" b="1" dirty="0" smtClean="0">
-                <a:latin typeface="Arial" panose="020B0604020202020204" pitchFamily="34" charset="0"/>
-                <a:cs typeface="Arial" panose="020B0604020202020204" pitchFamily="34" charset="0"/>
-              </a:rPr>
-              <a:t>Commandes </a:t>
-            </a:r>
-            <a:r>
-              <a:rPr lang="fr-FR" sz="3200" b="1" dirty="0" err="1" smtClean="0">
-                <a:latin typeface="Arial" panose="020B0604020202020204" pitchFamily="34" charset="0"/>
-                <a:cs typeface="Arial" panose="020B0604020202020204" pitchFamily="34" charset="0"/>
-              </a:rPr>
-              <a:t>pip</a:t>
-            </a:r>
-            <a:endParaRPr lang="fr-FR" sz="3200" b="1" dirty="0">
-              <a:latin typeface="Arial" panose="020B0604020202020204" pitchFamily="34" charset="0"/>
-              <a:cs typeface="Arial" panose="020B0604020202020204" pitchFamily="34" charset="0"/>
-            </a:endParaRPr>
-          </a:p>
-        </p:txBody>
-      </p:sp>
-      <p:sp>
-        <p:nvSpPr>
-          <p:cNvPr id="3" name="Espace réservé du contenu 2"/>
-          <p:cNvSpPr>
-            <a:spLocks noGrp="1"/>
-          </p:cNvSpPr>
-          <p:nvPr>
-            <p:ph idx="1"/>
-          </p:nvPr>
-        </p:nvSpPr>
-        <p:spPr/>
-        <p:txBody>
-          <a:bodyPr/>
-          <a:lstStyle/>
-          <a:p>
-            <a:r>
-              <a:rPr lang="fr-FR" dirty="0" smtClean="0"/>
-              <a:t>Installer une librairie=&gt; </a:t>
-            </a:r>
-            <a:r>
-              <a:rPr lang="fr-FR" dirty="0" err="1" smtClean="0"/>
-              <a:t>pip</a:t>
-            </a:r>
-            <a:r>
-              <a:rPr lang="fr-FR" dirty="0" smtClean="0"/>
-              <a:t> </a:t>
-            </a:r>
-            <a:r>
-              <a:rPr lang="fr-FR" dirty="0" err="1" smtClean="0"/>
-              <a:t>install</a:t>
-            </a:r>
-            <a:r>
-              <a:rPr lang="fr-FR" dirty="0" smtClean="0"/>
-              <a:t> </a:t>
-            </a:r>
-            <a:r>
-              <a:rPr lang="fr-FR" dirty="0" err="1" smtClean="0"/>
-              <a:t>nomLibrairie</a:t>
-            </a:r>
-            <a:endParaRPr lang="fr-FR" dirty="0" smtClean="0"/>
-          </a:p>
-          <a:p>
-            <a:r>
-              <a:rPr lang="fr-FR" dirty="0" smtClean="0"/>
-              <a:t>Version actuelle =&gt; </a:t>
-            </a:r>
-            <a:r>
-              <a:rPr lang="fr-FR" dirty="0" err="1" smtClean="0"/>
-              <a:t>pip</a:t>
-            </a:r>
-            <a:r>
-              <a:rPr lang="fr-FR" dirty="0" smtClean="0"/>
-              <a:t> show </a:t>
-            </a:r>
-            <a:r>
-              <a:rPr lang="fr-FR" dirty="0" err="1" smtClean="0"/>
-              <a:t>nomLibrairie</a:t>
-            </a:r>
-            <a:endParaRPr lang="fr-FR" dirty="0" smtClean="0"/>
-          </a:p>
-          <a:p>
-            <a:r>
-              <a:rPr lang="fr-FR" dirty="0" smtClean="0"/>
-              <a:t>Upgrade librairie =&gt;</a:t>
-            </a:r>
-            <a:r>
-              <a:rPr lang="fr-FR" dirty="0" err="1"/>
-              <a:t>pip</a:t>
-            </a:r>
-            <a:r>
-              <a:rPr lang="fr-FR" dirty="0"/>
-              <a:t> </a:t>
-            </a:r>
-            <a:r>
-              <a:rPr lang="fr-FR" dirty="0" err="1"/>
-              <a:t>install</a:t>
-            </a:r>
-            <a:r>
-              <a:rPr lang="fr-FR" dirty="0"/>
-              <a:t> </a:t>
-            </a:r>
-            <a:r>
-              <a:rPr lang="fr-FR" dirty="0" smtClean="0"/>
-              <a:t>–upgrade </a:t>
-            </a:r>
-            <a:r>
-              <a:rPr lang="fr-FR" dirty="0" err="1" smtClean="0"/>
-              <a:t>nomLibrairie</a:t>
-            </a:r>
-            <a:endParaRPr lang="fr-FR" dirty="0"/>
-          </a:p>
-          <a:p>
-            <a:endParaRPr lang="fr-FR" dirty="0"/>
+                <a:solidFill>
+                  <a:srgbClr val="7030A0"/>
+                </a:solidFill>
+                <a:latin typeface="Arial" panose="020B0604020202020204" pitchFamily="34" charset="0"/>
+                <a:cs typeface="Arial" panose="020B0604020202020204" pitchFamily="34" charset="0"/>
+              </a:rPr>
+              <a:t>10 </a:t>
+            </a:r>
+            <a:r>
+              <a:rPr lang="fr-FR" sz="3200" b="1" dirty="0">
+                <a:solidFill>
+                  <a:srgbClr val="7030A0"/>
+                </a:solidFill>
+                <a:latin typeface="Arial" panose="020B0604020202020204" pitchFamily="34" charset="0"/>
+                <a:cs typeface="Arial" panose="020B0604020202020204" pitchFamily="34" charset="0"/>
+              </a:rPr>
+              <a:t>: sujets transverses</a:t>
+            </a:r>
           </a:p>
         </p:txBody>
       </p:sp>
     </p:spTree>
     <p:extLst>
       <p:ext uri="{BB962C8B-B14F-4D97-AF65-F5344CB8AC3E}">
-        <p14:creationId xmlns:p14="http://schemas.microsoft.com/office/powerpoint/2010/main" val="3603830431"/>
+        <p14:creationId xmlns:p14="http://schemas.microsoft.com/office/powerpoint/2010/main" val="1486631537"/>
       </p:ext>
     </p:extLst>
   </p:cSld>
@@ -11750,6 +11917,297 @@
                 <a:latin typeface="Arial" panose="020B0604020202020204" pitchFamily="34" charset="0"/>
                 <a:cs typeface="Arial" panose="020B0604020202020204" pitchFamily="34" charset="0"/>
               </a:rPr>
+              <a:t>Une autre façon de travailler : les notebooks</a:t>
+            </a:r>
+            <a:endParaRPr lang="fr-FR" sz="3200" b="1" dirty="0">
+              <a:latin typeface="Arial" panose="020B0604020202020204" pitchFamily="34" charset="0"/>
+              <a:cs typeface="Arial" panose="020B0604020202020204" pitchFamily="34" charset="0"/>
+            </a:endParaRPr>
+          </a:p>
+        </p:txBody>
+      </p:sp>
+      <p:sp>
+        <p:nvSpPr>
+          <p:cNvPr id="3" name="Espace réservé du contenu 2"/>
+          <p:cNvSpPr>
+            <a:spLocks noGrp="1"/>
+          </p:cNvSpPr>
+          <p:nvPr>
+            <p:ph idx="1"/>
+          </p:nvPr>
+        </p:nvSpPr>
+        <p:spPr/>
+        <p:txBody>
+          <a:bodyPr/>
+          <a:lstStyle/>
+          <a:p>
+            <a:r>
+              <a:rPr lang="fr-FR" dirty="0" smtClean="0">
+                <a:latin typeface="Arial" panose="020B0604020202020204" pitchFamily="34" charset="0"/>
+                <a:cs typeface="Arial" panose="020B0604020202020204" pitchFamily="34" charset="0"/>
+              </a:rPr>
+              <a:t>Code python</a:t>
+            </a:r>
+          </a:p>
+          <a:p>
+            <a:r>
+              <a:rPr lang="fr-FR" dirty="0" smtClean="0">
+                <a:latin typeface="Arial" panose="020B0604020202020204" pitchFamily="34" charset="0"/>
+                <a:cs typeface="Arial" panose="020B0604020202020204" pitchFamily="34" charset="0"/>
+              </a:rPr>
+              <a:t>Documentation en markdown , possibilité d’écrire des </a:t>
+            </a:r>
+            <a:r>
+              <a:rPr lang="fr-FR" dirty="0" smtClean="0">
+                <a:latin typeface="Arial" panose="020B0604020202020204" pitchFamily="34" charset="0"/>
+                <a:cs typeface="Arial" panose="020B0604020202020204" pitchFamily="34" charset="0"/>
+                <a:hlinkClick r:id="rId2"/>
+              </a:rPr>
+              <a:t>équations mathématiques</a:t>
+            </a:r>
+            <a:endParaRPr lang="fr-FR" dirty="0" smtClean="0">
+              <a:latin typeface="Arial" panose="020B0604020202020204" pitchFamily="34" charset="0"/>
+              <a:cs typeface="Arial" panose="020B0604020202020204" pitchFamily="34" charset="0"/>
+            </a:endParaRPr>
+          </a:p>
+          <a:p>
+            <a:r>
+              <a:rPr lang="fr-FR" dirty="0" smtClean="0">
+                <a:latin typeface="Arial" panose="020B0604020202020204" pitchFamily="34" charset="0"/>
+                <a:cs typeface="Arial" panose="020B0604020202020204" pitchFamily="34" charset="0"/>
+              </a:rPr>
+              <a:t>Exports dans de nombreux formats possible</a:t>
+            </a:r>
+            <a:endParaRPr lang="fr-FR" dirty="0">
+              <a:latin typeface="Arial" panose="020B0604020202020204" pitchFamily="34" charset="0"/>
+              <a:cs typeface="Arial" panose="020B0604020202020204" pitchFamily="34" charset="0"/>
+            </a:endParaRPr>
+          </a:p>
+        </p:txBody>
+      </p:sp>
+    </p:spTree>
+    <p:extLst>
+      <p:ext uri="{BB962C8B-B14F-4D97-AF65-F5344CB8AC3E}">
+        <p14:creationId xmlns:p14="http://schemas.microsoft.com/office/powerpoint/2010/main" val="865216358"/>
+      </p:ext>
+    </p:extLst>
+  </p:cSld>
+  <p:clrMapOvr>
+    <a:masterClrMapping/>
+  </p:clrMapOvr>
+</p:sld>
+</file>
+
+<file path=ppt/slides/slide56.xml><?xml version="1.0" encoding="utf-8"?>
+<p:sld xmlns:a="http://schemas.openxmlformats.org/drawingml/2006/main" xmlns:r="http://schemas.openxmlformats.org/officeDocument/2006/relationships" xmlns:p="http://schemas.openxmlformats.org/presentationml/2006/main">
+  <p:cSld>
+    <p:spTree>
+      <p:nvGrpSpPr>
+        <p:cNvPr id="1" name=""/>
+        <p:cNvGrpSpPr/>
+        <p:nvPr/>
+      </p:nvGrpSpPr>
+      <p:grpSpPr>
+        <a:xfrm>
+          <a:off x="0" y="0"/>
+          <a:ext cx="0" cy="0"/>
+          <a:chOff x="0" y="0"/>
+          <a:chExt cx="0" cy="0"/>
+        </a:xfrm>
+      </p:grpSpPr>
+      <p:sp>
+        <p:nvSpPr>
+          <p:cNvPr id="2" name="Titre 1"/>
+          <p:cNvSpPr>
+            <a:spLocks noGrp="1"/>
+          </p:cNvSpPr>
+          <p:nvPr>
+            <p:ph type="title"/>
+          </p:nvPr>
+        </p:nvSpPr>
+        <p:spPr/>
+        <p:txBody>
+          <a:bodyPr>
+            <a:normAutofit/>
+          </a:bodyPr>
+          <a:lstStyle/>
+          <a:p>
+            <a:r>
+              <a:rPr lang="fr-FR" sz="3200" b="1" dirty="0" smtClean="0">
+                <a:latin typeface="Arial" panose="020B0604020202020204" pitchFamily="34" charset="0"/>
+                <a:cs typeface="Arial" panose="020B0604020202020204" pitchFamily="34" charset="0"/>
+              </a:rPr>
+              <a:t>Commandes </a:t>
+            </a:r>
+            <a:r>
+              <a:rPr lang="fr-FR" sz="3200" b="1" dirty="0" err="1" smtClean="0">
+                <a:latin typeface="Arial" panose="020B0604020202020204" pitchFamily="34" charset="0"/>
+                <a:cs typeface="Arial" panose="020B0604020202020204" pitchFamily="34" charset="0"/>
+              </a:rPr>
+              <a:t>pip</a:t>
+            </a:r>
+            <a:endParaRPr lang="fr-FR" sz="3200" b="1" dirty="0">
+              <a:latin typeface="Arial" panose="020B0604020202020204" pitchFamily="34" charset="0"/>
+              <a:cs typeface="Arial" panose="020B0604020202020204" pitchFamily="34" charset="0"/>
+            </a:endParaRPr>
+          </a:p>
+        </p:txBody>
+      </p:sp>
+      <p:sp>
+        <p:nvSpPr>
+          <p:cNvPr id="3" name="Espace réservé du contenu 2"/>
+          <p:cNvSpPr>
+            <a:spLocks noGrp="1"/>
+          </p:cNvSpPr>
+          <p:nvPr>
+            <p:ph idx="1"/>
+          </p:nvPr>
+        </p:nvSpPr>
+        <p:spPr/>
+        <p:txBody>
+          <a:bodyPr/>
+          <a:lstStyle/>
+          <a:p>
+            <a:r>
+              <a:rPr lang="fr-FR" dirty="0" smtClean="0"/>
+              <a:t>Installer une librairie=&gt; </a:t>
+            </a:r>
+            <a:r>
+              <a:rPr lang="fr-FR" dirty="0" err="1" smtClean="0"/>
+              <a:t>pip</a:t>
+            </a:r>
+            <a:r>
+              <a:rPr lang="fr-FR" dirty="0" smtClean="0"/>
+              <a:t> </a:t>
+            </a:r>
+            <a:r>
+              <a:rPr lang="fr-FR" dirty="0" err="1" smtClean="0"/>
+              <a:t>install</a:t>
+            </a:r>
+            <a:r>
+              <a:rPr lang="fr-FR" dirty="0" smtClean="0"/>
+              <a:t> </a:t>
+            </a:r>
+            <a:r>
+              <a:rPr lang="fr-FR" dirty="0" err="1" smtClean="0"/>
+              <a:t>nomLibrairie</a:t>
+            </a:r>
+            <a:endParaRPr lang="fr-FR" dirty="0" smtClean="0"/>
+          </a:p>
+          <a:p>
+            <a:r>
+              <a:rPr lang="fr-FR" dirty="0" smtClean="0"/>
+              <a:t>Version actuelle =&gt; </a:t>
+            </a:r>
+            <a:r>
+              <a:rPr lang="fr-FR" dirty="0" err="1" smtClean="0"/>
+              <a:t>pip</a:t>
+            </a:r>
+            <a:r>
+              <a:rPr lang="fr-FR" dirty="0" smtClean="0"/>
+              <a:t> show </a:t>
+            </a:r>
+            <a:r>
+              <a:rPr lang="fr-FR" dirty="0" err="1" smtClean="0"/>
+              <a:t>nomLibrairie</a:t>
+            </a:r>
+            <a:endParaRPr lang="fr-FR" dirty="0" smtClean="0"/>
+          </a:p>
+          <a:p>
+            <a:r>
+              <a:rPr lang="fr-FR" dirty="0" smtClean="0"/>
+              <a:t>Upgrade librairie =&gt;</a:t>
+            </a:r>
+            <a:r>
+              <a:rPr lang="fr-FR" dirty="0" err="1"/>
+              <a:t>pip</a:t>
+            </a:r>
+            <a:r>
+              <a:rPr lang="fr-FR" dirty="0"/>
+              <a:t> </a:t>
+            </a:r>
+            <a:r>
+              <a:rPr lang="fr-FR" dirty="0" err="1"/>
+              <a:t>install</a:t>
+            </a:r>
+            <a:r>
+              <a:rPr lang="fr-FR" dirty="0"/>
+              <a:t> </a:t>
+            </a:r>
+            <a:r>
+              <a:rPr lang="fr-FR" dirty="0" smtClean="0"/>
+              <a:t>–upgrade </a:t>
+            </a:r>
+            <a:r>
+              <a:rPr lang="fr-FR" dirty="0" err="1" smtClean="0"/>
+              <a:t>nomLibrairie</a:t>
+            </a:r>
+            <a:endParaRPr lang="fr-FR" dirty="0"/>
+          </a:p>
+          <a:p>
+            <a:endParaRPr lang="fr-FR" dirty="0"/>
+          </a:p>
+        </p:txBody>
+      </p:sp>
+    </p:spTree>
+    <p:extLst>
+      <p:ext uri="{BB962C8B-B14F-4D97-AF65-F5344CB8AC3E}">
+        <p14:creationId xmlns:p14="http://schemas.microsoft.com/office/powerpoint/2010/main" val="3603830431"/>
+      </p:ext>
+    </p:extLst>
+  </p:cSld>
+  <p:clrMapOvr>
+    <a:masterClrMapping/>
+  </p:clrMapOvr>
+  <p:timing>
+    <p:tnLst>
+      <p:par>
+        <p:cTn id="1" dur="indefinite" restart="never" nodeType="tmRoot"/>
+      </p:par>
+    </p:tnLst>
+  </p:timing>
+</p:sld>
+</file>
+
+<file path=ppt/slides/slide57.xml><?xml version="1.0" encoding="utf-8"?>
+<p:sld xmlns:a="http://schemas.openxmlformats.org/drawingml/2006/main" xmlns:r="http://schemas.openxmlformats.org/officeDocument/2006/relationships" xmlns:p="http://schemas.openxmlformats.org/presentationml/2006/main">
+  <p:cSld>
+    <p:spTree>
+      <p:nvGrpSpPr>
+        <p:cNvPr id="1" name=""/>
+        <p:cNvGrpSpPr/>
+        <p:nvPr/>
+      </p:nvGrpSpPr>
+      <p:grpSpPr>
+        <a:xfrm>
+          <a:off x="0" y="0"/>
+          <a:ext cx="0" cy="0"/>
+          <a:chOff x="0" y="0"/>
+          <a:chExt cx="0" cy="0"/>
+        </a:xfrm>
+      </p:grpSpPr>
+      <p:sp>
+        <p:nvSpPr>
+          <p:cNvPr id="2" name="Titre 1"/>
+          <p:cNvSpPr>
+            <a:spLocks noGrp="1"/>
+          </p:cNvSpPr>
+          <p:nvPr>
+            <p:ph type="title"/>
+          </p:nvPr>
+        </p:nvSpPr>
+        <p:spPr/>
+        <p:txBody>
+          <a:bodyPr>
+            <a:normAutofit/>
+          </a:bodyPr>
+          <a:lstStyle/>
+          <a:p>
+            <a:r>
+              <a:rPr lang="fr-FR" sz="3200" b="1" dirty="0" smtClean="0">
+                <a:latin typeface="Arial" panose="020B0604020202020204" pitchFamily="34" charset="0"/>
+                <a:cs typeface="Arial" panose="020B0604020202020204" pitchFamily="34" charset="0"/>
+              </a:rPr>
               <a:t>Performances : </a:t>
             </a:r>
             <a:r>
@@ -11873,7 +12331,7 @@
 </p:sld>
 </file>
 
-<file path=ppt/slides/slide56.xml><?xml version="1.0" encoding="utf-8"?>
+<file path=ppt/slides/slide58.xml><?xml version="1.0" encoding="utf-8"?>
 <p:sld xmlns:a="http://schemas.openxmlformats.org/drawingml/2006/main" xmlns:r="http://schemas.openxmlformats.org/officeDocument/2006/relationships" xmlns:p="http://schemas.openxmlformats.org/presentationml/2006/main">
   <p:cSld>
     <p:spTree>
@@ -11971,7 +12429,7 @@
 </p:sld>
 </file>
 
-<file path=ppt/slides/slide57.xml><?xml version="1.0" encoding="utf-8"?>
+<file path=ppt/slides/slide59.xml><?xml version="1.0" encoding="utf-8"?>
 <p:sld xmlns:a="http://schemas.openxmlformats.org/drawingml/2006/main" xmlns:r="http://schemas.openxmlformats.org/officeDocument/2006/relationships" xmlns:p="http://schemas.openxmlformats.org/presentationml/2006/main">
   <p:cSld>
     <p:spTree>
@@ -12099,14 +12557,7 @@
                 <a:latin typeface="Arial" panose="020B0604020202020204" pitchFamily="34" charset="0"/>
                 <a:cs typeface="Arial" panose="020B0604020202020204" pitchFamily="34" charset="0"/>
               </a:rPr>
-              <a:t>Les </a:t>
-            </a:r>
-            <a:r>
-              <a:rPr lang="fr-FR" dirty="0" smtClean="0">
-                <a:latin typeface="Arial" panose="020B0604020202020204" pitchFamily="34" charset="0"/>
-                <a:cs typeface="Arial" panose="020B0604020202020204" pitchFamily="34" charset="0"/>
-              </a:rPr>
-              <a:t>environnements virtuels</a:t>
+              <a:t>Les environnements virtuels</a:t>
             </a:r>
             <a:endParaRPr lang="fr-FR" dirty="0">
               <a:latin typeface="Arial" panose="020B0604020202020204" pitchFamily="34" charset="0"/>
@@ -12141,7 +12592,137 @@
 </p:sld>
 </file>
 
-<file path=ppt/slides/slide58.xml><?xml version="1.0" encoding="utf-8"?>
+<file path=ppt/slides/slide6.xml><?xml version="1.0" encoding="utf-8"?>
+<p:sld xmlns:a="http://schemas.openxmlformats.org/drawingml/2006/main" xmlns:r="http://schemas.openxmlformats.org/officeDocument/2006/relationships" xmlns:p="http://schemas.openxmlformats.org/presentationml/2006/main">
+  <p:cSld>
+    <p:spTree>
+      <p:nvGrpSpPr>
+        <p:cNvPr id="1" name=""/>
+        <p:cNvGrpSpPr/>
+        <p:nvPr/>
+      </p:nvGrpSpPr>
+      <p:grpSpPr>
+        <a:xfrm>
+          <a:off x="0" y="0"/>
+          <a:ext cx="0" cy="0"/>
+          <a:chOff x="0" y="0"/>
+          <a:chExt cx="0" cy="0"/>
+        </a:xfrm>
+      </p:grpSpPr>
+      <p:sp>
+        <p:nvSpPr>
+          <p:cNvPr id="2" name="Titre 1"/>
+          <p:cNvSpPr>
+            <a:spLocks noGrp="1"/>
+          </p:cNvSpPr>
+          <p:nvPr>
+            <p:ph type="title"/>
+          </p:nvPr>
+        </p:nvSpPr>
+        <p:spPr/>
+        <p:txBody>
+          <a:bodyPr>
+            <a:normAutofit/>
+          </a:bodyPr>
+          <a:lstStyle/>
+          <a:p>
+            <a:r>
+              <a:rPr lang="en-US" sz="3200" b="1" dirty="0">
+                <a:latin typeface="Arial" panose="020B0604020202020204" pitchFamily="34" charset="0"/>
+                <a:cs typeface="Arial" panose="020B0604020202020204" pitchFamily="34" charset="0"/>
+              </a:rPr>
+              <a:t>Data Science Job Report 2017</a:t>
+            </a:r>
+            <a:endParaRPr lang="fr-FR" sz="3200" dirty="0">
+              <a:latin typeface="Arial" panose="020B0604020202020204" pitchFamily="34" charset="0"/>
+              <a:cs typeface="Arial" panose="020B0604020202020204" pitchFamily="34" charset="0"/>
+            </a:endParaRPr>
+          </a:p>
+        </p:txBody>
+      </p:sp>
+      <p:sp>
+        <p:nvSpPr>
+          <p:cNvPr id="3" name="Espace réservé du contenu 2"/>
+          <p:cNvSpPr>
+            <a:spLocks noGrp="1"/>
+          </p:cNvSpPr>
+          <p:nvPr>
+            <p:ph idx="1"/>
+          </p:nvPr>
+        </p:nvSpPr>
+        <p:spPr>
+          <a:xfrm>
+            <a:off x="457200" y="1124744"/>
+            <a:ext cx="8507288" cy="5001419"/>
+          </a:xfrm>
+        </p:spPr>
+        <p:txBody>
+          <a:bodyPr/>
+          <a:lstStyle/>
+          <a:p>
+            <a:pPr marL="0" indent="0">
+              <a:buNone/>
+            </a:pPr>
+            <a:r>
+              <a:rPr lang="fr-FR" sz="2000" dirty="0">
+                <a:latin typeface="Arial" panose="020B0604020202020204" pitchFamily="34" charset="0"/>
+                <a:cs typeface="Arial" panose="020B0604020202020204" pitchFamily="34" charset="0"/>
+              </a:rPr>
+              <a:t>Les tendances des jobs de data science pour R (bleu) et SAS (orange)</a:t>
+            </a:r>
+          </a:p>
+          <a:p>
+            <a:pPr marL="0" indent="0">
+              <a:buNone/>
+            </a:pPr>
+            <a:endParaRPr lang="fr-FR" dirty="0"/>
+          </a:p>
+        </p:txBody>
+      </p:sp>
+      <p:pic>
+        <p:nvPicPr>
+          <p:cNvPr id="5" name="Image 4"/>
+          <p:cNvPicPr>
+            <a:picLocks noChangeAspect="1"/>
+          </p:cNvPicPr>
+          <p:nvPr/>
+        </p:nvPicPr>
+        <p:blipFill>
+          <a:blip r:embed="rId2">
+            <a:extLst>
+              <a:ext uri="{28A0092B-C50C-407E-A947-70E740481C1C}">
+                <a14:useLocalDpi xmlns:a14="http://schemas.microsoft.com/office/drawing/2010/main" val="0"/>
+              </a:ext>
+            </a:extLst>
+          </a:blip>
+          <a:stretch>
+            <a:fillRect/>
+          </a:stretch>
+        </p:blipFill>
+        <p:spPr>
+          <a:xfrm>
+            <a:off x="1475656" y="2204864"/>
+            <a:ext cx="6686550" cy="4067175"/>
+          </a:xfrm>
+          <a:prstGeom prst="rect">
+            <a:avLst/>
+          </a:prstGeom>
+        </p:spPr>
+      </p:pic>
+    </p:spTree>
+    <p:extLst>
+      <p:ext uri="{BB962C8B-B14F-4D97-AF65-F5344CB8AC3E}">
+        <p14:creationId xmlns:p14="http://schemas.microsoft.com/office/powerpoint/2010/main" val="78702800"/>
+      </p:ext>
+    </p:extLst>
+  </p:cSld>
+  <p:clrMapOvr>
+    <a:masterClrMapping/>
+  </p:clrMapOvr>
+</p:sld>
+</file>
+
+<file path=ppt/slides/slide60.xml><?xml version="1.0" encoding="utf-8"?>
 <p:sld xmlns:a="http://schemas.openxmlformats.org/drawingml/2006/main" xmlns:r="http://schemas.openxmlformats.org/officeDocument/2006/relationships" xmlns:p="http://schemas.openxmlformats.org/presentationml/2006/main">
   <p:cSld>
     <p:spTree>
@@ -12205,136 +12786,6 @@
       </p:par>
     </p:tnLst>
   </p:timing>
-</p:sld>
-</file>
-
-<file path=ppt/slides/slide6.xml><?xml version="1.0" encoding="utf-8"?>
-<p:sld xmlns:a="http://schemas.openxmlformats.org/drawingml/2006/main" xmlns:r="http://schemas.openxmlformats.org/officeDocument/2006/relationships" xmlns:p="http://schemas.openxmlformats.org/presentationml/2006/main">
-  <p:cSld>
-    <p:spTree>
-      <p:nvGrpSpPr>
-        <p:cNvPr id="1" name=""/>
-        <p:cNvGrpSpPr/>
-        <p:nvPr/>
-      </p:nvGrpSpPr>
-      <p:grpSpPr>
-        <a:xfrm>
-          <a:off x="0" y="0"/>
-          <a:ext cx="0" cy="0"/>
-          <a:chOff x="0" y="0"/>
-          <a:chExt cx="0" cy="0"/>
-        </a:xfrm>
-      </p:grpSpPr>
-      <p:sp>
-        <p:nvSpPr>
-          <p:cNvPr id="2" name="Titre 1"/>
-          <p:cNvSpPr>
-            <a:spLocks noGrp="1"/>
-          </p:cNvSpPr>
-          <p:nvPr>
-            <p:ph type="title"/>
-          </p:nvPr>
-        </p:nvSpPr>
-        <p:spPr/>
-        <p:txBody>
-          <a:bodyPr>
-            <a:normAutofit/>
-          </a:bodyPr>
-          <a:lstStyle/>
-          <a:p>
-            <a:r>
-              <a:rPr lang="en-US" sz="3200" b="1" dirty="0">
-                <a:latin typeface="Arial" panose="020B0604020202020204" pitchFamily="34" charset="0"/>
-                <a:cs typeface="Arial" panose="020B0604020202020204" pitchFamily="34" charset="0"/>
-              </a:rPr>
-              <a:t>Data Science Job Report 2017</a:t>
-            </a:r>
-            <a:endParaRPr lang="fr-FR" sz="3200" dirty="0">
-              <a:latin typeface="Arial" panose="020B0604020202020204" pitchFamily="34" charset="0"/>
-              <a:cs typeface="Arial" panose="020B0604020202020204" pitchFamily="34" charset="0"/>
-            </a:endParaRPr>
-          </a:p>
-        </p:txBody>
-      </p:sp>
-      <p:sp>
-        <p:nvSpPr>
-          <p:cNvPr id="3" name="Espace réservé du contenu 2"/>
-          <p:cNvSpPr>
-            <a:spLocks noGrp="1"/>
-          </p:cNvSpPr>
-          <p:nvPr>
-            <p:ph idx="1"/>
-          </p:nvPr>
-        </p:nvSpPr>
-        <p:spPr>
-          <a:xfrm>
-            <a:off x="457200" y="1124744"/>
-            <a:ext cx="8507288" cy="5001419"/>
-          </a:xfrm>
-        </p:spPr>
-        <p:txBody>
-          <a:bodyPr/>
-          <a:lstStyle/>
-          <a:p>
-            <a:pPr marL="0" indent="0">
-              <a:buNone/>
-            </a:pPr>
-            <a:r>
-              <a:rPr lang="fr-FR" sz="2000" dirty="0">
-                <a:latin typeface="Arial" panose="020B0604020202020204" pitchFamily="34" charset="0"/>
-                <a:cs typeface="Arial" panose="020B0604020202020204" pitchFamily="34" charset="0"/>
-              </a:rPr>
-              <a:t>Les tendances des jobs de data science pour R (bleu) et SAS (orange)</a:t>
-            </a:r>
-          </a:p>
-          <a:p>
-            <a:pPr marL="0" indent="0">
-              <a:buNone/>
-            </a:pPr>
-            <a:endParaRPr lang="fr-FR" dirty="0"/>
-          </a:p>
-        </p:txBody>
-      </p:sp>
-      <p:pic>
-        <p:nvPicPr>
-          <p:cNvPr id="5" name="Image 4"/>
-          <p:cNvPicPr>
-            <a:picLocks noChangeAspect="1"/>
-          </p:cNvPicPr>
-          <p:nvPr/>
-        </p:nvPicPr>
-        <p:blipFill>
-          <a:blip r:embed="rId2">
-            <a:extLst>
-              <a:ext uri="{28A0092B-C50C-407E-A947-70E740481C1C}">
-                <a14:useLocalDpi xmlns:a14="http://schemas.microsoft.com/office/drawing/2010/main" val="0"/>
-              </a:ext>
-            </a:extLst>
-          </a:blip>
-          <a:stretch>
-            <a:fillRect/>
-          </a:stretch>
-        </p:blipFill>
-        <p:spPr>
-          <a:xfrm>
-            <a:off x="1475656" y="2204864"/>
-            <a:ext cx="6686550" cy="4067175"/>
-          </a:xfrm>
-          <a:prstGeom prst="rect">
-            <a:avLst/>
-          </a:prstGeom>
-        </p:spPr>
-      </p:pic>
-    </p:spTree>
-    <p:extLst>
-      <p:ext uri="{BB962C8B-B14F-4D97-AF65-F5344CB8AC3E}">
-        <p14:creationId xmlns:p14="http://schemas.microsoft.com/office/powerpoint/2010/main" val="78702800"/>
-      </p:ext>
-    </p:extLst>
-  </p:cSld>
-  <p:clrMapOvr>
-    <a:masterClrMapping/>
-  </p:clrMapOvr>
 </p:sld>
 </file>
 
